--- a/侍寿司屋_企画仕様書.pptx
+++ b/侍寿司屋_企画仕様書.pptx
@@ -133,6 +133,9 @@
         </p14:section>
       </p14:sectionLst>
     </p:ext>
+    <p:ext uri="{EFAFB233-063F-42B5-8137-9DF3F51BA10A}">
+      <p15:sldGuideLst xmlns:p15="http://schemas.microsoft.com/office/powerpoint/2012/main"/>
+    </p:ext>
   </p:extLst>
 </p:presentation>
 </file>
@@ -268,7 +271,7 @@
           <a:p>
             <a:fld id="{EA09839B-FDFC-49F9-B956-C85EFC887E6D}" type="datetimeFigureOut">
               <a:rPr kumimoji="1" lang="ja-JP" altLang="en-US" smtClean="0"/>
-              <a:t>2018/2/28</a:t>
+              <a:t>2018/3/12</a:t>
             </a:fld>
             <a:endParaRPr kumimoji="1" lang="ja-JP" altLang="en-US"/>
           </a:p>
@@ -470,7 +473,7 @@
           <a:p>
             <a:fld id="{EA09839B-FDFC-49F9-B956-C85EFC887E6D}" type="datetimeFigureOut">
               <a:rPr kumimoji="1" lang="ja-JP" altLang="en-US" smtClean="0"/>
-              <a:t>2018/2/28</a:t>
+              <a:t>2018/3/12</a:t>
             </a:fld>
             <a:endParaRPr kumimoji="1" lang="ja-JP" altLang="en-US"/>
           </a:p>
@@ -682,7 +685,7 @@
           <a:p>
             <a:fld id="{EA09839B-FDFC-49F9-B956-C85EFC887E6D}" type="datetimeFigureOut">
               <a:rPr kumimoji="1" lang="ja-JP" altLang="en-US" smtClean="0"/>
-              <a:t>2018/2/28</a:t>
+              <a:t>2018/3/12</a:t>
             </a:fld>
             <a:endParaRPr kumimoji="1" lang="ja-JP" altLang="en-US"/>
           </a:p>
@@ -884,7 +887,7 @@
           <a:p>
             <a:fld id="{EA09839B-FDFC-49F9-B956-C85EFC887E6D}" type="datetimeFigureOut">
               <a:rPr kumimoji="1" lang="ja-JP" altLang="en-US" smtClean="0"/>
-              <a:t>2018/2/28</a:t>
+              <a:t>2018/3/12</a:t>
             </a:fld>
             <a:endParaRPr kumimoji="1" lang="ja-JP" altLang="en-US"/>
           </a:p>
@@ -1130,7 +1133,7 @@
           <a:p>
             <a:fld id="{EA09839B-FDFC-49F9-B956-C85EFC887E6D}" type="datetimeFigureOut">
               <a:rPr kumimoji="1" lang="ja-JP" altLang="en-US" smtClean="0"/>
-              <a:t>2018/2/28</a:t>
+              <a:t>2018/3/12</a:t>
             </a:fld>
             <a:endParaRPr kumimoji="1" lang="ja-JP" altLang="en-US"/>
           </a:p>
@@ -1426,7 +1429,7 @@
           <a:p>
             <a:fld id="{EA09839B-FDFC-49F9-B956-C85EFC887E6D}" type="datetimeFigureOut">
               <a:rPr kumimoji="1" lang="ja-JP" altLang="en-US" smtClean="0"/>
-              <a:t>2018/2/28</a:t>
+              <a:t>2018/3/12</a:t>
             </a:fld>
             <a:endParaRPr kumimoji="1" lang="ja-JP" altLang="en-US"/>
           </a:p>
@@ -1857,7 +1860,7 @@
           <a:p>
             <a:fld id="{EA09839B-FDFC-49F9-B956-C85EFC887E6D}" type="datetimeFigureOut">
               <a:rPr kumimoji="1" lang="ja-JP" altLang="en-US" smtClean="0"/>
-              <a:t>2018/2/28</a:t>
+              <a:t>2018/3/12</a:t>
             </a:fld>
             <a:endParaRPr kumimoji="1" lang="ja-JP" altLang="en-US"/>
           </a:p>
@@ -1975,7 +1978,7 @@
           <a:p>
             <a:fld id="{EA09839B-FDFC-49F9-B956-C85EFC887E6D}" type="datetimeFigureOut">
               <a:rPr kumimoji="1" lang="ja-JP" altLang="en-US" smtClean="0"/>
-              <a:t>2018/2/28</a:t>
+              <a:t>2018/3/12</a:t>
             </a:fld>
             <a:endParaRPr kumimoji="1" lang="ja-JP" altLang="en-US"/>
           </a:p>
@@ -2070,7 +2073,7 @@
           <a:p>
             <a:fld id="{EA09839B-FDFC-49F9-B956-C85EFC887E6D}" type="datetimeFigureOut">
               <a:rPr kumimoji="1" lang="ja-JP" altLang="en-US" smtClean="0"/>
-              <a:t>2018/2/28</a:t>
+              <a:t>2018/3/12</a:t>
             </a:fld>
             <a:endParaRPr kumimoji="1" lang="ja-JP" altLang="en-US"/>
           </a:p>
@@ -2379,7 +2382,7 @@
           <a:p>
             <a:fld id="{EA09839B-FDFC-49F9-B956-C85EFC887E6D}" type="datetimeFigureOut">
               <a:rPr kumimoji="1" lang="ja-JP" altLang="en-US" smtClean="0"/>
-              <a:t>2018/2/28</a:t>
+              <a:t>2018/3/12</a:t>
             </a:fld>
             <a:endParaRPr kumimoji="1" lang="ja-JP" altLang="en-US"/>
           </a:p>
@@ -2632,7 +2635,7 @@
           <a:p>
             <a:fld id="{EA09839B-FDFC-49F9-B956-C85EFC887E6D}" type="datetimeFigureOut">
               <a:rPr kumimoji="1" lang="ja-JP" altLang="en-US" smtClean="0"/>
-              <a:t>2018/2/28</a:t>
+              <a:t>2018/3/12</a:t>
             </a:fld>
             <a:endParaRPr kumimoji="1" lang="ja-JP" altLang="en-US"/>
           </a:p>
@@ -2877,7 +2880,7 @@
           <a:p>
             <a:fld id="{EA09839B-FDFC-49F9-B956-C85EFC887E6D}" type="datetimeFigureOut">
               <a:rPr kumimoji="1" lang="ja-JP" altLang="en-US" smtClean="0"/>
-              <a:t>2018/2/28</a:t>
+              <a:t>2018/3/12</a:t>
             </a:fld>
             <a:endParaRPr kumimoji="1" lang="ja-JP" altLang="en-US"/>
           </a:p>

--- a/侍寿司屋_企画仕様書.pptx
+++ b/侍寿司屋_企画仕様書.pptx
@@ -9,9 +9,10 @@
     <p:sldId id="257" r:id="rId3"/>
     <p:sldId id="258" r:id="rId4"/>
     <p:sldId id="259" r:id="rId5"/>
-    <p:sldId id="260" r:id="rId6"/>
-    <p:sldId id="262" r:id="rId7"/>
-    <p:sldId id="261" r:id="rId8"/>
+    <p:sldId id="263" r:id="rId6"/>
+    <p:sldId id="260" r:id="rId7"/>
+    <p:sldId id="262" r:id="rId8"/>
+    <p:sldId id="261" r:id="rId9"/>
   </p:sldIdLst>
   <p:sldSz cx="12192000" cy="6858000"/>
   <p:notesSz cx="6858000" cy="9144000"/>
@@ -126,6 +127,7 @@
             <p14:sldId id="257"/>
             <p14:sldId id="258"/>
             <p14:sldId id="259"/>
+            <p14:sldId id="263"/>
             <p14:sldId id="260"/>
             <p14:sldId id="262"/>
             <p14:sldId id="261"/>
@@ -3723,7 +3725,7 @@
           <a:p>
             <a:r>
               <a:rPr kumimoji="1" lang="ja-JP" altLang="en-US" dirty="0" smtClean="0"/>
-              <a:t>忍び</a:t>
+              <a:t>人気を集め、商売を盛り上げろ</a:t>
             </a:r>
             <a:endParaRPr kumimoji="1" lang="ja-JP" altLang="en-US" dirty="0"/>
           </a:p>
@@ -3744,7 +3746,11 @@
           <a:bodyPr/>
           <a:lstStyle/>
           <a:p>
-            <a:endParaRPr kumimoji="1" lang="ja-JP" altLang="en-US"/>
+            <a:r>
+              <a:rPr kumimoji="1" lang="ja-JP" altLang="en-US" dirty="0" smtClean="0"/>
+              <a:t>人気は商売のイノチ</a:t>
+            </a:r>
+            <a:endParaRPr kumimoji="1" lang="ja-JP" altLang="en-US" dirty="0"/>
           </a:p>
         </p:txBody>
       </p:sp>
@@ -3763,7 +3769,18 @@
           <a:bodyPr/>
           <a:lstStyle/>
           <a:p>
-            <a:endParaRPr kumimoji="1" lang="ja-JP" altLang="en-US"/>
+            <a:r>
+              <a:rPr kumimoji="1" lang="ja-JP" altLang="en-US" dirty="0" smtClean="0"/>
+              <a:t>上手くすしを作っていれば、店の人気が上がり、たくさんのお客様が来る</a:t>
+            </a:r>
+            <a:endParaRPr kumimoji="1" lang="en-US" altLang="ja-JP" dirty="0" smtClean="0"/>
+          </a:p>
+          <a:p>
+            <a:r>
+              <a:rPr kumimoji="1" lang="ja-JP" altLang="en-US" dirty="0" smtClean="0"/>
+              <a:t>寿司を食べてもらえば、お金がもらえる</a:t>
+            </a:r>
+            <a:endParaRPr kumimoji="1" lang="ja-JP" altLang="en-US" dirty="0"/>
           </a:p>
         </p:txBody>
       </p:sp>
@@ -3782,7 +3799,11 @@
           <a:bodyPr/>
           <a:lstStyle/>
           <a:p>
-            <a:endParaRPr kumimoji="1" lang="ja-JP" altLang="en-US"/>
+            <a:r>
+              <a:rPr kumimoji="1" lang="ja-JP" altLang="en-US" dirty="0" smtClean="0"/>
+              <a:t>だから客を大切に</a:t>
+            </a:r>
+            <a:endParaRPr kumimoji="1" lang="ja-JP" altLang="en-US" dirty="0"/>
           </a:p>
         </p:txBody>
       </p:sp>
@@ -3801,14 +3822,33 @@
           <a:bodyPr/>
           <a:lstStyle/>
           <a:p>
-            <a:endParaRPr kumimoji="1" lang="ja-JP" altLang="en-US"/>
+            <a:r>
+              <a:rPr kumimoji="1" lang="ja-JP" altLang="en-US" dirty="0" smtClean="0"/>
+              <a:t>すしを切るときは、お客様を切らないように要注意</a:t>
+            </a:r>
+            <a:endParaRPr kumimoji="1" lang="en-US" altLang="ja-JP" dirty="0" smtClean="0"/>
+          </a:p>
+          <a:p>
+            <a:r>
+              <a:rPr lang="ja-JP" altLang="en-US" dirty="0"/>
+              <a:t>人気</a:t>
+            </a:r>
+            <a:r>
+              <a:rPr lang="ja-JP" altLang="en-US" dirty="0" smtClean="0"/>
+              <a:t>がなくなるとゲーム</a:t>
+            </a:r>
+            <a:r>
+              <a:rPr lang="ja-JP" altLang="en-US" dirty="0"/>
+              <a:t>オーバー</a:t>
+            </a:r>
+            <a:endParaRPr kumimoji="1" lang="ja-JP" altLang="en-US" dirty="0"/>
           </a:p>
         </p:txBody>
       </p:sp>
     </p:spTree>
     <p:extLst>
       <p:ext uri="{BB962C8B-B14F-4D97-AF65-F5344CB8AC3E}">
-        <p14:creationId xmlns:p14="http://schemas.microsoft.com/office/powerpoint/2010/main" val="2343495230"/>
+        <p14:creationId xmlns:p14="http://schemas.microsoft.com/office/powerpoint/2010/main" val="2823977695"/>
       </p:ext>
     </p:extLst>
   </p:cSld>
@@ -3852,6 +3892,135 @@
           <a:p>
             <a:r>
               <a:rPr kumimoji="1" lang="ja-JP" altLang="en-US" dirty="0" smtClean="0"/>
+              <a:t>忍び</a:t>
+            </a:r>
+            <a:endParaRPr kumimoji="1" lang="ja-JP" altLang="en-US" dirty="0"/>
+          </a:p>
+        </p:txBody>
+      </p:sp>
+      <p:sp>
+        <p:nvSpPr>
+          <p:cNvPr id="3" name="テキスト プレースホルダー 2"/>
+          <p:cNvSpPr>
+            <a:spLocks noGrp="1"/>
+          </p:cNvSpPr>
+          <p:nvPr>
+            <p:ph type="body" idx="1"/>
+          </p:nvPr>
+        </p:nvSpPr>
+        <p:spPr/>
+        <p:txBody>
+          <a:bodyPr/>
+          <a:lstStyle/>
+          <a:p>
+            <a:endParaRPr kumimoji="1" lang="ja-JP" altLang="en-US"/>
+          </a:p>
+        </p:txBody>
+      </p:sp>
+      <p:sp>
+        <p:nvSpPr>
+          <p:cNvPr id="4" name="コンテンツ プレースホルダー 3"/>
+          <p:cNvSpPr>
+            <a:spLocks noGrp="1"/>
+          </p:cNvSpPr>
+          <p:nvPr>
+            <p:ph sz="half" idx="2"/>
+          </p:nvPr>
+        </p:nvSpPr>
+        <p:spPr/>
+        <p:txBody>
+          <a:bodyPr/>
+          <a:lstStyle/>
+          <a:p>
+            <a:endParaRPr kumimoji="1" lang="ja-JP" altLang="en-US"/>
+          </a:p>
+        </p:txBody>
+      </p:sp>
+      <p:sp>
+        <p:nvSpPr>
+          <p:cNvPr id="5" name="テキスト プレースホルダー 4"/>
+          <p:cNvSpPr>
+            <a:spLocks noGrp="1"/>
+          </p:cNvSpPr>
+          <p:nvPr>
+            <p:ph type="body" sz="quarter" idx="3"/>
+          </p:nvPr>
+        </p:nvSpPr>
+        <p:spPr/>
+        <p:txBody>
+          <a:bodyPr/>
+          <a:lstStyle/>
+          <a:p>
+            <a:endParaRPr kumimoji="1" lang="ja-JP" altLang="en-US"/>
+          </a:p>
+        </p:txBody>
+      </p:sp>
+      <p:sp>
+        <p:nvSpPr>
+          <p:cNvPr id="6" name="コンテンツ プレースホルダー 5"/>
+          <p:cNvSpPr>
+            <a:spLocks noGrp="1"/>
+          </p:cNvSpPr>
+          <p:nvPr>
+            <p:ph sz="quarter" idx="4"/>
+          </p:nvPr>
+        </p:nvSpPr>
+        <p:spPr/>
+        <p:txBody>
+          <a:bodyPr/>
+          <a:lstStyle/>
+          <a:p>
+            <a:endParaRPr kumimoji="1" lang="ja-JP" altLang="en-US"/>
+          </a:p>
+        </p:txBody>
+      </p:sp>
+    </p:spTree>
+    <p:extLst>
+      <p:ext uri="{BB962C8B-B14F-4D97-AF65-F5344CB8AC3E}">
+        <p14:creationId xmlns:p14="http://schemas.microsoft.com/office/powerpoint/2010/main" val="2343495230"/>
+      </p:ext>
+    </p:extLst>
+  </p:cSld>
+  <p:clrMapOvr>
+    <a:masterClrMapping/>
+  </p:clrMapOvr>
+</p:sld>
+</file>
+
+<file path=ppt/slides/slide7.xml><?xml version="1.0" encoding="utf-8"?>
+<p:sld xmlns:a="http://schemas.openxmlformats.org/drawingml/2006/main" xmlns:r="http://schemas.openxmlformats.org/officeDocument/2006/relationships" xmlns:p="http://schemas.openxmlformats.org/presentationml/2006/main">
+  <p:cSld>
+    <p:spTree>
+      <p:nvGrpSpPr>
+        <p:cNvPr id="1" name=""/>
+        <p:cNvGrpSpPr/>
+        <p:nvPr/>
+      </p:nvGrpSpPr>
+      <p:grpSpPr>
+        <a:xfrm>
+          <a:off x="0" y="0"/>
+          <a:ext cx="0" cy="0"/>
+          <a:chOff x="0" y="0"/>
+          <a:chExt cx="0" cy="0"/>
+        </a:xfrm>
+      </p:grpSpPr>
+      <p:sp>
+        <p:nvSpPr>
+          <p:cNvPr id="2" name="タイトル 1"/>
+          <p:cNvSpPr>
+            <a:spLocks noGrp="1"/>
+          </p:cNvSpPr>
+          <p:nvPr>
+            <p:ph type="title"/>
+          </p:nvPr>
+        </p:nvSpPr>
+        <p:spPr/>
+        <p:txBody>
+          <a:bodyPr/>
+          <a:lstStyle/>
+          <a:p>
+            <a:r>
+              <a:rPr kumimoji="1" lang="ja-JP" altLang="en-US" dirty="0" smtClean="0"/>
               <a:t>忍びの退治</a:t>
             </a:r>
             <a:endParaRPr kumimoji="1" lang="ja-JP" altLang="en-US" dirty="0"/>
@@ -3947,7 +4116,7 @@
 </p:sld>
 </file>
 
-<file path=ppt/slides/slide7.xml><?xml version="1.0" encoding="utf-8"?>
+<file path=ppt/slides/slide8.xml><?xml version="1.0" encoding="utf-8"?>
 <p:sld xmlns:a="http://schemas.openxmlformats.org/drawingml/2006/main" xmlns:r="http://schemas.openxmlformats.org/officeDocument/2006/relationships" xmlns:p="http://schemas.openxmlformats.org/presentationml/2006/main">
   <p:cSld>
     <p:spTree>

--- a/侍寿司屋_企画仕様書.pptx
+++ b/侍寿司屋_企画仕様書.pptx
@@ -2,17 +2,18 @@
 <file path=ppt/presentation.xml><?xml version="1.0" encoding="utf-8"?>
 <p:presentation xmlns:a="http://schemas.openxmlformats.org/drawingml/2006/main" xmlns:r="http://schemas.openxmlformats.org/officeDocument/2006/relationships" xmlns:p="http://schemas.openxmlformats.org/presentationml/2006/main" saveSubsetFonts="1">
   <p:sldMasterIdLst>
-    <p:sldMasterId id="2147483648" r:id="rId1"/>
+    <p:sldMasterId id="2147483660" r:id="rId1"/>
   </p:sldMasterIdLst>
   <p:sldIdLst>
     <p:sldId id="256" r:id="rId2"/>
     <p:sldId id="257" r:id="rId3"/>
-    <p:sldId id="258" r:id="rId4"/>
-    <p:sldId id="259" r:id="rId5"/>
-    <p:sldId id="263" r:id="rId6"/>
-    <p:sldId id="260" r:id="rId7"/>
-    <p:sldId id="262" r:id="rId8"/>
-    <p:sldId id="261" r:id="rId9"/>
+    <p:sldId id="264" r:id="rId4"/>
+    <p:sldId id="258" r:id="rId5"/>
+    <p:sldId id="259" r:id="rId6"/>
+    <p:sldId id="263" r:id="rId7"/>
+    <p:sldId id="260" r:id="rId8"/>
+    <p:sldId id="262" r:id="rId9"/>
+    <p:sldId id="261" r:id="rId10"/>
   </p:sldIdLst>
   <p:sldSz cx="12192000" cy="6858000"/>
   <p:notesSz cx="6858000" cy="9144000"/>
@@ -125,6 +126,7 @@
         <p14:section name="遊び方" id="{68E84D0C-BC6B-4FDE-9824-44CF824DADF2}">
           <p14:sldIdLst>
             <p14:sldId id="257"/>
+            <p14:sldId id="264"/>
             <p14:sldId id="258"/>
             <p14:sldId id="259"/>
             <p14:sldId id="263"/>
@@ -143,7 +145,7 @@
 </file>
 
 <file path=ppt/slideLayouts/slideLayout1.xml><?xml version="1.0" encoding="utf-8"?>
-<p:sldLayout xmlns:a="http://schemas.openxmlformats.org/drawingml/2006/main" xmlns:r="http://schemas.openxmlformats.org/officeDocument/2006/relationships" xmlns:p="http://schemas.openxmlformats.org/presentationml/2006/main" type="title" preserve="1">
+<p:sldLayout xmlns:a="http://schemas.openxmlformats.org/drawingml/2006/main" xmlns:r="http://schemas.openxmlformats.org/officeDocument/2006/relationships" xmlns:p="http://schemas.openxmlformats.org/presentationml/2006/main" showMasterSp="0" type="title" preserve="1">
   <p:cSld name="タイトル スライド">
     <p:spTree>
       <p:nvGrpSpPr>
@@ -161,39 +163,305 @@
       </p:grpSpPr>
       <p:sp>
         <p:nvSpPr>
-          <p:cNvPr id="2" name="タイトル 1"/>
-          <p:cNvSpPr>
-            <a:spLocks noGrp="1"/>
-          </p:cNvSpPr>
-          <p:nvPr>
-            <p:ph type="ctrTitle"/>
-          </p:nvPr>
+          <p:cNvPr id="7" name="Rectangle 6"/>
+          <p:cNvSpPr/>
+          <p:nvPr/>
         </p:nvSpPr>
         <p:spPr>
           <a:xfrm>
-            <a:off x="1524000" y="1122363"/>
-            <a:ext cx="9144000" cy="2387600"/>
+            <a:off x="920834" y="1346946"/>
+            <a:ext cx="10222992" cy="80683"/>
+          </a:xfrm>
+          <a:prstGeom prst="rect">
+            <a:avLst/>
+          </a:prstGeom>
+          <a:blipFill dpi="0" rotWithShape="1">
+            <a:blip r:embed="rId2">
+              <a:alphaModFix amt="85000"/>
+              <a:lum bright="70000" contrast="-70000"/>
+              <a:extLst>
+                <a:ext uri="{BEBA8EAE-BF5A-486C-A8C5-ECC9F3942E4B}">
+                  <a14:imgProps xmlns:a14="http://schemas.microsoft.com/office/drawing/2010/main">
+                    <a14:imgLayer r:embed="rId3">
+                      <a14:imgEffect>
+                        <a14:sharpenSoften amount="61000"/>
+                      </a14:imgEffect>
+                    </a14:imgLayer>
+                  </a14:imgProps>
+                </a:ext>
+                <a:ext uri="{28A0092B-C50C-407E-A947-70E740481C1C}">
+                  <a14:useLocalDpi xmlns:a14="http://schemas.microsoft.com/office/drawing/2010/main" val="0"/>
+                </a:ext>
+              </a:extLst>
+            </a:blip>
+            <a:srcRect/>
+            <a:tile tx="0" ty="-762000" sx="92000" sy="89000" flip="xy" algn="ctr"/>
+          </a:blipFill>
+          <a:ln>
+            <a:noFill/>
+          </a:ln>
+        </p:spPr>
+        <p:style>
+          <a:lnRef idx="2">
+            <a:schemeClr val="accent1">
+              <a:shade val="50000"/>
+            </a:schemeClr>
+          </a:lnRef>
+          <a:fillRef idx="1">
+            <a:schemeClr val="accent1"/>
+          </a:fillRef>
+          <a:effectRef idx="0">
+            <a:schemeClr val="accent1"/>
+          </a:effectRef>
+          <a:fontRef idx="minor">
+            <a:schemeClr val="lt1"/>
+          </a:fontRef>
+        </p:style>
+      </p:sp>
+      <p:sp>
+        <p:nvSpPr>
+          <p:cNvPr id="8" name="Rectangle 7"/>
+          <p:cNvSpPr/>
+          <p:nvPr/>
+        </p:nvSpPr>
+        <p:spPr>
+          <a:xfrm>
+            <a:off x="920834" y="4299696"/>
+            <a:ext cx="10222992" cy="80683"/>
+          </a:xfrm>
+          <a:prstGeom prst="rect">
+            <a:avLst/>
+          </a:prstGeom>
+          <a:blipFill dpi="0" rotWithShape="1">
+            <a:blip r:embed="rId2">
+              <a:alphaModFix amt="85000"/>
+              <a:lum bright="70000" contrast="-70000"/>
+              <a:extLst>
+                <a:ext uri="{BEBA8EAE-BF5A-486C-A8C5-ECC9F3942E4B}">
+                  <a14:imgProps xmlns:a14="http://schemas.microsoft.com/office/drawing/2010/main">
+                    <a14:imgLayer r:embed="rId3">
+                      <a14:imgEffect>
+                        <a14:sharpenSoften amount="61000"/>
+                      </a14:imgEffect>
+                    </a14:imgLayer>
+                  </a14:imgProps>
+                </a:ext>
+                <a:ext uri="{28A0092B-C50C-407E-A947-70E740481C1C}">
+                  <a14:useLocalDpi xmlns:a14="http://schemas.microsoft.com/office/drawing/2010/main" val="0"/>
+                </a:ext>
+              </a:extLst>
+            </a:blip>
+            <a:srcRect/>
+            <a:tile tx="0" ty="-717550" sx="92000" sy="89000" flip="xy" algn="ctr"/>
+          </a:blipFill>
+          <a:ln>
+            <a:noFill/>
+          </a:ln>
+        </p:spPr>
+        <p:style>
+          <a:lnRef idx="2">
+            <a:schemeClr val="accent1">
+              <a:shade val="50000"/>
+            </a:schemeClr>
+          </a:lnRef>
+          <a:fillRef idx="1">
+            <a:schemeClr val="accent1"/>
+          </a:fillRef>
+          <a:effectRef idx="0">
+            <a:schemeClr val="accent1"/>
+          </a:effectRef>
+          <a:fontRef idx="minor">
+            <a:schemeClr val="lt1"/>
+          </a:fontRef>
+        </p:style>
+      </p:sp>
+      <p:sp>
+        <p:nvSpPr>
+          <p:cNvPr id="9" name="Rectangle 8"/>
+          <p:cNvSpPr/>
+          <p:nvPr/>
+        </p:nvSpPr>
+        <p:spPr>
+          <a:xfrm>
+            <a:off x="920834" y="1484779"/>
+            <a:ext cx="10222992" cy="2743200"/>
+          </a:xfrm>
+          <a:prstGeom prst="rect">
+            <a:avLst/>
+          </a:prstGeom>
+          <a:blipFill dpi="0" rotWithShape="1">
+            <a:blip r:embed="rId2">
+              <a:alphaModFix amt="85000"/>
+              <a:lum bright="70000" contrast="-70000"/>
+              <a:extLst>
+                <a:ext uri="{BEBA8EAE-BF5A-486C-A8C5-ECC9F3942E4B}">
+                  <a14:imgProps xmlns:a14="http://schemas.microsoft.com/office/drawing/2010/main">
+                    <a14:imgLayer r:embed="rId3">
+                      <a14:imgEffect>
+                        <a14:sharpenSoften amount="61000"/>
+                      </a14:imgEffect>
+                    </a14:imgLayer>
+                  </a14:imgProps>
+                </a:ext>
+                <a:ext uri="{28A0092B-C50C-407E-A947-70E740481C1C}">
+                  <a14:useLocalDpi xmlns:a14="http://schemas.microsoft.com/office/drawing/2010/main" val="0"/>
+                </a:ext>
+              </a:extLst>
+            </a:blip>
+            <a:srcRect/>
+            <a:tile tx="0" ty="-704850" sx="92000" sy="89000" flip="xy" algn="ctr"/>
+          </a:blipFill>
+          <a:ln>
+            <a:noFill/>
+          </a:ln>
+        </p:spPr>
+        <p:style>
+          <a:lnRef idx="2">
+            <a:schemeClr val="accent1">
+              <a:shade val="50000"/>
+            </a:schemeClr>
+          </a:lnRef>
+          <a:fillRef idx="1">
+            <a:schemeClr val="accent1"/>
+          </a:fillRef>
+          <a:effectRef idx="0">
+            <a:schemeClr val="accent1"/>
+          </a:effectRef>
+          <a:fontRef idx="minor">
+            <a:schemeClr val="lt1"/>
+          </a:fontRef>
+        </p:style>
+      </p:sp>
+      <p:grpSp>
+        <p:nvGrpSpPr>
+          <p:cNvPr id="10" name="Group 9"/>
+          <p:cNvGrpSpPr/>
+          <p:nvPr/>
+        </p:nvGrpSpPr>
+        <p:grpSpPr>
+          <a:xfrm>
+            <a:off x="9649215" y="4068923"/>
+            <a:ext cx="1080904" cy="1080902"/>
+            <a:chOff x="9685338" y="4460675"/>
+            <a:chExt cx="1080904" cy="1080902"/>
+          </a:xfrm>
+        </p:grpSpPr>
+        <p:sp>
+          <p:nvSpPr>
+            <p:cNvPr id="11" name="Oval 10"/>
+            <p:cNvSpPr/>
+            <p:nvPr/>
+          </p:nvSpPr>
+          <p:spPr>
+            <a:xfrm>
+              <a:off x="9685338" y="4460675"/>
+              <a:ext cx="1080904" cy="1080902"/>
+            </a:xfrm>
+            <a:prstGeom prst="ellipse">
+              <a:avLst/>
+            </a:prstGeom>
+            <a:blipFill dpi="0" rotWithShape="1">
+              <a:blip r:embed="rId4">
+                <a:duotone>
+                  <a:schemeClr val="accent1">
+                    <a:shade val="45000"/>
+                    <a:satMod val="135000"/>
+                  </a:schemeClr>
+                  <a:prstClr val="white"/>
+                </a:duotone>
+                <a:extLst>
+                  <a:ext uri="{BEBA8EAE-BF5A-486C-A8C5-ECC9F3942E4B}">
+                    <a14:imgProps xmlns:a14="http://schemas.microsoft.com/office/drawing/2010/main">
+                      <a14:imgLayer r:embed="rId5">
+                        <a14:imgEffect>
+                          <a14:saturation sat="95000"/>
+                        </a14:imgEffect>
+                      </a14:imgLayer>
+                    </a14:imgProps>
+                  </a:ext>
+                </a:extLst>
+              </a:blip>
+              <a:srcRect/>
+              <a:tile tx="0" ty="0" sx="85000" sy="85000" flip="none" algn="tl"/>
+            </a:blipFill>
+            <a:ln w="25400" cap="flat" cmpd="sng" algn="ctr">
+              <a:noFill/>
+              <a:prstDash val="solid"/>
+            </a:ln>
+            <a:effectLst/>
+          </p:spPr>
+        </p:sp>
+        <p:sp>
+          <p:nvSpPr>
+            <p:cNvPr id="12" name="Oval 11"/>
+            <p:cNvSpPr/>
+            <p:nvPr/>
+          </p:nvSpPr>
+          <p:spPr>
+            <a:xfrm>
+              <a:off x="9793429" y="4568765"/>
+              <a:ext cx="864723" cy="864722"/>
+            </a:xfrm>
+            <a:prstGeom prst="ellipse">
+              <a:avLst/>
+            </a:prstGeom>
+            <a:noFill/>
+            <a:ln w="25400" cap="flat" cmpd="sng" algn="ctr">
+              <a:solidFill>
+                <a:sysClr val="window" lastClr="FFFFFF"/>
+              </a:solidFill>
+              <a:prstDash val="solid"/>
+            </a:ln>
+            <a:effectLst/>
+          </p:spPr>
+        </p:sp>
+      </p:grpSp>
+      <p:sp>
+        <p:nvSpPr>
+          <p:cNvPr id="2" name="Title 1"/>
+          <p:cNvSpPr>
+            <a:spLocks noGrp="1"/>
+          </p:cNvSpPr>
+          <p:nvPr>
+            <p:ph type="ctrTitle"/>
+          </p:nvPr>
+        </p:nvSpPr>
+        <p:spPr>
+          <a:xfrm>
+            <a:off x="1051560" y="1432223"/>
+            <a:ext cx="9966960" cy="3035808"/>
           </a:xfrm>
         </p:spPr>
         <p:txBody>
-          <a:bodyPr anchor="b"/>
+          <a:bodyPr anchor="ctr">
+            <a:noAutofit/>
+          </a:bodyPr>
           <a:lstStyle>
-            <a:lvl1pPr algn="ctr">
-              <a:defRPr sz="6000"/>
+            <a:lvl1pPr algn="l">
+              <a:lnSpc>
+                <a:spcPct val="80000"/>
+              </a:lnSpc>
+              <a:defRPr sz="9600" cap="all" baseline="0">
+                <a:blipFill dpi="0" rotWithShape="1">
+                  <a:blip r:embed="rId4"/>
+                  <a:srcRect/>
+                  <a:tile tx="6350" ty="-127000" sx="65000" sy="64000" flip="none" algn="tl"/>
+                </a:blipFill>
+              </a:defRPr>
             </a:lvl1pPr>
           </a:lstStyle>
           <a:p>
             <a:r>
-              <a:rPr kumimoji="1" lang="ja-JP" altLang="en-US" smtClean="0"/>
+              <a:rPr lang="ja-JP" altLang="en-US" smtClean="0"/>
               <a:t>マスター タイトルの書式設定</a:t>
             </a:r>
-            <a:endParaRPr kumimoji="1" lang="ja-JP" altLang="en-US"/>
-          </a:p>
-        </p:txBody>
-      </p:sp>
-      <p:sp>
-        <p:nvSpPr>
-          <p:cNvPr id="3" name="サブタイトル 2"/>
+            <a:endParaRPr lang="en-US" dirty="0"/>
+          </a:p>
+        </p:txBody>
+      </p:sp>
+      <p:sp>
+        <p:nvSpPr>
+          <p:cNvPr id="3" name="Subtitle 2"/>
           <p:cNvSpPr>
             <a:spLocks noGrp="1"/>
           </p:cNvSpPr>
@@ -203,62 +471,68 @@
         </p:nvSpPr>
         <p:spPr>
           <a:xfrm>
-            <a:off x="1524000" y="3602038"/>
-            <a:ext cx="9144000" cy="1655762"/>
+            <a:off x="1069848" y="4389120"/>
+            <a:ext cx="7891272" cy="1069848"/>
           </a:xfrm>
         </p:spPr>
         <p:txBody>
-          <a:bodyPr/>
+          <a:bodyPr>
+            <a:normAutofit/>
+          </a:bodyPr>
           <a:lstStyle>
-            <a:lvl1pPr marL="0" indent="0" algn="ctr">
-              <a:buNone/>
-              <a:defRPr sz="2400"/>
+            <a:lvl1pPr marL="0" indent="0" algn="l">
+              <a:buNone/>
+              <a:defRPr sz="2200">
+                <a:solidFill>
+                  <a:schemeClr val="tx1"/>
+                </a:solidFill>
+              </a:defRPr>
             </a:lvl1pPr>
             <a:lvl2pPr marL="457200" indent="0" algn="ctr">
               <a:buNone/>
-              <a:defRPr sz="2000"/>
+              <a:defRPr sz="2200"/>
             </a:lvl2pPr>
             <a:lvl3pPr marL="914400" indent="0" algn="ctr">
               <a:buNone/>
-              <a:defRPr sz="1800"/>
+              <a:defRPr sz="2200"/>
             </a:lvl3pPr>
             <a:lvl4pPr marL="1371600" indent="0" algn="ctr">
               <a:buNone/>
-              <a:defRPr sz="1600"/>
+              <a:defRPr sz="2000"/>
             </a:lvl4pPr>
             <a:lvl5pPr marL="1828800" indent="0" algn="ctr">
               <a:buNone/>
-              <a:defRPr sz="1600"/>
+              <a:defRPr sz="2000"/>
             </a:lvl5pPr>
             <a:lvl6pPr marL="2286000" indent="0" algn="ctr">
               <a:buNone/>
-              <a:defRPr sz="1600"/>
+              <a:defRPr sz="2000"/>
             </a:lvl6pPr>
             <a:lvl7pPr marL="2743200" indent="0" algn="ctr">
               <a:buNone/>
-              <a:defRPr sz="1600"/>
+              <a:defRPr sz="2000"/>
             </a:lvl7pPr>
             <a:lvl8pPr marL="3200400" indent="0" algn="ctr">
               <a:buNone/>
-              <a:defRPr sz="1600"/>
+              <a:defRPr sz="2000"/>
             </a:lvl8pPr>
             <a:lvl9pPr marL="3657600" indent="0" algn="ctr">
               <a:buNone/>
-              <a:defRPr sz="1600"/>
+              <a:defRPr sz="2000"/>
             </a:lvl9pPr>
           </a:lstStyle>
           <a:p>
             <a:r>
-              <a:rPr kumimoji="1" lang="ja-JP" altLang="en-US" smtClean="0"/>
+              <a:rPr lang="ja-JP" altLang="en-US" smtClean="0"/>
               <a:t>マスター サブタイトルの書式設定</a:t>
             </a:r>
-            <a:endParaRPr kumimoji="1" lang="ja-JP" altLang="en-US"/>
-          </a:p>
-        </p:txBody>
-      </p:sp>
-      <p:sp>
-        <p:nvSpPr>
-          <p:cNvPr id="4" name="日付プレースホルダー 3"/>
+            <a:endParaRPr lang="en-US" dirty="0"/>
+          </a:p>
+        </p:txBody>
+      </p:sp>
+      <p:sp>
+        <p:nvSpPr>
+          <p:cNvPr id="4" name="Date Placeholder 3"/>
           <p:cNvSpPr>
             <a:spLocks noGrp="1"/>
           </p:cNvSpPr>
@@ -273,7 +547,7 @@
           <a:p>
             <a:fld id="{EA09839B-FDFC-49F9-B956-C85EFC887E6D}" type="datetimeFigureOut">
               <a:rPr kumimoji="1" lang="ja-JP" altLang="en-US" smtClean="0"/>
-              <a:t>2018/3/12</a:t>
+              <a:t>2018/3/15</a:t>
             </a:fld>
             <a:endParaRPr kumimoji="1" lang="ja-JP" altLang="en-US"/>
           </a:p>
@@ -281,7 +555,7 @@
       </p:sp>
       <p:sp>
         <p:nvSpPr>
-          <p:cNvPr id="5" name="フッター プレースホルダー 4"/>
+          <p:cNvPr id="5" name="Footer Placeholder 4"/>
           <p:cNvSpPr>
             <a:spLocks noGrp="1"/>
           </p:cNvSpPr>
@@ -300,7 +574,7 @@
       </p:sp>
       <p:sp>
         <p:nvSpPr>
-          <p:cNvPr id="6" name="スライド番号プレースホルダー 5"/>
+          <p:cNvPr id="6" name="Slide Number Placeholder 5"/>
           <p:cNvSpPr>
             <a:spLocks noGrp="1"/>
           </p:cNvSpPr>
@@ -308,10 +582,19 @@
             <p:ph type="sldNum" sz="quarter" idx="12"/>
           </p:nvPr>
         </p:nvSpPr>
-        <p:spPr/>
-        <p:txBody>
-          <a:bodyPr/>
-          <a:lstStyle/>
+        <p:spPr>
+          <a:xfrm>
+            <a:off x="9592733" y="4289334"/>
+            <a:ext cx="1193868" cy="640080"/>
+          </a:xfrm>
+        </p:spPr>
+        <p:txBody>
+          <a:bodyPr/>
+          <a:lstStyle>
+            <a:lvl1pPr>
+              <a:defRPr sz="2800"/>
+            </a:lvl1pPr>
+          </a:lstStyle>
           <a:p>
             <a:fld id="{F81B24D7-E4E3-4AB0-A36F-ACBD4F0B23DC}" type="slidenum">
               <a:rPr kumimoji="1" lang="ja-JP" altLang="en-US" smtClean="0"/>
@@ -324,7 +607,7 @@
     </p:spTree>
     <p:extLst>
       <p:ext uri="{BB962C8B-B14F-4D97-AF65-F5344CB8AC3E}">
-        <p14:creationId xmlns:p14="http://schemas.microsoft.com/office/powerpoint/2010/main" val="1431679125"/>
+        <p14:creationId xmlns:p14="http://schemas.microsoft.com/office/powerpoint/2010/main" val="1819955877"/>
       </p:ext>
     </p:extLst>
   </p:cSld>
@@ -353,7 +636,7 @@
       </p:grpSpPr>
       <p:sp>
         <p:nvSpPr>
-          <p:cNvPr id="2" name="タイトル 1"/>
+          <p:cNvPr id="2" name="Title 1"/>
           <p:cNvSpPr>
             <a:spLocks noGrp="1"/>
           </p:cNvSpPr>
@@ -367,16 +650,16 @@
           <a:lstStyle/>
           <a:p>
             <a:r>
-              <a:rPr kumimoji="1" lang="ja-JP" altLang="en-US" smtClean="0"/>
+              <a:rPr lang="ja-JP" altLang="en-US" smtClean="0"/>
               <a:t>マスター タイトルの書式設定</a:t>
             </a:r>
-            <a:endParaRPr kumimoji="1" lang="ja-JP" altLang="en-US"/>
-          </a:p>
-        </p:txBody>
-      </p:sp>
-      <p:sp>
-        <p:nvSpPr>
-          <p:cNvPr id="3" name="縦書きテキスト プレースホルダー 2"/>
+            <a:endParaRPr lang="en-US" dirty="0"/>
+          </a:p>
+        </p:txBody>
+      </p:sp>
+      <p:sp>
+        <p:nvSpPr>
+          <p:cNvPr id="3" name="Vertical Text Placeholder 2"/>
           <p:cNvSpPr>
             <a:spLocks noGrp="1"/>
           </p:cNvSpPr>
@@ -391,76 +674,76 @@
           <a:p>
             <a:pPr lvl="0"/>
             <a:r>
-              <a:rPr kumimoji="1" lang="ja-JP" altLang="en-US" smtClean="0"/>
+              <a:rPr lang="ja-JP" altLang="en-US" smtClean="0"/>
               <a:t>マスター テキストの書式設定</a:t>
             </a:r>
           </a:p>
           <a:p>
             <a:pPr lvl="1"/>
             <a:r>
-              <a:rPr kumimoji="1" lang="ja-JP" altLang="en-US" smtClean="0"/>
+              <a:rPr lang="ja-JP" altLang="en-US" smtClean="0"/>
               <a:t>第 </a:t>
             </a:r>
             <a:r>
-              <a:rPr kumimoji="1" lang="en-US" altLang="ja-JP" smtClean="0"/>
+              <a:rPr lang="en-US" altLang="ja-JP" smtClean="0"/>
               <a:t>2 </a:t>
             </a:r>
             <a:r>
-              <a:rPr kumimoji="1" lang="ja-JP" altLang="en-US" smtClean="0"/>
+              <a:rPr lang="ja-JP" altLang="en-US" smtClean="0"/>
               <a:t>レベル</a:t>
             </a:r>
           </a:p>
           <a:p>
             <a:pPr lvl="2"/>
             <a:r>
-              <a:rPr kumimoji="1" lang="ja-JP" altLang="en-US" smtClean="0"/>
+              <a:rPr lang="ja-JP" altLang="en-US" smtClean="0"/>
               <a:t>第 </a:t>
             </a:r>
             <a:r>
-              <a:rPr kumimoji="1" lang="en-US" altLang="ja-JP" smtClean="0"/>
+              <a:rPr lang="en-US" altLang="ja-JP" smtClean="0"/>
               <a:t>3 </a:t>
             </a:r>
             <a:r>
-              <a:rPr kumimoji="1" lang="ja-JP" altLang="en-US" smtClean="0"/>
+              <a:rPr lang="ja-JP" altLang="en-US" smtClean="0"/>
               <a:t>レベル</a:t>
             </a:r>
           </a:p>
           <a:p>
             <a:pPr lvl="3"/>
             <a:r>
-              <a:rPr kumimoji="1" lang="ja-JP" altLang="en-US" smtClean="0"/>
+              <a:rPr lang="ja-JP" altLang="en-US" smtClean="0"/>
               <a:t>第 </a:t>
             </a:r>
             <a:r>
-              <a:rPr kumimoji="1" lang="en-US" altLang="ja-JP" smtClean="0"/>
+              <a:rPr lang="en-US" altLang="ja-JP" smtClean="0"/>
               <a:t>4 </a:t>
             </a:r>
             <a:r>
-              <a:rPr kumimoji="1" lang="ja-JP" altLang="en-US" smtClean="0"/>
+              <a:rPr lang="ja-JP" altLang="en-US" smtClean="0"/>
               <a:t>レベル</a:t>
             </a:r>
           </a:p>
           <a:p>
             <a:pPr lvl="4"/>
             <a:r>
-              <a:rPr kumimoji="1" lang="ja-JP" altLang="en-US" smtClean="0"/>
+              <a:rPr lang="ja-JP" altLang="en-US" smtClean="0"/>
               <a:t>第 </a:t>
             </a:r>
             <a:r>
-              <a:rPr kumimoji="1" lang="en-US" altLang="ja-JP" smtClean="0"/>
+              <a:rPr lang="en-US" altLang="ja-JP" smtClean="0"/>
               <a:t>5 </a:t>
             </a:r>
             <a:r>
-              <a:rPr kumimoji="1" lang="ja-JP" altLang="en-US" smtClean="0"/>
+              <a:rPr lang="ja-JP" altLang="en-US" smtClean="0"/>
               <a:t>レベル</a:t>
             </a:r>
-            <a:endParaRPr kumimoji="1" lang="ja-JP" altLang="en-US"/>
-          </a:p>
-        </p:txBody>
-      </p:sp>
-      <p:sp>
-        <p:nvSpPr>
-          <p:cNvPr id="4" name="日付プレースホルダー 3"/>
+            <a:endParaRPr lang="en-US" dirty="0"/>
+          </a:p>
+        </p:txBody>
+      </p:sp>
+      <p:sp>
+        <p:nvSpPr>
+          <p:cNvPr id="4" name="Date Placeholder 3"/>
           <p:cNvSpPr>
             <a:spLocks noGrp="1"/>
           </p:cNvSpPr>
@@ -475,7 +758,7 @@
           <a:p>
             <a:fld id="{EA09839B-FDFC-49F9-B956-C85EFC887E6D}" type="datetimeFigureOut">
               <a:rPr kumimoji="1" lang="ja-JP" altLang="en-US" smtClean="0"/>
-              <a:t>2018/3/12</a:t>
+              <a:t>2018/3/15</a:t>
             </a:fld>
             <a:endParaRPr kumimoji="1" lang="ja-JP" altLang="en-US"/>
           </a:p>
@@ -483,7 +766,7 @@
       </p:sp>
       <p:sp>
         <p:nvSpPr>
-          <p:cNvPr id="5" name="フッター プレースホルダー 4"/>
+          <p:cNvPr id="5" name="Footer Placeholder 4"/>
           <p:cNvSpPr>
             <a:spLocks noGrp="1"/>
           </p:cNvSpPr>
@@ -502,7 +785,7 @@
       </p:sp>
       <p:sp>
         <p:nvSpPr>
-          <p:cNvPr id="6" name="スライド番号プレースホルダー 5"/>
+          <p:cNvPr id="6" name="Slide Number Placeholder 5"/>
           <p:cNvSpPr>
             <a:spLocks noGrp="1"/>
           </p:cNvSpPr>
@@ -526,7 +809,7 @@
     </p:spTree>
     <p:extLst>
       <p:ext uri="{BB962C8B-B14F-4D97-AF65-F5344CB8AC3E}">
-        <p14:creationId xmlns:p14="http://schemas.microsoft.com/office/powerpoint/2010/main" val="2223590594"/>
+        <p14:creationId xmlns:p14="http://schemas.microsoft.com/office/powerpoint/2010/main" val="145729912"/>
       </p:ext>
     </p:extLst>
   </p:cSld>
@@ -555,7 +838,7 @@
       </p:grpSpPr>
       <p:sp>
         <p:nvSpPr>
-          <p:cNvPr id="2" name="縦書きタイトル 1"/>
+          <p:cNvPr id="2" name="Vertical Title 1"/>
           <p:cNvSpPr>
             <a:spLocks noGrp="1"/>
           </p:cNvSpPr>
@@ -565,8 +848,8 @@
         </p:nvSpPr>
         <p:spPr>
           <a:xfrm>
-            <a:off x="8724900" y="365125"/>
-            <a:ext cx="2628900" cy="5811838"/>
+            <a:off x="8724900" y="533400"/>
+            <a:ext cx="2552700" cy="5638800"/>
           </a:xfrm>
         </p:spPr>
         <p:txBody>
@@ -574,16 +857,16 @@
           <a:lstStyle/>
           <a:p>
             <a:r>
-              <a:rPr kumimoji="1" lang="ja-JP" altLang="en-US" smtClean="0"/>
+              <a:rPr lang="ja-JP" altLang="en-US" smtClean="0"/>
               <a:t>マスター タイトルの書式設定</a:t>
             </a:r>
-            <a:endParaRPr kumimoji="1" lang="ja-JP" altLang="en-US"/>
-          </a:p>
-        </p:txBody>
-      </p:sp>
-      <p:sp>
-        <p:nvSpPr>
-          <p:cNvPr id="3" name="縦書きテキスト プレースホルダー 2"/>
+            <a:endParaRPr lang="en-US" dirty="0"/>
+          </a:p>
+        </p:txBody>
+      </p:sp>
+      <p:sp>
+        <p:nvSpPr>
+          <p:cNvPr id="3" name="Vertical Text Placeholder 2"/>
           <p:cNvSpPr>
             <a:spLocks noGrp="1"/>
           </p:cNvSpPr>
@@ -593,8 +876,8 @@
         </p:nvSpPr>
         <p:spPr>
           <a:xfrm>
-            <a:off x="838200" y="365125"/>
-            <a:ext cx="7734300" cy="5811838"/>
+            <a:off x="1066800" y="533400"/>
+            <a:ext cx="7505700" cy="5638800"/>
           </a:xfrm>
         </p:spPr>
         <p:txBody>
@@ -603,76 +886,76 @@
           <a:p>
             <a:pPr lvl="0"/>
             <a:r>
-              <a:rPr kumimoji="1" lang="ja-JP" altLang="en-US" smtClean="0"/>
+              <a:rPr lang="ja-JP" altLang="en-US" smtClean="0"/>
               <a:t>マスター テキストの書式設定</a:t>
             </a:r>
           </a:p>
           <a:p>
             <a:pPr lvl="1"/>
             <a:r>
-              <a:rPr kumimoji="1" lang="ja-JP" altLang="en-US" smtClean="0"/>
+              <a:rPr lang="ja-JP" altLang="en-US" smtClean="0"/>
               <a:t>第 </a:t>
             </a:r>
             <a:r>
-              <a:rPr kumimoji="1" lang="en-US" altLang="ja-JP" smtClean="0"/>
+              <a:rPr lang="en-US" altLang="ja-JP" smtClean="0"/>
               <a:t>2 </a:t>
             </a:r>
             <a:r>
-              <a:rPr kumimoji="1" lang="ja-JP" altLang="en-US" smtClean="0"/>
+              <a:rPr lang="ja-JP" altLang="en-US" smtClean="0"/>
               <a:t>レベル</a:t>
             </a:r>
           </a:p>
           <a:p>
             <a:pPr lvl="2"/>
             <a:r>
-              <a:rPr kumimoji="1" lang="ja-JP" altLang="en-US" smtClean="0"/>
+              <a:rPr lang="ja-JP" altLang="en-US" smtClean="0"/>
               <a:t>第 </a:t>
             </a:r>
             <a:r>
-              <a:rPr kumimoji="1" lang="en-US" altLang="ja-JP" smtClean="0"/>
+              <a:rPr lang="en-US" altLang="ja-JP" smtClean="0"/>
               <a:t>3 </a:t>
             </a:r>
             <a:r>
-              <a:rPr kumimoji="1" lang="ja-JP" altLang="en-US" smtClean="0"/>
+              <a:rPr lang="ja-JP" altLang="en-US" smtClean="0"/>
               <a:t>レベル</a:t>
             </a:r>
           </a:p>
           <a:p>
             <a:pPr lvl="3"/>
             <a:r>
-              <a:rPr kumimoji="1" lang="ja-JP" altLang="en-US" smtClean="0"/>
+              <a:rPr lang="ja-JP" altLang="en-US" smtClean="0"/>
               <a:t>第 </a:t>
             </a:r>
             <a:r>
-              <a:rPr kumimoji="1" lang="en-US" altLang="ja-JP" smtClean="0"/>
+              <a:rPr lang="en-US" altLang="ja-JP" smtClean="0"/>
               <a:t>4 </a:t>
             </a:r>
             <a:r>
-              <a:rPr kumimoji="1" lang="ja-JP" altLang="en-US" smtClean="0"/>
+              <a:rPr lang="ja-JP" altLang="en-US" smtClean="0"/>
               <a:t>レベル</a:t>
             </a:r>
           </a:p>
           <a:p>
             <a:pPr lvl="4"/>
             <a:r>
-              <a:rPr kumimoji="1" lang="ja-JP" altLang="en-US" smtClean="0"/>
+              <a:rPr lang="ja-JP" altLang="en-US" smtClean="0"/>
               <a:t>第 </a:t>
             </a:r>
             <a:r>
-              <a:rPr kumimoji="1" lang="en-US" altLang="ja-JP" smtClean="0"/>
+              <a:rPr lang="en-US" altLang="ja-JP" smtClean="0"/>
               <a:t>5 </a:t>
             </a:r>
             <a:r>
-              <a:rPr kumimoji="1" lang="ja-JP" altLang="en-US" smtClean="0"/>
+              <a:rPr lang="ja-JP" altLang="en-US" smtClean="0"/>
               <a:t>レベル</a:t>
             </a:r>
-            <a:endParaRPr kumimoji="1" lang="ja-JP" altLang="en-US"/>
-          </a:p>
-        </p:txBody>
-      </p:sp>
-      <p:sp>
-        <p:nvSpPr>
-          <p:cNvPr id="4" name="日付プレースホルダー 3"/>
+            <a:endParaRPr lang="en-US" dirty="0"/>
+          </a:p>
+        </p:txBody>
+      </p:sp>
+      <p:sp>
+        <p:nvSpPr>
+          <p:cNvPr id="4" name="Date Placeholder 3"/>
           <p:cNvSpPr>
             <a:spLocks noGrp="1"/>
           </p:cNvSpPr>
@@ -687,7 +970,7 @@
           <a:p>
             <a:fld id="{EA09839B-FDFC-49F9-B956-C85EFC887E6D}" type="datetimeFigureOut">
               <a:rPr kumimoji="1" lang="ja-JP" altLang="en-US" smtClean="0"/>
-              <a:t>2018/3/12</a:t>
+              <a:t>2018/3/15</a:t>
             </a:fld>
             <a:endParaRPr kumimoji="1" lang="ja-JP" altLang="en-US"/>
           </a:p>
@@ -695,7 +978,7 @@
       </p:sp>
       <p:sp>
         <p:nvSpPr>
-          <p:cNvPr id="5" name="フッター プレースホルダー 4"/>
+          <p:cNvPr id="5" name="Footer Placeholder 4"/>
           <p:cNvSpPr>
             <a:spLocks noGrp="1"/>
           </p:cNvSpPr>
@@ -714,7 +997,7 @@
       </p:sp>
       <p:sp>
         <p:nvSpPr>
-          <p:cNvPr id="6" name="スライド番号プレースホルダー 5"/>
+          <p:cNvPr id="6" name="Slide Number Placeholder 5"/>
           <p:cNvSpPr>
             <a:spLocks noGrp="1"/>
           </p:cNvSpPr>
@@ -738,7 +1021,7 @@
     </p:spTree>
     <p:extLst>
       <p:ext uri="{BB962C8B-B14F-4D97-AF65-F5344CB8AC3E}">
-        <p14:creationId xmlns:p14="http://schemas.microsoft.com/office/powerpoint/2010/main" val="321694469"/>
+        <p14:creationId xmlns:p14="http://schemas.microsoft.com/office/powerpoint/2010/main" val="1582861804"/>
       </p:ext>
     </p:extLst>
   </p:cSld>
@@ -767,7 +1050,7 @@
       </p:grpSpPr>
       <p:sp>
         <p:nvSpPr>
-          <p:cNvPr id="2" name="タイトル 1"/>
+          <p:cNvPr id="2" name="Title 1"/>
           <p:cNvSpPr>
             <a:spLocks noGrp="1"/>
           </p:cNvSpPr>
@@ -781,16 +1064,16 @@
           <a:lstStyle/>
           <a:p>
             <a:r>
-              <a:rPr kumimoji="1" lang="ja-JP" altLang="en-US" smtClean="0"/>
+              <a:rPr lang="ja-JP" altLang="en-US" smtClean="0"/>
               <a:t>マスター タイトルの書式設定</a:t>
             </a:r>
-            <a:endParaRPr kumimoji="1" lang="ja-JP" altLang="en-US"/>
-          </a:p>
-        </p:txBody>
-      </p:sp>
-      <p:sp>
-        <p:nvSpPr>
-          <p:cNvPr id="3" name="コンテンツ プレースホルダー 2"/>
+            <a:endParaRPr lang="en-US" dirty="0"/>
+          </a:p>
+        </p:txBody>
+      </p:sp>
+      <p:sp>
+        <p:nvSpPr>
+          <p:cNvPr id="3" name="Content Placeholder 2"/>
           <p:cNvSpPr>
             <a:spLocks noGrp="1"/>
           </p:cNvSpPr>
@@ -805,76 +1088,76 @@
           <a:p>
             <a:pPr lvl="0"/>
             <a:r>
-              <a:rPr kumimoji="1" lang="ja-JP" altLang="en-US" smtClean="0"/>
+              <a:rPr lang="ja-JP" altLang="en-US" smtClean="0"/>
               <a:t>マスター テキストの書式設定</a:t>
             </a:r>
           </a:p>
           <a:p>
             <a:pPr lvl="1"/>
             <a:r>
-              <a:rPr kumimoji="1" lang="ja-JP" altLang="en-US" smtClean="0"/>
+              <a:rPr lang="ja-JP" altLang="en-US" smtClean="0"/>
               <a:t>第 </a:t>
             </a:r>
             <a:r>
-              <a:rPr kumimoji="1" lang="en-US" altLang="ja-JP" smtClean="0"/>
+              <a:rPr lang="en-US" altLang="ja-JP" smtClean="0"/>
               <a:t>2 </a:t>
             </a:r>
             <a:r>
-              <a:rPr kumimoji="1" lang="ja-JP" altLang="en-US" smtClean="0"/>
+              <a:rPr lang="ja-JP" altLang="en-US" smtClean="0"/>
               <a:t>レベル</a:t>
             </a:r>
           </a:p>
           <a:p>
             <a:pPr lvl="2"/>
             <a:r>
-              <a:rPr kumimoji="1" lang="ja-JP" altLang="en-US" smtClean="0"/>
+              <a:rPr lang="ja-JP" altLang="en-US" smtClean="0"/>
               <a:t>第 </a:t>
             </a:r>
             <a:r>
-              <a:rPr kumimoji="1" lang="en-US" altLang="ja-JP" smtClean="0"/>
+              <a:rPr lang="en-US" altLang="ja-JP" smtClean="0"/>
               <a:t>3 </a:t>
             </a:r>
             <a:r>
-              <a:rPr kumimoji="1" lang="ja-JP" altLang="en-US" smtClean="0"/>
+              <a:rPr lang="ja-JP" altLang="en-US" smtClean="0"/>
               <a:t>レベル</a:t>
             </a:r>
           </a:p>
           <a:p>
             <a:pPr lvl="3"/>
             <a:r>
-              <a:rPr kumimoji="1" lang="ja-JP" altLang="en-US" smtClean="0"/>
+              <a:rPr lang="ja-JP" altLang="en-US" smtClean="0"/>
               <a:t>第 </a:t>
             </a:r>
             <a:r>
-              <a:rPr kumimoji="1" lang="en-US" altLang="ja-JP" smtClean="0"/>
+              <a:rPr lang="en-US" altLang="ja-JP" smtClean="0"/>
               <a:t>4 </a:t>
             </a:r>
             <a:r>
-              <a:rPr kumimoji="1" lang="ja-JP" altLang="en-US" smtClean="0"/>
+              <a:rPr lang="ja-JP" altLang="en-US" smtClean="0"/>
               <a:t>レベル</a:t>
             </a:r>
           </a:p>
           <a:p>
             <a:pPr lvl="4"/>
             <a:r>
-              <a:rPr kumimoji="1" lang="ja-JP" altLang="en-US" smtClean="0"/>
+              <a:rPr lang="ja-JP" altLang="en-US" smtClean="0"/>
               <a:t>第 </a:t>
             </a:r>
             <a:r>
-              <a:rPr kumimoji="1" lang="en-US" altLang="ja-JP" smtClean="0"/>
+              <a:rPr lang="en-US" altLang="ja-JP" smtClean="0"/>
               <a:t>5 </a:t>
             </a:r>
             <a:r>
-              <a:rPr kumimoji="1" lang="ja-JP" altLang="en-US" smtClean="0"/>
+              <a:rPr lang="ja-JP" altLang="en-US" smtClean="0"/>
               <a:t>レベル</a:t>
             </a:r>
-            <a:endParaRPr kumimoji="1" lang="ja-JP" altLang="en-US"/>
-          </a:p>
-        </p:txBody>
-      </p:sp>
-      <p:sp>
-        <p:nvSpPr>
-          <p:cNvPr id="4" name="日付プレースホルダー 3"/>
+            <a:endParaRPr lang="en-US" dirty="0"/>
+          </a:p>
+        </p:txBody>
+      </p:sp>
+      <p:sp>
+        <p:nvSpPr>
+          <p:cNvPr id="4" name="Date Placeholder 3"/>
           <p:cNvSpPr>
             <a:spLocks noGrp="1"/>
           </p:cNvSpPr>
@@ -889,7 +1172,7 @@
           <a:p>
             <a:fld id="{EA09839B-FDFC-49F9-B956-C85EFC887E6D}" type="datetimeFigureOut">
               <a:rPr kumimoji="1" lang="ja-JP" altLang="en-US" smtClean="0"/>
-              <a:t>2018/3/12</a:t>
+              <a:t>2018/3/15</a:t>
             </a:fld>
             <a:endParaRPr kumimoji="1" lang="ja-JP" altLang="en-US"/>
           </a:p>
@@ -897,7 +1180,7 @@
       </p:sp>
       <p:sp>
         <p:nvSpPr>
-          <p:cNvPr id="5" name="フッター プレースホルダー 4"/>
+          <p:cNvPr id="5" name="Footer Placeholder 4"/>
           <p:cNvSpPr>
             <a:spLocks noGrp="1"/>
           </p:cNvSpPr>
@@ -916,7 +1199,7 @@
       </p:sp>
       <p:sp>
         <p:nvSpPr>
-          <p:cNvPr id="6" name="スライド番号プレースホルダー 5"/>
+          <p:cNvPr id="6" name="Slide Number Placeholder 5"/>
           <p:cNvSpPr>
             <a:spLocks noGrp="1"/>
           </p:cNvSpPr>
@@ -940,7 +1223,7 @@
     </p:spTree>
     <p:extLst>
       <p:ext uri="{BB962C8B-B14F-4D97-AF65-F5344CB8AC3E}">
-        <p14:creationId xmlns:p14="http://schemas.microsoft.com/office/powerpoint/2010/main" val="3188525251"/>
+        <p14:creationId xmlns:p14="http://schemas.microsoft.com/office/powerpoint/2010/main" val="1917978284"/>
       </p:ext>
     </p:extLst>
   </p:cSld>
@@ -951,7 +1234,7 @@
 </file>
 
 <file path=ppt/slideLayouts/slideLayout3.xml><?xml version="1.0" encoding="utf-8"?>
-<p:sldLayout xmlns:a="http://schemas.openxmlformats.org/drawingml/2006/main" xmlns:r="http://schemas.openxmlformats.org/officeDocument/2006/relationships" xmlns:p="http://schemas.openxmlformats.org/presentationml/2006/main" type="secHead" preserve="1">
+<p:sldLayout xmlns:a="http://schemas.openxmlformats.org/drawingml/2006/main" xmlns:r="http://schemas.openxmlformats.org/officeDocument/2006/relationships" xmlns:p="http://schemas.openxmlformats.org/presentationml/2006/main" showMasterSp="0" type="secHead" preserve="1">
   <p:cSld name="セクション見出し">
     <p:spTree>
       <p:nvGrpSpPr>
@@ -969,39 +1252,101 @@
       </p:grpSpPr>
       <p:sp>
         <p:nvSpPr>
-          <p:cNvPr id="2" name="タイトル 1"/>
-          <p:cNvSpPr>
-            <a:spLocks noGrp="1"/>
-          </p:cNvSpPr>
-          <p:nvPr>
-            <p:ph type="title"/>
-          </p:nvPr>
+          <p:cNvPr id="7" name="Rectangle 6"/>
+          <p:cNvSpPr/>
+          <p:nvPr/>
         </p:nvSpPr>
         <p:spPr>
           <a:xfrm>
-            <a:off x="831850" y="1709738"/>
-            <a:ext cx="10515600" cy="2852737"/>
+            <a:off x="0" y="4917989"/>
+            <a:ext cx="12192000" cy="1940010"/>
+          </a:xfrm>
+          <a:prstGeom prst="rect">
+            <a:avLst/>
+          </a:prstGeom>
+          <a:blipFill dpi="0" rotWithShape="1">
+            <a:blip r:embed="rId2">
+              <a:alphaModFix amt="85000"/>
+              <a:lum bright="70000" contrast="-70000"/>
+              <a:extLst>
+                <a:ext uri="{BEBA8EAE-BF5A-486C-A8C5-ECC9F3942E4B}">
+                  <a14:imgProps xmlns:a14="http://schemas.microsoft.com/office/drawing/2010/main">
+                    <a14:imgLayer r:embed="rId3">
+                      <a14:imgEffect>
+                        <a14:sharpenSoften amount="61000"/>
+                      </a14:imgEffect>
+                    </a14:imgLayer>
+                  </a14:imgProps>
+                </a:ext>
+                <a:ext uri="{28A0092B-C50C-407E-A947-70E740481C1C}">
+                  <a14:useLocalDpi xmlns:a14="http://schemas.microsoft.com/office/drawing/2010/main" val="0"/>
+                </a:ext>
+              </a:extLst>
+            </a:blip>
+            <a:srcRect/>
+            <a:tile tx="0" ty="-704850" sx="92000" sy="89000" flip="xy" algn="ctr"/>
+          </a:blipFill>
+          <a:ln>
+            <a:noFill/>
+          </a:ln>
+        </p:spPr>
+        <p:style>
+          <a:lnRef idx="2">
+            <a:schemeClr val="accent1">
+              <a:shade val="50000"/>
+            </a:schemeClr>
+          </a:lnRef>
+          <a:fillRef idx="1">
+            <a:schemeClr val="accent1"/>
+          </a:fillRef>
+          <a:effectRef idx="0">
+            <a:schemeClr val="accent1"/>
+          </a:effectRef>
+          <a:fontRef idx="minor">
+            <a:schemeClr val="lt1"/>
+          </a:fontRef>
+        </p:style>
+      </p:sp>
+      <p:sp>
+        <p:nvSpPr>
+          <p:cNvPr id="2" name="Title 1"/>
+          <p:cNvSpPr>
+            <a:spLocks noGrp="1"/>
+          </p:cNvSpPr>
+          <p:nvPr>
+            <p:ph type="title"/>
+          </p:nvPr>
+        </p:nvSpPr>
+        <p:spPr>
+          <a:xfrm>
+            <a:off x="2167128" y="1225296"/>
+            <a:ext cx="9281160" cy="3520440"/>
           </a:xfrm>
         </p:spPr>
         <p:txBody>
-          <a:bodyPr anchor="b"/>
+          <a:bodyPr anchor="ctr">
+            <a:normAutofit/>
+          </a:bodyPr>
           <a:lstStyle>
             <a:lvl1pPr>
-              <a:defRPr sz="6000"/>
+              <a:lnSpc>
+                <a:spcPct val="80000"/>
+              </a:lnSpc>
+              <a:defRPr sz="8000" b="0"/>
             </a:lvl1pPr>
           </a:lstStyle>
           <a:p>
             <a:r>
-              <a:rPr kumimoji="1" lang="ja-JP" altLang="en-US" smtClean="0"/>
+              <a:rPr lang="ja-JP" altLang="en-US" smtClean="0"/>
               <a:t>マスター タイトルの書式設定</a:t>
             </a:r>
-            <a:endParaRPr kumimoji="1" lang="ja-JP" altLang="en-US"/>
-          </a:p>
-        </p:txBody>
-      </p:sp>
-      <p:sp>
-        <p:nvSpPr>
-          <p:cNvPr id="3" name="テキスト プレースホルダー 2"/>
+            <a:endParaRPr lang="en-US" dirty="0"/>
+          </a:p>
+        </p:txBody>
+      </p:sp>
+      <p:sp>
+        <p:nvSpPr>
+          <p:cNvPr id="3" name="Text Placeholder 2"/>
           <p:cNvSpPr>
             <a:spLocks noGrp="1"/>
           </p:cNvSpPr>
@@ -1011,26 +1356,26 @@
         </p:nvSpPr>
         <p:spPr>
           <a:xfrm>
-            <a:off x="831850" y="4589463"/>
-            <a:ext cx="10515600" cy="1500187"/>
+            <a:off x="2165774" y="5020056"/>
+            <a:ext cx="9052560" cy="1066800"/>
           </a:xfrm>
         </p:spPr>
         <p:txBody>
-          <a:bodyPr/>
+          <a:bodyPr anchor="t">
+            <a:normAutofit/>
+          </a:bodyPr>
           <a:lstStyle>
             <a:lvl1pPr marL="0" indent="0">
               <a:buNone/>
-              <a:defRPr sz="2400">
+              <a:defRPr sz="2000">
                 <a:solidFill>
-                  <a:schemeClr val="tx1">
-                    <a:tint val="75000"/>
-                  </a:schemeClr>
+                  <a:schemeClr val="tx1"/>
                 </a:solidFill>
               </a:defRPr>
             </a:lvl1pPr>
             <a:lvl2pPr marL="457200" indent="0">
               <a:buNone/>
-              <a:defRPr sz="2000">
+              <a:defRPr sz="1800">
                 <a:solidFill>
                   <a:schemeClr val="tx1">
                     <a:tint val="75000"/>
@@ -1040,7 +1385,7 @@
             </a:lvl2pPr>
             <a:lvl3pPr marL="914400" indent="0">
               <a:buNone/>
-              <a:defRPr sz="1800">
+              <a:defRPr sz="1600">
                 <a:solidFill>
                   <a:schemeClr val="tx1">
                     <a:tint val="75000"/>
@@ -1050,7 +1395,7 @@
             </a:lvl3pPr>
             <a:lvl4pPr marL="1371600" indent="0">
               <a:buNone/>
-              <a:defRPr sz="1600">
+              <a:defRPr sz="1400">
                 <a:solidFill>
                   <a:schemeClr val="tx1">
                     <a:tint val="75000"/>
@@ -1060,7 +1405,7 @@
             </a:lvl4pPr>
             <a:lvl5pPr marL="1828800" indent="0">
               <a:buNone/>
-              <a:defRPr sz="1600">
+              <a:defRPr sz="1400">
                 <a:solidFill>
                   <a:schemeClr val="tx1">
                     <a:tint val="75000"/>
@@ -1070,7 +1415,7 @@
             </a:lvl5pPr>
             <a:lvl6pPr marL="2286000" indent="0">
               <a:buNone/>
-              <a:defRPr sz="1600">
+              <a:defRPr sz="1400">
                 <a:solidFill>
                   <a:schemeClr val="tx1">
                     <a:tint val="75000"/>
@@ -1080,7 +1425,7 @@
             </a:lvl6pPr>
             <a:lvl7pPr marL="2743200" indent="0">
               <a:buNone/>
-              <a:defRPr sz="1600">
+              <a:defRPr sz="1400">
                 <a:solidFill>
                   <a:schemeClr val="tx1">
                     <a:tint val="75000"/>
@@ -1090,7 +1435,7 @@
             </a:lvl7pPr>
             <a:lvl8pPr marL="3200400" indent="0">
               <a:buNone/>
-              <a:defRPr sz="1600">
+              <a:defRPr sz="1400">
                 <a:solidFill>
                   <a:schemeClr val="tx1">
                     <a:tint val="75000"/>
@@ -1100,7 +1445,7 @@
             </a:lvl8pPr>
             <a:lvl9pPr marL="3657600" indent="0">
               <a:buNone/>
-              <a:defRPr sz="1600">
+              <a:defRPr sz="1400">
                 <a:solidFill>
                   <a:schemeClr val="tx1">
                     <a:tint val="75000"/>
@@ -1112,7 +1457,7 @@
           <a:p>
             <a:pPr lvl="0"/>
             <a:r>
-              <a:rPr kumimoji="1" lang="ja-JP" altLang="en-US" smtClean="0"/>
+              <a:rPr lang="ja-JP" altLang="en-US" smtClean="0"/>
               <a:t>マスター テキストの書式設定</a:t>
             </a:r>
           </a:p>
@@ -1120,7 +1465,7 @@
       </p:sp>
       <p:sp>
         <p:nvSpPr>
-          <p:cNvPr id="4" name="日付プレースホルダー 3"/>
+          <p:cNvPr id="4" name="Date Placeholder 3"/>
           <p:cNvSpPr>
             <a:spLocks noGrp="1"/>
           </p:cNvSpPr>
@@ -1128,14 +1473,19 @@
             <p:ph type="dt" sz="half" idx="10"/>
           </p:nvPr>
         </p:nvSpPr>
-        <p:spPr/>
+        <p:spPr>
+          <a:xfrm>
+            <a:off x="8593667" y="6272784"/>
+            <a:ext cx="2644309" cy="365125"/>
+          </a:xfrm>
+        </p:spPr>
         <p:txBody>
           <a:bodyPr/>
           <a:lstStyle/>
           <a:p>
             <a:fld id="{EA09839B-FDFC-49F9-B956-C85EFC887E6D}" type="datetimeFigureOut">
               <a:rPr kumimoji="1" lang="ja-JP" altLang="en-US" smtClean="0"/>
-              <a:t>2018/3/12</a:t>
+              <a:t>2018/3/15</a:t>
             </a:fld>
             <a:endParaRPr kumimoji="1" lang="ja-JP" altLang="en-US"/>
           </a:p>
@@ -1143,7 +1493,7 @@
       </p:sp>
       <p:sp>
         <p:nvSpPr>
-          <p:cNvPr id="5" name="フッター プレースホルダー 4"/>
+          <p:cNvPr id="5" name="Footer Placeholder 4"/>
           <p:cNvSpPr>
             <a:spLocks noGrp="1"/>
           </p:cNvSpPr>
@@ -1151,7 +1501,12 @@
             <p:ph type="ftr" sz="quarter" idx="11"/>
           </p:nvPr>
         </p:nvSpPr>
-        <p:spPr/>
+        <p:spPr>
+          <a:xfrm>
+            <a:off x="2182708" y="6272784"/>
+            <a:ext cx="6327648" cy="365125"/>
+          </a:xfrm>
+        </p:spPr>
         <p:txBody>
           <a:bodyPr/>
           <a:lstStyle/>
@@ -1160,9 +1515,93 @@
           </a:p>
         </p:txBody>
       </p:sp>
-      <p:sp>
-        <p:nvSpPr>
-          <p:cNvPr id="6" name="スライド番号プレースホルダー 5"/>
+      <p:grpSp>
+        <p:nvGrpSpPr>
+          <p:cNvPr id="8" name="Group 7"/>
+          <p:cNvGrpSpPr/>
+          <p:nvPr/>
+        </p:nvGrpSpPr>
+        <p:grpSpPr>
+          <a:xfrm>
+            <a:off x="897399" y="2325848"/>
+            <a:ext cx="1080904" cy="1080902"/>
+            <a:chOff x="9685338" y="4460675"/>
+            <a:chExt cx="1080904" cy="1080902"/>
+          </a:xfrm>
+        </p:grpSpPr>
+        <p:sp>
+          <p:nvSpPr>
+            <p:cNvPr id="9" name="Oval 8"/>
+            <p:cNvSpPr/>
+            <p:nvPr/>
+          </p:nvSpPr>
+          <p:spPr>
+            <a:xfrm>
+              <a:off x="9685338" y="4460675"/>
+              <a:ext cx="1080904" cy="1080902"/>
+            </a:xfrm>
+            <a:prstGeom prst="ellipse">
+              <a:avLst/>
+            </a:prstGeom>
+            <a:blipFill dpi="0" rotWithShape="1">
+              <a:blip r:embed="rId4">
+                <a:duotone>
+                  <a:schemeClr val="accent1">
+                    <a:shade val="45000"/>
+                    <a:satMod val="135000"/>
+                  </a:schemeClr>
+                  <a:prstClr val="white"/>
+                </a:duotone>
+                <a:extLst>
+                  <a:ext uri="{BEBA8EAE-BF5A-486C-A8C5-ECC9F3942E4B}">
+                    <a14:imgProps xmlns:a14="http://schemas.microsoft.com/office/drawing/2010/main">
+                      <a14:imgLayer r:embed="rId5">
+                        <a14:imgEffect>
+                          <a14:saturation sat="95000"/>
+                        </a14:imgEffect>
+                      </a14:imgLayer>
+                    </a14:imgProps>
+                  </a:ext>
+                </a:extLst>
+              </a:blip>
+              <a:srcRect/>
+              <a:tile tx="0" ty="0" sx="85000" sy="85000" flip="none" algn="tl"/>
+            </a:blipFill>
+            <a:ln w="25400" cap="flat" cmpd="sng" algn="ctr">
+              <a:noFill/>
+              <a:prstDash val="solid"/>
+            </a:ln>
+            <a:effectLst/>
+          </p:spPr>
+        </p:sp>
+        <p:sp>
+          <p:nvSpPr>
+            <p:cNvPr id="10" name="Oval 9"/>
+            <p:cNvSpPr/>
+            <p:nvPr/>
+          </p:nvSpPr>
+          <p:spPr>
+            <a:xfrm>
+              <a:off x="9793429" y="4568765"/>
+              <a:ext cx="864723" cy="864722"/>
+            </a:xfrm>
+            <a:prstGeom prst="ellipse">
+              <a:avLst/>
+            </a:prstGeom>
+            <a:noFill/>
+            <a:ln w="25400" cap="flat" cmpd="sng" algn="ctr">
+              <a:solidFill>
+                <a:sysClr val="window" lastClr="FFFFFF"/>
+              </a:solidFill>
+              <a:prstDash val="solid"/>
+            </a:ln>
+            <a:effectLst/>
+          </p:spPr>
+        </p:sp>
+      </p:grpSp>
+      <p:sp>
+        <p:nvSpPr>
+          <p:cNvPr id="6" name="Slide Number Placeholder 5"/>
           <p:cNvSpPr>
             <a:spLocks noGrp="1"/>
           </p:cNvSpPr>
@@ -1170,10 +1609,19 @@
             <p:ph type="sldNum" sz="quarter" idx="12"/>
           </p:nvPr>
         </p:nvSpPr>
-        <p:spPr/>
-        <p:txBody>
-          <a:bodyPr/>
-          <a:lstStyle/>
+        <p:spPr>
+          <a:xfrm>
+            <a:off x="843702" y="2506133"/>
+            <a:ext cx="1188298" cy="720332"/>
+          </a:xfrm>
+        </p:spPr>
+        <p:txBody>
+          <a:bodyPr/>
+          <a:lstStyle>
+            <a:lvl1pPr>
+              <a:defRPr sz="2800"/>
+            </a:lvl1pPr>
+          </a:lstStyle>
           <a:p>
             <a:fld id="{F81B24D7-E4E3-4AB0-A36F-ACBD4F0B23DC}" type="slidenum">
               <a:rPr kumimoji="1" lang="ja-JP" altLang="en-US" smtClean="0"/>
@@ -1186,7 +1634,7 @@
     </p:spTree>
     <p:extLst>
       <p:ext uri="{BB962C8B-B14F-4D97-AF65-F5344CB8AC3E}">
-        <p14:creationId xmlns:p14="http://schemas.microsoft.com/office/powerpoint/2010/main" val="1539972234"/>
+        <p14:creationId xmlns:p14="http://schemas.microsoft.com/office/powerpoint/2010/main" val="2940374246"/>
       </p:ext>
     </p:extLst>
   </p:cSld>
@@ -1215,7 +1663,7 @@
       </p:grpSpPr>
       <p:sp>
         <p:nvSpPr>
-          <p:cNvPr id="2" name="タイトル 1"/>
+          <p:cNvPr id="2" name="Title 1"/>
           <p:cNvSpPr>
             <a:spLocks noGrp="1"/>
           </p:cNvSpPr>
@@ -1229,16 +1677,16 @@
           <a:lstStyle/>
           <a:p>
             <a:r>
-              <a:rPr kumimoji="1" lang="ja-JP" altLang="en-US" smtClean="0"/>
+              <a:rPr lang="ja-JP" altLang="en-US" smtClean="0"/>
               <a:t>マスター タイトルの書式設定</a:t>
             </a:r>
-            <a:endParaRPr kumimoji="1" lang="ja-JP" altLang="en-US"/>
-          </a:p>
-        </p:txBody>
-      </p:sp>
-      <p:sp>
-        <p:nvSpPr>
-          <p:cNvPr id="3" name="コンテンツ プレースホルダー 2"/>
+            <a:endParaRPr lang="en-US" dirty="0"/>
+          </a:p>
+        </p:txBody>
+      </p:sp>
+      <p:sp>
+        <p:nvSpPr>
+          <p:cNvPr id="3" name="Content Placeholder 2"/>
           <p:cNvSpPr>
             <a:spLocks noGrp="1"/>
           </p:cNvSpPr>
@@ -1248,86 +1696,114 @@
         </p:nvSpPr>
         <p:spPr>
           <a:xfrm>
-            <a:off x="838200" y="1825625"/>
-            <a:ext cx="5181600" cy="4351338"/>
+            <a:off x="1069848" y="2194560"/>
+            <a:ext cx="4754880" cy="3977640"/>
           </a:xfrm>
         </p:spPr>
         <p:txBody>
           <a:bodyPr/>
-          <a:lstStyle/>
+          <a:lstStyle>
+            <a:lvl1pPr>
+              <a:defRPr sz="2000"/>
+            </a:lvl1pPr>
+            <a:lvl2pPr>
+              <a:defRPr sz="1800"/>
+            </a:lvl2pPr>
+            <a:lvl3pPr>
+              <a:defRPr sz="1600"/>
+            </a:lvl3pPr>
+            <a:lvl4pPr>
+              <a:defRPr sz="1600"/>
+            </a:lvl4pPr>
+            <a:lvl5pPr>
+              <a:defRPr sz="1600"/>
+            </a:lvl5pPr>
+            <a:lvl6pPr>
+              <a:defRPr sz="1600"/>
+            </a:lvl6pPr>
+            <a:lvl7pPr>
+              <a:defRPr sz="1600"/>
+            </a:lvl7pPr>
+            <a:lvl8pPr>
+              <a:defRPr sz="1600"/>
+            </a:lvl8pPr>
+            <a:lvl9pPr>
+              <a:defRPr sz="1600"/>
+            </a:lvl9pPr>
+          </a:lstStyle>
           <a:p>
             <a:pPr lvl="0"/>
             <a:r>
-              <a:rPr kumimoji="1" lang="ja-JP" altLang="en-US" smtClean="0"/>
+              <a:rPr lang="ja-JP" altLang="en-US" smtClean="0"/>
               <a:t>マスター テキストの書式設定</a:t>
             </a:r>
           </a:p>
           <a:p>
             <a:pPr lvl="1"/>
             <a:r>
-              <a:rPr kumimoji="1" lang="ja-JP" altLang="en-US" smtClean="0"/>
+              <a:rPr lang="ja-JP" altLang="en-US" smtClean="0"/>
               <a:t>第 </a:t>
             </a:r>
             <a:r>
-              <a:rPr kumimoji="1" lang="en-US" altLang="ja-JP" smtClean="0"/>
+              <a:rPr lang="en-US" altLang="ja-JP" smtClean="0"/>
               <a:t>2 </a:t>
             </a:r>
             <a:r>
-              <a:rPr kumimoji="1" lang="ja-JP" altLang="en-US" smtClean="0"/>
+              <a:rPr lang="ja-JP" altLang="en-US" smtClean="0"/>
               <a:t>レベル</a:t>
             </a:r>
           </a:p>
           <a:p>
             <a:pPr lvl="2"/>
             <a:r>
-              <a:rPr kumimoji="1" lang="ja-JP" altLang="en-US" smtClean="0"/>
+              <a:rPr lang="ja-JP" altLang="en-US" smtClean="0"/>
               <a:t>第 </a:t>
             </a:r>
             <a:r>
-              <a:rPr kumimoji="1" lang="en-US" altLang="ja-JP" smtClean="0"/>
+              <a:rPr lang="en-US" altLang="ja-JP" smtClean="0"/>
               <a:t>3 </a:t>
             </a:r>
             <a:r>
-              <a:rPr kumimoji="1" lang="ja-JP" altLang="en-US" smtClean="0"/>
+              <a:rPr lang="ja-JP" altLang="en-US" smtClean="0"/>
               <a:t>レベル</a:t>
             </a:r>
           </a:p>
           <a:p>
             <a:pPr lvl="3"/>
             <a:r>
-              <a:rPr kumimoji="1" lang="ja-JP" altLang="en-US" smtClean="0"/>
+              <a:rPr lang="ja-JP" altLang="en-US" smtClean="0"/>
               <a:t>第 </a:t>
             </a:r>
             <a:r>
-              <a:rPr kumimoji="1" lang="en-US" altLang="ja-JP" smtClean="0"/>
+              <a:rPr lang="en-US" altLang="ja-JP" smtClean="0"/>
               <a:t>4 </a:t>
             </a:r>
             <a:r>
-              <a:rPr kumimoji="1" lang="ja-JP" altLang="en-US" smtClean="0"/>
+              <a:rPr lang="ja-JP" altLang="en-US" smtClean="0"/>
               <a:t>レベル</a:t>
             </a:r>
           </a:p>
           <a:p>
             <a:pPr lvl="4"/>
             <a:r>
-              <a:rPr kumimoji="1" lang="ja-JP" altLang="en-US" smtClean="0"/>
+              <a:rPr lang="ja-JP" altLang="en-US" smtClean="0"/>
               <a:t>第 </a:t>
             </a:r>
             <a:r>
-              <a:rPr kumimoji="1" lang="en-US" altLang="ja-JP" smtClean="0"/>
+              <a:rPr lang="en-US" altLang="ja-JP" smtClean="0"/>
               <a:t>5 </a:t>
             </a:r>
             <a:r>
-              <a:rPr kumimoji="1" lang="ja-JP" altLang="en-US" smtClean="0"/>
+              <a:rPr lang="ja-JP" altLang="en-US" smtClean="0"/>
               <a:t>レベル</a:t>
             </a:r>
-            <a:endParaRPr kumimoji="1" lang="ja-JP" altLang="en-US"/>
-          </a:p>
-        </p:txBody>
-      </p:sp>
-      <p:sp>
-        <p:nvSpPr>
-          <p:cNvPr id="4" name="コンテンツ プレースホルダー 3"/>
+            <a:endParaRPr lang="en-US" dirty="0"/>
+          </a:p>
+        </p:txBody>
+      </p:sp>
+      <p:sp>
+        <p:nvSpPr>
+          <p:cNvPr id="4" name="Content Placeholder 3"/>
           <p:cNvSpPr>
             <a:spLocks noGrp="1"/>
           </p:cNvSpPr>
@@ -1337,86 +1813,114 @@
         </p:nvSpPr>
         <p:spPr>
           <a:xfrm>
-            <a:off x="6172200" y="1825625"/>
-            <a:ext cx="5181600" cy="4351338"/>
+            <a:off x="6364224" y="2194560"/>
+            <a:ext cx="4754880" cy="3977640"/>
           </a:xfrm>
         </p:spPr>
         <p:txBody>
           <a:bodyPr/>
-          <a:lstStyle/>
+          <a:lstStyle>
+            <a:lvl1pPr>
+              <a:defRPr sz="2000"/>
+            </a:lvl1pPr>
+            <a:lvl2pPr>
+              <a:defRPr sz="1800"/>
+            </a:lvl2pPr>
+            <a:lvl3pPr>
+              <a:defRPr sz="1600"/>
+            </a:lvl3pPr>
+            <a:lvl4pPr>
+              <a:defRPr sz="1600"/>
+            </a:lvl4pPr>
+            <a:lvl5pPr>
+              <a:defRPr sz="1600"/>
+            </a:lvl5pPr>
+            <a:lvl6pPr>
+              <a:defRPr sz="1600"/>
+            </a:lvl6pPr>
+            <a:lvl7pPr>
+              <a:defRPr sz="1600"/>
+            </a:lvl7pPr>
+            <a:lvl8pPr>
+              <a:defRPr sz="1600"/>
+            </a:lvl8pPr>
+            <a:lvl9pPr>
+              <a:defRPr sz="1600"/>
+            </a:lvl9pPr>
+          </a:lstStyle>
           <a:p>
             <a:pPr lvl="0"/>
             <a:r>
-              <a:rPr kumimoji="1" lang="ja-JP" altLang="en-US" smtClean="0"/>
+              <a:rPr lang="ja-JP" altLang="en-US" smtClean="0"/>
               <a:t>マスター テキストの書式設定</a:t>
             </a:r>
           </a:p>
           <a:p>
             <a:pPr lvl="1"/>
             <a:r>
-              <a:rPr kumimoji="1" lang="ja-JP" altLang="en-US" smtClean="0"/>
+              <a:rPr lang="ja-JP" altLang="en-US" smtClean="0"/>
               <a:t>第 </a:t>
             </a:r>
             <a:r>
-              <a:rPr kumimoji="1" lang="en-US" altLang="ja-JP" smtClean="0"/>
+              <a:rPr lang="en-US" altLang="ja-JP" smtClean="0"/>
               <a:t>2 </a:t>
             </a:r>
             <a:r>
-              <a:rPr kumimoji="1" lang="ja-JP" altLang="en-US" smtClean="0"/>
+              <a:rPr lang="ja-JP" altLang="en-US" smtClean="0"/>
               <a:t>レベル</a:t>
             </a:r>
           </a:p>
           <a:p>
             <a:pPr lvl="2"/>
             <a:r>
-              <a:rPr kumimoji="1" lang="ja-JP" altLang="en-US" smtClean="0"/>
+              <a:rPr lang="ja-JP" altLang="en-US" smtClean="0"/>
               <a:t>第 </a:t>
             </a:r>
             <a:r>
-              <a:rPr kumimoji="1" lang="en-US" altLang="ja-JP" smtClean="0"/>
+              <a:rPr lang="en-US" altLang="ja-JP" smtClean="0"/>
               <a:t>3 </a:t>
             </a:r>
             <a:r>
-              <a:rPr kumimoji="1" lang="ja-JP" altLang="en-US" smtClean="0"/>
+              <a:rPr lang="ja-JP" altLang="en-US" smtClean="0"/>
               <a:t>レベル</a:t>
             </a:r>
           </a:p>
           <a:p>
             <a:pPr lvl="3"/>
             <a:r>
-              <a:rPr kumimoji="1" lang="ja-JP" altLang="en-US" smtClean="0"/>
+              <a:rPr lang="ja-JP" altLang="en-US" smtClean="0"/>
               <a:t>第 </a:t>
             </a:r>
             <a:r>
-              <a:rPr kumimoji="1" lang="en-US" altLang="ja-JP" smtClean="0"/>
+              <a:rPr lang="en-US" altLang="ja-JP" smtClean="0"/>
               <a:t>4 </a:t>
             </a:r>
             <a:r>
-              <a:rPr kumimoji="1" lang="ja-JP" altLang="en-US" smtClean="0"/>
+              <a:rPr lang="ja-JP" altLang="en-US" smtClean="0"/>
               <a:t>レベル</a:t>
             </a:r>
           </a:p>
           <a:p>
             <a:pPr lvl="4"/>
             <a:r>
-              <a:rPr kumimoji="1" lang="ja-JP" altLang="en-US" smtClean="0"/>
+              <a:rPr lang="ja-JP" altLang="en-US" smtClean="0"/>
               <a:t>第 </a:t>
             </a:r>
             <a:r>
-              <a:rPr kumimoji="1" lang="en-US" altLang="ja-JP" smtClean="0"/>
+              <a:rPr lang="en-US" altLang="ja-JP" smtClean="0"/>
               <a:t>5 </a:t>
             </a:r>
             <a:r>
-              <a:rPr kumimoji="1" lang="ja-JP" altLang="en-US" smtClean="0"/>
+              <a:rPr lang="ja-JP" altLang="en-US" smtClean="0"/>
               <a:t>レベル</a:t>
             </a:r>
-            <a:endParaRPr kumimoji="1" lang="ja-JP" altLang="en-US"/>
-          </a:p>
-        </p:txBody>
-      </p:sp>
-      <p:sp>
-        <p:nvSpPr>
-          <p:cNvPr id="5" name="日付プレースホルダー 4"/>
+            <a:endParaRPr lang="en-US" dirty="0"/>
+          </a:p>
+        </p:txBody>
+      </p:sp>
+      <p:sp>
+        <p:nvSpPr>
+          <p:cNvPr id="5" name="Date Placeholder 4"/>
           <p:cNvSpPr>
             <a:spLocks noGrp="1"/>
           </p:cNvSpPr>
@@ -1431,7 +1935,7 @@
           <a:p>
             <a:fld id="{EA09839B-FDFC-49F9-B956-C85EFC887E6D}" type="datetimeFigureOut">
               <a:rPr kumimoji="1" lang="ja-JP" altLang="en-US" smtClean="0"/>
-              <a:t>2018/3/12</a:t>
+              <a:t>2018/3/15</a:t>
             </a:fld>
             <a:endParaRPr kumimoji="1" lang="ja-JP" altLang="en-US"/>
           </a:p>
@@ -1439,7 +1943,7 @@
       </p:sp>
       <p:sp>
         <p:nvSpPr>
-          <p:cNvPr id="6" name="フッター プレースホルダー 5"/>
+          <p:cNvPr id="6" name="Footer Placeholder 5"/>
           <p:cNvSpPr>
             <a:spLocks noGrp="1"/>
           </p:cNvSpPr>
@@ -1458,7 +1962,7 @@
       </p:sp>
       <p:sp>
         <p:nvSpPr>
-          <p:cNvPr id="7" name="スライド番号プレースホルダー 6"/>
+          <p:cNvPr id="7" name="Slide Number Placeholder 6"/>
           <p:cNvSpPr>
             <a:spLocks noGrp="1"/>
           </p:cNvSpPr>
@@ -1482,7 +1986,7 @@
     </p:spTree>
     <p:extLst>
       <p:ext uri="{BB962C8B-B14F-4D97-AF65-F5344CB8AC3E}">
-        <p14:creationId xmlns:p14="http://schemas.microsoft.com/office/powerpoint/2010/main" val="629112747"/>
+        <p14:creationId xmlns:p14="http://schemas.microsoft.com/office/powerpoint/2010/main" val="482062371"/>
       </p:ext>
     </p:extLst>
   </p:cSld>
@@ -1509,56 +2013,148 @@
           <a:chExt cx="0" cy="0"/>
         </a:xfrm>
       </p:grpSpPr>
-      <p:sp>
-        <p:nvSpPr>
-          <p:cNvPr id="2" name="タイトル 1"/>
-          <p:cNvSpPr>
-            <a:spLocks noGrp="1"/>
-          </p:cNvSpPr>
-          <p:nvPr>
-            <p:ph type="title"/>
-          </p:nvPr>
-        </p:nvSpPr>
+      <p:pic>
+        <p:nvPicPr>
+          <p:cNvPr id="11" name="図 10"/>
+          <p:cNvPicPr>
+            <a:picLocks noChangeAspect="1"/>
+          </p:cNvPicPr>
+          <p:nvPr userDrawn="1"/>
+        </p:nvPicPr>
+        <p:blipFill>
+          <a:blip r:embed="rId2" cstate="print">
+            <a:extLst>
+              <a:ext uri="{28A0092B-C50C-407E-A947-70E740481C1C}">
+                <a14:useLocalDpi xmlns:a14="http://schemas.microsoft.com/office/drawing/2010/main" val="0"/>
+              </a:ext>
+            </a:extLst>
+          </a:blip>
+          <a:stretch>
+            <a:fillRect/>
+          </a:stretch>
+        </p:blipFill>
+        <p:spPr>
+          <a:xfrm rot="6300000">
+            <a:off x="3467474" y="289600"/>
+            <a:ext cx="1100131" cy="208133"/>
+          </a:xfrm>
+          <a:prstGeom prst="rect">
+            <a:avLst/>
+          </a:prstGeom>
+        </p:spPr>
+      </p:pic>
+      <p:pic>
+        <p:nvPicPr>
+          <p:cNvPr id="12" name="図 11"/>
+          <p:cNvPicPr>
+            <a:picLocks noChangeAspect="1"/>
+          </p:cNvPicPr>
+          <p:nvPr userDrawn="1"/>
+        </p:nvPicPr>
+        <p:blipFill>
+          <a:blip r:embed="rId2" cstate="print">
+            <a:extLst>
+              <a:ext uri="{28A0092B-C50C-407E-A947-70E740481C1C}">
+                <a14:useLocalDpi xmlns:a14="http://schemas.microsoft.com/office/drawing/2010/main" val="0"/>
+              </a:ext>
+            </a:extLst>
+          </a:blip>
+          <a:stretch>
+            <a:fillRect/>
+          </a:stretch>
+        </p:blipFill>
+        <p:spPr>
+          <a:xfrm rot="4500000">
+            <a:off x="7758531" y="289599"/>
+            <a:ext cx="1100131" cy="208133"/>
+          </a:xfrm>
+          <a:prstGeom prst="rect">
+            <a:avLst/>
+          </a:prstGeom>
+        </p:spPr>
+      </p:pic>
+      <p:pic>
+        <p:nvPicPr>
+          <p:cNvPr id="15" name="図 14"/>
+          <p:cNvPicPr>
+            <a:picLocks noChangeAspect="1"/>
+          </p:cNvPicPr>
+          <p:nvPr userDrawn="1"/>
+        </p:nvPicPr>
+        <p:blipFill rotWithShape="1">
+          <a:blip r:embed="rId3">
+            <a:extLst>
+              <a:ext uri="{28A0092B-C50C-407E-A947-70E740481C1C}">
+                <a14:useLocalDpi xmlns:a14="http://schemas.microsoft.com/office/drawing/2010/main" val="0"/>
+              </a:ext>
+            </a:extLst>
+          </a:blip>
+          <a:srcRect l="8417" t="16006" r="7325" b="23724"/>
+          <a:stretch/>
+        </p:blipFill>
         <p:spPr>
           <a:xfrm>
-            <a:off x="839788" y="365125"/>
-            <a:ext cx="10515600" cy="1325563"/>
+            <a:off x="952500" y="595307"/>
+            <a:ext cx="10296526" cy="4910143"/>
+          </a:xfrm>
+          <a:prstGeom prst="rect">
+            <a:avLst/>
+          </a:prstGeom>
+        </p:spPr>
+      </p:pic>
+      <p:sp>
+        <p:nvSpPr>
+          <p:cNvPr id="10" name="Title 9"/>
+          <p:cNvSpPr>
+            <a:spLocks noGrp="1"/>
+          </p:cNvSpPr>
+          <p:nvPr userDrawn="1">
+            <p:ph type="title"/>
+          </p:nvPr>
+        </p:nvSpPr>
+        <p:spPr/>
+        <p:txBody>
+          <a:bodyPr/>
+          <a:lstStyle/>
+          <a:p>
+            <a:r>
+              <a:rPr lang="ja-JP" altLang="en-US" dirty="0" smtClean="0"/>
+              <a:t>マスター タイトルの書式設定</a:t>
+            </a:r>
+            <a:endParaRPr lang="en-US" dirty="0"/>
+          </a:p>
+        </p:txBody>
+      </p:sp>
+      <p:sp>
+        <p:nvSpPr>
+          <p:cNvPr id="3" name="Text Placeholder 2"/>
+          <p:cNvSpPr>
+            <a:spLocks noGrp="1"/>
+          </p:cNvSpPr>
+          <p:nvPr userDrawn="1">
+            <p:ph type="body" idx="1"/>
+          </p:nvPr>
+        </p:nvSpPr>
+        <p:spPr>
+          <a:xfrm>
+            <a:off x="1066800" y="2048256"/>
+            <a:ext cx="4754880" cy="640080"/>
           </a:xfrm>
         </p:spPr>
         <p:txBody>
-          <a:bodyPr/>
-          <a:lstStyle/>
-          <a:p>
-            <a:r>
-              <a:rPr kumimoji="1" lang="ja-JP" altLang="en-US" smtClean="0"/>
-              <a:t>マスター タイトルの書式設定</a:t>
-            </a:r>
-            <a:endParaRPr kumimoji="1" lang="ja-JP" altLang="en-US"/>
-          </a:p>
-        </p:txBody>
-      </p:sp>
-      <p:sp>
-        <p:nvSpPr>
-          <p:cNvPr id="3" name="テキスト プレースホルダー 2"/>
-          <p:cNvSpPr>
-            <a:spLocks noGrp="1"/>
-          </p:cNvSpPr>
-          <p:nvPr>
-            <p:ph type="body" idx="1"/>
-          </p:nvPr>
-        </p:nvSpPr>
-        <p:spPr>
-          <a:xfrm>
-            <a:off x="839788" y="1681163"/>
-            <a:ext cx="5157787" cy="823912"/>
-          </a:xfrm>
-        </p:spPr>
-        <p:txBody>
-          <a:bodyPr anchor="b"/>
+          <a:bodyPr anchor="ctr">
+            <a:normAutofit/>
+          </a:bodyPr>
           <a:lstStyle>
             <a:lvl1pPr marL="0" indent="0">
               <a:buNone/>
-              <a:defRPr sz="2400" b="1"/>
+              <a:defRPr sz="2000" b="1">
+                <a:solidFill>
+                  <a:schemeClr val="accent1">
+                    <a:lumMod val="75000"/>
+                  </a:schemeClr>
+                </a:solidFill>
+              </a:defRPr>
             </a:lvl1pPr>
             <a:lvl2pPr marL="457200" indent="0">
               <a:buNone/>
@@ -1596,7 +2192,7 @@
           <a:p>
             <a:pPr lvl="0"/>
             <a:r>
-              <a:rPr kumimoji="1" lang="ja-JP" altLang="en-US" smtClean="0"/>
+              <a:rPr lang="ja-JP" altLang="en-US" smtClean="0"/>
               <a:t>マスター テキストの書式設定</a:t>
             </a:r>
           </a:p>
@@ -1604,115 +2200,151 @@
       </p:sp>
       <p:sp>
         <p:nvSpPr>
-          <p:cNvPr id="4" name="コンテンツ プレースホルダー 3"/>
-          <p:cNvSpPr>
-            <a:spLocks noGrp="1"/>
-          </p:cNvSpPr>
-          <p:nvPr>
+          <p:cNvPr id="4" name="Content Placeholder 3"/>
+          <p:cNvSpPr>
+            <a:spLocks noGrp="1"/>
+          </p:cNvSpPr>
+          <p:nvPr userDrawn="1">
             <p:ph sz="half" idx="2"/>
           </p:nvPr>
         </p:nvSpPr>
         <p:spPr>
           <a:xfrm>
-            <a:off x="839788" y="2505075"/>
-            <a:ext cx="5157787" cy="3684588"/>
+            <a:off x="1069848" y="2743200"/>
+            <a:ext cx="4754880" cy="3291840"/>
           </a:xfrm>
         </p:spPr>
         <p:txBody>
           <a:bodyPr/>
-          <a:lstStyle/>
+          <a:lstStyle>
+            <a:lvl1pPr>
+              <a:defRPr sz="2000"/>
+            </a:lvl1pPr>
+            <a:lvl2pPr>
+              <a:defRPr sz="1800"/>
+            </a:lvl2pPr>
+            <a:lvl3pPr>
+              <a:defRPr sz="1600"/>
+            </a:lvl3pPr>
+            <a:lvl4pPr>
+              <a:defRPr sz="1600"/>
+            </a:lvl4pPr>
+            <a:lvl5pPr>
+              <a:defRPr sz="1600"/>
+            </a:lvl5pPr>
+            <a:lvl6pPr>
+              <a:defRPr sz="1600"/>
+            </a:lvl6pPr>
+            <a:lvl7pPr>
+              <a:defRPr sz="1600"/>
+            </a:lvl7pPr>
+            <a:lvl8pPr>
+              <a:defRPr sz="1600"/>
+            </a:lvl8pPr>
+            <a:lvl9pPr>
+              <a:defRPr sz="1600"/>
+            </a:lvl9pPr>
+          </a:lstStyle>
           <a:p>
             <a:pPr lvl="0"/>
             <a:r>
-              <a:rPr kumimoji="1" lang="ja-JP" altLang="en-US" smtClean="0"/>
+              <a:rPr lang="ja-JP" altLang="en-US" smtClean="0"/>
               <a:t>マスター テキストの書式設定</a:t>
             </a:r>
           </a:p>
           <a:p>
             <a:pPr lvl="1"/>
             <a:r>
-              <a:rPr kumimoji="1" lang="ja-JP" altLang="en-US" smtClean="0"/>
+              <a:rPr lang="ja-JP" altLang="en-US" smtClean="0"/>
               <a:t>第 </a:t>
             </a:r>
             <a:r>
-              <a:rPr kumimoji="1" lang="en-US" altLang="ja-JP" smtClean="0"/>
+              <a:rPr lang="en-US" altLang="ja-JP" smtClean="0"/>
               <a:t>2 </a:t>
             </a:r>
             <a:r>
-              <a:rPr kumimoji="1" lang="ja-JP" altLang="en-US" smtClean="0"/>
+              <a:rPr lang="ja-JP" altLang="en-US" smtClean="0"/>
               <a:t>レベル</a:t>
             </a:r>
           </a:p>
           <a:p>
             <a:pPr lvl="2"/>
             <a:r>
-              <a:rPr kumimoji="1" lang="ja-JP" altLang="en-US" smtClean="0"/>
+              <a:rPr lang="ja-JP" altLang="en-US" smtClean="0"/>
               <a:t>第 </a:t>
             </a:r>
             <a:r>
-              <a:rPr kumimoji="1" lang="en-US" altLang="ja-JP" smtClean="0"/>
+              <a:rPr lang="en-US" altLang="ja-JP" smtClean="0"/>
               <a:t>3 </a:t>
             </a:r>
             <a:r>
-              <a:rPr kumimoji="1" lang="ja-JP" altLang="en-US" smtClean="0"/>
+              <a:rPr lang="ja-JP" altLang="en-US" smtClean="0"/>
               <a:t>レベル</a:t>
             </a:r>
           </a:p>
           <a:p>
             <a:pPr lvl="3"/>
             <a:r>
-              <a:rPr kumimoji="1" lang="ja-JP" altLang="en-US" smtClean="0"/>
+              <a:rPr lang="ja-JP" altLang="en-US" smtClean="0"/>
               <a:t>第 </a:t>
             </a:r>
             <a:r>
-              <a:rPr kumimoji="1" lang="en-US" altLang="ja-JP" smtClean="0"/>
+              <a:rPr lang="en-US" altLang="ja-JP" smtClean="0"/>
               <a:t>4 </a:t>
             </a:r>
             <a:r>
-              <a:rPr kumimoji="1" lang="ja-JP" altLang="en-US" smtClean="0"/>
+              <a:rPr lang="ja-JP" altLang="en-US" smtClean="0"/>
               <a:t>レベル</a:t>
             </a:r>
           </a:p>
           <a:p>
             <a:pPr lvl="4"/>
             <a:r>
-              <a:rPr kumimoji="1" lang="ja-JP" altLang="en-US" smtClean="0"/>
+              <a:rPr lang="ja-JP" altLang="en-US" smtClean="0"/>
               <a:t>第 </a:t>
             </a:r>
             <a:r>
-              <a:rPr kumimoji="1" lang="en-US" altLang="ja-JP" smtClean="0"/>
+              <a:rPr lang="en-US" altLang="ja-JP" smtClean="0"/>
               <a:t>5 </a:t>
             </a:r>
             <a:r>
-              <a:rPr kumimoji="1" lang="ja-JP" altLang="en-US" smtClean="0"/>
+              <a:rPr lang="ja-JP" altLang="en-US" smtClean="0"/>
               <a:t>レベル</a:t>
             </a:r>
-            <a:endParaRPr kumimoji="1" lang="ja-JP" altLang="en-US"/>
-          </a:p>
-        </p:txBody>
-      </p:sp>
-      <p:sp>
-        <p:nvSpPr>
-          <p:cNvPr id="5" name="テキスト プレースホルダー 4"/>
-          <p:cNvSpPr>
-            <a:spLocks noGrp="1"/>
-          </p:cNvSpPr>
-          <p:nvPr>
+            <a:endParaRPr lang="en-US" dirty="0"/>
+          </a:p>
+        </p:txBody>
+      </p:sp>
+      <p:sp>
+        <p:nvSpPr>
+          <p:cNvPr id="5" name="Text Placeholder 4"/>
+          <p:cNvSpPr>
+            <a:spLocks noGrp="1"/>
+          </p:cNvSpPr>
+          <p:nvPr userDrawn="1">
             <p:ph type="body" sz="quarter" idx="3"/>
           </p:nvPr>
         </p:nvSpPr>
         <p:spPr>
           <a:xfrm>
-            <a:off x="6172200" y="1681163"/>
-            <a:ext cx="5183188" cy="823912"/>
+            <a:off x="6364224" y="2048256"/>
+            <a:ext cx="4754880" cy="640080"/>
           </a:xfrm>
         </p:spPr>
         <p:txBody>
-          <a:bodyPr anchor="b"/>
+          <a:bodyPr anchor="ctr">
+            <a:normAutofit/>
+          </a:bodyPr>
           <a:lstStyle>
             <a:lvl1pPr marL="0" indent="0">
               <a:buNone/>
-              <a:defRPr sz="2400" b="1"/>
+              <a:defRPr sz="2000" b="1">
+                <a:solidFill>
+                  <a:schemeClr val="accent1">
+                    <a:lumMod val="75000"/>
+                  </a:schemeClr>
+                </a:solidFill>
+              </a:defRPr>
             </a:lvl1pPr>
             <a:lvl2pPr marL="457200" indent="0">
               <a:buNone/>
@@ -1750,7 +2382,7 @@
           <a:p>
             <a:pPr lvl="0"/>
             <a:r>
-              <a:rPr kumimoji="1" lang="ja-JP" altLang="en-US" smtClean="0"/>
+              <a:rPr lang="ja-JP" altLang="en-US" smtClean="0"/>
               <a:t>マスター テキストの書式設定</a:t>
             </a:r>
           </a:p>
@@ -1758,100 +2390,128 @@
       </p:sp>
       <p:sp>
         <p:nvSpPr>
-          <p:cNvPr id="6" name="コンテンツ プレースホルダー 5"/>
-          <p:cNvSpPr>
-            <a:spLocks noGrp="1"/>
-          </p:cNvSpPr>
-          <p:nvPr>
+          <p:cNvPr id="6" name="Content Placeholder 5"/>
+          <p:cNvSpPr>
+            <a:spLocks noGrp="1"/>
+          </p:cNvSpPr>
+          <p:nvPr userDrawn="1">
             <p:ph sz="quarter" idx="4"/>
           </p:nvPr>
         </p:nvSpPr>
         <p:spPr>
           <a:xfrm>
-            <a:off x="6172200" y="2505075"/>
-            <a:ext cx="5183188" cy="3684588"/>
+            <a:off x="6364224" y="2743200"/>
+            <a:ext cx="4754880" cy="3291840"/>
           </a:xfrm>
         </p:spPr>
         <p:txBody>
           <a:bodyPr/>
-          <a:lstStyle/>
+          <a:lstStyle>
+            <a:lvl1pPr>
+              <a:defRPr sz="2000"/>
+            </a:lvl1pPr>
+            <a:lvl2pPr>
+              <a:defRPr sz="1800"/>
+            </a:lvl2pPr>
+            <a:lvl3pPr>
+              <a:defRPr sz="1600"/>
+            </a:lvl3pPr>
+            <a:lvl4pPr>
+              <a:defRPr sz="1600"/>
+            </a:lvl4pPr>
+            <a:lvl5pPr>
+              <a:defRPr sz="1600"/>
+            </a:lvl5pPr>
+            <a:lvl6pPr>
+              <a:defRPr sz="1600"/>
+            </a:lvl6pPr>
+            <a:lvl7pPr>
+              <a:defRPr sz="1600"/>
+            </a:lvl7pPr>
+            <a:lvl8pPr>
+              <a:defRPr sz="1600"/>
+            </a:lvl8pPr>
+            <a:lvl9pPr>
+              <a:defRPr sz="1600"/>
+            </a:lvl9pPr>
+          </a:lstStyle>
           <a:p>
             <a:pPr lvl="0"/>
             <a:r>
-              <a:rPr kumimoji="1" lang="ja-JP" altLang="en-US" smtClean="0"/>
+              <a:rPr lang="ja-JP" altLang="en-US" smtClean="0"/>
               <a:t>マスター テキストの書式設定</a:t>
             </a:r>
           </a:p>
           <a:p>
             <a:pPr lvl="1"/>
             <a:r>
-              <a:rPr kumimoji="1" lang="ja-JP" altLang="en-US" smtClean="0"/>
+              <a:rPr lang="ja-JP" altLang="en-US" smtClean="0"/>
               <a:t>第 </a:t>
             </a:r>
             <a:r>
-              <a:rPr kumimoji="1" lang="en-US" altLang="ja-JP" smtClean="0"/>
+              <a:rPr lang="en-US" altLang="ja-JP" smtClean="0"/>
               <a:t>2 </a:t>
             </a:r>
             <a:r>
-              <a:rPr kumimoji="1" lang="ja-JP" altLang="en-US" smtClean="0"/>
+              <a:rPr lang="ja-JP" altLang="en-US" smtClean="0"/>
               <a:t>レベル</a:t>
             </a:r>
           </a:p>
           <a:p>
             <a:pPr lvl="2"/>
             <a:r>
-              <a:rPr kumimoji="1" lang="ja-JP" altLang="en-US" smtClean="0"/>
+              <a:rPr lang="ja-JP" altLang="en-US" smtClean="0"/>
               <a:t>第 </a:t>
             </a:r>
             <a:r>
-              <a:rPr kumimoji="1" lang="en-US" altLang="ja-JP" smtClean="0"/>
+              <a:rPr lang="en-US" altLang="ja-JP" smtClean="0"/>
               <a:t>3 </a:t>
             </a:r>
             <a:r>
-              <a:rPr kumimoji="1" lang="ja-JP" altLang="en-US" smtClean="0"/>
+              <a:rPr lang="ja-JP" altLang="en-US" smtClean="0"/>
               <a:t>レベル</a:t>
             </a:r>
           </a:p>
           <a:p>
             <a:pPr lvl="3"/>
             <a:r>
-              <a:rPr kumimoji="1" lang="ja-JP" altLang="en-US" smtClean="0"/>
+              <a:rPr lang="ja-JP" altLang="en-US" smtClean="0"/>
               <a:t>第 </a:t>
             </a:r>
             <a:r>
-              <a:rPr kumimoji="1" lang="en-US" altLang="ja-JP" smtClean="0"/>
+              <a:rPr lang="en-US" altLang="ja-JP" smtClean="0"/>
               <a:t>4 </a:t>
             </a:r>
             <a:r>
-              <a:rPr kumimoji="1" lang="ja-JP" altLang="en-US" smtClean="0"/>
+              <a:rPr lang="ja-JP" altLang="en-US" smtClean="0"/>
               <a:t>レベル</a:t>
             </a:r>
           </a:p>
           <a:p>
             <a:pPr lvl="4"/>
             <a:r>
-              <a:rPr kumimoji="1" lang="ja-JP" altLang="en-US" smtClean="0"/>
+              <a:rPr lang="ja-JP" altLang="en-US" smtClean="0"/>
               <a:t>第 </a:t>
             </a:r>
             <a:r>
-              <a:rPr kumimoji="1" lang="en-US" altLang="ja-JP" smtClean="0"/>
+              <a:rPr lang="en-US" altLang="ja-JP" smtClean="0"/>
               <a:t>5 </a:t>
             </a:r>
             <a:r>
-              <a:rPr kumimoji="1" lang="ja-JP" altLang="en-US" smtClean="0"/>
+              <a:rPr lang="ja-JP" altLang="en-US" smtClean="0"/>
               <a:t>レベル</a:t>
             </a:r>
-            <a:endParaRPr kumimoji="1" lang="ja-JP" altLang="en-US"/>
-          </a:p>
-        </p:txBody>
-      </p:sp>
-      <p:sp>
-        <p:nvSpPr>
-          <p:cNvPr id="7" name="日付プレースホルダー 6"/>
-          <p:cNvSpPr>
-            <a:spLocks noGrp="1"/>
-          </p:cNvSpPr>
-          <p:nvPr>
+            <a:endParaRPr lang="en-US" dirty="0"/>
+          </a:p>
+        </p:txBody>
+      </p:sp>
+      <p:sp>
+        <p:nvSpPr>
+          <p:cNvPr id="7" name="Date Placeholder 6"/>
+          <p:cNvSpPr>
+            <a:spLocks noGrp="1"/>
+          </p:cNvSpPr>
+          <p:nvPr userDrawn="1">
             <p:ph type="dt" sz="half" idx="10"/>
           </p:nvPr>
         </p:nvSpPr>
@@ -1862,7 +2522,7 @@
           <a:p>
             <a:fld id="{EA09839B-FDFC-49F9-B956-C85EFC887E6D}" type="datetimeFigureOut">
               <a:rPr kumimoji="1" lang="ja-JP" altLang="en-US" smtClean="0"/>
-              <a:t>2018/3/12</a:t>
+              <a:t>2018/3/15</a:t>
             </a:fld>
             <a:endParaRPr kumimoji="1" lang="ja-JP" altLang="en-US"/>
           </a:p>
@@ -1870,11 +2530,11 @@
       </p:sp>
       <p:sp>
         <p:nvSpPr>
-          <p:cNvPr id="8" name="フッター プレースホルダー 7"/>
-          <p:cNvSpPr>
-            <a:spLocks noGrp="1"/>
-          </p:cNvSpPr>
-          <p:nvPr>
+          <p:cNvPr id="8" name="Footer Placeholder 7"/>
+          <p:cNvSpPr>
+            <a:spLocks noGrp="1"/>
+          </p:cNvSpPr>
+          <p:nvPr userDrawn="1">
             <p:ph type="ftr" sz="quarter" idx="11"/>
           </p:nvPr>
         </p:nvSpPr>
@@ -1889,11 +2549,11 @@
       </p:sp>
       <p:sp>
         <p:nvSpPr>
-          <p:cNvPr id="9" name="スライド番号プレースホルダー 8"/>
-          <p:cNvSpPr>
-            <a:spLocks noGrp="1"/>
-          </p:cNvSpPr>
-          <p:nvPr>
+          <p:cNvPr id="9" name="Slide Number Placeholder 8"/>
+          <p:cNvSpPr>
+            <a:spLocks noGrp="1"/>
+          </p:cNvSpPr>
+          <p:nvPr userDrawn="1">
             <p:ph type="sldNum" sz="quarter" idx="12"/>
           </p:nvPr>
         </p:nvSpPr>
@@ -1913,13 +2573,29 @@
     </p:spTree>
     <p:extLst>
       <p:ext uri="{BB962C8B-B14F-4D97-AF65-F5344CB8AC3E}">
-        <p14:creationId xmlns:p14="http://schemas.microsoft.com/office/powerpoint/2010/main" val="4228635634"/>
+        <p14:creationId xmlns:p14="http://schemas.microsoft.com/office/powerpoint/2010/main" val="4275858758"/>
       </p:ext>
     </p:extLst>
   </p:cSld>
   <p:clrMapOvr>
     <a:masterClrMapping/>
   </p:clrMapOvr>
+  <p:extLst>
+    <p:ext uri="{DCECCB84-F9BA-43D5-87BE-67443E8EF086}">
+      <p15:sldGuideLst xmlns:p15="http://schemas.microsoft.com/office/powerpoint/2012/main">
+        <p15:guide id="1" orient="horz" pos="2160" userDrawn="1">
+          <p15:clr>
+            <a:srgbClr val="FBAE40"/>
+          </p15:clr>
+        </p15:guide>
+        <p15:guide id="2" pos="3840" userDrawn="1">
+          <p15:clr>
+            <a:srgbClr val="FBAE40"/>
+          </p15:clr>
+        </p15:guide>
+      </p15:sldGuideLst>
+    </p:ext>
+  </p:extLst>
 </p:sldLayout>
 </file>
 
@@ -1942,7 +2618,7 @@
       </p:grpSpPr>
       <p:sp>
         <p:nvSpPr>
-          <p:cNvPr id="2" name="タイトル 1"/>
+          <p:cNvPr id="6" name="Title 5"/>
           <p:cNvSpPr>
             <a:spLocks noGrp="1"/>
           </p:cNvSpPr>
@@ -1956,16 +2632,16 @@
           <a:lstStyle/>
           <a:p>
             <a:r>
-              <a:rPr kumimoji="1" lang="ja-JP" altLang="en-US" smtClean="0"/>
+              <a:rPr lang="ja-JP" altLang="en-US" smtClean="0"/>
               <a:t>マスター タイトルの書式設定</a:t>
             </a:r>
-            <a:endParaRPr kumimoji="1" lang="ja-JP" altLang="en-US"/>
-          </a:p>
-        </p:txBody>
-      </p:sp>
-      <p:sp>
-        <p:nvSpPr>
-          <p:cNvPr id="3" name="日付プレースホルダー 2"/>
+            <a:endParaRPr lang="en-US" dirty="0"/>
+          </a:p>
+        </p:txBody>
+      </p:sp>
+      <p:sp>
+        <p:nvSpPr>
+          <p:cNvPr id="3" name="Date Placeholder 2"/>
           <p:cNvSpPr>
             <a:spLocks noGrp="1"/>
           </p:cNvSpPr>
@@ -1980,7 +2656,7 @@
           <a:p>
             <a:fld id="{EA09839B-FDFC-49F9-B956-C85EFC887E6D}" type="datetimeFigureOut">
               <a:rPr kumimoji="1" lang="ja-JP" altLang="en-US" smtClean="0"/>
-              <a:t>2018/3/12</a:t>
+              <a:t>2018/3/15</a:t>
             </a:fld>
             <a:endParaRPr kumimoji="1" lang="ja-JP" altLang="en-US"/>
           </a:p>
@@ -1988,7 +2664,7 @@
       </p:sp>
       <p:sp>
         <p:nvSpPr>
-          <p:cNvPr id="4" name="フッター プレースホルダー 3"/>
+          <p:cNvPr id="4" name="Footer Placeholder 3"/>
           <p:cNvSpPr>
             <a:spLocks noGrp="1"/>
           </p:cNvSpPr>
@@ -2007,7 +2683,7 @@
       </p:sp>
       <p:sp>
         <p:nvSpPr>
-          <p:cNvPr id="5" name="スライド番号プレースホルダー 4"/>
+          <p:cNvPr id="5" name="Slide Number Placeholder 4"/>
           <p:cNvSpPr>
             <a:spLocks noGrp="1"/>
           </p:cNvSpPr>
@@ -2031,7 +2707,7 @@
     </p:spTree>
     <p:extLst>
       <p:ext uri="{BB962C8B-B14F-4D97-AF65-F5344CB8AC3E}">
-        <p14:creationId xmlns:p14="http://schemas.microsoft.com/office/powerpoint/2010/main" val="1827938925"/>
+        <p14:creationId xmlns:p14="http://schemas.microsoft.com/office/powerpoint/2010/main" val="112043587"/>
       </p:ext>
     </p:extLst>
   </p:cSld>
@@ -2060,7 +2736,7 @@
       </p:grpSpPr>
       <p:sp>
         <p:nvSpPr>
-          <p:cNvPr id="2" name="日付プレースホルダー 1"/>
+          <p:cNvPr id="2" name="Date Placeholder 1"/>
           <p:cNvSpPr>
             <a:spLocks noGrp="1"/>
           </p:cNvSpPr>
@@ -2075,7 +2751,7 @@
           <a:p>
             <a:fld id="{EA09839B-FDFC-49F9-B956-C85EFC887E6D}" type="datetimeFigureOut">
               <a:rPr kumimoji="1" lang="ja-JP" altLang="en-US" smtClean="0"/>
-              <a:t>2018/3/12</a:t>
+              <a:t>2018/3/15</a:t>
             </a:fld>
             <a:endParaRPr kumimoji="1" lang="ja-JP" altLang="en-US"/>
           </a:p>
@@ -2083,7 +2759,7 @@
       </p:sp>
       <p:sp>
         <p:nvSpPr>
-          <p:cNvPr id="3" name="フッター プレースホルダー 2"/>
+          <p:cNvPr id="3" name="Footer Placeholder 2"/>
           <p:cNvSpPr>
             <a:spLocks noGrp="1"/>
           </p:cNvSpPr>
@@ -2102,7 +2778,7 @@
       </p:sp>
       <p:sp>
         <p:nvSpPr>
-          <p:cNvPr id="4" name="スライド番号プレースホルダー 3"/>
+          <p:cNvPr id="4" name="Slide Number Placeholder 3"/>
           <p:cNvSpPr>
             <a:spLocks noGrp="1"/>
           </p:cNvSpPr>
@@ -2126,7 +2802,7 @@
     </p:spTree>
     <p:extLst>
       <p:ext uri="{BB962C8B-B14F-4D97-AF65-F5344CB8AC3E}">
-        <p14:creationId xmlns:p14="http://schemas.microsoft.com/office/powerpoint/2010/main" val="653070985"/>
+        <p14:creationId xmlns:p14="http://schemas.microsoft.com/office/powerpoint/2010/main" val="676218379"/>
       </p:ext>
     </p:extLst>
   </p:cSld>
@@ -2137,7 +2813,7 @@
 </file>
 
 <file path=ppt/slideLayouts/slideLayout8.xml><?xml version="1.0" encoding="utf-8"?>
-<p:sldLayout xmlns:a="http://schemas.openxmlformats.org/drawingml/2006/main" xmlns:r="http://schemas.openxmlformats.org/officeDocument/2006/relationships" xmlns:p="http://schemas.openxmlformats.org/presentationml/2006/main" type="objTx" preserve="1">
+<p:sldLayout xmlns:a="http://schemas.openxmlformats.org/drawingml/2006/main" xmlns:r="http://schemas.openxmlformats.org/officeDocument/2006/relationships" xmlns:p="http://schemas.openxmlformats.org/presentationml/2006/main" showMasterSp="0" type="objTx" preserve="1">
   <p:cSld name="タイトル付きの&#10;コンテンツ">
     <p:spTree>
       <p:nvGrpSpPr>
@@ -2155,39 +2831,98 @@
       </p:grpSpPr>
       <p:sp>
         <p:nvSpPr>
-          <p:cNvPr id="2" name="タイトル 1"/>
-          <p:cNvSpPr>
-            <a:spLocks noGrp="1"/>
-          </p:cNvSpPr>
-          <p:nvPr>
-            <p:ph type="title"/>
-          </p:nvPr>
+          <p:cNvPr id="8" name="Rectangle 7"/>
+          <p:cNvSpPr/>
+          <p:nvPr/>
         </p:nvSpPr>
         <p:spPr>
           <a:xfrm>
-            <a:off x="839788" y="457200"/>
-            <a:ext cx="3932237" cy="1600200"/>
+            <a:off x="8303740" y="0"/>
+            <a:ext cx="3888259" cy="6857999"/>
+          </a:xfrm>
+          <a:prstGeom prst="rect">
+            <a:avLst/>
+          </a:prstGeom>
+          <a:blipFill dpi="0" rotWithShape="1">
+            <a:blip r:embed="rId2">
+              <a:alphaModFix amt="60000"/>
+              <a:lum bright="70000" contrast="-70000"/>
+              <a:extLst>
+                <a:ext uri="{BEBA8EAE-BF5A-486C-A8C5-ECC9F3942E4B}">
+                  <a14:imgProps xmlns:a14="http://schemas.microsoft.com/office/drawing/2010/main">
+                    <a14:imgLayer r:embed="rId3">
+                      <a14:imgEffect>
+                        <a14:sharpenSoften amount="61000"/>
+                      </a14:imgEffect>
+                    </a14:imgLayer>
+                  </a14:imgProps>
+                </a:ext>
+                <a:ext uri="{28A0092B-C50C-407E-A947-70E740481C1C}">
+                  <a14:useLocalDpi xmlns:a14="http://schemas.microsoft.com/office/drawing/2010/main" val="0"/>
+                </a:ext>
+              </a:extLst>
+            </a:blip>
+            <a:srcRect/>
+            <a:tile tx="0" ty="-704850" sx="92000" sy="89000" flip="xy" algn="ctr"/>
+          </a:blipFill>
+          <a:ln>
+            <a:noFill/>
+          </a:ln>
+        </p:spPr>
+        <p:style>
+          <a:lnRef idx="2">
+            <a:schemeClr val="accent1">
+              <a:shade val="50000"/>
+            </a:schemeClr>
+          </a:lnRef>
+          <a:fillRef idx="1">
+            <a:schemeClr val="accent1"/>
+          </a:fillRef>
+          <a:effectRef idx="0">
+            <a:schemeClr val="accent1"/>
+          </a:effectRef>
+          <a:fontRef idx="minor">
+            <a:schemeClr val="lt1"/>
+          </a:fontRef>
+        </p:style>
+      </p:sp>
+      <p:sp>
+        <p:nvSpPr>
+          <p:cNvPr id="2" name="Title 1"/>
+          <p:cNvSpPr>
+            <a:spLocks noGrp="1"/>
+          </p:cNvSpPr>
+          <p:nvPr>
+            <p:ph type="title"/>
+          </p:nvPr>
+        </p:nvSpPr>
+        <p:spPr>
+          <a:xfrm>
+            <a:off x="8549640" y="685800"/>
+            <a:ext cx="3200400" cy="1737360"/>
           </a:xfrm>
         </p:spPr>
         <p:txBody>
-          <a:bodyPr anchor="b"/>
+          <a:bodyPr anchor="b">
+            <a:normAutofit/>
+          </a:bodyPr>
           <a:lstStyle>
             <a:lvl1pPr>
-              <a:defRPr sz="3200"/>
+              <a:defRPr sz="3200" b="1"/>
             </a:lvl1pPr>
           </a:lstStyle>
           <a:p>
             <a:r>
-              <a:rPr kumimoji="1" lang="ja-JP" altLang="en-US" smtClean="0"/>
+              <a:rPr lang="ja-JP" altLang="en-US" smtClean="0"/>
               <a:t>マスター タイトルの書式設定</a:t>
             </a:r>
-            <a:endParaRPr kumimoji="1" lang="ja-JP" altLang="en-US"/>
-          </a:p>
-        </p:txBody>
-      </p:sp>
-      <p:sp>
-        <p:nvSpPr>
-          <p:cNvPr id="3" name="コンテンツ プレースホルダー 2"/>
+            <a:endParaRPr lang="en-US" dirty="0"/>
+          </a:p>
+        </p:txBody>
+      </p:sp>
+      <p:sp>
+        <p:nvSpPr>
+          <p:cNvPr id="3" name="Content Placeholder 2"/>
           <p:cNvSpPr>
             <a:spLocks noGrp="1"/>
           </p:cNvSpPr>
@@ -2197,114 +2932,114 @@
         </p:nvSpPr>
         <p:spPr>
           <a:xfrm>
-            <a:off x="5183188" y="987425"/>
-            <a:ext cx="6172200" cy="4873625"/>
+            <a:off x="838200" y="685800"/>
+            <a:ext cx="6711696" cy="5020056"/>
           </a:xfrm>
         </p:spPr>
         <p:txBody>
           <a:bodyPr/>
           <a:lstStyle>
             <a:lvl1pPr>
-              <a:defRPr sz="3200"/>
+              <a:defRPr sz="2000"/>
             </a:lvl1pPr>
             <a:lvl2pPr>
-              <a:defRPr sz="2800"/>
+              <a:defRPr sz="1800"/>
             </a:lvl2pPr>
             <a:lvl3pPr>
-              <a:defRPr sz="2400"/>
+              <a:defRPr sz="1600"/>
             </a:lvl3pPr>
             <a:lvl4pPr>
-              <a:defRPr sz="2000"/>
+              <a:defRPr sz="1600"/>
             </a:lvl4pPr>
             <a:lvl5pPr>
-              <a:defRPr sz="2000"/>
+              <a:defRPr sz="1600"/>
             </a:lvl5pPr>
             <a:lvl6pPr>
-              <a:defRPr sz="2000"/>
+              <a:defRPr sz="1600"/>
             </a:lvl6pPr>
             <a:lvl7pPr>
-              <a:defRPr sz="2000"/>
+              <a:defRPr sz="1600"/>
             </a:lvl7pPr>
             <a:lvl8pPr>
-              <a:defRPr sz="2000"/>
+              <a:defRPr sz="1600"/>
             </a:lvl8pPr>
             <a:lvl9pPr>
-              <a:defRPr sz="2000"/>
+              <a:defRPr sz="1600"/>
             </a:lvl9pPr>
           </a:lstStyle>
           <a:p>
             <a:pPr lvl="0"/>
             <a:r>
-              <a:rPr kumimoji="1" lang="ja-JP" altLang="en-US" smtClean="0"/>
+              <a:rPr lang="ja-JP" altLang="en-US" smtClean="0"/>
               <a:t>マスター テキストの書式設定</a:t>
             </a:r>
           </a:p>
           <a:p>
             <a:pPr lvl="1"/>
             <a:r>
-              <a:rPr kumimoji="1" lang="ja-JP" altLang="en-US" smtClean="0"/>
+              <a:rPr lang="ja-JP" altLang="en-US" smtClean="0"/>
               <a:t>第 </a:t>
             </a:r>
             <a:r>
-              <a:rPr kumimoji="1" lang="en-US" altLang="ja-JP" smtClean="0"/>
+              <a:rPr lang="en-US" altLang="ja-JP" smtClean="0"/>
               <a:t>2 </a:t>
             </a:r>
             <a:r>
-              <a:rPr kumimoji="1" lang="ja-JP" altLang="en-US" smtClean="0"/>
+              <a:rPr lang="ja-JP" altLang="en-US" smtClean="0"/>
               <a:t>レベル</a:t>
             </a:r>
           </a:p>
           <a:p>
             <a:pPr lvl="2"/>
             <a:r>
-              <a:rPr kumimoji="1" lang="ja-JP" altLang="en-US" smtClean="0"/>
+              <a:rPr lang="ja-JP" altLang="en-US" smtClean="0"/>
               <a:t>第 </a:t>
             </a:r>
             <a:r>
-              <a:rPr kumimoji="1" lang="en-US" altLang="ja-JP" smtClean="0"/>
+              <a:rPr lang="en-US" altLang="ja-JP" smtClean="0"/>
               <a:t>3 </a:t>
             </a:r>
             <a:r>
-              <a:rPr kumimoji="1" lang="ja-JP" altLang="en-US" smtClean="0"/>
+              <a:rPr lang="ja-JP" altLang="en-US" smtClean="0"/>
               <a:t>レベル</a:t>
             </a:r>
           </a:p>
           <a:p>
             <a:pPr lvl="3"/>
             <a:r>
-              <a:rPr kumimoji="1" lang="ja-JP" altLang="en-US" smtClean="0"/>
+              <a:rPr lang="ja-JP" altLang="en-US" smtClean="0"/>
               <a:t>第 </a:t>
             </a:r>
             <a:r>
-              <a:rPr kumimoji="1" lang="en-US" altLang="ja-JP" smtClean="0"/>
+              <a:rPr lang="en-US" altLang="ja-JP" smtClean="0"/>
               <a:t>4 </a:t>
             </a:r>
             <a:r>
-              <a:rPr kumimoji="1" lang="ja-JP" altLang="en-US" smtClean="0"/>
+              <a:rPr lang="ja-JP" altLang="en-US" smtClean="0"/>
               <a:t>レベル</a:t>
             </a:r>
           </a:p>
           <a:p>
             <a:pPr lvl="4"/>
             <a:r>
-              <a:rPr kumimoji="1" lang="ja-JP" altLang="en-US" smtClean="0"/>
+              <a:rPr lang="ja-JP" altLang="en-US" smtClean="0"/>
               <a:t>第 </a:t>
             </a:r>
             <a:r>
-              <a:rPr kumimoji="1" lang="en-US" altLang="ja-JP" smtClean="0"/>
+              <a:rPr lang="en-US" altLang="ja-JP" smtClean="0"/>
               <a:t>5 </a:t>
             </a:r>
             <a:r>
-              <a:rPr kumimoji="1" lang="ja-JP" altLang="en-US" smtClean="0"/>
+              <a:rPr lang="ja-JP" altLang="en-US" smtClean="0"/>
               <a:t>レベル</a:t>
             </a:r>
-            <a:endParaRPr kumimoji="1" lang="ja-JP" altLang="en-US"/>
-          </a:p>
-        </p:txBody>
-      </p:sp>
-      <p:sp>
-        <p:nvSpPr>
-          <p:cNvPr id="4" name="テキスト プレースホルダー 3"/>
+            <a:endParaRPr lang="en-US" dirty="0"/>
+          </a:p>
+        </p:txBody>
+      </p:sp>
+      <p:sp>
+        <p:nvSpPr>
+          <p:cNvPr id="4" name="Text Placeholder 3"/>
           <p:cNvSpPr>
             <a:spLocks noGrp="1"/>
           </p:cNvSpPr>
@@ -2314,54 +3049,68 @@
         </p:nvSpPr>
         <p:spPr>
           <a:xfrm>
-            <a:off x="839788" y="2057400"/>
-            <a:ext cx="3932237" cy="3811588"/>
+            <a:off x="8549640" y="2423160"/>
+            <a:ext cx="3200400" cy="3291840"/>
           </a:xfrm>
         </p:spPr>
         <p:txBody>
-          <a:bodyPr/>
+          <a:bodyPr>
+            <a:normAutofit/>
+          </a:bodyPr>
           <a:lstStyle>
             <a:lvl1pPr marL="0" indent="0">
-              <a:buNone/>
-              <a:defRPr sz="1600"/>
+              <a:lnSpc>
+                <a:spcPct val="100000"/>
+              </a:lnSpc>
+              <a:spcBef>
+                <a:spcPts val="1000"/>
+              </a:spcBef>
+              <a:buNone/>
+              <a:defRPr sz="1400">
+                <a:solidFill>
+                  <a:schemeClr val="accent1">
+                    <a:lumMod val="75000"/>
+                  </a:schemeClr>
+                </a:solidFill>
+              </a:defRPr>
             </a:lvl1pPr>
             <a:lvl2pPr marL="457200" indent="0">
               <a:buNone/>
-              <a:defRPr sz="1400"/>
+              <a:defRPr sz="1200"/>
             </a:lvl2pPr>
             <a:lvl3pPr marL="914400" indent="0">
               <a:buNone/>
-              <a:defRPr sz="1200"/>
+              <a:defRPr sz="1000"/>
             </a:lvl3pPr>
             <a:lvl4pPr marL="1371600" indent="0">
               <a:buNone/>
-              <a:defRPr sz="1000"/>
+              <a:defRPr sz="900"/>
             </a:lvl4pPr>
             <a:lvl5pPr marL="1828800" indent="0">
               <a:buNone/>
-              <a:defRPr sz="1000"/>
+              <a:defRPr sz="900"/>
             </a:lvl5pPr>
             <a:lvl6pPr marL="2286000" indent="0">
               <a:buNone/>
-              <a:defRPr sz="1000"/>
+              <a:defRPr sz="900"/>
             </a:lvl6pPr>
             <a:lvl7pPr marL="2743200" indent="0">
               <a:buNone/>
-              <a:defRPr sz="1000"/>
+              <a:defRPr sz="900"/>
             </a:lvl7pPr>
             <a:lvl8pPr marL="3200400" indent="0">
               <a:buNone/>
-              <a:defRPr sz="1000"/>
+              <a:defRPr sz="900"/>
             </a:lvl8pPr>
             <a:lvl9pPr marL="3657600" indent="0">
               <a:buNone/>
-              <a:defRPr sz="1000"/>
+              <a:defRPr sz="900"/>
             </a:lvl9pPr>
           </a:lstStyle>
           <a:p>
             <a:pPr lvl="0"/>
             <a:r>
-              <a:rPr kumimoji="1" lang="ja-JP" altLang="en-US" smtClean="0"/>
+              <a:rPr lang="ja-JP" altLang="en-US" smtClean="0"/>
               <a:t>マスター テキストの書式設定</a:t>
             </a:r>
           </a:p>
@@ -2369,7 +3118,7 @@
       </p:sp>
       <p:sp>
         <p:nvSpPr>
-          <p:cNvPr id="5" name="日付プレースホルダー 4"/>
+          <p:cNvPr id="5" name="Date Placeholder 4"/>
           <p:cNvSpPr>
             <a:spLocks noGrp="1"/>
           </p:cNvSpPr>
@@ -2384,7 +3133,7 @@
           <a:p>
             <a:fld id="{EA09839B-FDFC-49F9-B956-C85EFC887E6D}" type="datetimeFigureOut">
               <a:rPr kumimoji="1" lang="ja-JP" altLang="en-US" smtClean="0"/>
-              <a:t>2018/3/12</a:t>
+              <a:t>2018/3/15</a:t>
             </a:fld>
             <a:endParaRPr kumimoji="1" lang="ja-JP" altLang="en-US"/>
           </a:p>
@@ -2392,7 +3141,7 @@
       </p:sp>
       <p:sp>
         <p:nvSpPr>
-          <p:cNvPr id="6" name="フッター プレースホルダー 5"/>
+          <p:cNvPr id="6" name="Footer Placeholder 5"/>
           <p:cNvSpPr>
             <a:spLocks noGrp="1"/>
           </p:cNvSpPr>
@@ -2409,9 +3158,98 @@
           </a:p>
         </p:txBody>
       </p:sp>
-      <p:sp>
-        <p:nvSpPr>
-          <p:cNvPr id="7" name="スライド番号プレースホルダー 6"/>
+      <p:grpSp>
+        <p:nvGrpSpPr>
+          <p:cNvPr id="9" name="Group 8"/>
+          <p:cNvGrpSpPr>
+            <a:grpSpLocks noChangeAspect="1"/>
+          </p:cNvGrpSpPr>
+          <p:nvPr/>
+        </p:nvGrpSpPr>
+        <p:grpSpPr>
+          <a:xfrm>
+            <a:off x="11401725" y="6229681"/>
+            <a:ext cx="457200" cy="457200"/>
+            <a:chOff x="11361456" y="6195813"/>
+            <a:chExt cx="548640" cy="548640"/>
+          </a:xfrm>
+        </p:grpSpPr>
+        <p:sp>
+          <p:nvSpPr>
+            <p:cNvPr id="10" name="Oval 9"/>
+            <p:cNvSpPr/>
+            <p:nvPr/>
+          </p:nvSpPr>
+          <p:spPr>
+            <a:xfrm>
+              <a:off x="11361456" y="6195813"/>
+              <a:ext cx="548640" cy="548640"/>
+            </a:xfrm>
+            <a:prstGeom prst="ellipse">
+              <a:avLst/>
+            </a:prstGeom>
+            <a:blipFill dpi="0" rotWithShape="1">
+              <a:blip r:embed="rId4">
+                <a:duotone>
+                  <a:schemeClr val="accent1">
+                    <a:shade val="45000"/>
+                    <a:satMod val="135000"/>
+                  </a:schemeClr>
+                  <a:prstClr val="white"/>
+                </a:duotone>
+                <a:extLst>
+                  <a:ext uri="{BEBA8EAE-BF5A-486C-A8C5-ECC9F3942E4B}">
+                    <a14:imgProps xmlns:a14="http://schemas.microsoft.com/office/drawing/2010/main">
+                      <a14:imgLayer r:embed="rId5">
+                        <a14:imgEffect>
+                          <a14:saturation sat="95000"/>
+                        </a14:imgEffect>
+                        <a14:imgEffect>
+                          <a14:brightnessContrast bright="-40000" contrast="20000"/>
+                        </a14:imgEffect>
+                      </a14:imgLayer>
+                    </a14:imgProps>
+                  </a:ext>
+                </a:extLst>
+              </a:blip>
+              <a:srcRect/>
+              <a:tile tx="50800" ty="0" sx="85000" sy="85000" flip="none" algn="tl"/>
+            </a:blipFill>
+            <a:ln w="25400" cap="flat" cmpd="sng" algn="ctr">
+              <a:noFill/>
+              <a:prstDash val="solid"/>
+            </a:ln>
+            <a:effectLst/>
+          </p:spPr>
+        </p:sp>
+        <p:sp>
+          <p:nvSpPr>
+            <p:cNvPr id="11" name="Oval 10"/>
+            <p:cNvSpPr/>
+            <p:nvPr/>
+          </p:nvSpPr>
+          <p:spPr>
+            <a:xfrm>
+              <a:off x="11396488" y="6230844"/>
+              <a:ext cx="478576" cy="478578"/>
+            </a:xfrm>
+            <a:prstGeom prst="ellipse">
+              <a:avLst/>
+            </a:prstGeom>
+            <a:noFill/>
+            <a:ln w="12700" cap="flat" cmpd="sng" algn="ctr">
+              <a:solidFill>
+                <a:sysClr val="window" lastClr="FFFFFF"/>
+              </a:solidFill>
+              <a:prstDash val="solid"/>
+            </a:ln>
+            <a:effectLst/>
+          </p:spPr>
+        </p:sp>
+      </p:grpSp>
+      <p:sp>
+        <p:nvSpPr>
+          <p:cNvPr id="7" name="Slide Number Placeholder 6"/>
           <p:cNvSpPr>
             <a:spLocks noGrp="1"/>
           </p:cNvSpPr>
@@ -2435,7 +3273,7 @@
     </p:spTree>
     <p:extLst>
       <p:ext uri="{BB962C8B-B14F-4D97-AF65-F5344CB8AC3E}">
-        <p14:creationId xmlns:p14="http://schemas.microsoft.com/office/powerpoint/2010/main" val="2086385752"/>
+        <p14:creationId xmlns:p14="http://schemas.microsoft.com/office/powerpoint/2010/main" val="3354665934"/>
       </p:ext>
     </p:extLst>
   </p:cSld>
@@ -2446,7 +3284,7 @@
 </file>
 
 <file path=ppt/slideLayouts/slideLayout9.xml><?xml version="1.0" encoding="utf-8"?>
-<p:sldLayout xmlns:a="http://schemas.openxmlformats.org/drawingml/2006/main" xmlns:r="http://schemas.openxmlformats.org/officeDocument/2006/relationships" xmlns:p="http://schemas.openxmlformats.org/presentationml/2006/main" type="picTx" preserve="1">
+<p:sldLayout xmlns:a="http://schemas.openxmlformats.org/drawingml/2006/main" xmlns:r="http://schemas.openxmlformats.org/officeDocument/2006/relationships" xmlns:p="http://schemas.openxmlformats.org/presentationml/2006/main" showMasterSp="0" type="picTx" preserve="1">
   <p:cSld name="タイトル付きの図">
     <p:spTree>
       <p:nvGrpSpPr>
@@ -2464,41 +3302,100 @@
       </p:grpSpPr>
       <p:sp>
         <p:nvSpPr>
-          <p:cNvPr id="2" name="タイトル 1"/>
-          <p:cNvSpPr>
-            <a:spLocks noGrp="1"/>
-          </p:cNvSpPr>
-          <p:nvPr>
-            <p:ph type="title"/>
-          </p:nvPr>
+          <p:cNvPr id="11" name="Rectangle 10"/>
+          <p:cNvSpPr/>
+          <p:nvPr/>
         </p:nvSpPr>
         <p:spPr>
           <a:xfrm>
-            <a:off x="839788" y="457200"/>
-            <a:ext cx="3932237" cy="1600200"/>
+            <a:off x="8303740" y="0"/>
+            <a:ext cx="3888259" cy="6857999"/>
+          </a:xfrm>
+          <a:prstGeom prst="rect">
+            <a:avLst/>
+          </a:prstGeom>
+          <a:blipFill dpi="0" rotWithShape="1">
+            <a:blip r:embed="rId2">
+              <a:alphaModFix amt="60000"/>
+              <a:lum bright="70000" contrast="-70000"/>
+              <a:extLst>
+                <a:ext uri="{BEBA8EAE-BF5A-486C-A8C5-ECC9F3942E4B}">
+                  <a14:imgProps xmlns:a14="http://schemas.microsoft.com/office/drawing/2010/main">
+                    <a14:imgLayer r:embed="rId3">
+                      <a14:imgEffect>
+                        <a14:sharpenSoften amount="61000"/>
+                      </a14:imgEffect>
+                    </a14:imgLayer>
+                  </a14:imgProps>
+                </a:ext>
+                <a:ext uri="{28A0092B-C50C-407E-A947-70E740481C1C}">
+                  <a14:useLocalDpi xmlns:a14="http://schemas.microsoft.com/office/drawing/2010/main" val="0"/>
+                </a:ext>
+              </a:extLst>
+            </a:blip>
+            <a:srcRect/>
+            <a:tile tx="0" ty="-704850" sx="92000" sy="89000" flip="xy" algn="ctr"/>
+          </a:blipFill>
+          <a:ln>
+            <a:noFill/>
+          </a:ln>
+        </p:spPr>
+        <p:style>
+          <a:lnRef idx="2">
+            <a:schemeClr val="accent1">
+              <a:shade val="50000"/>
+            </a:schemeClr>
+          </a:lnRef>
+          <a:fillRef idx="1">
+            <a:schemeClr val="accent1"/>
+          </a:fillRef>
+          <a:effectRef idx="0">
+            <a:schemeClr val="accent1"/>
+          </a:effectRef>
+          <a:fontRef idx="minor">
+            <a:schemeClr val="lt1"/>
+          </a:fontRef>
+        </p:style>
+      </p:sp>
+      <p:sp>
+        <p:nvSpPr>
+          <p:cNvPr id="2" name="Title 1"/>
+          <p:cNvSpPr>
+            <a:spLocks noGrp="1"/>
+          </p:cNvSpPr>
+          <p:nvPr>
+            <p:ph type="title"/>
+          </p:nvPr>
+        </p:nvSpPr>
+        <p:spPr>
+          <a:xfrm>
+            <a:off x="8549640" y="685800"/>
+            <a:ext cx="3200400" cy="1737360"/>
           </a:xfrm>
         </p:spPr>
         <p:txBody>
-          <a:bodyPr anchor="b"/>
+          <a:bodyPr anchor="b">
+            <a:normAutofit/>
+          </a:bodyPr>
           <a:lstStyle>
             <a:lvl1pPr>
-              <a:defRPr sz="3200"/>
+              <a:defRPr sz="3200" b="1"/>
             </a:lvl1pPr>
           </a:lstStyle>
           <a:p>
             <a:r>
-              <a:rPr kumimoji="1" lang="ja-JP" altLang="en-US" smtClean="0"/>
+              <a:rPr lang="ja-JP" altLang="en-US" smtClean="0"/>
               <a:t>マスター タイトルの書式設定</a:t>
             </a:r>
-            <a:endParaRPr kumimoji="1" lang="ja-JP" altLang="en-US"/>
-          </a:p>
-        </p:txBody>
-      </p:sp>
-      <p:sp>
-        <p:nvSpPr>
-          <p:cNvPr id="3" name="図プレースホルダー 2"/>
-          <p:cNvSpPr>
-            <a:spLocks noGrp="1"/>
+            <a:endParaRPr lang="en-US" dirty="0"/>
+          </a:p>
+        </p:txBody>
+      </p:sp>
+      <p:sp>
+        <p:nvSpPr>
+          <p:cNvPr id="3" name="Picture Placeholder 2"/>
+          <p:cNvSpPr>
+            <a:spLocks noGrp="1" noChangeAspect="1"/>
           </p:cNvSpPr>
           <p:nvPr>
             <p:ph type="pic" idx="1"/>
@@ -2506,12 +3403,18 @@
         </p:nvSpPr>
         <p:spPr>
           <a:xfrm>
-            <a:off x="5183188" y="987425"/>
-            <a:ext cx="6172200" cy="4873625"/>
+            <a:off x="0" y="0"/>
+            <a:ext cx="8303740" cy="6858000"/>
           </a:xfrm>
+          <a:solidFill>
+            <a:schemeClr val="tx2">
+              <a:lumMod val="20000"/>
+              <a:lumOff val="80000"/>
+            </a:schemeClr>
+          </a:solidFill>
         </p:spPr>
         <p:txBody>
-          <a:bodyPr/>
+          <a:bodyPr anchor="t"/>
           <a:lstStyle>
             <a:lvl1pPr marL="0" indent="0">
               <a:buNone/>
@@ -2551,13 +3454,17 @@
             </a:lvl9pPr>
           </a:lstStyle>
           <a:p>
-            <a:endParaRPr kumimoji="1" lang="ja-JP" altLang="en-US"/>
-          </a:p>
-        </p:txBody>
-      </p:sp>
-      <p:sp>
-        <p:nvSpPr>
-          <p:cNvPr id="4" name="テキスト プレースホルダー 3"/>
+            <a:r>
+              <a:rPr lang="ja-JP" altLang="en-US" smtClean="0"/>
+              <a:t>図を追加</a:t>
+            </a:r>
+            <a:endParaRPr lang="en-US" dirty="0"/>
+          </a:p>
+        </p:txBody>
+      </p:sp>
+      <p:sp>
+        <p:nvSpPr>
+          <p:cNvPr id="4" name="Text Placeholder 3"/>
           <p:cNvSpPr>
             <a:spLocks noGrp="1"/>
           </p:cNvSpPr>
@@ -2567,54 +3474,68 @@
         </p:nvSpPr>
         <p:spPr>
           <a:xfrm>
-            <a:off x="839788" y="2057400"/>
-            <a:ext cx="3932237" cy="3811588"/>
+            <a:off x="8549640" y="2423160"/>
+            <a:ext cx="3200400" cy="3291840"/>
           </a:xfrm>
         </p:spPr>
         <p:txBody>
-          <a:bodyPr/>
+          <a:bodyPr>
+            <a:normAutofit/>
+          </a:bodyPr>
           <a:lstStyle>
             <a:lvl1pPr marL="0" indent="0">
-              <a:buNone/>
-              <a:defRPr sz="1600"/>
+              <a:lnSpc>
+                <a:spcPct val="100000"/>
+              </a:lnSpc>
+              <a:spcBef>
+                <a:spcPts val="1000"/>
+              </a:spcBef>
+              <a:buNone/>
+              <a:defRPr sz="1400">
+                <a:solidFill>
+                  <a:schemeClr val="accent1">
+                    <a:lumMod val="75000"/>
+                  </a:schemeClr>
+                </a:solidFill>
+              </a:defRPr>
             </a:lvl1pPr>
             <a:lvl2pPr marL="457200" indent="0">
               <a:buNone/>
-              <a:defRPr sz="1400"/>
+              <a:defRPr sz="1200"/>
             </a:lvl2pPr>
             <a:lvl3pPr marL="914400" indent="0">
               <a:buNone/>
-              <a:defRPr sz="1200"/>
+              <a:defRPr sz="1000"/>
             </a:lvl3pPr>
             <a:lvl4pPr marL="1371600" indent="0">
               <a:buNone/>
-              <a:defRPr sz="1000"/>
+              <a:defRPr sz="900"/>
             </a:lvl4pPr>
             <a:lvl5pPr marL="1828800" indent="0">
               <a:buNone/>
-              <a:defRPr sz="1000"/>
+              <a:defRPr sz="900"/>
             </a:lvl5pPr>
             <a:lvl6pPr marL="2286000" indent="0">
               <a:buNone/>
-              <a:defRPr sz="1000"/>
+              <a:defRPr sz="900"/>
             </a:lvl6pPr>
             <a:lvl7pPr marL="2743200" indent="0">
               <a:buNone/>
-              <a:defRPr sz="1000"/>
+              <a:defRPr sz="900"/>
             </a:lvl7pPr>
             <a:lvl8pPr marL="3200400" indent="0">
               <a:buNone/>
-              <a:defRPr sz="1000"/>
+              <a:defRPr sz="900"/>
             </a:lvl8pPr>
             <a:lvl9pPr marL="3657600" indent="0">
               <a:buNone/>
-              <a:defRPr sz="1000"/>
+              <a:defRPr sz="900"/>
             </a:lvl9pPr>
           </a:lstStyle>
           <a:p>
             <a:pPr lvl="0"/>
             <a:r>
-              <a:rPr kumimoji="1" lang="ja-JP" altLang="en-US" smtClean="0"/>
+              <a:rPr lang="ja-JP" altLang="en-US" smtClean="0"/>
               <a:t>マスター テキストの書式設定</a:t>
             </a:r>
           </a:p>
@@ -2622,7 +3543,7 @@
       </p:sp>
       <p:sp>
         <p:nvSpPr>
-          <p:cNvPr id="5" name="日付プレースホルダー 4"/>
+          <p:cNvPr id="5" name="Date Placeholder 4"/>
           <p:cNvSpPr>
             <a:spLocks noGrp="1"/>
           </p:cNvSpPr>
@@ -2637,34 +3558,104 @@
           <a:p>
             <a:fld id="{EA09839B-FDFC-49F9-B956-C85EFC887E6D}" type="datetimeFigureOut">
               <a:rPr kumimoji="1" lang="ja-JP" altLang="en-US" smtClean="0"/>
-              <a:t>2018/3/12</a:t>
+              <a:t>2018/3/15</a:t>
             </a:fld>
             <a:endParaRPr kumimoji="1" lang="ja-JP" altLang="en-US"/>
           </a:p>
         </p:txBody>
       </p:sp>
-      <p:sp>
-        <p:nvSpPr>
-          <p:cNvPr id="6" name="フッター プレースホルダー 5"/>
-          <p:cNvSpPr>
-            <a:spLocks noGrp="1"/>
-          </p:cNvSpPr>
-          <p:nvPr>
-            <p:ph type="ftr" sz="quarter" idx="11"/>
-          </p:nvPr>
-        </p:nvSpPr>
-        <p:spPr/>
-        <p:txBody>
-          <a:bodyPr/>
-          <a:lstStyle/>
-          <a:p>
-            <a:endParaRPr kumimoji="1" lang="ja-JP" altLang="en-US"/>
-          </a:p>
-        </p:txBody>
-      </p:sp>
-      <p:sp>
-        <p:nvSpPr>
-          <p:cNvPr id="7" name="スライド番号プレースホルダー 6"/>
+      <p:grpSp>
+        <p:nvGrpSpPr>
+          <p:cNvPr id="8" name="Group 7"/>
+          <p:cNvGrpSpPr>
+            <a:grpSpLocks noChangeAspect="1"/>
+          </p:cNvGrpSpPr>
+          <p:nvPr/>
+        </p:nvGrpSpPr>
+        <p:grpSpPr>
+          <a:xfrm>
+            <a:off x="11401725" y="6229681"/>
+            <a:ext cx="457200" cy="457200"/>
+            <a:chOff x="11361456" y="6195813"/>
+            <a:chExt cx="548640" cy="548640"/>
+          </a:xfrm>
+        </p:grpSpPr>
+        <p:sp>
+          <p:nvSpPr>
+            <p:cNvPr id="9" name="Oval 8"/>
+            <p:cNvSpPr/>
+            <p:nvPr/>
+          </p:nvSpPr>
+          <p:spPr>
+            <a:xfrm>
+              <a:off x="11361456" y="6195813"/>
+              <a:ext cx="548640" cy="548640"/>
+            </a:xfrm>
+            <a:prstGeom prst="ellipse">
+              <a:avLst/>
+            </a:prstGeom>
+            <a:blipFill dpi="0" rotWithShape="1">
+              <a:blip r:embed="rId4">
+                <a:duotone>
+                  <a:schemeClr val="accent1">
+                    <a:shade val="45000"/>
+                    <a:satMod val="135000"/>
+                  </a:schemeClr>
+                  <a:prstClr val="white"/>
+                </a:duotone>
+                <a:extLst>
+                  <a:ext uri="{BEBA8EAE-BF5A-486C-A8C5-ECC9F3942E4B}">
+                    <a14:imgProps xmlns:a14="http://schemas.microsoft.com/office/drawing/2010/main">
+                      <a14:imgLayer r:embed="rId5">
+                        <a14:imgEffect>
+                          <a14:saturation sat="95000"/>
+                        </a14:imgEffect>
+                        <a14:imgEffect>
+                          <a14:brightnessContrast bright="-40000" contrast="20000"/>
+                        </a14:imgEffect>
+                      </a14:imgLayer>
+                    </a14:imgProps>
+                  </a:ext>
+                </a:extLst>
+              </a:blip>
+              <a:srcRect/>
+              <a:tile tx="50800" ty="0" sx="85000" sy="85000" flip="none" algn="tl"/>
+            </a:blipFill>
+            <a:ln w="25400" cap="flat" cmpd="sng" algn="ctr">
+              <a:noFill/>
+              <a:prstDash val="solid"/>
+            </a:ln>
+            <a:effectLst/>
+          </p:spPr>
+        </p:sp>
+        <p:sp>
+          <p:nvSpPr>
+            <p:cNvPr id="10" name="Oval 9"/>
+            <p:cNvSpPr/>
+            <p:nvPr/>
+          </p:nvSpPr>
+          <p:spPr>
+            <a:xfrm>
+              <a:off x="11396488" y="6230844"/>
+              <a:ext cx="478576" cy="478578"/>
+            </a:xfrm>
+            <a:prstGeom prst="ellipse">
+              <a:avLst/>
+            </a:prstGeom>
+            <a:noFill/>
+            <a:ln w="12700" cap="flat" cmpd="sng" algn="ctr">
+              <a:solidFill>
+                <a:sysClr val="window" lastClr="FFFFFF"/>
+              </a:solidFill>
+              <a:prstDash val="solid"/>
+            </a:ln>
+            <a:effectLst/>
+          </p:spPr>
+        </p:sp>
+      </p:grpSp>
+      <p:sp>
+        <p:nvSpPr>
+          <p:cNvPr id="7" name="Slide Number Placeholder 6"/>
           <p:cNvSpPr>
             <a:spLocks noGrp="1"/>
           </p:cNvSpPr>
@@ -2688,7 +3679,7 @@
     </p:spTree>
     <p:extLst>
       <p:ext uri="{BB962C8B-B14F-4D97-AF65-F5344CB8AC3E}">
-        <p14:creationId xmlns:p14="http://schemas.microsoft.com/office/powerpoint/2010/main" val="2372443621"/>
+        <p14:creationId xmlns:p14="http://schemas.microsoft.com/office/powerpoint/2010/main" val="1515232063"/>
       </p:ext>
     </p:extLst>
   </p:cSld>
@@ -2702,9 +3693,19 @@
 <p:sldMaster xmlns:a="http://schemas.openxmlformats.org/drawingml/2006/main" xmlns:r="http://schemas.openxmlformats.org/officeDocument/2006/relationships" xmlns:p="http://schemas.openxmlformats.org/presentationml/2006/main">
   <p:cSld>
     <p:bg>
-      <p:bgRef idx="1001">
-        <a:schemeClr val="bg1"/>
-      </p:bgRef>
+      <p:bgPr>
+        <a:blipFill dpi="0" rotWithShape="1">
+          <a:blip r:embed="rId13">
+            <a:alphaModFix amt="30000"/>
+            <a:lum/>
+          </a:blip>
+          <a:srcRect/>
+          <a:stretch>
+            <a:fillRect t="-9000" b="-9000"/>
+          </a:stretch>
+        </a:blipFill>
+        <a:effectLst/>
+      </p:bgPr>
     </p:bg>
     <p:spTree>
       <p:nvGrpSpPr>
@@ -2720,188 +3721,177 @@
           <a:chExt cx="0" cy="0"/>
         </a:xfrm>
       </p:grpSpPr>
-      <p:sp>
-        <p:nvSpPr>
-          <p:cNvPr id="2" name="タイトル プレースホルダー 1"/>
-          <p:cNvSpPr>
-            <a:spLocks noGrp="1"/>
-          </p:cNvSpPr>
-          <p:nvPr>
-            <p:ph type="title"/>
-          </p:nvPr>
-        </p:nvSpPr>
+      <p:pic>
+        <p:nvPicPr>
+          <p:cNvPr id="10" name="図 9"/>
+          <p:cNvPicPr>
+            <a:picLocks noChangeAspect="1"/>
+          </p:cNvPicPr>
+          <p:nvPr userDrawn="1"/>
+        </p:nvPicPr>
+        <p:blipFill>
+          <a:blip r:embed="rId14" cstate="print">
+            <a:extLst>
+              <a:ext uri="{28A0092B-C50C-407E-A947-70E740481C1C}">
+                <a14:useLocalDpi xmlns:a14="http://schemas.microsoft.com/office/drawing/2010/main" val="0"/>
+              </a:ext>
+            </a:extLst>
+          </a:blip>
+          <a:stretch>
+            <a:fillRect/>
+          </a:stretch>
+        </p:blipFill>
         <p:spPr>
           <a:xfrm>
-            <a:off x="838200" y="365125"/>
-            <a:ext cx="10515600" cy="1325563"/>
+            <a:off x="-1054227" y="5581650"/>
+            <a:ext cx="14306550" cy="2552699"/>
           </a:xfrm>
           <a:prstGeom prst="rect">
             <a:avLst/>
           </a:prstGeom>
         </p:spPr>
-        <p:txBody>
-          <a:bodyPr vert="horz" lIns="91440" tIns="45720" rIns="91440" bIns="45720" rtlCol="0" anchor="ctr">
-            <a:normAutofit/>
-          </a:bodyPr>
-          <a:lstStyle/>
-          <a:p>
-            <a:r>
-              <a:rPr kumimoji="1" lang="ja-JP" altLang="en-US" smtClean="0"/>
-              <a:t>マスター タイトルの書式設定</a:t>
-            </a:r>
-            <a:endParaRPr kumimoji="1" lang="ja-JP" altLang="en-US"/>
-          </a:p>
-        </p:txBody>
-      </p:sp>
-      <p:sp>
-        <p:nvSpPr>
-          <p:cNvPr id="3" name="テキスト プレースホルダー 2"/>
-          <p:cNvSpPr>
-            <a:spLocks noGrp="1"/>
-          </p:cNvSpPr>
-          <p:nvPr>
-            <p:ph type="body" idx="1"/>
+      </p:pic>
+      <p:sp>
+        <p:nvSpPr>
+          <p:cNvPr id="2" name="Title Placeholder 1"/>
+          <p:cNvSpPr>
+            <a:spLocks noGrp="1"/>
+          </p:cNvSpPr>
+          <p:nvPr>
+            <p:ph type="title"/>
           </p:nvPr>
         </p:nvSpPr>
         <p:spPr>
           <a:xfrm>
-            <a:off x="838200" y="1825625"/>
-            <a:ext cx="10515600" cy="4351338"/>
+            <a:off x="1069848" y="484632"/>
+            <a:ext cx="10058400" cy="1609344"/>
           </a:xfrm>
           <a:prstGeom prst="rect">
             <a:avLst/>
           </a:prstGeom>
         </p:spPr>
         <p:txBody>
-          <a:bodyPr vert="horz" lIns="91440" tIns="45720" rIns="91440" bIns="45720" rtlCol="0">
+          <a:bodyPr vert="horz" lIns="91440" tIns="45720" rIns="91440" bIns="45720" rtlCol="0" anchor="ctr">
             <a:normAutofit/>
           </a:bodyPr>
           <a:lstStyle/>
           <a:p>
-            <a:pPr lvl="0"/>
-            <a:r>
-              <a:rPr kumimoji="1" lang="ja-JP" altLang="en-US" smtClean="0"/>
-              <a:t>マスター テキストの書式設定</a:t>
-            </a:r>
-          </a:p>
-          <a:p>
-            <a:pPr lvl="1"/>
-            <a:r>
-              <a:rPr kumimoji="1" lang="ja-JP" altLang="en-US" smtClean="0"/>
-              <a:t>第 </a:t>
-            </a:r>
-            <a:r>
-              <a:rPr kumimoji="1" lang="en-US" altLang="ja-JP" smtClean="0"/>
-              <a:t>2 </a:t>
-            </a:r>
-            <a:r>
-              <a:rPr kumimoji="1" lang="ja-JP" altLang="en-US" smtClean="0"/>
-              <a:t>レベル</a:t>
-            </a:r>
-          </a:p>
-          <a:p>
-            <a:pPr lvl="2"/>
-            <a:r>
-              <a:rPr kumimoji="1" lang="ja-JP" altLang="en-US" smtClean="0"/>
-              <a:t>第 </a:t>
-            </a:r>
-            <a:r>
-              <a:rPr kumimoji="1" lang="en-US" altLang="ja-JP" smtClean="0"/>
-              <a:t>3 </a:t>
-            </a:r>
-            <a:r>
-              <a:rPr kumimoji="1" lang="ja-JP" altLang="en-US" smtClean="0"/>
-              <a:t>レベル</a:t>
-            </a:r>
-          </a:p>
-          <a:p>
-            <a:pPr lvl="3"/>
-            <a:r>
-              <a:rPr kumimoji="1" lang="ja-JP" altLang="en-US" smtClean="0"/>
-              <a:t>第 </a:t>
-            </a:r>
-            <a:r>
-              <a:rPr kumimoji="1" lang="en-US" altLang="ja-JP" smtClean="0"/>
-              <a:t>4 </a:t>
-            </a:r>
-            <a:r>
-              <a:rPr kumimoji="1" lang="ja-JP" altLang="en-US" smtClean="0"/>
-              <a:t>レベル</a:t>
-            </a:r>
-          </a:p>
-          <a:p>
-            <a:pPr lvl="4"/>
-            <a:r>
-              <a:rPr kumimoji="1" lang="ja-JP" altLang="en-US" smtClean="0"/>
-              <a:t>第 </a:t>
-            </a:r>
-            <a:r>
-              <a:rPr kumimoji="1" lang="en-US" altLang="ja-JP" smtClean="0"/>
-              <a:t>5 </a:t>
-            </a:r>
-            <a:r>
-              <a:rPr kumimoji="1" lang="ja-JP" altLang="en-US" smtClean="0"/>
-              <a:t>レベル</a:t>
-            </a:r>
-            <a:endParaRPr kumimoji="1" lang="ja-JP" altLang="en-US"/>
-          </a:p>
-        </p:txBody>
-      </p:sp>
-      <p:sp>
-        <p:nvSpPr>
-          <p:cNvPr id="4" name="日付プレースホルダー 3"/>
-          <p:cNvSpPr>
-            <a:spLocks noGrp="1"/>
-          </p:cNvSpPr>
-          <p:nvPr>
-            <p:ph type="dt" sz="half" idx="2"/>
+            <a:r>
+              <a:rPr lang="ja-JP" altLang="en-US" smtClean="0"/>
+              <a:t>マスター タイトルの書式設定</a:t>
+            </a:r>
+            <a:endParaRPr lang="en-US" dirty="0"/>
+          </a:p>
+        </p:txBody>
+      </p:sp>
+      <p:sp>
+        <p:nvSpPr>
+          <p:cNvPr id="3" name="Text Placeholder 2"/>
+          <p:cNvSpPr>
+            <a:spLocks noGrp="1"/>
+          </p:cNvSpPr>
+          <p:nvPr>
+            <p:ph type="body" idx="1"/>
           </p:nvPr>
         </p:nvSpPr>
         <p:spPr>
           <a:xfrm>
-            <a:off x="838200" y="6356350"/>
-            <a:ext cx="2743200" cy="365125"/>
+            <a:off x="1069848" y="2121408"/>
+            <a:ext cx="10058400" cy="4050792"/>
           </a:xfrm>
           <a:prstGeom prst="rect">
             <a:avLst/>
           </a:prstGeom>
         </p:spPr>
         <p:txBody>
-          <a:bodyPr vert="horz" lIns="91440" tIns="45720" rIns="91440" bIns="45720" rtlCol="0" anchor="ctr"/>
-          <a:lstStyle>
-            <a:lvl1pPr algn="l">
-              <a:defRPr sz="1200">
-                <a:solidFill>
-                  <a:schemeClr val="tx1">
-                    <a:tint val="75000"/>
-                  </a:schemeClr>
-                </a:solidFill>
-              </a:defRPr>
-            </a:lvl1pPr>
-          </a:lstStyle>
-          <a:p>
-            <a:fld id="{EA09839B-FDFC-49F9-B956-C85EFC887E6D}" type="datetimeFigureOut">
-              <a:rPr kumimoji="1" lang="ja-JP" altLang="en-US" smtClean="0"/>
-              <a:t>2018/3/12</a:t>
-            </a:fld>
-            <a:endParaRPr kumimoji="1" lang="ja-JP" altLang="en-US"/>
-          </a:p>
-        </p:txBody>
-      </p:sp>
-      <p:sp>
-        <p:nvSpPr>
-          <p:cNvPr id="5" name="フッター プレースホルダー 4"/>
-          <p:cNvSpPr>
-            <a:spLocks noGrp="1"/>
-          </p:cNvSpPr>
-          <p:nvPr>
-            <p:ph type="ftr" sz="quarter" idx="3"/>
+          <a:bodyPr vert="horz" lIns="91440" tIns="45720" rIns="91440" bIns="45720" rtlCol="0">
+            <a:normAutofit/>
+          </a:bodyPr>
+          <a:lstStyle/>
+          <a:p>
+            <a:pPr lvl="0"/>
+            <a:r>
+              <a:rPr lang="ja-JP" altLang="en-US" smtClean="0"/>
+              <a:t>マスター テキストの書式設定</a:t>
+            </a:r>
+          </a:p>
+          <a:p>
+            <a:pPr lvl="1"/>
+            <a:r>
+              <a:rPr lang="ja-JP" altLang="en-US" smtClean="0"/>
+              <a:t>第 </a:t>
+            </a:r>
+            <a:r>
+              <a:rPr lang="en-US" altLang="ja-JP" smtClean="0"/>
+              <a:t>2 </a:t>
+            </a:r>
+            <a:r>
+              <a:rPr lang="ja-JP" altLang="en-US" smtClean="0"/>
+              <a:t>レベル</a:t>
+            </a:r>
+          </a:p>
+          <a:p>
+            <a:pPr lvl="2"/>
+            <a:r>
+              <a:rPr lang="ja-JP" altLang="en-US" smtClean="0"/>
+              <a:t>第 </a:t>
+            </a:r>
+            <a:r>
+              <a:rPr lang="en-US" altLang="ja-JP" smtClean="0"/>
+              <a:t>3 </a:t>
+            </a:r>
+            <a:r>
+              <a:rPr lang="ja-JP" altLang="en-US" smtClean="0"/>
+              <a:t>レベル</a:t>
+            </a:r>
+          </a:p>
+          <a:p>
+            <a:pPr lvl="3"/>
+            <a:r>
+              <a:rPr lang="ja-JP" altLang="en-US" smtClean="0"/>
+              <a:t>第 </a:t>
+            </a:r>
+            <a:r>
+              <a:rPr lang="en-US" altLang="ja-JP" smtClean="0"/>
+              <a:t>4 </a:t>
+            </a:r>
+            <a:r>
+              <a:rPr lang="ja-JP" altLang="en-US" smtClean="0"/>
+              <a:t>レベル</a:t>
+            </a:r>
+          </a:p>
+          <a:p>
+            <a:pPr lvl="4"/>
+            <a:r>
+              <a:rPr lang="ja-JP" altLang="en-US" smtClean="0"/>
+              <a:t>第 </a:t>
+            </a:r>
+            <a:r>
+              <a:rPr lang="en-US" altLang="ja-JP" smtClean="0"/>
+              <a:t>5 </a:t>
+            </a:r>
+            <a:r>
+              <a:rPr lang="ja-JP" altLang="en-US" smtClean="0"/>
+              <a:t>レベル</a:t>
+            </a:r>
+            <a:endParaRPr lang="en-US" dirty="0"/>
+          </a:p>
+        </p:txBody>
+      </p:sp>
+      <p:sp>
+        <p:nvSpPr>
+          <p:cNvPr id="4" name="Date Placeholder 3"/>
+          <p:cNvSpPr>
+            <a:spLocks noGrp="1"/>
+          </p:cNvSpPr>
+          <p:nvPr>
+            <p:ph type="dt" sz="half" idx="2"/>
           </p:nvPr>
         </p:nvSpPr>
         <p:spPr>
           <a:xfrm>
-            <a:off x="4038600" y="6356350"/>
-            <a:ext cx="4114800" cy="365125"/>
+            <a:off x="7964424" y="6272784"/>
+            <a:ext cx="3273552" cy="365125"/>
           </a:xfrm>
           <a:prstGeom prst="rect">
             <a:avLst/>
@@ -2910,35 +3900,37 @@
         <p:txBody>
           <a:bodyPr vert="horz" lIns="91440" tIns="45720" rIns="91440" bIns="45720" rtlCol="0" anchor="ctr"/>
           <a:lstStyle>
-            <a:lvl1pPr algn="ctr">
-              <a:defRPr sz="1200">
+            <a:lvl1pPr algn="r">
+              <a:defRPr sz="1100">
                 <a:solidFill>
-                  <a:schemeClr val="tx1">
-                    <a:tint val="75000"/>
-                  </a:schemeClr>
+                  <a:schemeClr val="tx2"/>
                 </a:solidFill>
               </a:defRPr>
             </a:lvl1pPr>
           </a:lstStyle>
           <a:p>
+            <a:fld id="{EA09839B-FDFC-49F9-B956-C85EFC887E6D}" type="datetimeFigureOut">
+              <a:rPr kumimoji="1" lang="ja-JP" altLang="en-US" smtClean="0"/>
+              <a:t>2018/3/15</a:t>
+            </a:fld>
             <a:endParaRPr kumimoji="1" lang="ja-JP" altLang="en-US"/>
           </a:p>
         </p:txBody>
       </p:sp>
       <p:sp>
         <p:nvSpPr>
-          <p:cNvPr id="6" name="スライド番号プレースホルダー 5"/>
-          <p:cNvSpPr>
-            <a:spLocks noGrp="1"/>
-          </p:cNvSpPr>
-          <p:nvPr>
-            <p:ph type="sldNum" sz="quarter" idx="4"/>
+          <p:cNvPr id="5" name="Footer Placeholder 4"/>
+          <p:cNvSpPr>
+            <a:spLocks noGrp="1"/>
+          </p:cNvSpPr>
+          <p:nvPr>
+            <p:ph type="ftr" sz="quarter" idx="3"/>
           </p:nvPr>
         </p:nvSpPr>
         <p:spPr>
           <a:xfrm>
-            <a:off x="8610600" y="6356350"/>
-            <a:ext cx="2743200" cy="365125"/>
+            <a:off x="1088136" y="6272784"/>
+            <a:ext cx="6327648" cy="365125"/>
           </a:xfrm>
           <a:prstGeom prst="rect">
             <a:avLst/>
@@ -2947,13 +3939,136 @@
         <p:txBody>
           <a:bodyPr vert="horz" lIns="91440" tIns="45720" rIns="91440" bIns="45720" rtlCol="0" anchor="ctr"/>
           <a:lstStyle>
-            <a:lvl1pPr algn="r">
-              <a:defRPr sz="1200">
+            <a:lvl1pPr algn="l">
+              <a:defRPr sz="1100">
                 <a:solidFill>
-                  <a:schemeClr val="tx1">
-                    <a:tint val="75000"/>
+                  <a:schemeClr val="tx2"/>
+                </a:solidFill>
+              </a:defRPr>
+            </a:lvl1pPr>
+          </a:lstStyle>
+          <a:p>
+            <a:endParaRPr kumimoji="1" lang="ja-JP" altLang="en-US"/>
+          </a:p>
+        </p:txBody>
+      </p:sp>
+      <p:grpSp>
+        <p:nvGrpSpPr>
+          <p:cNvPr id="7" name="Group 6"/>
+          <p:cNvGrpSpPr>
+            <a:grpSpLocks noChangeAspect="1"/>
+          </p:cNvGrpSpPr>
+          <p:nvPr/>
+        </p:nvGrpSpPr>
+        <p:grpSpPr>
+          <a:xfrm>
+            <a:off x="11401725" y="6229681"/>
+            <a:ext cx="457200" cy="457200"/>
+            <a:chOff x="11361456" y="6195813"/>
+            <a:chExt cx="548640" cy="548640"/>
+          </a:xfrm>
+        </p:grpSpPr>
+        <p:sp>
+          <p:nvSpPr>
+            <p:cNvPr id="8" name="Oval 7"/>
+            <p:cNvSpPr/>
+            <p:nvPr/>
+          </p:nvSpPr>
+          <p:spPr>
+            <a:xfrm>
+              <a:off x="11361456" y="6195813"/>
+              <a:ext cx="548640" cy="548640"/>
+            </a:xfrm>
+            <a:prstGeom prst="ellipse">
+              <a:avLst/>
+            </a:prstGeom>
+            <a:blipFill dpi="0" rotWithShape="1">
+              <a:blip r:embed="rId15">
+                <a:duotone>
+                  <a:schemeClr val="accent1">
+                    <a:shade val="45000"/>
+                    <a:satMod val="135000"/>
                   </a:schemeClr>
+                  <a:prstClr val="white"/>
+                </a:duotone>
+                <a:extLst>
+                  <a:ext uri="{BEBA8EAE-BF5A-486C-A8C5-ECC9F3942E4B}">
+                    <a14:imgProps xmlns:a14="http://schemas.microsoft.com/office/drawing/2010/main">
+                      <a14:imgLayer r:embed="rId16">
+                        <a14:imgEffect>
+                          <a14:saturation sat="95000"/>
+                        </a14:imgEffect>
+                        <a14:imgEffect>
+                          <a14:brightnessContrast bright="-40000" contrast="20000"/>
+                        </a14:imgEffect>
+                      </a14:imgLayer>
+                    </a14:imgProps>
+                  </a:ext>
+                </a:extLst>
+              </a:blip>
+              <a:srcRect/>
+              <a:tile tx="50800" ty="0" sx="85000" sy="85000" flip="none" algn="tl"/>
+            </a:blipFill>
+            <a:ln w="25400" cap="flat" cmpd="sng" algn="ctr">
+              <a:noFill/>
+              <a:prstDash val="solid"/>
+            </a:ln>
+            <a:effectLst/>
+          </p:spPr>
+        </p:sp>
+        <p:sp>
+          <p:nvSpPr>
+            <p:cNvPr id="9" name="Oval 8"/>
+            <p:cNvSpPr/>
+            <p:nvPr/>
+          </p:nvSpPr>
+          <p:spPr>
+            <a:xfrm>
+              <a:off x="11396488" y="6230844"/>
+              <a:ext cx="478576" cy="478578"/>
+            </a:xfrm>
+            <a:prstGeom prst="ellipse">
+              <a:avLst/>
+            </a:prstGeom>
+            <a:noFill/>
+            <a:ln w="12700" cap="flat" cmpd="sng" algn="ctr">
+              <a:solidFill>
+                <a:srgbClr val="FFFFFF"/>
+              </a:solidFill>
+              <a:prstDash val="solid"/>
+            </a:ln>
+            <a:effectLst/>
+          </p:spPr>
+        </p:sp>
+      </p:grpSp>
+      <p:sp>
+        <p:nvSpPr>
+          <p:cNvPr id="6" name="Slide Number Placeholder 5"/>
+          <p:cNvSpPr>
+            <a:spLocks noGrp="1"/>
+          </p:cNvSpPr>
+          <p:nvPr>
+            <p:ph type="sldNum" sz="quarter" idx="4"/>
+          </p:nvPr>
+        </p:nvSpPr>
+        <p:spPr>
+          <a:xfrm>
+            <a:off x="11311128" y="6272784"/>
+            <a:ext cx="640080" cy="365125"/>
+          </a:xfrm>
+          <a:prstGeom prst="rect">
+            <a:avLst/>
+          </a:prstGeom>
+        </p:spPr>
+        <p:txBody>
+          <a:bodyPr vert="horz" lIns="91440" tIns="45720" rIns="91440" bIns="45720" rtlCol="0" anchor="ctr"/>
+          <a:lstStyle>
+            <a:lvl1pPr algn="ctr">
+              <a:defRPr sz="1400" b="1">
+                <a:solidFill>
+                  <a:srgbClr val="FFFFFF"/>
                 </a:solidFill>
+                <a:latin typeface="+mj-lt"/>
               </a:defRPr>
             </a:lvl1pPr>
           </a:lstStyle>
@@ -2969,23 +4084,23 @@
     </p:spTree>
     <p:extLst>
       <p:ext uri="{BB962C8B-B14F-4D97-AF65-F5344CB8AC3E}">
-        <p14:creationId xmlns:p14="http://schemas.microsoft.com/office/powerpoint/2010/main" val="2666112898"/>
+        <p14:creationId xmlns:p14="http://schemas.microsoft.com/office/powerpoint/2010/main" val="1853035484"/>
       </p:ext>
     </p:extLst>
   </p:cSld>
   <p:clrMap bg1="lt1" tx1="dk1" bg2="lt2" tx2="dk2" accent1="accent1" accent2="accent2" accent3="accent3" accent4="accent4" accent5="accent5" accent6="accent6" hlink="hlink" folHlink="folHlink"/>
   <p:sldLayoutIdLst>
-    <p:sldLayoutId id="2147483649" r:id="rId1"/>
-    <p:sldLayoutId id="2147483650" r:id="rId2"/>
-    <p:sldLayoutId id="2147483651" r:id="rId3"/>
-    <p:sldLayoutId id="2147483652" r:id="rId4"/>
-    <p:sldLayoutId id="2147483653" r:id="rId5"/>
-    <p:sldLayoutId id="2147483654" r:id="rId6"/>
-    <p:sldLayoutId id="2147483655" r:id="rId7"/>
-    <p:sldLayoutId id="2147483656" r:id="rId8"/>
-    <p:sldLayoutId id="2147483657" r:id="rId9"/>
-    <p:sldLayoutId id="2147483658" r:id="rId10"/>
-    <p:sldLayoutId id="2147483659" r:id="rId11"/>
+    <p:sldLayoutId id="2147483661" r:id="rId1"/>
+    <p:sldLayoutId id="2147483662" r:id="rId2"/>
+    <p:sldLayoutId id="2147483663" r:id="rId3"/>
+    <p:sldLayoutId id="2147483664" r:id="rId4"/>
+    <p:sldLayoutId id="2147483665" r:id="rId5"/>
+    <p:sldLayoutId id="2147483666" r:id="rId6"/>
+    <p:sldLayoutId id="2147483667" r:id="rId7"/>
+    <p:sldLayoutId id="2147483668" r:id="rId8"/>
+    <p:sldLayoutId id="2147483669" r:id="rId9"/>
+    <p:sldLayoutId id="2147483670" r:id="rId10"/>
+    <p:sldLayoutId id="2147483671" r:id="rId11"/>
   </p:sldLayoutIdLst>
   <p:txStyles>
     <p:titleStyle>
@@ -2997,10 +4112,17 @@
           <a:spcPct val="0"/>
         </a:spcBef>
         <a:buNone/>
-        <a:defRPr kumimoji="1" sz="4400" kern="1200">
-          <a:solidFill>
-            <a:schemeClr val="tx1"/>
-          </a:solidFill>
+        <a:defRPr kumimoji="1" sz="5400" kern="1200" cap="all" baseline="0">
+          <a:blipFill>
+            <a:blip r:embed="rId17">
+              <a:extLst>
+                <a:ext uri="{28A0092B-C50C-407E-A947-70E740481C1C}">
+                  <a14:useLocalDpi xmlns:a14="http://schemas.microsoft.com/office/drawing/2010/main" val="0"/>
+                </a:ext>
+              </a:extLst>
+            </a:blip>
+            <a:tile tx="6350" ty="-127000" sx="65000" sy="64000" flip="none" algn="tl"/>
+          </a:blipFill>
           <a:latin typeface="+mj-lt"/>
           <a:ea typeface="+mj-ea"/>
           <a:cs typeface="+mj-cs"/>
@@ -3008,16 +4130,22 @@
       </a:lvl1pPr>
     </p:titleStyle>
     <p:bodyStyle>
-      <a:lvl1pPr marL="228600" indent="-228600" algn="l" defTabSz="914400" rtl="0" eaLnBrk="1" latinLnBrk="0" hangingPunct="1">
+      <a:lvl1pPr marL="182880" indent="-182880" algn="l" defTabSz="914400" rtl="0" eaLnBrk="1" latinLnBrk="0" hangingPunct="1">
         <a:lnSpc>
           <a:spcPct val="90000"/>
         </a:lnSpc>
         <a:spcBef>
-          <a:spcPts val="1000"/>
+          <a:spcPts val="1200"/>
         </a:spcBef>
-        <a:buFont typeface="Arial" panose="020B0604020202020204" pitchFamily="34" charset="0"/>
-        <a:buChar char="•"/>
-        <a:defRPr kumimoji="1" sz="2800" kern="1200">
+        <a:buClr>
+          <a:schemeClr val="accent1">
+            <a:lumMod val="75000"/>
+          </a:schemeClr>
+        </a:buClr>
+        <a:buSzPct val="85000"/>
+        <a:buFont typeface="Wingdings" pitchFamily="2" charset="2"/>
+        <a:buChar char="§"/>
+        <a:defRPr kumimoji="1" sz="2000" kern="1200">
           <a:solidFill>
             <a:schemeClr val="tx1"/>
           </a:solidFill>
@@ -3026,16 +4154,25 @@
           <a:cs typeface="+mn-cs"/>
         </a:defRPr>
       </a:lvl1pPr>
-      <a:lvl2pPr marL="685800" indent="-228600" algn="l" defTabSz="914400" rtl="0" eaLnBrk="1" latinLnBrk="0" hangingPunct="1">
+      <a:lvl2pPr marL="457200" indent="-182880" algn="l" defTabSz="914400" rtl="0" eaLnBrk="1" latinLnBrk="0" hangingPunct="1">
         <a:lnSpc>
           <a:spcPct val="90000"/>
         </a:lnSpc>
         <a:spcBef>
-          <a:spcPts val="500"/>
+          <a:spcPts val="400"/>
         </a:spcBef>
-        <a:buFont typeface="Arial" panose="020B0604020202020204" pitchFamily="34" charset="0"/>
-        <a:buChar char="•"/>
-        <a:defRPr kumimoji="1" sz="2400" kern="1200">
+        <a:spcAft>
+          <a:spcPts val="200"/>
+        </a:spcAft>
+        <a:buClr>
+          <a:schemeClr val="accent1">
+            <a:lumMod val="75000"/>
+          </a:schemeClr>
+        </a:buClr>
+        <a:buSzPct val="85000"/>
+        <a:buFont typeface="Wingdings" pitchFamily="2" charset="2"/>
+        <a:buChar char="§"/>
+        <a:defRPr kumimoji="1" sz="1800" kern="1200">
           <a:solidFill>
             <a:schemeClr val="tx1"/>
           </a:solidFill>
@@ -3044,16 +4181,25 @@
           <a:cs typeface="+mn-cs"/>
         </a:defRPr>
       </a:lvl2pPr>
-      <a:lvl3pPr marL="1143000" indent="-228600" algn="l" defTabSz="914400" rtl="0" eaLnBrk="1" latinLnBrk="0" hangingPunct="1">
+      <a:lvl3pPr marL="731520" indent="-182880" algn="l" defTabSz="914400" rtl="0" eaLnBrk="1" latinLnBrk="0" hangingPunct="1">
         <a:lnSpc>
           <a:spcPct val="90000"/>
         </a:lnSpc>
         <a:spcBef>
-          <a:spcPts val="500"/>
+          <a:spcPts val="400"/>
         </a:spcBef>
-        <a:buFont typeface="Arial" panose="020B0604020202020204" pitchFamily="34" charset="0"/>
-        <a:buChar char="•"/>
-        <a:defRPr kumimoji="1" sz="2000" kern="1200">
+        <a:spcAft>
+          <a:spcPts val="200"/>
+        </a:spcAft>
+        <a:buClr>
+          <a:schemeClr val="accent1">
+            <a:lumMod val="75000"/>
+          </a:schemeClr>
+        </a:buClr>
+        <a:buSzPct val="85000"/>
+        <a:buFont typeface="Wingdings" pitchFamily="2" charset="2"/>
+        <a:buChar char="§"/>
+        <a:defRPr kumimoji="1" sz="1600" kern="1200">
           <a:solidFill>
             <a:schemeClr val="tx1"/>
           </a:solidFill>
@@ -3062,16 +4208,25 @@
           <a:cs typeface="+mn-cs"/>
         </a:defRPr>
       </a:lvl3pPr>
-      <a:lvl4pPr marL="1600200" indent="-228600" algn="l" defTabSz="914400" rtl="0" eaLnBrk="1" latinLnBrk="0" hangingPunct="1">
+      <a:lvl4pPr marL="1005840" indent="-182880" algn="l" defTabSz="914400" rtl="0" eaLnBrk="1" latinLnBrk="0" hangingPunct="1">
         <a:lnSpc>
           <a:spcPct val="90000"/>
         </a:lnSpc>
         <a:spcBef>
-          <a:spcPts val="500"/>
+          <a:spcPts val="400"/>
         </a:spcBef>
-        <a:buFont typeface="Arial" panose="020B0604020202020204" pitchFamily="34" charset="0"/>
-        <a:buChar char="•"/>
-        <a:defRPr kumimoji="1" sz="1800" kern="1200">
+        <a:spcAft>
+          <a:spcPts val="200"/>
+        </a:spcAft>
+        <a:buClr>
+          <a:schemeClr val="accent1">
+            <a:lumMod val="75000"/>
+          </a:schemeClr>
+        </a:buClr>
+        <a:buSzPct val="85000"/>
+        <a:buFont typeface="Wingdings" pitchFamily="2" charset="2"/>
+        <a:buChar char="§"/>
+        <a:defRPr kumimoji="1" sz="1600" kern="1200">
           <a:solidFill>
             <a:schemeClr val="tx1"/>
           </a:solidFill>
@@ -3080,16 +4235,25 @@
           <a:cs typeface="+mn-cs"/>
         </a:defRPr>
       </a:lvl4pPr>
-      <a:lvl5pPr marL="2057400" indent="-228600" algn="l" defTabSz="914400" rtl="0" eaLnBrk="1" latinLnBrk="0" hangingPunct="1">
+      <a:lvl5pPr marL="1280160" indent="-182880" algn="l" defTabSz="914400" rtl="0" eaLnBrk="1" latinLnBrk="0" hangingPunct="1">
         <a:lnSpc>
           <a:spcPct val="90000"/>
         </a:lnSpc>
         <a:spcBef>
-          <a:spcPts val="500"/>
+          <a:spcPts val="400"/>
         </a:spcBef>
-        <a:buFont typeface="Arial" panose="020B0604020202020204" pitchFamily="34" charset="0"/>
-        <a:buChar char="•"/>
-        <a:defRPr kumimoji="1" sz="1800" kern="1200">
+        <a:spcAft>
+          <a:spcPts val="200"/>
+        </a:spcAft>
+        <a:buClr>
+          <a:schemeClr val="accent1">
+            <a:lumMod val="75000"/>
+          </a:schemeClr>
+        </a:buClr>
+        <a:buSzPct val="85000"/>
+        <a:buFont typeface="Wingdings" pitchFamily="2" charset="2"/>
+        <a:buChar char="§"/>
+        <a:defRPr kumimoji="1" sz="1600" kern="1200">
           <a:solidFill>
             <a:schemeClr val="tx1"/>
           </a:solidFill>
@@ -3098,16 +4262,25 @@
           <a:cs typeface="+mn-cs"/>
         </a:defRPr>
       </a:lvl5pPr>
-      <a:lvl6pPr marL="2514600" indent="-228600" algn="l" defTabSz="914400" rtl="0" eaLnBrk="1" latinLnBrk="0" hangingPunct="1">
+      <a:lvl6pPr marL="1600000" indent="-228600" algn="l" defTabSz="914400" rtl="0" eaLnBrk="1" latinLnBrk="0" hangingPunct="1">
         <a:lnSpc>
           <a:spcPct val="90000"/>
         </a:lnSpc>
         <a:spcBef>
-          <a:spcPts val="500"/>
+          <a:spcPts val="400"/>
         </a:spcBef>
-        <a:buFont typeface="Arial" panose="020B0604020202020204" pitchFamily="34" charset="0"/>
-        <a:buChar char="•"/>
-        <a:defRPr kumimoji="1" sz="1800" kern="1200">
+        <a:spcAft>
+          <a:spcPts val="200"/>
+        </a:spcAft>
+        <a:buClr>
+          <a:schemeClr val="accent1">
+            <a:lumMod val="75000"/>
+          </a:schemeClr>
+        </a:buClr>
+        <a:buSzPct val="85000"/>
+        <a:buFont typeface="Wingdings" pitchFamily="2" charset="2"/>
+        <a:buChar char="§"/>
+        <a:defRPr kumimoji="1" sz="1600" kern="1200">
           <a:solidFill>
             <a:schemeClr val="tx1"/>
           </a:solidFill>
@@ -3116,16 +4289,25 @@
           <a:cs typeface="+mn-cs"/>
         </a:defRPr>
       </a:lvl6pPr>
-      <a:lvl7pPr marL="2971800" indent="-228600" algn="l" defTabSz="914400" rtl="0" eaLnBrk="1" latinLnBrk="0" hangingPunct="1">
+      <a:lvl7pPr marL="1900000" indent="-228600" algn="l" defTabSz="914400" rtl="0" eaLnBrk="1" latinLnBrk="0" hangingPunct="1">
         <a:lnSpc>
           <a:spcPct val="90000"/>
         </a:lnSpc>
         <a:spcBef>
-          <a:spcPts val="500"/>
+          <a:spcPts val="400"/>
         </a:spcBef>
-        <a:buFont typeface="Arial" panose="020B0604020202020204" pitchFamily="34" charset="0"/>
-        <a:buChar char="•"/>
-        <a:defRPr kumimoji="1" sz="1800" kern="1200">
+        <a:spcAft>
+          <a:spcPts val="200"/>
+        </a:spcAft>
+        <a:buClr>
+          <a:schemeClr val="accent1">
+            <a:lumMod val="75000"/>
+          </a:schemeClr>
+        </a:buClr>
+        <a:buSzPct val="85000"/>
+        <a:buFont typeface="Wingdings" pitchFamily="2" charset="2"/>
+        <a:buChar char="§"/>
+        <a:defRPr kumimoji="1" sz="1600" kern="1200">
           <a:solidFill>
             <a:schemeClr val="tx1"/>
           </a:solidFill>
@@ -3134,16 +4316,25 @@
           <a:cs typeface="+mn-cs"/>
         </a:defRPr>
       </a:lvl7pPr>
-      <a:lvl8pPr marL="3429000" indent="-228600" algn="l" defTabSz="914400" rtl="0" eaLnBrk="1" latinLnBrk="0" hangingPunct="1">
+      <a:lvl8pPr marL="2200000" indent="-228600" algn="l" defTabSz="914400" rtl="0" eaLnBrk="1" latinLnBrk="0" hangingPunct="1">
         <a:lnSpc>
           <a:spcPct val="90000"/>
         </a:lnSpc>
         <a:spcBef>
-          <a:spcPts val="500"/>
+          <a:spcPts val="400"/>
         </a:spcBef>
-        <a:buFont typeface="Arial" panose="020B0604020202020204" pitchFamily="34" charset="0"/>
-        <a:buChar char="•"/>
-        <a:defRPr kumimoji="1" sz="1800" kern="1200">
+        <a:spcAft>
+          <a:spcPts val="200"/>
+        </a:spcAft>
+        <a:buClr>
+          <a:schemeClr val="accent1">
+            <a:lumMod val="75000"/>
+          </a:schemeClr>
+        </a:buClr>
+        <a:buSzPct val="85000"/>
+        <a:buFont typeface="Wingdings" pitchFamily="2" charset="2"/>
+        <a:buChar char="§"/>
+        <a:defRPr kumimoji="1" sz="1600" kern="1200">
           <a:solidFill>
             <a:schemeClr val="tx1"/>
           </a:solidFill>
@@ -3152,16 +4343,25 @@
           <a:cs typeface="+mn-cs"/>
         </a:defRPr>
       </a:lvl8pPr>
-      <a:lvl9pPr marL="3886200" indent="-228600" algn="l" defTabSz="914400" rtl="0" eaLnBrk="1" latinLnBrk="0" hangingPunct="1">
+      <a:lvl9pPr marL="2500000" indent="-228600" algn="l" defTabSz="914400" rtl="0" eaLnBrk="1" latinLnBrk="0" hangingPunct="1">
         <a:lnSpc>
           <a:spcPct val="90000"/>
         </a:lnSpc>
         <a:spcBef>
-          <a:spcPts val="500"/>
+          <a:spcPts val="400"/>
         </a:spcBef>
-        <a:buFont typeface="Arial" panose="020B0604020202020204" pitchFamily="34" charset="0"/>
-        <a:buChar char="•"/>
-        <a:defRPr kumimoji="1" sz="1800" kern="1200">
+        <a:spcAft>
+          <a:spcPts val="200"/>
+        </a:spcAft>
+        <a:buClr>
+          <a:schemeClr val="accent1">
+            <a:lumMod val="75000"/>
+          </a:schemeClr>
+        </a:buClr>
+        <a:buSzPct val="85000"/>
+        <a:buFont typeface="Wingdings" pitchFamily="2" charset="2"/>
+        <a:buChar char="§"/>
+        <a:defRPr kumimoji="1" sz="1600" kern="1200">
           <a:solidFill>
             <a:schemeClr val="tx1"/>
           </a:solidFill>
@@ -3173,7 +4373,7 @@
     </p:bodyStyle>
     <p:otherStyle>
       <a:defPPr>
-        <a:defRPr lang="ja-JP"/>
+        <a:defRPr lang="en-US"/>
       </a:defPPr>
       <a:lvl1pPr marL="0" algn="l" defTabSz="914400" rtl="0" eaLnBrk="1" latinLnBrk="0" hangingPunct="1">
         <a:defRPr kumimoji="1" sz="1800" kern="1200">
@@ -3468,6 +4668,13 @@
   <p:clrMapOvr>
     <a:masterClrMapping/>
   </p:clrMapOvr>
+  <p:timing>
+    <p:tnLst>
+      <p:par>
+        <p:cTn id="1" dur="indefinite" restart="never" nodeType="tmRoot"/>
+      </p:par>
+    </p:tnLst>
+  </p:timing>
 </p:sld>
 </file>
 
@@ -3504,47 +4711,243 @@
           <a:lstStyle/>
           <a:p>
             <a:r>
-              <a:rPr kumimoji="1" lang="ja-JP" altLang="en-US" dirty="0" smtClean="0"/>
-              <a:t>様々な魚</a:t>
+              <a:rPr lang="ja-JP" altLang="en-US" dirty="0"/>
+              <a:t>刀</a:t>
+            </a:r>
+            <a:r>
+              <a:rPr lang="ja-JP" altLang="en-US" dirty="0" smtClean="0"/>
+              <a:t>で刺身</a:t>
             </a:r>
             <a:endParaRPr kumimoji="1" lang="ja-JP" altLang="en-US" dirty="0"/>
           </a:p>
         </p:txBody>
       </p:sp>
-      <p:sp>
-        <p:nvSpPr>
-          <p:cNvPr id="3" name="コンテンツ プレースホルダー 2"/>
-          <p:cNvSpPr>
-            <a:spLocks noGrp="1"/>
-          </p:cNvSpPr>
-          <p:nvPr>
-            <p:ph sz="half" idx="1"/>
-          </p:nvPr>
-        </p:nvSpPr>
-        <p:spPr/>
-        <p:txBody>
-          <a:bodyPr/>
-          <a:lstStyle/>
-          <a:p>
+      <p:pic>
+        <p:nvPicPr>
+          <p:cNvPr id="3" name="図 2"/>
+          <p:cNvPicPr>
+            <a:picLocks noChangeAspect="1"/>
+          </p:cNvPicPr>
+          <p:nvPr/>
+        </p:nvPicPr>
+        <p:blipFill>
+          <a:blip r:embed="rId2" cstate="print">
+            <a:extLst>
+              <a:ext uri="{28A0092B-C50C-407E-A947-70E740481C1C}">
+                <a14:useLocalDpi xmlns:a14="http://schemas.microsoft.com/office/drawing/2010/main" val="0"/>
+              </a:ext>
+            </a:extLst>
+          </a:blip>
+          <a:stretch>
+            <a:fillRect/>
+          </a:stretch>
+        </p:blipFill>
+        <p:spPr>
+          <a:xfrm>
+            <a:off x="460247" y="3648074"/>
+            <a:ext cx="1219202" cy="1219202"/>
+          </a:xfrm>
+          <a:prstGeom prst="rect">
+            <a:avLst/>
+          </a:prstGeom>
+        </p:spPr>
+      </p:pic>
+      <p:pic>
+        <p:nvPicPr>
+          <p:cNvPr id="4" name="図 3"/>
+          <p:cNvPicPr>
+            <a:picLocks noChangeAspect="1"/>
+          </p:cNvPicPr>
+          <p:nvPr/>
+        </p:nvPicPr>
+        <p:blipFill>
+          <a:blip r:embed="rId2" cstate="print">
+            <a:extLst>
+              <a:ext uri="{28A0092B-C50C-407E-A947-70E740481C1C}">
+                <a14:useLocalDpi xmlns:a14="http://schemas.microsoft.com/office/drawing/2010/main" val="0"/>
+              </a:ext>
+            </a:extLst>
+          </a:blip>
+          <a:stretch>
+            <a:fillRect/>
+          </a:stretch>
+        </p:blipFill>
+        <p:spPr>
+          <a:xfrm>
+            <a:off x="4441697" y="2093976"/>
+            <a:ext cx="1219202" cy="1219202"/>
+          </a:xfrm>
+          <a:prstGeom prst="rect">
+            <a:avLst/>
+          </a:prstGeom>
+        </p:spPr>
+      </p:pic>
+      <p:pic>
+        <p:nvPicPr>
+          <p:cNvPr id="7" name="図 6"/>
+          <p:cNvPicPr>
+            <a:picLocks noChangeAspect="1"/>
+          </p:cNvPicPr>
+          <p:nvPr/>
+        </p:nvPicPr>
+        <p:blipFill>
+          <a:blip r:embed="rId3" cstate="print">
+            <a:extLst>
+              <a:ext uri="{28A0092B-C50C-407E-A947-70E740481C1C}">
+                <a14:useLocalDpi xmlns:a14="http://schemas.microsoft.com/office/drawing/2010/main" val="0"/>
+              </a:ext>
+            </a:extLst>
+          </a:blip>
+          <a:stretch>
+            <a:fillRect/>
+          </a:stretch>
+        </p:blipFill>
+        <p:spPr>
+          <a:xfrm>
+            <a:off x="4505610" y="5451950"/>
+            <a:ext cx="1044703" cy="863125"/>
+          </a:xfrm>
+          <a:prstGeom prst="rect">
+            <a:avLst/>
+          </a:prstGeom>
+        </p:spPr>
+      </p:pic>
+      <p:pic>
+        <p:nvPicPr>
+          <p:cNvPr id="5" name="図 4"/>
+          <p:cNvPicPr>
+            <a:picLocks noChangeAspect="1"/>
+          </p:cNvPicPr>
+          <p:nvPr/>
+        </p:nvPicPr>
+        <p:blipFill>
+          <a:blip r:embed="rId4" cstate="print">
+            <a:extLst>
+              <a:ext uri="{28A0092B-C50C-407E-A947-70E740481C1C}">
+                <a14:useLocalDpi xmlns:a14="http://schemas.microsoft.com/office/drawing/2010/main" val="0"/>
+              </a:ext>
+            </a:extLst>
+          </a:blip>
+          <a:stretch>
+            <a:fillRect/>
+          </a:stretch>
+        </p:blipFill>
+        <p:spPr>
+          <a:xfrm>
+            <a:off x="4688395" y="3979545"/>
+            <a:ext cx="725806" cy="725806"/>
+          </a:xfrm>
+          <a:prstGeom prst="rect">
+            <a:avLst/>
+          </a:prstGeom>
+        </p:spPr>
+      </p:pic>
+      <p:pic>
+        <p:nvPicPr>
+          <p:cNvPr id="6" name="図 5"/>
+          <p:cNvPicPr>
+            <a:picLocks noChangeAspect="1"/>
+          </p:cNvPicPr>
+          <p:nvPr/>
+        </p:nvPicPr>
+        <p:blipFill>
+          <a:blip r:embed="rId5" cstate="print">
+            <a:extLst>
+              <a:ext uri="{28A0092B-C50C-407E-A947-70E740481C1C}">
+                <a14:useLocalDpi xmlns:a14="http://schemas.microsoft.com/office/drawing/2010/main" val="0"/>
+              </a:ext>
+            </a:extLst>
+          </a:blip>
+          <a:stretch>
+            <a:fillRect/>
+          </a:stretch>
+        </p:blipFill>
+        <p:spPr>
+          <a:xfrm>
+            <a:off x="4641723" y="5371718"/>
+            <a:ext cx="772478" cy="772478"/>
+          </a:xfrm>
+          <a:prstGeom prst="rect">
+            <a:avLst/>
+          </a:prstGeom>
+        </p:spPr>
+      </p:pic>
+      <p:sp>
+        <p:nvSpPr>
+          <p:cNvPr id="8" name="下矢印 7"/>
+          <p:cNvSpPr/>
+          <p:nvPr/>
+        </p:nvSpPr>
+        <p:spPr>
+          <a:xfrm>
+            <a:off x="4890762" y="3393410"/>
+            <a:ext cx="274397" cy="553972"/>
+          </a:xfrm>
+          <a:prstGeom prst="downArrow">
+            <a:avLst/>
+          </a:prstGeom>
+        </p:spPr>
+        <p:style>
+          <a:lnRef idx="2">
+            <a:schemeClr val="accent6">
+              <a:shade val="50000"/>
+            </a:schemeClr>
+          </a:lnRef>
+          <a:fillRef idx="1">
+            <a:schemeClr val="accent6"/>
+          </a:fillRef>
+          <a:effectRef idx="0">
+            <a:schemeClr val="accent6"/>
+          </a:effectRef>
+          <a:fontRef idx="minor">
+            <a:schemeClr val="lt1"/>
+          </a:fontRef>
+        </p:style>
+        <p:txBody>
+          <a:bodyPr rtlCol="0" anchor="ctr"/>
+          <a:lstStyle/>
+          <a:p>
+            <a:pPr algn="ctr"/>
             <a:endParaRPr kumimoji="1" lang="ja-JP" altLang="en-US"/>
           </a:p>
         </p:txBody>
       </p:sp>
       <p:sp>
         <p:nvSpPr>
-          <p:cNvPr id="4" name="コンテンツ プレースホルダー 3"/>
-          <p:cNvSpPr>
-            <a:spLocks noGrp="1"/>
-          </p:cNvSpPr>
-          <p:nvPr>
-            <p:ph sz="half" idx="2"/>
-          </p:nvPr>
-        </p:nvSpPr>
-        <p:spPr/>
-        <p:txBody>
-          <a:bodyPr/>
-          <a:lstStyle/>
-          <a:p>
+          <p:cNvPr id="9" name="下矢印 8"/>
+          <p:cNvSpPr/>
+          <p:nvPr/>
+        </p:nvSpPr>
+        <p:spPr>
+          <a:xfrm>
+            <a:off x="4890762" y="4785583"/>
+            <a:ext cx="274397" cy="553972"/>
+          </a:xfrm>
+          <a:prstGeom prst="downArrow">
+            <a:avLst/>
+          </a:prstGeom>
+        </p:spPr>
+        <p:style>
+          <a:lnRef idx="2">
+            <a:schemeClr val="accent6">
+              <a:shade val="50000"/>
+            </a:schemeClr>
+          </a:lnRef>
+          <a:fillRef idx="1">
+            <a:schemeClr val="accent6"/>
+          </a:fillRef>
+          <a:effectRef idx="0">
+            <a:schemeClr val="accent6"/>
+          </a:effectRef>
+          <a:fontRef idx="minor">
+            <a:schemeClr val="lt1"/>
+          </a:fontRef>
+        </p:style>
+        <p:txBody>
+          <a:bodyPr rtlCol="0" anchor="ctr"/>
+          <a:lstStyle/>
+          <a:p>
+            <a:pPr algn="ctr"/>
             <a:endParaRPr kumimoji="1" lang="ja-JP" altLang="en-US"/>
           </a:p>
         </p:txBody>
@@ -3552,13 +4955,20 @@
     </p:spTree>
     <p:extLst>
       <p:ext uri="{BB962C8B-B14F-4D97-AF65-F5344CB8AC3E}">
-        <p14:creationId xmlns:p14="http://schemas.microsoft.com/office/powerpoint/2010/main" val="3761124011"/>
+        <p14:creationId xmlns:p14="http://schemas.microsoft.com/office/powerpoint/2010/main" val="2436297975"/>
       </p:ext>
     </p:extLst>
   </p:cSld>
   <p:clrMapOvr>
     <a:masterClrMapping/>
   </p:clrMapOvr>
+  <p:timing>
+    <p:tnLst>
+      <p:par>
+        <p:cTn id="1" dur="indefinite" restart="never" nodeType="tmRoot"/>
+      </p:par>
+    </p:tnLst>
+  </p:timing>
 </p:sld>
 </file>
 
@@ -3596,7 +5006,7 @@
           <a:p>
             <a:r>
               <a:rPr kumimoji="1" lang="ja-JP" altLang="en-US" dirty="0" smtClean="0"/>
-              <a:t>町人</a:t>
+              <a:t>様々な魚</a:t>
             </a:r>
             <a:endParaRPr kumimoji="1" lang="ja-JP" altLang="en-US" dirty="0"/>
           </a:p>
@@ -3604,12 +5014,12 @@
       </p:sp>
       <p:sp>
         <p:nvSpPr>
-          <p:cNvPr id="3" name="テキスト プレースホルダー 2"/>
-          <p:cNvSpPr>
-            <a:spLocks noGrp="1"/>
-          </p:cNvSpPr>
-          <p:nvPr>
-            <p:ph type="body" idx="1"/>
+          <p:cNvPr id="3" name="コンテンツ プレースホルダー 2"/>
+          <p:cNvSpPr>
+            <a:spLocks noGrp="1"/>
+          </p:cNvSpPr>
+          <p:nvPr>
+            <p:ph sz="half" idx="1"/>
           </p:nvPr>
         </p:nvSpPr>
         <p:spPr/>
@@ -3629,44 +5039,6 @@
           </p:cNvSpPr>
           <p:nvPr>
             <p:ph sz="half" idx="2"/>
-          </p:nvPr>
-        </p:nvSpPr>
-        <p:spPr/>
-        <p:txBody>
-          <a:bodyPr/>
-          <a:lstStyle/>
-          <a:p>
-            <a:endParaRPr kumimoji="1" lang="ja-JP" altLang="en-US"/>
-          </a:p>
-        </p:txBody>
-      </p:sp>
-      <p:sp>
-        <p:nvSpPr>
-          <p:cNvPr id="5" name="テキスト プレースホルダー 4"/>
-          <p:cNvSpPr>
-            <a:spLocks noGrp="1"/>
-          </p:cNvSpPr>
-          <p:nvPr>
-            <p:ph type="body" sz="quarter" idx="3"/>
-          </p:nvPr>
-        </p:nvSpPr>
-        <p:spPr/>
-        <p:txBody>
-          <a:bodyPr/>
-          <a:lstStyle/>
-          <a:p>
-            <a:endParaRPr kumimoji="1" lang="ja-JP" altLang="en-US"/>
-          </a:p>
-        </p:txBody>
-      </p:sp>
-      <p:sp>
-        <p:nvSpPr>
-          <p:cNvPr id="6" name="コンテンツ プレースホルダー 5"/>
-          <p:cNvSpPr>
-            <a:spLocks noGrp="1"/>
-          </p:cNvSpPr>
-          <p:nvPr>
-            <p:ph sz="quarter" idx="4"/>
           </p:nvPr>
         </p:nvSpPr>
         <p:spPr/>
@@ -3681,13 +5053,20 @@
     </p:spTree>
     <p:extLst>
       <p:ext uri="{BB962C8B-B14F-4D97-AF65-F5344CB8AC3E}">
-        <p14:creationId xmlns:p14="http://schemas.microsoft.com/office/powerpoint/2010/main" val="3471384957"/>
+        <p14:creationId xmlns:p14="http://schemas.microsoft.com/office/powerpoint/2010/main" val="3761124011"/>
       </p:ext>
     </p:extLst>
   </p:cSld>
   <p:clrMapOvr>
     <a:masterClrMapping/>
   </p:clrMapOvr>
+  <p:timing>
+    <p:tnLst>
+      <p:par>
+        <p:cTn id="1" dur="indefinite" restart="never" nodeType="tmRoot"/>
+      </p:par>
+    </p:tnLst>
+  </p:timing>
 </p:sld>
 </file>
 
@@ -3725,7 +5104,7 @@
           <a:p>
             <a:r>
               <a:rPr kumimoji="1" lang="ja-JP" altLang="en-US" dirty="0" smtClean="0"/>
-              <a:t>人気を集め、商売を盛り上げろ</a:t>
+              <a:t>町人</a:t>
             </a:r>
             <a:endParaRPr kumimoji="1" lang="ja-JP" altLang="en-US" dirty="0"/>
           </a:p>
@@ -3746,11 +5125,7 @@
           <a:bodyPr/>
           <a:lstStyle/>
           <a:p>
-            <a:r>
-              <a:rPr kumimoji="1" lang="ja-JP" altLang="en-US" dirty="0" smtClean="0"/>
-              <a:t>人気は商売のイノチ</a:t>
-            </a:r>
-            <a:endParaRPr kumimoji="1" lang="ja-JP" altLang="en-US" dirty="0"/>
+            <a:endParaRPr kumimoji="1" lang="ja-JP" altLang="en-US"/>
           </a:p>
         </p:txBody>
       </p:sp>
@@ -3769,18 +5144,7 @@
           <a:bodyPr/>
           <a:lstStyle/>
           <a:p>
-            <a:r>
-              <a:rPr kumimoji="1" lang="ja-JP" altLang="en-US" dirty="0" smtClean="0"/>
-              <a:t>上手くすしを作っていれば、店の人気が上がり、たくさんのお客様が来る</a:t>
-            </a:r>
-            <a:endParaRPr kumimoji="1" lang="en-US" altLang="ja-JP" dirty="0" smtClean="0"/>
-          </a:p>
-          <a:p>
-            <a:r>
-              <a:rPr kumimoji="1" lang="ja-JP" altLang="en-US" dirty="0" smtClean="0"/>
-              <a:t>寿司を食べてもらえば、お金がもらえる</a:t>
-            </a:r>
-            <a:endParaRPr kumimoji="1" lang="ja-JP" altLang="en-US" dirty="0"/>
+            <a:endParaRPr kumimoji="1" lang="ja-JP" altLang="en-US"/>
           </a:p>
         </p:txBody>
       </p:sp>
@@ -3799,11 +5163,7 @@
           <a:bodyPr/>
           <a:lstStyle/>
           <a:p>
-            <a:r>
-              <a:rPr kumimoji="1" lang="ja-JP" altLang="en-US" dirty="0" smtClean="0"/>
-              <a:t>だから客を大切に</a:t>
-            </a:r>
-            <a:endParaRPr kumimoji="1" lang="ja-JP" altLang="en-US" dirty="0"/>
+            <a:endParaRPr kumimoji="1" lang="ja-JP" altLang="en-US"/>
           </a:p>
         </p:txBody>
       </p:sp>
@@ -3822,39 +5182,27 @@
           <a:bodyPr/>
           <a:lstStyle/>
           <a:p>
-            <a:r>
-              <a:rPr kumimoji="1" lang="ja-JP" altLang="en-US" dirty="0" smtClean="0"/>
-              <a:t>すしを切るときは、お客様を切らないように要注意</a:t>
-            </a:r>
-            <a:endParaRPr kumimoji="1" lang="en-US" altLang="ja-JP" dirty="0" smtClean="0"/>
-          </a:p>
-          <a:p>
-            <a:r>
-              <a:rPr lang="ja-JP" altLang="en-US" dirty="0"/>
-              <a:t>人気</a:t>
-            </a:r>
-            <a:r>
-              <a:rPr lang="ja-JP" altLang="en-US" dirty="0" smtClean="0"/>
-              <a:t>がなくなるとゲーム</a:t>
-            </a:r>
-            <a:r>
-              <a:rPr lang="ja-JP" altLang="en-US" dirty="0"/>
-              <a:t>オーバー</a:t>
-            </a:r>
-            <a:endParaRPr kumimoji="1" lang="ja-JP" altLang="en-US" dirty="0"/>
+            <a:endParaRPr kumimoji="1" lang="ja-JP" altLang="en-US"/>
           </a:p>
         </p:txBody>
       </p:sp>
     </p:spTree>
     <p:extLst>
       <p:ext uri="{BB962C8B-B14F-4D97-AF65-F5344CB8AC3E}">
-        <p14:creationId xmlns:p14="http://schemas.microsoft.com/office/powerpoint/2010/main" val="2823977695"/>
+        <p14:creationId xmlns:p14="http://schemas.microsoft.com/office/powerpoint/2010/main" val="3471384957"/>
       </p:ext>
     </p:extLst>
   </p:cSld>
   <p:clrMapOvr>
     <a:masterClrMapping/>
   </p:clrMapOvr>
+  <p:timing>
+    <p:tnLst>
+      <p:par>
+        <p:cTn id="1" dur="indefinite" restart="never" nodeType="tmRoot"/>
+      </p:par>
+    </p:tnLst>
+  </p:timing>
 </p:sld>
 </file>
 
@@ -3892,7 +5240,7 @@
           <a:p>
             <a:r>
               <a:rPr kumimoji="1" lang="ja-JP" altLang="en-US" dirty="0" smtClean="0"/>
-              <a:t>忍び</a:t>
+              <a:t>人気を集め、商売を盛り上げろ</a:t>
             </a:r>
             <a:endParaRPr kumimoji="1" lang="ja-JP" altLang="en-US" dirty="0"/>
           </a:p>
@@ -3913,7 +5261,11 @@
           <a:bodyPr/>
           <a:lstStyle/>
           <a:p>
-            <a:endParaRPr kumimoji="1" lang="ja-JP" altLang="en-US"/>
+            <a:r>
+              <a:rPr kumimoji="1" lang="ja-JP" altLang="en-US" dirty="0" smtClean="0"/>
+              <a:t>人気は商売のイノチ</a:t>
+            </a:r>
+            <a:endParaRPr kumimoji="1" lang="ja-JP" altLang="en-US" dirty="0"/>
           </a:p>
         </p:txBody>
       </p:sp>
@@ -3932,7 +5284,18 @@
           <a:bodyPr/>
           <a:lstStyle/>
           <a:p>
-            <a:endParaRPr kumimoji="1" lang="ja-JP" altLang="en-US"/>
+            <a:r>
+              <a:rPr kumimoji="1" lang="ja-JP" altLang="en-US" dirty="0" smtClean="0"/>
+              <a:t>上手くすしを作っていれば、店の人気が上がり、たくさんのお客様が来る</a:t>
+            </a:r>
+            <a:endParaRPr kumimoji="1" lang="en-US" altLang="ja-JP" dirty="0" smtClean="0"/>
+          </a:p>
+          <a:p>
+            <a:r>
+              <a:rPr kumimoji="1" lang="ja-JP" altLang="en-US" dirty="0" smtClean="0"/>
+              <a:t>寿司を食べてもらえば、お金がもらえる</a:t>
+            </a:r>
+            <a:endParaRPr kumimoji="1" lang="ja-JP" altLang="en-US" dirty="0"/>
           </a:p>
         </p:txBody>
       </p:sp>
@@ -3951,7 +5314,11 @@
           <a:bodyPr/>
           <a:lstStyle/>
           <a:p>
-            <a:endParaRPr kumimoji="1" lang="ja-JP" altLang="en-US"/>
+            <a:r>
+              <a:rPr kumimoji="1" lang="ja-JP" altLang="en-US" dirty="0" smtClean="0"/>
+              <a:t>だから客を大切に</a:t>
+            </a:r>
+            <a:endParaRPr kumimoji="1" lang="ja-JP" altLang="en-US" dirty="0"/>
           </a:p>
         </p:txBody>
       </p:sp>
@@ -3970,20 +5337,46 @@
           <a:bodyPr/>
           <a:lstStyle/>
           <a:p>
-            <a:endParaRPr kumimoji="1" lang="ja-JP" altLang="en-US"/>
+            <a:r>
+              <a:rPr kumimoji="1" lang="ja-JP" altLang="en-US" dirty="0" smtClean="0"/>
+              <a:t>すしを切るときは、お客様を切らないように要注意</a:t>
+            </a:r>
+            <a:endParaRPr kumimoji="1" lang="en-US" altLang="ja-JP" dirty="0" smtClean="0"/>
+          </a:p>
+          <a:p>
+            <a:r>
+              <a:rPr lang="ja-JP" altLang="en-US" dirty="0"/>
+              <a:t>人気</a:t>
+            </a:r>
+            <a:r>
+              <a:rPr lang="ja-JP" altLang="en-US" dirty="0" smtClean="0"/>
+              <a:t>がなくなるとゲーム</a:t>
+            </a:r>
+            <a:r>
+              <a:rPr lang="ja-JP" altLang="en-US" dirty="0"/>
+              <a:t>オーバー</a:t>
+            </a:r>
+            <a:endParaRPr kumimoji="1" lang="ja-JP" altLang="en-US" dirty="0"/>
           </a:p>
         </p:txBody>
       </p:sp>
     </p:spTree>
     <p:extLst>
       <p:ext uri="{BB962C8B-B14F-4D97-AF65-F5344CB8AC3E}">
-        <p14:creationId xmlns:p14="http://schemas.microsoft.com/office/powerpoint/2010/main" val="2343495230"/>
+        <p14:creationId xmlns:p14="http://schemas.microsoft.com/office/powerpoint/2010/main" val="2823977695"/>
       </p:ext>
     </p:extLst>
   </p:cSld>
   <p:clrMapOvr>
     <a:masterClrMapping/>
   </p:clrMapOvr>
+  <p:timing>
+    <p:tnLst>
+      <p:par>
+        <p:cTn id="1" dur="indefinite" restart="never" nodeType="tmRoot"/>
+      </p:par>
+    </p:tnLst>
+  </p:timing>
 </p:sld>
 </file>
 
@@ -4021,7 +5414,7 @@
           <a:p>
             <a:r>
               <a:rPr kumimoji="1" lang="ja-JP" altLang="en-US" dirty="0" smtClean="0"/>
-              <a:t>忍びの退治</a:t>
+              <a:t>忍び</a:t>
             </a:r>
             <a:endParaRPr kumimoji="1" lang="ja-JP" altLang="en-US" dirty="0"/>
           </a:p>
@@ -4106,7 +5499,7 @@
     </p:spTree>
     <p:extLst>
       <p:ext uri="{BB962C8B-B14F-4D97-AF65-F5344CB8AC3E}">
-        <p14:creationId xmlns:p14="http://schemas.microsoft.com/office/powerpoint/2010/main" val="1664855649"/>
+        <p14:creationId xmlns:p14="http://schemas.microsoft.com/office/powerpoint/2010/main" val="2343495230"/>
       </p:ext>
     </p:extLst>
   </p:cSld>
@@ -4150,6 +5543,135 @@
           <a:p>
             <a:r>
               <a:rPr kumimoji="1" lang="ja-JP" altLang="en-US" dirty="0" smtClean="0"/>
+              <a:t>忍びの退治</a:t>
+            </a:r>
+            <a:endParaRPr kumimoji="1" lang="ja-JP" altLang="en-US" dirty="0"/>
+          </a:p>
+        </p:txBody>
+      </p:sp>
+      <p:sp>
+        <p:nvSpPr>
+          <p:cNvPr id="3" name="テキスト プレースホルダー 2"/>
+          <p:cNvSpPr>
+            <a:spLocks noGrp="1"/>
+          </p:cNvSpPr>
+          <p:nvPr>
+            <p:ph type="body" idx="1"/>
+          </p:nvPr>
+        </p:nvSpPr>
+        <p:spPr/>
+        <p:txBody>
+          <a:bodyPr/>
+          <a:lstStyle/>
+          <a:p>
+            <a:endParaRPr kumimoji="1" lang="ja-JP" altLang="en-US"/>
+          </a:p>
+        </p:txBody>
+      </p:sp>
+      <p:sp>
+        <p:nvSpPr>
+          <p:cNvPr id="4" name="コンテンツ プレースホルダー 3"/>
+          <p:cNvSpPr>
+            <a:spLocks noGrp="1"/>
+          </p:cNvSpPr>
+          <p:nvPr>
+            <p:ph sz="half" idx="2"/>
+          </p:nvPr>
+        </p:nvSpPr>
+        <p:spPr/>
+        <p:txBody>
+          <a:bodyPr/>
+          <a:lstStyle/>
+          <a:p>
+            <a:endParaRPr kumimoji="1" lang="ja-JP" altLang="en-US"/>
+          </a:p>
+        </p:txBody>
+      </p:sp>
+      <p:sp>
+        <p:nvSpPr>
+          <p:cNvPr id="5" name="テキスト プレースホルダー 4"/>
+          <p:cNvSpPr>
+            <a:spLocks noGrp="1"/>
+          </p:cNvSpPr>
+          <p:nvPr>
+            <p:ph type="body" sz="quarter" idx="3"/>
+          </p:nvPr>
+        </p:nvSpPr>
+        <p:spPr/>
+        <p:txBody>
+          <a:bodyPr/>
+          <a:lstStyle/>
+          <a:p>
+            <a:endParaRPr kumimoji="1" lang="ja-JP" altLang="en-US"/>
+          </a:p>
+        </p:txBody>
+      </p:sp>
+      <p:sp>
+        <p:nvSpPr>
+          <p:cNvPr id="6" name="コンテンツ プレースホルダー 5"/>
+          <p:cNvSpPr>
+            <a:spLocks noGrp="1"/>
+          </p:cNvSpPr>
+          <p:nvPr>
+            <p:ph sz="quarter" idx="4"/>
+          </p:nvPr>
+        </p:nvSpPr>
+        <p:spPr/>
+        <p:txBody>
+          <a:bodyPr/>
+          <a:lstStyle/>
+          <a:p>
+            <a:endParaRPr kumimoji="1" lang="ja-JP" altLang="en-US"/>
+          </a:p>
+        </p:txBody>
+      </p:sp>
+    </p:spTree>
+    <p:extLst>
+      <p:ext uri="{BB962C8B-B14F-4D97-AF65-F5344CB8AC3E}">
+        <p14:creationId xmlns:p14="http://schemas.microsoft.com/office/powerpoint/2010/main" val="1664855649"/>
+      </p:ext>
+    </p:extLst>
+  </p:cSld>
+  <p:clrMapOvr>
+    <a:masterClrMapping/>
+  </p:clrMapOvr>
+</p:sld>
+</file>
+
+<file path=ppt/slides/slide9.xml><?xml version="1.0" encoding="utf-8"?>
+<p:sld xmlns:a="http://schemas.openxmlformats.org/drawingml/2006/main" xmlns:r="http://schemas.openxmlformats.org/officeDocument/2006/relationships" xmlns:p="http://schemas.openxmlformats.org/presentationml/2006/main">
+  <p:cSld>
+    <p:spTree>
+      <p:nvGrpSpPr>
+        <p:cNvPr id="1" name=""/>
+        <p:cNvGrpSpPr/>
+        <p:nvPr/>
+      </p:nvGrpSpPr>
+      <p:grpSpPr>
+        <a:xfrm>
+          <a:off x="0" y="0"/>
+          <a:ext cx="0" cy="0"/>
+          <a:chOff x="0" y="0"/>
+          <a:chExt cx="0" cy="0"/>
+        </a:xfrm>
+      </p:grpSpPr>
+      <p:sp>
+        <p:nvSpPr>
+          <p:cNvPr id="2" name="タイトル 1"/>
+          <p:cNvSpPr>
+            <a:spLocks noGrp="1"/>
+          </p:cNvSpPr>
+          <p:nvPr>
+            <p:ph type="title"/>
+          </p:nvPr>
+        </p:nvSpPr>
+        <p:spPr/>
+        <p:txBody>
+          <a:bodyPr/>
+          <a:lstStyle/>
+          <a:p>
+            <a:r>
+              <a:rPr kumimoji="1" lang="ja-JP" altLang="en-US" dirty="0" smtClean="0"/>
               <a:t>他</a:t>
             </a:r>
             <a:endParaRPr kumimoji="1" lang="ja-JP" altLang="en-US" dirty="0"/>
@@ -4246,9 +5768,9 @@
 </file>
 
 <file path=ppt/theme/theme1.xml><?xml version="1.0" encoding="utf-8"?>
-<a:theme xmlns:a="http://schemas.openxmlformats.org/drawingml/2006/main" name="Office テーマ">
+<a:theme xmlns:a="http://schemas.openxmlformats.org/drawingml/2006/main" name="木版活字">
   <a:themeElements>
-    <a:clrScheme name="Office">
+    <a:clrScheme name="木版活字">
       <a:dk1>
         <a:sysClr val="windowText" lastClr="000000"/>
       </a:dk1>
@@ -4256,48 +5778,86 @@
         <a:sysClr val="window" lastClr="FFFFFF"/>
       </a:lt1>
       <a:dk2>
-        <a:srgbClr val="44546A"/>
+        <a:srgbClr val="696464"/>
       </a:dk2>
       <a:lt2>
-        <a:srgbClr val="E7E6E6"/>
+        <a:srgbClr val="E9E5DC"/>
       </a:lt2>
       <a:accent1>
-        <a:srgbClr val="5B9BD5"/>
+        <a:srgbClr val="D34817"/>
       </a:accent1>
       <a:accent2>
-        <a:srgbClr val="ED7D31"/>
+        <a:srgbClr val="9B2D1F"/>
       </a:accent2>
       <a:accent3>
-        <a:srgbClr val="A5A5A5"/>
+        <a:srgbClr val="A28E6A"/>
       </a:accent3>
       <a:accent4>
-        <a:srgbClr val="FFC000"/>
+        <a:srgbClr val="956251"/>
       </a:accent4>
       <a:accent5>
-        <a:srgbClr val="4472C4"/>
+        <a:srgbClr val="918485"/>
       </a:accent5>
       <a:accent6>
-        <a:srgbClr val="70AD47"/>
+        <a:srgbClr val="855D5D"/>
       </a:accent6>
       <a:hlink>
-        <a:srgbClr val="0563C1"/>
+        <a:srgbClr val="CC9900"/>
       </a:hlink>
       <a:folHlink>
-        <a:srgbClr val="954F72"/>
+        <a:srgbClr val="96A9A9"/>
       </a:folHlink>
     </a:clrScheme>
-    <a:fontScheme name="Office">
+    <a:fontScheme name="木版活字">
       <a:majorFont>
-        <a:latin typeface="游ゴシック Light" panose="020F0302020204030204"/>
+        <a:latin typeface="Rockwell Condensed" panose="02060603050405020104"/>
         <a:ea typeface=""/>
         <a:cs typeface=""/>
-        <a:font script="Jpan" typeface="游ゴシック Light"/>
-        <a:font script="Hang" typeface="맑은 고딕"/>
-        <a:font script="Hans" typeface="等线 Light"/>
-        <a:font script="Hant" typeface="新細明體"/>
+        <a:font script="Grek" typeface="Cambria"/>
+        <a:font script="Cyrl" typeface="Cambria"/>
+        <a:font script="Jpan" typeface="HG明朝B"/>
+        <a:font script="Hang" typeface="바탕"/>
+        <a:font script="Hans" typeface="方正姚体"/>
+        <a:font script="Hant" typeface="微軟正黑體"/>
         <a:font script="Arab" typeface="Times New Roman"/>
-        <a:font script="Hebr" typeface="Times New Roman"/>
-        <a:font script="Thai" typeface="Angsana New"/>
+        <a:font script="Hebr" typeface="David"/>
+        <a:font script="Thai" typeface="JasmineUPC"/>
+        <a:font script="Ethi" typeface="Nyala"/>
+        <a:font script="Beng" typeface="Vrinda"/>
+        <a:font script="Gujr" typeface="Shruti"/>
+        <a:font script="Khmr" typeface="MoolBoran"/>
+        <a:font script="Knda" typeface="Tunga"/>
+        <a:font script="Guru" typeface="Raavi"/>
+        <a:font script="Cans" typeface="Euphemia"/>
+        <a:font script="Cher" typeface="Plantagenet Cherokee"/>
+        <a:font script="Yiii" typeface="Microsoft Yi Baiti"/>
+        <a:font script="Tibt" typeface="Microsoft Himalaya"/>
+        <a:font script="Thaa" typeface="MV Boli"/>
+        <a:font script="Deva" typeface="Mangal"/>
+        <a:font script="Telu" typeface="Gautami"/>
+        <a:font script="Taml" typeface="Latha"/>
+        <a:font script="Syrc" typeface="Estrangelo Edessa"/>
+        <a:font script="Orya" typeface="Kalinga"/>
+        <a:font script="Mlym" typeface="Kartika"/>
+        <a:font script="Laoo" typeface="DokChampa"/>
+        <a:font script="Sinh" typeface="Iskoola Pota"/>
+        <a:font script="Mong" typeface="Mongolian Baiti"/>
+        <a:font script="Viet" typeface="Arial"/>
+        <a:font script="Uigh" typeface="Microsoft Uighur"/>
+      </a:majorFont>
+      <a:minorFont>
+        <a:latin typeface="Rockwell" panose="02060603020205020403"/>
+        <a:ea typeface=""/>
+        <a:cs typeface=""/>
+        <a:font script="Grek" typeface="Cambria"/>
+        <a:font script="Cyrl" typeface="Cambria"/>
+        <a:font script="Jpan" typeface="HG明朝B"/>
+        <a:font script="Hang" typeface="바탕"/>
+        <a:font script="Hans" typeface="方正姚体"/>
+        <a:font script="Hant" typeface="標楷體"/>
+        <a:font script="Arab" typeface="Times New Roman"/>
+        <a:font script="Hebr" typeface="David"/>
+        <a:font script="Thai" typeface="JasmineUPC"/>
         <a:font script="Ethi" typeface="Nyala"/>
         <a:font script="Beng" typeface="Vrinda"/>
         <a:font script="Gujr" typeface="Shruti"/>
@@ -4320,101 +5880,42 @@
         <a:font script="Mong" typeface="Mongolian Baiti"/>
         <a:font script="Viet" typeface="Times New Roman"/>
         <a:font script="Uigh" typeface="Microsoft Uighur"/>
-        <a:font script="Geor" typeface="Sylfaen"/>
-      </a:majorFont>
-      <a:minorFont>
-        <a:latin typeface="游ゴシック" panose="020F0502020204030204"/>
-        <a:ea typeface=""/>
-        <a:cs typeface=""/>
-        <a:font script="Jpan" typeface="游ゴシック"/>
-        <a:font script="Hang" typeface="맑은 고딕"/>
-        <a:font script="Hans" typeface="等线"/>
-        <a:font script="Hant" typeface="新細明體"/>
-        <a:font script="Arab" typeface="Arial"/>
-        <a:font script="Hebr" typeface="Arial"/>
-        <a:font script="Thai" typeface="Cordia New"/>
-        <a:font script="Ethi" typeface="Nyala"/>
-        <a:font script="Beng" typeface="Vrinda"/>
-        <a:font script="Gujr" typeface="Shruti"/>
-        <a:font script="Khmr" typeface="DaunPenh"/>
-        <a:font script="Knda" typeface="Tunga"/>
-        <a:font script="Guru" typeface="Raavi"/>
-        <a:font script="Cans" typeface="Euphemia"/>
-        <a:font script="Cher" typeface="Plantagenet Cherokee"/>
-        <a:font script="Yiii" typeface="Microsoft Yi Baiti"/>
-        <a:font script="Tibt" typeface="Microsoft Himalaya"/>
-        <a:font script="Thaa" typeface="MV Boli"/>
-        <a:font script="Deva" typeface="Mangal"/>
-        <a:font script="Telu" typeface="Gautami"/>
-        <a:font script="Taml" typeface="Latha"/>
-        <a:font script="Syrc" typeface="Estrangelo Edessa"/>
-        <a:font script="Orya" typeface="Kalinga"/>
-        <a:font script="Mlym" typeface="Kartika"/>
-        <a:font script="Laoo" typeface="DokChampa"/>
-        <a:font script="Sinh" typeface="Iskoola Pota"/>
-        <a:font script="Mong" typeface="Mongolian Baiti"/>
-        <a:font script="Viet" typeface="Arial"/>
-        <a:font script="Uigh" typeface="Microsoft Uighur"/>
-        <a:font script="Geor" typeface="Sylfaen"/>
       </a:minorFont>
     </a:fontScheme>
-    <a:fmtScheme name="Office">
+    <a:fmtScheme name="木版活字">
       <a:fillStyleLst>
         <a:solidFill>
           <a:schemeClr val="phClr"/>
         </a:solidFill>
-        <a:gradFill rotWithShape="1">
-          <a:gsLst>
-            <a:gs pos="0">
+        <a:blipFill rotWithShape="1">
+          <a:blip xmlns:r="http://schemas.openxmlformats.org/officeDocument/2006/relationships" r:embed="rId1">
+            <a:duotone>
               <a:schemeClr val="phClr">
-                <a:lumMod val="110000"/>
-                <a:satMod val="105000"/>
-                <a:tint val="67000"/>
+                <a:tint val="70000"/>
+                <a:shade val="63000"/>
               </a:schemeClr>
-            </a:gs>
-            <a:gs pos="50000">
               <a:schemeClr val="phClr">
-                <a:lumMod val="105000"/>
-                <a:satMod val="103000"/>
-                <a:tint val="73000"/>
+                <a:tint val="10000"/>
+                <a:satMod val="150000"/>
               </a:schemeClr>
-            </a:gs>
-            <a:gs pos="100000">
+            </a:duotone>
+          </a:blip>
+          <a:tile tx="0" ty="0" sx="60000" sy="59000" flip="none" algn="tl"/>
+        </a:blipFill>
+        <a:blipFill rotWithShape="1">
+          <a:blip xmlns:r="http://schemas.openxmlformats.org/officeDocument/2006/relationships" r:embed="rId1">
+            <a:duotone>
               <a:schemeClr val="phClr">
-                <a:lumMod val="105000"/>
-                <a:satMod val="109000"/>
-                <a:tint val="81000"/>
+                <a:shade val="36000"/>
+                <a:satMod val="120000"/>
               </a:schemeClr>
-            </a:gs>
-          </a:gsLst>
-          <a:lin ang="5400000" scaled="0"/>
-        </a:gradFill>
-        <a:gradFill rotWithShape="1">
-          <a:gsLst>
-            <a:gs pos="0">
               <a:schemeClr val="phClr">
-                <a:satMod val="103000"/>
-                <a:lumMod val="102000"/>
-                <a:tint val="94000"/>
+                <a:tint val="40000"/>
               </a:schemeClr>
-            </a:gs>
-            <a:gs pos="50000">
-              <a:schemeClr val="phClr">
-                <a:satMod val="110000"/>
-                <a:lumMod val="100000"/>
-                <a:shade val="100000"/>
-              </a:schemeClr>
-            </a:gs>
-            <a:gs pos="100000">
-              <a:schemeClr val="phClr">
-                <a:lumMod val="99000"/>
-                <a:satMod val="120000"/>
-                <a:shade val="78000"/>
-              </a:schemeClr>
-            </a:gs>
-          </a:gsLst>
-          <a:lin ang="5400000" scaled="0"/>
-        </a:gradFill>
+            </a:duotone>
+          </a:blip>
+          <a:tile tx="0" ty="0" sx="60000" sy="59000" flip="none" algn="tl"/>
+        </a:blipFill>
       </a:fillStyleLst>
       <a:lnStyleLst>
         <a:ln w="6350" cap="flat" cmpd="sng" algn="ctr">
@@ -4422,21 +5923,18 @@
             <a:schemeClr val="phClr"/>
           </a:solidFill>
           <a:prstDash val="solid"/>
-          <a:miter lim="800000"/>
         </a:ln>
         <a:ln w="12700" cap="flat" cmpd="sng" algn="ctr">
           <a:solidFill>
             <a:schemeClr val="phClr"/>
           </a:solidFill>
           <a:prstDash val="solid"/>
-          <a:miter lim="800000"/>
         </a:ln>
         <a:ln w="19050" cap="flat" cmpd="sng" algn="ctr">
           <a:solidFill>
             <a:schemeClr val="phClr"/>
           </a:solidFill>
           <a:prstDash val="solid"/>
-          <a:miter lim="800000"/>
         </a:ln>
       </a:lnStyleLst>
       <a:effectStyleLst>
@@ -4444,15 +5942,18 @@
           <a:effectLst/>
         </a:effectStyle>
         <a:effectStyle>
-          <a:effectLst/>
+          <a:effectLst>
+            <a:softEdge rad="12700"/>
+          </a:effectLst>
         </a:effectStyle>
         <a:effectStyle>
           <a:effectLst>
-            <a:outerShdw blurRad="57150" dist="19050" dir="5400000" algn="ctr" rotWithShape="0">
+            <a:outerShdw blurRad="50800" dist="19050" dir="5400000" algn="tl" rotWithShape="0">
               <a:srgbClr val="000000">
-                <a:alpha val="63000"/>
+                <a:alpha val="60000"/>
               </a:srgbClr>
             </a:outerShdw>
+            <a:softEdge rad="12700"/>
           </a:effectLst>
         </a:effectStyle>
       </a:effectStyleLst>
@@ -4462,37 +5963,26 @@
         </a:solidFill>
         <a:solidFill>
           <a:schemeClr val="phClr">
-            <a:tint val="95000"/>
-            <a:satMod val="170000"/>
+            <a:shade val="97000"/>
+            <a:satMod val="150000"/>
           </a:schemeClr>
         </a:solidFill>
-        <a:gradFill rotWithShape="1">
-          <a:gsLst>
-            <a:gs pos="0">
+        <a:blipFill rotWithShape="1">
+          <a:blip xmlns:r="http://schemas.openxmlformats.org/officeDocument/2006/relationships" r:embed="rId1">
+            <a:duotone>
               <a:schemeClr val="phClr">
-                <a:tint val="93000"/>
-                <a:satMod val="150000"/>
-                <a:shade val="98000"/>
-                <a:lumMod val="102000"/>
-              </a:schemeClr>
-            </a:gs>
-            <a:gs pos="50000">
-              <a:schemeClr val="phClr">
-                <a:tint val="98000"/>
-                <a:satMod val="130000"/>
-                <a:shade val="90000"/>
-                <a:lumMod val="103000"/>
-              </a:schemeClr>
-            </a:gs>
-            <a:gs pos="100000">
-              <a:schemeClr val="phClr">
-                <a:shade val="63000"/>
+                <a:tint val="75000"/>
+                <a:shade val="58000"/>
                 <a:satMod val="120000"/>
               </a:schemeClr>
-            </a:gs>
-          </a:gsLst>
-          <a:lin ang="5400000" scaled="0"/>
-        </a:gradFill>
+              <a:schemeClr val="phClr">
+                <a:tint val="50000"/>
+                <a:shade val="96000"/>
+              </a:schemeClr>
+            </a:duotone>
+          </a:blip>
+          <a:tile tx="0" ty="0" sx="100000" sy="100000" flip="none" algn="tl"/>
+        </a:blipFill>
       </a:bgFillStyleLst>
     </a:fmtScheme>
   </a:themeElements>
@@ -4500,7 +5990,7 @@
   <a:extraClrSchemeLst/>
   <a:extLst>
     <a:ext uri="{05A4C25C-085E-4340-85A3-A5531E510DB2}">
-      <thm15:themeFamily xmlns:thm15="http://schemas.microsoft.com/office/thememl/2012/main" name="Office Theme" id="{62F939B6-93AF-4DB8-9C6B-D6C7DFDC589F}" vid="{4A3C46E8-61CC-4603-A589-7422A47A8E4A}"/>
+      <thm15:themeFamily xmlns:thm15="http://schemas.microsoft.com/office/thememl/2012/main" name="Wood Type" id="{7ACABC62-BF99-48CF-A9DC-4DB89C7B13DC}" vid="{142A1326-48AB-42A9-8428-CB14AA30176D}"/>
     </a:ext>
   </a:extLst>
 </a:theme>

--- a/侍寿司屋_企画仕様書.pptx
+++ b/侍寿司屋_企画仕様書.pptx
@@ -12,8 +12,9 @@
     <p:sldId id="259" r:id="rId6"/>
     <p:sldId id="263" r:id="rId7"/>
     <p:sldId id="260" r:id="rId8"/>
-    <p:sldId id="262" r:id="rId9"/>
-    <p:sldId id="261" r:id="rId10"/>
+    <p:sldId id="265" r:id="rId9"/>
+    <p:sldId id="262" r:id="rId10"/>
+    <p:sldId id="261" r:id="rId11"/>
   </p:sldIdLst>
   <p:sldSz cx="12192000" cy="6858000"/>
   <p:notesSz cx="6858000" cy="9144000"/>
@@ -131,6 +132,7 @@
             <p14:sldId id="259"/>
             <p14:sldId id="263"/>
             <p14:sldId id="260"/>
+            <p14:sldId id="265"/>
             <p14:sldId id="262"/>
             <p14:sldId id="261"/>
           </p14:sldIdLst>
@@ -4542,6 +4544,135 @@
 </p:sld>
 </file>
 
+<file path=ppt/slides/slide10.xml><?xml version="1.0" encoding="utf-8"?>
+<p:sld xmlns:a="http://schemas.openxmlformats.org/drawingml/2006/main" xmlns:r="http://schemas.openxmlformats.org/officeDocument/2006/relationships" xmlns:p="http://schemas.openxmlformats.org/presentationml/2006/main">
+  <p:cSld>
+    <p:spTree>
+      <p:nvGrpSpPr>
+        <p:cNvPr id="1" name=""/>
+        <p:cNvGrpSpPr/>
+        <p:nvPr/>
+      </p:nvGrpSpPr>
+      <p:grpSpPr>
+        <a:xfrm>
+          <a:off x="0" y="0"/>
+          <a:ext cx="0" cy="0"/>
+          <a:chOff x="0" y="0"/>
+          <a:chExt cx="0" cy="0"/>
+        </a:xfrm>
+      </p:grpSpPr>
+      <p:sp>
+        <p:nvSpPr>
+          <p:cNvPr id="2" name="タイトル 1"/>
+          <p:cNvSpPr>
+            <a:spLocks noGrp="1"/>
+          </p:cNvSpPr>
+          <p:nvPr>
+            <p:ph type="title"/>
+          </p:nvPr>
+        </p:nvSpPr>
+        <p:spPr/>
+        <p:txBody>
+          <a:bodyPr/>
+          <a:lstStyle/>
+          <a:p>
+            <a:r>
+              <a:rPr kumimoji="1" lang="ja-JP" altLang="en-US" dirty="0" smtClean="0"/>
+              <a:t>他</a:t>
+            </a:r>
+            <a:endParaRPr kumimoji="1" lang="ja-JP" altLang="en-US" dirty="0"/>
+          </a:p>
+        </p:txBody>
+      </p:sp>
+      <p:sp>
+        <p:nvSpPr>
+          <p:cNvPr id="3" name="テキスト プレースホルダー 2"/>
+          <p:cNvSpPr>
+            <a:spLocks noGrp="1"/>
+          </p:cNvSpPr>
+          <p:nvPr>
+            <p:ph type="body" idx="1"/>
+          </p:nvPr>
+        </p:nvSpPr>
+        <p:spPr/>
+        <p:txBody>
+          <a:bodyPr/>
+          <a:lstStyle/>
+          <a:p>
+            <a:endParaRPr kumimoji="1" lang="ja-JP" altLang="en-US"/>
+          </a:p>
+        </p:txBody>
+      </p:sp>
+      <p:sp>
+        <p:nvSpPr>
+          <p:cNvPr id="4" name="コンテンツ プレースホルダー 3"/>
+          <p:cNvSpPr>
+            <a:spLocks noGrp="1"/>
+          </p:cNvSpPr>
+          <p:nvPr>
+            <p:ph sz="half" idx="2"/>
+          </p:nvPr>
+        </p:nvSpPr>
+        <p:spPr/>
+        <p:txBody>
+          <a:bodyPr/>
+          <a:lstStyle/>
+          <a:p>
+            <a:endParaRPr kumimoji="1" lang="ja-JP" altLang="en-US"/>
+          </a:p>
+        </p:txBody>
+      </p:sp>
+      <p:sp>
+        <p:nvSpPr>
+          <p:cNvPr id="5" name="テキスト プレースホルダー 4"/>
+          <p:cNvSpPr>
+            <a:spLocks noGrp="1"/>
+          </p:cNvSpPr>
+          <p:nvPr>
+            <p:ph type="body" sz="quarter" idx="3"/>
+          </p:nvPr>
+        </p:nvSpPr>
+        <p:spPr/>
+        <p:txBody>
+          <a:bodyPr/>
+          <a:lstStyle/>
+          <a:p>
+            <a:endParaRPr kumimoji="1" lang="ja-JP" altLang="en-US"/>
+          </a:p>
+        </p:txBody>
+      </p:sp>
+      <p:sp>
+        <p:nvSpPr>
+          <p:cNvPr id="6" name="コンテンツ プレースホルダー 5"/>
+          <p:cNvSpPr>
+            <a:spLocks noGrp="1"/>
+          </p:cNvSpPr>
+          <p:nvPr>
+            <p:ph sz="quarter" idx="4"/>
+          </p:nvPr>
+        </p:nvSpPr>
+        <p:spPr/>
+        <p:txBody>
+          <a:bodyPr/>
+          <a:lstStyle/>
+          <a:p>
+            <a:endParaRPr kumimoji="1" lang="ja-JP" altLang="en-US"/>
+          </a:p>
+        </p:txBody>
+      </p:sp>
+    </p:spTree>
+    <p:extLst>
+      <p:ext uri="{BB962C8B-B14F-4D97-AF65-F5344CB8AC3E}">
+        <p14:creationId xmlns:p14="http://schemas.microsoft.com/office/powerpoint/2010/main" val="1282148534"/>
+      </p:ext>
+    </p:extLst>
+  </p:cSld>
+  <p:clrMapOvr>
+    <a:masterClrMapping/>
+  </p:clrMapOvr>
+</p:sld>
+</file>
+
 <file path=ppt/slides/slide2.xml><?xml version="1.0" encoding="utf-8"?>
 <p:sld xmlns:a="http://schemas.openxmlformats.org/drawingml/2006/main" xmlns:r="http://schemas.openxmlformats.org/officeDocument/2006/relationships" xmlns:p="http://schemas.openxmlformats.org/presentationml/2006/main">
   <p:cSld>
@@ -4744,7 +4875,7 @@
         </p:blipFill>
         <p:spPr>
           <a:xfrm>
-            <a:off x="460247" y="3648074"/>
+            <a:off x="1069848" y="3739363"/>
             <a:ext cx="1219202" cy="1219202"/>
           </a:xfrm>
           <a:prstGeom prst="rect">
@@ -4774,7 +4905,7 @@
         </p:blipFill>
         <p:spPr>
           <a:xfrm>
-            <a:off x="4441697" y="2093976"/>
+            <a:off x="4418360" y="2924703"/>
             <a:ext cx="1219202" cy="1219202"/>
           </a:xfrm>
           <a:prstGeom prst="rect">
@@ -4804,7 +4935,7 @@
         </p:blipFill>
         <p:spPr>
           <a:xfrm>
-            <a:off x="4505610" y="5451950"/>
+            <a:off x="4505610" y="5658133"/>
             <a:ext cx="1044703" cy="863125"/>
           </a:xfrm>
           <a:prstGeom prst="rect">
@@ -4834,7 +4965,7 @@
         </p:blipFill>
         <p:spPr>
           <a:xfrm>
-            <a:off x="4688395" y="3979545"/>
+            <a:off x="4665058" y="4545120"/>
             <a:ext cx="725806" cy="725806"/>
           </a:xfrm>
           <a:prstGeom prst="rect">
@@ -4864,7 +4995,7 @@
         </p:blipFill>
         <p:spPr>
           <a:xfrm>
-            <a:off x="4641723" y="5371718"/>
+            <a:off x="4641723" y="5577901"/>
             <a:ext cx="772478" cy="772478"/>
           </a:xfrm>
           <a:prstGeom prst="rect">
@@ -4874,14 +5005,14 @@
       </p:pic>
       <p:sp>
         <p:nvSpPr>
-          <p:cNvPr id="8" name="下矢印 7"/>
+          <p:cNvPr id="9" name="下矢印 8"/>
           <p:cNvSpPr/>
           <p:nvPr/>
         </p:nvSpPr>
         <p:spPr>
           <a:xfrm>
-            <a:off x="4890762" y="3393410"/>
-            <a:ext cx="274397" cy="553972"/>
+            <a:off x="4937637" y="5242061"/>
+            <a:ext cx="180648" cy="364705"/>
           </a:xfrm>
           <a:prstGeom prst="downArrow">
             <a:avLst/>
@@ -4912,16 +5043,161 @@
           </a:p>
         </p:txBody>
       </p:sp>
-      <p:sp>
-        <p:nvSpPr>
-          <p:cNvPr id="9" name="下矢印 8"/>
+      <p:grpSp>
+        <p:nvGrpSpPr>
+          <p:cNvPr id="14" name="グループ化 13"/>
+          <p:cNvGrpSpPr/>
+          <p:nvPr/>
+        </p:nvGrpSpPr>
+        <p:grpSpPr>
+          <a:xfrm>
+            <a:off x="7467402" y="4190636"/>
+            <a:ext cx="2004058" cy="1369559"/>
+            <a:chOff x="7364448" y="3557927"/>
+            <a:chExt cx="2004058" cy="1369559"/>
+          </a:xfrm>
+        </p:grpSpPr>
+        <p:pic>
+          <p:nvPicPr>
+            <p:cNvPr id="10" name="図 9"/>
+            <p:cNvPicPr>
+              <a:picLocks noChangeAspect="1"/>
+            </p:cNvPicPr>
+            <p:nvPr/>
+          </p:nvPicPr>
+          <p:blipFill>
+            <a:blip r:embed="rId6" cstate="print">
+              <a:extLst>
+                <a:ext uri="{28A0092B-C50C-407E-A947-70E740481C1C}">
+                  <a14:useLocalDpi xmlns:a14="http://schemas.microsoft.com/office/drawing/2010/main" val="0"/>
+                </a:ext>
+              </a:extLst>
+            </a:blip>
+            <a:stretch>
+              <a:fillRect/>
+            </a:stretch>
+          </p:blipFill>
+          <p:spPr>
+            <a:xfrm rot="1800000">
+              <a:off x="8031169" y="3557927"/>
+              <a:ext cx="1337337" cy="1337337"/>
+            </a:xfrm>
+            <a:prstGeom prst="rect">
+              <a:avLst/>
+            </a:prstGeom>
+          </p:spPr>
+        </p:pic>
+        <p:pic>
+          <p:nvPicPr>
+            <p:cNvPr id="11" name="図 10"/>
+            <p:cNvPicPr>
+              <a:picLocks noChangeAspect="1"/>
+            </p:cNvPicPr>
+            <p:nvPr/>
+          </p:nvPicPr>
+          <p:blipFill>
+            <a:blip r:embed="rId7" cstate="print">
+              <a:extLst>
+                <a:ext uri="{28A0092B-C50C-407E-A947-70E740481C1C}">
+                  <a14:useLocalDpi xmlns:a14="http://schemas.microsoft.com/office/drawing/2010/main" val="0"/>
+                </a:ext>
+              </a:extLst>
+            </a:blip>
+            <a:stretch>
+              <a:fillRect/>
+            </a:stretch>
+          </p:blipFill>
+          <p:spPr>
+            <a:xfrm rot="18900000">
+              <a:off x="7364448" y="3590149"/>
+              <a:ext cx="1337337" cy="1337337"/>
+            </a:xfrm>
+            <a:prstGeom prst="rect">
+              <a:avLst/>
+            </a:prstGeom>
+          </p:spPr>
+        </p:pic>
+      </p:grpSp>
+      <p:pic>
+        <p:nvPicPr>
+          <p:cNvPr id="12" name="図 11"/>
+          <p:cNvPicPr>
+            <a:picLocks noChangeAspect="1"/>
+          </p:cNvPicPr>
+          <p:nvPr/>
+        </p:nvPicPr>
+        <p:blipFill>
+          <a:blip r:embed="rId2" cstate="print">
+            <a:extLst>
+              <a:ext uri="{28A0092B-C50C-407E-A947-70E740481C1C}">
+                <a14:useLocalDpi xmlns:a14="http://schemas.microsoft.com/office/drawing/2010/main" val="0"/>
+              </a:ext>
+            </a:extLst>
+          </a:blip>
+          <a:stretch>
+            <a:fillRect/>
+          </a:stretch>
+        </p:blipFill>
+        <p:spPr>
+          <a:xfrm>
+            <a:off x="7859830" y="2924703"/>
+            <a:ext cx="1219202" cy="1219202"/>
+          </a:xfrm>
+          <a:prstGeom prst="rect">
+            <a:avLst/>
+          </a:prstGeom>
+        </p:spPr>
+      </p:pic>
+      <p:sp>
+        <p:nvSpPr>
+          <p:cNvPr id="15" name="下矢印 14"/>
           <p:cNvSpPr/>
           <p:nvPr/>
         </p:nvSpPr>
         <p:spPr>
           <a:xfrm>
-            <a:off x="4890762" y="4785583"/>
-            <a:ext cx="274397" cy="553972"/>
+            <a:off x="8379107" y="4180415"/>
+            <a:ext cx="180648" cy="364705"/>
+          </a:xfrm>
+          <a:prstGeom prst="downArrow">
+            <a:avLst/>
+          </a:prstGeom>
+        </p:spPr>
+        <p:style>
+          <a:lnRef idx="2">
+            <a:schemeClr val="accent6">
+              <a:shade val="50000"/>
+            </a:schemeClr>
+          </a:lnRef>
+          <a:fillRef idx="1">
+            <a:schemeClr val="accent6"/>
+          </a:fillRef>
+          <a:effectRef idx="0">
+            <a:schemeClr val="accent6"/>
+          </a:effectRef>
+          <a:fontRef idx="minor">
+            <a:schemeClr val="lt1"/>
+          </a:fontRef>
+        </p:style>
+        <p:txBody>
+          <a:bodyPr rtlCol="0" anchor="ctr"/>
+          <a:lstStyle/>
+          <a:p>
+            <a:pPr algn="ctr"/>
+            <a:endParaRPr kumimoji="1" lang="ja-JP" altLang="en-US"/>
+          </a:p>
+        </p:txBody>
+      </p:sp>
+      <p:sp>
+        <p:nvSpPr>
+          <p:cNvPr id="16" name="下矢印 15"/>
+          <p:cNvSpPr/>
+          <p:nvPr/>
+        </p:nvSpPr>
+        <p:spPr>
+          <a:xfrm>
+            <a:off x="4937637" y="4195272"/>
+            <a:ext cx="180648" cy="364705"/>
           </a:xfrm>
           <a:prstGeom prst="downArrow">
             <a:avLst/>
@@ -5027,7 +5303,7 @@
           <a:bodyPr/>
           <a:lstStyle/>
           <a:p>
-            <a:endParaRPr kumimoji="1" lang="ja-JP" altLang="en-US"/>
+            <a:endParaRPr kumimoji="1" lang="ja-JP" altLang="en-US" dirty="0"/>
           </a:p>
         </p:txBody>
       </p:sp>
@@ -5506,6 +5782,13 @@
   <p:clrMapOvr>
     <a:masterClrMapping/>
   </p:clrMapOvr>
+  <p:timing>
+    <p:tnLst>
+      <p:par>
+        <p:cTn id="1" dur="indefinite" restart="never" nodeType="tmRoot"/>
+      </p:par>
+    </p:tnLst>
+  </p:timing>
 </p:sld>
 </file>
 
@@ -5541,100 +5824,117 @@
           <a:bodyPr/>
           <a:lstStyle/>
           <a:p>
-            <a:r>
-              <a:rPr kumimoji="1" lang="ja-JP" altLang="en-US" dirty="0" smtClean="0"/>
-              <a:t>忍びの退治</a:t>
-            </a:r>
-            <a:endParaRPr kumimoji="1" lang="ja-JP" altLang="en-US" dirty="0"/>
-          </a:p>
-        </p:txBody>
-      </p:sp>
-      <p:sp>
-        <p:nvSpPr>
-          <p:cNvPr id="3" name="テキスト プレースホルダー 2"/>
-          <p:cNvSpPr>
-            <a:spLocks noGrp="1"/>
-          </p:cNvSpPr>
-          <p:nvPr>
-            <p:ph type="body" idx="1"/>
-          </p:nvPr>
-        </p:nvSpPr>
-        <p:spPr/>
-        <p:txBody>
-          <a:bodyPr/>
-          <a:lstStyle/>
-          <a:p>
             <a:endParaRPr kumimoji="1" lang="ja-JP" altLang="en-US"/>
           </a:p>
         </p:txBody>
       </p:sp>
-      <p:sp>
-        <p:nvSpPr>
-          <p:cNvPr id="4" name="コンテンツ プレースホルダー 3"/>
-          <p:cNvSpPr>
-            <a:spLocks noGrp="1"/>
-          </p:cNvSpPr>
-          <p:nvPr>
-            <p:ph sz="half" idx="2"/>
-          </p:nvPr>
-        </p:nvSpPr>
-        <p:spPr/>
-        <p:txBody>
-          <a:bodyPr/>
-          <a:lstStyle/>
-          <a:p>
-            <a:endParaRPr kumimoji="1" lang="ja-JP" altLang="en-US"/>
-          </a:p>
-        </p:txBody>
-      </p:sp>
-      <p:sp>
-        <p:nvSpPr>
-          <p:cNvPr id="5" name="テキスト プレースホルダー 4"/>
-          <p:cNvSpPr>
-            <a:spLocks noGrp="1"/>
-          </p:cNvSpPr>
-          <p:nvPr>
-            <p:ph type="body" sz="quarter" idx="3"/>
-          </p:nvPr>
-        </p:nvSpPr>
-        <p:spPr/>
-        <p:txBody>
-          <a:bodyPr/>
-          <a:lstStyle/>
-          <a:p>
-            <a:endParaRPr kumimoji="1" lang="ja-JP" altLang="en-US"/>
-          </a:p>
-        </p:txBody>
-      </p:sp>
-      <p:sp>
-        <p:nvSpPr>
-          <p:cNvPr id="6" name="コンテンツ プレースホルダー 5"/>
-          <p:cNvSpPr>
-            <a:spLocks noGrp="1"/>
-          </p:cNvSpPr>
-          <p:nvPr>
-            <p:ph sz="quarter" idx="4"/>
-          </p:nvPr>
-        </p:nvSpPr>
-        <p:spPr/>
-        <p:txBody>
-          <a:bodyPr/>
-          <a:lstStyle/>
-          <a:p>
-            <a:endParaRPr kumimoji="1" lang="ja-JP" altLang="en-US"/>
-          </a:p>
-        </p:txBody>
-      </p:sp>
+      <p:pic>
+        <p:nvPicPr>
+          <p:cNvPr id="4" name="図 3"/>
+          <p:cNvPicPr>
+            <a:picLocks noChangeAspect="1"/>
+          </p:cNvPicPr>
+          <p:nvPr/>
+        </p:nvPicPr>
+        <p:blipFill>
+          <a:blip r:embed="rId2" cstate="print">
+            <a:extLst>
+              <a:ext uri="{28A0092B-C50C-407E-A947-70E740481C1C}">
+                <a14:useLocalDpi xmlns:a14="http://schemas.microsoft.com/office/drawing/2010/main" val="0"/>
+              </a:ext>
+            </a:extLst>
+          </a:blip>
+          <a:stretch>
+            <a:fillRect/>
+          </a:stretch>
+        </p:blipFill>
+        <p:spPr>
+          <a:xfrm flipH="1">
+            <a:off x="8023412" y="898743"/>
+            <a:ext cx="1828804" cy="3121158"/>
+          </a:xfrm>
+          <a:prstGeom prst="rect">
+            <a:avLst/>
+          </a:prstGeom>
+        </p:spPr>
+      </p:pic>
+      <p:pic>
+        <p:nvPicPr>
+          <p:cNvPr id="6" name="図 5"/>
+          <p:cNvPicPr>
+            <a:picLocks noChangeAspect="1"/>
+          </p:cNvPicPr>
+          <p:nvPr/>
+        </p:nvPicPr>
+        <p:blipFill>
+          <a:blip r:embed="rId3" cstate="print">
+            <a:extLst>
+              <a:ext uri="{28A0092B-C50C-407E-A947-70E740481C1C}">
+                <a14:useLocalDpi xmlns:a14="http://schemas.microsoft.com/office/drawing/2010/main" val="0"/>
+              </a:ext>
+            </a:extLst>
+          </a:blip>
+          <a:stretch>
+            <a:fillRect/>
+          </a:stretch>
+        </p:blipFill>
+        <p:spPr>
+          <a:xfrm>
+            <a:off x="4660563" y="2459322"/>
+            <a:ext cx="2000213" cy="3413697"/>
+          </a:xfrm>
+          <a:prstGeom prst="rect">
+            <a:avLst/>
+          </a:prstGeom>
+        </p:spPr>
+      </p:pic>
+      <p:pic>
+        <p:nvPicPr>
+          <p:cNvPr id="8" name="図 7"/>
+          <p:cNvPicPr>
+            <a:picLocks noChangeAspect="1"/>
+          </p:cNvPicPr>
+          <p:nvPr/>
+        </p:nvPicPr>
+        <p:blipFill>
+          <a:blip r:embed="rId4">
+            <a:extLst>
+              <a:ext uri="{28A0092B-C50C-407E-A947-70E740481C1C}">
+                <a14:useLocalDpi xmlns:a14="http://schemas.microsoft.com/office/drawing/2010/main" val="0"/>
+              </a:ext>
+            </a:extLst>
+          </a:blip>
+          <a:stretch>
+            <a:fillRect/>
+          </a:stretch>
+        </p:blipFill>
+        <p:spPr>
+          <a:xfrm>
+            <a:off x="1268225" y="2327846"/>
+            <a:ext cx="1838325" cy="1838325"/>
+          </a:xfrm>
+          <a:prstGeom prst="rect">
+            <a:avLst/>
+          </a:prstGeom>
+        </p:spPr>
+      </p:pic>
     </p:spTree>
     <p:extLst>
       <p:ext uri="{BB962C8B-B14F-4D97-AF65-F5344CB8AC3E}">
-        <p14:creationId xmlns:p14="http://schemas.microsoft.com/office/powerpoint/2010/main" val="1664855649"/>
+        <p14:creationId xmlns:p14="http://schemas.microsoft.com/office/powerpoint/2010/main" val="1340233462"/>
       </p:ext>
     </p:extLst>
   </p:cSld>
   <p:clrMapOvr>
     <a:masterClrMapping/>
   </p:clrMapOvr>
+  <p:timing>
+    <p:tnLst>
+      <p:par>
+        <p:cTn id="1" dur="indefinite" restart="never" nodeType="tmRoot"/>
+      </p:par>
+    </p:tnLst>
+  </p:timing>
 </p:sld>
 </file>
 
@@ -5672,7 +5972,7 @@
           <a:p>
             <a:r>
               <a:rPr kumimoji="1" lang="ja-JP" altLang="en-US" dirty="0" smtClean="0"/>
-              <a:t>他</a:t>
+              <a:t>忍びの退治</a:t>
             </a:r>
             <a:endParaRPr kumimoji="1" lang="ja-JP" altLang="en-US" dirty="0"/>
           </a:p>
@@ -5757,13 +6057,20 @@
     </p:spTree>
     <p:extLst>
       <p:ext uri="{BB962C8B-B14F-4D97-AF65-F5344CB8AC3E}">
-        <p14:creationId xmlns:p14="http://schemas.microsoft.com/office/powerpoint/2010/main" val="1282148534"/>
+        <p14:creationId xmlns:p14="http://schemas.microsoft.com/office/powerpoint/2010/main" val="1664855649"/>
       </p:ext>
     </p:extLst>
   </p:cSld>
   <p:clrMapOvr>
     <a:masterClrMapping/>
   </p:clrMapOvr>
+  <p:timing>
+    <p:tnLst>
+      <p:par>
+        <p:cTn id="1" dur="indefinite" restart="never" nodeType="tmRoot"/>
+      </p:par>
+    </p:tnLst>
+  </p:timing>
 </p:sld>
 </file>
 

--- a/侍寿司屋_企画仕様書.pptx
+++ b/侍寿司屋_企画仕様書.pptx
@@ -4541,6 +4541,13 @@
   <p:clrMapOvr>
     <a:masterClrMapping/>
   </p:clrMapOvr>
+  <p:timing>
+    <p:tnLst>
+      <p:par>
+        <p:cTn id="1" dur="indefinite" restart="never" nodeType="tmRoot"/>
+      </p:par>
+    </p:tnLst>
+  </p:timing>
 </p:sld>
 </file>
 
@@ -4670,6 +4677,13 @@
   <p:clrMapOvr>
     <a:masterClrMapping/>
   </p:clrMapOvr>
+  <p:timing>
+    <p:tnLst>
+      <p:par>
+        <p:cTn id="1" dur="indefinite" restart="never" nodeType="tmRoot"/>
+      </p:par>
+    </p:tnLst>
+  </p:timing>
 </p:sld>
 </file>
 
@@ -5228,6 +5242,136 @@
           </a:p>
         </p:txBody>
       </p:sp>
+      <p:pic>
+        <p:nvPicPr>
+          <p:cNvPr id="8" name="図 7"/>
+          <p:cNvPicPr>
+            <a:picLocks noChangeAspect="1"/>
+          </p:cNvPicPr>
+          <p:nvPr/>
+        </p:nvPicPr>
+        <p:blipFill>
+          <a:blip r:embed="rId8" cstate="print">
+            <a:extLst>
+              <a:ext uri="{28A0092B-C50C-407E-A947-70E740481C1C}">
+                <a14:useLocalDpi xmlns:a14="http://schemas.microsoft.com/office/drawing/2010/main" val="0"/>
+              </a:ext>
+            </a:extLst>
+          </a:blip>
+          <a:stretch>
+            <a:fillRect/>
+          </a:stretch>
+        </p:blipFill>
+        <p:spPr>
+          <a:xfrm rot="19659741" flipH="1">
+            <a:off x="8533260" y="1276953"/>
+            <a:ext cx="1249483" cy="1454467"/>
+          </a:xfrm>
+          <a:prstGeom prst="rect">
+            <a:avLst/>
+          </a:prstGeom>
+        </p:spPr>
+      </p:pic>
+      <p:pic>
+        <p:nvPicPr>
+          <p:cNvPr id="13" name="図 12"/>
+          <p:cNvPicPr>
+            <a:picLocks noChangeAspect="1"/>
+          </p:cNvPicPr>
+          <p:nvPr/>
+        </p:nvPicPr>
+        <p:blipFill>
+          <a:blip r:embed="rId9" cstate="print">
+            <a:extLst>
+              <a:ext uri="{28A0092B-C50C-407E-A947-70E740481C1C}">
+                <a14:useLocalDpi xmlns:a14="http://schemas.microsoft.com/office/drawing/2010/main" val="0"/>
+              </a:ext>
+            </a:extLst>
+          </a:blip>
+          <a:stretch>
+            <a:fillRect/>
+          </a:stretch>
+        </p:blipFill>
+        <p:spPr>
+          <a:xfrm>
+            <a:off x="9501941" y="1128274"/>
+            <a:ext cx="428538" cy="665283"/>
+          </a:xfrm>
+          <a:prstGeom prst="rect">
+            <a:avLst/>
+          </a:prstGeom>
+        </p:spPr>
+      </p:pic>
+      <p:cxnSp>
+        <p:nvCxnSpPr>
+          <p:cNvPr id="18" name="直線コネクタ 17"/>
+          <p:cNvCxnSpPr/>
+          <p:nvPr/>
+        </p:nvCxnSpPr>
+        <p:spPr>
+          <a:xfrm>
+            <a:off x="3931920" y="3513188"/>
+            <a:ext cx="2410261" cy="207184"/>
+          </a:xfrm>
+          <a:prstGeom prst="line">
+            <a:avLst/>
+          </a:prstGeom>
+          <a:ln w="57150">
+            <a:solidFill>
+              <a:srgbClr val="FF0000"/>
+            </a:solidFill>
+          </a:ln>
+        </p:spPr>
+        <p:style>
+          <a:lnRef idx="1">
+            <a:schemeClr val="accent1"/>
+          </a:lnRef>
+          <a:fillRef idx="0">
+            <a:schemeClr val="accent1"/>
+          </a:fillRef>
+          <a:effectRef idx="0">
+            <a:schemeClr val="accent1"/>
+          </a:effectRef>
+          <a:fontRef idx="minor">
+            <a:schemeClr val="tx1"/>
+          </a:fontRef>
+        </p:style>
+      </p:cxnSp>
+      <p:cxnSp>
+        <p:nvCxnSpPr>
+          <p:cNvPr id="22" name="直線コネクタ 21"/>
+          <p:cNvCxnSpPr/>
+          <p:nvPr/>
+        </p:nvCxnSpPr>
+        <p:spPr>
+          <a:xfrm flipH="1">
+            <a:off x="7397496" y="3044952"/>
+            <a:ext cx="1801368" cy="1150320"/>
+          </a:xfrm>
+          <a:prstGeom prst="line">
+            <a:avLst/>
+          </a:prstGeom>
+          <a:ln w="57150">
+            <a:solidFill>
+              <a:srgbClr val="FF0000"/>
+            </a:solidFill>
+          </a:ln>
+        </p:spPr>
+        <p:style>
+          <a:lnRef idx="1">
+            <a:schemeClr val="accent1"/>
+          </a:lnRef>
+          <a:fillRef idx="0">
+            <a:schemeClr val="accent1"/>
+          </a:fillRef>
+          <a:effectRef idx="0">
+            <a:schemeClr val="accent1"/>
+          </a:effectRef>
+          <a:fontRef idx="minor">
+            <a:schemeClr val="tx1"/>
+          </a:fontRef>
+        </p:style>
+      </p:cxnSp>
     </p:spTree>
     <p:extLst>
       <p:ext uri="{BB962C8B-B14F-4D97-AF65-F5344CB8AC3E}">
@@ -5288,40 +5432,320 @@
           </a:p>
         </p:txBody>
       </p:sp>
-      <p:sp>
-        <p:nvSpPr>
-          <p:cNvPr id="3" name="コンテンツ プレースホルダー 2"/>
-          <p:cNvSpPr>
-            <a:spLocks noGrp="1"/>
-          </p:cNvSpPr>
+      <p:pic>
+        <p:nvPicPr>
+          <p:cNvPr id="5" name="コンテンツ プレースホルダー 4"/>
+          <p:cNvPicPr>
+            <a:picLocks noGrp="1" noChangeAspect="1"/>
+          </p:cNvPicPr>
           <p:nvPr>
             <p:ph sz="half" idx="1"/>
           </p:nvPr>
-        </p:nvSpPr>
-        <p:spPr/>
-        <p:txBody>
-          <a:bodyPr/>
-          <a:lstStyle/>
-          <a:p>
-            <a:endParaRPr kumimoji="1" lang="ja-JP" altLang="en-US" dirty="0"/>
-          </a:p>
-        </p:txBody>
-      </p:sp>
-      <p:sp>
-        <p:nvSpPr>
-          <p:cNvPr id="4" name="コンテンツ プレースホルダー 3"/>
-          <p:cNvSpPr>
-            <a:spLocks noGrp="1"/>
-          </p:cNvSpPr>
+        </p:nvPicPr>
+        <p:blipFill>
+          <a:blip r:embed="rId2" cstate="print">
+            <a:extLst>
+              <a:ext uri="{28A0092B-C50C-407E-A947-70E740481C1C}">
+                <a14:useLocalDpi xmlns:a14="http://schemas.microsoft.com/office/drawing/2010/main" val="0"/>
+              </a:ext>
+            </a:extLst>
+          </a:blip>
+          <a:stretch>
+            <a:fillRect/>
+          </a:stretch>
+        </p:blipFill>
+        <p:spPr>
+          <a:xfrm>
+            <a:off x="2051271" y="2963860"/>
+            <a:ext cx="1219202" cy="1219202"/>
+          </a:xfrm>
+        </p:spPr>
+      </p:pic>
+      <p:pic>
+        <p:nvPicPr>
+          <p:cNvPr id="6" name="コンテンツ プレースホルダー 5"/>
+          <p:cNvPicPr>
+            <a:picLocks noGrp="1" noChangeAspect="1"/>
+          </p:cNvPicPr>
           <p:nvPr>
             <p:ph sz="half" idx="2"/>
           </p:nvPr>
-        </p:nvSpPr>
-        <p:spPr/>
-        <p:txBody>
-          <a:bodyPr/>
-          <a:lstStyle/>
-          <a:p>
+        </p:nvPicPr>
+        <p:blipFill>
+          <a:blip r:embed="rId3" cstate="print">
+            <a:extLst>
+              <a:ext uri="{28A0092B-C50C-407E-A947-70E740481C1C}">
+                <a14:useLocalDpi xmlns:a14="http://schemas.microsoft.com/office/drawing/2010/main" val="0"/>
+              </a:ext>
+            </a:extLst>
+          </a:blip>
+          <a:stretch>
+            <a:fillRect/>
+          </a:stretch>
+        </p:blipFill>
+        <p:spPr>
+          <a:xfrm>
+            <a:off x="8214264" y="2963860"/>
+            <a:ext cx="1219202" cy="1219202"/>
+          </a:xfrm>
+        </p:spPr>
+      </p:pic>
+      <p:pic>
+        <p:nvPicPr>
+          <p:cNvPr id="7" name="図 6"/>
+          <p:cNvPicPr>
+            <a:picLocks noChangeAspect="1"/>
+          </p:cNvPicPr>
+          <p:nvPr/>
+        </p:nvPicPr>
+        <p:blipFill>
+          <a:blip r:embed="rId4" cstate="print">
+            <a:extLst>
+              <a:ext uri="{28A0092B-C50C-407E-A947-70E740481C1C}">
+                <a14:useLocalDpi xmlns:a14="http://schemas.microsoft.com/office/drawing/2010/main" val="0"/>
+              </a:ext>
+            </a:extLst>
+          </a:blip>
+          <a:stretch>
+            <a:fillRect/>
+          </a:stretch>
+        </p:blipFill>
+        <p:spPr>
+          <a:xfrm>
+            <a:off x="5132767" y="2963860"/>
+            <a:ext cx="1219202" cy="1219202"/>
+          </a:xfrm>
+          <a:prstGeom prst="rect">
+            <a:avLst/>
+          </a:prstGeom>
+        </p:spPr>
+      </p:pic>
+      <p:sp>
+        <p:nvSpPr>
+          <p:cNvPr id="8" name="楕円 7"/>
+          <p:cNvSpPr/>
+          <p:nvPr/>
+        </p:nvSpPr>
+        <p:spPr>
+          <a:xfrm rot="2571641">
+            <a:off x="8551558" y="3151414"/>
+            <a:ext cx="925592" cy="455788"/>
+          </a:xfrm>
+          <a:prstGeom prst="ellipse">
+            <a:avLst/>
+          </a:prstGeom>
+          <a:noFill/>
+          <a:ln w="38100">
+            <a:solidFill>
+              <a:schemeClr val="accent2"/>
+            </a:solidFill>
+          </a:ln>
+        </p:spPr>
+        <p:style>
+          <a:lnRef idx="2">
+            <a:schemeClr val="accent1">
+              <a:shade val="50000"/>
+            </a:schemeClr>
+          </a:lnRef>
+          <a:fillRef idx="1">
+            <a:schemeClr val="accent1"/>
+          </a:fillRef>
+          <a:effectRef idx="0">
+            <a:schemeClr val="accent1"/>
+          </a:effectRef>
+          <a:fontRef idx="minor">
+            <a:schemeClr val="lt1"/>
+          </a:fontRef>
+        </p:style>
+        <p:txBody>
+          <a:bodyPr rtlCol="0" anchor="ctr"/>
+          <a:lstStyle/>
+          <a:p>
+            <a:pPr algn="ctr"/>
+            <a:endParaRPr kumimoji="1" lang="ja-JP" altLang="en-US"/>
+          </a:p>
+        </p:txBody>
+      </p:sp>
+      <p:sp>
+        <p:nvSpPr>
+          <p:cNvPr id="9" name="楕円 8"/>
+          <p:cNvSpPr/>
+          <p:nvPr/>
+        </p:nvSpPr>
+        <p:spPr>
+          <a:xfrm>
+            <a:off x="5660136" y="2963860"/>
+            <a:ext cx="585216" cy="629732"/>
+          </a:xfrm>
+          <a:prstGeom prst="ellipse">
+            <a:avLst/>
+          </a:prstGeom>
+          <a:noFill/>
+          <a:ln w="38100">
+            <a:solidFill>
+              <a:schemeClr val="accent2"/>
+            </a:solidFill>
+          </a:ln>
+        </p:spPr>
+        <p:style>
+          <a:lnRef idx="2">
+            <a:schemeClr val="accent1">
+              <a:shade val="50000"/>
+            </a:schemeClr>
+          </a:lnRef>
+          <a:fillRef idx="1">
+            <a:schemeClr val="accent1"/>
+          </a:fillRef>
+          <a:effectRef idx="0">
+            <a:schemeClr val="accent1"/>
+          </a:effectRef>
+          <a:fontRef idx="minor">
+            <a:schemeClr val="lt1"/>
+          </a:fontRef>
+        </p:style>
+        <p:txBody>
+          <a:bodyPr rtlCol="0" anchor="ctr"/>
+          <a:lstStyle/>
+          <a:p>
+            <a:pPr algn="ctr"/>
+            <a:endParaRPr kumimoji="1" lang="ja-JP" altLang="en-US"/>
+          </a:p>
+        </p:txBody>
+      </p:sp>
+      <p:sp>
+        <p:nvSpPr>
+          <p:cNvPr id="11" name="正方形/長方形 10"/>
+          <p:cNvSpPr/>
+          <p:nvPr/>
+        </p:nvSpPr>
+        <p:spPr>
+          <a:xfrm>
+            <a:off x="2051271" y="3060474"/>
+            <a:ext cx="1121633" cy="218252"/>
+          </a:xfrm>
+          <a:prstGeom prst="rect">
+            <a:avLst/>
+          </a:prstGeom>
+          <a:noFill/>
+          <a:ln w="38100">
+            <a:solidFill>
+              <a:schemeClr val="accent2"/>
+            </a:solidFill>
+          </a:ln>
+        </p:spPr>
+        <p:style>
+          <a:lnRef idx="2">
+            <a:schemeClr val="accent1">
+              <a:shade val="50000"/>
+            </a:schemeClr>
+          </a:lnRef>
+          <a:fillRef idx="1">
+            <a:schemeClr val="accent1"/>
+          </a:fillRef>
+          <a:effectRef idx="0">
+            <a:schemeClr val="accent1"/>
+          </a:effectRef>
+          <a:fontRef idx="minor">
+            <a:schemeClr val="lt1"/>
+          </a:fontRef>
+        </p:style>
+        <p:txBody>
+          <a:bodyPr rtlCol="0" anchor="ctr"/>
+          <a:lstStyle/>
+          <a:p>
+            <a:pPr algn="ctr"/>
+            <a:endParaRPr kumimoji="1" lang="ja-JP" altLang="en-US"/>
+          </a:p>
+        </p:txBody>
+      </p:sp>
+      <p:sp>
+        <p:nvSpPr>
+          <p:cNvPr id="12" name="正方形/長方形 11"/>
+          <p:cNvSpPr/>
+          <p:nvPr/>
+        </p:nvSpPr>
+        <p:spPr>
+          <a:xfrm>
+            <a:off x="2051271" y="3903193"/>
+            <a:ext cx="1121633" cy="218252"/>
+          </a:xfrm>
+          <a:prstGeom prst="rect">
+            <a:avLst/>
+          </a:prstGeom>
+          <a:noFill/>
+          <a:ln w="38100">
+            <a:solidFill>
+              <a:schemeClr val="accent2"/>
+            </a:solidFill>
+          </a:ln>
+        </p:spPr>
+        <p:style>
+          <a:lnRef idx="2">
+            <a:schemeClr val="accent1">
+              <a:shade val="50000"/>
+            </a:schemeClr>
+          </a:lnRef>
+          <a:fillRef idx="1">
+            <a:schemeClr val="accent1"/>
+          </a:fillRef>
+          <a:effectRef idx="0">
+            <a:schemeClr val="accent1"/>
+          </a:effectRef>
+          <a:fontRef idx="minor">
+            <a:schemeClr val="lt1"/>
+          </a:fontRef>
+        </p:style>
+        <p:txBody>
+          <a:bodyPr rtlCol="0" anchor="ctr"/>
+          <a:lstStyle/>
+          <a:p>
+            <a:pPr algn="ctr"/>
+            <a:endParaRPr kumimoji="1" lang="ja-JP" altLang="en-US"/>
+          </a:p>
+        </p:txBody>
+      </p:sp>
+      <p:sp>
+        <p:nvSpPr>
+          <p:cNvPr id="13" name="楕円 12"/>
+          <p:cNvSpPr/>
+          <p:nvPr/>
+        </p:nvSpPr>
+        <p:spPr>
+          <a:xfrm>
+            <a:off x="5145998" y="3694176"/>
+            <a:ext cx="1099354" cy="488886"/>
+          </a:xfrm>
+          <a:prstGeom prst="ellipse">
+            <a:avLst/>
+          </a:prstGeom>
+          <a:noFill/>
+          <a:ln w="38100">
+            <a:solidFill>
+              <a:schemeClr val="accent2"/>
+            </a:solidFill>
+          </a:ln>
+        </p:spPr>
+        <p:style>
+          <a:lnRef idx="2">
+            <a:schemeClr val="accent1">
+              <a:shade val="50000"/>
+            </a:schemeClr>
+          </a:lnRef>
+          <a:fillRef idx="1">
+            <a:schemeClr val="accent1"/>
+          </a:fillRef>
+          <a:effectRef idx="0">
+            <a:schemeClr val="accent1"/>
+          </a:effectRef>
+          <a:fontRef idx="minor">
+            <a:schemeClr val="lt1"/>
+          </a:fontRef>
+        </p:style>
+        <p:txBody>
+          <a:bodyPr rtlCol="0" anchor="ctr"/>
+          <a:lstStyle/>
+          <a:p>
+            <a:pPr algn="ctr"/>
             <a:endParaRPr kumimoji="1" lang="ja-JP" altLang="en-US"/>
           </a:p>
         </p:txBody>
@@ -5824,7 +6248,7 @@
           <a:bodyPr/>
           <a:lstStyle/>
           <a:p>
-            <a:endParaRPr kumimoji="1" lang="ja-JP" altLang="en-US"/>
+            <a:endParaRPr kumimoji="1" lang="ja-JP" altLang="en-US" dirty="0"/>
           </a:p>
         </p:txBody>
       </p:sp>
@@ -5836,7 +6260,7 @@
           </p:cNvPicPr>
           <p:nvPr/>
         </p:nvPicPr>
-        <p:blipFill>
+        <p:blipFill rotWithShape="1">
           <a:blip r:embed="rId2" cstate="print">
             <a:extLst>
               <a:ext uri="{28A0092B-C50C-407E-A947-70E740481C1C}">
@@ -5844,14 +6268,13 @@
               </a:ext>
             </a:extLst>
           </a:blip>
-          <a:stretch>
-            <a:fillRect/>
-          </a:stretch>
+          <a:srcRect t="1" b="63020"/>
+          <a:stretch/>
         </p:blipFill>
         <p:spPr>
           <a:xfrm flipH="1">
             <a:off x="8023412" y="898743"/>
-            <a:ext cx="1828804" cy="3121158"/>
+            <a:ext cx="1828804" cy="1154175"/>
           </a:xfrm>
           <a:prstGeom prst="rect">
             <a:avLst/>
@@ -5866,7 +6289,7 @@
           </p:cNvPicPr>
           <p:nvPr/>
         </p:nvPicPr>
-        <p:blipFill>
+        <p:blipFill rotWithShape="1">
           <a:blip r:embed="rId3" cstate="print">
             <a:extLst>
               <a:ext uri="{28A0092B-C50C-407E-A947-70E740481C1C}">
@@ -5874,14 +6297,13 @@
               </a:ext>
             </a:extLst>
           </a:blip>
-          <a:stretch>
-            <a:fillRect/>
-          </a:stretch>
+          <a:srcRect b="55903"/>
+          <a:stretch/>
         </p:blipFill>
         <p:spPr>
           <a:xfrm>
-            <a:off x="4660563" y="2459322"/>
-            <a:ext cx="2000213" cy="3413697"/>
+            <a:off x="4747167" y="2376383"/>
+            <a:ext cx="2000213" cy="1505336"/>
           </a:xfrm>
           <a:prstGeom prst="rect">
             <a:avLst/>
@@ -5896,8 +6318,37 @@
           </p:cNvPicPr>
           <p:nvPr/>
         </p:nvPicPr>
+        <p:blipFill rotWithShape="1">
+          <a:blip r:embed="rId4">
+            <a:extLst>
+              <a:ext uri="{28A0092B-C50C-407E-A947-70E740481C1C}">
+                <a14:useLocalDpi xmlns:a14="http://schemas.microsoft.com/office/drawing/2010/main" val="0"/>
+              </a:ext>
+            </a:extLst>
+          </a:blip>
+          <a:srcRect b="57900"/>
+          <a:stretch/>
+        </p:blipFill>
+        <p:spPr>
+          <a:xfrm>
+            <a:off x="1268225" y="2327846"/>
+            <a:ext cx="1838325" cy="773942"/>
+          </a:xfrm>
+          <a:prstGeom prst="rect">
+            <a:avLst/>
+          </a:prstGeom>
+        </p:spPr>
+      </p:pic>
+      <p:pic>
+        <p:nvPicPr>
+          <p:cNvPr id="7" name="図 6"/>
+          <p:cNvPicPr>
+            <a:picLocks noChangeAspect="1"/>
+          </p:cNvPicPr>
+          <p:nvPr/>
+        </p:nvPicPr>
         <p:blipFill>
-          <a:blip r:embed="rId4">
+          <a:blip r:embed="rId5" cstate="print">
             <a:extLst>
               <a:ext uri="{28A0092B-C50C-407E-A947-70E740481C1C}">
                 <a14:useLocalDpi xmlns:a14="http://schemas.microsoft.com/office/drawing/2010/main" val="0"/>
@@ -5909,9 +6360,96 @@
           </a:stretch>
         </p:blipFill>
         <p:spPr>
+          <a:xfrm rot="18416016" flipH="1">
+            <a:off x="-2171242" y="4238419"/>
+            <a:ext cx="3307087" cy="3849632"/>
+          </a:xfrm>
+          <a:prstGeom prst="rect">
+            <a:avLst/>
+          </a:prstGeom>
+        </p:spPr>
+      </p:pic>
+      <p:pic>
+        <p:nvPicPr>
+          <p:cNvPr id="9" name="図 8"/>
+          <p:cNvPicPr>
+            <a:picLocks noChangeAspect="1"/>
+          </p:cNvPicPr>
+          <p:nvPr/>
+        </p:nvPicPr>
+        <p:blipFill rotWithShape="1">
+          <a:blip r:embed="rId4">
+            <a:extLst>
+              <a:ext uri="{28A0092B-C50C-407E-A947-70E740481C1C}">
+                <a14:useLocalDpi xmlns:a14="http://schemas.microsoft.com/office/drawing/2010/main" val="0"/>
+              </a:ext>
+            </a:extLst>
+          </a:blip>
+          <a:srcRect t="42100"/>
+          <a:stretch/>
+        </p:blipFill>
+        <p:spPr>
           <a:xfrm>
-            <a:off x="1268225" y="2327846"/>
-            <a:ext cx="1838325" cy="1838325"/>
+            <a:off x="1268225" y="3101788"/>
+            <a:ext cx="1838325" cy="1064382"/>
+          </a:xfrm>
+          <a:prstGeom prst="rect">
+            <a:avLst/>
+          </a:prstGeom>
+        </p:spPr>
+      </p:pic>
+      <p:pic>
+        <p:nvPicPr>
+          <p:cNvPr id="10" name="図 9"/>
+          <p:cNvPicPr>
+            <a:picLocks noChangeAspect="1"/>
+          </p:cNvPicPr>
+          <p:nvPr/>
+        </p:nvPicPr>
+        <p:blipFill rotWithShape="1">
+          <a:blip r:embed="rId3" cstate="print">
+            <a:extLst>
+              <a:ext uri="{28A0092B-C50C-407E-A947-70E740481C1C}">
+                <a14:useLocalDpi xmlns:a14="http://schemas.microsoft.com/office/drawing/2010/main" val="0"/>
+              </a:ext>
+            </a:extLst>
+          </a:blip>
+          <a:srcRect t="44097"/>
+          <a:stretch/>
+        </p:blipFill>
+        <p:spPr>
+          <a:xfrm>
+            <a:off x="4759359" y="3881718"/>
+            <a:ext cx="2000213" cy="1908361"/>
+          </a:xfrm>
+          <a:prstGeom prst="rect">
+            <a:avLst/>
+          </a:prstGeom>
+        </p:spPr>
+      </p:pic>
+      <p:pic>
+        <p:nvPicPr>
+          <p:cNvPr id="11" name="図 10"/>
+          <p:cNvPicPr>
+            <a:picLocks noChangeAspect="1"/>
+          </p:cNvPicPr>
+          <p:nvPr/>
+        </p:nvPicPr>
+        <p:blipFill rotWithShape="1">
+          <a:blip r:embed="rId2" cstate="print">
+            <a:extLst>
+              <a:ext uri="{28A0092B-C50C-407E-A947-70E740481C1C}">
+                <a14:useLocalDpi xmlns:a14="http://schemas.microsoft.com/office/drawing/2010/main" val="0"/>
+              </a:ext>
+            </a:extLst>
+          </a:blip>
+          <a:srcRect t="36692"/>
+          <a:stretch/>
+        </p:blipFill>
+        <p:spPr>
+          <a:xfrm flipH="1">
+            <a:off x="8023412" y="2043953"/>
+            <a:ext cx="1828804" cy="1975948"/>
           </a:xfrm>
           <a:prstGeom prst="rect">
             <a:avLst/>
@@ -5931,7 +6469,202 @@
   <p:timing>
     <p:tnLst>
       <p:par>
-        <p:cTn id="1" dur="indefinite" restart="never" nodeType="tmRoot"/>
+        <p:cTn id="1" dur="indefinite" restart="never" nodeType="tmRoot">
+          <p:childTnLst>
+            <p:seq concurrent="1" nextAc="seek">
+              <p:cTn id="2" dur="indefinite" nodeType="mainSeq">
+                <p:childTnLst>
+                  <p:par>
+                    <p:cTn id="3" fill="hold">
+                      <p:stCondLst>
+                        <p:cond delay="indefinite"/>
+                      </p:stCondLst>
+                      <p:childTnLst>
+                        <p:par>
+                          <p:cTn id="4" fill="hold">
+                            <p:stCondLst>
+                              <p:cond delay="0"/>
+                            </p:stCondLst>
+                            <p:childTnLst>
+                              <p:par>
+                                <p:cTn id="5" presetID="42" presetClass="path" presetSubtype="0" accel="50000" decel="50000" fill="hold" nodeType="clickEffect">
+                                  <p:stCondLst>
+                                    <p:cond delay="0"/>
+                                  </p:stCondLst>
+                                  <p:childTnLst>
+                                    <p:animMotion origin="layout" path="M -2.08333E-6 -1.11111E-6 L 0.91159 -0.3125 " pathEditMode="relative" rAng="0" ptsTypes="AA">
+                                      <p:cBhvr>
+                                        <p:cTn id="6" dur="1000" fill="hold"/>
+                                        <p:tgtEl>
+                                          <p:spTgt spid="7"/>
+                                        </p:tgtEl>
+                                        <p:attrNameLst>
+                                          <p:attrName>ppt_x</p:attrName>
+                                          <p:attrName>ppt_y</p:attrName>
+                                        </p:attrNameLst>
+                                      </p:cBhvr>
+                                      <p:rCtr x="45573" y="-15625"/>
+                                    </p:animMotion>
+                                  </p:childTnLst>
+                                </p:cTn>
+                              </p:par>
+                              <p:par>
+                                <p:cTn id="7" presetID="42" presetClass="path" presetSubtype="0" accel="50000" decel="50000" fill="hold" nodeType="withEffect">
+                                  <p:stCondLst>
+                                    <p:cond delay="400"/>
+                                  </p:stCondLst>
+                                  <p:childTnLst>
+                                    <p:animMotion origin="layout" path="M 2.91667E-6 -3.33333E-6 L 0.00807 -0.01666 " pathEditMode="relative" rAng="0" ptsTypes="AA">
+                                      <p:cBhvr>
+                                        <p:cTn id="8" dur="1000" fill="hold"/>
+                                        <p:tgtEl>
+                                          <p:spTgt spid="8"/>
+                                        </p:tgtEl>
+                                        <p:attrNameLst>
+                                          <p:attrName>ppt_x</p:attrName>
+                                          <p:attrName>ppt_y</p:attrName>
+                                        </p:attrNameLst>
+                                      </p:cBhvr>
+                                      <p:rCtr x="404" y="-833"/>
+                                    </p:animMotion>
+                                  </p:childTnLst>
+                                </p:cTn>
+                              </p:par>
+                              <p:par>
+                                <p:cTn id="9" presetID="42" presetClass="path" presetSubtype="0" accel="50000" decel="50000" fill="hold" nodeType="withEffect">
+                                  <p:stCondLst>
+                                    <p:cond delay="400"/>
+                                  </p:stCondLst>
+                                  <p:childTnLst>
+                                    <p:animMotion origin="layout" path="M 2.91667E-6 -1.11111E-6 L -4.16667E-6 -3.7037E-7 " pathEditMode="relative" rAng="0" ptsTypes="AA">
+                                      <p:cBhvr>
+                                        <p:cTn id="10" dur="1000" fill="hold"/>
+                                        <p:tgtEl>
+                                          <p:spTgt spid="9"/>
+                                        </p:tgtEl>
+                                        <p:attrNameLst>
+                                          <p:attrName>ppt_x</p:attrName>
+                                          <p:attrName>ppt_y</p:attrName>
+                                        </p:attrNameLst>
+                                      </p:cBhvr>
+                                      <p:rCtr x="-404" y="1088"/>
+                                    </p:animMotion>
+                                  </p:childTnLst>
+                                </p:cTn>
+                              </p:par>
+                              <p:par>
+                                <p:cTn id="11" presetID="42" presetClass="path" presetSubtype="0" accel="50000" decel="50000" fill="hold" nodeType="withEffect">
+                                  <p:stCondLst>
+                                    <p:cond delay="600"/>
+                                  </p:stCondLst>
+                                  <p:childTnLst>
+                                    <p:animMotion origin="layout" path="M -4.16667E-6 -5.55112E-17 L 0.00717 -0.00394 " pathEditMode="relative" rAng="0" ptsTypes="AA">
+                                      <p:cBhvr>
+                                        <p:cTn id="12" dur="1000" fill="hold"/>
+                                        <p:tgtEl>
+                                          <p:spTgt spid="6"/>
+                                        </p:tgtEl>
+                                        <p:attrNameLst>
+                                          <p:attrName>ppt_x</p:attrName>
+                                          <p:attrName>ppt_y</p:attrName>
+                                        </p:attrNameLst>
+                                      </p:cBhvr>
+                                      <p:rCtr x="352" y="-208"/>
+                                    </p:animMotion>
+                                  </p:childTnLst>
+                                </p:cTn>
+                              </p:par>
+                              <p:par>
+                                <p:cTn id="13" presetID="42" presetClass="path" presetSubtype="0" accel="50000" decel="50000" fill="hold" nodeType="withEffect">
+                                  <p:stCondLst>
+                                    <p:cond delay="600"/>
+                                  </p:stCondLst>
+                                  <p:childTnLst>
+                                    <p:animMotion origin="layout" path="M 4.16667E-6 -2.59259E-6 L -0.00521 0.00949 " pathEditMode="relative" rAng="0" ptsTypes="AA">
+                                      <p:cBhvr>
+                                        <p:cTn id="14" dur="1000" fill="hold"/>
+                                        <p:tgtEl>
+                                          <p:spTgt spid="10"/>
+                                        </p:tgtEl>
+                                        <p:attrNameLst>
+                                          <p:attrName>ppt_x</p:attrName>
+                                          <p:attrName>ppt_y</p:attrName>
+                                        </p:attrNameLst>
+                                      </p:cBhvr>
+                                      <p:rCtr x="-260" y="463"/>
+                                    </p:animMotion>
+                                  </p:childTnLst>
+                                </p:cTn>
+                              </p:par>
+                              <p:par>
+                                <p:cTn id="15" presetID="42" presetClass="path" presetSubtype="0" accel="50000" decel="50000" fill="hold" nodeType="withEffect">
+                                  <p:stCondLst>
+                                    <p:cond delay="800"/>
+                                  </p:stCondLst>
+                                  <p:childTnLst>
+                                    <p:animMotion origin="layout" path="M -2.91667E-6 3.7037E-6 L 0.00417 -0.01899 " pathEditMode="relative" rAng="0" ptsTypes="AA">
+                                      <p:cBhvr>
+                                        <p:cTn id="16" dur="1000" fill="hold"/>
+                                        <p:tgtEl>
+                                          <p:spTgt spid="4"/>
+                                        </p:tgtEl>
+                                        <p:attrNameLst>
+                                          <p:attrName>ppt_x</p:attrName>
+                                          <p:attrName>ppt_y</p:attrName>
+                                        </p:attrNameLst>
+                                      </p:cBhvr>
+                                      <p:rCtr x="208" y="-949"/>
+                                    </p:animMotion>
+                                  </p:childTnLst>
+                                </p:cTn>
+                              </p:par>
+                              <p:par>
+                                <p:cTn id="17" presetID="42" presetClass="path" presetSubtype="0" accel="50000" decel="50000" fill="hold" nodeType="withEffect">
+                                  <p:stCondLst>
+                                    <p:cond delay="800"/>
+                                  </p:stCondLst>
+                                  <p:childTnLst>
+                                    <p:animMotion origin="layout" path="M -2.91667E-6 3.7037E-7 L -0.00781 0.01018 " pathEditMode="relative" rAng="0" ptsTypes="AA">
+                                      <p:cBhvr>
+                                        <p:cTn id="18" dur="1000" fill="hold"/>
+                                        <p:tgtEl>
+                                          <p:spTgt spid="11"/>
+                                        </p:tgtEl>
+                                        <p:attrNameLst>
+                                          <p:attrName>ppt_x</p:attrName>
+                                          <p:attrName>ppt_y</p:attrName>
+                                        </p:attrNameLst>
+                                      </p:cBhvr>
+                                      <p:rCtr x="-391" y="509"/>
+                                    </p:animMotion>
+                                  </p:childTnLst>
+                                </p:cTn>
+                              </p:par>
+                            </p:childTnLst>
+                          </p:cTn>
+                        </p:par>
+                      </p:childTnLst>
+                    </p:cTn>
+                  </p:par>
+                </p:childTnLst>
+              </p:cTn>
+              <p:prevCondLst>
+                <p:cond evt="onPrev" delay="0">
+                  <p:tgtEl>
+                    <p:sldTgt/>
+                  </p:tgtEl>
+                </p:cond>
+              </p:prevCondLst>
+              <p:nextCondLst>
+                <p:cond evt="onNext" delay="0">
+                  <p:tgtEl>
+                    <p:sldTgt/>
+                  </p:tgtEl>
+                </p:cond>
+              </p:nextCondLst>
+            </p:seq>
+          </p:childTnLst>
+        </p:cTn>
       </p:par>
     </p:tnLst>
   </p:timing>

--- a/侍寿司屋_企画仕様書.pptx
+++ b/侍寿司屋_企画仕様書.pptx
@@ -6,15 +6,19 @@
   </p:sldMasterIdLst>
   <p:sldIdLst>
     <p:sldId id="256" r:id="rId2"/>
-    <p:sldId id="257" r:id="rId3"/>
-    <p:sldId id="264" r:id="rId4"/>
-    <p:sldId id="258" r:id="rId5"/>
-    <p:sldId id="259" r:id="rId6"/>
-    <p:sldId id="263" r:id="rId7"/>
-    <p:sldId id="260" r:id="rId8"/>
-    <p:sldId id="265" r:id="rId9"/>
-    <p:sldId id="262" r:id="rId10"/>
-    <p:sldId id="261" r:id="rId11"/>
+    <p:sldId id="269" r:id="rId3"/>
+    <p:sldId id="266" r:id="rId4"/>
+    <p:sldId id="257" r:id="rId5"/>
+    <p:sldId id="264" r:id="rId6"/>
+    <p:sldId id="268" r:id="rId7"/>
+    <p:sldId id="258" r:id="rId8"/>
+    <p:sldId id="259" r:id="rId9"/>
+    <p:sldId id="263" r:id="rId10"/>
+    <p:sldId id="267" r:id="rId11"/>
+    <p:sldId id="260" r:id="rId12"/>
+    <p:sldId id="265" r:id="rId13"/>
+    <p:sldId id="262" r:id="rId14"/>
+    <p:sldId id="261" r:id="rId15"/>
   </p:sldIdLst>
   <p:sldSz cx="12192000" cy="6858000"/>
   <p:notesSz cx="6858000" cy="9144000"/>
@@ -122,15 +126,20 @@
           </p14:sldIdLst>
         </p14:section>
         <p14:section name="コンセプト" id="{281BF7D4-4853-41FA-8C12-6CC2567FA04A}">
-          <p14:sldIdLst/>
+          <p14:sldIdLst>
+            <p14:sldId id="269"/>
+            <p14:sldId id="266"/>
+          </p14:sldIdLst>
         </p14:section>
         <p14:section name="遊び方" id="{68E84D0C-BC6B-4FDE-9824-44CF824DADF2}">
           <p14:sldIdLst>
             <p14:sldId id="257"/>
             <p14:sldId id="264"/>
+            <p14:sldId id="268"/>
             <p14:sldId id="258"/>
             <p14:sldId id="259"/>
             <p14:sldId id="263"/>
+            <p14:sldId id="267"/>
             <p14:sldId id="260"/>
             <p14:sldId id="265"/>
             <p14:sldId id="262"/>
@@ -549,7 +558,7 @@
           <a:p>
             <a:fld id="{EA09839B-FDFC-49F9-B956-C85EFC887E6D}" type="datetimeFigureOut">
               <a:rPr kumimoji="1" lang="ja-JP" altLang="en-US" smtClean="0"/>
-              <a:t>2018/3/15</a:t>
+              <a:t>2018/3/19</a:t>
             </a:fld>
             <a:endParaRPr kumimoji="1" lang="ja-JP" altLang="en-US"/>
           </a:p>
@@ -620,6 +629,412 @@
 </file>
 
 <file path=ppt/slideLayouts/slideLayout10.xml><?xml version="1.0" encoding="utf-8"?>
+<p:sldLayout xmlns:a="http://schemas.openxmlformats.org/drawingml/2006/main" xmlns:r="http://schemas.openxmlformats.org/officeDocument/2006/relationships" xmlns:p="http://schemas.openxmlformats.org/presentationml/2006/main" showMasterSp="0" type="picTx" preserve="1">
+  <p:cSld name="タイトル付きの図">
+    <p:spTree>
+      <p:nvGrpSpPr>
+        <p:cNvPr id="1" name=""/>
+        <p:cNvGrpSpPr/>
+        <p:nvPr/>
+      </p:nvGrpSpPr>
+      <p:grpSpPr>
+        <a:xfrm>
+          <a:off x="0" y="0"/>
+          <a:ext cx="0" cy="0"/>
+          <a:chOff x="0" y="0"/>
+          <a:chExt cx="0" cy="0"/>
+        </a:xfrm>
+      </p:grpSpPr>
+      <p:sp>
+        <p:nvSpPr>
+          <p:cNvPr id="11" name="Rectangle 10"/>
+          <p:cNvSpPr/>
+          <p:nvPr/>
+        </p:nvSpPr>
+        <p:spPr>
+          <a:xfrm>
+            <a:off x="8303740" y="0"/>
+            <a:ext cx="3888259" cy="6857999"/>
+          </a:xfrm>
+          <a:prstGeom prst="rect">
+            <a:avLst/>
+          </a:prstGeom>
+          <a:blipFill dpi="0" rotWithShape="1">
+            <a:blip r:embed="rId2">
+              <a:alphaModFix amt="60000"/>
+              <a:lum bright="70000" contrast="-70000"/>
+              <a:extLst>
+                <a:ext uri="{BEBA8EAE-BF5A-486C-A8C5-ECC9F3942E4B}">
+                  <a14:imgProps xmlns:a14="http://schemas.microsoft.com/office/drawing/2010/main">
+                    <a14:imgLayer r:embed="rId3">
+                      <a14:imgEffect>
+                        <a14:sharpenSoften amount="61000"/>
+                      </a14:imgEffect>
+                    </a14:imgLayer>
+                  </a14:imgProps>
+                </a:ext>
+                <a:ext uri="{28A0092B-C50C-407E-A947-70E740481C1C}">
+                  <a14:useLocalDpi xmlns:a14="http://schemas.microsoft.com/office/drawing/2010/main" val="0"/>
+                </a:ext>
+              </a:extLst>
+            </a:blip>
+            <a:srcRect/>
+            <a:tile tx="0" ty="-704850" sx="92000" sy="89000" flip="xy" algn="ctr"/>
+          </a:blipFill>
+          <a:ln>
+            <a:noFill/>
+          </a:ln>
+        </p:spPr>
+        <p:style>
+          <a:lnRef idx="2">
+            <a:schemeClr val="accent1">
+              <a:shade val="50000"/>
+            </a:schemeClr>
+          </a:lnRef>
+          <a:fillRef idx="1">
+            <a:schemeClr val="accent1"/>
+          </a:fillRef>
+          <a:effectRef idx="0">
+            <a:schemeClr val="accent1"/>
+          </a:effectRef>
+          <a:fontRef idx="minor">
+            <a:schemeClr val="lt1"/>
+          </a:fontRef>
+        </p:style>
+      </p:sp>
+      <p:sp>
+        <p:nvSpPr>
+          <p:cNvPr id="2" name="Title 1"/>
+          <p:cNvSpPr>
+            <a:spLocks noGrp="1"/>
+          </p:cNvSpPr>
+          <p:nvPr>
+            <p:ph type="title"/>
+          </p:nvPr>
+        </p:nvSpPr>
+        <p:spPr>
+          <a:xfrm>
+            <a:off x="8549640" y="685800"/>
+            <a:ext cx="3200400" cy="1737360"/>
+          </a:xfrm>
+        </p:spPr>
+        <p:txBody>
+          <a:bodyPr anchor="b">
+            <a:normAutofit/>
+          </a:bodyPr>
+          <a:lstStyle>
+            <a:lvl1pPr>
+              <a:defRPr sz="3200" b="1"/>
+            </a:lvl1pPr>
+          </a:lstStyle>
+          <a:p>
+            <a:r>
+              <a:rPr lang="ja-JP" altLang="en-US" smtClean="0"/>
+              <a:t>マスター タイトルの書式設定</a:t>
+            </a:r>
+            <a:endParaRPr lang="en-US" dirty="0"/>
+          </a:p>
+        </p:txBody>
+      </p:sp>
+      <p:sp>
+        <p:nvSpPr>
+          <p:cNvPr id="3" name="Picture Placeholder 2"/>
+          <p:cNvSpPr>
+            <a:spLocks noGrp="1" noChangeAspect="1"/>
+          </p:cNvSpPr>
+          <p:nvPr>
+            <p:ph type="pic" idx="1"/>
+          </p:nvPr>
+        </p:nvSpPr>
+        <p:spPr>
+          <a:xfrm>
+            <a:off x="0" y="0"/>
+            <a:ext cx="8303740" cy="6858000"/>
+          </a:xfrm>
+          <a:solidFill>
+            <a:schemeClr val="tx2">
+              <a:lumMod val="20000"/>
+              <a:lumOff val="80000"/>
+            </a:schemeClr>
+          </a:solidFill>
+        </p:spPr>
+        <p:txBody>
+          <a:bodyPr anchor="t"/>
+          <a:lstStyle>
+            <a:lvl1pPr marL="0" indent="0">
+              <a:buNone/>
+              <a:defRPr sz="3200"/>
+            </a:lvl1pPr>
+            <a:lvl2pPr marL="457200" indent="0">
+              <a:buNone/>
+              <a:defRPr sz="2800"/>
+            </a:lvl2pPr>
+            <a:lvl3pPr marL="914400" indent="0">
+              <a:buNone/>
+              <a:defRPr sz="2400"/>
+            </a:lvl3pPr>
+            <a:lvl4pPr marL="1371600" indent="0">
+              <a:buNone/>
+              <a:defRPr sz="2000"/>
+            </a:lvl4pPr>
+            <a:lvl5pPr marL="1828800" indent="0">
+              <a:buNone/>
+              <a:defRPr sz="2000"/>
+            </a:lvl5pPr>
+            <a:lvl6pPr marL="2286000" indent="0">
+              <a:buNone/>
+              <a:defRPr sz="2000"/>
+            </a:lvl6pPr>
+            <a:lvl7pPr marL="2743200" indent="0">
+              <a:buNone/>
+              <a:defRPr sz="2000"/>
+            </a:lvl7pPr>
+            <a:lvl8pPr marL="3200400" indent="0">
+              <a:buNone/>
+              <a:defRPr sz="2000"/>
+            </a:lvl8pPr>
+            <a:lvl9pPr marL="3657600" indent="0">
+              <a:buNone/>
+              <a:defRPr sz="2000"/>
+            </a:lvl9pPr>
+          </a:lstStyle>
+          <a:p>
+            <a:r>
+              <a:rPr lang="ja-JP" altLang="en-US" smtClean="0"/>
+              <a:t>図を追加</a:t>
+            </a:r>
+            <a:endParaRPr lang="en-US" dirty="0"/>
+          </a:p>
+        </p:txBody>
+      </p:sp>
+      <p:sp>
+        <p:nvSpPr>
+          <p:cNvPr id="4" name="Text Placeholder 3"/>
+          <p:cNvSpPr>
+            <a:spLocks noGrp="1"/>
+          </p:cNvSpPr>
+          <p:nvPr>
+            <p:ph type="body" sz="half" idx="2"/>
+          </p:nvPr>
+        </p:nvSpPr>
+        <p:spPr>
+          <a:xfrm>
+            <a:off x="8549640" y="2423160"/>
+            <a:ext cx="3200400" cy="3291840"/>
+          </a:xfrm>
+        </p:spPr>
+        <p:txBody>
+          <a:bodyPr>
+            <a:normAutofit/>
+          </a:bodyPr>
+          <a:lstStyle>
+            <a:lvl1pPr marL="0" indent="0">
+              <a:lnSpc>
+                <a:spcPct val="100000"/>
+              </a:lnSpc>
+              <a:spcBef>
+                <a:spcPts val="1000"/>
+              </a:spcBef>
+              <a:buNone/>
+              <a:defRPr sz="1400">
+                <a:solidFill>
+                  <a:schemeClr val="accent1">
+                    <a:lumMod val="75000"/>
+                  </a:schemeClr>
+                </a:solidFill>
+              </a:defRPr>
+            </a:lvl1pPr>
+            <a:lvl2pPr marL="457200" indent="0">
+              <a:buNone/>
+              <a:defRPr sz="1200"/>
+            </a:lvl2pPr>
+            <a:lvl3pPr marL="914400" indent="0">
+              <a:buNone/>
+              <a:defRPr sz="1000"/>
+            </a:lvl3pPr>
+            <a:lvl4pPr marL="1371600" indent="0">
+              <a:buNone/>
+              <a:defRPr sz="900"/>
+            </a:lvl4pPr>
+            <a:lvl5pPr marL="1828800" indent="0">
+              <a:buNone/>
+              <a:defRPr sz="900"/>
+            </a:lvl5pPr>
+            <a:lvl6pPr marL="2286000" indent="0">
+              <a:buNone/>
+              <a:defRPr sz="900"/>
+            </a:lvl6pPr>
+            <a:lvl7pPr marL="2743200" indent="0">
+              <a:buNone/>
+              <a:defRPr sz="900"/>
+            </a:lvl7pPr>
+            <a:lvl8pPr marL="3200400" indent="0">
+              <a:buNone/>
+              <a:defRPr sz="900"/>
+            </a:lvl8pPr>
+            <a:lvl9pPr marL="3657600" indent="0">
+              <a:buNone/>
+              <a:defRPr sz="900"/>
+            </a:lvl9pPr>
+          </a:lstStyle>
+          <a:p>
+            <a:pPr lvl="0"/>
+            <a:r>
+              <a:rPr lang="ja-JP" altLang="en-US" smtClean="0"/>
+              <a:t>マスター テキストの書式設定</a:t>
+            </a:r>
+          </a:p>
+        </p:txBody>
+      </p:sp>
+      <p:sp>
+        <p:nvSpPr>
+          <p:cNvPr id="5" name="Date Placeholder 4"/>
+          <p:cNvSpPr>
+            <a:spLocks noGrp="1"/>
+          </p:cNvSpPr>
+          <p:nvPr>
+            <p:ph type="dt" sz="half" idx="10"/>
+          </p:nvPr>
+        </p:nvSpPr>
+        <p:spPr/>
+        <p:txBody>
+          <a:bodyPr/>
+          <a:lstStyle/>
+          <a:p>
+            <a:fld id="{EA09839B-FDFC-49F9-B956-C85EFC887E6D}" type="datetimeFigureOut">
+              <a:rPr kumimoji="1" lang="ja-JP" altLang="en-US" smtClean="0"/>
+              <a:t>2018/3/19</a:t>
+            </a:fld>
+            <a:endParaRPr kumimoji="1" lang="ja-JP" altLang="en-US"/>
+          </a:p>
+        </p:txBody>
+      </p:sp>
+      <p:grpSp>
+        <p:nvGrpSpPr>
+          <p:cNvPr id="8" name="Group 7"/>
+          <p:cNvGrpSpPr>
+            <a:grpSpLocks noChangeAspect="1"/>
+          </p:cNvGrpSpPr>
+          <p:nvPr/>
+        </p:nvGrpSpPr>
+        <p:grpSpPr>
+          <a:xfrm>
+            <a:off x="11401725" y="6229681"/>
+            <a:ext cx="457200" cy="457200"/>
+            <a:chOff x="11361456" y="6195813"/>
+            <a:chExt cx="548640" cy="548640"/>
+          </a:xfrm>
+        </p:grpSpPr>
+        <p:sp>
+          <p:nvSpPr>
+            <p:cNvPr id="9" name="Oval 8"/>
+            <p:cNvSpPr/>
+            <p:nvPr/>
+          </p:nvSpPr>
+          <p:spPr>
+            <a:xfrm>
+              <a:off x="11361456" y="6195813"/>
+              <a:ext cx="548640" cy="548640"/>
+            </a:xfrm>
+            <a:prstGeom prst="ellipse">
+              <a:avLst/>
+            </a:prstGeom>
+            <a:blipFill dpi="0" rotWithShape="1">
+              <a:blip r:embed="rId4">
+                <a:duotone>
+                  <a:schemeClr val="accent1">
+                    <a:shade val="45000"/>
+                    <a:satMod val="135000"/>
+                  </a:schemeClr>
+                  <a:prstClr val="white"/>
+                </a:duotone>
+                <a:extLst>
+                  <a:ext uri="{BEBA8EAE-BF5A-486C-A8C5-ECC9F3942E4B}">
+                    <a14:imgProps xmlns:a14="http://schemas.microsoft.com/office/drawing/2010/main">
+                      <a14:imgLayer r:embed="rId5">
+                        <a14:imgEffect>
+                          <a14:saturation sat="95000"/>
+                        </a14:imgEffect>
+                        <a14:imgEffect>
+                          <a14:brightnessContrast bright="-40000" contrast="20000"/>
+                        </a14:imgEffect>
+                      </a14:imgLayer>
+                    </a14:imgProps>
+                  </a:ext>
+                </a:extLst>
+              </a:blip>
+              <a:srcRect/>
+              <a:tile tx="50800" ty="0" sx="85000" sy="85000" flip="none" algn="tl"/>
+            </a:blipFill>
+            <a:ln w="25400" cap="flat" cmpd="sng" algn="ctr">
+              <a:noFill/>
+              <a:prstDash val="solid"/>
+            </a:ln>
+            <a:effectLst/>
+          </p:spPr>
+        </p:sp>
+        <p:sp>
+          <p:nvSpPr>
+            <p:cNvPr id="10" name="Oval 9"/>
+            <p:cNvSpPr/>
+            <p:nvPr/>
+          </p:nvSpPr>
+          <p:spPr>
+            <a:xfrm>
+              <a:off x="11396488" y="6230844"/>
+              <a:ext cx="478576" cy="478578"/>
+            </a:xfrm>
+            <a:prstGeom prst="ellipse">
+              <a:avLst/>
+            </a:prstGeom>
+            <a:noFill/>
+            <a:ln w="12700" cap="flat" cmpd="sng" algn="ctr">
+              <a:solidFill>
+                <a:sysClr val="window" lastClr="FFFFFF"/>
+              </a:solidFill>
+              <a:prstDash val="solid"/>
+            </a:ln>
+            <a:effectLst/>
+          </p:spPr>
+        </p:sp>
+      </p:grpSp>
+      <p:sp>
+        <p:nvSpPr>
+          <p:cNvPr id="7" name="Slide Number Placeholder 6"/>
+          <p:cNvSpPr>
+            <a:spLocks noGrp="1"/>
+          </p:cNvSpPr>
+          <p:nvPr>
+            <p:ph type="sldNum" sz="quarter" idx="12"/>
+          </p:nvPr>
+        </p:nvSpPr>
+        <p:spPr/>
+        <p:txBody>
+          <a:bodyPr/>
+          <a:lstStyle/>
+          <a:p>
+            <a:fld id="{F81B24D7-E4E3-4AB0-A36F-ACBD4F0B23DC}" type="slidenum">
+              <a:rPr kumimoji="1" lang="ja-JP" altLang="en-US" smtClean="0"/>
+              <a:t>‹#›</a:t>
+            </a:fld>
+            <a:endParaRPr kumimoji="1" lang="ja-JP" altLang="en-US"/>
+          </a:p>
+        </p:txBody>
+      </p:sp>
+    </p:spTree>
+    <p:extLst>
+      <p:ext uri="{BB962C8B-B14F-4D97-AF65-F5344CB8AC3E}">
+        <p14:creationId xmlns:p14="http://schemas.microsoft.com/office/powerpoint/2010/main" val="1515232063"/>
+      </p:ext>
+    </p:extLst>
+  </p:cSld>
+  <p:clrMapOvr>
+    <a:masterClrMapping/>
+  </p:clrMapOvr>
+</p:sldLayout>
+</file>
+
+<file path=ppt/slideLayouts/slideLayout11.xml><?xml version="1.0" encoding="utf-8"?>
 <p:sldLayout xmlns:a="http://schemas.openxmlformats.org/drawingml/2006/main" xmlns:r="http://schemas.openxmlformats.org/officeDocument/2006/relationships" xmlns:p="http://schemas.openxmlformats.org/presentationml/2006/main" type="vertTx" preserve="1">
   <p:cSld name="タイトルと&#10;縦書きテキスト">
     <p:spTree>
@@ -760,7 +1175,7 @@
           <a:p>
             <a:fld id="{EA09839B-FDFC-49F9-B956-C85EFC887E6D}" type="datetimeFigureOut">
               <a:rPr kumimoji="1" lang="ja-JP" altLang="en-US" smtClean="0"/>
-              <a:t>2018/3/15</a:t>
+              <a:t>2018/3/19</a:t>
             </a:fld>
             <a:endParaRPr kumimoji="1" lang="ja-JP" altLang="en-US"/>
           </a:p>
@@ -821,7 +1236,7 @@
 </p:sldLayout>
 </file>
 
-<file path=ppt/slideLayouts/slideLayout11.xml><?xml version="1.0" encoding="utf-8"?>
+<file path=ppt/slideLayouts/slideLayout12.xml><?xml version="1.0" encoding="utf-8"?>
 <p:sldLayout xmlns:a="http://schemas.openxmlformats.org/drawingml/2006/main" xmlns:r="http://schemas.openxmlformats.org/officeDocument/2006/relationships" xmlns:p="http://schemas.openxmlformats.org/presentationml/2006/main" type="vertTitleAndTx" preserve="1">
   <p:cSld name="縦書きタイトルと&#10;縦書きテキスト">
     <p:spTree>
@@ -972,7 +1387,7 @@
           <a:p>
             <a:fld id="{EA09839B-FDFC-49F9-B956-C85EFC887E6D}" type="datetimeFigureOut">
               <a:rPr kumimoji="1" lang="ja-JP" altLang="en-US" smtClean="0"/>
-              <a:t>2018/3/15</a:t>
+              <a:t>2018/3/19</a:t>
             </a:fld>
             <a:endParaRPr kumimoji="1" lang="ja-JP" altLang="en-US"/>
           </a:p>
@@ -1050,6 +1465,110 @@
           <a:chExt cx="0" cy="0"/>
         </a:xfrm>
       </p:grpSpPr>
+      <p:grpSp>
+        <p:nvGrpSpPr>
+          <p:cNvPr id="10" name="グループ化 9"/>
+          <p:cNvGrpSpPr/>
+          <p:nvPr userDrawn="1"/>
+        </p:nvGrpSpPr>
+        <p:grpSpPr>
+          <a:xfrm>
+            <a:off x="952500" y="-156400"/>
+            <a:ext cx="10296526" cy="5661850"/>
+            <a:chOff x="952500" y="-156400"/>
+            <a:chExt cx="10296526" cy="5661850"/>
+          </a:xfrm>
+        </p:grpSpPr>
+        <p:pic>
+          <p:nvPicPr>
+            <p:cNvPr id="7" name="図 6"/>
+            <p:cNvPicPr>
+              <a:picLocks noChangeAspect="1"/>
+            </p:cNvPicPr>
+            <p:nvPr userDrawn="1"/>
+          </p:nvPicPr>
+          <p:blipFill>
+            <a:blip r:embed="rId2" cstate="print">
+              <a:extLst>
+                <a:ext uri="{28A0092B-C50C-407E-A947-70E740481C1C}">
+                  <a14:useLocalDpi xmlns:a14="http://schemas.microsoft.com/office/drawing/2010/main" val="0"/>
+                </a:ext>
+              </a:extLst>
+            </a:blip>
+            <a:stretch>
+              <a:fillRect/>
+            </a:stretch>
+          </p:blipFill>
+          <p:spPr>
+            <a:xfrm rot="6300000">
+              <a:off x="3467474" y="289600"/>
+              <a:ext cx="1100131" cy="208133"/>
+            </a:xfrm>
+            <a:prstGeom prst="rect">
+              <a:avLst/>
+            </a:prstGeom>
+          </p:spPr>
+        </p:pic>
+        <p:pic>
+          <p:nvPicPr>
+            <p:cNvPr id="8" name="図 7"/>
+            <p:cNvPicPr>
+              <a:picLocks noChangeAspect="1"/>
+            </p:cNvPicPr>
+            <p:nvPr userDrawn="1"/>
+          </p:nvPicPr>
+          <p:blipFill>
+            <a:blip r:embed="rId2" cstate="print">
+              <a:extLst>
+                <a:ext uri="{28A0092B-C50C-407E-A947-70E740481C1C}">
+                  <a14:useLocalDpi xmlns:a14="http://schemas.microsoft.com/office/drawing/2010/main" val="0"/>
+                </a:ext>
+              </a:extLst>
+            </a:blip>
+            <a:stretch>
+              <a:fillRect/>
+            </a:stretch>
+          </p:blipFill>
+          <p:spPr>
+            <a:xfrm rot="4500000">
+              <a:off x="7758531" y="289599"/>
+              <a:ext cx="1100131" cy="208133"/>
+            </a:xfrm>
+            <a:prstGeom prst="rect">
+              <a:avLst/>
+            </a:prstGeom>
+          </p:spPr>
+        </p:pic>
+        <p:pic>
+          <p:nvPicPr>
+            <p:cNvPr id="9" name="図 8"/>
+            <p:cNvPicPr>
+              <a:picLocks noChangeAspect="1"/>
+            </p:cNvPicPr>
+            <p:nvPr userDrawn="1"/>
+          </p:nvPicPr>
+          <p:blipFill rotWithShape="1">
+            <a:blip r:embed="rId3">
+              <a:extLst>
+                <a:ext uri="{28A0092B-C50C-407E-A947-70E740481C1C}">
+                  <a14:useLocalDpi xmlns:a14="http://schemas.microsoft.com/office/drawing/2010/main" val="0"/>
+                </a:ext>
+              </a:extLst>
+            </a:blip>
+            <a:srcRect l="8417" t="16006" r="7325" b="23724"/>
+            <a:stretch/>
+          </p:blipFill>
+          <p:spPr>
+            <a:xfrm>
+              <a:off x="952500" y="595307"/>
+              <a:ext cx="10296526" cy="4910143"/>
+            </a:xfrm>
+            <a:prstGeom prst="rect">
+              <a:avLst/>
+            </a:prstGeom>
+          </p:spPr>
+        </p:pic>
+      </p:grpSp>
       <p:sp>
         <p:nvSpPr>
           <p:cNvPr id="2" name="Title 1"/>
@@ -1174,7 +1693,7 @@
           <a:p>
             <a:fld id="{EA09839B-FDFC-49F9-B956-C85EFC887E6D}" type="datetimeFigureOut">
               <a:rPr kumimoji="1" lang="ja-JP" altLang="en-US" smtClean="0"/>
-              <a:t>2018/3/15</a:t>
+              <a:t>2018/3/19</a:t>
             </a:fld>
             <a:endParaRPr kumimoji="1" lang="ja-JP" altLang="en-US"/>
           </a:p>
@@ -1487,7 +2006,7 @@
           <a:p>
             <a:fld id="{EA09839B-FDFC-49F9-B956-C85EFC887E6D}" type="datetimeFigureOut">
               <a:rPr kumimoji="1" lang="ja-JP" altLang="en-US" smtClean="0"/>
-              <a:t>2018/3/15</a:t>
+              <a:t>2018/3/19</a:t>
             </a:fld>
             <a:endParaRPr kumimoji="1" lang="ja-JP" altLang="en-US"/>
           </a:p>
@@ -1937,7 +2456,7 @@
           <a:p>
             <a:fld id="{EA09839B-FDFC-49F9-B956-C85EFC887E6D}" type="datetimeFigureOut">
               <a:rPr kumimoji="1" lang="ja-JP" altLang="en-US" smtClean="0"/>
-              <a:t>2018/3/15</a:t>
+              <a:t>2018/3/19</a:t>
             </a:fld>
             <a:endParaRPr kumimoji="1" lang="ja-JP" altLang="en-US"/>
           </a:p>
@@ -2524,7 +3043,7 @@
           <a:p>
             <a:fld id="{EA09839B-FDFC-49F9-B956-C85EFC887E6D}" type="datetimeFigureOut">
               <a:rPr kumimoji="1" lang="ja-JP" altLang="en-US" smtClean="0"/>
-              <a:t>2018/3/15</a:t>
+              <a:t>2018/3/19</a:t>
             </a:fld>
             <a:endParaRPr kumimoji="1" lang="ja-JP" altLang="en-US"/>
           </a:p>
@@ -2582,7 +3101,7 @@
   <p:clrMapOvr>
     <a:masterClrMapping/>
   </p:clrMapOvr>
-  <p:extLst>
+  <p:extLst mod="1">
     <p:ext uri="{DCECCB84-F9BA-43D5-87BE-67443E8EF086}">
       <p15:sldGuideLst xmlns:p15="http://schemas.microsoft.com/office/powerpoint/2012/main">
         <p15:guide id="1" orient="horz" pos="2160" userDrawn="1">
@@ -2602,6 +3121,286 @@
 </file>
 
 <file path=ppt/slideLayouts/slideLayout6.xml><?xml version="1.0" encoding="utf-8"?>
+<p:sldLayout xmlns:a="http://schemas.openxmlformats.org/drawingml/2006/main" xmlns:r="http://schemas.openxmlformats.org/officeDocument/2006/relationships" xmlns:p="http://schemas.openxmlformats.org/presentationml/2006/main" preserve="1" userDrawn="1">
+  <p:cSld name="1_比較">
+    <p:spTree>
+      <p:nvGrpSpPr>
+        <p:cNvPr id="1" name=""/>
+        <p:cNvGrpSpPr/>
+        <p:nvPr/>
+      </p:nvGrpSpPr>
+      <p:grpSpPr>
+        <a:xfrm>
+          <a:off x="0" y="0"/>
+          <a:ext cx="0" cy="0"/>
+          <a:chOff x="0" y="0"/>
+          <a:chExt cx="0" cy="0"/>
+        </a:xfrm>
+      </p:grpSpPr>
+      <p:sp>
+        <p:nvSpPr>
+          <p:cNvPr id="10" name="Title 9"/>
+          <p:cNvSpPr>
+            <a:spLocks noGrp="1"/>
+          </p:cNvSpPr>
+          <p:nvPr userDrawn="1">
+            <p:ph type="title"/>
+          </p:nvPr>
+        </p:nvSpPr>
+        <p:spPr/>
+        <p:txBody>
+          <a:bodyPr/>
+          <a:lstStyle/>
+          <a:p>
+            <a:r>
+              <a:rPr lang="ja-JP" altLang="en-US" dirty="0" smtClean="0"/>
+              <a:t>マスター タイトルの書式設定</a:t>
+            </a:r>
+            <a:endParaRPr lang="en-US" dirty="0"/>
+          </a:p>
+        </p:txBody>
+      </p:sp>
+      <p:sp>
+        <p:nvSpPr>
+          <p:cNvPr id="3" name="Text Placeholder 2"/>
+          <p:cNvSpPr>
+            <a:spLocks noGrp="1"/>
+          </p:cNvSpPr>
+          <p:nvPr userDrawn="1">
+            <p:ph type="body" idx="1"/>
+          </p:nvPr>
+        </p:nvSpPr>
+        <p:spPr>
+          <a:xfrm>
+            <a:off x="1066800" y="2048256"/>
+            <a:ext cx="4754880" cy="640080"/>
+          </a:xfrm>
+        </p:spPr>
+        <p:txBody>
+          <a:bodyPr anchor="ctr">
+            <a:normAutofit/>
+          </a:bodyPr>
+          <a:lstStyle>
+            <a:lvl1pPr marL="0" indent="0">
+              <a:buNone/>
+              <a:defRPr sz="2000" b="1">
+                <a:solidFill>
+                  <a:schemeClr val="accent1">
+                    <a:lumMod val="75000"/>
+                  </a:schemeClr>
+                </a:solidFill>
+              </a:defRPr>
+            </a:lvl1pPr>
+            <a:lvl2pPr marL="457200" indent="0">
+              <a:buNone/>
+              <a:defRPr sz="2000" b="1"/>
+            </a:lvl2pPr>
+            <a:lvl3pPr marL="914400" indent="0">
+              <a:buNone/>
+              <a:defRPr sz="1800" b="1"/>
+            </a:lvl3pPr>
+            <a:lvl4pPr marL="1371600" indent="0">
+              <a:buNone/>
+              <a:defRPr sz="1600" b="1"/>
+            </a:lvl4pPr>
+            <a:lvl5pPr marL="1828800" indent="0">
+              <a:buNone/>
+              <a:defRPr sz="1600" b="1"/>
+            </a:lvl5pPr>
+            <a:lvl6pPr marL="2286000" indent="0">
+              <a:buNone/>
+              <a:defRPr sz="1600" b="1"/>
+            </a:lvl6pPr>
+            <a:lvl7pPr marL="2743200" indent="0">
+              <a:buNone/>
+              <a:defRPr sz="1600" b="1"/>
+            </a:lvl7pPr>
+            <a:lvl8pPr marL="3200400" indent="0">
+              <a:buNone/>
+              <a:defRPr sz="1600" b="1"/>
+            </a:lvl8pPr>
+            <a:lvl9pPr marL="3657600" indent="0">
+              <a:buNone/>
+              <a:defRPr sz="1600" b="1"/>
+            </a:lvl9pPr>
+          </a:lstStyle>
+          <a:p>
+            <a:pPr lvl="0"/>
+            <a:r>
+              <a:rPr lang="ja-JP" altLang="en-US" smtClean="0"/>
+              <a:t>マスター テキストの書式設定</a:t>
+            </a:r>
+          </a:p>
+        </p:txBody>
+      </p:sp>
+      <p:sp>
+        <p:nvSpPr>
+          <p:cNvPr id="5" name="Text Placeholder 4"/>
+          <p:cNvSpPr>
+            <a:spLocks noGrp="1"/>
+          </p:cNvSpPr>
+          <p:nvPr userDrawn="1">
+            <p:ph type="body" sz="quarter" idx="3"/>
+          </p:nvPr>
+        </p:nvSpPr>
+        <p:spPr>
+          <a:xfrm>
+            <a:off x="6364224" y="2048256"/>
+            <a:ext cx="4754880" cy="640080"/>
+          </a:xfrm>
+        </p:spPr>
+        <p:txBody>
+          <a:bodyPr anchor="ctr">
+            <a:normAutofit/>
+          </a:bodyPr>
+          <a:lstStyle>
+            <a:lvl1pPr marL="0" indent="0">
+              <a:buNone/>
+              <a:defRPr sz="2000" b="1">
+                <a:solidFill>
+                  <a:schemeClr val="accent1">
+                    <a:lumMod val="75000"/>
+                  </a:schemeClr>
+                </a:solidFill>
+              </a:defRPr>
+            </a:lvl1pPr>
+            <a:lvl2pPr marL="457200" indent="0">
+              <a:buNone/>
+              <a:defRPr sz="2000" b="1"/>
+            </a:lvl2pPr>
+            <a:lvl3pPr marL="914400" indent="0">
+              <a:buNone/>
+              <a:defRPr sz="1800" b="1"/>
+            </a:lvl3pPr>
+            <a:lvl4pPr marL="1371600" indent="0">
+              <a:buNone/>
+              <a:defRPr sz="1600" b="1"/>
+            </a:lvl4pPr>
+            <a:lvl5pPr marL="1828800" indent="0">
+              <a:buNone/>
+              <a:defRPr sz="1600" b="1"/>
+            </a:lvl5pPr>
+            <a:lvl6pPr marL="2286000" indent="0">
+              <a:buNone/>
+              <a:defRPr sz="1600" b="1"/>
+            </a:lvl6pPr>
+            <a:lvl7pPr marL="2743200" indent="0">
+              <a:buNone/>
+              <a:defRPr sz="1600" b="1"/>
+            </a:lvl7pPr>
+            <a:lvl8pPr marL="3200400" indent="0">
+              <a:buNone/>
+              <a:defRPr sz="1600" b="1"/>
+            </a:lvl8pPr>
+            <a:lvl9pPr marL="3657600" indent="0">
+              <a:buNone/>
+              <a:defRPr sz="1600" b="1"/>
+            </a:lvl9pPr>
+          </a:lstStyle>
+          <a:p>
+            <a:pPr lvl="0"/>
+            <a:r>
+              <a:rPr lang="ja-JP" altLang="en-US" smtClean="0"/>
+              <a:t>マスター テキストの書式設定</a:t>
+            </a:r>
+          </a:p>
+        </p:txBody>
+      </p:sp>
+      <p:sp>
+        <p:nvSpPr>
+          <p:cNvPr id="7" name="Date Placeholder 6"/>
+          <p:cNvSpPr>
+            <a:spLocks noGrp="1"/>
+          </p:cNvSpPr>
+          <p:nvPr userDrawn="1">
+            <p:ph type="dt" sz="half" idx="10"/>
+          </p:nvPr>
+        </p:nvSpPr>
+        <p:spPr/>
+        <p:txBody>
+          <a:bodyPr/>
+          <a:lstStyle/>
+          <a:p>
+            <a:fld id="{EA09839B-FDFC-49F9-B956-C85EFC887E6D}" type="datetimeFigureOut">
+              <a:rPr kumimoji="1" lang="ja-JP" altLang="en-US" smtClean="0"/>
+              <a:t>2018/3/19</a:t>
+            </a:fld>
+            <a:endParaRPr kumimoji="1" lang="ja-JP" altLang="en-US"/>
+          </a:p>
+        </p:txBody>
+      </p:sp>
+      <p:sp>
+        <p:nvSpPr>
+          <p:cNvPr id="8" name="Footer Placeholder 7"/>
+          <p:cNvSpPr>
+            <a:spLocks noGrp="1"/>
+          </p:cNvSpPr>
+          <p:nvPr userDrawn="1">
+            <p:ph type="ftr" sz="quarter" idx="11"/>
+          </p:nvPr>
+        </p:nvSpPr>
+        <p:spPr/>
+        <p:txBody>
+          <a:bodyPr/>
+          <a:lstStyle/>
+          <a:p>
+            <a:endParaRPr kumimoji="1" lang="ja-JP" altLang="en-US"/>
+          </a:p>
+        </p:txBody>
+      </p:sp>
+      <p:sp>
+        <p:nvSpPr>
+          <p:cNvPr id="9" name="Slide Number Placeholder 8"/>
+          <p:cNvSpPr>
+            <a:spLocks noGrp="1"/>
+          </p:cNvSpPr>
+          <p:nvPr userDrawn="1">
+            <p:ph type="sldNum" sz="quarter" idx="12"/>
+          </p:nvPr>
+        </p:nvSpPr>
+        <p:spPr/>
+        <p:txBody>
+          <a:bodyPr/>
+          <a:lstStyle/>
+          <a:p>
+            <a:fld id="{F81B24D7-E4E3-4AB0-A36F-ACBD4F0B23DC}" type="slidenum">
+              <a:rPr kumimoji="1" lang="ja-JP" altLang="en-US" smtClean="0"/>
+              <a:t>‹#›</a:t>
+            </a:fld>
+            <a:endParaRPr kumimoji="1" lang="ja-JP" altLang="en-US"/>
+          </a:p>
+        </p:txBody>
+      </p:sp>
+    </p:spTree>
+    <p:extLst>
+      <p:ext uri="{BB962C8B-B14F-4D97-AF65-F5344CB8AC3E}">
+        <p14:creationId xmlns:p14="http://schemas.microsoft.com/office/powerpoint/2010/main" val="185315625"/>
+      </p:ext>
+    </p:extLst>
+  </p:cSld>
+  <p:clrMapOvr>
+    <a:masterClrMapping/>
+  </p:clrMapOvr>
+  <p:extLst mod="1">
+    <p:ext uri="{DCECCB84-F9BA-43D5-87BE-67443E8EF086}">
+      <p15:sldGuideLst xmlns:p15="http://schemas.microsoft.com/office/powerpoint/2012/main">
+        <p15:guide id="1" orient="horz" pos="2160">
+          <p15:clr>
+            <a:srgbClr val="FBAE40"/>
+          </p15:clr>
+        </p15:guide>
+        <p15:guide id="2" pos="3840">
+          <p15:clr>
+            <a:srgbClr val="FBAE40"/>
+          </p15:clr>
+        </p15:guide>
+      </p15:sldGuideLst>
+    </p:ext>
+  </p:extLst>
+</p:sldLayout>
+</file>
+
+<file path=ppt/slideLayouts/slideLayout7.xml><?xml version="1.0" encoding="utf-8"?>
 <p:sldLayout xmlns:a="http://schemas.openxmlformats.org/drawingml/2006/main" xmlns:r="http://schemas.openxmlformats.org/officeDocument/2006/relationships" xmlns:p="http://schemas.openxmlformats.org/presentationml/2006/main" type="titleOnly" preserve="1">
   <p:cSld name="タイトルのみ">
     <p:spTree>
@@ -2658,7 +3457,7 @@
           <a:p>
             <a:fld id="{EA09839B-FDFC-49F9-B956-C85EFC887E6D}" type="datetimeFigureOut">
               <a:rPr kumimoji="1" lang="ja-JP" altLang="en-US" smtClean="0"/>
-              <a:t>2018/3/15</a:t>
+              <a:t>2018/3/19</a:t>
             </a:fld>
             <a:endParaRPr kumimoji="1" lang="ja-JP" altLang="en-US"/>
           </a:p>
@@ -2706,6 +3505,36 @@
           </a:p>
         </p:txBody>
       </p:sp>
+      <p:pic>
+        <p:nvPicPr>
+          <p:cNvPr id="7" name="図 6"/>
+          <p:cNvPicPr>
+            <a:picLocks noChangeAspect="1"/>
+          </p:cNvPicPr>
+          <p:nvPr userDrawn="1"/>
+        </p:nvPicPr>
+        <p:blipFill>
+          <a:blip r:embed="rId2" cstate="print">
+            <a:extLst>
+              <a:ext uri="{28A0092B-C50C-407E-A947-70E740481C1C}">
+                <a14:useLocalDpi xmlns:a14="http://schemas.microsoft.com/office/drawing/2010/main" val="0"/>
+              </a:ext>
+            </a:extLst>
+          </a:blip>
+          <a:stretch>
+            <a:fillRect/>
+          </a:stretch>
+        </p:blipFill>
+        <p:spPr>
+          <a:xfrm>
+            <a:off x="-1357618" y="5724263"/>
+            <a:ext cx="14907236" cy="2552699"/>
+          </a:xfrm>
+          <a:prstGeom prst="rect">
+            <a:avLst/>
+          </a:prstGeom>
+        </p:spPr>
+      </p:pic>
     </p:spTree>
     <p:extLst>
       <p:ext uri="{BB962C8B-B14F-4D97-AF65-F5344CB8AC3E}">
@@ -2719,7 +3548,7 @@
 </p:sldLayout>
 </file>
 
-<file path=ppt/slideLayouts/slideLayout7.xml><?xml version="1.0" encoding="utf-8"?>
+<file path=ppt/slideLayouts/slideLayout8.xml><?xml version="1.0" encoding="utf-8"?>
 <p:sldLayout xmlns:a="http://schemas.openxmlformats.org/drawingml/2006/main" xmlns:r="http://schemas.openxmlformats.org/officeDocument/2006/relationships" xmlns:p="http://schemas.openxmlformats.org/presentationml/2006/main" type="blank" preserve="1">
   <p:cSld name="白紙">
     <p:spTree>
@@ -2753,7 +3582,7 @@
           <a:p>
             <a:fld id="{EA09839B-FDFC-49F9-B956-C85EFC887E6D}" type="datetimeFigureOut">
               <a:rPr kumimoji="1" lang="ja-JP" altLang="en-US" smtClean="0"/>
-              <a:t>2018/3/15</a:t>
+              <a:t>2018/3/19</a:t>
             </a:fld>
             <a:endParaRPr kumimoji="1" lang="ja-JP" altLang="en-US"/>
           </a:p>
@@ -2814,7 +3643,7 @@
 </p:sldLayout>
 </file>
 
-<file path=ppt/slideLayouts/slideLayout8.xml><?xml version="1.0" encoding="utf-8"?>
+<file path=ppt/slideLayouts/slideLayout9.xml><?xml version="1.0" encoding="utf-8"?>
 <p:sldLayout xmlns:a="http://schemas.openxmlformats.org/drawingml/2006/main" xmlns:r="http://schemas.openxmlformats.org/officeDocument/2006/relationships" xmlns:p="http://schemas.openxmlformats.org/presentationml/2006/main" showMasterSp="0" type="objTx" preserve="1">
   <p:cSld name="タイトル付きの&#10;コンテンツ">
     <p:spTree>
@@ -3135,7 +3964,7 @@
           <a:p>
             <a:fld id="{EA09839B-FDFC-49F9-B956-C85EFC887E6D}" type="datetimeFigureOut">
               <a:rPr kumimoji="1" lang="ja-JP" altLang="en-US" smtClean="0"/>
-              <a:t>2018/3/15</a:t>
+              <a:t>2018/3/19</a:t>
             </a:fld>
             <a:endParaRPr kumimoji="1" lang="ja-JP" altLang="en-US"/>
           </a:p>
@@ -3285,419 +4114,13 @@
 </p:sldLayout>
 </file>
 
-<file path=ppt/slideLayouts/slideLayout9.xml><?xml version="1.0" encoding="utf-8"?>
-<p:sldLayout xmlns:a="http://schemas.openxmlformats.org/drawingml/2006/main" xmlns:r="http://schemas.openxmlformats.org/officeDocument/2006/relationships" xmlns:p="http://schemas.openxmlformats.org/presentationml/2006/main" showMasterSp="0" type="picTx" preserve="1">
-  <p:cSld name="タイトル付きの図">
-    <p:spTree>
-      <p:nvGrpSpPr>
-        <p:cNvPr id="1" name=""/>
-        <p:cNvGrpSpPr/>
-        <p:nvPr/>
-      </p:nvGrpSpPr>
-      <p:grpSpPr>
-        <a:xfrm>
-          <a:off x="0" y="0"/>
-          <a:ext cx="0" cy="0"/>
-          <a:chOff x="0" y="0"/>
-          <a:chExt cx="0" cy="0"/>
-        </a:xfrm>
-      </p:grpSpPr>
-      <p:sp>
-        <p:nvSpPr>
-          <p:cNvPr id="11" name="Rectangle 10"/>
-          <p:cNvSpPr/>
-          <p:nvPr/>
-        </p:nvSpPr>
-        <p:spPr>
-          <a:xfrm>
-            <a:off x="8303740" y="0"/>
-            <a:ext cx="3888259" cy="6857999"/>
-          </a:xfrm>
-          <a:prstGeom prst="rect">
-            <a:avLst/>
-          </a:prstGeom>
-          <a:blipFill dpi="0" rotWithShape="1">
-            <a:blip r:embed="rId2">
-              <a:alphaModFix amt="60000"/>
-              <a:lum bright="70000" contrast="-70000"/>
-              <a:extLst>
-                <a:ext uri="{BEBA8EAE-BF5A-486C-A8C5-ECC9F3942E4B}">
-                  <a14:imgProps xmlns:a14="http://schemas.microsoft.com/office/drawing/2010/main">
-                    <a14:imgLayer r:embed="rId3">
-                      <a14:imgEffect>
-                        <a14:sharpenSoften amount="61000"/>
-                      </a14:imgEffect>
-                    </a14:imgLayer>
-                  </a14:imgProps>
-                </a:ext>
-                <a:ext uri="{28A0092B-C50C-407E-A947-70E740481C1C}">
-                  <a14:useLocalDpi xmlns:a14="http://schemas.microsoft.com/office/drawing/2010/main" val="0"/>
-                </a:ext>
-              </a:extLst>
-            </a:blip>
-            <a:srcRect/>
-            <a:tile tx="0" ty="-704850" sx="92000" sy="89000" flip="xy" algn="ctr"/>
-          </a:blipFill>
-          <a:ln>
-            <a:noFill/>
-          </a:ln>
-        </p:spPr>
-        <p:style>
-          <a:lnRef idx="2">
-            <a:schemeClr val="accent1">
-              <a:shade val="50000"/>
-            </a:schemeClr>
-          </a:lnRef>
-          <a:fillRef idx="1">
-            <a:schemeClr val="accent1"/>
-          </a:fillRef>
-          <a:effectRef idx="0">
-            <a:schemeClr val="accent1"/>
-          </a:effectRef>
-          <a:fontRef idx="minor">
-            <a:schemeClr val="lt1"/>
-          </a:fontRef>
-        </p:style>
-      </p:sp>
-      <p:sp>
-        <p:nvSpPr>
-          <p:cNvPr id="2" name="Title 1"/>
-          <p:cNvSpPr>
-            <a:spLocks noGrp="1"/>
-          </p:cNvSpPr>
-          <p:nvPr>
-            <p:ph type="title"/>
-          </p:nvPr>
-        </p:nvSpPr>
-        <p:spPr>
-          <a:xfrm>
-            <a:off x="8549640" y="685800"/>
-            <a:ext cx="3200400" cy="1737360"/>
-          </a:xfrm>
-        </p:spPr>
-        <p:txBody>
-          <a:bodyPr anchor="b">
-            <a:normAutofit/>
-          </a:bodyPr>
-          <a:lstStyle>
-            <a:lvl1pPr>
-              <a:defRPr sz="3200" b="1"/>
-            </a:lvl1pPr>
-          </a:lstStyle>
-          <a:p>
-            <a:r>
-              <a:rPr lang="ja-JP" altLang="en-US" smtClean="0"/>
-              <a:t>マスター タイトルの書式設定</a:t>
-            </a:r>
-            <a:endParaRPr lang="en-US" dirty="0"/>
-          </a:p>
-        </p:txBody>
-      </p:sp>
-      <p:sp>
-        <p:nvSpPr>
-          <p:cNvPr id="3" name="Picture Placeholder 2"/>
-          <p:cNvSpPr>
-            <a:spLocks noGrp="1" noChangeAspect="1"/>
-          </p:cNvSpPr>
-          <p:nvPr>
-            <p:ph type="pic" idx="1"/>
-          </p:nvPr>
-        </p:nvSpPr>
-        <p:spPr>
-          <a:xfrm>
-            <a:off x="0" y="0"/>
-            <a:ext cx="8303740" cy="6858000"/>
-          </a:xfrm>
-          <a:solidFill>
-            <a:schemeClr val="tx2">
-              <a:lumMod val="20000"/>
-              <a:lumOff val="80000"/>
-            </a:schemeClr>
-          </a:solidFill>
-        </p:spPr>
-        <p:txBody>
-          <a:bodyPr anchor="t"/>
-          <a:lstStyle>
-            <a:lvl1pPr marL="0" indent="0">
-              <a:buNone/>
-              <a:defRPr sz="3200"/>
-            </a:lvl1pPr>
-            <a:lvl2pPr marL="457200" indent="0">
-              <a:buNone/>
-              <a:defRPr sz="2800"/>
-            </a:lvl2pPr>
-            <a:lvl3pPr marL="914400" indent="0">
-              <a:buNone/>
-              <a:defRPr sz="2400"/>
-            </a:lvl3pPr>
-            <a:lvl4pPr marL="1371600" indent="0">
-              <a:buNone/>
-              <a:defRPr sz="2000"/>
-            </a:lvl4pPr>
-            <a:lvl5pPr marL="1828800" indent="0">
-              <a:buNone/>
-              <a:defRPr sz="2000"/>
-            </a:lvl5pPr>
-            <a:lvl6pPr marL="2286000" indent="0">
-              <a:buNone/>
-              <a:defRPr sz="2000"/>
-            </a:lvl6pPr>
-            <a:lvl7pPr marL="2743200" indent="0">
-              <a:buNone/>
-              <a:defRPr sz="2000"/>
-            </a:lvl7pPr>
-            <a:lvl8pPr marL="3200400" indent="0">
-              <a:buNone/>
-              <a:defRPr sz="2000"/>
-            </a:lvl8pPr>
-            <a:lvl9pPr marL="3657600" indent="0">
-              <a:buNone/>
-              <a:defRPr sz="2000"/>
-            </a:lvl9pPr>
-          </a:lstStyle>
-          <a:p>
-            <a:r>
-              <a:rPr lang="ja-JP" altLang="en-US" smtClean="0"/>
-              <a:t>図を追加</a:t>
-            </a:r>
-            <a:endParaRPr lang="en-US" dirty="0"/>
-          </a:p>
-        </p:txBody>
-      </p:sp>
-      <p:sp>
-        <p:nvSpPr>
-          <p:cNvPr id="4" name="Text Placeholder 3"/>
-          <p:cNvSpPr>
-            <a:spLocks noGrp="1"/>
-          </p:cNvSpPr>
-          <p:nvPr>
-            <p:ph type="body" sz="half" idx="2"/>
-          </p:nvPr>
-        </p:nvSpPr>
-        <p:spPr>
-          <a:xfrm>
-            <a:off x="8549640" y="2423160"/>
-            <a:ext cx="3200400" cy="3291840"/>
-          </a:xfrm>
-        </p:spPr>
-        <p:txBody>
-          <a:bodyPr>
-            <a:normAutofit/>
-          </a:bodyPr>
-          <a:lstStyle>
-            <a:lvl1pPr marL="0" indent="0">
-              <a:lnSpc>
-                <a:spcPct val="100000"/>
-              </a:lnSpc>
-              <a:spcBef>
-                <a:spcPts val="1000"/>
-              </a:spcBef>
-              <a:buNone/>
-              <a:defRPr sz="1400">
-                <a:solidFill>
-                  <a:schemeClr val="accent1">
-                    <a:lumMod val="75000"/>
-                  </a:schemeClr>
-                </a:solidFill>
-              </a:defRPr>
-            </a:lvl1pPr>
-            <a:lvl2pPr marL="457200" indent="0">
-              <a:buNone/>
-              <a:defRPr sz="1200"/>
-            </a:lvl2pPr>
-            <a:lvl3pPr marL="914400" indent="0">
-              <a:buNone/>
-              <a:defRPr sz="1000"/>
-            </a:lvl3pPr>
-            <a:lvl4pPr marL="1371600" indent="0">
-              <a:buNone/>
-              <a:defRPr sz="900"/>
-            </a:lvl4pPr>
-            <a:lvl5pPr marL="1828800" indent="0">
-              <a:buNone/>
-              <a:defRPr sz="900"/>
-            </a:lvl5pPr>
-            <a:lvl6pPr marL="2286000" indent="0">
-              <a:buNone/>
-              <a:defRPr sz="900"/>
-            </a:lvl6pPr>
-            <a:lvl7pPr marL="2743200" indent="0">
-              <a:buNone/>
-              <a:defRPr sz="900"/>
-            </a:lvl7pPr>
-            <a:lvl8pPr marL="3200400" indent="0">
-              <a:buNone/>
-              <a:defRPr sz="900"/>
-            </a:lvl8pPr>
-            <a:lvl9pPr marL="3657600" indent="0">
-              <a:buNone/>
-              <a:defRPr sz="900"/>
-            </a:lvl9pPr>
-          </a:lstStyle>
-          <a:p>
-            <a:pPr lvl="0"/>
-            <a:r>
-              <a:rPr lang="ja-JP" altLang="en-US" smtClean="0"/>
-              <a:t>マスター テキストの書式設定</a:t>
-            </a:r>
-          </a:p>
-        </p:txBody>
-      </p:sp>
-      <p:sp>
-        <p:nvSpPr>
-          <p:cNvPr id="5" name="Date Placeholder 4"/>
-          <p:cNvSpPr>
-            <a:spLocks noGrp="1"/>
-          </p:cNvSpPr>
-          <p:nvPr>
-            <p:ph type="dt" sz="half" idx="10"/>
-          </p:nvPr>
-        </p:nvSpPr>
-        <p:spPr/>
-        <p:txBody>
-          <a:bodyPr/>
-          <a:lstStyle/>
-          <a:p>
-            <a:fld id="{EA09839B-FDFC-49F9-B956-C85EFC887E6D}" type="datetimeFigureOut">
-              <a:rPr kumimoji="1" lang="ja-JP" altLang="en-US" smtClean="0"/>
-              <a:t>2018/3/15</a:t>
-            </a:fld>
-            <a:endParaRPr kumimoji="1" lang="ja-JP" altLang="en-US"/>
-          </a:p>
-        </p:txBody>
-      </p:sp>
-      <p:grpSp>
-        <p:nvGrpSpPr>
-          <p:cNvPr id="8" name="Group 7"/>
-          <p:cNvGrpSpPr>
-            <a:grpSpLocks noChangeAspect="1"/>
-          </p:cNvGrpSpPr>
-          <p:nvPr/>
-        </p:nvGrpSpPr>
-        <p:grpSpPr>
-          <a:xfrm>
-            <a:off x="11401725" y="6229681"/>
-            <a:ext cx="457200" cy="457200"/>
-            <a:chOff x="11361456" y="6195813"/>
-            <a:chExt cx="548640" cy="548640"/>
-          </a:xfrm>
-        </p:grpSpPr>
-        <p:sp>
-          <p:nvSpPr>
-            <p:cNvPr id="9" name="Oval 8"/>
-            <p:cNvSpPr/>
-            <p:nvPr/>
-          </p:nvSpPr>
-          <p:spPr>
-            <a:xfrm>
-              <a:off x="11361456" y="6195813"/>
-              <a:ext cx="548640" cy="548640"/>
-            </a:xfrm>
-            <a:prstGeom prst="ellipse">
-              <a:avLst/>
-            </a:prstGeom>
-            <a:blipFill dpi="0" rotWithShape="1">
-              <a:blip r:embed="rId4">
-                <a:duotone>
-                  <a:schemeClr val="accent1">
-                    <a:shade val="45000"/>
-                    <a:satMod val="135000"/>
-                  </a:schemeClr>
-                  <a:prstClr val="white"/>
-                </a:duotone>
-                <a:extLst>
-                  <a:ext uri="{BEBA8EAE-BF5A-486C-A8C5-ECC9F3942E4B}">
-                    <a14:imgProps xmlns:a14="http://schemas.microsoft.com/office/drawing/2010/main">
-                      <a14:imgLayer r:embed="rId5">
-                        <a14:imgEffect>
-                          <a14:saturation sat="95000"/>
-                        </a14:imgEffect>
-                        <a14:imgEffect>
-                          <a14:brightnessContrast bright="-40000" contrast="20000"/>
-                        </a14:imgEffect>
-                      </a14:imgLayer>
-                    </a14:imgProps>
-                  </a:ext>
-                </a:extLst>
-              </a:blip>
-              <a:srcRect/>
-              <a:tile tx="50800" ty="0" sx="85000" sy="85000" flip="none" algn="tl"/>
-            </a:blipFill>
-            <a:ln w="25400" cap="flat" cmpd="sng" algn="ctr">
-              <a:noFill/>
-              <a:prstDash val="solid"/>
-            </a:ln>
-            <a:effectLst/>
-          </p:spPr>
-        </p:sp>
-        <p:sp>
-          <p:nvSpPr>
-            <p:cNvPr id="10" name="Oval 9"/>
-            <p:cNvSpPr/>
-            <p:nvPr/>
-          </p:nvSpPr>
-          <p:spPr>
-            <a:xfrm>
-              <a:off x="11396488" y="6230844"/>
-              <a:ext cx="478576" cy="478578"/>
-            </a:xfrm>
-            <a:prstGeom prst="ellipse">
-              <a:avLst/>
-            </a:prstGeom>
-            <a:noFill/>
-            <a:ln w="12700" cap="flat" cmpd="sng" algn="ctr">
-              <a:solidFill>
-                <a:sysClr val="window" lastClr="FFFFFF"/>
-              </a:solidFill>
-              <a:prstDash val="solid"/>
-            </a:ln>
-            <a:effectLst/>
-          </p:spPr>
-        </p:sp>
-      </p:grpSp>
-      <p:sp>
-        <p:nvSpPr>
-          <p:cNvPr id="7" name="Slide Number Placeholder 6"/>
-          <p:cNvSpPr>
-            <a:spLocks noGrp="1"/>
-          </p:cNvSpPr>
-          <p:nvPr>
-            <p:ph type="sldNum" sz="quarter" idx="12"/>
-          </p:nvPr>
-        </p:nvSpPr>
-        <p:spPr/>
-        <p:txBody>
-          <a:bodyPr/>
-          <a:lstStyle/>
-          <a:p>
-            <a:fld id="{F81B24D7-E4E3-4AB0-A36F-ACBD4F0B23DC}" type="slidenum">
-              <a:rPr kumimoji="1" lang="ja-JP" altLang="en-US" smtClean="0"/>
-              <a:t>‹#›</a:t>
-            </a:fld>
-            <a:endParaRPr kumimoji="1" lang="ja-JP" altLang="en-US"/>
-          </a:p>
-        </p:txBody>
-      </p:sp>
-    </p:spTree>
-    <p:extLst>
-      <p:ext uri="{BB962C8B-B14F-4D97-AF65-F5344CB8AC3E}">
-        <p14:creationId xmlns:p14="http://schemas.microsoft.com/office/powerpoint/2010/main" val="1515232063"/>
-      </p:ext>
-    </p:extLst>
-  </p:cSld>
-  <p:clrMapOvr>
-    <a:masterClrMapping/>
-  </p:clrMapOvr>
-</p:sldLayout>
-</file>
-
 <file path=ppt/slideMasters/slideMaster1.xml><?xml version="1.0" encoding="utf-8"?>
 <p:sldMaster xmlns:a="http://schemas.openxmlformats.org/drawingml/2006/main" xmlns:r="http://schemas.openxmlformats.org/officeDocument/2006/relationships" xmlns:p="http://schemas.openxmlformats.org/presentationml/2006/main">
   <p:cSld>
     <p:bg>
       <p:bgPr>
         <a:blipFill dpi="0" rotWithShape="1">
-          <a:blip r:embed="rId13">
+          <a:blip r:embed="rId14">
             <a:alphaModFix amt="30000"/>
             <a:lum/>
           </a:blip>
@@ -3723,36 +4146,6 @@
           <a:chExt cx="0" cy="0"/>
         </a:xfrm>
       </p:grpSpPr>
-      <p:pic>
-        <p:nvPicPr>
-          <p:cNvPr id="10" name="図 9"/>
-          <p:cNvPicPr>
-            <a:picLocks noChangeAspect="1"/>
-          </p:cNvPicPr>
-          <p:nvPr userDrawn="1"/>
-        </p:nvPicPr>
-        <p:blipFill>
-          <a:blip r:embed="rId14" cstate="print">
-            <a:extLst>
-              <a:ext uri="{28A0092B-C50C-407E-A947-70E740481C1C}">
-                <a14:useLocalDpi xmlns:a14="http://schemas.microsoft.com/office/drawing/2010/main" val="0"/>
-              </a:ext>
-            </a:extLst>
-          </a:blip>
-          <a:stretch>
-            <a:fillRect/>
-          </a:stretch>
-        </p:blipFill>
-        <p:spPr>
-          <a:xfrm>
-            <a:off x="-1054227" y="5581650"/>
-            <a:ext cx="14306550" cy="2552699"/>
-          </a:xfrm>
-          <a:prstGeom prst="rect">
-            <a:avLst/>
-          </a:prstGeom>
-        </p:spPr>
-      </p:pic>
       <p:sp>
         <p:nvSpPr>
           <p:cNvPr id="2" name="Title Placeholder 1"/>
@@ -3913,7 +4306,7 @@
           <a:p>
             <a:fld id="{EA09839B-FDFC-49F9-B956-C85EFC887E6D}" type="datetimeFigureOut">
               <a:rPr kumimoji="1" lang="ja-JP" altLang="en-US" smtClean="0"/>
-              <a:t>2018/3/15</a:t>
+              <a:t>2018/3/19</a:t>
             </a:fld>
             <a:endParaRPr kumimoji="1" lang="ja-JP" altLang="en-US"/>
           </a:p>
@@ -4097,12 +4490,13 @@
     <p:sldLayoutId id="2147483663" r:id="rId3"/>
     <p:sldLayoutId id="2147483664" r:id="rId4"/>
     <p:sldLayoutId id="2147483665" r:id="rId5"/>
-    <p:sldLayoutId id="2147483666" r:id="rId6"/>
-    <p:sldLayoutId id="2147483667" r:id="rId7"/>
-    <p:sldLayoutId id="2147483668" r:id="rId8"/>
-    <p:sldLayoutId id="2147483669" r:id="rId9"/>
-    <p:sldLayoutId id="2147483670" r:id="rId10"/>
-    <p:sldLayoutId id="2147483671" r:id="rId11"/>
+    <p:sldLayoutId id="2147483672" r:id="rId6"/>
+    <p:sldLayoutId id="2147483666" r:id="rId7"/>
+    <p:sldLayoutId id="2147483667" r:id="rId8"/>
+    <p:sldLayoutId id="2147483668" r:id="rId9"/>
+    <p:sldLayoutId id="2147483669" r:id="rId10"/>
+    <p:sldLayoutId id="2147483670" r:id="rId11"/>
+    <p:sldLayoutId id="2147483671" r:id="rId12"/>
   </p:sldLayoutIdLst>
   <p:txStyles>
     <p:titleStyle>
@@ -4469,6 +4863,22 @@
       </a:lvl9pPr>
     </p:otherStyle>
   </p:txStyles>
+  <p:extLst>
+    <p:ext uri="{27BBF7A9-308A-43DC-89C8-2F10F3537804}">
+      <p15:sldGuideLst xmlns:p15="http://schemas.microsoft.com/office/powerpoint/2012/main">
+        <p15:guide id="1" orient="horz" pos="2160" userDrawn="1">
+          <p15:clr>
+            <a:srgbClr val="F26B43"/>
+          </p15:clr>
+        </p15:guide>
+        <p15:guide id="2" pos="3840" userDrawn="1">
+          <p15:clr>
+            <a:srgbClr val="F26B43"/>
+          </p15:clr>
+        </p15:guide>
+      </p15:sldGuideLst>
+    </p:ext>
+  </p:extLst>
 </p:sldMaster>
 </file>
 
@@ -4506,7 +4916,15 @@
           <a:p>
             <a:r>
               <a:rPr kumimoji="1" lang="ja-JP" altLang="en-US" dirty="0" smtClean="0"/>
-              <a:t>侍寿司屋</a:t>
+              <a:t>侍</a:t>
+            </a:r>
+            <a:r>
+              <a:rPr lang="ja-JP" altLang="en-US" dirty="0"/>
+              <a:t>すし</a:t>
+            </a:r>
+            <a:r>
+              <a:rPr kumimoji="1" lang="ja-JP" altLang="en-US" dirty="0" smtClean="0"/>
+              <a:t>屋</a:t>
             </a:r>
             <a:endParaRPr kumimoji="1" lang="ja-JP" altLang="en-US" dirty="0"/>
           </a:p>
@@ -4584,8 +5002,8 @@
           <a:lstStyle/>
           <a:p>
             <a:r>
-              <a:rPr kumimoji="1" lang="ja-JP" altLang="en-US" dirty="0" smtClean="0"/>
-              <a:t>他</a:t>
+              <a:rPr lang="ja-JP" altLang="en-US" dirty="0"/>
+              <a:t>人気を集め、商売を盛り上げろ</a:t>
             </a:r>
             <a:endParaRPr kumimoji="1" lang="ja-JP" altLang="en-US" dirty="0"/>
           </a:p>
@@ -4601,37 +5019,32 @@
             <p:ph type="body" idx="1"/>
           </p:nvPr>
         </p:nvSpPr>
-        <p:spPr/>
+        <p:spPr>
+          <a:xfrm>
+            <a:off x="1127519" y="1820673"/>
+            <a:ext cx="4754880" cy="640080"/>
+          </a:xfrm>
+        </p:spPr>
         <p:txBody>
           <a:bodyPr/>
           <a:lstStyle/>
           <a:p>
-            <a:endParaRPr kumimoji="1" lang="ja-JP" altLang="en-US"/>
-          </a:p>
-        </p:txBody>
-      </p:sp>
-      <p:sp>
-        <p:nvSpPr>
-          <p:cNvPr id="4" name="コンテンツ プレースホルダー 3"/>
-          <p:cNvSpPr>
-            <a:spLocks noGrp="1"/>
-          </p:cNvSpPr>
-          <p:nvPr>
-            <p:ph sz="half" idx="2"/>
-          </p:nvPr>
-        </p:nvSpPr>
-        <p:spPr/>
-        <p:txBody>
-          <a:bodyPr/>
-          <a:lstStyle/>
-          <a:p>
-            <a:endParaRPr kumimoji="1" lang="ja-JP" altLang="en-US"/>
-          </a:p>
-        </p:txBody>
-      </p:sp>
-      <p:sp>
-        <p:nvSpPr>
-          <p:cNvPr id="5" name="テキスト プレースホルダー 4"/>
+            <a:pPr algn="ctr"/>
+            <a:r>
+              <a:rPr lang="ja-JP" altLang="en-US" dirty="0"/>
+              <a:t>人気は商売の</a:t>
+            </a:r>
+            <a:r>
+              <a:rPr lang="ja-JP" altLang="en-US" dirty="0" smtClean="0"/>
+              <a:t>イノチ</a:t>
+            </a:r>
+            <a:endParaRPr lang="ja-JP" altLang="en-US" dirty="0"/>
+          </a:p>
+        </p:txBody>
+      </p:sp>
+      <p:sp>
+        <p:nvSpPr>
+          <p:cNvPr id="4" name="テキスト プレースホルダー 3"/>
           <p:cNvSpPr>
             <a:spLocks noGrp="1"/>
           </p:cNvSpPr>
@@ -4639,297 +5052,220 @@
             <p:ph type="body" sz="quarter" idx="3"/>
           </p:nvPr>
         </p:nvSpPr>
-        <p:spPr/>
+        <p:spPr>
+          <a:xfrm>
+            <a:off x="6373368" y="1820673"/>
+            <a:ext cx="4754880" cy="640080"/>
+          </a:xfrm>
+        </p:spPr>
         <p:txBody>
           <a:bodyPr/>
           <a:lstStyle/>
           <a:p>
-            <a:endParaRPr kumimoji="1" lang="ja-JP" altLang="en-US"/>
-          </a:p>
-        </p:txBody>
-      </p:sp>
-      <p:sp>
-        <p:nvSpPr>
-          <p:cNvPr id="6" name="コンテンツ プレースホルダー 5"/>
-          <p:cNvSpPr>
-            <a:spLocks noGrp="1"/>
-          </p:cNvSpPr>
-          <p:nvPr>
-            <p:ph sz="quarter" idx="4"/>
-          </p:nvPr>
-        </p:nvSpPr>
-        <p:spPr/>
-        <p:txBody>
-          <a:bodyPr/>
-          <a:lstStyle/>
-          <a:p>
-            <a:endParaRPr kumimoji="1" lang="ja-JP" altLang="en-US"/>
-          </a:p>
-        </p:txBody>
-      </p:sp>
-    </p:spTree>
-    <p:extLst>
-      <p:ext uri="{BB962C8B-B14F-4D97-AF65-F5344CB8AC3E}">
-        <p14:creationId xmlns:p14="http://schemas.microsoft.com/office/powerpoint/2010/main" val="1282148534"/>
-      </p:ext>
-    </p:extLst>
-  </p:cSld>
-  <p:clrMapOvr>
-    <a:masterClrMapping/>
-  </p:clrMapOvr>
-  <p:timing>
-    <p:tnLst>
-      <p:par>
-        <p:cTn id="1" dur="indefinite" restart="never" nodeType="tmRoot"/>
-      </p:par>
-    </p:tnLst>
-  </p:timing>
-</p:sld>
-</file>
-
-<file path=ppt/slides/slide2.xml><?xml version="1.0" encoding="utf-8"?>
-<p:sld xmlns:a="http://schemas.openxmlformats.org/drawingml/2006/main" xmlns:r="http://schemas.openxmlformats.org/officeDocument/2006/relationships" xmlns:p="http://schemas.openxmlformats.org/presentationml/2006/main">
-  <p:cSld>
-    <p:spTree>
-      <p:nvGrpSpPr>
-        <p:cNvPr id="1" name=""/>
-        <p:cNvGrpSpPr/>
-        <p:nvPr/>
-      </p:nvGrpSpPr>
-      <p:grpSpPr>
-        <a:xfrm>
-          <a:off x="0" y="0"/>
-          <a:ext cx="0" cy="0"/>
-          <a:chOff x="0" y="0"/>
-          <a:chExt cx="0" cy="0"/>
-        </a:xfrm>
-      </p:grpSpPr>
-      <p:sp>
-        <p:nvSpPr>
-          <p:cNvPr id="2" name="タイトル 1"/>
-          <p:cNvSpPr>
-            <a:spLocks noGrp="1"/>
-          </p:cNvSpPr>
-          <p:nvPr>
-            <p:ph type="title"/>
-          </p:nvPr>
-        </p:nvSpPr>
-        <p:spPr/>
-        <p:txBody>
-          <a:bodyPr/>
-          <a:lstStyle/>
-          <a:p>
-            <a:r>
-              <a:rPr kumimoji="1" lang="ja-JP" altLang="en-US" dirty="0" smtClean="0"/>
-              <a:t>魚の切り方</a:t>
-            </a:r>
-            <a:endParaRPr kumimoji="1" lang="ja-JP" altLang="en-US" dirty="0"/>
-          </a:p>
-        </p:txBody>
-      </p:sp>
-      <p:sp>
-        <p:nvSpPr>
-          <p:cNvPr id="3" name="テキスト プレースホルダー 2"/>
-          <p:cNvSpPr>
-            <a:spLocks noGrp="1"/>
-          </p:cNvSpPr>
-          <p:nvPr>
-            <p:ph type="body" idx="1"/>
-          </p:nvPr>
-        </p:nvSpPr>
-        <p:spPr/>
-        <p:txBody>
-          <a:bodyPr/>
-          <a:lstStyle/>
-          <a:p>
-            <a:endParaRPr kumimoji="1" lang="ja-JP" altLang="en-US"/>
-          </a:p>
-        </p:txBody>
-      </p:sp>
-      <p:sp>
-        <p:nvSpPr>
-          <p:cNvPr id="4" name="コンテンツ プレースホルダー 3"/>
-          <p:cNvSpPr>
-            <a:spLocks noGrp="1"/>
-          </p:cNvSpPr>
-          <p:nvPr>
-            <p:ph sz="half" idx="2"/>
-          </p:nvPr>
-        </p:nvSpPr>
-        <p:spPr/>
-        <p:txBody>
-          <a:bodyPr/>
-          <a:lstStyle/>
-          <a:p>
-            <a:endParaRPr kumimoji="1" lang="ja-JP" altLang="en-US"/>
-          </a:p>
-        </p:txBody>
-      </p:sp>
-      <p:sp>
-        <p:nvSpPr>
-          <p:cNvPr id="5" name="テキスト プレースホルダー 4"/>
-          <p:cNvSpPr>
-            <a:spLocks noGrp="1"/>
-          </p:cNvSpPr>
-          <p:nvPr>
-            <p:ph type="body" sz="quarter" idx="3"/>
-          </p:nvPr>
-        </p:nvSpPr>
-        <p:spPr/>
-        <p:txBody>
-          <a:bodyPr/>
-          <a:lstStyle/>
-          <a:p>
-            <a:endParaRPr kumimoji="1" lang="ja-JP" altLang="en-US"/>
-          </a:p>
-        </p:txBody>
-      </p:sp>
-      <p:sp>
-        <p:nvSpPr>
-          <p:cNvPr id="6" name="コンテンツ プレースホルダー 5"/>
-          <p:cNvSpPr>
-            <a:spLocks noGrp="1"/>
-          </p:cNvSpPr>
-          <p:nvPr>
-            <p:ph sz="quarter" idx="4"/>
-          </p:nvPr>
-        </p:nvSpPr>
-        <p:spPr/>
-        <p:txBody>
-          <a:bodyPr/>
-          <a:lstStyle/>
-          <a:p>
-            <a:endParaRPr kumimoji="1" lang="ja-JP" altLang="en-US"/>
-          </a:p>
-        </p:txBody>
-      </p:sp>
-    </p:spTree>
-    <p:extLst>
-      <p:ext uri="{BB962C8B-B14F-4D97-AF65-F5344CB8AC3E}">
-        <p14:creationId xmlns:p14="http://schemas.microsoft.com/office/powerpoint/2010/main" val="4178173582"/>
-      </p:ext>
-    </p:extLst>
-  </p:cSld>
-  <p:clrMapOvr>
-    <a:masterClrMapping/>
-  </p:clrMapOvr>
-  <p:timing>
-    <p:tnLst>
-      <p:par>
-        <p:cTn id="1" dur="indefinite" restart="never" nodeType="tmRoot"/>
-      </p:par>
-    </p:tnLst>
-  </p:timing>
-</p:sld>
-</file>
-
-<file path=ppt/slides/slide3.xml><?xml version="1.0" encoding="utf-8"?>
-<p:sld xmlns:a="http://schemas.openxmlformats.org/drawingml/2006/main" xmlns:r="http://schemas.openxmlformats.org/officeDocument/2006/relationships" xmlns:p="http://schemas.openxmlformats.org/presentationml/2006/main">
-  <p:cSld>
-    <p:spTree>
-      <p:nvGrpSpPr>
-        <p:cNvPr id="1" name=""/>
-        <p:cNvGrpSpPr/>
-        <p:nvPr/>
-      </p:nvGrpSpPr>
-      <p:grpSpPr>
-        <a:xfrm>
-          <a:off x="0" y="0"/>
-          <a:ext cx="0" cy="0"/>
-          <a:chOff x="0" y="0"/>
-          <a:chExt cx="0" cy="0"/>
-        </a:xfrm>
-      </p:grpSpPr>
-      <p:sp>
-        <p:nvSpPr>
-          <p:cNvPr id="2" name="タイトル 1"/>
-          <p:cNvSpPr>
-            <a:spLocks noGrp="1"/>
-          </p:cNvSpPr>
-          <p:nvPr>
-            <p:ph type="title"/>
-          </p:nvPr>
-        </p:nvSpPr>
-        <p:spPr/>
-        <p:txBody>
-          <a:bodyPr/>
-          <a:lstStyle/>
-          <a:p>
+            <a:pPr algn="ctr"/>
             <a:r>
               <a:rPr lang="ja-JP" altLang="en-US" dirty="0"/>
-              <a:t>刀</a:t>
+              <a:t>だから客を大切</a:t>
             </a:r>
             <a:r>
               <a:rPr lang="ja-JP" altLang="en-US" dirty="0" smtClean="0"/>
-              <a:t>で刺身</a:t>
-            </a:r>
-            <a:endParaRPr kumimoji="1" lang="ja-JP" altLang="en-US" dirty="0"/>
-          </a:p>
-        </p:txBody>
-      </p:sp>
+              <a:t>に</a:t>
+            </a:r>
+            <a:endParaRPr lang="ja-JP" altLang="en-US" dirty="0"/>
+          </a:p>
+        </p:txBody>
+      </p:sp>
+      <p:grpSp>
+        <p:nvGrpSpPr>
+          <p:cNvPr id="20" name="グループ化 19"/>
+          <p:cNvGrpSpPr/>
+          <p:nvPr/>
+        </p:nvGrpSpPr>
+        <p:grpSpPr>
+          <a:xfrm>
+            <a:off x="856247" y="2471166"/>
+            <a:ext cx="5017008" cy="2669299"/>
+            <a:chOff x="804672" y="3429000"/>
+            <a:chExt cx="5017008" cy="2669299"/>
+          </a:xfrm>
+        </p:grpSpPr>
+        <p:sp>
+          <p:nvSpPr>
+            <p:cNvPr id="5" name="角丸四角形 4"/>
+            <p:cNvSpPr/>
+            <p:nvPr/>
+          </p:nvSpPr>
+          <p:spPr>
+            <a:xfrm>
+              <a:off x="804672" y="3429000"/>
+              <a:ext cx="5017008" cy="2669299"/>
+            </a:xfrm>
+            <a:prstGeom prst="roundRect">
+              <a:avLst/>
+            </a:prstGeom>
+          </p:spPr>
+          <p:style>
+            <a:lnRef idx="2">
+              <a:schemeClr val="dk1">
+                <a:shade val="50000"/>
+              </a:schemeClr>
+            </a:lnRef>
+            <a:fillRef idx="1">
+              <a:schemeClr val="dk1"/>
+            </a:fillRef>
+            <a:effectRef idx="0">
+              <a:schemeClr val="dk1"/>
+            </a:effectRef>
+            <a:fontRef idx="minor">
+              <a:schemeClr val="lt1"/>
+            </a:fontRef>
+          </p:style>
+          <p:txBody>
+            <a:bodyPr rtlCol="0" anchor="ctr"/>
+            <a:lstStyle/>
+            <a:p>
+              <a:pPr algn="ctr"/>
+              <a:endParaRPr kumimoji="1" lang="ja-JP" altLang="en-US"/>
+            </a:p>
+          </p:txBody>
+        </p:sp>
+        <p:sp>
+          <p:nvSpPr>
+            <p:cNvPr id="7" name="楕円 6"/>
+            <p:cNvSpPr/>
+            <p:nvPr/>
+          </p:nvSpPr>
+          <p:spPr>
+            <a:xfrm>
+              <a:off x="5393436" y="4576197"/>
+              <a:ext cx="374904" cy="374904"/>
+            </a:xfrm>
+            <a:prstGeom prst="ellipse">
+              <a:avLst/>
+            </a:prstGeom>
+          </p:spPr>
+          <p:style>
+            <a:lnRef idx="2">
+              <a:schemeClr val="dk1"/>
+            </a:lnRef>
+            <a:fillRef idx="1">
+              <a:schemeClr val="lt1"/>
+            </a:fillRef>
+            <a:effectRef idx="0">
+              <a:schemeClr val="dk1"/>
+            </a:effectRef>
+            <a:fontRef idx="minor">
+              <a:schemeClr val="dk1"/>
+            </a:fontRef>
+          </p:style>
+          <p:txBody>
+            <a:bodyPr rtlCol="0" anchor="ctr"/>
+            <a:lstStyle/>
+            <a:p>
+              <a:pPr algn="ctr"/>
+              <a:endParaRPr kumimoji="1" lang="ja-JP" altLang="en-US"/>
+            </a:p>
+          </p:txBody>
+        </p:sp>
+        <p:sp>
+          <p:nvSpPr>
+            <p:cNvPr id="18" name="正方形/長方形 17"/>
+            <p:cNvSpPr/>
+            <p:nvPr/>
+          </p:nvSpPr>
+          <p:spPr>
+            <a:xfrm>
+              <a:off x="1073904" y="3620649"/>
+              <a:ext cx="4266192" cy="2286000"/>
+            </a:xfrm>
+            <a:prstGeom prst="rect">
+              <a:avLst/>
+            </a:prstGeom>
+            <a:solidFill>
+              <a:schemeClr val="bg1"/>
+            </a:solidFill>
+            <a:ln>
+              <a:noFill/>
+            </a:ln>
+          </p:spPr>
+          <p:style>
+            <a:lnRef idx="2">
+              <a:schemeClr val="accent5">
+                <a:shade val="50000"/>
+              </a:schemeClr>
+            </a:lnRef>
+            <a:fillRef idx="1">
+              <a:schemeClr val="accent5"/>
+            </a:fillRef>
+            <a:effectRef idx="0">
+              <a:schemeClr val="accent5"/>
+            </a:effectRef>
+            <a:fontRef idx="minor">
+              <a:schemeClr val="lt1"/>
+            </a:fontRef>
+          </p:style>
+          <p:txBody>
+            <a:bodyPr rtlCol="0" anchor="ctr"/>
+            <a:lstStyle/>
+            <a:p>
+              <a:pPr algn="ctr"/>
+              <a:endParaRPr kumimoji="1" lang="ja-JP" altLang="en-US"/>
+            </a:p>
+          </p:txBody>
+        </p:sp>
+        <p:sp>
+          <p:nvSpPr>
+            <p:cNvPr id="6" name="正方形/長方形 5"/>
+            <p:cNvSpPr/>
+            <p:nvPr/>
+          </p:nvSpPr>
+          <p:spPr>
+            <a:xfrm>
+              <a:off x="1066800" y="3620649"/>
+              <a:ext cx="4273296" cy="2286000"/>
+            </a:xfrm>
+            <a:prstGeom prst="rect">
+              <a:avLst/>
+            </a:prstGeom>
+            <a:blipFill dpi="0" rotWithShape="1">
+              <a:blip r:embed="rId2">
+                <a:alphaModFix amt="85000"/>
+              </a:blip>
+              <a:srcRect/>
+              <a:stretch>
+                <a:fillRect/>
+              </a:stretch>
+            </a:blipFill>
+          </p:spPr>
+          <p:style>
+            <a:lnRef idx="2">
+              <a:schemeClr val="accent5">
+                <a:shade val="50000"/>
+              </a:schemeClr>
+            </a:lnRef>
+            <a:fillRef idx="1">
+              <a:schemeClr val="accent5"/>
+            </a:fillRef>
+            <a:effectRef idx="0">
+              <a:schemeClr val="accent5"/>
+            </a:effectRef>
+            <a:fontRef idx="minor">
+              <a:schemeClr val="lt1"/>
+            </a:fontRef>
+          </p:style>
+          <p:txBody>
+            <a:bodyPr rtlCol="0" anchor="ctr"/>
+            <a:lstStyle/>
+            <a:p>
+              <a:pPr algn="ctr"/>
+              <a:endParaRPr kumimoji="1" lang="ja-JP" altLang="en-US"/>
+            </a:p>
+          </p:txBody>
+        </p:sp>
+      </p:grpSp>
       <p:pic>
         <p:nvPicPr>
-          <p:cNvPr id="3" name="図 2"/>
-          <p:cNvPicPr>
-            <a:picLocks noChangeAspect="1"/>
-          </p:cNvPicPr>
-          <p:nvPr/>
-        </p:nvPicPr>
-        <p:blipFill>
-          <a:blip r:embed="rId2" cstate="print">
-            <a:extLst>
-              <a:ext uri="{28A0092B-C50C-407E-A947-70E740481C1C}">
-                <a14:useLocalDpi xmlns:a14="http://schemas.microsoft.com/office/drawing/2010/main" val="0"/>
-              </a:ext>
-            </a:extLst>
-          </a:blip>
-          <a:stretch>
-            <a:fillRect/>
-          </a:stretch>
-        </p:blipFill>
-        <p:spPr>
-          <a:xfrm>
-            <a:off x="1069848" y="3739363"/>
-            <a:ext cx="1219202" cy="1219202"/>
-          </a:xfrm>
-          <a:prstGeom prst="rect">
-            <a:avLst/>
-          </a:prstGeom>
-        </p:spPr>
-      </p:pic>
-      <p:pic>
-        <p:nvPicPr>
-          <p:cNvPr id="4" name="図 3"/>
-          <p:cNvPicPr>
-            <a:picLocks noChangeAspect="1"/>
-          </p:cNvPicPr>
-          <p:nvPr/>
-        </p:nvPicPr>
-        <p:blipFill>
-          <a:blip r:embed="rId2" cstate="print">
-            <a:extLst>
-              <a:ext uri="{28A0092B-C50C-407E-A947-70E740481C1C}">
-                <a14:useLocalDpi xmlns:a14="http://schemas.microsoft.com/office/drawing/2010/main" val="0"/>
-              </a:ext>
-            </a:extLst>
-          </a:blip>
-          <a:stretch>
-            <a:fillRect/>
-          </a:stretch>
-        </p:blipFill>
-        <p:spPr>
-          <a:xfrm>
-            <a:off x="4418360" y="2924703"/>
-            <a:ext cx="1219202" cy="1219202"/>
-          </a:xfrm>
-          <a:prstGeom prst="rect">
-            <a:avLst/>
-          </a:prstGeom>
-        </p:spPr>
-      </p:pic>
-      <p:pic>
-        <p:nvPicPr>
-          <p:cNvPr id="7" name="図 6"/>
+          <p:cNvPr id="10" name="図 9"/>
           <p:cNvPicPr>
             <a:picLocks noChangeAspect="1"/>
           </p:cNvPicPr>
@@ -4949,138 +5285,38 @@
         </p:blipFill>
         <p:spPr>
           <a:xfrm>
-            <a:off x="4505610" y="5658133"/>
-            <a:ext cx="1044703" cy="863125"/>
+            <a:off x="4929740" y="3752192"/>
+            <a:ext cx="317209" cy="1073923"/>
           </a:xfrm>
           <a:prstGeom prst="rect">
             <a:avLst/>
           </a:prstGeom>
         </p:spPr>
       </p:pic>
-      <p:pic>
-        <p:nvPicPr>
-          <p:cNvPr id="5" name="図 4"/>
-          <p:cNvPicPr>
-            <a:picLocks noChangeAspect="1"/>
-          </p:cNvPicPr>
-          <p:nvPr/>
-        </p:nvPicPr>
-        <p:blipFill>
-          <a:blip r:embed="rId4" cstate="print">
-            <a:extLst>
-              <a:ext uri="{28A0092B-C50C-407E-A947-70E740481C1C}">
-                <a14:useLocalDpi xmlns:a14="http://schemas.microsoft.com/office/drawing/2010/main" val="0"/>
-              </a:ext>
-            </a:extLst>
-          </a:blip>
-          <a:stretch>
-            <a:fillRect/>
-          </a:stretch>
-        </p:blipFill>
-        <p:spPr>
-          <a:xfrm>
-            <a:off x="4665058" y="4545120"/>
-            <a:ext cx="725806" cy="725806"/>
-          </a:xfrm>
-          <a:prstGeom prst="rect">
-            <a:avLst/>
-          </a:prstGeom>
-        </p:spPr>
-      </p:pic>
-      <p:pic>
-        <p:nvPicPr>
-          <p:cNvPr id="6" name="図 5"/>
-          <p:cNvPicPr>
-            <a:picLocks noChangeAspect="1"/>
-          </p:cNvPicPr>
-          <p:nvPr/>
-        </p:nvPicPr>
-        <p:blipFill>
-          <a:blip r:embed="rId5" cstate="print">
-            <a:extLst>
-              <a:ext uri="{28A0092B-C50C-407E-A947-70E740481C1C}">
-                <a14:useLocalDpi xmlns:a14="http://schemas.microsoft.com/office/drawing/2010/main" val="0"/>
-              </a:ext>
-            </a:extLst>
-          </a:blip>
-          <a:stretch>
-            <a:fillRect/>
-          </a:stretch>
-        </p:blipFill>
-        <p:spPr>
-          <a:xfrm>
-            <a:off x="4641723" y="5577901"/>
-            <a:ext cx="772478" cy="772478"/>
-          </a:xfrm>
-          <a:prstGeom prst="rect">
-            <a:avLst/>
-          </a:prstGeom>
-        </p:spPr>
-      </p:pic>
-      <p:sp>
-        <p:nvSpPr>
-          <p:cNvPr id="9" name="下矢印 8"/>
-          <p:cNvSpPr/>
-          <p:nvPr/>
-        </p:nvSpPr>
-        <p:spPr>
-          <a:xfrm>
-            <a:off x="4937637" y="5242061"/>
-            <a:ext cx="180648" cy="364705"/>
-          </a:xfrm>
-          <a:prstGeom prst="downArrow">
-            <a:avLst/>
-          </a:prstGeom>
-        </p:spPr>
-        <p:style>
-          <a:lnRef idx="2">
-            <a:schemeClr val="accent6">
-              <a:shade val="50000"/>
-            </a:schemeClr>
-          </a:lnRef>
-          <a:fillRef idx="1">
-            <a:schemeClr val="accent6"/>
-          </a:fillRef>
-          <a:effectRef idx="0">
-            <a:schemeClr val="accent6"/>
-          </a:effectRef>
-          <a:fontRef idx="minor">
-            <a:schemeClr val="lt1"/>
-          </a:fontRef>
-        </p:style>
-        <p:txBody>
-          <a:bodyPr rtlCol="0" anchor="ctr"/>
-          <a:lstStyle/>
-          <a:p>
-            <a:pPr algn="ctr"/>
-            <a:endParaRPr kumimoji="1" lang="ja-JP" altLang="en-US"/>
-          </a:p>
-        </p:txBody>
-      </p:sp>
       <p:grpSp>
         <p:nvGrpSpPr>
-          <p:cNvPr id="14" name="グループ化 13"/>
+          <p:cNvPr id="22" name="グループ化 21"/>
           <p:cNvGrpSpPr/>
           <p:nvPr/>
         </p:nvGrpSpPr>
         <p:grpSpPr>
           <a:xfrm>
-            <a:off x="7467402" y="4190636"/>
-            <a:ext cx="2004058" cy="1369559"/>
-            <a:chOff x="7364448" y="3557927"/>
-            <a:chExt cx="2004058" cy="1369559"/>
+            <a:off x="2106482" y="3508007"/>
+            <a:ext cx="1028051" cy="1152766"/>
+            <a:chOff x="8526780" y="3965679"/>
+            <a:chExt cx="1028051" cy="1152766"/>
           </a:xfrm>
         </p:grpSpPr>
         <p:pic>
           <p:nvPicPr>
-            <p:cNvPr id="10" name="図 9"/>
+            <p:cNvPr id="11" name="図 10"/>
             <p:cNvPicPr>
               <a:picLocks noChangeAspect="1"/>
             </p:cNvPicPr>
             <p:nvPr/>
           </p:nvPicPr>
           <p:blipFill>
-            <a:blip r:embed="rId6" cstate="print">
+            <a:blip r:embed="rId4" cstate="print">
               <a:extLst>
                 <a:ext uri="{28A0092B-C50C-407E-A947-70E740481C1C}">
                   <a14:useLocalDpi xmlns:a14="http://schemas.microsoft.com/office/drawing/2010/main" val="0"/>
@@ -5092,25 +5328,60 @@
             </a:stretch>
           </p:blipFill>
           <p:spPr>
-            <a:xfrm rot="1800000">
-              <a:off x="8031169" y="3557927"/>
-              <a:ext cx="1337337" cy="1337337"/>
+            <a:xfrm>
+              <a:off x="8701634" y="3965679"/>
+              <a:ext cx="630717" cy="630717"/>
             </a:xfrm>
             <a:prstGeom prst="rect">
               <a:avLst/>
             </a:prstGeom>
           </p:spPr>
         </p:pic>
+        <p:cxnSp>
+          <p:nvCxnSpPr>
+            <p:cNvPr id="12" name="直線コネクタ 11"/>
+            <p:cNvCxnSpPr/>
+            <p:nvPr/>
+          </p:nvCxnSpPr>
+          <p:spPr>
+            <a:xfrm>
+              <a:off x="8526780" y="4281037"/>
+              <a:ext cx="1018686" cy="91441"/>
+            </a:xfrm>
+            <a:prstGeom prst="line">
+              <a:avLst/>
+            </a:prstGeom>
+            <a:ln w="38100">
+              <a:solidFill>
+                <a:srgbClr val="FF0000"/>
+              </a:solidFill>
+            </a:ln>
+          </p:spPr>
+          <p:style>
+            <a:lnRef idx="1">
+              <a:schemeClr val="accent1"/>
+            </a:lnRef>
+            <a:fillRef idx="0">
+              <a:schemeClr val="accent1"/>
+            </a:fillRef>
+            <a:effectRef idx="0">
+              <a:schemeClr val="accent1"/>
+            </a:effectRef>
+            <a:fontRef idx="minor">
+              <a:schemeClr val="tx1"/>
+            </a:fontRef>
+          </p:style>
+        </p:cxnSp>
         <p:pic>
           <p:nvPicPr>
-            <p:cNvPr id="11" name="図 10"/>
+            <p:cNvPr id="21" name="図 20"/>
             <p:cNvPicPr>
               <a:picLocks noChangeAspect="1"/>
             </p:cNvPicPr>
             <p:nvPr/>
           </p:nvPicPr>
           <p:blipFill>
-            <a:blip r:embed="rId7" cstate="print">
+            <a:blip r:embed="rId5" cstate="print">
               <a:extLst>
                 <a:ext uri="{28A0092B-C50C-407E-A947-70E740481C1C}">
                   <a14:useLocalDpi xmlns:a14="http://schemas.microsoft.com/office/drawing/2010/main" val="0"/>
@@ -5122,9 +5393,608 @@
             </a:stretch>
           </p:blipFill>
           <p:spPr>
-            <a:xfrm rot="18900000">
-              <a:off x="7364448" y="3590149"/>
-              <a:ext cx="1337337" cy="1337337"/>
+            <a:xfrm rot="21422781" flipH="1">
+              <a:off x="8927465" y="4388156"/>
+              <a:ext cx="627366" cy="730289"/>
+            </a:xfrm>
+            <a:prstGeom prst="rect">
+              <a:avLst/>
+            </a:prstGeom>
+          </p:spPr>
+        </p:pic>
+      </p:grpSp>
+      <p:sp>
+        <p:nvSpPr>
+          <p:cNvPr id="23" name="下矢印 22"/>
+          <p:cNvSpPr/>
+          <p:nvPr/>
+        </p:nvSpPr>
+        <p:spPr>
+          <a:xfrm flipV="1">
+            <a:off x="4643527" y="3979598"/>
+            <a:ext cx="273616" cy="592062"/>
+          </a:xfrm>
+          <a:prstGeom prst="downArrow">
+            <a:avLst/>
+          </a:prstGeom>
+          <a:gradFill flip="none" rotWithShape="1">
+            <a:gsLst>
+              <a:gs pos="100000">
+                <a:schemeClr val="accent1">
+                  <a:lumMod val="67000"/>
+                </a:schemeClr>
+              </a:gs>
+              <a:gs pos="48000">
+                <a:schemeClr val="accent1">
+                  <a:lumMod val="97000"/>
+                  <a:lumOff val="3000"/>
+                </a:schemeClr>
+              </a:gs>
+              <a:gs pos="0">
+                <a:schemeClr val="accent1">
+                  <a:lumMod val="60000"/>
+                  <a:lumOff val="40000"/>
+                </a:schemeClr>
+              </a:gs>
+            </a:gsLst>
+            <a:lin ang="16200000" scaled="1"/>
+            <a:tileRect/>
+          </a:gradFill>
+          <a:ln w="3175">
+            <a:solidFill>
+              <a:schemeClr val="tx1">
+                <a:lumMod val="65000"/>
+                <a:lumOff val="35000"/>
+              </a:schemeClr>
+            </a:solidFill>
+          </a:ln>
+        </p:spPr>
+        <p:style>
+          <a:lnRef idx="0">
+            <a:scrgbClr r="0" g="0" b="0"/>
+          </a:lnRef>
+          <a:fillRef idx="0">
+            <a:scrgbClr r="0" g="0" b="0"/>
+          </a:fillRef>
+          <a:effectRef idx="0">
+            <a:scrgbClr r="0" g="0" b="0"/>
+          </a:effectRef>
+          <a:fontRef idx="minor">
+            <a:schemeClr val="lt1"/>
+          </a:fontRef>
+        </p:style>
+        <p:txBody>
+          <a:bodyPr rtlCol="0" anchor="ctr"/>
+          <a:lstStyle/>
+          <a:p>
+            <a:pPr algn="ctr"/>
+            <a:endParaRPr kumimoji="1" lang="ja-JP" altLang="en-US"/>
+          </a:p>
+        </p:txBody>
+      </p:sp>
+      <p:grpSp>
+        <p:nvGrpSpPr>
+          <p:cNvPr id="30" name="グループ化 29"/>
+          <p:cNvGrpSpPr/>
+          <p:nvPr/>
+        </p:nvGrpSpPr>
+        <p:grpSpPr>
+          <a:xfrm>
+            <a:off x="3479882" y="3534702"/>
+            <a:ext cx="823653" cy="948144"/>
+            <a:chOff x="3428307" y="4492536"/>
+            <a:chExt cx="823653" cy="948144"/>
+          </a:xfrm>
+        </p:grpSpPr>
+        <p:pic>
+          <p:nvPicPr>
+            <p:cNvPr id="24" name="図 23"/>
+            <p:cNvPicPr>
+              <a:picLocks noChangeAspect="1"/>
+            </p:cNvPicPr>
+            <p:nvPr/>
+          </p:nvPicPr>
+          <p:blipFill rotWithShape="1">
+            <a:blip r:embed="rId6" cstate="print">
+              <a:extLst>
+                <a:ext uri="{28A0092B-C50C-407E-A947-70E740481C1C}">
+                  <a14:useLocalDpi xmlns:a14="http://schemas.microsoft.com/office/drawing/2010/main" val="0"/>
+                </a:ext>
+              </a:extLst>
+            </a:blip>
+            <a:srcRect l="-1" r="-133464" b="16283"/>
+            <a:stretch/>
+          </p:blipFill>
+          <p:spPr>
+            <a:xfrm>
+              <a:off x="3428307" y="4492536"/>
+              <a:ext cx="823653" cy="948144"/>
+            </a:xfrm>
+            <a:prstGeom prst="rect">
+              <a:avLst/>
+            </a:prstGeom>
+          </p:spPr>
+        </p:pic>
+        <p:pic>
+          <p:nvPicPr>
+            <p:cNvPr id="27" name="図 26"/>
+            <p:cNvPicPr>
+              <a:picLocks noChangeAspect="1"/>
+            </p:cNvPicPr>
+            <p:nvPr/>
+          </p:nvPicPr>
+          <p:blipFill rotWithShape="1">
+            <a:blip r:embed="rId6" cstate="print">
+              <a:extLst>
+                <a:ext uri="{28A0092B-C50C-407E-A947-70E740481C1C}">
+                  <a14:useLocalDpi xmlns:a14="http://schemas.microsoft.com/office/drawing/2010/main" val="0"/>
+                </a:ext>
+              </a:extLst>
+            </a:blip>
+            <a:srcRect l="-10605" r="-13973" b="21665"/>
+            <a:stretch/>
+          </p:blipFill>
+          <p:spPr>
+            <a:xfrm>
+              <a:off x="3463290" y="4553498"/>
+              <a:ext cx="439501" cy="887182"/>
+            </a:xfrm>
+            <a:prstGeom prst="rect">
+              <a:avLst/>
+            </a:prstGeom>
+          </p:spPr>
+        </p:pic>
+        <p:pic>
+          <p:nvPicPr>
+            <p:cNvPr id="28" name="図 27"/>
+            <p:cNvPicPr>
+              <a:picLocks noChangeAspect="1"/>
+            </p:cNvPicPr>
+            <p:nvPr/>
+          </p:nvPicPr>
+          <p:blipFill rotWithShape="1">
+            <a:blip r:embed="rId6" cstate="print">
+              <a:extLst>
+                <a:ext uri="{28A0092B-C50C-407E-A947-70E740481C1C}">
+                  <a14:useLocalDpi xmlns:a14="http://schemas.microsoft.com/office/drawing/2010/main" val="0"/>
+                </a:ext>
+              </a:extLst>
+            </a:blip>
+            <a:srcRect l="1" r="-8192" b="26038"/>
+            <a:stretch/>
+          </p:blipFill>
+          <p:spPr>
+            <a:xfrm>
+              <a:off x="3573089" y="4603030"/>
+              <a:ext cx="381691" cy="837650"/>
+            </a:xfrm>
+            <a:prstGeom prst="rect">
+              <a:avLst/>
+            </a:prstGeom>
+          </p:spPr>
+        </p:pic>
+        <p:pic>
+          <p:nvPicPr>
+            <p:cNvPr id="29" name="図 28"/>
+            <p:cNvPicPr>
+              <a:picLocks noChangeAspect="1"/>
+            </p:cNvPicPr>
+            <p:nvPr/>
+          </p:nvPicPr>
+          <p:blipFill rotWithShape="1">
+            <a:blip r:embed="rId6" cstate="print">
+              <a:extLst>
+                <a:ext uri="{28A0092B-C50C-407E-A947-70E740481C1C}">
+                  <a14:useLocalDpi xmlns:a14="http://schemas.microsoft.com/office/drawing/2010/main" val="0"/>
+                </a:ext>
+              </a:extLst>
+            </a:blip>
+            <a:srcRect l="1" t="-1" r="-65266" b="31417"/>
+            <a:stretch/>
+          </p:blipFill>
+          <p:spPr>
+            <a:xfrm>
+              <a:off x="3644195" y="4661452"/>
+              <a:ext cx="584906" cy="779228"/>
+            </a:xfrm>
+            <a:prstGeom prst="rect">
+              <a:avLst/>
+            </a:prstGeom>
+          </p:spPr>
+        </p:pic>
+      </p:grpSp>
+      <p:grpSp>
+        <p:nvGrpSpPr>
+          <p:cNvPr id="31" name="グループ化 30"/>
+          <p:cNvGrpSpPr/>
+          <p:nvPr/>
+        </p:nvGrpSpPr>
+        <p:grpSpPr>
+          <a:xfrm>
+            <a:off x="6364224" y="2471166"/>
+            <a:ext cx="5017008" cy="2669299"/>
+            <a:chOff x="804672" y="3429000"/>
+            <a:chExt cx="5017008" cy="2669299"/>
+          </a:xfrm>
+        </p:grpSpPr>
+        <p:sp>
+          <p:nvSpPr>
+            <p:cNvPr id="32" name="角丸四角形 31"/>
+            <p:cNvSpPr/>
+            <p:nvPr/>
+          </p:nvSpPr>
+          <p:spPr>
+            <a:xfrm>
+              <a:off x="804672" y="3429000"/>
+              <a:ext cx="5017008" cy="2669299"/>
+            </a:xfrm>
+            <a:prstGeom prst="roundRect">
+              <a:avLst/>
+            </a:prstGeom>
+          </p:spPr>
+          <p:style>
+            <a:lnRef idx="2">
+              <a:schemeClr val="dk1">
+                <a:shade val="50000"/>
+              </a:schemeClr>
+            </a:lnRef>
+            <a:fillRef idx="1">
+              <a:schemeClr val="dk1"/>
+            </a:fillRef>
+            <a:effectRef idx="0">
+              <a:schemeClr val="dk1"/>
+            </a:effectRef>
+            <a:fontRef idx="minor">
+              <a:schemeClr val="lt1"/>
+            </a:fontRef>
+          </p:style>
+          <p:txBody>
+            <a:bodyPr rtlCol="0" anchor="ctr"/>
+            <a:lstStyle/>
+            <a:p>
+              <a:pPr algn="ctr"/>
+              <a:endParaRPr kumimoji="1" lang="ja-JP" altLang="en-US"/>
+            </a:p>
+          </p:txBody>
+        </p:sp>
+        <p:sp>
+          <p:nvSpPr>
+            <p:cNvPr id="33" name="楕円 32"/>
+            <p:cNvSpPr/>
+            <p:nvPr/>
+          </p:nvSpPr>
+          <p:spPr>
+            <a:xfrm>
+              <a:off x="5393436" y="4576197"/>
+              <a:ext cx="374904" cy="374904"/>
+            </a:xfrm>
+            <a:prstGeom prst="ellipse">
+              <a:avLst/>
+            </a:prstGeom>
+          </p:spPr>
+          <p:style>
+            <a:lnRef idx="2">
+              <a:schemeClr val="dk1"/>
+            </a:lnRef>
+            <a:fillRef idx="1">
+              <a:schemeClr val="lt1"/>
+            </a:fillRef>
+            <a:effectRef idx="0">
+              <a:schemeClr val="dk1"/>
+            </a:effectRef>
+            <a:fontRef idx="minor">
+              <a:schemeClr val="dk1"/>
+            </a:fontRef>
+          </p:style>
+          <p:txBody>
+            <a:bodyPr rtlCol="0" anchor="ctr"/>
+            <a:lstStyle/>
+            <a:p>
+              <a:pPr algn="ctr"/>
+              <a:endParaRPr kumimoji="1" lang="ja-JP" altLang="en-US"/>
+            </a:p>
+          </p:txBody>
+        </p:sp>
+        <p:sp>
+          <p:nvSpPr>
+            <p:cNvPr id="34" name="正方形/長方形 33"/>
+            <p:cNvSpPr/>
+            <p:nvPr/>
+          </p:nvSpPr>
+          <p:spPr>
+            <a:xfrm>
+              <a:off x="1073904" y="3620649"/>
+              <a:ext cx="4266192" cy="2286000"/>
+            </a:xfrm>
+            <a:prstGeom prst="rect">
+              <a:avLst/>
+            </a:prstGeom>
+            <a:solidFill>
+              <a:schemeClr val="bg1"/>
+            </a:solidFill>
+            <a:ln>
+              <a:noFill/>
+            </a:ln>
+          </p:spPr>
+          <p:style>
+            <a:lnRef idx="2">
+              <a:schemeClr val="accent5">
+                <a:shade val="50000"/>
+              </a:schemeClr>
+            </a:lnRef>
+            <a:fillRef idx="1">
+              <a:schemeClr val="accent5"/>
+            </a:fillRef>
+            <a:effectRef idx="0">
+              <a:schemeClr val="accent5"/>
+            </a:effectRef>
+            <a:fontRef idx="minor">
+              <a:schemeClr val="lt1"/>
+            </a:fontRef>
+          </p:style>
+          <p:txBody>
+            <a:bodyPr rtlCol="0" anchor="ctr"/>
+            <a:lstStyle/>
+            <a:p>
+              <a:pPr algn="ctr"/>
+              <a:endParaRPr kumimoji="1" lang="ja-JP" altLang="en-US"/>
+            </a:p>
+          </p:txBody>
+        </p:sp>
+        <p:sp>
+          <p:nvSpPr>
+            <p:cNvPr id="35" name="正方形/長方形 34"/>
+            <p:cNvSpPr/>
+            <p:nvPr/>
+          </p:nvSpPr>
+          <p:spPr>
+            <a:xfrm>
+              <a:off x="1066800" y="3620649"/>
+              <a:ext cx="4273296" cy="2286000"/>
+            </a:xfrm>
+            <a:prstGeom prst="rect">
+              <a:avLst/>
+            </a:prstGeom>
+            <a:blipFill dpi="0" rotWithShape="1">
+              <a:blip r:embed="rId2">
+                <a:alphaModFix amt="85000"/>
+              </a:blip>
+              <a:srcRect/>
+              <a:stretch>
+                <a:fillRect/>
+              </a:stretch>
+            </a:blipFill>
+          </p:spPr>
+          <p:style>
+            <a:lnRef idx="2">
+              <a:schemeClr val="accent5">
+                <a:shade val="50000"/>
+              </a:schemeClr>
+            </a:lnRef>
+            <a:fillRef idx="1">
+              <a:schemeClr val="accent5"/>
+            </a:fillRef>
+            <a:effectRef idx="0">
+              <a:schemeClr val="accent5"/>
+            </a:effectRef>
+            <a:fontRef idx="minor">
+              <a:schemeClr val="lt1"/>
+            </a:fontRef>
+          </p:style>
+          <p:txBody>
+            <a:bodyPr rtlCol="0" anchor="ctr"/>
+            <a:lstStyle/>
+            <a:p>
+              <a:pPr algn="ctr"/>
+              <a:endParaRPr kumimoji="1" lang="ja-JP" altLang="en-US"/>
+            </a:p>
+          </p:txBody>
+        </p:sp>
+      </p:grpSp>
+      <p:grpSp>
+        <p:nvGrpSpPr>
+          <p:cNvPr id="36" name="グループ化 35"/>
+          <p:cNvGrpSpPr/>
+          <p:nvPr/>
+        </p:nvGrpSpPr>
+        <p:grpSpPr>
+          <a:xfrm>
+            <a:off x="8770274" y="3524774"/>
+            <a:ext cx="823653" cy="948144"/>
+            <a:chOff x="3428307" y="4492536"/>
+            <a:chExt cx="823653" cy="948144"/>
+          </a:xfrm>
+        </p:grpSpPr>
+        <p:pic>
+          <p:nvPicPr>
+            <p:cNvPr id="37" name="図 36"/>
+            <p:cNvPicPr>
+              <a:picLocks noChangeAspect="1"/>
+            </p:cNvPicPr>
+            <p:nvPr/>
+          </p:nvPicPr>
+          <p:blipFill rotWithShape="1">
+            <a:blip r:embed="rId6" cstate="print">
+              <a:extLst>
+                <a:ext uri="{28A0092B-C50C-407E-A947-70E740481C1C}">
+                  <a14:useLocalDpi xmlns:a14="http://schemas.microsoft.com/office/drawing/2010/main" val="0"/>
+                </a:ext>
+              </a:extLst>
+            </a:blip>
+            <a:srcRect l="-1" r="-133464" b="16283"/>
+            <a:stretch/>
+          </p:blipFill>
+          <p:spPr>
+            <a:xfrm>
+              <a:off x="3428307" y="4492536"/>
+              <a:ext cx="823653" cy="948144"/>
+            </a:xfrm>
+            <a:prstGeom prst="rect">
+              <a:avLst/>
+            </a:prstGeom>
+          </p:spPr>
+        </p:pic>
+        <p:pic>
+          <p:nvPicPr>
+            <p:cNvPr id="38" name="図 37"/>
+            <p:cNvPicPr>
+              <a:picLocks noChangeAspect="1"/>
+            </p:cNvPicPr>
+            <p:nvPr/>
+          </p:nvPicPr>
+          <p:blipFill rotWithShape="1">
+            <a:blip r:embed="rId6" cstate="print">
+              <a:extLst>
+                <a:ext uri="{28A0092B-C50C-407E-A947-70E740481C1C}">
+                  <a14:useLocalDpi xmlns:a14="http://schemas.microsoft.com/office/drawing/2010/main" val="0"/>
+                </a:ext>
+              </a:extLst>
+            </a:blip>
+            <a:srcRect l="-10605" r="-13973" b="21665"/>
+            <a:stretch/>
+          </p:blipFill>
+          <p:spPr>
+            <a:xfrm>
+              <a:off x="3463290" y="4553498"/>
+              <a:ext cx="439501" cy="887182"/>
+            </a:xfrm>
+            <a:prstGeom prst="rect">
+              <a:avLst/>
+            </a:prstGeom>
+          </p:spPr>
+        </p:pic>
+        <p:pic>
+          <p:nvPicPr>
+            <p:cNvPr id="39" name="図 38"/>
+            <p:cNvPicPr>
+              <a:picLocks noChangeAspect="1"/>
+            </p:cNvPicPr>
+            <p:nvPr/>
+          </p:nvPicPr>
+          <p:blipFill rotWithShape="1">
+            <a:blip r:embed="rId6" cstate="print">
+              <a:extLst>
+                <a:ext uri="{28A0092B-C50C-407E-A947-70E740481C1C}">
+                  <a14:useLocalDpi xmlns:a14="http://schemas.microsoft.com/office/drawing/2010/main" val="0"/>
+                </a:ext>
+              </a:extLst>
+            </a:blip>
+            <a:srcRect l="1" r="-8192" b="26038"/>
+            <a:stretch/>
+          </p:blipFill>
+          <p:spPr>
+            <a:xfrm>
+              <a:off x="3573089" y="4603030"/>
+              <a:ext cx="381691" cy="837650"/>
+            </a:xfrm>
+            <a:prstGeom prst="rect">
+              <a:avLst/>
+            </a:prstGeom>
+          </p:spPr>
+        </p:pic>
+        <p:pic>
+          <p:nvPicPr>
+            <p:cNvPr id="40" name="図 39"/>
+            <p:cNvPicPr>
+              <a:picLocks noChangeAspect="1"/>
+            </p:cNvPicPr>
+            <p:nvPr/>
+          </p:nvPicPr>
+          <p:blipFill rotWithShape="1">
+            <a:blip r:embed="rId6" cstate="print">
+              <a:extLst>
+                <a:ext uri="{28A0092B-C50C-407E-A947-70E740481C1C}">
+                  <a14:useLocalDpi xmlns:a14="http://schemas.microsoft.com/office/drawing/2010/main" val="0"/>
+                </a:ext>
+              </a:extLst>
+            </a:blip>
+            <a:srcRect l="1" t="-1" r="-65266" b="31417"/>
+            <a:stretch/>
+          </p:blipFill>
+          <p:spPr>
+            <a:xfrm>
+              <a:off x="3644195" y="4661452"/>
+              <a:ext cx="584906" cy="779228"/>
+            </a:xfrm>
+            <a:prstGeom prst="rect">
+              <a:avLst/>
+            </a:prstGeom>
+          </p:spPr>
+        </p:pic>
+      </p:grpSp>
+      <p:grpSp>
+        <p:nvGrpSpPr>
+          <p:cNvPr id="45" name="グループ化 44"/>
+          <p:cNvGrpSpPr/>
+          <p:nvPr/>
+        </p:nvGrpSpPr>
+        <p:grpSpPr>
+          <a:xfrm>
+            <a:off x="8543017" y="3859375"/>
+            <a:ext cx="1028051" cy="837408"/>
+            <a:chOff x="7841468" y="6020592"/>
+            <a:chExt cx="1028051" cy="837408"/>
+          </a:xfrm>
+        </p:grpSpPr>
+        <p:cxnSp>
+          <p:nvCxnSpPr>
+            <p:cNvPr id="43" name="直線コネクタ 42"/>
+            <p:cNvCxnSpPr/>
+            <p:nvPr/>
+          </p:nvCxnSpPr>
+          <p:spPr>
+            <a:xfrm>
+              <a:off x="7841468" y="6020592"/>
+              <a:ext cx="1018686" cy="91441"/>
+            </a:xfrm>
+            <a:prstGeom prst="line">
+              <a:avLst/>
+            </a:prstGeom>
+            <a:ln w="38100">
+              <a:solidFill>
+                <a:srgbClr val="FF0000"/>
+              </a:solidFill>
+            </a:ln>
+          </p:spPr>
+          <p:style>
+            <a:lnRef idx="1">
+              <a:schemeClr val="accent1"/>
+            </a:lnRef>
+            <a:fillRef idx="0">
+              <a:schemeClr val="accent1"/>
+            </a:fillRef>
+            <a:effectRef idx="0">
+              <a:schemeClr val="accent1"/>
+            </a:effectRef>
+            <a:fontRef idx="minor">
+              <a:schemeClr val="tx1"/>
+            </a:fontRef>
+          </p:style>
+        </p:cxnSp>
+        <p:pic>
+          <p:nvPicPr>
+            <p:cNvPr id="44" name="図 43"/>
+            <p:cNvPicPr>
+              <a:picLocks noChangeAspect="1"/>
+            </p:cNvPicPr>
+            <p:nvPr/>
+          </p:nvPicPr>
+          <p:blipFill>
+            <a:blip r:embed="rId5" cstate="print">
+              <a:extLst>
+                <a:ext uri="{28A0092B-C50C-407E-A947-70E740481C1C}">
+                  <a14:useLocalDpi xmlns:a14="http://schemas.microsoft.com/office/drawing/2010/main" val="0"/>
+                </a:ext>
+              </a:extLst>
+            </a:blip>
+            <a:stretch>
+              <a:fillRect/>
+            </a:stretch>
+          </p:blipFill>
+          <p:spPr>
+            <a:xfrm rot="21422781" flipH="1">
+              <a:off x="8242153" y="6127711"/>
+              <a:ext cx="627366" cy="730289"/>
             </a:xfrm>
             <a:prstGeom prst="rect">
               <a:avLst/>
@@ -5134,342 +6004,11 @@
       </p:grpSp>
       <p:pic>
         <p:nvPicPr>
-          <p:cNvPr id="12" name="図 11"/>
+          <p:cNvPr id="46" name="図 45"/>
           <p:cNvPicPr>
             <a:picLocks noChangeAspect="1"/>
           </p:cNvPicPr>
           <p:nvPr/>
-        </p:nvPicPr>
-        <p:blipFill>
-          <a:blip r:embed="rId2" cstate="print">
-            <a:extLst>
-              <a:ext uri="{28A0092B-C50C-407E-A947-70E740481C1C}">
-                <a14:useLocalDpi xmlns:a14="http://schemas.microsoft.com/office/drawing/2010/main" val="0"/>
-              </a:ext>
-            </a:extLst>
-          </a:blip>
-          <a:stretch>
-            <a:fillRect/>
-          </a:stretch>
-        </p:blipFill>
-        <p:spPr>
-          <a:xfrm>
-            <a:off x="7859830" y="2924703"/>
-            <a:ext cx="1219202" cy="1219202"/>
-          </a:xfrm>
-          <a:prstGeom prst="rect">
-            <a:avLst/>
-          </a:prstGeom>
-        </p:spPr>
-      </p:pic>
-      <p:sp>
-        <p:nvSpPr>
-          <p:cNvPr id="15" name="下矢印 14"/>
-          <p:cNvSpPr/>
-          <p:nvPr/>
-        </p:nvSpPr>
-        <p:spPr>
-          <a:xfrm>
-            <a:off x="8379107" y="4180415"/>
-            <a:ext cx="180648" cy="364705"/>
-          </a:xfrm>
-          <a:prstGeom prst="downArrow">
-            <a:avLst/>
-          </a:prstGeom>
-        </p:spPr>
-        <p:style>
-          <a:lnRef idx="2">
-            <a:schemeClr val="accent6">
-              <a:shade val="50000"/>
-            </a:schemeClr>
-          </a:lnRef>
-          <a:fillRef idx="1">
-            <a:schemeClr val="accent6"/>
-          </a:fillRef>
-          <a:effectRef idx="0">
-            <a:schemeClr val="accent6"/>
-          </a:effectRef>
-          <a:fontRef idx="minor">
-            <a:schemeClr val="lt1"/>
-          </a:fontRef>
-        </p:style>
-        <p:txBody>
-          <a:bodyPr rtlCol="0" anchor="ctr"/>
-          <a:lstStyle/>
-          <a:p>
-            <a:pPr algn="ctr"/>
-            <a:endParaRPr kumimoji="1" lang="ja-JP" altLang="en-US"/>
-          </a:p>
-        </p:txBody>
-      </p:sp>
-      <p:sp>
-        <p:nvSpPr>
-          <p:cNvPr id="16" name="下矢印 15"/>
-          <p:cNvSpPr/>
-          <p:nvPr/>
-        </p:nvSpPr>
-        <p:spPr>
-          <a:xfrm>
-            <a:off x="4937637" y="4195272"/>
-            <a:ext cx="180648" cy="364705"/>
-          </a:xfrm>
-          <a:prstGeom prst="downArrow">
-            <a:avLst/>
-          </a:prstGeom>
-        </p:spPr>
-        <p:style>
-          <a:lnRef idx="2">
-            <a:schemeClr val="accent6">
-              <a:shade val="50000"/>
-            </a:schemeClr>
-          </a:lnRef>
-          <a:fillRef idx="1">
-            <a:schemeClr val="accent6"/>
-          </a:fillRef>
-          <a:effectRef idx="0">
-            <a:schemeClr val="accent6"/>
-          </a:effectRef>
-          <a:fontRef idx="minor">
-            <a:schemeClr val="lt1"/>
-          </a:fontRef>
-        </p:style>
-        <p:txBody>
-          <a:bodyPr rtlCol="0" anchor="ctr"/>
-          <a:lstStyle/>
-          <a:p>
-            <a:pPr algn="ctr"/>
-            <a:endParaRPr kumimoji="1" lang="ja-JP" altLang="en-US"/>
-          </a:p>
-        </p:txBody>
-      </p:sp>
-      <p:pic>
-        <p:nvPicPr>
-          <p:cNvPr id="8" name="図 7"/>
-          <p:cNvPicPr>
-            <a:picLocks noChangeAspect="1"/>
-          </p:cNvPicPr>
-          <p:nvPr/>
-        </p:nvPicPr>
-        <p:blipFill>
-          <a:blip r:embed="rId8" cstate="print">
-            <a:extLst>
-              <a:ext uri="{28A0092B-C50C-407E-A947-70E740481C1C}">
-                <a14:useLocalDpi xmlns:a14="http://schemas.microsoft.com/office/drawing/2010/main" val="0"/>
-              </a:ext>
-            </a:extLst>
-          </a:blip>
-          <a:stretch>
-            <a:fillRect/>
-          </a:stretch>
-        </p:blipFill>
-        <p:spPr>
-          <a:xfrm rot="19659741" flipH="1">
-            <a:off x="8533260" y="1276953"/>
-            <a:ext cx="1249483" cy="1454467"/>
-          </a:xfrm>
-          <a:prstGeom prst="rect">
-            <a:avLst/>
-          </a:prstGeom>
-        </p:spPr>
-      </p:pic>
-      <p:pic>
-        <p:nvPicPr>
-          <p:cNvPr id="13" name="図 12"/>
-          <p:cNvPicPr>
-            <a:picLocks noChangeAspect="1"/>
-          </p:cNvPicPr>
-          <p:nvPr/>
-        </p:nvPicPr>
-        <p:blipFill>
-          <a:blip r:embed="rId9" cstate="print">
-            <a:extLst>
-              <a:ext uri="{28A0092B-C50C-407E-A947-70E740481C1C}">
-                <a14:useLocalDpi xmlns:a14="http://schemas.microsoft.com/office/drawing/2010/main" val="0"/>
-              </a:ext>
-            </a:extLst>
-          </a:blip>
-          <a:stretch>
-            <a:fillRect/>
-          </a:stretch>
-        </p:blipFill>
-        <p:spPr>
-          <a:xfrm>
-            <a:off x="9501941" y="1128274"/>
-            <a:ext cx="428538" cy="665283"/>
-          </a:xfrm>
-          <a:prstGeom prst="rect">
-            <a:avLst/>
-          </a:prstGeom>
-        </p:spPr>
-      </p:pic>
-      <p:cxnSp>
-        <p:nvCxnSpPr>
-          <p:cNvPr id="18" name="直線コネクタ 17"/>
-          <p:cNvCxnSpPr/>
-          <p:nvPr/>
-        </p:nvCxnSpPr>
-        <p:spPr>
-          <a:xfrm>
-            <a:off x="3931920" y="3513188"/>
-            <a:ext cx="2410261" cy="207184"/>
-          </a:xfrm>
-          <a:prstGeom prst="line">
-            <a:avLst/>
-          </a:prstGeom>
-          <a:ln w="57150">
-            <a:solidFill>
-              <a:srgbClr val="FF0000"/>
-            </a:solidFill>
-          </a:ln>
-        </p:spPr>
-        <p:style>
-          <a:lnRef idx="1">
-            <a:schemeClr val="accent1"/>
-          </a:lnRef>
-          <a:fillRef idx="0">
-            <a:schemeClr val="accent1"/>
-          </a:fillRef>
-          <a:effectRef idx="0">
-            <a:schemeClr val="accent1"/>
-          </a:effectRef>
-          <a:fontRef idx="minor">
-            <a:schemeClr val="tx1"/>
-          </a:fontRef>
-        </p:style>
-      </p:cxnSp>
-      <p:cxnSp>
-        <p:nvCxnSpPr>
-          <p:cNvPr id="22" name="直線コネクタ 21"/>
-          <p:cNvCxnSpPr/>
-          <p:nvPr/>
-        </p:nvCxnSpPr>
-        <p:spPr>
-          <a:xfrm flipH="1">
-            <a:off x="7397496" y="3044952"/>
-            <a:ext cx="1801368" cy="1150320"/>
-          </a:xfrm>
-          <a:prstGeom prst="line">
-            <a:avLst/>
-          </a:prstGeom>
-          <a:ln w="57150">
-            <a:solidFill>
-              <a:srgbClr val="FF0000"/>
-            </a:solidFill>
-          </a:ln>
-        </p:spPr>
-        <p:style>
-          <a:lnRef idx="1">
-            <a:schemeClr val="accent1"/>
-          </a:lnRef>
-          <a:fillRef idx="0">
-            <a:schemeClr val="accent1"/>
-          </a:fillRef>
-          <a:effectRef idx="0">
-            <a:schemeClr val="accent1"/>
-          </a:effectRef>
-          <a:fontRef idx="minor">
-            <a:schemeClr val="tx1"/>
-          </a:fontRef>
-        </p:style>
-      </p:cxnSp>
-    </p:spTree>
-    <p:extLst>
-      <p:ext uri="{BB962C8B-B14F-4D97-AF65-F5344CB8AC3E}">
-        <p14:creationId xmlns:p14="http://schemas.microsoft.com/office/powerpoint/2010/main" val="2436297975"/>
-      </p:ext>
-    </p:extLst>
-  </p:cSld>
-  <p:clrMapOvr>
-    <a:masterClrMapping/>
-  </p:clrMapOvr>
-  <p:timing>
-    <p:tnLst>
-      <p:par>
-        <p:cTn id="1" dur="indefinite" restart="never" nodeType="tmRoot"/>
-      </p:par>
-    </p:tnLst>
-  </p:timing>
-</p:sld>
-</file>
-
-<file path=ppt/slides/slide4.xml><?xml version="1.0" encoding="utf-8"?>
-<p:sld xmlns:a="http://schemas.openxmlformats.org/drawingml/2006/main" xmlns:r="http://schemas.openxmlformats.org/officeDocument/2006/relationships" xmlns:p="http://schemas.openxmlformats.org/presentationml/2006/main">
-  <p:cSld>
-    <p:spTree>
-      <p:nvGrpSpPr>
-        <p:cNvPr id="1" name=""/>
-        <p:cNvGrpSpPr/>
-        <p:nvPr/>
-      </p:nvGrpSpPr>
-      <p:grpSpPr>
-        <a:xfrm>
-          <a:off x="0" y="0"/>
-          <a:ext cx="0" cy="0"/>
-          <a:chOff x="0" y="0"/>
-          <a:chExt cx="0" cy="0"/>
-        </a:xfrm>
-      </p:grpSpPr>
-      <p:sp>
-        <p:nvSpPr>
-          <p:cNvPr id="2" name="タイトル 1"/>
-          <p:cNvSpPr>
-            <a:spLocks noGrp="1"/>
-          </p:cNvSpPr>
-          <p:nvPr>
-            <p:ph type="title"/>
-          </p:nvPr>
-        </p:nvSpPr>
-        <p:spPr/>
-        <p:txBody>
-          <a:bodyPr/>
-          <a:lstStyle/>
-          <a:p>
-            <a:r>
-              <a:rPr kumimoji="1" lang="ja-JP" altLang="en-US" dirty="0" smtClean="0"/>
-              <a:t>様々な魚</a:t>
-            </a:r>
-            <a:endParaRPr kumimoji="1" lang="ja-JP" altLang="en-US" dirty="0"/>
-          </a:p>
-        </p:txBody>
-      </p:sp>
-      <p:pic>
-        <p:nvPicPr>
-          <p:cNvPr id="5" name="コンテンツ プレースホルダー 4"/>
-          <p:cNvPicPr>
-            <a:picLocks noGrp="1" noChangeAspect="1"/>
-          </p:cNvPicPr>
-          <p:nvPr>
-            <p:ph sz="half" idx="1"/>
-          </p:nvPr>
-        </p:nvPicPr>
-        <p:blipFill>
-          <a:blip r:embed="rId2" cstate="print">
-            <a:extLst>
-              <a:ext uri="{28A0092B-C50C-407E-A947-70E740481C1C}">
-                <a14:useLocalDpi xmlns:a14="http://schemas.microsoft.com/office/drawing/2010/main" val="0"/>
-              </a:ext>
-            </a:extLst>
-          </a:blip>
-          <a:stretch>
-            <a:fillRect/>
-          </a:stretch>
-        </p:blipFill>
-        <p:spPr>
-          <a:xfrm>
-            <a:off x="2051271" y="2963860"/>
-            <a:ext cx="1219202" cy="1219202"/>
-          </a:xfrm>
-        </p:spPr>
-      </p:pic>
-      <p:pic>
-        <p:nvPicPr>
-          <p:cNvPr id="6" name="コンテンツ プレースホルダー 5"/>
-          <p:cNvPicPr>
-            <a:picLocks noGrp="1" noChangeAspect="1"/>
-          </p:cNvPicPr>
-          <p:nvPr>
-            <p:ph sz="half" idx="2"/>
-          </p:nvPr>
         </p:nvPicPr>
         <p:blipFill>
           <a:blip r:embed="rId3" cstate="print">
@@ -5485,35 +6024,8 @@
         </p:blipFill>
         <p:spPr>
           <a:xfrm>
-            <a:off x="8214264" y="2963860"/>
-            <a:ext cx="1219202" cy="1219202"/>
-          </a:xfrm>
-        </p:spPr>
-      </p:pic>
-      <p:pic>
-        <p:nvPicPr>
-          <p:cNvPr id="7" name="図 6"/>
-          <p:cNvPicPr>
-            <a:picLocks noChangeAspect="1"/>
-          </p:cNvPicPr>
-          <p:nvPr/>
-        </p:nvPicPr>
-        <p:blipFill>
-          <a:blip r:embed="rId4" cstate="print">
-            <a:extLst>
-              <a:ext uri="{28A0092B-C50C-407E-A947-70E740481C1C}">
-                <a14:useLocalDpi xmlns:a14="http://schemas.microsoft.com/office/drawing/2010/main" val="0"/>
-              </a:ext>
-            </a:extLst>
-          </a:blip>
-          <a:stretch>
-            <a:fillRect/>
-          </a:stretch>
-        </p:blipFill>
-        <p:spPr>
-          <a:xfrm>
-            <a:off x="5132767" y="2963860"/>
-            <a:ext cx="1219202" cy="1219202"/>
+            <a:off x="10433034" y="3851536"/>
+            <a:ext cx="317209" cy="1073923"/>
           </a:xfrm>
           <a:prstGeom prst="rect">
             <a:avLst/>
@@ -5522,22 +6034,96 @@
       </p:pic>
       <p:sp>
         <p:nvSpPr>
-          <p:cNvPr id="8" name="楕円 7"/>
+          <p:cNvPr id="47" name="下矢印 46"/>
           <p:cNvSpPr/>
           <p:nvPr/>
         </p:nvSpPr>
         <p:spPr>
-          <a:xfrm rot="2571641">
-            <a:off x="8551558" y="3151414"/>
-            <a:ext cx="925592" cy="455788"/>
+          <a:xfrm>
+            <a:off x="10146821" y="4070148"/>
+            <a:ext cx="273616" cy="592062"/>
           </a:xfrm>
-          <a:prstGeom prst="ellipse">
+          <a:prstGeom prst="downArrow">
             <a:avLst/>
           </a:prstGeom>
-          <a:noFill/>
-          <a:ln w="38100">
+          <a:gradFill flip="none" rotWithShape="0">
+            <a:gsLst>
+              <a:gs pos="0">
+                <a:schemeClr val="accent1">
+                  <a:lumMod val="67000"/>
+                </a:schemeClr>
+              </a:gs>
+              <a:gs pos="48000">
+                <a:schemeClr val="accent1">
+                  <a:lumMod val="97000"/>
+                  <a:lumOff val="3000"/>
+                </a:schemeClr>
+              </a:gs>
+              <a:gs pos="100000">
+                <a:schemeClr val="accent1">
+                  <a:lumMod val="60000"/>
+                  <a:lumOff val="40000"/>
+                </a:schemeClr>
+              </a:gs>
+            </a:gsLst>
+            <a:lin ang="16200000" scaled="1"/>
+            <a:tileRect/>
+          </a:gradFill>
+          <a:ln w="3175">
             <a:solidFill>
-              <a:schemeClr val="accent2"/>
+              <a:schemeClr val="tx1">
+                <a:lumMod val="65000"/>
+                <a:lumOff val="35000"/>
+              </a:schemeClr>
+            </a:solidFill>
+          </a:ln>
+        </p:spPr>
+        <p:style>
+          <a:lnRef idx="0">
+            <a:scrgbClr r="0" g="0" b="0"/>
+          </a:lnRef>
+          <a:fillRef idx="0">
+            <a:scrgbClr r="0" g="0" b="0"/>
+          </a:fillRef>
+          <a:effectRef idx="0">
+            <a:scrgbClr r="0" g="0" b="0"/>
+          </a:effectRef>
+          <a:fontRef idx="minor">
+            <a:schemeClr val="lt1"/>
+          </a:fontRef>
+        </p:style>
+        <p:txBody>
+          <a:bodyPr rtlCol="0" anchor="ctr"/>
+          <a:lstStyle/>
+          <a:p>
+            <a:pPr algn="ctr"/>
+            <a:endParaRPr kumimoji="1" lang="ja-JP" altLang="en-US"/>
+          </a:p>
+        </p:txBody>
+      </p:sp>
+      <p:sp>
+        <p:nvSpPr>
+          <p:cNvPr id="48" name="乗算 47"/>
+          <p:cNvSpPr/>
+          <p:nvPr/>
+        </p:nvSpPr>
+        <p:spPr>
+          <a:xfrm>
+            <a:off x="9163583" y="2657496"/>
+            <a:ext cx="1376023" cy="1376023"/>
+          </a:xfrm>
+          <a:prstGeom prst="mathMultiply">
+            <a:avLst/>
+          </a:prstGeom>
+          <a:solidFill>
+            <a:srgbClr val="FF0000"/>
+          </a:solidFill>
+          <a:ln>
+            <a:solidFill>
+              <a:schemeClr val="tx1">
+                <a:lumMod val="95000"/>
+                <a:lumOff val="5000"/>
+              </a:schemeClr>
             </a:solidFill>
           </a:ln>
         </p:spPr>
@@ -5566,194 +6152,699 @@
           </a:p>
         </p:txBody>
       </p:sp>
-      <p:sp>
-        <p:nvSpPr>
-          <p:cNvPr id="9" name="楕円 8"/>
-          <p:cNvSpPr/>
+      <p:grpSp>
+        <p:nvGrpSpPr>
+          <p:cNvPr id="51" name="グループ化 50"/>
+          <p:cNvGrpSpPr/>
+          <p:nvPr/>
+        </p:nvGrpSpPr>
+        <p:grpSpPr>
+          <a:xfrm>
+            <a:off x="3482263" y="4397935"/>
+            <a:ext cx="400306" cy="361472"/>
+            <a:chOff x="4505610" y="5577901"/>
+            <a:chExt cx="1044703" cy="943357"/>
+          </a:xfrm>
+        </p:grpSpPr>
+        <p:pic>
+          <p:nvPicPr>
+            <p:cNvPr id="49" name="図 48"/>
+            <p:cNvPicPr>
+              <a:picLocks noChangeAspect="1"/>
+            </p:cNvPicPr>
+            <p:nvPr/>
+          </p:nvPicPr>
+          <p:blipFill>
+            <a:blip r:embed="rId7" cstate="print">
+              <a:extLst>
+                <a:ext uri="{28A0092B-C50C-407E-A947-70E740481C1C}">
+                  <a14:useLocalDpi xmlns:a14="http://schemas.microsoft.com/office/drawing/2010/main" val="0"/>
+                </a:ext>
+              </a:extLst>
+            </a:blip>
+            <a:stretch>
+              <a:fillRect/>
+            </a:stretch>
+          </p:blipFill>
+          <p:spPr>
+            <a:xfrm>
+              <a:off x="4505610" y="5658133"/>
+              <a:ext cx="1044703" cy="863125"/>
+            </a:xfrm>
+            <a:prstGeom prst="rect">
+              <a:avLst/>
+            </a:prstGeom>
+          </p:spPr>
+        </p:pic>
+        <p:pic>
+          <p:nvPicPr>
+            <p:cNvPr id="50" name="図 49"/>
+            <p:cNvPicPr>
+              <a:picLocks noChangeAspect="1"/>
+            </p:cNvPicPr>
+            <p:nvPr/>
+          </p:nvPicPr>
+          <p:blipFill>
+            <a:blip r:embed="rId8" cstate="print">
+              <a:extLst>
+                <a:ext uri="{28A0092B-C50C-407E-A947-70E740481C1C}">
+                  <a14:useLocalDpi xmlns:a14="http://schemas.microsoft.com/office/drawing/2010/main" val="0"/>
+                </a:ext>
+              </a:extLst>
+            </a:blip>
+            <a:stretch>
+              <a:fillRect/>
+            </a:stretch>
+          </p:blipFill>
+          <p:spPr>
+            <a:xfrm>
+              <a:off x="4641723" y="5577901"/>
+              <a:ext cx="772478" cy="772478"/>
+            </a:xfrm>
+            <a:prstGeom prst="rect">
+              <a:avLst/>
+            </a:prstGeom>
+          </p:spPr>
+        </p:pic>
+      </p:grpSp>
+      <p:sp>
+        <p:nvSpPr>
+          <p:cNvPr id="52" name="コンテンツ プレースホルダー 3"/>
+          <p:cNvSpPr txBox="1">
+            <a:spLocks/>
+          </p:cNvSpPr>
           <p:nvPr/>
         </p:nvSpPr>
         <p:spPr>
           <a:xfrm>
-            <a:off x="5660136" y="2963860"/>
-            <a:ext cx="585216" cy="629732"/>
+            <a:off x="987311" y="5309382"/>
+            <a:ext cx="4754880" cy="991634"/>
           </a:xfrm>
-          <a:prstGeom prst="ellipse">
+          <a:prstGeom prst="rect">
             <a:avLst/>
           </a:prstGeom>
-          <a:noFill/>
-          <a:ln w="38100">
+          <a:solidFill>
+            <a:schemeClr val="bg1"/>
+          </a:solidFill>
+          <a:ln w="6350">
             <a:solidFill>
-              <a:schemeClr val="accent2"/>
+              <a:schemeClr val="tx1"/>
             </a:solidFill>
           </a:ln>
         </p:spPr>
-        <p:style>
-          <a:lnRef idx="2">
-            <a:schemeClr val="accent1">
-              <a:shade val="50000"/>
-            </a:schemeClr>
-          </a:lnRef>
-          <a:fillRef idx="1">
-            <a:schemeClr val="accent1"/>
-          </a:fillRef>
-          <a:effectRef idx="0">
-            <a:schemeClr val="accent1"/>
-          </a:effectRef>
-          <a:fontRef idx="minor">
-            <a:schemeClr val="lt1"/>
-          </a:fontRef>
-        </p:style>
-        <p:txBody>
-          <a:bodyPr rtlCol="0" anchor="ctr"/>
-          <a:lstStyle/>
-          <a:p>
-            <a:pPr algn="ctr"/>
-            <a:endParaRPr kumimoji="1" lang="ja-JP" altLang="en-US"/>
-          </a:p>
-        </p:txBody>
-      </p:sp>
-      <p:sp>
-        <p:nvSpPr>
-          <p:cNvPr id="11" name="正方形/長方形 10"/>
-          <p:cNvSpPr/>
+        <p:txBody>
+          <a:bodyPr/>
+          <a:lstStyle>
+            <a:lvl1pPr marL="182880" indent="-182880" algn="l" defTabSz="914400" rtl="0" eaLnBrk="1" latinLnBrk="0" hangingPunct="1">
+              <a:lnSpc>
+                <a:spcPct val="90000"/>
+              </a:lnSpc>
+              <a:spcBef>
+                <a:spcPts val="1200"/>
+              </a:spcBef>
+              <a:buClr>
+                <a:schemeClr val="accent1">
+                  <a:lumMod val="75000"/>
+                </a:schemeClr>
+              </a:buClr>
+              <a:buSzPct val="85000"/>
+              <a:buFont typeface="Wingdings" pitchFamily="2" charset="2"/>
+              <a:buChar char="§"/>
+              <a:defRPr kumimoji="1" sz="2000" kern="1200">
+                <a:solidFill>
+                  <a:schemeClr val="tx1"/>
+                </a:solidFill>
+                <a:latin typeface="+mn-lt"/>
+                <a:ea typeface="+mn-ea"/>
+                <a:cs typeface="+mn-cs"/>
+              </a:defRPr>
+            </a:lvl1pPr>
+            <a:lvl2pPr marL="457200" indent="-182880" algn="l" defTabSz="914400" rtl="0" eaLnBrk="1" latinLnBrk="0" hangingPunct="1">
+              <a:lnSpc>
+                <a:spcPct val="90000"/>
+              </a:lnSpc>
+              <a:spcBef>
+                <a:spcPts val="400"/>
+              </a:spcBef>
+              <a:spcAft>
+                <a:spcPts val="200"/>
+              </a:spcAft>
+              <a:buClr>
+                <a:schemeClr val="accent1">
+                  <a:lumMod val="75000"/>
+                </a:schemeClr>
+              </a:buClr>
+              <a:buSzPct val="85000"/>
+              <a:buFont typeface="Wingdings" pitchFamily="2" charset="2"/>
+              <a:buChar char="§"/>
+              <a:defRPr kumimoji="1" sz="1800" kern="1200">
+                <a:solidFill>
+                  <a:schemeClr val="tx1"/>
+                </a:solidFill>
+                <a:latin typeface="+mn-lt"/>
+                <a:ea typeface="+mn-ea"/>
+                <a:cs typeface="+mn-cs"/>
+              </a:defRPr>
+            </a:lvl2pPr>
+            <a:lvl3pPr marL="731520" indent="-182880" algn="l" defTabSz="914400" rtl="0" eaLnBrk="1" latinLnBrk="0" hangingPunct="1">
+              <a:lnSpc>
+                <a:spcPct val="90000"/>
+              </a:lnSpc>
+              <a:spcBef>
+                <a:spcPts val="400"/>
+              </a:spcBef>
+              <a:spcAft>
+                <a:spcPts val="200"/>
+              </a:spcAft>
+              <a:buClr>
+                <a:schemeClr val="accent1">
+                  <a:lumMod val="75000"/>
+                </a:schemeClr>
+              </a:buClr>
+              <a:buSzPct val="85000"/>
+              <a:buFont typeface="Wingdings" pitchFamily="2" charset="2"/>
+              <a:buChar char="§"/>
+              <a:defRPr kumimoji="1" sz="1600" kern="1200">
+                <a:solidFill>
+                  <a:schemeClr val="tx1"/>
+                </a:solidFill>
+                <a:latin typeface="+mn-lt"/>
+                <a:ea typeface="+mn-ea"/>
+                <a:cs typeface="+mn-cs"/>
+              </a:defRPr>
+            </a:lvl3pPr>
+            <a:lvl4pPr marL="1005840" indent="-182880" algn="l" defTabSz="914400" rtl="0" eaLnBrk="1" latinLnBrk="0" hangingPunct="1">
+              <a:lnSpc>
+                <a:spcPct val="90000"/>
+              </a:lnSpc>
+              <a:spcBef>
+                <a:spcPts val="400"/>
+              </a:spcBef>
+              <a:spcAft>
+                <a:spcPts val="200"/>
+              </a:spcAft>
+              <a:buClr>
+                <a:schemeClr val="accent1">
+                  <a:lumMod val="75000"/>
+                </a:schemeClr>
+              </a:buClr>
+              <a:buSzPct val="85000"/>
+              <a:buFont typeface="Wingdings" pitchFamily="2" charset="2"/>
+              <a:buChar char="§"/>
+              <a:defRPr kumimoji="1" sz="1600" kern="1200">
+                <a:solidFill>
+                  <a:schemeClr val="tx1"/>
+                </a:solidFill>
+                <a:latin typeface="+mn-lt"/>
+                <a:ea typeface="+mn-ea"/>
+                <a:cs typeface="+mn-cs"/>
+              </a:defRPr>
+            </a:lvl4pPr>
+            <a:lvl5pPr marL="1280160" indent="-182880" algn="l" defTabSz="914400" rtl="0" eaLnBrk="1" latinLnBrk="0" hangingPunct="1">
+              <a:lnSpc>
+                <a:spcPct val="90000"/>
+              </a:lnSpc>
+              <a:spcBef>
+                <a:spcPts val="400"/>
+              </a:spcBef>
+              <a:spcAft>
+                <a:spcPts val="200"/>
+              </a:spcAft>
+              <a:buClr>
+                <a:schemeClr val="accent1">
+                  <a:lumMod val="75000"/>
+                </a:schemeClr>
+              </a:buClr>
+              <a:buSzPct val="85000"/>
+              <a:buFont typeface="Wingdings" pitchFamily="2" charset="2"/>
+              <a:buChar char="§"/>
+              <a:defRPr kumimoji="1" sz="1600" kern="1200">
+                <a:solidFill>
+                  <a:schemeClr val="tx1"/>
+                </a:solidFill>
+                <a:latin typeface="+mn-lt"/>
+                <a:ea typeface="+mn-ea"/>
+                <a:cs typeface="+mn-cs"/>
+              </a:defRPr>
+            </a:lvl5pPr>
+            <a:lvl6pPr marL="1600000" indent="-228600" algn="l" defTabSz="914400" rtl="0" eaLnBrk="1" latinLnBrk="0" hangingPunct="1">
+              <a:lnSpc>
+                <a:spcPct val="90000"/>
+              </a:lnSpc>
+              <a:spcBef>
+                <a:spcPts val="400"/>
+              </a:spcBef>
+              <a:spcAft>
+                <a:spcPts val="200"/>
+              </a:spcAft>
+              <a:buClr>
+                <a:schemeClr val="accent1">
+                  <a:lumMod val="75000"/>
+                </a:schemeClr>
+              </a:buClr>
+              <a:buSzPct val="85000"/>
+              <a:buFont typeface="Wingdings" pitchFamily="2" charset="2"/>
+              <a:buChar char="§"/>
+              <a:defRPr kumimoji="1" sz="1600" kern="1200">
+                <a:solidFill>
+                  <a:schemeClr val="tx1"/>
+                </a:solidFill>
+                <a:latin typeface="+mn-lt"/>
+                <a:ea typeface="+mn-ea"/>
+                <a:cs typeface="+mn-cs"/>
+              </a:defRPr>
+            </a:lvl6pPr>
+            <a:lvl7pPr marL="1900000" indent="-228600" algn="l" defTabSz="914400" rtl="0" eaLnBrk="1" latinLnBrk="0" hangingPunct="1">
+              <a:lnSpc>
+                <a:spcPct val="90000"/>
+              </a:lnSpc>
+              <a:spcBef>
+                <a:spcPts val="400"/>
+              </a:spcBef>
+              <a:spcAft>
+                <a:spcPts val="200"/>
+              </a:spcAft>
+              <a:buClr>
+                <a:schemeClr val="accent1">
+                  <a:lumMod val="75000"/>
+                </a:schemeClr>
+              </a:buClr>
+              <a:buSzPct val="85000"/>
+              <a:buFont typeface="Wingdings" pitchFamily="2" charset="2"/>
+              <a:buChar char="§"/>
+              <a:defRPr kumimoji="1" sz="1600" kern="1200">
+                <a:solidFill>
+                  <a:schemeClr val="tx1"/>
+                </a:solidFill>
+                <a:latin typeface="+mn-lt"/>
+                <a:ea typeface="+mn-ea"/>
+                <a:cs typeface="+mn-cs"/>
+              </a:defRPr>
+            </a:lvl7pPr>
+            <a:lvl8pPr marL="2200000" indent="-228600" algn="l" defTabSz="914400" rtl="0" eaLnBrk="1" latinLnBrk="0" hangingPunct="1">
+              <a:lnSpc>
+                <a:spcPct val="90000"/>
+              </a:lnSpc>
+              <a:spcBef>
+                <a:spcPts val="400"/>
+              </a:spcBef>
+              <a:spcAft>
+                <a:spcPts val="200"/>
+              </a:spcAft>
+              <a:buClr>
+                <a:schemeClr val="accent1">
+                  <a:lumMod val="75000"/>
+                </a:schemeClr>
+              </a:buClr>
+              <a:buSzPct val="85000"/>
+              <a:buFont typeface="Wingdings" pitchFamily="2" charset="2"/>
+              <a:buChar char="§"/>
+              <a:defRPr kumimoji="1" sz="1600" kern="1200">
+                <a:solidFill>
+                  <a:schemeClr val="tx1"/>
+                </a:solidFill>
+                <a:latin typeface="+mn-lt"/>
+                <a:ea typeface="+mn-ea"/>
+                <a:cs typeface="+mn-cs"/>
+              </a:defRPr>
+            </a:lvl8pPr>
+            <a:lvl9pPr marL="2500000" indent="-228600" algn="l" defTabSz="914400" rtl="0" eaLnBrk="1" latinLnBrk="0" hangingPunct="1">
+              <a:lnSpc>
+                <a:spcPct val="90000"/>
+              </a:lnSpc>
+              <a:spcBef>
+                <a:spcPts val="400"/>
+              </a:spcBef>
+              <a:spcAft>
+                <a:spcPts val="200"/>
+              </a:spcAft>
+              <a:buClr>
+                <a:schemeClr val="accent1">
+                  <a:lumMod val="75000"/>
+                </a:schemeClr>
+              </a:buClr>
+              <a:buSzPct val="85000"/>
+              <a:buFont typeface="Wingdings" pitchFamily="2" charset="2"/>
+              <a:buChar char="§"/>
+              <a:defRPr kumimoji="1" sz="1600" kern="1200">
+                <a:solidFill>
+                  <a:schemeClr val="tx1"/>
+                </a:solidFill>
+                <a:latin typeface="+mn-lt"/>
+                <a:ea typeface="+mn-ea"/>
+                <a:cs typeface="+mn-cs"/>
+              </a:defRPr>
+            </a:lvl9pPr>
+          </a:lstStyle>
+          <a:p>
+            <a:r>
+              <a:rPr lang="ja-JP" altLang="en-US" sz="1800" dirty="0" smtClean="0"/>
+              <a:t>上手くすしを作っていれば、店の人気が上がり、たくさんのお客様が来る</a:t>
+            </a:r>
+            <a:endParaRPr lang="en-US" altLang="ja-JP" sz="1800" dirty="0" smtClean="0"/>
+          </a:p>
+          <a:p>
+            <a:r>
+              <a:rPr lang="ja-JP" altLang="en-US" sz="1800" dirty="0" smtClean="0"/>
+              <a:t>寿司を食べてもらえば、お金がもらえる</a:t>
+            </a:r>
+            <a:endParaRPr lang="ja-JP" altLang="en-US" sz="1800" dirty="0"/>
+          </a:p>
+        </p:txBody>
+      </p:sp>
+      <p:sp>
+        <p:nvSpPr>
+          <p:cNvPr id="53" name="コンテンツ プレースホルダー 5"/>
+          <p:cNvSpPr txBox="1">
+            <a:spLocks/>
+          </p:cNvSpPr>
           <p:nvPr/>
         </p:nvSpPr>
         <p:spPr>
           <a:xfrm>
-            <a:off x="2051271" y="3060474"/>
-            <a:ext cx="1121633" cy="218252"/>
+            <a:off x="6495288" y="5332115"/>
+            <a:ext cx="4754880" cy="968902"/>
+          </a:xfrm>
+          <a:prstGeom prst="rect">
+            <a:avLst/>
+          </a:prstGeom>
+          <a:solidFill>
+            <a:schemeClr val="bg1"/>
+          </a:solidFill>
+          <a:ln w="6350">
+            <a:solidFill>
+              <a:schemeClr val="tx1"/>
+            </a:solidFill>
+          </a:ln>
+        </p:spPr>
+        <p:txBody>
+          <a:bodyPr/>
+          <a:lstStyle>
+            <a:lvl1pPr marL="182880" indent="-182880" algn="l" defTabSz="914400" rtl="0" eaLnBrk="1" latinLnBrk="0" hangingPunct="1">
+              <a:lnSpc>
+                <a:spcPct val="90000"/>
+              </a:lnSpc>
+              <a:spcBef>
+                <a:spcPts val="1200"/>
+              </a:spcBef>
+              <a:buClr>
+                <a:schemeClr val="accent1">
+                  <a:lumMod val="75000"/>
+                </a:schemeClr>
+              </a:buClr>
+              <a:buSzPct val="85000"/>
+              <a:buFont typeface="Wingdings" pitchFamily="2" charset="2"/>
+              <a:buChar char="§"/>
+              <a:defRPr kumimoji="1" sz="2000" kern="1200">
+                <a:solidFill>
+                  <a:schemeClr val="tx1"/>
+                </a:solidFill>
+                <a:latin typeface="+mn-lt"/>
+                <a:ea typeface="+mn-ea"/>
+                <a:cs typeface="+mn-cs"/>
+              </a:defRPr>
+            </a:lvl1pPr>
+            <a:lvl2pPr marL="457200" indent="-182880" algn="l" defTabSz="914400" rtl="0" eaLnBrk="1" latinLnBrk="0" hangingPunct="1">
+              <a:lnSpc>
+                <a:spcPct val="90000"/>
+              </a:lnSpc>
+              <a:spcBef>
+                <a:spcPts val="400"/>
+              </a:spcBef>
+              <a:spcAft>
+                <a:spcPts val="200"/>
+              </a:spcAft>
+              <a:buClr>
+                <a:schemeClr val="accent1">
+                  <a:lumMod val="75000"/>
+                </a:schemeClr>
+              </a:buClr>
+              <a:buSzPct val="85000"/>
+              <a:buFont typeface="Wingdings" pitchFamily="2" charset="2"/>
+              <a:buChar char="§"/>
+              <a:defRPr kumimoji="1" sz="1800" kern="1200">
+                <a:solidFill>
+                  <a:schemeClr val="tx1"/>
+                </a:solidFill>
+                <a:latin typeface="+mn-lt"/>
+                <a:ea typeface="+mn-ea"/>
+                <a:cs typeface="+mn-cs"/>
+              </a:defRPr>
+            </a:lvl2pPr>
+            <a:lvl3pPr marL="731520" indent="-182880" algn="l" defTabSz="914400" rtl="0" eaLnBrk="1" latinLnBrk="0" hangingPunct="1">
+              <a:lnSpc>
+                <a:spcPct val="90000"/>
+              </a:lnSpc>
+              <a:spcBef>
+                <a:spcPts val="400"/>
+              </a:spcBef>
+              <a:spcAft>
+                <a:spcPts val="200"/>
+              </a:spcAft>
+              <a:buClr>
+                <a:schemeClr val="accent1">
+                  <a:lumMod val="75000"/>
+                </a:schemeClr>
+              </a:buClr>
+              <a:buSzPct val="85000"/>
+              <a:buFont typeface="Wingdings" pitchFamily="2" charset="2"/>
+              <a:buChar char="§"/>
+              <a:defRPr kumimoji="1" sz="1600" kern="1200">
+                <a:solidFill>
+                  <a:schemeClr val="tx1"/>
+                </a:solidFill>
+                <a:latin typeface="+mn-lt"/>
+                <a:ea typeface="+mn-ea"/>
+                <a:cs typeface="+mn-cs"/>
+              </a:defRPr>
+            </a:lvl3pPr>
+            <a:lvl4pPr marL="1005840" indent="-182880" algn="l" defTabSz="914400" rtl="0" eaLnBrk="1" latinLnBrk="0" hangingPunct="1">
+              <a:lnSpc>
+                <a:spcPct val="90000"/>
+              </a:lnSpc>
+              <a:spcBef>
+                <a:spcPts val="400"/>
+              </a:spcBef>
+              <a:spcAft>
+                <a:spcPts val="200"/>
+              </a:spcAft>
+              <a:buClr>
+                <a:schemeClr val="accent1">
+                  <a:lumMod val="75000"/>
+                </a:schemeClr>
+              </a:buClr>
+              <a:buSzPct val="85000"/>
+              <a:buFont typeface="Wingdings" pitchFamily="2" charset="2"/>
+              <a:buChar char="§"/>
+              <a:defRPr kumimoji="1" sz="1600" kern="1200">
+                <a:solidFill>
+                  <a:schemeClr val="tx1"/>
+                </a:solidFill>
+                <a:latin typeface="+mn-lt"/>
+                <a:ea typeface="+mn-ea"/>
+                <a:cs typeface="+mn-cs"/>
+              </a:defRPr>
+            </a:lvl4pPr>
+            <a:lvl5pPr marL="1280160" indent="-182880" algn="l" defTabSz="914400" rtl="0" eaLnBrk="1" latinLnBrk="0" hangingPunct="1">
+              <a:lnSpc>
+                <a:spcPct val="90000"/>
+              </a:lnSpc>
+              <a:spcBef>
+                <a:spcPts val="400"/>
+              </a:spcBef>
+              <a:spcAft>
+                <a:spcPts val="200"/>
+              </a:spcAft>
+              <a:buClr>
+                <a:schemeClr val="accent1">
+                  <a:lumMod val="75000"/>
+                </a:schemeClr>
+              </a:buClr>
+              <a:buSzPct val="85000"/>
+              <a:buFont typeface="Wingdings" pitchFamily="2" charset="2"/>
+              <a:buChar char="§"/>
+              <a:defRPr kumimoji="1" sz="1600" kern="1200">
+                <a:solidFill>
+                  <a:schemeClr val="tx1"/>
+                </a:solidFill>
+                <a:latin typeface="+mn-lt"/>
+                <a:ea typeface="+mn-ea"/>
+                <a:cs typeface="+mn-cs"/>
+              </a:defRPr>
+            </a:lvl5pPr>
+            <a:lvl6pPr marL="1600000" indent="-228600" algn="l" defTabSz="914400" rtl="0" eaLnBrk="1" latinLnBrk="0" hangingPunct="1">
+              <a:lnSpc>
+                <a:spcPct val="90000"/>
+              </a:lnSpc>
+              <a:spcBef>
+                <a:spcPts val="400"/>
+              </a:spcBef>
+              <a:spcAft>
+                <a:spcPts val="200"/>
+              </a:spcAft>
+              <a:buClr>
+                <a:schemeClr val="accent1">
+                  <a:lumMod val="75000"/>
+                </a:schemeClr>
+              </a:buClr>
+              <a:buSzPct val="85000"/>
+              <a:buFont typeface="Wingdings" pitchFamily="2" charset="2"/>
+              <a:buChar char="§"/>
+              <a:defRPr kumimoji="1" sz="1600" kern="1200">
+                <a:solidFill>
+                  <a:schemeClr val="tx1"/>
+                </a:solidFill>
+                <a:latin typeface="+mn-lt"/>
+                <a:ea typeface="+mn-ea"/>
+                <a:cs typeface="+mn-cs"/>
+              </a:defRPr>
+            </a:lvl6pPr>
+            <a:lvl7pPr marL="1900000" indent="-228600" algn="l" defTabSz="914400" rtl="0" eaLnBrk="1" latinLnBrk="0" hangingPunct="1">
+              <a:lnSpc>
+                <a:spcPct val="90000"/>
+              </a:lnSpc>
+              <a:spcBef>
+                <a:spcPts val="400"/>
+              </a:spcBef>
+              <a:spcAft>
+                <a:spcPts val="200"/>
+              </a:spcAft>
+              <a:buClr>
+                <a:schemeClr val="accent1">
+                  <a:lumMod val="75000"/>
+                </a:schemeClr>
+              </a:buClr>
+              <a:buSzPct val="85000"/>
+              <a:buFont typeface="Wingdings" pitchFamily="2" charset="2"/>
+              <a:buChar char="§"/>
+              <a:defRPr kumimoji="1" sz="1600" kern="1200">
+                <a:solidFill>
+                  <a:schemeClr val="tx1"/>
+                </a:solidFill>
+                <a:latin typeface="+mn-lt"/>
+                <a:ea typeface="+mn-ea"/>
+                <a:cs typeface="+mn-cs"/>
+              </a:defRPr>
+            </a:lvl7pPr>
+            <a:lvl8pPr marL="2200000" indent="-228600" algn="l" defTabSz="914400" rtl="0" eaLnBrk="1" latinLnBrk="0" hangingPunct="1">
+              <a:lnSpc>
+                <a:spcPct val="90000"/>
+              </a:lnSpc>
+              <a:spcBef>
+                <a:spcPts val="400"/>
+              </a:spcBef>
+              <a:spcAft>
+                <a:spcPts val="200"/>
+              </a:spcAft>
+              <a:buClr>
+                <a:schemeClr val="accent1">
+                  <a:lumMod val="75000"/>
+                </a:schemeClr>
+              </a:buClr>
+              <a:buSzPct val="85000"/>
+              <a:buFont typeface="Wingdings" pitchFamily="2" charset="2"/>
+              <a:buChar char="§"/>
+              <a:defRPr kumimoji="1" sz="1600" kern="1200">
+                <a:solidFill>
+                  <a:schemeClr val="tx1"/>
+                </a:solidFill>
+                <a:latin typeface="+mn-lt"/>
+                <a:ea typeface="+mn-ea"/>
+                <a:cs typeface="+mn-cs"/>
+              </a:defRPr>
+            </a:lvl8pPr>
+            <a:lvl9pPr marL="2500000" indent="-228600" algn="l" defTabSz="914400" rtl="0" eaLnBrk="1" latinLnBrk="0" hangingPunct="1">
+              <a:lnSpc>
+                <a:spcPct val="90000"/>
+              </a:lnSpc>
+              <a:spcBef>
+                <a:spcPts val="400"/>
+              </a:spcBef>
+              <a:spcAft>
+                <a:spcPts val="200"/>
+              </a:spcAft>
+              <a:buClr>
+                <a:schemeClr val="accent1">
+                  <a:lumMod val="75000"/>
+                </a:schemeClr>
+              </a:buClr>
+              <a:buSzPct val="85000"/>
+              <a:buFont typeface="Wingdings" pitchFamily="2" charset="2"/>
+              <a:buChar char="§"/>
+              <a:defRPr kumimoji="1" sz="1600" kern="1200">
+                <a:solidFill>
+                  <a:schemeClr val="tx1"/>
+                </a:solidFill>
+                <a:latin typeface="+mn-lt"/>
+                <a:ea typeface="+mn-ea"/>
+                <a:cs typeface="+mn-cs"/>
+              </a:defRPr>
+            </a:lvl9pPr>
+          </a:lstStyle>
+          <a:p>
+            <a:r>
+              <a:rPr lang="ja-JP" altLang="en-US" sz="1800" dirty="0" smtClean="0"/>
+              <a:t>すしを切るときは、お客様を切らないように注意</a:t>
+            </a:r>
+            <a:endParaRPr lang="en-US" altLang="ja-JP" sz="1800" dirty="0" smtClean="0"/>
+          </a:p>
+          <a:p>
+            <a:r>
+              <a:rPr lang="ja-JP" altLang="en-US" sz="1800" dirty="0" smtClean="0"/>
+              <a:t>人気がなくなるとゲームオーバー</a:t>
+            </a:r>
+            <a:endParaRPr lang="ja-JP" altLang="en-US" sz="1800" dirty="0"/>
+          </a:p>
+        </p:txBody>
+      </p:sp>
+      <p:sp>
+        <p:nvSpPr>
+          <p:cNvPr id="54" name="テキスト ボックス 53"/>
+          <p:cNvSpPr txBox="1"/>
+          <p:nvPr/>
+        </p:nvSpPr>
+        <p:spPr>
+          <a:xfrm>
+            <a:off x="4755602" y="3418617"/>
+            <a:ext cx="695297" cy="369332"/>
           </a:xfrm>
           <a:prstGeom prst="rect">
             <a:avLst/>
           </a:prstGeom>
           <a:noFill/>
-          <a:ln w="38100">
-            <a:solidFill>
-              <a:schemeClr val="accent2"/>
-            </a:solidFill>
-          </a:ln>
         </p:spPr>
-        <p:style>
-          <a:lnRef idx="2">
-            <a:schemeClr val="accent1">
-              <a:shade val="50000"/>
-            </a:schemeClr>
-          </a:lnRef>
-          <a:fillRef idx="1">
-            <a:schemeClr val="accent1"/>
-          </a:fillRef>
-          <a:effectRef idx="0">
-            <a:schemeClr val="accent1"/>
-          </a:effectRef>
-          <a:fontRef idx="minor">
-            <a:schemeClr val="lt1"/>
-          </a:fontRef>
-        </p:style>
-        <p:txBody>
-          <a:bodyPr rtlCol="0" anchor="ctr"/>
-          <a:lstStyle/>
-          <a:p>
-            <a:pPr algn="ctr"/>
-            <a:endParaRPr kumimoji="1" lang="ja-JP" altLang="en-US"/>
-          </a:p>
-        </p:txBody>
-      </p:sp>
-      <p:sp>
-        <p:nvSpPr>
-          <p:cNvPr id="12" name="正方形/長方形 11"/>
-          <p:cNvSpPr/>
-          <p:nvPr/>
-        </p:nvSpPr>
-        <p:spPr>
-          <a:xfrm>
-            <a:off x="2051271" y="3903193"/>
-            <a:ext cx="1121633" cy="218252"/>
-          </a:xfrm>
-          <a:prstGeom prst="rect">
-            <a:avLst/>
-          </a:prstGeom>
-          <a:noFill/>
-          <a:ln w="38100">
-            <a:solidFill>
-              <a:schemeClr val="accent2"/>
-            </a:solidFill>
-          </a:ln>
-        </p:spPr>
-        <p:style>
-          <a:lnRef idx="2">
-            <a:schemeClr val="accent1">
-              <a:shade val="50000"/>
-            </a:schemeClr>
-          </a:lnRef>
-          <a:fillRef idx="1">
-            <a:schemeClr val="accent1"/>
-          </a:fillRef>
-          <a:effectRef idx="0">
-            <a:schemeClr val="accent1"/>
-          </a:effectRef>
-          <a:fontRef idx="minor">
-            <a:schemeClr val="lt1"/>
-          </a:fontRef>
-        </p:style>
-        <p:txBody>
-          <a:bodyPr rtlCol="0" anchor="ctr"/>
-          <a:lstStyle/>
-          <a:p>
-            <a:pPr algn="ctr"/>
-            <a:endParaRPr kumimoji="1" lang="ja-JP" altLang="en-US"/>
-          </a:p>
-        </p:txBody>
-      </p:sp>
-      <p:sp>
-        <p:nvSpPr>
-          <p:cNvPr id="13" name="楕円 12"/>
-          <p:cNvSpPr/>
-          <p:nvPr/>
-        </p:nvSpPr>
-        <p:spPr>
-          <a:xfrm>
-            <a:off x="5145998" y="3694176"/>
-            <a:ext cx="1099354" cy="488886"/>
-          </a:xfrm>
-          <a:prstGeom prst="ellipse">
-            <a:avLst/>
-          </a:prstGeom>
-          <a:noFill/>
-          <a:ln w="38100">
-            <a:solidFill>
-              <a:schemeClr val="accent2"/>
-            </a:solidFill>
-          </a:ln>
-        </p:spPr>
-        <p:style>
-          <a:lnRef idx="2">
-            <a:schemeClr val="accent1">
-              <a:shade val="50000"/>
-            </a:schemeClr>
-          </a:lnRef>
-          <a:fillRef idx="1">
-            <a:schemeClr val="accent1"/>
-          </a:fillRef>
-          <a:effectRef idx="0">
-            <a:schemeClr val="accent1"/>
-          </a:effectRef>
-          <a:fontRef idx="minor">
-            <a:schemeClr val="lt1"/>
-          </a:fontRef>
-        </p:style>
-        <p:txBody>
-          <a:bodyPr rtlCol="0" anchor="ctr"/>
-          <a:lstStyle/>
-          <a:p>
-            <a:pPr algn="ctr"/>
-            <a:endParaRPr kumimoji="1" lang="ja-JP" altLang="en-US"/>
+        <p:txBody>
+          <a:bodyPr wrap="square" rtlCol="0">
+            <a:spAutoFit/>
+          </a:bodyPr>
+          <a:lstStyle/>
+          <a:p>
+            <a:r>
+              <a:rPr kumimoji="1" lang="ja-JP" altLang="en-US" dirty="0" smtClean="0">
+                <a:ln w="3175">
+                  <a:noFill/>
+                </a:ln>
+                <a:solidFill>
+                  <a:schemeClr val="bg1"/>
+                </a:solidFill>
+              </a:rPr>
+              <a:t>人気</a:t>
+            </a:r>
+            <a:endParaRPr kumimoji="1" lang="ja-JP" altLang="en-US" dirty="0">
+              <a:ln w="3175">
+                <a:noFill/>
+              </a:ln>
+              <a:solidFill>
+                <a:schemeClr val="bg1"/>
+              </a:solidFill>
+            </a:endParaRPr>
           </a:p>
         </p:txBody>
       </p:sp>
     </p:spTree>
     <p:extLst>
       <p:ext uri="{BB962C8B-B14F-4D97-AF65-F5344CB8AC3E}">
-        <p14:creationId xmlns:p14="http://schemas.microsoft.com/office/powerpoint/2010/main" val="3761124011"/>
+        <p14:creationId xmlns:p14="http://schemas.microsoft.com/office/powerpoint/2010/main" val="3155040133"/>
       </p:ext>
     </p:extLst>
   </p:cSld>
@@ -5770,317 +6861,7 @@
 </p:sld>
 </file>
 
-<file path=ppt/slides/slide5.xml><?xml version="1.0" encoding="utf-8"?>
-<p:sld xmlns:a="http://schemas.openxmlformats.org/drawingml/2006/main" xmlns:r="http://schemas.openxmlformats.org/officeDocument/2006/relationships" xmlns:p="http://schemas.openxmlformats.org/presentationml/2006/main">
-  <p:cSld>
-    <p:spTree>
-      <p:nvGrpSpPr>
-        <p:cNvPr id="1" name=""/>
-        <p:cNvGrpSpPr/>
-        <p:nvPr/>
-      </p:nvGrpSpPr>
-      <p:grpSpPr>
-        <a:xfrm>
-          <a:off x="0" y="0"/>
-          <a:ext cx="0" cy="0"/>
-          <a:chOff x="0" y="0"/>
-          <a:chExt cx="0" cy="0"/>
-        </a:xfrm>
-      </p:grpSpPr>
-      <p:sp>
-        <p:nvSpPr>
-          <p:cNvPr id="2" name="タイトル 1"/>
-          <p:cNvSpPr>
-            <a:spLocks noGrp="1"/>
-          </p:cNvSpPr>
-          <p:nvPr>
-            <p:ph type="title"/>
-          </p:nvPr>
-        </p:nvSpPr>
-        <p:spPr/>
-        <p:txBody>
-          <a:bodyPr/>
-          <a:lstStyle/>
-          <a:p>
-            <a:r>
-              <a:rPr kumimoji="1" lang="ja-JP" altLang="en-US" dirty="0" smtClean="0"/>
-              <a:t>町人</a:t>
-            </a:r>
-            <a:endParaRPr kumimoji="1" lang="ja-JP" altLang="en-US" dirty="0"/>
-          </a:p>
-        </p:txBody>
-      </p:sp>
-      <p:sp>
-        <p:nvSpPr>
-          <p:cNvPr id="3" name="テキスト プレースホルダー 2"/>
-          <p:cNvSpPr>
-            <a:spLocks noGrp="1"/>
-          </p:cNvSpPr>
-          <p:nvPr>
-            <p:ph type="body" idx="1"/>
-          </p:nvPr>
-        </p:nvSpPr>
-        <p:spPr/>
-        <p:txBody>
-          <a:bodyPr/>
-          <a:lstStyle/>
-          <a:p>
-            <a:endParaRPr kumimoji="1" lang="ja-JP" altLang="en-US"/>
-          </a:p>
-        </p:txBody>
-      </p:sp>
-      <p:sp>
-        <p:nvSpPr>
-          <p:cNvPr id="4" name="コンテンツ プレースホルダー 3"/>
-          <p:cNvSpPr>
-            <a:spLocks noGrp="1"/>
-          </p:cNvSpPr>
-          <p:nvPr>
-            <p:ph sz="half" idx="2"/>
-          </p:nvPr>
-        </p:nvSpPr>
-        <p:spPr/>
-        <p:txBody>
-          <a:bodyPr/>
-          <a:lstStyle/>
-          <a:p>
-            <a:endParaRPr kumimoji="1" lang="ja-JP" altLang="en-US"/>
-          </a:p>
-        </p:txBody>
-      </p:sp>
-      <p:sp>
-        <p:nvSpPr>
-          <p:cNvPr id="5" name="テキスト プレースホルダー 4"/>
-          <p:cNvSpPr>
-            <a:spLocks noGrp="1"/>
-          </p:cNvSpPr>
-          <p:nvPr>
-            <p:ph type="body" sz="quarter" idx="3"/>
-          </p:nvPr>
-        </p:nvSpPr>
-        <p:spPr/>
-        <p:txBody>
-          <a:bodyPr/>
-          <a:lstStyle/>
-          <a:p>
-            <a:endParaRPr kumimoji="1" lang="ja-JP" altLang="en-US"/>
-          </a:p>
-        </p:txBody>
-      </p:sp>
-      <p:sp>
-        <p:nvSpPr>
-          <p:cNvPr id="6" name="コンテンツ プレースホルダー 5"/>
-          <p:cNvSpPr>
-            <a:spLocks noGrp="1"/>
-          </p:cNvSpPr>
-          <p:nvPr>
-            <p:ph sz="quarter" idx="4"/>
-          </p:nvPr>
-        </p:nvSpPr>
-        <p:spPr/>
-        <p:txBody>
-          <a:bodyPr/>
-          <a:lstStyle/>
-          <a:p>
-            <a:endParaRPr kumimoji="1" lang="ja-JP" altLang="en-US"/>
-          </a:p>
-        </p:txBody>
-      </p:sp>
-    </p:spTree>
-    <p:extLst>
-      <p:ext uri="{BB962C8B-B14F-4D97-AF65-F5344CB8AC3E}">
-        <p14:creationId xmlns:p14="http://schemas.microsoft.com/office/powerpoint/2010/main" val="3471384957"/>
-      </p:ext>
-    </p:extLst>
-  </p:cSld>
-  <p:clrMapOvr>
-    <a:masterClrMapping/>
-  </p:clrMapOvr>
-  <p:timing>
-    <p:tnLst>
-      <p:par>
-        <p:cTn id="1" dur="indefinite" restart="never" nodeType="tmRoot"/>
-      </p:par>
-    </p:tnLst>
-  </p:timing>
-</p:sld>
-</file>
-
-<file path=ppt/slides/slide6.xml><?xml version="1.0" encoding="utf-8"?>
-<p:sld xmlns:a="http://schemas.openxmlformats.org/drawingml/2006/main" xmlns:r="http://schemas.openxmlformats.org/officeDocument/2006/relationships" xmlns:p="http://schemas.openxmlformats.org/presentationml/2006/main">
-  <p:cSld>
-    <p:spTree>
-      <p:nvGrpSpPr>
-        <p:cNvPr id="1" name=""/>
-        <p:cNvGrpSpPr/>
-        <p:nvPr/>
-      </p:nvGrpSpPr>
-      <p:grpSpPr>
-        <a:xfrm>
-          <a:off x="0" y="0"/>
-          <a:ext cx="0" cy="0"/>
-          <a:chOff x="0" y="0"/>
-          <a:chExt cx="0" cy="0"/>
-        </a:xfrm>
-      </p:grpSpPr>
-      <p:sp>
-        <p:nvSpPr>
-          <p:cNvPr id="2" name="タイトル 1"/>
-          <p:cNvSpPr>
-            <a:spLocks noGrp="1"/>
-          </p:cNvSpPr>
-          <p:nvPr>
-            <p:ph type="title"/>
-          </p:nvPr>
-        </p:nvSpPr>
-        <p:spPr/>
-        <p:txBody>
-          <a:bodyPr/>
-          <a:lstStyle/>
-          <a:p>
-            <a:r>
-              <a:rPr kumimoji="1" lang="ja-JP" altLang="en-US" dirty="0" smtClean="0"/>
-              <a:t>人気を集め、商売を盛り上げろ</a:t>
-            </a:r>
-            <a:endParaRPr kumimoji="1" lang="ja-JP" altLang="en-US" dirty="0"/>
-          </a:p>
-        </p:txBody>
-      </p:sp>
-      <p:sp>
-        <p:nvSpPr>
-          <p:cNvPr id="3" name="テキスト プレースホルダー 2"/>
-          <p:cNvSpPr>
-            <a:spLocks noGrp="1"/>
-          </p:cNvSpPr>
-          <p:nvPr>
-            <p:ph type="body" idx="1"/>
-          </p:nvPr>
-        </p:nvSpPr>
-        <p:spPr/>
-        <p:txBody>
-          <a:bodyPr/>
-          <a:lstStyle/>
-          <a:p>
-            <a:r>
-              <a:rPr kumimoji="1" lang="ja-JP" altLang="en-US" dirty="0" smtClean="0"/>
-              <a:t>人気は商売のイノチ</a:t>
-            </a:r>
-            <a:endParaRPr kumimoji="1" lang="ja-JP" altLang="en-US" dirty="0"/>
-          </a:p>
-        </p:txBody>
-      </p:sp>
-      <p:sp>
-        <p:nvSpPr>
-          <p:cNvPr id="4" name="コンテンツ プレースホルダー 3"/>
-          <p:cNvSpPr>
-            <a:spLocks noGrp="1"/>
-          </p:cNvSpPr>
-          <p:nvPr>
-            <p:ph sz="half" idx="2"/>
-          </p:nvPr>
-        </p:nvSpPr>
-        <p:spPr/>
-        <p:txBody>
-          <a:bodyPr/>
-          <a:lstStyle/>
-          <a:p>
-            <a:r>
-              <a:rPr kumimoji="1" lang="ja-JP" altLang="en-US" dirty="0" smtClean="0"/>
-              <a:t>上手くすしを作っていれば、店の人気が上がり、たくさんのお客様が来る</a:t>
-            </a:r>
-            <a:endParaRPr kumimoji="1" lang="en-US" altLang="ja-JP" dirty="0" smtClean="0"/>
-          </a:p>
-          <a:p>
-            <a:r>
-              <a:rPr kumimoji="1" lang="ja-JP" altLang="en-US" dirty="0" smtClean="0"/>
-              <a:t>寿司を食べてもらえば、お金がもらえる</a:t>
-            </a:r>
-            <a:endParaRPr kumimoji="1" lang="ja-JP" altLang="en-US" dirty="0"/>
-          </a:p>
-        </p:txBody>
-      </p:sp>
-      <p:sp>
-        <p:nvSpPr>
-          <p:cNvPr id="5" name="テキスト プレースホルダー 4"/>
-          <p:cNvSpPr>
-            <a:spLocks noGrp="1"/>
-          </p:cNvSpPr>
-          <p:nvPr>
-            <p:ph type="body" sz="quarter" idx="3"/>
-          </p:nvPr>
-        </p:nvSpPr>
-        <p:spPr/>
-        <p:txBody>
-          <a:bodyPr/>
-          <a:lstStyle/>
-          <a:p>
-            <a:r>
-              <a:rPr kumimoji="1" lang="ja-JP" altLang="en-US" dirty="0" smtClean="0"/>
-              <a:t>だから客を大切に</a:t>
-            </a:r>
-            <a:endParaRPr kumimoji="1" lang="ja-JP" altLang="en-US" dirty="0"/>
-          </a:p>
-        </p:txBody>
-      </p:sp>
-      <p:sp>
-        <p:nvSpPr>
-          <p:cNvPr id="6" name="コンテンツ プレースホルダー 5"/>
-          <p:cNvSpPr>
-            <a:spLocks noGrp="1"/>
-          </p:cNvSpPr>
-          <p:nvPr>
-            <p:ph sz="quarter" idx="4"/>
-          </p:nvPr>
-        </p:nvSpPr>
-        <p:spPr/>
-        <p:txBody>
-          <a:bodyPr/>
-          <a:lstStyle/>
-          <a:p>
-            <a:r>
-              <a:rPr kumimoji="1" lang="ja-JP" altLang="en-US" dirty="0" smtClean="0"/>
-              <a:t>すしを切るときは、お客様を切らないように要注意</a:t>
-            </a:r>
-            <a:endParaRPr kumimoji="1" lang="en-US" altLang="ja-JP" dirty="0" smtClean="0"/>
-          </a:p>
-          <a:p>
-            <a:r>
-              <a:rPr lang="ja-JP" altLang="en-US" dirty="0"/>
-              <a:t>人気</a:t>
-            </a:r>
-            <a:r>
-              <a:rPr lang="ja-JP" altLang="en-US" dirty="0" smtClean="0"/>
-              <a:t>がなくなるとゲーム</a:t>
-            </a:r>
-            <a:r>
-              <a:rPr lang="ja-JP" altLang="en-US" dirty="0"/>
-              <a:t>オーバー</a:t>
-            </a:r>
-            <a:endParaRPr kumimoji="1" lang="ja-JP" altLang="en-US" dirty="0"/>
-          </a:p>
-        </p:txBody>
-      </p:sp>
-    </p:spTree>
-    <p:extLst>
-      <p:ext uri="{BB962C8B-B14F-4D97-AF65-F5344CB8AC3E}">
-        <p14:creationId xmlns:p14="http://schemas.microsoft.com/office/powerpoint/2010/main" val="2823977695"/>
-      </p:ext>
-    </p:extLst>
-  </p:cSld>
-  <p:clrMapOvr>
-    <a:masterClrMapping/>
-  </p:clrMapOvr>
-  <p:timing>
-    <p:tnLst>
-      <p:par>
-        <p:cTn id="1" dur="indefinite" restart="never" nodeType="tmRoot"/>
-      </p:par>
-    </p:tnLst>
-  </p:timing>
-</p:sld>
-</file>
-
-<file path=ppt/slides/slide7.xml><?xml version="1.0" encoding="utf-8"?>
+<file path=ppt/slides/slide11.xml><?xml version="1.0" encoding="utf-8"?>
 <p:sld xmlns:a="http://schemas.openxmlformats.org/drawingml/2006/main" xmlns:r="http://schemas.openxmlformats.org/officeDocument/2006/relationships" xmlns:p="http://schemas.openxmlformats.org/presentationml/2006/main">
   <p:cSld>
     <p:spTree>
@@ -6216,7 +6997,7 @@
 </p:sld>
 </file>
 
-<file path=ppt/slides/slide8.xml><?xml version="1.0" encoding="utf-8"?>
+<file path=ppt/slides/slide12.xml><?xml version="1.0" encoding="utf-8"?>
 <p:sld xmlns:a="http://schemas.openxmlformats.org/drawingml/2006/main" xmlns:r="http://schemas.openxmlformats.org/officeDocument/2006/relationships" xmlns:p="http://schemas.openxmlformats.org/presentationml/2006/main">
   <p:cSld>
     <p:spTree>
@@ -6248,6 +7029,10 @@
           <a:bodyPr/>
           <a:lstStyle/>
           <a:p>
+            <a:r>
+              <a:rPr kumimoji="1" lang="ja-JP" altLang="en-US" dirty="0" smtClean="0"/>
+              <a:t>忍者襲来！</a:t>
+            </a:r>
             <a:endParaRPr kumimoji="1" lang="ja-JP" altLang="en-US" dirty="0"/>
           </a:p>
         </p:txBody>
@@ -6273,8 +7058,8 @@
         </p:blipFill>
         <p:spPr>
           <a:xfrm flipH="1">
-            <a:off x="8023412" y="898743"/>
-            <a:ext cx="1828804" cy="1154175"/>
+            <a:off x="7351059" y="760077"/>
+            <a:ext cx="1353670" cy="854314"/>
           </a:xfrm>
           <a:prstGeom prst="rect">
             <a:avLst/>
@@ -6436,7 +7221,7 @@
           <p:nvPr/>
         </p:nvPicPr>
         <p:blipFill rotWithShape="1">
-          <a:blip r:embed="rId2" cstate="print">
+          <a:blip r:embed="rId6" cstate="print">
             <a:extLst>
               <a:ext uri="{28A0092B-C50C-407E-A947-70E740481C1C}">
                 <a14:useLocalDpi xmlns:a14="http://schemas.microsoft.com/office/drawing/2010/main" val="0"/>
@@ -6448,8 +7233,8 @@
         </p:blipFill>
         <p:spPr>
           <a:xfrm flipH="1">
-            <a:off x="8023412" y="2043953"/>
-            <a:ext cx="1828804" cy="1975948"/>
+            <a:off x="7351059" y="1614391"/>
+            <a:ext cx="1353670" cy="1462585"/>
           </a:xfrm>
           <a:prstGeom prst="rect">
             <a:avLst/>
@@ -6555,7 +7340,7 @@
                               <p:par>
                                 <p:cTn id="11" presetID="42" presetClass="path" presetSubtype="0" accel="50000" decel="50000" fill="hold" nodeType="withEffect">
                                   <p:stCondLst>
-                                    <p:cond delay="600"/>
+                                    <p:cond delay="500"/>
                                   </p:stCondLst>
                                   <p:childTnLst>
                                     <p:animMotion origin="layout" path="M -4.16667E-6 -5.55112E-17 L 0.00717 -0.00394 " pathEditMode="relative" rAng="0" ptsTypes="AA">
@@ -6577,7 +7362,7 @@
                               <p:par>
                                 <p:cTn id="13" presetID="42" presetClass="path" presetSubtype="0" accel="50000" decel="50000" fill="hold" nodeType="withEffect">
                                   <p:stCondLst>
-                                    <p:cond delay="600"/>
+                                    <p:cond delay="500"/>
                                   </p:stCondLst>
                                   <p:childTnLst>
                                     <p:animMotion origin="layout" path="M 4.16667E-6 -2.59259E-6 L -0.00521 0.00949 " pathEditMode="relative" rAng="0" ptsTypes="AA">
@@ -6599,7 +7384,7 @@
                               <p:par>
                                 <p:cTn id="15" presetID="42" presetClass="path" presetSubtype="0" accel="50000" decel="50000" fill="hold" nodeType="withEffect">
                                   <p:stCondLst>
-                                    <p:cond delay="800"/>
+                                    <p:cond delay="650"/>
                                   </p:stCondLst>
                                   <p:childTnLst>
                                     <p:animMotion origin="layout" path="M -2.91667E-6 3.7037E-6 L 0.00417 -0.01899 " pathEditMode="relative" rAng="0" ptsTypes="AA">
@@ -6621,7 +7406,7 @@
                               <p:par>
                                 <p:cTn id="17" presetID="42" presetClass="path" presetSubtype="0" accel="50000" decel="50000" fill="hold" nodeType="withEffect">
                                   <p:stCondLst>
-                                    <p:cond delay="800"/>
+                                    <p:cond delay="650"/>
                                   </p:stCondLst>
                                   <p:childTnLst>
                                     <p:animMotion origin="layout" path="M -2.91667E-6 3.7037E-7 L -0.00781 0.01018 " pathEditMode="relative" rAng="0" ptsTypes="AA">
@@ -6671,6 +7456,1959 @@
 </p:sld>
 </file>
 
+<file path=ppt/slides/slide13.xml><?xml version="1.0" encoding="utf-8"?>
+<p:sld xmlns:a="http://schemas.openxmlformats.org/drawingml/2006/main" xmlns:r="http://schemas.openxmlformats.org/officeDocument/2006/relationships" xmlns:p="http://schemas.openxmlformats.org/presentationml/2006/main">
+  <p:cSld>
+    <p:spTree>
+      <p:nvGrpSpPr>
+        <p:cNvPr id="1" name=""/>
+        <p:cNvGrpSpPr/>
+        <p:nvPr/>
+      </p:nvGrpSpPr>
+      <p:grpSpPr>
+        <a:xfrm>
+          <a:off x="0" y="0"/>
+          <a:ext cx="0" cy="0"/>
+          <a:chOff x="0" y="0"/>
+          <a:chExt cx="0" cy="0"/>
+        </a:xfrm>
+      </p:grpSpPr>
+      <p:sp>
+        <p:nvSpPr>
+          <p:cNvPr id="2" name="タイトル 1"/>
+          <p:cNvSpPr>
+            <a:spLocks noGrp="1"/>
+          </p:cNvSpPr>
+          <p:nvPr>
+            <p:ph type="title"/>
+          </p:nvPr>
+        </p:nvSpPr>
+        <p:spPr/>
+        <p:txBody>
+          <a:bodyPr/>
+          <a:lstStyle/>
+          <a:p>
+            <a:r>
+              <a:rPr kumimoji="1" lang="ja-JP" altLang="en-US" dirty="0" smtClean="0"/>
+              <a:t>忍びの退治</a:t>
+            </a:r>
+            <a:endParaRPr kumimoji="1" lang="ja-JP" altLang="en-US" dirty="0"/>
+          </a:p>
+        </p:txBody>
+      </p:sp>
+      <p:sp>
+        <p:nvSpPr>
+          <p:cNvPr id="3" name="テキスト プレースホルダー 2"/>
+          <p:cNvSpPr>
+            <a:spLocks noGrp="1"/>
+          </p:cNvSpPr>
+          <p:nvPr>
+            <p:ph type="body" idx="1"/>
+          </p:nvPr>
+        </p:nvSpPr>
+        <p:spPr/>
+        <p:txBody>
+          <a:bodyPr/>
+          <a:lstStyle/>
+          <a:p>
+            <a:endParaRPr kumimoji="1" lang="ja-JP" altLang="en-US"/>
+          </a:p>
+        </p:txBody>
+      </p:sp>
+      <p:sp>
+        <p:nvSpPr>
+          <p:cNvPr id="4" name="コンテンツ プレースホルダー 3"/>
+          <p:cNvSpPr>
+            <a:spLocks noGrp="1"/>
+          </p:cNvSpPr>
+          <p:nvPr>
+            <p:ph sz="half" idx="2"/>
+          </p:nvPr>
+        </p:nvSpPr>
+        <p:spPr/>
+        <p:txBody>
+          <a:bodyPr/>
+          <a:lstStyle/>
+          <a:p>
+            <a:endParaRPr kumimoji="1" lang="ja-JP" altLang="en-US"/>
+          </a:p>
+        </p:txBody>
+      </p:sp>
+      <p:sp>
+        <p:nvSpPr>
+          <p:cNvPr id="5" name="テキスト プレースホルダー 4"/>
+          <p:cNvSpPr>
+            <a:spLocks noGrp="1"/>
+          </p:cNvSpPr>
+          <p:nvPr>
+            <p:ph type="body" sz="quarter" idx="3"/>
+          </p:nvPr>
+        </p:nvSpPr>
+        <p:spPr/>
+        <p:txBody>
+          <a:bodyPr/>
+          <a:lstStyle/>
+          <a:p>
+            <a:endParaRPr kumimoji="1" lang="ja-JP" altLang="en-US"/>
+          </a:p>
+        </p:txBody>
+      </p:sp>
+      <p:sp>
+        <p:nvSpPr>
+          <p:cNvPr id="6" name="コンテンツ プレースホルダー 5"/>
+          <p:cNvSpPr>
+            <a:spLocks noGrp="1"/>
+          </p:cNvSpPr>
+          <p:nvPr>
+            <p:ph sz="quarter" idx="4"/>
+          </p:nvPr>
+        </p:nvSpPr>
+        <p:spPr/>
+        <p:txBody>
+          <a:bodyPr/>
+          <a:lstStyle/>
+          <a:p>
+            <a:endParaRPr kumimoji="1" lang="ja-JP" altLang="en-US"/>
+          </a:p>
+        </p:txBody>
+      </p:sp>
+    </p:spTree>
+    <p:extLst>
+      <p:ext uri="{BB962C8B-B14F-4D97-AF65-F5344CB8AC3E}">
+        <p14:creationId xmlns:p14="http://schemas.microsoft.com/office/powerpoint/2010/main" val="1664855649"/>
+      </p:ext>
+    </p:extLst>
+  </p:cSld>
+  <p:clrMapOvr>
+    <a:masterClrMapping/>
+  </p:clrMapOvr>
+  <p:timing>
+    <p:tnLst>
+      <p:par>
+        <p:cTn id="1" dur="indefinite" restart="never" nodeType="tmRoot"/>
+      </p:par>
+    </p:tnLst>
+  </p:timing>
+</p:sld>
+</file>
+
+<file path=ppt/slides/slide14.xml><?xml version="1.0" encoding="utf-8"?>
+<p:sld xmlns:a="http://schemas.openxmlformats.org/drawingml/2006/main" xmlns:r="http://schemas.openxmlformats.org/officeDocument/2006/relationships" xmlns:p="http://schemas.openxmlformats.org/presentationml/2006/main">
+  <p:cSld>
+    <p:spTree>
+      <p:nvGrpSpPr>
+        <p:cNvPr id="1" name=""/>
+        <p:cNvGrpSpPr/>
+        <p:nvPr/>
+      </p:nvGrpSpPr>
+      <p:grpSpPr>
+        <a:xfrm>
+          <a:off x="0" y="0"/>
+          <a:ext cx="0" cy="0"/>
+          <a:chOff x="0" y="0"/>
+          <a:chExt cx="0" cy="0"/>
+        </a:xfrm>
+      </p:grpSpPr>
+      <p:sp>
+        <p:nvSpPr>
+          <p:cNvPr id="2" name="タイトル 1"/>
+          <p:cNvSpPr>
+            <a:spLocks noGrp="1"/>
+          </p:cNvSpPr>
+          <p:nvPr>
+            <p:ph type="title"/>
+          </p:nvPr>
+        </p:nvSpPr>
+        <p:spPr/>
+        <p:txBody>
+          <a:bodyPr/>
+          <a:lstStyle/>
+          <a:p>
+            <a:r>
+              <a:rPr kumimoji="1" lang="ja-JP" altLang="en-US" dirty="0" smtClean="0"/>
+              <a:t>他</a:t>
+            </a:r>
+            <a:endParaRPr kumimoji="1" lang="ja-JP" altLang="en-US" dirty="0"/>
+          </a:p>
+        </p:txBody>
+      </p:sp>
+      <p:sp>
+        <p:nvSpPr>
+          <p:cNvPr id="3" name="テキスト プレースホルダー 2"/>
+          <p:cNvSpPr>
+            <a:spLocks noGrp="1"/>
+          </p:cNvSpPr>
+          <p:nvPr>
+            <p:ph type="body" idx="1"/>
+          </p:nvPr>
+        </p:nvSpPr>
+        <p:spPr/>
+        <p:txBody>
+          <a:bodyPr/>
+          <a:lstStyle/>
+          <a:p>
+            <a:endParaRPr kumimoji="1" lang="ja-JP" altLang="en-US"/>
+          </a:p>
+        </p:txBody>
+      </p:sp>
+      <p:sp>
+        <p:nvSpPr>
+          <p:cNvPr id="4" name="コンテンツ プレースホルダー 3"/>
+          <p:cNvSpPr>
+            <a:spLocks noGrp="1"/>
+          </p:cNvSpPr>
+          <p:nvPr>
+            <p:ph sz="half" idx="2"/>
+          </p:nvPr>
+        </p:nvSpPr>
+        <p:spPr/>
+        <p:txBody>
+          <a:bodyPr/>
+          <a:lstStyle/>
+          <a:p>
+            <a:endParaRPr kumimoji="1" lang="ja-JP" altLang="en-US"/>
+          </a:p>
+        </p:txBody>
+      </p:sp>
+      <p:sp>
+        <p:nvSpPr>
+          <p:cNvPr id="5" name="テキスト プレースホルダー 4"/>
+          <p:cNvSpPr>
+            <a:spLocks noGrp="1"/>
+          </p:cNvSpPr>
+          <p:nvPr>
+            <p:ph type="body" sz="quarter" idx="3"/>
+          </p:nvPr>
+        </p:nvSpPr>
+        <p:spPr/>
+        <p:txBody>
+          <a:bodyPr/>
+          <a:lstStyle/>
+          <a:p>
+            <a:endParaRPr kumimoji="1" lang="ja-JP" altLang="en-US"/>
+          </a:p>
+        </p:txBody>
+      </p:sp>
+      <p:sp>
+        <p:nvSpPr>
+          <p:cNvPr id="6" name="コンテンツ プレースホルダー 5"/>
+          <p:cNvSpPr>
+            <a:spLocks noGrp="1"/>
+          </p:cNvSpPr>
+          <p:nvPr>
+            <p:ph sz="quarter" idx="4"/>
+          </p:nvPr>
+        </p:nvSpPr>
+        <p:spPr/>
+        <p:txBody>
+          <a:bodyPr/>
+          <a:lstStyle/>
+          <a:p>
+            <a:endParaRPr kumimoji="1" lang="ja-JP" altLang="en-US"/>
+          </a:p>
+        </p:txBody>
+      </p:sp>
+    </p:spTree>
+    <p:extLst>
+      <p:ext uri="{BB962C8B-B14F-4D97-AF65-F5344CB8AC3E}">
+        <p14:creationId xmlns:p14="http://schemas.microsoft.com/office/powerpoint/2010/main" val="1282148534"/>
+      </p:ext>
+    </p:extLst>
+  </p:cSld>
+  <p:clrMapOvr>
+    <a:masterClrMapping/>
+  </p:clrMapOvr>
+  <p:timing>
+    <p:tnLst>
+      <p:par>
+        <p:cTn id="1" dur="indefinite" restart="never" nodeType="tmRoot"/>
+      </p:par>
+    </p:tnLst>
+  </p:timing>
+</p:sld>
+</file>
+
+<file path=ppt/slides/slide2.xml><?xml version="1.0" encoding="utf-8"?>
+<p:sld xmlns:a="http://schemas.openxmlformats.org/drawingml/2006/main" xmlns:r="http://schemas.openxmlformats.org/officeDocument/2006/relationships" xmlns:p="http://schemas.openxmlformats.org/presentationml/2006/main">
+  <p:cSld>
+    <p:spTree>
+      <p:nvGrpSpPr>
+        <p:cNvPr id="1" name=""/>
+        <p:cNvGrpSpPr/>
+        <p:nvPr/>
+      </p:nvGrpSpPr>
+      <p:grpSpPr>
+        <a:xfrm>
+          <a:off x="0" y="0"/>
+          <a:ext cx="0" cy="0"/>
+          <a:chOff x="0" y="0"/>
+          <a:chExt cx="0" cy="0"/>
+        </a:xfrm>
+      </p:grpSpPr>
+      <p:sp>
+        <p:nvSpPr>
+          <p:cNvPr id="2" name="タイトル 1"/>
+          <p:cNvSpPr>
+            <a:spLocks noGrp="1"/>
+          </p:cNvSpPr>
+          <p:nvPr>
+            <p:ph type="title"/>
+          </p:nvPr>
+        </p:nvSpPr>
+        <p:spPr/>
+        <p:txBody>
+          <a:bodyPr>
+            <a:normAutofit/>
+          </a:bodyPr>
+          <a:lstStyle/>
+          <a:p>
+            <a:endParaRPr kumimoji="1" lang="ja-JP" altLang="en-US" dirty="0"/>
+          </a:p>
+        </p:txBody>
+      </p:sp>
+      <p:sp>
+        <p:nvSpPr>
+          <p:cNvPr id="3" name="コンテンツ プレースホルダー 2"/>
+          <p:cNvSpPr>
+            <a:spLocks noGrp="1"/>
+          </p:cNvSpPr>
+          <p:nvPr>
+            <p:ph idx="1"/>
+          </p:nvPr>
+        </p:nvSpPr>
+        <p:spPr/>
+        <p:txBody>
+          <a:bodyPr>
+            <a:normAutofit/>
+          </a:bodyPr>
+          <a:lstStyle/>
+          <a:p>
+            <a:r>
+              <a:rPr kumimoji="1" lang="ja-JP" altLang="en-US" sz="2400" dirty="0" smtClean="0"/>
+              <a:t>ジャンル：刀アクション、エンドレスゲーム</a:t>
+            </a:r>
+            <a:endParaRPr kumimoji="1" lang="en-US" altLang="ja-JP" sz="2400" dirty="0" smtClean="0"/>
+          </a:p>
+          <a:p>
+            <a:r>
+              <a:rPr lang="ja-JP" altLang="en-US" sz="2400" dirty="0" smtClean="0"/>
+              <a:t>プラットフォーム：</a:t>
+            </a:r>
+            <a:r>
+              <a:rPr lang="en-US" altLang="ja-JP" sz="2400" dirty="0" smtClean="0"/>
+              <a:t>android</a:t>
+            </a:r>
+          </a:p>
+          <a:p>
+            <a:r>
+              <a:rPr kumimoji="1" lang="ja-JP" altLang="en-US" sz="2400" dirty="0"/>
+              <a:t>プレイ</a:t>
+            </a:r>
+            <a:r>
+              <a:rPr kumimoji="1" lang="ja-JP" altLang="en-US" sz="2400" dirty="0" smtClean="0"/>
+              <a:t>人数：</a:t>
+            </a:r>
+            <a:r>
+              <a:rPr kumimoji="1" lang="en-US" altLang="ja-JP" sz="2400" dirty="0"/>
+              <a:t>1</a:t>
+            </a:r>
+            <a:r>
+              <a:rPr kumimoji="1" lang="ja-JP" altLang="en-US" sz="2400" dirty="0" smtClean="0"/>
+              <a:t>人</a:t>
+            </a:r>
+            <a:endParaRPr kumimoji="1" lang="en-US" altLang="ja-JP" sz="2400" dirty="0" smtClean="0"/>
+          </a:p>
+          <a:p>
+            <a:endParaRPr kumimoji="1" lang="en-US" altLang="ja-JP" sz="2400" dirty="0" smtClean="0"/>
+          </a:p>
+          <a:p>
+            <a:endParaRPr kumimoji="1" lang="ja-JP" altLang="en-US" sz="2400" dirty="0"/>
+          </a:p>
+        </p:txBody>
+      </p:sp>
+    </p:spTree>
+    <p:extLst>
+      <p:ext uri="{BB962C8B-B14F-4D97-AF65-F5344CB8AC3E}">
+        <p14:creationId xmlns:p14="http://schemas.microsoft.com/office/powerpoint/2010/main" val="1808138019"/>
+      </p:ext>
+    </p:extLst>
+  </p:cSld>
+  <p:clrMapOvr>
+    <a:masterClrMapping/>
+  </p:clrMapOvr>
+  <p:timing>
+    <p:tnLst>
+      <p:par>
+        <p:cTn id="1" dur="indefinite" restart="never" nodeType="tmRoot"/>
+      </p:par>
+    </p:tnLst>
+  </p:timing>
+</p:sld>
+</file>
+
+<file path=ppt/slides/slide3.xml><?xml version="1.0" encoding="utf-8"?>
+<p:sld xmlns:a="http://schemas.openxmlformats.org/drawingml/2006/main" xmlns:r="http://schemas.openxmlformats.org/officeDocument/2006/relationships" xmlns:p="http://schemas.openxmlformats.org/presentationml/2006/main">
+  <p:cSld>
+    <p:spTree>
+      <p:nvGrpSpPr>
+        <p:cNvPr id="1" name=""/>
+        <p:cNvGrpSpPr/>
+        <p:nvPr/>
+      </p:nvGrpSpPr>
+      <p:grpSpPr>
+        <a:xfrm>
+          <a:off x="0" y="0"/>
+          <a:ext cx="0" cy="0"/>
+          <a:chOff x="0" y="0"/>
+          <a:chExt cx="0" cy="0"/>
+        </a:xfrm>
+      </p:grpSpPr>
+      <p:sp>
+        <p:nvSpPr>
+          <p:cNvPr id="2" name="タイトル 1"/>
+          <p:cNvSpPr>
+            <a:spLocks noGrp="1"/>
+          </p:cNvSpPr>
+          <p:nvPr>
+            <p:ph type="title"/>
+          </p:nvPr>
+        </p:nvSpPr>
+        <p:spPr/>
+        <p:txBody>
+          <a:bodyPr/>
+          <a:lstStyle/>
+          <a:p>
+            <a:r>
+              <a:rPr kumimoji="1" lang="ja-JP" altLang="en-US" sz="6600" dirty="0" smtClean="0"/>
+              <a:t>侍</a:t>
+            </a:r>
+            <a:r>
+              <a:rPr kumimoji="1" lang="ja-JP" altLang="en-US" sz="3600" dirty="0" smtClean="0"/>
+              <a:t>と</a:t>
+            </a:r>
+            <a:r>
+              <a:rPr kumimoji="1" lang="ja-JP" altLang="en-US" sz="6600" dirty="0" smtClean="0"/>
+              <a:t>すし</a:t>
+            </a:r>
+            <a:endParaRPr kumimoji="1" lang="ja-JP" altLang="en-US" sz="6600" dirty="0"/>
+          </a:p>
+        </p:txBody>
+      </p:sp>
+      <p:sp>
+        <p:nvSpPr>
+          <p:cNvPr id="3" name="コンテンツ プレースホルダー 2"/>
+          <p:cNvSpPr>
+            <a:spLocks noGrp="1"/>
+          </p:cNvSpPr>
+          <p:nvPr>
+            <p:ph idx="1"/>
+          </p:nvPr>
+        </p:nvSpPr>
+        <p:spPr/>
+        <p:txBody>
+          <a:bodyPr>
+            <a:normAutofit/>
+          </a:bodyPr>
+          <a:lstStyle/>
+          <a:p>
+            <a:pPr marL="0" indent="0">
+              <a:buNone/>
+            </a:pPr>
+            <a:r>
+              <a:rPr kumimoji="1" lang="ja-JP" altLang="en-US" sz="2400" dirty="0" smtClean="0"/>
+              <a:t>時は江戸、剣術を極めた</a:t>
+            </a:r>
+            <a:r>
+              <a:rPr kumimoji="1" lang="ja-JP" altLang="en-US" sz="3200" dirty="0" smtClean="0"/>
+              <a:t>侍</a:t>
+            </a:r>
+            <a:r>
+              <a:rPr kumimoji="1" lang="ja-JP" altLang="en-US" sz="2400" dirty="0" smtClean="0"/>
+              <a:t>がいた。</a:t>
+            </a:r>
+            <a:endParaRPr kumimoji="1" lang="en-US" altLang="ja-JP" sz="2400" dirty="0" smtClean="0"/>
+          </a:p>
+          <a:p>
+            <a:pPr marL="0" indent="0">
+              <a:buNone/>
+            </a:pPr>
+            <a:r>
+              <a:rPr kumimoji="1" lang="ja-JP" altLang="en-US" sz="2400" dirty="0" smtClean="0"/>
+              <a:t>その侍は自分の剣術で</a:t>
+            </a:r>
+            <a:r>
+              <a:rPr lang="ja-JP" altLang="en-US" sz="2400" dirty="0" smtClean="0">
+                <a:solidFill>
+                  <a:srgbClr val="FF0000"/>
+                </a:solidFill>
+              </a:rPr>
+              <a:t>何かをやる</a:t>
+            </a:r>
+            <a:r>
+              <a:rPr lang="ja-JP" altLang="en-US" sz="2400" dirty="0" smtClean="0"/>
+              <a:t>と思って</a:t>
+            </a:r>
+            <a:r>
+              <a:rPr lang="en-US" altLang="ja-JP" sz="2400" dirty="0" smtClean="0"/>
+              <a:t>……</a:t>
+            </a:r>
+          </a:p>
+          <a:p>
+            <a:pPr marL="0" indent="0">
+              <a:buNone/>
+            </a:pPr>
+            <a:r>
+              <a:rPr kumimoji="1" lang="ja-JP" altLang="en-US" sz="3200" dirty="0" smtClean="0"/>
+              <a:t>すし</a:t>
+            </a:r>
+            <a:r>
+              <a:rPr kumimoji="1" lang="ja-JP" altLang="en-US" sz="3200" dirty="0"/>
+              <a:t>屋</a:t>
+            </a:r>
+            <a:r>
+              <a:rPr kumimoji="1" lang="ja-JP" altLang="en-US" sz="2400" dirty="0" smtClean="0"/>
+              <a:t>を開いた</a:t>
+            </a:r>
+            <a:endParaRPr kumimoji="1" lang="en-US" altLang="ja-JP" sz="2400" dirty="0" smtClean="0"/>
+          </a:p>
+          <a:p>
+            <a:pPr marL="0" indent="0">
+              <a:buNone/>
+            </a:pPr>
+            <a:r>
+              <a:rPr lang="ja-JP" altLang="en-US" sz="2400" dirty="0" smtClean="0"/>
+              <a:t>それはなんと、</a:t>
+            </a:r>
+            <a:endParaRPr lang="en-US" altLang="ja-JP" sz="2400" dirty="0" smtClean="0"/>
+          </a:p>
+          <a:p>
+            <a:pPr marL="0" indent="0">
+              <a:buNone/>
+            </a:pPr>
+            <a:r>
+              <a:rPr kumimoji="1" lang="ja-JP" altLang="en-US" sz="3200" dirty="0"/>
+              <a:t>刀</a:t>
+            </a:r>
+            <a:r>
+              <a:rPr kumimoji="1" lang="ja-JP" altLang="en-US" sz="2400" dirty="0" smtClean="0"/>
+              <a:t>で</a:t>
+            </a:r>
+            <a:r>
+              <a:rPr kumimoji="1" lang="ja-JP" altLang="en-US" sz="2400" dirty="0"/>
+              <a:t>すし</a:t>
+            </a:r>
+            <a:r>
+              <a:rPr kumimoji="1" lang="ja-JP" altLang="en-US" sz="2400" dirty="0" smtClean="0"/>
+              <a:t>を作ることだと</a:t>
+            </a:r>
+            <a:endParaRPr kumimoji="1" lang="en-US" altLang="ja-JP" sz="2400" dirty="0" smtClean="0"/>
+          </a:p>
+        </p:txBody>
+      </p:sp>
+      <p:grpSp>
+        <p:nvGrpSpPr>
+          <p:cNvPr id="8" name="グループ化 7"/>
+          <p:cNvGrpSpPr/>
+          <p:nvPr/>
+        </p:nvGrpSpPr>
+        <p:grpSpPr>
+          <a:xfrm>
+            <a:off x="7647813" y="1188856"/>
+            <a:ext cx="3438525" cy="4190102"/>
+            <a:chOff x="7647813" y="1188856"/>
+            <a:chExt cx="3438525" cy="4190102"/>
+          </a:xfrm>
+        </p:grpSpPr>
+        <p:pic>
+          <p:nvPicPr>
+            <p:cNvPr id="4" name="図 3"/>
+            <p:cNvPicPr>
+              <a:picLocks noChangeAspect="1"/>
+            </p:cNvPicPr>
+            <p:nvPr/>
+          </p:nvPicPr>
+          <p:blipFill>
+            <a:blip r:embed="rId2">
+              <a:extLst>
+                <a:ext uri="{28A0092B-C50C-407E-A947-70E740481C1C}">
+                  <a14:useLocalDpi xmlns:a14="http://schemas.microsoft.com/office/drawing/2010/main" val="0"/>
+                </a:ext>
+              </a:extLst>
+            </a:blip>
+            <a:stretch>
+              <a:fillRect/>
+            </a:stretch>
+          </p:blipFill>
+          <p:spPr>
+            <a:xfrm>
+              <a:off x="7647813" y="2121408"/>
+              <a:ext cx="3438525" cy="3257550"/>
+            </a:xfrm>
+            <a:prstGeom prst="rect">
+              <a:avLst/>
+            </a:prstGeom>
+          </p:spPr>
+        </p:pic>
+        <p:pic>
+          <p:nvPicPr>
+            <p:cNvPr id="6" name="図 5"/>
+            <p:cNvPicPr>
+              <a:picLocks noChangeAspect="1"/>
+            </p:cNvPicPr>
+            <p:nvPr/>
+          </p:nvPicPr>
+          <p:blipFill>
+            <a:blip r:embed="rId3" cstate="print">
+              <a:extLst>
+                <a:ext uri="{28A0092B-C50C-407E-A947-70E740481C1C}">
+                  <a14:useLocalDpi xmlns:a14="http://schemas.microsoft.com/office/drawing/2010/main" val="0"/>
+                </a:ext>
+              </a:extLst>
+            </a:blip>
+            <a:stretch>
+              <a:fillRect/>
+            </a:stretch>
+          </p:blipFill>
+          <p:spPr>
+            <a:xfrm rot="18599931">
+              <a:off x="8099043" y="1188856"/>
+              <a:ext cx="1337337" cy="1337337"/>
+            </a:xfrm>
+            <a:prstGeom prst="rect">
+              <a:avLst/>
+            </a:prstGeom>
+          </p:spPr>
+        </p:pic>
+        <p:pic>
+          <p:nvPicPr>
+            <p:cNvPr id="7" name="図 6"/>
+            <p:cNvPicPr>
+              <a:picLocks noChangeAspect="1"/>
+            </p:cNvPicPr>
+            <p:nvPr/>
+          </p:nvPicPr>
+          <p:blipFill>
+            <a:blip r:embed="rId4" cstate="print">
+              <a:extLst>
+                <a:ext uri="{28A0092B-C50C-407E-A947-70E740481C1C}">
+                  <a14:useLocalDpi xmlns:a14="http://schemas.microsoft.com/office/drawing/2010/main" val="0"/>
+                </a:ext>
+              </a:extLst>
+            </a:blip>
+            <a:stretch>
+              <a:fillRect/>
+            </a:stretch>
+          </p:blipFill>
+          <p:spPr>
+            <a:xfrm rot="16817351">
+              <a:off x="7756496" y="1865892"/>
+              <a:ext cx="1337337" cy="1337337"/>
+            </a:xfrm>
+            <a:prstGeom prst="rect">
+              <a:avLst/>
+            </a:prstGeom>
+          </p:spPr>
+        </p:pic>
+      </p:grpSp>
+    </p:spTree>
+    <p:extLst>
+      <p:ext uri="{BB962C8B-B14F-4D97-AF65-F5344CB8AC3E}">
+        <p14:creationId xmlns:p14="http://schemas.microsoft.com/office/powerpoint/2010/main" val="527194644"/>
+      </p:ext>
+    </p:extLst>
+  </p:cSld>
+  <p:clrMapOvr>
+    <a:masterClrMapping/>
+  </p:clrMapOvr>
+  <p:timing>
+    <p:tnLst>
+      <p:par>
+        <p:cTn id="1" dur="indefinite" restart="never" nodeType="tmRoot"/>
+      </p:par>
+    </p:tnLst>
+  </p:timing>
+</p:sld>
+</file>
+
+<file path=ppt/slides/slide4.xml><?xml version="1.0" encoding="utf-8"?>
+<p:sld xmlns:a="http://schemas.openxmlformats.org/drawingml/2006/main" xmlns:r="http://schemas.openxmlformats.org/officeDocument/2006/relationships" xmlns:p="http://schemas.openxmlformats.org/presentationml/2006/main">
+  <p:cSld>
+    <p:spTree>
+      <p:nvGrpSpPr>
+        <p:cNvPr id="1" name=""/>
+        <p:cNvGrpSpPr/>
+        <p:nvPr/>
+      </p:nvGrpSpPr>
+      <p:grpSpPr>
+        <a:xfrm>
+          <a:off x="0" y="0"/>
+          <a:ext cx="0" cy="0"/>
+          <a:chOff x="0" y="0"/>
+          <a:chExt cx="0" cy="0"/>
+        </a:xfrm>
+      </p:grpSpPr>
+      <p:sp>
+        <p:nvSpPr>
+          <p:cNvPr id="2" name="タイトル 1"/>
+          <p:cNvSpPr>
+            <a:spLocks noGrp="1"/>
+          </p:cNvSpPr>
+          <p:nvPr>
+            <p:ph type="title"/>
+          </p:nvPr>
+        </p:nvSpPr>
+        <p:spPr/>
+        <p:txBody>
+          <a:bodyPr/>
+          <a:lstStyle/>
+          <a:p>
+            <a:r>
+              <a:rPr kumimoji="1" lang="ja-JP" altLang="en-US" dirty="0" smtClean="0"/>
+              <a:t>魚の切り方</a:t>
+            </a:r>
+            <a:endParaRPr kumimoji="1" lang="ja-JP" altLang="en-US" dirty="0"/>
+          </a:p>
+        </p:txBody>
+      </p:sp>
+      <p:sp>
+        <p:nvSpPr>
+          <p:cNvPr id="3" name="テキスト プレースホルダー 2"/>
+          <p:cNvSpPr>
+            <a:spLocks noGrp="1"/>
+          </p:cNvSpPr>
+          <p:nvPr>
+            <p:ph type="body" idx="1"/>
+          </p:nvPr>
+        </p:nvSpPr>
+        <p:spPr/>
+        <p:txBody>
+          <a:bodyPr/>
+          <a:lstStyle/>
+          <a:p>
+            <a:endParaRPr kumimoji="1" lang="ja-JP" altLang="en-US"/>
+          </a:p>
+        </p:txBody>
+      </p:sp>
+      <p:sp>
+        <p:nvSpPr>
+          <p:cNvPr id="4" name="コンテンツ プレースホルダー 3"/>
+          <p:cNvSpPr>
+            <a:spLocks noGrp="1"/>
+          </p:cNvSpPr>
+          <p:nvPr>
+            <p:ph sz="half" idx="2"/>
+          </p:nvPr>
+        </p:nvSpPr>
+        <p:spPr/>
+        <p:txBody>
+          <a:bodyPr/>
+          <a:lstStyle/>
+          <a:p>
+            <a:endParaRPr kumimoji="1" lang="ja-JP" altLang="en-US"/>
+          </a:p>
+        </p:txBody>
+      </p:sp>
+      <p:sp>
+        <p:nvSpPr>
+          <p:cNvPr id="5" name="テキスト プレースホルダー 4"/>
+          <p:cNvSpPr>
+            <a:spLocks noGrp="1"/>
+          </p:cNvSpPr>
+          <p:nvPr>
+            <p:ph type="body" sz="quarter" idx="3"/>
+          </p:nvPr>
+        </p:nvSpPr>
+        <p:spPr/>
+        <p:txBody>
+          <a:bodyPr/>
+          <a:lstStyle/>
+          <a:p>
+            <a:endParaRPr kumimoji="1" lang="ja-JP" altLang="en-US"/>
+          </a:p>
+        </p:txBody>
+      </p:sp>
+      <p:sp>
+        <p:nvSpPr>
+          <p:cNvPr id="6" name="コンテンツ プレースホルダー 5"/>
+          <p:cNvSpPr>
+            <a:spLocks noGrp="1"/>
+          </p:cNvSpPr>
+          <p:nvPr>
+            <p:ph sz="quarter" idx="4"/>
+          </p:nvPr>
+        </p:nvSpPr>
+        <p:spPr/>
+        <p:txBody>
+          <a:bodyPr/>
+          <a:lstStyle/>
+          <a:p>
+            <a:endParaRPr kumimoji="1" lang="ja-JP" altLang="en-US"/>
+          </a:p>
+        </p:txBody>
+      </p:sp>
+    </p:spTree>
+    <p:extLst>
+      <p:ext uri="{BB962C8B-B14F-4D97-AF65-F5344CB8AC3E}">
+        <p14:creationId xmlns:p14="http://schemas.microsoft.com/office/powerpoint/2010/main" val="4178173582"/>
+      </p:ext>
+    </p:extLst>
+  </p:cSld>
+  <p:clrMapOvr>
+    <a:masterClrMapping/>
+  </p:clrMapOvr>
+  <p:timing>
+    <p:tnLst>
+      <p:par>
+        <p:cTn id="1" dur="indefinite" restart="never" nodeType="tmRoot"/>
+      </p:par>
+    </p:tnLst>
+  </p:timing>
+</p:sld>
+</file>
+
+<file path=ppt/slides/slide5.xml><?xml version="1.0" encoding="utf-8"?>
+<p:sld xmlns:a="http://schemas.openxmlformats.org/drawingml/2006/main" xmlns:r="http://schemas.openxmlformats.org/officeDocument/2006/relationships" xmlns:p="http://schemas.openxmlformats.org/presentationml/2006/main">
+  <p:cSld>
+    <p:spTree>
+      <p:nvGrpSpPr>
+        <p:cNvPr id="1" name=""/>
+        <p:cNvGrpSpPr/>
+        <p:nvPr/>
+      </p:nvGrpSpPr>
+      <p:grpSpPr>
+        <a:xfrm>
+          <a:off x="0" y="0"/>
+          <a:ext cx="0" cy="0"/>
+          <a:chOff x="0" y="0"/>
+          <a:chExt cx="0" cy="0"/>
+        </a:xfrm>
+      </p:grpSpPr>
+      <p:sp>
+        <p:nvSpPr>
+          <p:cNvPr id="2" name="タイトル 1"/>
+          <p:cNvSpPr>
+            <a:spLocks noGrp="1"/>
+          </p:cNvSpPr>
+          <p:nvPr>
+            <p:ph type="title"/>
+          </p:nvPr>
+        </p:nvSpPr>
+        <p:spPr/>
+        <p:txBody>
+          <a:bodyPr/>
+          <a:lstStyle/>
+          <a:p>
+            <a:r>
+              <a:rPr lang="ja-JP" altLang="en-US" sz="6600" dirty="0"/>
+              <a:t>刀</a:t>
+            </a:r>
+            <a:r>
+              <a:rPr lang="ja-JP" altLang="en-US" sz="4400" dirty="0" smtClean="0"/>
+              <a:t>で</a:t>
+            </a:r>
+            <a:r>
+              <a:rPr lang="ja-JP" altLang="en-US" sz="6600" dirty="0" smtClean="0"/>
+              <a:t>すし</a:t>
+            </a:r>
+            <a:endParaRPr kumimoji="1" lang="ja-JP" altLang="en-US" sz="6600" dirty="0"/>
+          </a:p>
+        </p:txBody>
+      </p:sp>
+      <p:pic>
+        <p:nvPicPr>
+          <p:cNvPr id="3" name="図 2"/>
+          <p:cNvPicPr>
+            <a:picLocks noChangeAspect="1"/>
+          </p:cNvPicPr>
+          <p:nvPr/>
+        </p:nvPicPr>
+        <p:blipFill>
+          <a:blip r:embed="rId2" cstate="print">
+            <a:extLst>
+              <a:ext uri="{28A0092B-C50C-407E-A947-70E740481C1C}">
+                <a14:useLocalDpi xmlns:a14="http://schemas.microsoft.com/office/drawing/2010/main" val="0"/>
+              </a:ext>
+            </a:extLst>
+          </a:blip>
+          <a:stretch>
+            <a:fillRect/>
+          </a:stretch>
+        </p:blipFill>
+        <p:spPr>
+          <a:xfrm>
+            <a:off x="1069848" y="3739363"/>
+            <a:ext cx="1219202" cy="1219202"/>
+          </a:xfrm>
+          <a:prstGeom prst="rect">
+            <a:avLst/>
+          </a:prstGeom>
+        </p:spPr>
+      </p:pic>
+      <p:pic>
+        <p:nvPicPr>
+          <p:cNvPr id="4" name="図 3"/>
+          <p:cNvPicPr>
+            <a:picLocks noChangeAspect="1"/>
+          </p:cNvPicPr>
+          <p:nvPr/>
+        </p:nvPicPr>
+        <p:blipFill>
+          <a:blip r:embed="rId2" cstate="print">
+            <a:extLst>
+              <a:ext uri="{28A0092B-C50C-407E-A947-70E740481C1C}">
+                <a14:useLocalDpi xmlns:a14="http://schemas.microsoft.com/office/drawing/2010/main" val="0"/>
+              </a:ext>
+            </a:extLst>
+          </a:blip>
+          <a:stretch>
+            <a:fillRect/>
+          </a:stretch>
+        </p:blipFill>
+        <p:spPr>
+          <a:xfrm>
+            <a:off x="4418360" y="2924703"/>
+            <a:ext cx="1219202" cy="1219202"/>
+          </a:xfrm>
+          <a:prstGeom prst="rect">
+            <a:avLst/>
+          </a:prstGeom>
+        </p:spPr>
+      </p:pic>
+      <p:pic>
+        <p:nvPicPr>
+          <p:cNvPr id="7" name="図 6"/>
+          <p:cNvPicPr>
+            <a:picLocks noChangeAspect="1"/>
+          </p:cNvPicPr>
+          <p:nvPr/>
+        </p:nvPicPr>
+        <p:blipFill>
+          <a:blip r:embed="rId3" cstate="print">
+            <a:extLst>
+              <a:ext uri="{28A0092B-C50C-407E-A947-70E740481C1C}">
+                <a14:useLocalDpi xmlns:a14="http://schemas.microsoft.com/office/drawing/2010/main" val="0"/>
+              </a:ext>
+            </a:extLst>
+          </a:blip>
+          <a:stretch>
+            <a:fillRect/>
+          </a:stretch>
+        </p:blipFill>
+        <p:spPr>
+          <a:xfrm>
+            <a:off x="4505610" y="5658133"/>
+            <a:ext cx="1044703" cy="863125"/>
+          </a:xfrm>
+          <a:prstGeom prst="rect">
+            <a:avLst/>
+          </a:prstGeom>
+        </p:spPr>
+      </p:pic>
+      <p:pic>
+        <p:nvPicPr>
+          <p:cNvPr id="5" name="図 4"/>
+          <p:cNvPicPr>
+            <a:picLocks noChangeAspect="1"/>
+          </p:cNvPicPr>
+          <p:nvPr/>
+        </p:nvPicPr>
+        <p:blipFill>
+          <a:blip r:embed="rId4" cstate="print">
+            <a:extLst>
+              <a:ext uri="{28A0092B-C50C-407E-A947-70E740481C1C}">
+                <a14:useLocalDpi xmlns:a14="http://schemas.microsoft.com/office/drawing/2010/main" val="0"/>
+              </a:ext>
+            </a:extLst>
+          </a:blip>
+          <a:stretch>
+            <a:fillRect/>
+          </a:stretch>
+        </p:blipFill>
+        <p:spPr>
+          <a:xfrm>
+            <a:off x="4665058" y="4545120"/>
+            <a:ext cx="725806" cy="725806"/>
+          </a:xfrm>
+          <a:prstGeom prst="rect">
+            <a:avLst/>
+          </a:prstGeom>
+        </p:spPr>
+      </p:pic>
+      <p:pic>
+        <p:nvPicPr>
+          <p:cNvPr id="6" name="図 5"/>
+          <p:cNvPicPr>
+            <a:picLocks noChangeAspect="1"/>
+          </p:cNvPicPr>
+          <p:nvPr/>
+        </p:nvPicPr>
+        <p:blipFill>
+          <a:blip r:embed="rId5" cstate="print">
+            <a:extLst>
+              <a:ext uri="{28A0092B-C50C-407E-A947-70E740481C1C}">
+                <a14:useLocalDpi xmlns:a14="http://schemas.microsoft.com/office/drawing/2010/main" val="0"/>
+              </a:ext>
+            </a:extLst>
+          </a:blip>
+          <a:stretch>
+            <a:fillRect/>
+          </a:stretch>
+        </p:blipFill>
+        <p:spPr>
+          <a:xfrm>
+            <a:off x="4641723" y="5577901"/>
+            <a:ext cx="772478" cy="772478"/>
+          </a:xfrm>
+          <a:prstGeom prst="rect">
+            <a:avLst/>
+          </a:prstGeom>
+        </p:spPr>
+      </p:pic>
+      <p:sp>
+        <p:nvSpPr>
+          <p:cNvPr id="9" name="下矢印 8"/>
+          <p:cNvSpPr/>
+          <p:nvPr/>
+        </p:nvSpPr>
+        <p:spPr>
+          <a:xfrm>
+            <a:off x="4937637" y="5242061"/>
+            <a:ext cx="180648" cy="364705"/>
+          </a:xfrm>
+          <a:prstGeom prst="downArrow">
+            <a:avLst/>
+          </a:prstGeom>
+        </p:spPr>
+        <p:style>
+          <a:lnRef idx="2">
+            <a:schemeClr val="accent6">
+              <a:shade val="50000"/>
+            </a:schemeClr>
+          </a:lnRef>
+          <a:fillRef idx="1">
+            <a:schemeClr val="accent6"/>
+          </a:fillRef>
+          <a:effectRef idx="0">
+            <a:schemeClr val="accent6"/>
+          </a:effectRef>
+          <a:fontRef idx="minor">
+            <a:schemeClr val="lt1"/>
+          </a:fontRef>
+        </p:style>
+        <p:txBody>
+          <a:bodyPr rtlCol="0" anchor="ctr"/>
+          <a:lstStyle/>
+          <a:p>
+            <a:pPr algn="ctr"/>
+            <a:endParaRPr kumimoji="1" lang="ja-JP" altLang="en-US"/>
+          </a:p>
+        </p:txBody>
+      </p:sp>
+      <p:grpSp>
+        <p:nvGrpSpPr>
+          <p:cNvPr id="14" name="グループ化 13"/>
+          <p:cNvGrpSpPr/>
+          <p:nvPr/>
+        </p:nvGrpSpPr>
+        <p:grpSpPr>
+          <a:xfrm>
+            <a:off x="7467402" y="4190636"/>
+            <a:ext cx="2004058" cy="1369559"/>
+            <a:chOff x="7364448" y="3557927"/>
+            <a:chExt cx="2004058" cy="1369559"/>
+          </a:xfrm>
+        </p:grpSpPr>
+        <p:pic>
+          <p:nvPicPr>
+            <p:cNvPr id="10" name="図 9"/>
+            <p:cNvPicPr>
+              <a:picLocks noChangeAspect="1"/>
+            </p:cNvPicPr>
+            <p:nvPr/>
+          </p:nvPicPr>
+          <p:blipFill>
+            <a:blip r:embed="rId6" cstate="print">
+              <a:extLst>
+                <a:ext uri="{28A0092B-C50C-407E-A947-70E740481C1C}">
+                  <a14:useLocalDpi xmlns:a14="http://schemas.microsoft.com/office/drawing/2010/main" val="0"/>
+                </a:ext>
+              </a:extLst>
+            </a:blip>
+            <a:stretch>
+              <a:fillRect/>
+            </a:stretch>
+          </p:blipFill>
+          <p:spPr>
+            <a:xfrm rot="1800000">
+              <a:off x="8031169" y="3557927"/>
+              <a:ext cx="1337337" cy="1337337"/>
+            </a:xfrm>
+            <a:prstGeom prst="rect">
+              <a:avLst/>
+            </a:prstGeom>
+          </p:spPr>
+        </p:pic>
+        <p:pic>
+          <p:nvPicPr>
+            <p:cNvPr id="11" name="図 10"/>
+            <p:cNvPicPr>
+              <a:picLocks noChangeAspect="1"/>
+            </p:cNvPicPr>
+            <p:nvPr/>
+          </p:nvPicPr>
+          <p:blipFill>
+            <a:blip r:embed="rId7" cstate="print">
+              <a:extLst>
+                <a:ext uri="{28A0092B-C50C-407E-A947-70E740481C1C}">
+                  <a14:useLocalDpi xmlns:a14="http://schemas.microsoft.com/office/drawing/2010/main" val="0"/>
+                </a:ext>
+              </a:extLst>
+            </a:blip>
+            <a:stretch>
+              <a:fillRect/>
+            </a:stretch>
+          </p:blipFill>
+          <p:spPr>
+            <a:xfrm rot="18900000">
+              <a:off x="7364448" y="3590149"/>
+              <a:ext cx="1337337" cy="1337337"/>
+            </a:xfrm>
+            <a:prstGeom prst="rect">
+              <a:avLst/>
+            </a:prstGeom>
+          </p:spPr>
+        </p:pic>
+      </p:grpSp>
+      <p:pic>
+        <p:nvPicPr>
+          <p:cNvPr id="12" name="図 11"/>
+          <p:cNvPicPr>
+            <a:picLocks noChangeAspect="1"/>
+          </p:cNvPicPr>
+          <p:nvPr/>
+        </p:nvPicPr>
+        <p:blipFill>
+          <a:blip r:embed="rId2" cstate="print">
+            <a:extLst>
+              <a:ext uri="{28A0092B-C50C-407E-A947-70E740481C1C}">
+                <a14:useLocalDpi xmlns:a14="http://schemas.microsoft.com/office/drawing/2010/main" val="0"/>
+              </a:ext>
+            </a:extLst>
+          </a:blip>
+          <a:stretch>
+            <a:fillRect/>
+          </a:stretch>
+        </p:blipFill>
+        <p:spPr>
+          <a:xfrm>
+            <a:off x="7859830" y="2924703"/>
+            <a:ext cx="1219202" cy="1219202"/>
+          </a:xfrm>
+          <a:prstGeom prst="rect">
+            <a:avLst/>
+          </a:prstGeom>
+        </p:spPr>
+      </p:pic>
+      <p:sp>
+        <p:nvSpPr>
+          <p:cNvPr id="15" name="下矢印 14"/>
+          <p:cNvSpPr/>
+          <p:nvPr/>
+        </p:nvSpPr>
+        <p:spPr>
+          <a:xfrm>
+            <a:off x="8379107" y="4180415"/>
+            <a:ext cx="180648" cy="364705"/>
+          </a:xfrm>
+          <a:prstGeom prst="downArrow">
+            <a:avLst/>
+          </a:prstGeom>
+        </p:spPr>
+        <p:style>
+          <a:lnRef idx="2">
+            <a:schemeClr val="accent6">
+              <a:shade val="50000"/>
+            </a:schemeClr>
+          </a:lnRef>
+          <a:fillRef idx="1">
+            <a:schemeClr val="accent6"/>
+          </a:fillRef>
+          <a:effectRef idx="0">
+            <a:schemeClr val="accent6"/>
+          </a:effectRef>
+          <a:fontRef idx="minor">
+            <a:schemeClr val="lt1"/>
+          </a:fontRef>
+        </p:style>
+        <p:txBody>
+          <a:bodyPr rtlCol="0" anchor="ctr"/>
+          <a:lstStyle/>
+          <a:p>
+            <a:pPr algn="ctr"/>
+            <a:endParaRPr kumimoji="1" lang="ja-JP" altLang="en-US"/>
+          </a:p>
+        </p:txBody>
+      </p:sp>
+      <p:sp>
+        <p:nvSpPr>
+          <p:cNvPr id="16" name="下矢印 15"/>
+          <p:cNvSpPr/>
+          <p:nvPr/>
+        </p:nvSpPr>
+        <p:spPr>
+          <a:xfrm>
+            <a:off x="4937637" y="4195272"/>
+            <a:ext cx="180648" cy="364705"/>
+          </a:xfrm>
+          <a:prstGeom prst="downArrow">
+            <a:avLst/>
+          </a:prstGeom>
+        </p:spPr>
+        <p:style>
+          <a:lnRef idx="2">
+            <a:schemeClr val="accent6">
+              <a:shade val="50000"/>
+            </a:schemeClr>
+          </a:lnRef>
+          <a:fillRef idx="1">
+            <a:schemeClr val="accent6"/>
+          </a:fillRef>
+          <a:effectRef idx="0">
+            <a:schemeClr val="accent6"/>
+          </a:effectRef>
+          <a:fontRef idx="minor">
+            <a:schemeClr val="lt1"/>
+          </a:fontRef>
+        </p:style>
+        <p:txBody>
+          <a:bodyPr rtlCol="0" anchor="ctr"/>
+          <a:lstStyle/>
+          <a:p>
+            <a:pPr algn="ctr"/>
+            <a:endParaRPr kumimoji="1" lang="ja-JP" altLang="en-US"/>
+          </a:p>
+        </p:txBody>
+      </p:sp>
+      <p:pic>
+        <p:nvPicPr>
+          <p:cNvPr id="8" name="図 7"/>
+          <p:cNvPicPr>
+            <a:picLocks noChangeAspect="1"/>
+          </p:cNvPicPr>
+          <p:nvPr/>
+        </p:nvPicPr>
+        <p:blipFill>
+          <a:blip r:embed="rId8" cstate="print">
+            <a:extLst>
+              <a:ext uri="{28A0092B-C50C-407E-A947-70E740481C1C}">
+                <a14:useLocalDpi xmlns:a14="http://schemas.microsoft.com/office/drawing/2010/main" val="0"/>
+              </a:ext>
+            </a:extLst>
+          </a:blip>
+          <a:stretch>
+            <a:fillRect/>
+          </a:stretch>
+        </p:blipFill>
+        <p:spPr>
+          <a:xfrm rot="19659741" flipH="1">
+            <a:off x="8533260" y="1276953"/>
+            <a:ext cx="1249483" cy="1454467"/>
+          </a:xfrm>
+          <a:prstGeom prst="rect">
+            <a:avLst/>
+          </a:prstGeom>
+        </p:spPr>
+      </p:pic>
+      <p:pic>
+        <p:nvPicPr>
+          <p:cNvPr id="13" name="図 12"/>
+          <p:cNvPicPr>
+            <a:picLocks noChangeAspect="1"/>
+          </p:cNvPicPr>
+          <p:nvPr/>
+        </p:nvPicPr>
+        <p:blipFill>
+          <a:blip r:embed="rId9" cstate="print">
+            <a:extLst>
+              <a:ext uri="{28A0092B-C50C-407E-A947-70E740481C1C}">
+                <a14:useLocalDpi xmlns:a14="http://schemas.microsoft.com/office/drawing/2010/main" val="0"/>
+              </a:ext>
+            </a:extLst>
+          </a:blip>
+          <a:stretch>
+            <a:fillRect/>
+          </a:stretch>
+        </p:blipFill>
+        <p:spPr>
+          <a:xfrm>
+            <a:off x="9501941" y="1128274"/>
+            <a:ext cx="428538" cy="665283"/>
+          </a:xfrm>
+          <a:prstGeom prst="rect">
+            <a:avLst/>
+          </a:prstGeom>
+        </p:spPr>
+      </p:pic>
+      <p:cxnSp>
+        <p:nvCxnSpPr>
+          <p:cNvPr id="18" name="直線コネクタ 17"/>
+          <p:cNvCxnSpPr/>
+          <p:nvPr/>
+        </p:nvCxnSpPr>
+        <p:spPr>
+          <a:xfrm>
+            <a:off x="3931920" y="3513188"/>
+            <a:ext cx="2410261" cy="207184"/>
+          </a:xfrm>
+          <a:prstGeom prst="line">
+            <a:avLst/>
+          </a:prstGeom>
+          <a:ln w="57150">
+            <a:solidFill>
+              <a:srgbClr val="FF0000"/>
+            </a:solidFill>
+          </a:ln>
+        </p:spPr>
+        <p:style>
+          <a:lnRef idx="1">
+            <a:schemeClr val="accent1"/>
+          </a:lnRef>
+          <a:fillRef idx="0">
+            <a:schemeClr val="accent1"/>
+          </a:fillRef>
+          <a:effectRef idx="0">
+            <a:schemeClr val="accent1"/>
+          </a:effectRef>
+          <a:fontRef idx="minor">
+            <a:schemeClr val="tx1"/>
+          </a:fontRef>
+        </p:style>
+      </p:cxnSp>
+      <p:cxnSp>
+        <p:nvCxnSpPr>
+          <p:cNvPr id="22" name="直線コネクタ 21"/>
+          <p:cNvCxnSpPr/>
+          <p:nvPr/>
+        </p:nvCxnSpPr>
+        <p:spPr>
+          <a:xfrm flipH="1">
+            <a:off x="7397496" y="3044952"/>
+            <a:ext cx="1801368" cy="1150320"/>
+          </a:xfrm>
+          <a:prstGeom prst="line">
+            <a:avLst/>
+          </a:prstGeom>
+          <a:ln w="57150">
+            <a:solidFill>
+              <a:srgbClr val="FF0000"/>
+            </a:solidFill>
+          </a:ln>
+        </p:spPr>
+        <p:style>
+          <a:lnRef idx="1">
+            <a:schemeClr val="accent1"/>
+          </a:lnRef>
+          <a:fillRef idx="0">
+            <a:schemeClr val="accent1"/>
+          </a:fillRef>
+          <a:effectRef idx="0">
+            <a:schemeClr val="accent1"/>
+          </a:effectRef>
+          <a:fontRef idx="minor">
+            <a:schemeClr val="tx1"/>
+          </a:fontRef>
+        </p:style>
+      </p:cxnSp>
+    </p:spTree>
+    <p:extLst>
+      <p:ext uri="{BB962C8B-B14F-4D97-AF65-F5344CB8AC3E}">
+        <p14:creationId xmlns:p14="http://schemas.microsoft.com/office/powerpoint/2010/main" val="2436297975"/>
+      </p:ext>
+    </p:extLst>
+  </p:cSld>
+  <p:clrMapOvr>
+    <a:masterClrMapping/>
+  </p:clrMapOvr>
+  <p:timing>
+    <p:tnLst>
+      <p:par>
+        <p:cTn id="1" dur="indefinite" restart="never" nodeType="tmRoot"/>
+      </p:par>
+    </p:tnLst>
+  </p:timing>
+</p:sld>
+</file>
+
+<file path=ppt/slides/slide6.xml><?xml version="1.0" encoding="utf-8"?>
+<p:sld xmlns:a="http://schemas.openxmlformats.org/drawingml/2006/main" xmlns:r="http://schemas.openxmlformats.org/officeDocument/2006/relationships" xmlns:p="http://schemas.openxmlformats.org/presentationml/2006/main">
+  <p:cSld>
+    <p:spTree>
+      <p:nvGrpSpPr>
+        <p:cNvPr id="1" name=""/>
+        <p:cNvGrpSpPr/>
+        <p:nvPr/>
+      </p:nvGrpSpPr>
+      <p:grpSpPr>
+        <a:xfrm>
+          <a:off x="0" y="0"/>
+          <a:ext cx="0" cy="0"/>
+          <a:chOff x="0" y="0"/>
+          <a:chExt cx="0" cy="0"/>
+        </a:xfrm>
+      </p:grpSpPr>
+      <p:sp>
+        <p:nvSpPr>
+          <p:cNvPr id="2" name="タイトル 1"/>
+          <p:cNvSpPr>
+            <a:spLocks noGrp="1"/>
+          </p:cNvSpPr>
+          <p:nvPr>
+            <p:ph type="title"/>
+          </p:nvPr>
+        </p:nvSpPr>
+        <p:spPr/>
+        <p:txBody>
+          <a:bodyPr/>
+          <a:lstStyle/>
+          <a:p>
+            <a:endParaRPr kumimoji="1" lang="ja-JP" altLang="en-US"/>
+          </a:p>
+        </p:txBody>
+      </p:sp>
+    </p:spTree>
+    <p:extLst>
+      <p:ext uri="{BB962C8B-B14F-4D97-AF65-F5344CB8AC3E}">
+        <p14:creationId xmlns:p14="http://schemas.microsoft.com/office/powerpoint/2010/main" val="3695160474"/>
+      </p:ext>
+    </p:extLst>
+  </p:cSld>
+  <p:clrMapOvr>
+    <a:masterClrMapping/>
+  </p:clrMapOvr>
+  <p:timing>
+    <p:tnLst>
+      <p:par>
+        <p:cTn id="1" dur="indefinite" restart="never" nodeType="tmRoot"/>
+      </p:par>
+    </p:tnLst>
+  </p:timing>
+</p:sld>
+</file>
+
+<file path=ppt/slides/slide7.xml><?xml version="1.0" encoding="utf-8"?>
+<p:sld xmlns:a="http://schemas.openxmlformats.org/drawingml/2006/main" xmlns:r="http://schemas.openxmlformats.org/officeDocument/2006/relationships" xmlns:p="http://schemas.openxmlformats.org/presentationml/2006/main">
+  <p:cSld>
+    <p:spTree>
+      <p:nvGrpSpPr>
+        <p:cNvPr id="1" name=""/>
+        <p:cNvGrpSpPr/>
+        <p:nvPr/>
+      </p:nvGrpSpPr>
+      <p:grpSpPr>
+        <a:xfrm>
+          <a:off x="0" y="0"/>
+          <a:ext cx="0" cy="0"/>
+          <a:chOff x="0" y="0"/>
+          <a:chExt cx="0" cy="0"/>
+        </a:xfrm>
+      </p:grpSpPr>
+      <p:sp>
+        <p:nvSpPr>
+          <p:cNvPr id="2" name="タイトル 1"/>
+          <p:cNvSpPr>
+            <a:spLocks noGrp="1"/>
+          </p:cNvSpPr>
+          <p:nvPr>
+            <p:ph type="title"/>
+          </p:nvPr>
+        </p:nvSpPr>
+        <p:spPr/>
+        <p:txBody>
+          <a:bodyPr/>
+          <a:lstStyle/>
+          <a:p>
+            <a:r>
+              <a:rPr kumimoji="1" lang="ja-JP" altLang="en-US" dirty="0" smtClean="0"/>
+              <a:t>様々な魚</a:t>
+            </a:r>
+            <a:endParaRPr kumimoji="1" lang="ja-JP" altLang="en-US" dirty="0"/>
+          </a:p>
+        </p:txBody>
+      </p:sp>
+      <p:pic>
+        <p:nvPicPr>
+          <p:cNvPr id="5" name="コンテンツ プレースホルダー 4"/>
+          <p:cNvPicPr>
+            <a:picLocks noGrp="1" noChangeAspect="1"/>
+          </p:cNvPicPr>
+          <p:nvPr>
+            <p:ph sz="half" idx="1"/>
+          </p:nvPr>
+        </p:nvPicPr>
+        <p:blipFill>
+          <a:blip r:embed="rId2" cstate="print">
+            <a:extLst>
+              <a:ext uri="{28A0092B-C50C-407E-A947-70E740481C1C}">
+                <a14:useLocalDpi xmlns:a14="http://schemas.microsoft.com/office/drawing/2010/main" val="0"/>
+              </a:ext>
+            </a:extLst>
+          </a:blip>
+          <a:stretch>
+            <a:fillRect/>
+          </a:stretch>
+        </p:blipFill>
+        <p:spPr>
+          <a:xfrm>
+            <a:off x="2051271" y="2963860"/>
+            <a:ext cx="1219202" cy="1219202"/>
+          </a:xfrm>
+        </p:spPr>
+      </p:pic>
+      <p:pic>
+        <p:nvPicPr>
+          <p:cNvPr id="6" name="コンテンツ プレースホルダー 5"/>
+          <p:cNvPicPr>
+            <a:picLocks noGrp="1" noChangeAspect="1"/>
+          </p:cNvPicPr>
+          <p:nvPr>
+            <p:ph sz="half" idx="2"/>
+          </p:nvPr>
+        </p:nvPicPr>
+        <p:blipFill>
+          <a:blip r:embed="rId3" cstate="print">
+            <a:extLst>
+              <a:ext uri="{28A0092B-C50C-407E-A947-70E740481C1C}">
+                <a14:useLocalDpi xmlns:a14="http://schemas.microsoft.com/office/drawing/2010/main" val="0"/>
+              </a:ext>
+            </a:extLst>
+          </a:blip>
+          <a:stretch>
+            <a:fillRect/>
+          </a:stretch>
+        </p:blipFill>
+        <p:spPr>
+          <a:xfrm>
+            <a:off x="8214264" y="2963860"/>
+            <a:ext cx="1219202" cy="1219202"/>
+          </a:xfrm>
+        </p:spPr>
+      </p:pic>
+      <p:pic>
+        <p:nvPicPr>
+          <p:cNvPr id="7" name="図 6"/>
+          <p:cNvPicPr>
+            <a:picLocks noChangeAspect="1"/>
+          </p:cNvPicPr>
+          <p:nvPr/>
+        </p:nvPicPr>
+        <p:blipFill>
+          <a:blip r:embed="rId4" cstate="print">
+            <a:extLst>
+              <a:ext uri="{28A0092B-C50C-407E-A947-70E740481C1C}">
+                <a14:useLocalDpi xmlns:a14="http://schemas.microsoft.com/office/drawing/2010/main" val="0"/>
+              </a:ext>
+            </a:extLst>
+          </a:blip>
+          <a:stretch>
+            <a:fillRect/>
+          </a:stretch>
+        </p:blipFill>
+        <p:spPr>
+          <a:xfrm>
+            <a:off x="5132767" y="2963860"/>
+            <a:ext cx="1219202" cy="1219202"/>
+          </a:xfrm>
+          <a:prstGeom prst="rect">
+            <a:avLst/>
+          </a:prstGeom>
+        </p:spPr>
+      </p:pic>
+      <p:sp>
+        <p:nvSpPr>
+          <p:cNvPr id="8" name="楕円 7"/>
+          <p:cNvSpPr/>
+          <p:nvPr/>
+        </p:nvSpPr>
+        <p:spPr>
+          <a:xfrm rot="2571641">
+            <a:off x="8548714" y="3142271"/>
+            <a:ext cx="925592" cy="455788"/>
+          </a:xfrm>
+          <a:prstGeom prst="ellipse">
+            <a:avLst/>
+          </a:prstGeom>
+          <a:noFill/>
+          <a:ln w="38100">
+            <a:solidFill>
+              <a:schemeClr val="accent2"/>
+            </a:solidFill>
+          </a:ln>
+        </p:spPr>
+        <p:style>
+          <a:lnRef idx="2">
+            <a:schemeClr val="accent1">
+              <a:shade val="50000"/>
+            </a:schemeClr>
+          </a:lnRef>
+          <a:fillRef idx="1">
+            <a:schemeClr val="accent1"/>
+          </a:fillRef>
+          <a:effectRef idx="0">
+            <a:schemeClr val="accent1"/>
+          </a:effectRef>
+          <a:fontRef idx="minor">
+            <a:schemeClr val="lt1"/>
+          </a:fontRef>
+        </p:style>
+        <p:txBody>
+          <a:bodyPr rtlCol="0" anchor="ctr"/>
+          <a:lstStyle/>
+          <a:p>
+            <a:pPr algn="ctr"/>
+            <a:endParaRPr kumimoji="1" lang="ja-JP" altLang="en-US"/>
+          </a:p>
+        </p:txBody>
+      </p:sp>
+      <p:sp>
+        <p:nvSpPr>
+          <p:cNvPr id="9" name="楕円 8"/>
+          <p:cNvSpPr/>
+          <p:nvPr/>
+        </p:nvSpPr>
+        <p:spPr>
+          <a:xfrm>
+            <a:off x="5660136" y="2944490"/>
+            <a:ext cx="585216" cy="629732"/>
+          </a:xfrm>
+          <a:prstGeom prst="ellipse">
+            <a:avLst/>
+          </a:prstGeom>
+          <a:noFill/>
+          <a:ln w="38100">
+            <a:solidFill>
+              <a:schemeClr val="accent2"/>
+            </a:solidFill>
+          </a:ln>
+        </p:spPr>
+        <p:style>
+          <a:lnRef idx="2">
+            <a:schemeClr val="accent1">
+              <a:shade val="50000"/>
+            </a:schemeClr>
+          </a:lnRef>
+          <a:fillRef idx="1">
+            <a:schemeClr val="accent1"/>
+          </a:fillRef>
+          <a:effectRef idx="0">
+            <a:schemeClr val="accent1"/>
+          </a:effectRef>
+          <a:fontRef idx="minor">
+            <a:schemeClr val="lt1"/>
+          </a:fontRef>
+        </p:style>
+        <p:txBody>
+          <a:bodyPr rtlCol="0" anchor="ctr"/>
+          <a:lstStyle/>
+          <a:p>
+            <a:pPr algn="ctr"/>
+            <a:endParaRPr kumimoji="1" lang="ja-JP" altLang="en-US"/>
+          </a:p>
+        </p:txBody>
+      </p:sp>
+      <p:sp>
+        <p:nvSpPr>
+          <p:cNvPr id="11" name="正方形/長方形 10"/>
+          <p:cNvSpPr/>
+          <p:nvPr/>
+        </p:nvSpPr>
+        <p:spPr>
+          <a:xfrm>
+            <a:off x="2051271" y="3060474"/>
+            <a:ext cx="1121633" cy="218252"/>
+          </a:xfrm>
+          <a:prstGeom prst="rect">
+            <a:avLst/>
+          </a:prstGeom>
+          <a:noFill/>
+          <a:ln w="38100">
+            <a:solidFill>
+              <a:schemeClr val="accent2"/>
+            </a:solidFill>
+          </a:ln>
+        </p:spPr>
+        <p:style>
+          <a:lnRef idx="2">
+            <a:schemeClr val="accent1">
+              <a:shade val="50000"/>
+            </a:schemeClr>
+          </a:lnRef>
+          <a:fillRef idx="1">
+            <a:schemeClr val="accent1"/>
+          </a:fillRef>
+          <a:effectRef idx="0">
+            <a:schemeClr val="accent1"/>
+          </a:effectRef>
+          <a:fontRef idx="minor">
+            <a:schemeClr val="lt1"/>
+          </a:fontRef>
+        </p:style>
+        <p:txBody>
+          <a:bodyPr rtlCol="0" anchor="ctr"/>
+          <a:lstStyle/>
+          <a:p>
+            <a:pPr algn="ctr"/>
+            <a:endParaRPr kumimoji="1" lang="ja-JP" altLang="en-US"/>
+          </a:p>
+        </p:txBody>
+      </p:sp>
+      <p:sp>
+        <p:nvSpPr>
+          <p:cNvPr id="12" name="正方形/長方形 11"/>
+          <p:cNvSpPr/>
+          <p:nvPr/>
+        </p:nvSpPr>
+        <p:spPr>
+          <a:xfrm>
+            <a:off x="2051271" y="3903193"/>
+            <a:ext cx="1121633" cy="218252"/>
+          </a:xfrm>
+          <a:prstGeom prst="rect">
+            <a:avLst/>
+          </a:prstGeom>
+          <a:noFill/>
+          <a:ln w="38100">
+            <a:solidFill>
+              <a:schemeClr val="accent2"/>
+            </a:solidFill>
+          </a:ln>
+        </p:spPr>
+        <p:style>
+          <a:lnRef idx="2">
+            <a:schemeClr val="accent1">
+              <a:shade val="50000"/>
+            </a:schemeClr>
+          </a:lnRef>
+          <a:fillRef idx="1">
+            <a:schemeClr val="accent1"/>
+          </a:fillRef>
+          <a:effectRef idx="0">
+            <a:schemeClr val="accent1"/>
+          </a:effectRef>
+          <a:fontRef idx="minor">
+            <a:schemeClr val="lt1"/>
+          </a:fontRef>
+        </p:style>
+        <p:txBody>
+          <a:bodyPr rtlCol="0" anchor="ctr"/>
+          <a:lstStyle/>
+          <a:p>
+            <a:pPr algn="ctr"/>
+            <a:endParaRPr kumimoji="1" lang="ja-JP" altLang="en-US"/>
+          </a:p>
+        </p:txBody>
+      </p:sp>
+      <p:sp>
+        <p:nvSpPr>
+          <p:cNvPr id="13" name="楕円 12"/>
+          <p:cNvSpPr/>
+          <p:nvPr/>
+        </p:nvSpPr>
+        <p:spPr>
+          <a:xfrm>
+            <a:off x="5132767" y="3694176"/>
+            <a:ext cx="1099354" cy="488886"/>
+          </a:xfrm>
+          <a:prstGeom prst="ellipse">
+            <a:avLst/>
+          </a:prstGeom>
+          <a:noFill/>
+          <a:ln w="38100">
+            <a:solidFill>
+              <a:schemeClr val="accent2"/>
+            </a:solidFill>
+          </a:ln>
+        </p:spPr>
+        <p:style>
+          <a:lnRef idx="2">
+            <a:schemeClr val="accent1">
+              <a:shade val="50000"/>
+            </a:schemeClr>
+          </a:lnRef>
+          <a:fillRef idx="1">
+            <a:schemeClr val="accent1"/>
+          </a:fillRef>
+          <a:effectRef idx="0">
+            <a:schemeClr val="accent1"/>
+          </a:effectRef>
+          <a:fontRef idx="minor">
+            <a:schemeClr val="lt1"/>
+          </a:fontRef>
+        </p:style>
+        <p:txBody>
+          <a:bodyPr rtlCol="0" anchor="ctr"/>
+          <a:lstStyle/>
+          <a:p>
+            <a:pPr algn="ctr"/>
+            <a:endParaRPr kumimoji="1" lang="ja-JP" altLang="en-US"/>
+          </a:p>
+        </p:txBody>
+      </p:sp>
+    </p:spTree>
+    <p:extLst>
+      <p:ext uri="{BB962C8B-B14F-4D97-AF65-F5344CB8AC3E}">
+        <p14:creationId xmlns:p14="http://schemas.microsoft.com/office/powerpoint/2010/main" val="3761124011"/>
+      </p:ext>
+    </p:extLst>
+  </p:cSld>
+  <p:clrMapOvr>
+    <a:masterClrMapping/>
+  </p:clrMapOvr>
+  <p:timing>
+    <p:tnLst>
+      <p:par>
+        <p:cTn id="1" dur="indefinite" restart="never" nodeType="tmRoot"/>
+      </p:par>
+    </p:tnLst>
+  </p:timing>
+</p:sld>
+</file>
+
+<file path=ppt/slides/slide8.xml><?xml version="1.0" encoding="utf-8"?>
+<p:sld xmlns:a="http://schemas.openxmlformats.org/drawingml/2006/main" xmlns:r="http://schemas.openxmlformats.org/officeDocument/2006/relationships" xmlns:p="http://schemas.openxmlformats.org/presentationml/2006/main">
+  <p:cSld>
+    <p:spTree>
+      <p:nvGrpSpPr>
+        <p:cNvPr id="1" name=""/>
+        <p:cNvGrpSpPr/>
+        <p:nvPr/>
+      </p:nvGrpSpPr>
+      <p:grpSpPr>
+        <a:xfrm>
+          <a:off x="0" y="0"/>
+          <a:ext cx="0" cy="0"/>
+          <a:chOff x="0" y="0"/>
+          <a:chExt cx="0" cy="0"/>
+        </a:xfrm>
+      </p:grpSpPr>
+      <p:sp>
+        <p:nvSpPr>
+          <p:cNvPr id="2" name="タイトル 1"/>
+          <p:cNvSpPr>
+            <a:spLocks noGrp="1"/>
+          </p:cNvSpPr>
+          <p:nvPr>
+            <p:ph type="title"/>
+          </p:nvPr>
+        </p:nvSpPr>
+        <p:spPr/>
+        <p:txBody>
+          <a:bodyPr/>
+          <a:lstStyle/>
+          <a:p>
+            <a:r>
+              <a:rPr kumimoji="1" lang="ja-JP" altLang="en-US" dirty="0" smtClean="0"/>
+              <a:t>町人</a:t>
+            </a:r>
+            <a:endParaRPr kumimoji="1" lang="ja-JP" altLang="en-US" dirty="0"/>
+          </a:p>
+        </p:txBody>
+      </p:sp>
+      <p:sp>
+        <p:nvSpPr>
+          <p:cNvPr id="3" name="テキスト プレースホルダー 2"/>
+          <p:cNvSpPr>
+            <a:spLocks noGrp="1"/>
+          </p:cNvSpPr>
+          <p:nvPr>
+            <p:ph type="body" idx="1"/>
+          </p:nvPr>
+        </p:nvSpPr>
+        <p:spPr/>
+        <p:txBody>
+          <a:bodyPr/>
+          <a:lstStyle/>
+          <a:p>
+            <a:endParaRPr kumimoji="1" lang="ja-JP" altLang="en-US"/>
+          </a:p>
+        </p:txBody>
+      </p:sp>
+      <p:sp>
+        <p:nvSpPr>
+          <p:cNvPr id="4" name="コンテンツ プレースホルダー 3"/>
+          <p:cNvSpPr>
+            <a:spLocks noGrp="1"/>
+          </p:cNvSpPr>
+          <p:nvPr>
+            <p:ph sz="half" idx="2"/>
+          </p:nvPr>
+        </p:nvSpPr>
+        <p:spPr/>
+        <p:txBody>
+          <a:bodyPr/>
+          <a:lstStyle/>
+          <a:p>
+            <a:endParaRPr kumimoji="1" lang="ja-JP" altLang="en-US"/>
+          </a:p>
+        </p:txBody>
+      </p:sp>
+      <p:sp>
+        <p:nvSpPr>
+          <p:cNvPr id="5" name="テキスト プレースホルダー 4"/>
+          <p:cNvSpPr>
+            <a:spLocks noGrp="1"/>
+          </p:cNvSpPr>
+          <p:nvPr>
+            <p:ph type="body" sz="quarter" idx="3"/>
+          </p:nvPr>
+        </p:nvSpPr>
+        <p:spPr/>
+        <p:txBody>
+          <a:bodyPr/>
+          <a:lstStyle/>
+          <a:p>
+            <a:endParaRPr kumimoji="1" lang="ja-JP" altLang="en-US"/>
+          </a:p>
+        </p:txBody>
+      </p:sp>
+      <p:sp>
+        <p:nvSpPr>
+          <p:cNvPr id="6" name="コンテンツ プレースホルダー 5"/>
+          <p:cNvSpPr>
+            <a:spLocks noGrp="1"/>
+          </p:cNvSpPr>
+          <p:nvPr>
+            <p:ph sz="quarter" idx="4"/>
+          </p:nvPr>
+        </p:nvSpPr>
+        <p:spPr/>
+        <p:txBody>
+          <a:bodyPr/>
+          <a:lstStyle/>
+          <a:p>
+            <a:endParaRPr kumimoji="1" lang="ja-JP" altLang="en-US"/>
+          </a:p>
+        </p:txBody>
+      </p:sp>
+    </p:spTree>
+    <p:extLst>
+      <p:ext uri="{BB962C8B-B14F-4D97-AF65-F5344CB8AC3E}">
+        <p14:creationId xmlns:p14="http://schemas.microsoft.com/office/powerpoint/2010/main" val="3471384957"/>
+      </p:ext>
+    </p:extLst>
+  </p:cSld>
+  <p:clrMapOvr>
+    <a:masterClrMapping/>
+  </p:clrMapOvr>
+  <p:timing>
+    <p:tnLst>
+      <p:par>
+        <p:cTn id="1" dur="indefinite" restart="never" nodeType="tmRoot"/>
+      </p:par>
+    </p:tnLst>
+  </p:timing>
+</p:sld>
+</file>
+
 <file path=ppt/slides/slide9.xml><?xml version="1.0" encoding="utf-8"?>
 <p:sld xmlns:a="http://schemas.openxmlformats.org/drawingml/2006/main" xmlns:r="http://schemas.openxmlformats.org/officeDocument/2006/relationships" xmlns:p="http://schemas.openxmlformats.org/presentationml/2006/main">
   <p:cSld>
@@ -6705,7 +9443,7 @@
           <a:p>
             <a:r>
               <a:rPr kumimoji="1" lang="ja-JP" altLang="en-US" dirty="0" smtClean="0"/>
-              <a:t>忍びの退治</a:t>
+              <a:t>人気を集め、商売を盛り上げろ</a:t>
             </a:r>
             <a:endParaRPr kumimoji="1" lang="ja-JP" altLang="en-US" dirty="0"/>
           </a:p>
@@ -6726,7 +9464,11 @@
           <a:bodyPr/>
           <a:lstStyle/>
           <a:p>
-            <a:endParaRPr kumimoji="1" lang="ja-JP" altLang="en-US"/>
+            <a:r>
+              <a:rPr kumimoji="1" lang="ja-JP" altLang="en-US" dirty="0" smtClean="0"/>
+              <a:t>人気は商売のイノチ</a:t>
+            </a:r>
+            <a:endParaRPr kumimoji="1" lang="ja-JP" altLang="en-US" dirty="0"/>
           </a:p>
         </p:txBody>
       </p:sp>
@@ -6745,7 +9487,18 @@
           <a:bodyPr/>
           <a:lstStyle/>
           <a:p>
-            <a:endParaRPr kumimoji="1" lang="ja-JP" altLang="en-US"/>
+            <a:r>
+              <a:rPr kumimoji="1" lang="ja-JP" altLang="en-US" dirty="0" smtClean="0"/>
+              <a:t>上手くすしを作っていれば、店の人気が上がり、たくさんのお客様が来る</a:t>
+            </a:r>
+            <a:endParaRPr kumimoji="1" lang="en-US" altLang="ja-JP" dirty="0" smtClean="0"/>
+          </a:p>
+          <a:p>
+            <a:r>
+              <a:rPr kumimoji="1" lang="ja-JP" altLang="en-US" dirty="0" smtClean="0"/>
+              <a:t>寿司を食べてもらえば、お金がもらえる</a:t>
+            </a:r>
+            <a:endParaRPr kumimoji="1" lang="ja-JP" altLang="en-US" dirty="0"/>
           </a:p>
         </p:txBody>
       </p:sp>
@@ -6764,7 +9517,11 @@
           <a:bodyPr/>
           <a:lstStyle/>
           <a:p>
-            <a:endParaRPr kumimoji="1" lang="ja-JP" altLang="en-US"/>
+            <a:r>
+              <a:rPr kumimoji="1" lang="ja-JP" altLang="en-US" dirty="0" smtClean="0"/>
+              <a:t>だから客を大切に</a:t>
+            </a:r>
+            <a:endParaRPr kumimoji="1" lang="ja-JP" altLang="en-US" dirty="0"/>
           </a:p>
         </p:txBody>
       </p:sp>
@@ -6783,14 +9540,33 @@
           <a:bodyPr/>
           <a:lstStyle/>
           <a:p>
-            <a:endParaRPr kumimoji="1" lang="ja-JP" altLang="en-US"/>
+            <a:r>
+              <a:rPr kumimoji="1" lang="ja-JP" altLang="en-US" dirty="0" smtClean="0"/>
+              <a:t>すしを切るときは、お客様を切らないように要注意</a:t>
+            </a:r>
+            <a:endParaRPr kumimoji="1" lang="en-US" altLang="ja-JP" dirty="0" smtClean="0"/>
+          </a:p>
+          <a:p>
+            <a:r>
+              <a:rPr lang="ja-JP" altLang="en-US" dirty="0"/>
+              <a:t>人気</a:t>
+            </a:r>
+            <a:r>
+              <a:rPr lang="ja-JP" altLang="en-US" dirty="0" smtClean="0"/>
+              <a:t>がなくなるとゲーム</a:t>
+            </a:r>
+            <a:r>
+              <a:rPr lang="ja-JP" altLang="en-US" dirty="0"/>
+              <a:t>オーバー</a:t>
+            </a:r>
+            <a:endParaRPr kumimoji="1" lang="ja-JP" altLang="en-US" dirty="0"/>
           </a:p>
         </p:txBody>
       </p:sp>
     </p:spTree>
     <p:extLst>
       <p:ext uri="{BB962C8B-B14F-4D97-AF65-F5344CB8AC3E}">
-        <p14:creationId xmlns:p14="http://schemas.microsoft.com/office/powerpoint/2010/main" val="1664855649"/>
+        <p14:creationId xmlns:p14="http://schemas.microsoft.com/office/powerpoint/2010/main" val="2823977695"/>
       </p:ext>
     </p:extLst>
   </p:cSld>

--- a/侍寿司屋_企画仕様書.pptx
+++ b/侍寿司屋_企画仕様書.pptx
@@ -4,21 +4,19 @@
   <p:sldMasterIdLst>
     <p:sldMasterId id="2147483660" r:id="rId1"/>
   </p:sldMasterIdLst>
+  <p:notesMasterIdLst>
+    <p:notesMasterId r:id="rId11"/>
+  </p:notesMasterIdLst>
   <p:sldIdLst>
     <p:sldId id="256" r:id="rId2"/>
     <p:sldId id="269" r:id="rId3"/>
     <p:sldId id="266" r:id="rId4"/>
-    <p:sldId id="257" r:id="rId5"/>
+    <p:sldId id="270" r:id="rId5"/>
     <p:sldId id="264" r:id="rId6"/>
-    <p:sldId id="268" r:id="rId7"/>
-    <p:sldId id="258" r:id="rId8"/>
-    <p:sldId id="259" r:id="rId9"/>
-    <p:sldId id="263" r:id="rId10"/>
-    <p:sldId id="267" r:id="rId11"/>
-    <p:sldId id="260" r:id="rId12"/>
-    <p:sldId id="265" r:id="rId13"/>
-    <p:sldId id="262" r:id="rId14"/>
-    <p:sldId id="261" r:id="rId15"/>
+    <p:sldId id="258" r:id="rId7"/>
+    <p:sldId id="267" r:id="rId8"/>
+    <p:sldId id="265" r:id="rId9"/>
+    <p:sldId id="261" r:id="rId10"/>
   </p:sldIdLst>
   <p:sldSz cx="12192000" cy="6858000"/>
   <p:notesSz cx="6858000" cy="9144000"/>
@@ -133,16 +131,11 @@
         </p14:section>
         <p14:section name="遊び方" id="{68E84D0C-BC6B-4FDE-9824-44CF824DADF2}">
           <p14:sldIdLst>
-            <p14:sldId id="257"/>
+            <p14:sldId id="270"/>
             <p14:sldId id="264"/>
-            <p14:sldId id="268"/>
             <p14:sldId id="258"/>
-            <p14:sldId id="259"/>
-            <p14:sldId id="263"/>
             <p14:sldId id="267"/>
-            <p14:sldId id="260"/>
             <p14:sldId id="265"/>
-            <p14:sldId id="262"/>
             <p14:sldId id="261"/>
           </p14:sldIdLst>
         </p14:section>
@@ -151,8 +144,525 @@
     <p:ext uri="{EFAFB233-063F-42B5-8137-9DF3F51BA10A}">
       <p15:sldGuideLst xmlns:p15="http://schemas.microsoft.com/office/powerpoint/2012/main"/>
     </p:ext>
+    <p:ext uri="{2D200454-40CA-4A62-9FC3-DE9A4176ACB9}">
+      <p15:notesGuideLst xmlns:p15="http://schemas.microsoft.com/office/powerpoint/2012/main">
+        <p15:guide id="1" orient="horz" pos="2880" userDrawn="1">
+          <p15:clr>
+            <a:srgbClr val="A4A3A4"/>
+          </p15:clr>
+        </p15:guide>
+        <p15:guide id="2" pos="2160" userDrawn="1">
+          <p15:clr>
+            <a:srgbClr val="A4A3A4"/>
+          </p15:clr>
+        </p15:guide>
+      </p15:notesGuideLst>
+    </p:ext>
   </p:extLst>
 </p:presentation>
+</file>
+
+<file path=ppt/notesMasters/notesMaster1.xml><?xml version="1.0" encoding="utf-8"?>
+<p:notesMaster xmlns:a="http://schemas.openxmlformats.org/drawingml/2006/main" xmlns:r="http://schemas.openxmlformats.org/officeDocument/2006/relationships" xmlns:p="http://schemas.openxmlformats.org/presentationml/2006/main">
+  <p:cSld>
+    <p:bg>
+      <p:bgRef idx="1001">
+        <a:schemeClr val="bg1"/>
+      </p:bgRef>
+    </p:bg>
+    <p:spTree>
+      <p:nvGrpSpPr>
+        <p:cNvPr id="1" name=""/>
+        <p:cNvGrpSpPr/>
+        <p:nvPr/>
+      </p:nvGrpSpPr>
+      <p:grpSpPr>
+        <a:xfrm>
+          <a:off x="0" y="0"/>
+          <a:ext cx="0" cy="0"/>
+          <a:chOff x="0" y="0"/>
+          <a:chExt cx="0" cy="0"/>
+        </a:xfrm>
+      </p:grpSpPr>
+      <p:sp>
+        <p:nvSpPr>
+          <p:cNvPr id="2" name="ヘッダー プレースホルダー 1"/>
+          <p:cNvSpPr>
+            <a:spLocks noGrp="1"/>
+          </p:cNvSpPr>
+          <p:nvPr>
+            <p:ph type="hdr" sz="quarter"/>
+          </p:nvPr>
+        </p:nvSpPr>
+        <p:spPr>
+          <a:xfrm>
+            <a:off x="0" y="0"/>
+            <a:ext cx="2971800" cy="458788"/>
+          </a:xfrm>
+          <a:prstGeom prst="rect">
+            <a:avLst/>
+          </a:prstGeom>
+        </p:spPr>
+        <p:txBody>
+          <a:bodyPr vert="horz" lIns="91440" tIns="45720" rIns="91440" bIns="45720" rtlCol="0"/>
+          <a:lstStyle>
+            <a:lvl1pPr algn="l">
+              <a:defRPr sz="1200"/>
+            </a:lvl1pPr>
+          </a:lstStyle>
+          <a:p>
+            <a:endParaRPr kumimoji="1" lang="ja-JP" altLang="en-US"/>
+          </a:p>
+        </p:txBody>
+      </p:sp>
+      <p:sp>
+        <p:nvSpPr>
+          <p:cNvPr id="3" name="日付プレースホルダー 2"/>
+          <p:cNvSpPr>
+            <a:spLocks noGrp="1"/>
+          </p:cNvSpPr>
+          <p:nvPr>
+            <p:ph type="dt" idx="1"/>
+          </p:nvPr>
+        </p:nvSpPr>
+        <p:spPr>
+          <a:xfrm>
+            <a:off x="3884613" y="0"/>
+            <a:ext cx="2971800" cy="458788"/>
+          </a:xfrm>
+          <a:prstGeom prst="rect">
+            <a:avLst/>
+          </a:prstGeom>
+        </p:spPr>
+        <p:txBody>
+          <a:bodyPr vert="horz" lIns="91440" tIns="45720" rIns="91440" bIns="45720" rtlCol="0"/>
+          <a:lstStyle>
+            <a:lvl1pPr algn="r">
+              <a:defRPr sz="1200"/>
+            </a:lvl1pPr>
+          </a:lstStyle>
+          <a:p>
+            <a:fld id="{6896BA61-AA4F-4A10-AC93-1A065B56C411}" type="datetimeFigureOut">
+              <a:rPr kumimoji="1" lang="ja-JP" altLang="en-US" smtClean="0"/>
+              <a:t>2018/3/20</a:t>
+            </a:fld>
+            <a:endParaRPr kumimoji="1" lang="ja-JP" altLang="en-US"/>
+          </a:p>
+        </p:txBody>
+      </p:sp>
+      <p:sp>
+        <p:nvSpPr>
+          <p:cNvPr id="4" name="スライド イメージ プレースホルダー 3"/>
+          <p:cNvSpPr>
+            <a:spLocks noGrp="1" noRot="1" noChangeAspect="1"/>
+          </p:cNvSpPr>
+          <p:nvPr>
+            <p:ph type="sldImg" idx="2"/>
+          </p:nvPr>
+        </p:nvSpPr>
+        <p:spPr>
+          <a:xfrm>
+            <a:off x="685800" y="1143000"/>
+            <a:ext cx="5486400" cy="3086100"/>
+          </a:xfrm>
+          <a:prstGeom prst="rect">
+            <a:avLst/>
+          </a:prstGeom>
+          <a:noFill/>
+          <a:ln w="12700">
+            <a:solidFill>
+              <a:prstClr val="black"/>
+            </a:solidFill>
+          </a:ln>
+        </p:spPr>
+        <p:txBody>
+          <a:bodyPr vert="horz" lIns="91440" tIns="45720" rIns="91440" bIns="45720" rtlCol="0" anchor="ctr"/>
+          <a:lstStyle/>
+          <a:p>
+            <a:endParaRPr lang="ja-JP" altLang="en-US"/>
+          </a:p>
+        </p:txBody>
+      </p:sp>
+      <p:sp>
+        <p:nvSpPr>
+          <p:cNvPr id="5" name="ノート プレースホルダー 4"/>
+          <p:cNvSpPr>
+            <a:spLocks noGrp="1"/>
+          </p:cNvSpPr>
+          <p:nvPr>
+            <p:ph type="body" sz="quarter" idx="3"/>
+          </p:nvPr>
+        </p:nvSpPr>
+        <p:spPr>
+          <a:xfrm>
+            <a:off x="685800" y="4400550"/>
+            <a:ext cx="5486400" cy="3600450"/>
+          </a:xfrm>
+          <a:prstGeom prst="rect">
+            <a:avLst/>
+          </a:prstGeom>
+        </p:spPr>
+        <p:txBody>
+          <a:bodyPr vert="horz" lIns="91440" tIns="45720" rIns="91440" bIns="45720" rtlCol="0"/>
+          <a:lstStyle/>
+          <a:p>
+            <a:pPr lvl="0"/>
+            <a:r>
+              <a:rPr kumimoji="1" lang="ja-JP" altLang="en-US" smtClean="0"/>
+              <a:t>マスター テキストの書式設定</a:t>
+            </a:r>
+          </a:p>
+          <a:p>
+            <a:pPr lvl="1"/>
+            <a:r>
+              <a:rPr kumimoji="1" lang="ja-JP" altLang="en-US" smtClean="0"/>
+              <a:t>第 </a:t>
+            </a:r>
+            <a:r>
+              <a:rPr kumimoji="1" lang="en-US" altLang="ja-JP" smtClean="0"/>
+              <a:t>2 </a:t>
+            </a:r>
+            <a:r>
+              <a:rPr kumimoji="1" lang="ja-JP" altLang="en-US" smtClean="0"/>
+              <a:t>レベル</a:t>
+            </a:r>
+          </a:p>
+          <a:p>
+            <a:pPr lvl="2"/>
+            <a:r>
+              <a:rPr kumimoji="1" lang="ja-JP" altLang="en-US" smtClean="0"/>
+              <a:t>第 </a:t>
+            </a:r>
+            <a:r>
+              <a:rPr kumimoji="1" lang="en-US" altLang="ja-JP" smtClean="0"/>
+              <a:t>3 </a:t>
+            </a:r>
+            <a:r>
+              <a:rPr kumimoji="1" lang="ja-JP" altLang="en-US" smtClean="0"/>
+              <a:t>レベル</a:t>
+            </a:r>
+          </a:p>
+          <a:p>
+            <a:pPr lvl="3"/>
+            <a:r>
+              <a:rPr kumimoji="1" lang="ja-JP" altLang="en-US" smtClean="0"/>
+              <a:t>第 </a:t>
+            </a:r>
+            <a:r>
+              <a:rPr kumimoji="1" lang="en-US" altLang="ja-JP" smtClean="0"/>
+              <a:t>4 </a:t>
+            </a:r>
+            <a:r>
+              <a:rPr kumimoji="1" lang="ja-JP" altLang="en-US" smtClean="0"/>
+              <a:t>レベル</a:t>
+            </a:r>
+          </a:p>
+          <a:p>
+            <a:pPr lvl="4"/>
+            <a:r>
+              <a:rPr kumimoji="1" lang="ja-JP" altLang="en-US" smtClean="0"/>
+              <a:t>第 </a:t>
+            </a:r>
+            <a:r>
+              <a:rPr kumimoji="1" lang="en-US" altLang="ja-JP" smtClean="0"/>
+              <a:t>5 </a:t>
+            </a:r>
+            <a:r>
+              <a:rPr kumimoji="1" lang="ja-JP" altLang="en-US" smtClean="0"/>
+              <a:t>レベル</a:t>
+            </a:r>
+            <a:endParaRPr kumimoji="1" lang="ja-JP" altLang="en-US"/>
+          </a:p>
+        </p:txBody>
+      </p:sp>
+      <p:sp>
+        <p:nvSpPr>
+          <p:cNvPr id="6" name="フッター プレースホルダー 5"/>
+          <p:cNvSpPr>
+            <a:spLocks noGrp="1"/>
+          </p:cNvSpPr>
+          <p:nvPr>
+            <p:ph type="ftr" sz="quarter" idx="4"/>
+          </p:nvPr>
+        </p:nvSpPr>
+        <p:spPr>
+          <a:xfrm>
+            <a:off x="0" y="8685213"/>
+            <a:ext cx="2971800" cy="458787"/>
+          </a:xfrm>
+          <a:prstGeom prst="rect">
+            <a:avLst/>
+          </a:prstGeom>
+        </p:spPr>
+        <p:txBody>
+          <a:bodyPr vert="horz" lIns="91440" tIns="45720" rIns="91440" bIns="45720" rtlCol="0" anchor="b"/>
+          <a:lstStyle>
+            <a:lvl1pPr algn="l">
+              <a:defRPr sz="1200"/>
+            </a:lvl1pPr>
+          </a:lstStyle>
+          <a:p>
+            <a:endParaRPr kumimoji="1" lang="ja-JP" altLang="en-US"/>
+          </a:p>
+        </p:txBody>
+      </p:sp>
+      <p:sp>
+        <p:nvSpPr>
+          <p:cNvPr id="7" name="スライド番号プレースホルダー 6"/>
+          <p:cNvSpPr>
+            <a:spLocks noGrp="1"/>
+          </p:cNvSpPr>
+          <p:nvPr>
+            <p:ph type="sldNum" sz="quarter" idx="5"/>
+          </p:nvPr>
+        </p:nvSpPr>
+        <p:spPr>
+          <a:xfrm>
+            <a:off x="3884613" y="8685213"/>
+            <a:ext cx="2971800" cy="458787"/>
+          </a:xfrm>
+          <a:prstGeom prst="rect">
+            <a:avLst/>
+          </a:prstGeom>
+        </p:spPr>
+        <p:txBody>
+          <a:bodyPr vert="horz" lIns="91440" tIns="45720" rIns="91440" bIns="45720" rtlCol="0" anchor="b"/>
+          <a:lstStyle>
+            <a:lvl1pPr algn="r">
+              <a:defRPr sz="1200"/>
+            </a:lvl1pPr>
+          </a:lstStyle>
+          <a:p>
+            <a:fld id="{7CA7CB9A-C202-4EEB-BB11-19A560B0542C}" type="slidenum">
+              <a:rPr kumimoji="1" lang="ja-JP" altLang="en-US" smtClean="0"/>
+              <a:t>‹#›</a:t>
+            </a:fld>
+            <a:endParaRPr kumimoji="1" lang="ja-JP" altLang="en-US"/>
+          </a:p>
+        </p:txBody>
+      </p:sp>
+    </p:spTree>
+    <p:extLst>
+      <p:ext uri="{BB962C8B-B14F-4D97-AF65-F5344CB8AC3E}">
+        <p14:creationId xmlns:p14="http://schemas.microsoft.com/office/powerpoint/2010/main" val="4002563857"/>
+      </p:ext>
+    </p:extLst>
+  </p:cSld>
+  <p:clrMap bg1="lt1" tx1="dk1" bg2="lt2" tx2="dk2" accent1="accent1" accent2="accent2" accent3="accent3" accent4="accent4" accent5="accent5" accent6="accent6" hlink="hlink" folHlink="folHlink"/>
+  <p:notesStyle>
+    <a:lvl1pPr marL="0" algn="l" defTabSz="914400" rtl="0" eaLnBrk="1" latinLnBrk="0" hangingPunct="1">
+      <a:defRPr kumimoji="1" sz="1200" kern="1200">
+        <a:solidFill>
+          <a:schemeClr val="tx1"/>
+        </a:solidFill>
+        <a:latin typeface="+mn-lt"/>
+        <a:ea typeface="+mn-ea"/>
+        <a:cs typeface="+mn-cs"/>
+      </a:defRPr>
+    </a:lvl1pPr>
+    <a:lvl2pPr marL="457200" algn="l" defTabSz="914400" rtl="0" eaLnBrk="1" latinLnBrk="0" hangingPunct="1">
+      <a:defRPr kumimoji="1" sz="1200" kern="1200">
+        <a:solidFill>
+          <a:schemeClr val="tx1"/>
+        </a:solidFill>
+        <a:latin typeface="+mn-lt"/>
+        <a:ea typeface="+mn-ea"/>
+        <a:cs typeface="+mn-cs"/>
+      </a:defRPr>
+    </a:lvl2pPr>
+    <a:lvl3pPr marL="914400" algn="l" defTabSz="914400" rtl="0" eaLnBrk="1" latinLnBrk="0" hangingPunct="1">
+      <a:defRPr kumimoji="1" sz="1200" kern="1200">
+        <a:solidFill>
+          <a:schemeClr val="tx1"/>
+        </a:solidFill>
+        <a:latin typeface="+mn-lt"/>
+        <a:ea typeface="+mn-ea"/>
+        <a:cs typeface="+mn-cs"/>
+      </a:defRPr>
+    </a:lvl3pPr>
+    <a:lvl4pPr marL="1371600" algn="l" defTabSz="914400" rtl="0" eaLnBrk="1" latinLnBrk="0" hangingPunct="1">
+      <a:defRPr kumimoji="1" sz="1200" kern="1200">
+        <a:solidFill>
+          <a:schemeClr val="tx1"/>
+        </a:solidFill>
+        <a:latin typeface="+mn-lt"/>
+        <a:ea typeface="+mn-ea"/>
+        <a:cs typeface="+mn-cs"/>
+      </a:defRPr>
+    </a:lvl4pPr>
+    <a:lvl5pPr marL="1828800" algn="l" defTabSz="914400" rtl="0" eaLnBrk="1" latinLnBrk="0" hangingPunct="1">
+      <a:defRPr kumimoji="1" sz="1200" kern="1200">
+        <a:solidFill>
+          <a:schemeClr val="tx1"/>
+        </a:solidFill>
+        <a:latin typeface="+mn-lt"/>
+        <a:ea typeface="+mn-ea"/>
+        <a:cs typeface="+mn-cs"/>
+      </a:defRPr>
+    </a:lvl5pPr>
+    <a:lvl6pPr marL="2286000" algn="l" defTabSz="914400" rtl="0" eaLnBrk="1" latinLnBrk="0" hangingPunct="1">
+      <a:defRPr kumimoji="1" sz="1200" kern="1200">
+        <a:solidFill>
+          <a:schemeClr val="tx1"/>
+        </a:solidFill>
+        <a:latin typeface="+mn-lt"/>
+        <a:ea typeface="+mn-ea"/>
+        <a:cs typeface="+mn-cs"/>
+      </a:defRPr>
+    </a:lvl6pPr>
+    <a:lvl7pPr marL="2743200" algn="l" defTabSz="914400" rtl="0" eaLnBrk="1" latinLnBrk="0" hangingPunct="1">
+      <a:defRPr kumimoji="1" sz="1200" kern="1200">
+        <a:solidFill>
+          <a:schemeClr val="tx1"/>
+        </a:solidFill>
+        <a:latin typeface="+mn-lt"/>
+        <a:ea typeface="+mn-ea"/>
+        <a:cs typeface="+mn-cs"/>
+      </a:defRPr>
+    </a:lvl7pPr>
+    <a:lvl8pPr marL="3200400" algn="l" defTabSz="914400" rtl="0" eaLnBrk="1" latinLnBrk="0" hangingPunct="1">
+      <a:defRPr kumimoji="1" sz="1200" kern="1200">
+        <a:solidFill>
+          <a:schemeClr val="tx1"/>
+        </a:solidFill>
+        <a:latin typeface="+mn-lt"/>
+        <a:ea typeface="+mn-ea"/>
+        <a:cs typeface="+mn-cs"/>
+      </a:defRPr>
+    </a:lvl8pPr>
+    <a:lvl9pPr marL="3657600" algn="l" defTabSz="914400" rtl="0" eaLnBrk="1" latinLnBrk="0" hangingPunct="1">
+      <a:defRPr kumimoji="1" sz="1200" kern="1200">
+        <a:solidFill>
+          <a:schemeClr val="tx1"/>
+        </a:solidFill>
+        <a:latin typeface="+mn-lt"/>
+        <a:ea typeface="+mn-ea"/>
+        <a:cs typeface="+mn-cs"/>
+      </a:defRPr>
+    </a:lvl9pPr>
+  </p:notesStyle>
+</p:notesMaster>
+</file>
+
+<file path=ppt/notesSlides/notesSlide1.xml><?xml version="1.0" encoding="utf-8"?>
+<p:notes xmlns:a="http://schemas.openxmlformats.org/drawingml/2006/main" xmlns:r="http://schemas.openxmlformats.org/officeDocument/2006/relationships" xmlns:p="http://schemas.openxmlformats.org/presentationml/2006/main">
+  <p:cSld>
+    <p:spTree>
+      <p:nvGrpSpPr>
+        <p:cNvPr id="1" name=""/>
+        <p:cNvGrpSpPr/>
+        <p:nvPr/>
+      </p:nvGrpSpPr>
+      <p:grpSpPr>
+        <a:xfrm>
+          <a:off x="0" y="0"/>
+          <a:ext cx="0" cy="0"/>
+          <a:chOff x="0" y="0"/>
+          <a:chExt cx="0" cy="0"/>
+        </a:xfrm>
+      </p:grpSpPr>
+      <p:sp>
+        <p:nvSpPr>
+          <p:cNvPr id="2" name="スライド イメージ プレースホルダー 1"/>
+          <p:cNvSpPr>
+            <a:spLocks noGrp="1" noRot="1" noChangeAspect="1"/>
+          </p:cNvSpPr>
+          <p:nvPr>
+            <p:ph type="sldImg"/>
+          </p:nvPr>
+        </p:nvSpPr>
+        <p:spPr/>
+      </p:sp>
+      <p:sp>
+        <p:nvSpPr>
+          <p:cNvPr id="3" name="ノート プレースホルダー 2"/>
+          <p:cNvSpPr>
+            <a:spLocks noGrp="1"/>
+          </p:cNvSpPr>
+          <p:nvPr>
+            <p:ph type="body" idx="1"/>
+          </p:nvPr>
+        </p:nvSpPr>
+        <p:spPr/>
+        <p:txBody>
+          <a:bodyPr/>
+          <a:lstStyle/>
+          <a:p>
+            <a:r>
+              <a:rPr kumimoji="1" lang="ja-JP" altLang="en-US" dirty="0" smtClean="0"/>
+              <a:t>そして、ゲームが進むとともに、忍者が襲ってくる。</a:t>
+            </a:r>
+            <a:endParaRPr kumimoji="1" lang="en-US" altLang="ja-JP" dirty="0" smtClean="0"/>
+          </a:p>
+          <a:p>
+            <a:r>
+              <a:rPr lang="ja-JP" altLang="en-US" dirty="0" smtClean="0"/>
+              <a:t>いろんなところから</a:t>
+            </a:r>
+            <a:r>
+              <a:rPr lang="ja-JP" altLang="en-US" dirty="0"/>
+              <a:t>攻撃</a:t>
+            </a:r>
+            <a:r>
+              <a:rPr lang="ja-JP" altLang="en-US" dirty="0" smtClean="0"/>
+              <a:t>してくるが、対処法ただ一つ</a:t>
+            </a:r>
+            <a:endParaRPr lang="en-US" altLang="ja-JP" dirty="0" smtClean="0"/>
+          </a:p>
+          <a:p>
+            <a:r>
+              <a:rPr kumimoji="1" lang="ja-JP" altLang="en-US" dirty="0" smtClean="0"/>
+              <a:t>「あにめしょん」</a:t>
+            </a:r>
+            <a:endParaRPr kumimoji="1" lang="en-US" altLang="ja-JP" dirty="0" smtClean="0"/>
+          </a:p>
+          <a:p>
+            <a:r>
+              <a:rPr lang="ja-JP" altLang="en-US" dirty="0" smtClean="0"/>
+              <a:t>これです</a:t>
+            </a:r>
+            <a:r>
+              <a:rPr lang="ja-JP" altLang="en-US" dirty="0"/>
+              <a:t>！</a:t>
+            </a:r>
+            <a:endParaRPr kumimoji="1" lang="ja-JP" altLang="en-US" dirty="0"/>
+          </a:p>
+        </p:txBody>
+      </p:sp>
+      <p:sp>
+        <p:nvSpPr>
+          <p:cNvPr id="4" name="スライド番号プレースホルダー 3"/>
+          <p:cNvSpPr>
+            <a:spLocks noGrp="1"/>
+          </p:cNvSpPr>
+          <p:nvPr>
+            <p:ph type="sldNum" sz="quarter" idx="10"/>
+          </p:nvPr>
+        </p:nvSpPr>
+        <p:spPr/>
+        <p:txBody>
+          <a:bodyPr/>
+          <a:lstStyle/>
+          <a:p>
+            <a:fld id="{7CA7CB9A-C202-4EEB-BB11-19A560B0542C}" type="slidenum">
+              <a:rPr kumimoji="1" lang="ja-JP" altLang="en-US" smtClean="0"/>
+              <a:t>8</a:t>
+            </a:fld>
+            <a:endParaRPr kumimoji="1" lang="ja-JP" altLang="en-US"/>
+          </a:p>
+        </p:txBody>
+      </p:sp>
+    </p:spTree>
+    <p:extLst>
+      <p:ext uri="{BB962C8B-B14F-4D97-AF65-F5344CB8AC3E}">
+        <p14:creationId xmlns:p14="http://schemas.microsoft.com/office/powerpoint/2010/main" val="1448605735"/>
+      </p:ext>
+    </p:extLst>
+  </p:cSld>
+  <p:clrMapOvr>
+    <a:masterClrMapping/>
+  </p:clrMapOvr>
+</p:notes>
 </file>
 
 <file path=ppt/slideLayouts/slideLayout1.xml><?xml version="1.0" encoding="utf-8"?>
@@ -558,7 +1068,7 @@
           <a:p>
             <a:fld id="{EA09839B-FDFC-49F9-B956-C85EFC887E6D}" type="datetimeFigureOut">
               <a:rPr kumimoji="1" lang="ja-JP" altLang="en-US" smtClean="0"/>
-              <a:t>2018/3/19</a:t>
+              <a:t>2018/3/20</a:t>
             </a:fld>
             <a:endParaRPr kumimoji="1" lang="ja-JP" altLang="en-US"/>
           </a:p>
@@ -903,7 +1413,7 @@
           <a:p>
             <a:fld id="{EA09839B-FDFC-49F9-B956-C85EFC887E6D}" type="datetimeFigureOut">
               <a:rPr kumimoji="1" lang="ja-JP" altLang="en-US" smtClean="0"/>
-              <a:t>2018/3/19</a:t>
+              <a:t>2018/3/20</a:t>
             </a:fld>
             <a:endParaRPr kumimoji="1" lang="ja-JP" altLang="en-US"/>
           </a:p>
@@ -1175,7 +1685,7 @@
           <a:p>
             <a:fld id="{EA09839B-FDFC-49F9-B956-C85EFC887E6D}" type="datetimeFigureOut">
               <a:rPr kumimoji="1" lang="ja-JP" altLang="en-US" smtClean="0"/>
-              <a:t>2018/3/19</a:t>
+              <a:t>2018/3/20</a:t>
             </a:fld>
             <a:endParaRPr kumimoji="1" lang="ja-JP" altLang="en-US"/>
           </a:p>
@@ -1387,7 +1897,7 @@
           <a:p>
             <a:fld id="{EA09839B-FDFC-49F9-B956-C85EFC887E6D}" type="datetimeFigureOut">
               <a:rPr kumimoji="1" lang="ja-JP" altLang="en-US" smtClean="0"/>
-              <a:t>2018/3/19</a:t>
+              <a:t>2018/3/20</a:t>
             </a:fld>
             <a:endParaRPr kumimoji="1" lang="ja-JP" altLang="en-US"/>
           </a:p>
@@ -1693,7 +2203,7 @@
           <a:p>
             <a:fld id="{EA09839B-FDFC-49F9-B956-C85EFC887E6D}" type="datetimeFigureOut">
               <a:rPr kumimoji="1" lang="ja-JP" altLang="en-US" smtClean="0"/>
-              <a:t>2018/3/19</a:t>
+              <a:t>2018/3/20</a:t>
             </a:fld>
             <a:endParaRPr kumimoji="1" lang="ja-JP" altLang="en-US"/>
           </a:p>
@@ -2006,7 +2516,7 @@
           <a:p>
             <a:fld id="{EA09839B-FDFC-49F9-B956-C85EFC887E6D}" type="datetimeFigureOut">
               <a:rPr kumimoji="1" lang="ja-JP" altLang="en-US" smtClean="0"/>
-              <a:t>2018/3/19</a:t>
+              <a:t>2018/3/20</a:t>
             </a:fld>
             <a:endParaRPr kumimoji="1" lang="ja-JP" altLang="en-US"/>
           </a:p>
@@ -2456,7 +2966,7 @@
           <a:p>
             <a:fld id="{EA09839B-FDFC-49F9-B956-C85EFC887E6D}" type="datetimeFigureOut">
               <a:rPr kumimoji="1" lang="ja-JP" altLang="en-US" smtClean="0"/>
-              <a:t>2018/3/19</a:t>
+              <a:t>2018/3/20</a:t>
             </a:fld>
             <a:endParaRPr kumimoji="1" lang="ja-JP" altLang="en-US"/>
           </a:p>
@@ -3043,7 +3553,7 @@
           <a:p>
             <a:fld id="{EA09839B-FDFC-49F9-B956-C85EFC887E6D}" type="datetimeFigureOut">
               <a:rPr kumimoji="1" lang="ja-JP" altLang="en-US" smtClean="0"/>
-              <a:t>2018/3/19</a:t>
+              <a:t>2018/3/20</a:t>
             </a:fld>
             <a:endParaRPr kumimoji="1" lang="ja-JP" altLang="en-US"/>
           </a:p>
@@ -3323,7 +3833,7 @@
           <a:p>
             <a:fld id="{EA09839B-FDFC-49F9-B956-C85EFC887E6D}" type="datetimeFigureOut">
               <a:rPr kumimoji="1" lang="ja-JP" altLang="en-US" smtClean="0"/>
-              <a:t>2018/3/19</a:t>
+              <a:t>2018/3/20</a:t>
             </a:fld>
             <a:endParaRPr kumimoji="1" lang="ja-JP" altLang="en-US"/>
           </a:p>
@@ -3457,7 +3967,7 @@
           <a:p>
             <a:fld id="{EA09839B-FDFC-49F9-B956-C85EFC887E6D}" type="datetimeFigureOut">
               <a:rPr kumimoji="1" lang="ja-JP" altLang="en-US" smtClean="0"/>
-              <a:t>2018/3/19</a:t>
+              <a:t>2018/3/20</a:t>
             </a:fld>
             <a:endParaRPr kumimoji="1" lang="ja-JP" altLang="en-US"/>
           </a:p>
@@ -3582,7 +4092,7 @@
           <a:p>
             <a:fld id="{EA09839B-FDFC-49F9-B956-C85EFC887E6D}" type="datetimeFigureOut">
               <a:rPr kumimoji="1" lang="ja-JP" altLang="en-US" smtClean="0"/>
-              <a:t>2018/3/19</a:t>
+              <a:t>2018/3/20</a:t>
             </a:fld>
             <a:endParaRPr kumimoji="1" lang="ja-JP" altLang="en-US"/>
           </a:p>
@@ -3964,7 +4474,7 @@
           <a:p>
             <a:fld id="{EA09839B-FDFC-49F9-B956-C85EFC887E6D}" type="datetimeFigureOut">
               <a:rPr kumimoji="1" lang="ja-JP" altLang="en-US" smtClean="0"/>
-              <a:t>2018/3/19</a:t>
+              <a:t>2018/3/20</a:t>
             </a:fld>
             <a:endParaRPr kumimoji="1" lang="ja-JP" altLang="en-US"/>
           </a:p>
@@ -4306,7 +4816,7 @@
           <a:p>
             <a:fld id="{EA09839B-FDFC-49F9-B956-C85EFC887E6D}" type="datetimeFigureOut">
               <a:rPr kumimoji="1" lang="ja-JP" altLang="en-US" smtClean="0"/>
-              <a:t>2018/3/19</a:t>
+              <a:t>2018/3/20</a:t>
             </a:fld>
             <a:endParaRPr kumimoji="1" lang="ja-JP" altLang="en-US"/>
           </a:p>
@@ -4945,7 +5455,11 @@
           <a:bodyPr/>
           <a:lstStyle/>
           <a:p>
-            <a:endParaRPr kumimoji="1" lang="ja-JP" altLang="en-US"/>
+            <a:r>
+              <a:rPr kumimoji="1" lang="ja-JP" altLang="en-US" dirty="0" smtClean="0"/>
+              <a:t>ゲーム企画・シナリオ専攻一年　タンカ</a:t>
+            </a:r>
+            <a:endParaRPr kumimoji="1" lang="ja-JP" altLang="en-US" dirty="0"/>
           </a:p>
         </p:txBody>
       </p:sp>
@@ -4969,7 +5483,3957 @@
 </p:sld>
 </file>
 
-<file path=ppt/slides/slide10.xml><?xml version="1.0" encoding="utf-8"?>
+<file path=ppt/slides/slide2.xml><?xml version="1.0" encoding="utf-8"?>
+<p:sld xmlns:a="http://schemas.openxmlformats.org/drawingml/2006/main" xmlns:r="http://schemas.openxmlformats.org/officeDocument/2006/relationships" xmlns:p="http://schemas.openxmlformats.org/presentationml/2006/main">
+  <p:cSld>
+    <p:spTree>
+      <p:nvGrpSpPr>
+        <p:cNvPr id="1" name=""/>
+        <p:cNvGrpSpPr/>
+        <p:nvPr/>
+      </p:nvGrpSpPr>
+      <p:grpSpPr>
+        <a:xfrm>
+          <a:off x="0" y="0"/>
+          <a:ext cx="0" cy="0"/>
+          <a:chOff x="0" y="0"/>
+          <a:chExt cx="0" cy="0"/>
+        </a:xfrm>
+      </p:grpSpPr>
+      <p:sp>
+        <p:nvSpPr>
+          <p:cNvPr id="2" name="タイトル 1"/>
+          <p:cNvSpPr>
+            <a:spLocks noGrp="1"/>
+          </p:cNvSpPr>
+          <p:nvPr>
+            <p:ph type="title"/>
+          </p:nvPr>
+        </p:nvSpPr>
+        <p:spPr/>
+        <p:txBody>
+          <a:bodyPr>
+            <a:normAutofit/>
+          </a:bodyPr>
+          <a:lstStyle/>
+          <a:p>
+            <a:endParaRPr kumimoji="1" lang="ja-JP" altLang="en-US" dirty="0"/>
+          </a:p>
+        </p:txBody>
+      </p:sp>
+      <p:sp>
+        <p:nvSpPr>
+          <p:cNvPr id="3" name="コンテンツ プレースホルダー 2"/>
+          <p:cNvSpPr>
+            <a:spLocks noGrp="1"/>
+          </p:cNvSpPr>
+          <p:nvPr>
+            <p:ph idx="1"/>
+          </p:nvPr>
+        </p:nvSpPr>
+        <p:spPr/>
+        <p:txBody>
+          <a:bodyPr>
+            <a:normAutofit/>
+          </a:bodyPr>
+          <a:lstStyle/>
+          <a:p>
+            <a:r>
+              <a:rPr kumimoji="1" lang="ja-JP" altLang="en-US" sz="2400" dirty="0" smtClean="0"/>
+              <a:t>ジャンル：刀アクション、エンドレスゲーム</a:t>
+            </a:r>
+            <a:endParaRPr kumimoji="1" lang="en-US" altLang="ja-JP" sz="2400" dirty="0" smtClean="0"/>
+          </a:p>
+          <a:p>
+            <a:r>
+              <a:rPr lang="ja-JP" altLang="en-US" sz="2400" dirty="0" smtClean="0"/>
+              <a:t>プラットフォーム：</a:t>
+            </a:r>
+            <a:r>
+              <a:rPr lang="en-US" altLang="ja-JP" sz="2400" dirty="0" smtClean="0"/>
+              <a:t>android</a:t>
+            </a:r>
+          </a:p>
+          <a:p>
+            <a:r>
+              <a:rPr kumimoji="1" lang="ja-JP" altLang="en-US" sz="2400" dirty="0"/>
+              <a:t>プレイ</a:t>
+            </a:r>
+            <a:r>
+              <a:rPr kumimoji="1" lang="ja-JP" altLang="en-US" sz="2400" dirty="0" smtClean="0"/>
+              <a:t>人数：</a:t>
+            </a:r>
+            <a:r>
+              <a:rPr kumimoji="1" lang="en-US" altLang="ja-JP" sz="2400" dirty="0"/>
+              <a:t>1</a:t>
+            </a:r>
+            <a:r>
+              <a:rPr kumimoji="1" lang="ja-JP" altLang="en-US" sz="2400" dirty="0" smtClean="0"/>
+              <a:t>人</a:t>
+            </a:r>
+            <a:endParaRPr kumimoji="1" lang="en-US" altLang="ja-JP" sz="2400" dirty="0" smtClean="0"/>
+          </a:p>
+          <a:p>
+            <a:endParaRPr kumimoji="1" lang="en-US" altLang="ja-JP" sz="2400" dirty="0" smtClean="0"/>
+          </a:p>
+          <a:p>
+            <a:endParaRPr kumimoji="1" lang="ja-JP" altLang="en-US" sz="2400" dirty="0"/>
+          </a:p>
+        </p:txBody>
+      </p:sp>
+    </p:spTree>
+    <p:extLst>
+      <p:ext uri="{BB962C8B-B14F-4D97-AF65-F5344CB8AC3E}">
+        <p14:creationId xmlns:p14="http://schemas.microsoft.com/office/powerpoint/2010/main" val="1808138019"/>
+      </p:ext>
+    </p:extLst>
+  </p:cSld>
+  <p:clrMapOvr>
+    <a:masterClrMapping/>
+  </p:clrMapOvr>
+  <p:timing>
+    <p:tnLst>
+      <p:par>
+        <p:cTn id="1" dur="indefinite" restart="never" nodeType="tmRoot"/>
+      </p:par>
+    </p:tnLst>
+  </p:timing>
+</p:sld>
+</file>
+
+<file path=ppt/slides/slide3.xml><?xml version="1.0" encoding="utf-8"?>
+<p:sld xmlns:a="http://schemas.openxmlformats.org/drawingml/2006/main" xmlns:r="http://schemas.openxmlformats.org/officeDocument/2006/relationships" xmlns:p="http://schemas.openxmlformats.org/presentationml/2006/main">
+  <p:cSld>
+    <p:spTree>
+      <p:nvGrpSpPr>
+        <p:cNvPr id="1" name=""/>
+        <p:cNvGrpSpPr/>
+        <p:nvPr/>
+      </p:nvGrpSpPr>
+      <p:grpSpPr>
+        <a:xfrm>
+          <a:off x="0" y="0"/>
+          <a:ext cx="0" cy="0"/>
+          <a:chOff x="0" y="0"/>
+          <a:chExt cx="0" cy="0"/>
+        </a:xfrm>
+      </p:grpSpPr>
+      <p:sp>
+        <p:nvSpPr>
+          <p:cNvPr id="2" name="タイトル 1"/>
+          <p:cNvSpPr>
+            <a:spLocks noGrp="1"/>
+          </p:cNvSpPr>
+          <p:nvPr>
+            <p:ph type="title"/>
+          </p:nvPr>
+        </p:nvSpPr>
+        <p:spPr/>
+        <p:txBody>
+          <a:bodyPr/>
+          <a:lstStyle/>
+          <a:p>
+            <a:r>
+              <a:rPr kumimoji="1" lang="ja-JP" altLang="en-US" sz="6600" dirty="0" smtClean="0"/>
+              <a:t>侍</a:t>
+            </a:r>
+            <a:r>
+              <a:rPr kumimoji="1" lang="ja-JP" altLang="en-US" sz="3600" dirty="0" smtClean="0"/>
+              <a:t>と</a:t>
+            </a:r>
+            <a:r>
+              <a:rPr kumimoji="1" lang="ja-JP" altLang="en-US" sz="6600" dirty="0" smtClean="0"/>
+              <a:t>すし</a:t>
+            </a:r>
+            <a:endParaRPr kumimoji="1" lang="ja-JP" altLang="en-US" sz="6600" dirty="0"/>
+          </a:p>
+        </p:txBody>
+      </p:sp>
+      <p:sp>
+        <p:nvSpPr>
+          <p:cNvPr id="3" name="コンテンツ プレースホルダー 2"/>
+          <p:cNvSpPr>
+            <a:spLocks noGrp="1"/>
+          </p:cNvSpPr>
+          <p:nvPr>
+            <p:ph idx="1"/>
+          </p:nvPr>
+        </p:nvSpPr>
+        <p:spPr/>
+        <p:txBody>
+          <a:bodyPr>
+            <a:normAutofit/>
+          </a:bodyPr>
+          <a:lstStyle/>
+          <a:p>
+            <a:pPr marL="0" indent="0">
+              <a:buNone/>
+            </a:pPr>
+            <a:r>
+              <a:rPr kumimoji="1" lang="ja-JP" altLang="en-US" sz="2400" dirty="0" smtClean="0"/>
+              <a:t>時は江戸、剣術を極めた</a:t>
+            </a:r>
+            <a:r>
+              <a:rPr kumimoji="1" lang="ja-JP" altLang="en-US" sz="3200" dirty="0" smtClean="0"/>
+              <a:t>侍</a:t>
+            </a:r>
+            <a:r>
+              <a:rPr kumimoji="1" lang="ja-JP" altLang="en-US" sz="2400" dirty="0" smtClean="0"/>
+              <a:t>がいた。</a:t>
+            </a:r>
+            <a:endParaRPr kumimoji="1" lang="en-US" altLang="ja-JP" sz="2400" dirty="0" smtClean="0"/>
+          </a:p>
+          <a:p>
+            <a:pPr marL="0" indent="0">
+              <a:buNone/>
+            </a:pPr>
+            <a:r>
+              <a:rPr kumimoji="1" lang="ja-JP" altLang="en-US" sz="2400" dirty="0" smtClean="0"/>
+              <a:t>その侍は自分の剣術で</a:t>
+            </a:r>
+            <a:r>
+              <a:rPr lang="ja-JP" altLang="en-US" sz="2400" dirty="0" smtClean="0"/>
+              <a:t>何かをやると思って</a:t>
+            </a:r>
+            <a:r>
+              <a:rPr lang="en-US" altLang="ja-JP" sz="2400" dirty="0" smtClean="0"/>
+              <a:t>……</a:t>
+            </a:r>
+          </a:p>
+          <a:p>
+            <a:pPr marL="0" indent="0">
+              <a:buNone/>
+            </a:pPr>
+            <a:r>
+              <a:rPr kumimoji="1" lang="ja-JP" altLang="en-US" sz="3200" dirty="0" smtClean="0"/>
+              <a:t>すし</a:t>
+            </a:r>
+            <a:r>
+              <a:rPr kumimoji="1" lang="ja-JP" altLang="en-US" sz="3200" dirty="0"/>
+              <a:t>屋</a:t>
+            </a:r>
+            <a:r>
+              <a:rPr kumimoji="1" lang="ja-JP" altLang="en-US" sz="2400" dirty="0" smtClean="0"/>
+              <a:t>を開いた</a:t>
+            </a:r>
+            <a:endParaRPr kumimoji="1" lang="en-US" altLang="ja-JP" sz="2400" dirty="0" smtClean="0"/>
+          </a:p>
+          <a:p>
+            <a:pPr marL="0" indent="0">
+              <a:buNone/>
+            </a:pPr>
+            <a:r>
+              <a:rPr lang="ja-JP" altLang="en-US" sz="2400" dirty="0" smtClean="0"/>
+              <a:t>それはなんと、</a:t>
+            </a:r>
+            <a:endParaRPr lang="en-US" altLang="ja-JP" sz="2400" dirty="0" smtClean="0"/>
+          </a:p>
+          <a:p>
+            <a:pPr marL="0" indent="0">
+              <a:buNone/>
+            </a:pPr>
+            <a:r>
+              <a:rPr kumimoji="1" lang="ja-JP" altLang="en-US" sz="3200" dirty="0"/>
+              <a:t>刀</a:t>
+            </a:r>
+            <a:r>
+              <a:rPr kumimoji="1" lang="ja-JP" altLang="en-US" sz="2400" dirty="0" smtClean="0"/>
+              <a:t>で</a:t>
+            </a:r>
+            <a:r>
+              <a:rPr kumimoji="1" lang="ja-JP" altLang="en-US" sz="2400" dirty="0"/>
+              <a:t>すし</a:t>
+            </a:r>
+            <a:r>
+              <a:rPr kumimoji="1" lang="ja-JP" altLang="en-US" sz="2400" dirty="0" smtClean="0"/>
+              <a:t>を作ることだと</a:t>
+            </a:r>
+            <a:endParaRPr kumimoji="1" lang="en-US" altLang="ja-JP" sz="2400" dirty="0" smtClean="0"/>
+          </a:p>
+        </p:txBody>
+      </p:sp>
+      <p:grpSp>
+        <p:nvGrpSpPr>
+          <p:cNvPr id="8" name="グループ化 7"/>
+          <p:cNvGrpSpPr/>
+          <p:nvPr/>
+        </p:nvGrpSpPr>
+        <p:grpSpPr>
+          <a:xfrm>
+            <a:off x="7647813" y="1188856"/>
+            <a:ext cx="3438525" cy="4190102"/>
+            <a:chOff x="7647813" y="1188856"/>
+            <a:chExt cx="3438525" cy="4190102"/>
+          </a:xfrm>
+        </p:grpSpPr>
+        <p:pic>
+          <p:nvPicPr>
+            <p:cNvPr id="4" name="図 3"/>
+            <p:cNvPicPr>
+              <a:picLocks noChangeAspect="1"/>
+            </p:cNvPicPr>
+            <p:nvPr/>
+          </p:nvPicPr>
+          <p:blipFill>
+            <a:blip r:embed="rId2">
+              <a:extLst>
+                <a:ext uri="{28A0092B-C50C-407E-A947-70E740481C1C}">
+                  <a14:useLocalDpi xmlns:a14="http://schemas.microsoft.com/office/drawing/2010/main" val="0"/>
+                </a:ext>
+              </a:extLst>
+            </a:blip>
+            <a:stretch>
+              <a:fillRect/>
+            </a:stretch>
+          </p:blipFill>
+          <p:spPr>
+            <a:xfrm>
+              <a:off x="7647813" y="2121408"/>
+              <a:ext cx="3438525" cy="3257550"/>
+            </a:xfrm>
+            <a:prstGeom prst="rect">
+              <a:avLst/>
+            </a:prstGeom>
+          </p:spPr>
+        </p:pic>
+        <p:pic>
+          <p:nvPicPr>
+            <p:cNvPr id="6" name="図 5"/>
+            <p:cNvPicPr>
+              <a:picLocks noChangeAspect="1"/>
+            </p:cNvPicPr>
+            <p:nvPr/>
+          </p:nvPicPr>
+          <p:blipFill>
+            <a:blip r:embed="rId3" cstate="print">
+              <a:extLst>
+                <a:ext uri="{28A0092B-C50C-407E-A947-70E740481C1C}">
+                  <a14:useLocalDpi xmlns:a14="http://schemas.microsoft.com/office/drawing/2010/main" val="0"/>
+                </a:ext>
+              </a:extLst>
+            </a:blip>
+            <a:stretch>
+              <a:fillRect/>
+            </a:stretch>
+          </p:blipFill>
+          <p:spPr>
+            <a:xfrm rot="18599931">
+              <a:off x="8099043" y="1188856"/>
+              <a:ext cx="1337337" cy="1337337"/>
+            </a:xfrm>
+            <a:prstGeom prst="rect">
+              <a:avLst/>
+            </a:prstGeom>
+          </p:spPr>
+        </p:pic>
+        <p:pic>
+          <p:nvPicPr>
+            <p:cNvPr id="7" name="図 6"/>
+            <p:cNvPicPr>
+              <a:picLocks noChangeAspect="1"/>
+            </p:cNvPicPr>
+            <p:nvPr/>
+          </p:nvPicPr>
+          <p:blipFill>
+            <a:blip r:embed="rId4" cstate="print">
+              <a:extLst>
+                <a:ext uri="{28A0092B-C50C-407E-A947-70E740481C1C}">
+                  <a14:useLocalDpi xmlns:a14="http://schemas.microsoft.com/office/drawing/2010/main" val="0"/>
+                </a:ext>
+              </a:extLst>
+            </a:blip>
+            <a:stretch>
+              <a:fillRect/>
+            </a:stretch>
+          </p:blipFill>
+          <p:spPr>
+            <a:xfrm rot="16817351">
+              <a:off x="7756496" y="1865892"/>
+              <a:ext cx="1337337" cy="1337337"/>
+            </a:xfrm>
+            <a:prstGeom prst="rect">
+              <a:avLst/>
+            </a:prstGeom>
+          </p:spPr>
+        </p:pic>
+      </p:grpSp>
+    </p:spTree>
+    <p:extLst>
+      <p:ext uri="{BB962C8B-B14F-4D97-AF65-F5344CB8AC3E}">
+        <p14:creationId xmlns:p14="http://schemas.microsoft.com/office/powerpoint/2010/main" val="527194644"/>
+      </p:ext>
+    </p:extLst>
+  </p:cSld>
+  <p:clrMapOvr>
+    <a:masterClrMapping/>
+  </p:clrMapOvr>
+  <p:timing>
+    <p:tnLst>
+      <p:par>
+        <p:cTn id="1" dur="indefinite" restart="never" nodeType="tmRoot">
+          <p:childTnLst>
+            <p:seq concurrent="1" nextAc="seek">
+              <p:cTn id="2" dur="indefinite" nodeType="mainSeq">
+                <p:childTnLst>
+                  <p:par>
+                    <p:cTn id="3" fill="hold">
+                      <p:stCondLst>
+                        <p:cond delay="indefinite"/>
+                      </p:stCondLst>
+                      <p:childTnLst>
+                        <p:par>
+                          <p:cTn id="4" fill="hold">
+                            <p:stCondLst>
+                              <p:cond delay="0"/>
+                            </p:stCondLst>
+                            <p:childTnLst>
+                              <p:par>
+                                <p:cTn id="5" presetID="14" presetClass="entr" presetSubtype="10" fill="hold" grpId="0" nodeType="clickEffect">
+                                  <p:stCondLst>
+                                    <p:cond delay="0"/>
+                                  </p:stCondLst>
+                                  <p:childTnLst>
+                                    <p:set>
+                                      <p:cBhvr>
+                                        <p:cTn id="6" dur="1" fill="hold">
+                                          <p:stCondLst>
+                                            <p:cond delay="0"/>
+                                          </p:stCondLst>
+                                        </p:cTn>
+                                        <p:tgtEl>
+                                          <p:spTgt spid="3">
+                                            <p:txEl>
+                                              <p:pRg st="0" end="0"/>
+                                            </p:txEl>
+                                          </p:spTgt>
+                                        </p:tgtEl>
+                                        <p:attrNameLst>
+                                          <p:attrName>style.visibility</p:attrName>
+                                        </p:attrNameLst>
+                                      </p:cBhvr>
+                                      <p:to>
+                                        <p:strVal val="visible"/>
+                                      </p:to>
+                                    </p:set>
+                                    <p:animEffect transition="in" filter="randombar(horizontal)">
+                                      <p:cBhvr>
+                                        <p:cTn id="7" dur="500"/>
+                                        <p:tgtEl>
+                                          <p:spTgt spid="3">
+                                            <p:txEl>
+                                              <p:pRg st="0" end="0"/>
+                                            </p:txEl>
+                                          </p:spTgt>
+                                        </p:tgtEl>
+                                      </p:cBhvr>
+                                    </p:animEffect>
+                                  </p:childTnLst>
+                                </p:cTn>
+                              </p:par>
+                            </p:childTnLst>
+                          </p:cTn>
+                        </p:par>
+                      </p:childTnLst>
+                    </p:cTn>
+                  </p:par>
+                  <p:par>
+                    <p:cTn id="8" fill="hold">
+                      <p:stCondLst>
+                        <p:cond delay="indefinite"/>
+                      </p:stCondLst>
+                      <p:childTnLst>
+                        <p:par>
+                          <p:cTn id="9" fill="hold">
+                            <p:stCondLst>
+                              <p:cond delay="0"/>
+                            </p:stCondLst>
+                            <p:childTnLst>
+                              <p:par>
+                                <p:cTn id="10" presetID="14" presetClass="entr" presetSubtype="10" fill="hold" grpId="0" nodeType="clickEffect">
+                                  <p:stCondLst>
+                                    <p:cond delay="0"/>
+                                  </p:stCondLst>
+                                  <p:childTnLst>
+                                    <p:set>
+                                      <p:cBhvr>
+                                        <p:cTn id="11" dur="1" fill="hold">
+                                          <p:stCondLst>
+                                            <p:cond delay="0"/>
+                                          </p:stCondLst>
+                                        </p:cTn>
+                                        <p:tgtEl>
+                                          <p:spTgt spid="3">
+                                            <p:txEl>
+                                              <p:pRg st="1" end="1"/>
+                                            </p:txEl>
+                                          </p:spTgt>
+                                        </p:tgtEl>
+                                        <p:attrNameLst>
+                                          <p:attrName>style.visibility</p:attrName>
+                                        </p:attrNameLst>
+                                      </p:cBhvr>
+                                      <p:to>
+                                        <p:strVal val="visible"/>
+                                      </p:to>
+                                    </p:set>
+                                    <p:animEffect transition="in" filter="randombar(horizontal)">
+                                      <p:cBhvr>
+                                        <p:cTn id="12" dur="500"/>
+                                        <p:tgtEl>
+                                          <p:spTgt spid="3">
+                                            <p:txEl>
+                                              <p:pRg st="1" end="1"/>
+                                            </p:txEl>
+                                          </p:spTgt>
+                                        </p:tgtEl>
+                                      </p:cBhvr>
+                                    </p:animEffect>
+                                  </p:childTnLst>
+                                </p:cTn>
+                              </p:par>
+                            </p:childTnLst>
+                          </p:cTn>
+                        </p:par>
+                      </p:childTnLst>
+                    </p:cTn>
+                  </p:par>
+                  <p:par>
+                    <p:cTn id="13" fill="hold">
+                      <p:stCondLst>
+                        <p:cond delay="indefinite"/>
+                      </p:stCondLst>
+                      <p:childTnLst>
+                        <p:par>
+                          <p:cTn id="14" fill="hold">
+                            <p:stCondLst>
+                              <p:cond delay="0"/>
+                            </p:stCondLst>
+                            <p:childTnLst>
+                              <p:par>
+                                <p:cTn id="15" presetID="14" presetClass="entr" presetSubtype="10" fill="hold" grpId="0" nodeType="clickEffect">
+                                  <p:stCondLst>
+                                    <p:cond delay="0"/>
+                                  </p:stCondLst>
+                                  <p:childTnLst>
+                                    <p:set>
+                                      <p:cBhvr>
+                                        <p:cTn id="16" dur="1" fill="hold">
+                                          <p:stCondLst>
+                                            <p:cond delay="0"/>
+                                          </p:stCondLst>
+                                        </p:cTn>
+                                        <p:tgtEl>
+                                          <p:spTgt spid="3">
+                                            <p:txEl>
+                                              <p:pRg st="2" end="2"/>
+                                            </p:txEl>
+                                          </p:spTgt>
+                                        </p:tgtEl>
+                                        <p:attrNameLst>
+                                          <p:attrName>style.visibility</p:attrName>
+                                        </p:attrNameLst>
+                                      </p:cBhvr>
+                                      <p:to>
+                                        <p:strVal val="visible"/>
+                                      </p:to>
+                                    </p:set>
+                                    <p:animEffect transition="in" filter="randombar(horizontal)">
+                                      <p:cBhvr>
+                                        <p:cTn id="17" dur="500"/>
+                                        <p:tgtEl>
+                                          <p:spTgt spid="3">
+                                            <p:txEl>
+                                              <p:pRg st="2" end="2"/>
+                                            </p:txEl>
+                                          </p:spTgt>
+                                        </p:tgtEl>
+                                      </p:cBhvr>
+                                    </p:animEffect>
+                                  </p:childTnLst>
+                                </p:cTn>
+                              </p:par>
+                            </p:childTnLst>
+                          </p:cTn>
+                        </p:par>
+                      </p:childTnLst>
+                    </p:cTn>
+                  </p:par>
+                  <p:par>
+                    <p:cTn id="18" fill="hold">
+                      <p:stCondLst>
+                        <p:cond delay="indefinite"/>
+                      </p:stCondLst>
+                      <p:childTnLst>
+                        <p:par>
+                          <p:cTn id="19" fill="hold">
+                            <p:stCondLst>
+                              <p:cond delay="0"/>
+                            </p:stCondLst>
+                            <p:childTnLst>
+                              <p:par>
+                                <p:cTn id="20" presetID="14" presetClass="entr" presetSubtype="10" fill="hold" grpId="0" nodeType="clickEffect">
+                                  <p:stCondLst>
+                                    <p:cond delay="0"/>
+                                  </p:stCondLst>
+                                  <p:childTnLst>
+                                    <p:set>
+                                      <p:cBhvr>
+                                        <p:cTn id="21" dur="1" fill="hold">
+                                          <p:stCondLst>
+                                            <p:cond delay="0"/>
+                                          </p:stCondLst>
+                                        </p:cTn>
+                                        <p:tgtEl>
+                                          <p:spTgt spid="3">
+                                            <p:txEl>
+                                              <p:pRg st="3" end="3"/>
+                                            </p:txEl>
+                                          </p:spTgt>
+                                        </p:tgtEl>
+                                        <p:attrNameLst>
+                                          <p:attrName>style.visibility</p:attrName>
+                                        </p:attrNameLst>
+                                      </p:cBhvr>
+                                      <p:to>
+                                        <p:strVal val="visible"/>
+                                      </p:to>
+                                    </p:set>
+                                    <p:animEffect transition="in" filter="randombar(horizontal)">
+                                      <p:cBhvr>
+                                        <p:cTn id="22" dur="500"/>
+                                        <p:tgtEl>
+                                          <p:spTgt spid="3">
+                                            <p:txEl>
+                                              <p:pRg st="3" end="3"/>
+                                            </p:txEl>
+                                          </p:spTgt>
+                                        </p:tgtEl>
+                                      </p:cBhvr>
+                                    </p:animEffect>
+                                  </p:childTnLst>
+                                </p:cTn>
+                              </p:par>
+                            </p:childTnLst>
+                          </p:cTn>
+                        </p:par>
+                      </p:childTnLst>
+                    </p:cTn>
+                  </p:par>
+                  <p:par>
+                    <p:cTn id="23" fill="hold">
+                      <p:stCondLst>
+                        <p:cond delay="indefinite"/>
+                      </p:stCondLst>
+                      <p:childTnLst>
+                        <p:par>
+                          <p:cTn id="24" fill="hold">
+                            <p:stCondLst>
+                              <p:cond delay="0"/>
+                            </p:stCondLst>
+                            <p:childTnLst>
+                              <p:par>
+                                <p:cTn id="25" presetID="14" presetClass="entr" presetSubtype="10" fill="hold" grpId="0" nodeType="clickEffect">
+                                  <p:stCondLst>
+                                    <p:cond delay="0"/>
+                                  </p:stCondLst>
+                                  <p:childTnLst>
+                                    <p:set>
+                                      <p:cBhvr>
+                                        <p:cTn id="26" dur="1" fill="hold">
+                                          <p:stCondLst>
+                                            <p:cond delay="0"/>
+                                          </p:stCondLst>
+                                        </p:cTn>
+                                        <p:tgtEl>
+                                          <p:spTgt spid="3">
+                                            <p:txEl>
+                                              <p:pRg st="4" end="4"/>
+                                            </p:txEl>
+                                          </p:spTgt>
+                                        </p:tgtEl>
+                                        <p:attrNameLst>
+                                          <p:attrName>style.visibility</p:attrName>
+                                        </p:attrNameLst>
+                                      </p:cBhvr>
+                                      <p:to>
+                                        <p:strVal val="visible"/>
+                                      </p:to>
+                                    </p:set>
+                                    <p:animEffect transition="in" filter="randombar(horizontal)">
+                                      <p:cBhvr>
+                                        <p:cTn id="27" dur="500"/>
+                                        <p:tgtEl>
+                                          <p:spTgt spid="3">
+                                            <p:txEl>
+                                              <p:pRg st="4" end="4"/>
+                                            </p:txEl>
+                                          </p:spTgt>
+                                        </p:tgtEl>
+                                      </p:cBhvr>
+                                    </p:animEffect>
+                                  </p:childTnLst>
+                                </p:cTn>
+                              </p:par>
+                            </p:childTnLst>
+                          </p:cTn>
+                        </p:par>
+                        <p:par>
+                          <p:cTn id="28" fill="hold">
+                            <p:stCondLst>
+                              <p:cond delay="500"/>
+                            </p:stCondLst>
+                            <p:childTnLst>
+                              <p:par>
+                                <p:cTn id="29" presetID="14" presetClass="entr" presetSubtype="10" fill="hold" nodeType="afterEffect">
+                                  <p:stCondLst>
+                                    <p:cond delay="0"/>
+                                  </p:stCondLst>
+                                  <p:childTnLst>
+                                    <p:set>
+                                      <p:cBhvr>
+                                        <p:cTn id="30" dur="1" fill="hold">
+                                          <p:stCondLst>
+                                            <p:cond delay="0"/>
+                                          </p:stCondLst>
+                                        </p:cTn>
+                                        <p:tgtEl>
+                                          <p:spTgt spid="8"/>
+                                        </p:tgtEl>
+                                        <p:attrNameLst>
+                                          <p:attrName>style.visibility</p:attrName>
+                                        </p:attrNameLst>
+                                      </p:cBhvr>
+                                      <p:to>
+                                        <p:strVal val="visible"/>
+                                      </p:to>
+                                    </p:set>
+                                    <p:animEffect transition="in" filter="randombar(horizontal)">
+                                      <p:cBhvr>
+                                        <p:cTn id="31" dur="500"/>
+                                        <p:tgtEl>
+                                          <p:spTgt spid="8"/>
+                                        </p:tgtEl>
+                                      </p:cBhvr>
+                                    </p:animEffect>
+                                  </p:childTnLst>
+                                </p:cTn>
+                              </p:par>
+                            </p:childTnLst>
+                          </p:cTn>
+                        </p:par>
+                      </p:childTnLst>
+                    </p:cTn>
+                  </p:par>
+                </p:childTnLst>
+              </p:cTn>
+              <p:prevCondLst>
+                <p:cond evt="onPrev" delay="0">
+                  <p:tgtEl>
+                    <p:sldTgt/>
+                  </p:tgtEl>
+                </p:cond>
+              </p:prevCondLst>
+              <p:nextCondLst>
+                <p:cond evt="onNext" delay="0">
+                  <p:tgtEl>
+                    <p:sldTgt/>
+                  </p:tgtEl>
+                </p:cond>
+              </p:nextCondLst>
+            </p:seq>
+          </p:childTnLst>
+        </p:cTn>
+      </p:par>
+    </p:tnLst>
+    <p:bldLst>
+      <p:bldP spid="3" grpId="0" build="p"/>
+    </p:bldLst>
+  </p:timing>
+</p:sld>
+</file>
+
+<file path=ppt/slides/slide4.xml><?xml version="1.0" encoding="utf-8"?>
+<p:sld xmlns:a="http://schemas.openxmlformats.org/drawingml/2006/main" xmlns:r="http://schemas.openxmlformats.org/officeDocument/2006/relationships" xmlns:p="http://schemas.openxmlformats.org/presentationml/2006/main">
+  <p:cSld>
+    <p:spTree>
+      <p:nvGrpSpPr>
+        <p:cNvPr id="1" name=""/>
+        <p:cNvGrpSpPr/>
+        <p:nvPr/>
+      </p:nvGrpSpPr>
+      <p:grpSpPr>
+        <a:xfrm>
+          <a:off x="0" y="0"/>
+          <a:ext cx="0" cy="0"/>
+          <a:chOff x="0" y="0"/>
+          <a:chExt cx="0" cy="0"/>
+        </a:xfrm>
+      </p:grpSpPr>
+      <p:sp>
+        <p:nvSpPr>
+          <p:cNvPr id="2" name="タイトル 1"/>
+          <p:cNvSpPr>
+            <a:spLocks noGrp="1"/>
+          </p:cNvSpPr>
+          <p:nvPr>
+            <p:ph type="title"/>
+          </p:nvPr>
+        </p:nvSpPr>
+        <p:spPr/>
+        <p:txBody>
+          <a:bodyPr/>
+          <a:lstStyle/>
+          <a:p>
+            <a:r>
+              <a:rPr lang="ja-JP" altLang="en-US" sz="6600" dirty="0"/>
+              <a:t>刀</a:t>
+            </a:r>
+            <a:r>
+              <a:rPr lang="ja-JP" altLang="en-US" sz="3600" dirty="0"/>
+              <a:t>で</a:t>
+            </a:r>
+            <a:r>
+              <a:rPr lang="ja-JP" altLang="en-US" sz="6600" dirty="0"/>
+              <a:t>すし</a:t>
+            </a:r>
+            <a:endParaRPr kumimoji="1" lang="ja-JP" altLang="en-US" sz="6600" dirty="0"/>
+          </a:p>
+        </p:txBody>
+      </p:sp>
+      <p:grpSp>
+        <p:nvGrpSpPr>
+          <p:cNvPr id="5" name="グループ化 4"/>
+          <p:cNvGrpSpPr/>
+          <p:nvPr/>
+        </p:nvGrpSpPr>
+        <p:grpSpPr>
+          <a:xfrm>
+            <a:off x="2244852" y="2184668"/>
+            <a:ext cx="7702296" cy="4098007"/>
+            <a:chOff x="804672" y="3429000"/>
+            <a:chExt cx="5017008" cy="2669299"/>
+          </a:xfrm>
+        </p:grpSpPr>
+        <p:sp>
+          <p:nvSpPr>
+            <p:cNvPr id="6" name="角丸四角形 5"/>
+            <p:cNvSpPr/>
+            <p:nvPr/>
+          </p:nvSpPr>
+          <p:spPr>
+            <a:xfrm>
+              <a:off x="804672" y="3429000"/>
+              <a:ext cx="5017008" cy="2669299"/>
+            </a:xfrm>
+            <a:prstGeom prst="roundRect">
+              <a:avLst/>
+            </a:prstGeom>
+          </p:spPr>
+          <p:style>
+            <a:lnRef idx="2">
+              <a:schemeClr val="dk1">
+                <a:shade val="50000"/>
+              </a:schemeClr>
+            </a:lnRef>
+            <a:fillRef idx="1">
+              <a:schemeClr val="dk1"/>
+            </a:fillRef>
+            <a:effectRef idx="0">
+              <a:schemeClr val="dk1"/>
+            </a:effectRef>
+            <a:fontRef idx="minor">
+              <a:schemeClr val="lt1"/>
+            </a:fontRef>
+          </p:style>
+          <p:txBody>
+            <a:bodyPr rtlCol="0" anchor="ctr"/>
+            <a:lstStyle/>
+            <a:p>
+              <a:pPr algn="ctr"/>
+              <a:endParaRPr kumimoji="1" lang="ja-JP" altLang="en-US"/>
+            </a:p>
+          </p:txBody>
+        </p:sp>
+        <p:sp>
+          <p:nvSpPr>
+            <p:cNvPr id="7" name="楕円 6"/>
+            <p:cNvSpPr/>
+            <p:nvPr/>
+          </p:nvSpPr>
+          <p:spPr>
+            <a:xfrm>
+              <a:off x="5393436" y="4576197"/>
+              <a:ext cx="374904" cy="374904"/>
+            </a:xfrm>
+            <a:prstGeom prst="ellipse">
+              <a:avLst/>
+            </a:prstGeom>
+          </p:spPr>
+          <p:style>
+            <a:lnRef idx="2">
+              <a:schemeClr val="dk1"/>
+            </a:lnRef>
+            <a:fillRef idx="1">
+              <a:schemeClr val="lt1"/>
+            </a:fillRef>
+            <a:effectRef idx="0">
+              <a:schemeClr val="dk1"/>
+            </a:effectRef>
+            <a:fontRef idx="minor">
+              <a:schemeClr val="dk1"/>
+            </a:fontRef>
+          </p:style>
+          <p:txBody>
+            <a:bodyPr rtlCol="0" anchor="ctr"/>
+            <a:lstStyle/>
+            <a:p>
+              <a:pPr algn="ctr"/>
+              <a:endParaRPr kumimoji="1" lang="ja-JP" altLang="en-US"/>
+            </a:p>
+          </p:txBody>
+        </p:sp>
+        <p:sp>
+          <p:nvSpPr>
+            <p:cNvPr id="8" name="正方形/長方形 7"/>
+            <p:cNvSpPr/>
+            <p:nvPr/>
+          </p:nvSpPr>
+          <p:spPr>
+            <a:xfrm>
+              <a:off x="1073904" y="3620649"/>
+              <a:ext cx="4266192" cy="2286000"/>
+            </a:xfrm>
+            <a:prstGeom prst="rect">
+              <a:avLst/>
+            </a:prstGeom>
+            <a:solidFill>
+              <a:schemeClr val="bg1"/>
+            </a:solidFill>
+            <a:ln>
+              <a:noFill/>
+            </a:ln>
+          </p:spPr>
+          <p:style>
+            <a:lnRef idx="2">
+              <a:schemeClr val="accent5">
+                <a:shade val="50000"/>
+              </a:schemeClr>
+            </a:lnRef>
+            <a:fillRef idx="1">
+              <a:schemeClr val="accent5"/>
+            </a:fillRef>
+            <a:effectRef idx="0">
+              <a:schemeClr val="accent5"/>
+            </a:effectRef>
+            <a:fontRef idx="minor">
+              <a:schemeClr val="lt1"/>
+            </a:fontRef>
+          </p:style>
+          <p:txBody>
+            <a:bodyPr rtlCol="0" anchor="ctr"/>
+            <a:lstStyle/>
+            <a:p>
+              <a:pPr algn="ctr"/>
+              <a:endParaRPr kumimoji="1" lang="ja-JP" altLang="en-US"/>
+            </a:p>
+          </p:txBody>
+        </p:sp>
+        <p:sp>
+          <p:nvSpPr>
+            <p:cNvPr id="9" name="正方形/長方形 8"/>
+            <p:cNvSpPr/>
+            <p:nvPr/>
+          </p:nvSpPr>
+          <p:spPr>
+            <a:xfrm>
+              <a:off x="1066800" y="3620649"/>
+              <a:ext cx="4273296" cy="2286000"/>
+            </a:xfrm>
+            <a:prstGeom prst="rect">
+              <a:avLst/>
+            </a:prstGeom>
+            <a:blipFill dpi="0" rotWithShape="1">
+              <a:blip r:embed="rId2">
+                <a:alphaModFix amt="85000"/>
+              </a:blip>
+              <a:srcRect/>
+              <a:stretch>
+                <a:fillRect/>
+              </a:stretch>
+            </a:blipFill>
+          </p:spPr>
+          <p:style>
+            <a:lnRef idx="2">
+              <a:schemeClr val="accent5">
+                <a:shade val="50000"/>
+              </a:schemeClr>
+            </a:lnRef>
+            <a:fillRef idx="1">
+              <a:schemeClr val="accent5"/>
+            </a:fillRef>
+            <a:effectRef idx="0">
+              <a:schemeClr val="accent5"/>
+            </a:effectRef>
+            <a:fontRef idx="minor">
+              <a:schemeClr val="lt1"/>
+            </a:fontRef>
+          </p:style>
+          <p:txBody>
+            <a:bodyPr rtlCol="0" anchor="ctr"/>
+            <a:lstStyle/>
+            <a:p>
+              <a:pPr algn="ctr"/>
+              <a:endParaRPr kumimoji="1" lang="ja-JP" altLang="en-US"/>
+            </a:p>
+          </p:txBody>
+        </p:sp>
+      </p:grpSp>
+      <p:pic>
+        <p:nvPicPr>
+          <p:cNvPr id="10" name="図 9"/>
+          <p:cNvPicPr>
+            <a:picLocks noChangeAspect="1"/>
+          </p:cNvPicPr>
+          <p:nvPr/>
+        </p:nvPicPr>
+        <p:blipFill>
+          <a:blip r:embed="rId3" cstate="print">
+            <a:extLst>
+              <a:ext uri="{28A0092B-C50C-407E-A947-70E740481C1C}">
+                <a14:useLocalDpi xmlns:a14="http://schemas.microsoft.com/office/drawing/2010/main" val="0"/>
+              </a:ext>
+            </a:extLst>
+          </a:blip>
+          <a:stretch>
+            <a:fillRect/>
+          </a:stretch>
+        </p:blipFill>
+        <p:spPr>
+          <a:xfrm>
+            <a:off x="4537200" y="3096358"/>
+            <a:ext cx="428538" cy="665283"/>
+          </a:xfrm>
+          <a:prstGeom prst="rect">
+            <a:avLst/>
+          </a:prstGeom>
+        </p:spPr>
+      </p:pic>
+      <p:pic>
+        <p:nvPicPr>
+          <p:cNvPr id="11" name="図 10"/>
+          <p:cNvPicPr>
+            <a:picLocks noChangeAspect="1"/>
+          </p:cNvPicPr>
+          <p:nvPr/>
+        </p:nvPicPr>
+        <p:blipFill>
+          <a:blip r:embed="rId4" cstate="print">
+            <a:extLst>
+              <a:ext uri="{28A0092B-C50C-407E-A947-70E740481C1C}">
+                <a14:useLocalDpi xmlns:a14="http://schemas.microsoft.com/office/drawing/2010/main" val="0"/>
+              </a:ext>
+            </a:extLst>
+          </a:blip>
+          <a:stretch>
+            <a:fillRect/>
+          </a:stretch>
+        </p:blipFill>
+        <p:spPr>
+          <a:xfrm rot="19659741" flipH="1">
+            <a:off x="3912457" y="3317749"/>
+            <a:ext cx="1249483" cy="1454467"/>
+          </a:xfrm>
+          <a:prstGeom prst="rect">
+            <a:avLst/>
+          </a:prstGeom>
+        </p:spPr>
+      </p:pic>
+      <p:pic>
+        <p:nvPicPr>
+          <p:cNvPr id="12" name="図 11"/>
+          <p:cNvPicPr>
+            <a:picLocks noChangeAspect="1"/>
+          </p:cNvPicPr>
+          <p:nvPr/>
+        </p:nvPicPr>
+        <p:blipFill>
+          <a:blip r:embed="rId5" cstate="print">
+            <a:extLst>
+              <a:ext uri="{28A0092B-C50C-407E-A947-70E740481C1C}">
+                <a14:useLocalDpi xmlns:a14="http://schemas.microsoft.com/office/drawing/2010/main" val="0"/>
+              </a:ext>
+            </a:extLst>
+          </a:blip>
+          <a:stretch>
+            <a:fillRect/>
+          </a:stretch>
+        </p:blipFill>
+        <p:spPr>
+          <a:xfrm>
+            <a:off x="2268506" y="5820188"/>
+            <a:ext cx="1219202" cy="1219202"/>
+          </a:xfrm>
+          <a:prstGeom prst="rect">
+            <a:avLst/>
+          </a:prstGeom>
+        </p:spPr>
+      </p:pic>
+      <p:cxnSp>
+        <p:nvCxnSpPr>
+          <p:cNvPr id="13" name="直線コネクタ 12"/>
+          <p:cNvCxnSpPr/>
+          <p:nvPr/>
+        </p:nvCxnSpPr>
+        <p:spPr>
+          <a:xfrm>
+            <a:off x="4651350" y="3096356"/>
+            <a:ext cx="2133498" cy="0"/>
+          </a:xfrm>
+          <a:prstGeom prst="line">
+            <a:avLst/>
+          </a:prstGeom>
+          <a:ln w="57150">
+            <a:solidFill>
+              <a:srgbClr val="FF0000"/>
+            </a:solidFill>
+          </a:ln>
+        </p:spPr>
+        <p:style>
+          <a:lnRef idx="1">
+            <a:schemeClr val="accent1"/>
+          </a:lnRef>
+          <a:fillRef idx="0">
+            <a:schemeClr val="accent1"/>
+          </a:fillRef>
+          <a:effectRef idx="0">
+            <a:schemeClr val="accent1"/>
+          </a:effectRef>
+          <a:fontRef idx="minor">
+            <a:schemeClr val="tx1"/>
+          </a:fontRef>
+        </p:style>
+      </p:cxnSp>
+      <p:pic>
+        <p:nvPicPr>
+          <p:cNvPr id="15" name="図 14"/>
+          <p:cNvPicPr>
+            <a:picLocks noChangeAspect="1"/>
+          </p:cNvPicPr>
+          <p:nvPr/>
+        </p:nvPicPr>
+        <p:blipFill>
+          <a:blip r:embed="rId5" cstate="print">
+            <a:extLst>
+              <a:ext uri="{28A0092B-C50C-407E-A947-70E740481C1C}">
+                <a14:useLocalDpi xmlns:a14="http://schemas.microsoft.com/office/drawing/2010/main" val="0"/>
+              </a:ext>
+            </a:extLst>
+          </a:blip>
+          <a:stretch>
+            <a:fillRect/>
+          </a:stretch>
+        </p:blipFill>
+        <p:spPr>
+          <a:xfrm>
+            <a:off x="5323969" y="3323200"/>
+            <a:ext cx="1219202" cy="1219202"/>
+          </a:xfrm>
+          <a:prstGeom prst="rect">
+            <a:avLst/>
+          </a:prstGeom>
+        </p:spPr>
+      </p:pic>
+      <p:pic>
+        <p:nvPicPr>
+          <p:cNvPr id="16" name="図 15"/>
+          <p:cNvPicPr>
+            <a:picLocks noChangeAspect="1"/>
+          </p:cNvPicPr>
+          <p:nvPr/>
+        </p:nvPicPr>
+        <p:blipFill>
+          <a:blip r:embed="rId3" cstate="print">
+            <a:extLst>
+              <a:ext uri="{28A0092B-C50C-407E-A947-70E740481C1C}">
+                <a14:useLocalDpi xmlns:a14="http://schemas.microsoft.com/office/drawing/2010/main" val="0"/>
+              </a:ext>
+            </a:extLst>
+          </a:blip>
+          <a:stretch>
+            <a:fillRect/>
+          </a:stretch>
+        </p:blipFill>
+        <p:spPr>
+          <a:xfrm>
+            <a:off x="5022975" y="3905361"/>
+            <a:ext cx="428538" cy="665283"/>
+          </a:xfrm>
+          <a:prstGeom prst="rect">
+            <a:avLst/>
+          </a:prstGeom>
+        </p:spPr>
+      </p:pic>
+      <p:grpSp>
+        <p:nvGrpSpPr>
+          <p:cNvPr id="23" name="グループ化 22"/>
+          <p:cNvGrpSpPr/>
+          <p:nvPr/>
+        </p:nvGrpSpPr>
+        <p:grpSpPr>
+          <a:xfrm>
+            <a:off x="5536431" y="4982074"/>
+            <a:ext cx="883801" cy="883774"/>
+            <a:chOff x="5536431" y="4982074"/>
+            <a:chExt cx="883801" cy="883774"/>
+          </a:xfrm>
+        </p:grpSpPr>
+        <p:pic>
+          <p:nvPicPr>
+            <p:cNvPr id="22" name="図 21"/>
+            <p:cNvPicPr>
+              <a:picLocks noChangeAspect="1"/>
+            </p:cNvPicPr>
+            <p:nvPr/>
+          </p:nvPicPr>
+          <p:blipFill>
+            <a:blip r:embed="rId6" cstate="print">
+              <a:extLst>
+                <a:ext uri="{28A0092B-C50C-407E-A947-70E740481C1C}">
+                  <a14:useLocalDpi xmlns:a14="http://schemas.microsoft.com/office/drawing/2010/main" val="0"/>
+                </a:ext>
+              </a:extLst>
+            </a:blip>
+            <a:stretch>
+              <a:fillRect/>
+            </a:stretch>
+          </p:blipFill>
+          <p:spPr>
+            <a:xfrm>
+              <a:off x="5536431" y="5135659"/>
+              <a:ext cx="883801" cy="730189"/>
+            </a:xfrm>
+            <a:prstGeom prst="rect">
+              <a:avLst/>
+            </a:prstGeom>
+          </p:spPr>
+        </p:pic>
+        <p:pic>
+          <p:nvPicPr>
+            <p:cNvPr id="20" name="図 19"/>
+            <p:cNvPicPr>
+              <a:picLocks noChangeAspect="1"/>
+            </p:cNvPicPr>
+            <p:nvPr/>
+          </p:nvPicPr>
+          <p:blipFill>
+            <a:blip r:embed="rId7" cstate="print">
+              <a:extLst>
+                <a:ext uri="{28A0092B-C50C-407E-A947-70E740481C1C}">
+                  <a14:useLocalDpi xmlns:a14="http://schemas.microsoft.com/office/drawing/2010/main" val="0"/>
+                </a:ext>
+              </a:extLst>
+            </a:blip>
+            <a:stretch>
+              <a:fillRect/>
+            </a:stretch>
+          </p:blipFill>
+          <p:spPr>
+            <a:xfrm>
+              <a:off x="5592093" y="4982074"/>
+              <a:ext cx="772478" cy="772478"/>
+            </a:xfrm>
+            <a:prstGeom prst="rect">
+              <a:avLst/>
+            </a:prstGeom>
+          </p:spPr>
+        </p:pic>
+      </p:grpSp>
+      <p:pic>
+        <p:nvPicPr>
+          <p:cNvPr id="19" name="図 18"/>
+          <p:cNvPicPr>
+            <a:picLocks noChangeAspect="1"/>
+          </p:cNvPicPr>
+          <p:nvPr/>
+        </p:nvPicPr>
+        <p:blipFill>
+          <a:blip r:embed="rId8" cstate="print">
+            <a:extLst>
+              <a:ext uri="{28A0092B-C50C-407E-A947-70E740481C1C}">
+                <a14:useLocalDpi xmlns:a14="http://schemas.microsoft.com/office/drawing/2010/main" val="0"/>
+              </a:ext>
+            </a:extLst>
+          </a:blip>
+          <a:stretch>
+            <a:fillRect/>
+          </a:stretch>
+        </p:blipFill>
+        <p:spPr>
+          <a:xfrm>
+            <a:off x="5615429" y="3637343"/>
+            <a:ext cx="725806" cy="725806"/>
+          </a:xfrm>
+          <a:prstGeom prst="rect">
+            <a:avLst/>
+          </a:prstGeom>
+        </p:spPr>
+      </p:pic>
+      <p:cxnSp>
+        <p:nvCxnSpPr>
+          <p:cNvPr id="17" name="直線コネクタ 16"/>
+          <p:cNvCxnSpPr/>
+          <p:nvPr/>
+        </p:nvCxnSpPr>
+        <p:spPr>
+          <a:xfrm>
+            <a:off x="5110222" y="3922268"/>
+            <a:ext cx="1592330" cy="155956"/>
+          </a:xfrm>
+          <a:prstGeom prst="line">
+            <a:avLst/>
+          </a:prstGeom>
+          <a:ln w="57150">
+            <a:solidFill>
+              <a:srgbClr val="FF0000"/>
+            </a:solidFill>
+          </a:ln>
+        </p:spPr>
+        <p:style>
+          <a:lnRef idx="1">
+            <a:schemeClr val="accent1"/>
+          </a:lnRef>
+          <a:fillRef idx="0">
+            <a:schemeClr val="accent1"/>
+          </a:fillRef>
+          <a:effectRef idx="0">
+            <a:schemeClr val="accent1"/>
+          </a:effectRef>
+          <a:fontRef idx="minor">
+            <a:schemeClr val="tx1"/>
+          </a:fontRef>
+        </p:style>
+      </p:cxnSp>
+      <p:pic>
+        <p:nvPicPr>
+          <p:cNvPr id="24" name="図 23"/>
+          <p:cNvPicPr>
+            <a:picLocks noChangeAspect="1"/>
+          </p:cNvPicPr>
+          <p:nvPr/>
+        </p:nvPicPr>
+        <p:blipFill>
+          <a:blip r:embed="rId3" cstate="print">
+            <a:extLst>
+              <a:ext uri="{28A0092B-C50C-407E-A947-70E740481C1C}">
+                <a14:useLocalDpi xmlns:a14="http://schemas.microsoft.com/office/drawing/2010/main" val="0"/>
+              </a:ext>
+            </a:extLst>
+          </a:blip>
+          <a:stretch>
+            <a:fillRect/>
+          </a:stretch>
+        </p:blipFill>
+        <p:spPr>
+          <a:xfrm>
+            <a:off x="5230656" y="2927430"/>
+            <a:ext cx="428538" cy="665283"/>
+          </a:xfrm>
+          <a:prstGeom prst="rect">
+            <a:avLst/>
+          </a:prstGeom>
+        </p:spPr>
+      </p:pic>
+      <p:cxnSp>
+        <p:nvCxnSpPr>
+          <p:cNvPr id="25" name="直線コネクタ 24"/>
+          <p:cNvCxnSpPr/>
+          <p:nvPr/>
+        </p:nvCxnSpPr>
+        <p:spPr>
+          <a:xfrm>
+            <a:off x="5317903" y="2944338"/>
+            <a:ext cx="954203" cy="1824907"/>
+          </a:xfrm>
+          <a:prstGeom prst="line">
+            <a:avLst/>
+          </a:prstGeom>
+          <a:ln w="57150">
+            <a:solidFill>
+              <a:srgbClr val="FF0000"/>
+            </a:solidFill>
+          </a:ln>
+        </p:spPr>
+        <p:style>
+          <a:lnRef idx="1">
+            <a:schemeClr val="accent1"/>
+          </a:lnRef>
+          <a:fillRef idx="0">
+            <a:schemeClr val="accent1"/>
+          </a:fillRef>
+          <a:effectRef idx="0">
+            <a:schemeClr val="accent1"/>
+          </a:effectRef>
+          <a:fontRef idx="minor">
+            <a:schemeClr val="tx1"/>
+          </a:fontRef>
+        </p:style>
+      </p:cxnSp>
+      <p:pic>
+        <p:nvPicPr>
+          <p:cNvPr id="29" name="図 28"/>
+          <p:cNvPicPr>
+            <a:picLocks noChangeAspect="1"/>
+          </p:cNvPicPr>
+          <p:nvPr/>
+        </p:nvPicPr>
+        <p:blipFill>
+          <a:blip r:embed="rId9" cstate="print">
+            <a:extLst>
+              <a:ext uri="{28A0092B-C50C-407E-A947-70E740481C1C}">
+                <a14:useLocalDpi xmlns:a14="http://schemas.microsoft.com/office/drawing/2010/main" val="0"/>
+              </a:ext>
+            </a:extLst>
+          </a:blip>
+          <a:stretch>
+            <a:fillRect/>
+          </a:stretch>
+        </p:blipFill>
+        <p:spPr>
+          <a:xfrm>
+            <a:off x="5273209" y="3265283"/>
+            <a:ext cx="1337337" cy="1337337"/>
+          </a:xfrm>
+          <a:prstGeom prst="rect">
+            <a:avLst/>
+          </a:prstGeom>
+        </p:spPr>
+      </p:pic>
+      <p:pic>
+        <p:nvPicPr>
+          <p:cNvPr id="30" name="図 29"/>
+          <p:cNvPicPr>
+            <a:picLocks noChangeAspect="1"/>
+          </p:cNvPicPr>
+          <p:nvPr/>
+        </p:nvPicPr>
+        <p:blipFill>
+          <a:blip r:embed="rId10" cstate="print">
+            <a:extLst>
+              <a:ext uri="{28A0092B-C50C-407E-A947-70E740481C1C}">
+                <a14:useLocalDpi xmlns:a14="http://schemas.microsoft.com/office/drawing/2010/main" val="0"/>
+              </a:ext>
+            </a:extLst>
+          </a:blip>
+          <a:stretch>
+            <a:fillRect/>
+          </a:stretch>
+        </p:blipFill>
+        <p:spPr>
+          <a:xfrm>
+            <a:off x="5279595" y="3265283"/>
+            <a:ext cx="1337337" cy="1337337"/>
+          </a:xfrm>
+          <a:prstGeom prst="rect">
+            <a:avLst/>
+          </a:prstGeom>
+        </p:spPr>
+      </p:pic>
+      <p:pic>
+        <p:nvPicPr>
+          <p:cNvPr id="31" name="図 30"/>
+          <p:cNvPicPr>
+            <a:picLocks noChangeAspect="1"/>
+          </p:cNvPicPr>
+          <p:nvPr/>
+        </p:nvPicPr>
+        <p:blipFill>
+          <a:blip r:embed="rId11">
+            <a:extLst>
+              <a:ext uri="{28A0092B-C50C-407E-A947-70E740481C1C}">
+                <a14:useLocalDpi xmlns:a14="http://schemas.microsoft.com/office/drawing/2010/main" val="0"/>
+              </a:ext>
+            </a:extLst>
+          </a:blip>
+          <a:stretch>
+            <a:fillRect/>
+          </a:stretch>
+        </p:blipFill>
+        <p:spPr>
+          <a:xfrm>
+            <a:off x="0" y="0"/>
+            <a:ext cx="12192000" cy="6858000"/>
+          </a:xfrm>
+          <a:prstGeom prst="rect">
+            <a:avLst/>
+          </a:prstGeom>
+        </p:spPr>
+      </p:pic>
+    </p:spTree>
+    <p:extLst>
+      <p:ext uri="{BB962C8B-B14F-4D97-AF65-F5344CB8AC3E}">
+        <p14:creationId xmlns:p14="http://schemas.microsoft.com/office/powerpoint/2010/main" val="385954447"/>
+      </p:ext>
+    </p:extLst>
+  </p:cSld>
+  <p:clrMapOvr>
+    <a:masterClrMapping/>
+  </p:clrMapOvr>
+  <p:timing>
+    <p:tnLst>
+      <p:par>
+        <p:cTn id="1" dur="indefinite" restart="never" nodeType="tmRoot">
+          <p:childTnLst>
+            <p:seq concurrent="1" nextAc="seek">
+              <p:cTn id="2" dur="indefinite" nodeType="mainSeq">
+                <p:childTnLst>
+                  <p:par>
+                    <p:cTn id="3" fill="hold">
+                      <p:stCondLst>
+                        <p:cond delay="indefinite"/>
+                      </p:stCondLst>
+                      <p:childTnLst>
+                        <p:par>
+                          <p:cTn id="4" fill="hold">
+                            <p:stCondLst>
+                              <p:cond delay="0"/>
+                            </p:stCondLst>
+                            <p:childTnLst>
+                              <p:par>
+                                <p:cTn id="5" presetID="14" presetClass="entr" presetSubtype="10" fill="hold" nodeType="clickEffect">
+                                  <p:stCondLst>
+                                    <p:cond delay="0"/>
+                                  </p:stCondLst>
+                                  <p:childTnLst>
+                                    <p:set>
+                                      <p:cBhvr>
+                                        <p:cTn id="6" dur="1" fill="hold">
+                                          <p:stCondLst>
+                                            <p:cond delay="0"/>
+                                          </p:stCondLst>
+                                        </p:cTn>
+                                        <p:tgtEl>
+                                          <p:spTgt spid="10"/>
+                                        </p:tgtEl>
+                                        <p:attrNameLst>
+                                          <p:attrName>style.visibility</p:attrName>
+                                        </p:attrNameLst>
+                                      </p:cBhvr>
+                                      <p:to>
+                                        <p:strVal val="visible"/>
+                                      </p:to>
+                                    </p:set>
+                                    <p:animEffect transition="in" filter="randombar(horizontal)">
+                                      <p:cBhvr>
+                                        <p:cTn id="7" dur="500"/>
+                                        <p:tgtEl>
+                                          <p:spTgt spid="10"/>
+                                        </p:tgtEl>
+                                      </p:cBhvr>
+                                    </p:animEffect>
+                                  </p:childTnLst>
+                                </p:cTn>
+                              </p:par>
+                            </p:childTnLst>
+                          </p:cTn>
+                        </p:par>
+                        <p:par>
+                          <p:cTn id="8" fill="hold">
+                            <p:stCondLst>
+                              <p:cond delay="500"/>
+                            </p:stCondLst>
+                            <p:childTnLst>
+                              <p:par>
+                                <p:cTn id="9" presetID="42" presetClass="path" presetSubtype="0" accel="50000" decel="50000" fill="hold" nodeType="afterEffect">
+                                  <p:stCondLst>
+                                    <p:cond delay="250"/>
+                                  </p:stCondLst>
+                                  <p:childTnLst>
+                                    <p:animMotion origin="layout" path="M -3.54167E-6 0 L 0.17175 0 " pathEditMode="relative" rAng="0" ptsTypes="AA">
+                                      <p:cBhvr>
+                                        <p:cTn id="10" dur="1500" fill="hold"/>
+                                        <p:tgtEl>
+                                          <p:spTgt spid="10"/>
+                                        </p:tgtEl>
+                                        <p:attrNameLst>
+                                          <p:attrName>ppt_x</p:attrName>
+                                          <p:attrName>ppt_y</p:attrName>
+                                        </p:attrNameLst>
+                                      </p:cBhvr>
+                                      <p:rCtr x="8581" y="0"/>
+                                    </p:animMotion>
+                                  </p:childTnLst>
+                                </p:cTn>
+                              </p:par>
+                              <p:par>
+                                <p:cTn id="11" presetID="22" presetClass="entr" presetSubtype="8" fill="hold" nodeType="withEffect">
+                                  <p:stCondLst>
+                                    <p:cond delay="250"/>
+                                  </p:stCondLst>
+                                  <p:childTnLst>
+                                    <p:set>
+                                      <p:cBhvr>
+                                        <p:cTn id="12" dur="1" fill="hold">
+                                          <p:stCondLst>
+                                            <p:cond delay="0"/>
+                                          </p:stCondLst>
+                                        </p:cTn>
+                                        <p:tgtEl>
+                                          <p:spTgt spid="13"/>
+                                        </p:tgtEl>
+                                        <p:attrNameLst>
+                                          <p:attrName>style.visibility</p:attrName>
+                                        </p:attrNameLst>
+                                      </p:cBhvr>
+                                      <p:to>
+                                        <p:strVal val="visible"/>
+                                      </p:to>
+                                    </p:set>
+                                    <p:animEffect transition="in" filter="wipe(left)">
+                                      <p:cBhvr>
+                                        <p:cTn id="13" dur="1500"/>
+                                        <p:tgtEl>
+                                          <p:spTgt spid="13"/>
+                                        </p:tgtEl>
+                                      </p:cBhvr>
+                                    </p:animEffect>
+                                  </p:childTnLst>
+                                </p:cTn>
+                              </p:par>
+                            </p:childTnLst>
+                          </p:cTn>
+                        </p:par>
+                      </p:childTnLst>
+                    </p:cTn>
+                  </p:par>
+                  <p:par>
+                    <p:cTn id="14" fill="hold">
+                      <p:stCondLst>
+                        <p:cond delay="indefinite"/>
+                      </p:stCondLst>
+                      <p:childTnLst>
+                        <p:par>
+                          <p:cTn id="15" fill="hold">
+                            <p:stCondLst>
+                              <p:cond delay="0"/>
+                            </p:stCondLst>
+                            <p:childTnLst>
+                              <p:par>
+                                <p:cTn id="16" presetID="10" presetClass="entr" presetSubtype="0" fill="hold" nodeType="clickEffect">
+                                  <p:stCondLst>
+                                    <p:cond delay="0"/>
+                                  </p:stCondLst>
+                                  <p:childTnLst>
+                                    <p:set>
+                                      <p:cBhvr>
+                                        <p:cTn id="17" dur="1" fill="hold">
+                                          <p:stCondLst>
+                                            <p:cond delay="0"/>
+                                          </p:stCondLst>
+                                        </p:cTn>
+                                        <p:tgtEl>
+                                          <p:spTgt spid="11"/>
+                                        </p:tgtEl>
+                                        <p:attrNameLst>
+                                          <p:attrName>style.visibility</p:attrName>
+                                        </p:attrNameLst>
+                                      </p:cBhvr>
+                                      <p:to>
+                                        <p:strVal val="visible"/>
+                                      </p:to>
+                                    </p:set>
+                                    <p:animEffect transition="in" filter="fade">
+                                      <p:cBhvr>
+                                        <p:cTn id="18" dur="200"/>
+                                        <p:tgtEl>
+                                          <p:spTgt spid="11"/>
+                                        </p:tgtEl>
+                                      </p:cBhvr>
+                                    </p:animEffect>
+                                  </p:childTnLst>
+                                </p:cTn>
+                              </p:par>
+                            </p:childTnLst>
+                          </p:cTn>
+                        </p:par>
+                        <p:par>
+                          <p:cTn id="19" fill="hold">
+                            <p:stCondLst>
+                              <p:cond delay="200"/>
+                            </p:stCondLst>
+                            <p:childTnLst>
+                              <p:par>
+                                <p:cTn id="20" presetID="42" presetClass="path" presetSubtype="0" accel="50000" decel="50000" fill="hold" nodeType="afterEffect">
+                                  <p:stCondLst>
+                                    <p:cond delay="0"/>
+                                  </p:stCondLst>
+                                  <p:childTnLst>
+                                    <p:animMotion origin="layout" path="M 4.58333E-6 -4.81481E-6 L 0.17239 -0.01435 " pathEditMode="relative" rAng="0" ptsTypes="AA">
+                                      <p:cBhvr>
+                                        <p:cTn id="21" dur="1500" fill="hold"/>
+                                        <p:tgtEl>
+                                          <p:spTgt spid="11"/>
+                                        </p:tgtEl>
+                                        <p:attrNameLst>
+                                          <p:attrName>ppt_x</p:attrName>
+                                          <p:attrName>ppt_y</p:attrName>
+                                        </p:attrNameLst>
+                                      </p:cBhvr>
+                                      <p:rCtr x="8620" y="-718"/>
+                                    </p:animMotion>
+                                  </p:childTnLst>
+                                </p:cTn>
+                              </p:par>
+                            </p:childTnLst>
+                          </p:cTn>
+                        </p:par>
+                      </p:childTnLst>
+                    </p:cTn>
+                  </p:par>
+                  <p:par>
+                    <p:cTn id="22" fill="hold">
+                      <p:stCondLst>
+                        <p:cond delay="indefinite"/>
+                      </p:stCondLst>
+                      <p:childTnLst>
+                        <p:par>
+                          <p:cTn id="23" fill="hold">
+                            <p:stCondLst>
+                              <p:cond delay="0"/>
+                            </p:stCondLst>
+                            <p:childTnLst>
+                              <p:par>
+                                <p:cTn id="24" presetID="22" presetClass="exit" presetSubtype="1" fill="hold" nodeType="clickEffect">
+                                  <p:stCondLst>
+                                    <p:cond delay="0"/>
+                                  </p:stCondLst>
+                                  <p:childTnLst>
+                                    <p:animEffect transition="out" filter="wipe(up)">
+                                      <p:cBhvr>
+                                        <p:cTn id="25" dur="500"/>
+                                        <p:tgtEl>
+                                          <p:spTgt spid="10"/>
+                                        </p:tgtEl>
+                                      </p:cBhvr>
+                                    </p:animEffect>
+                                    <p:set>
+                                      <p:cBhvr>
+                                        <p:cTn id="26" dur="1" fill="hold">
+                                          <p:stCondLst>
+                                            <p:cond delay="499"/>
+                                          </p:stCondLst>
+                                        </p:cTn>
+                                        <p:tgtEl>
+                                          <p:spTgt spid="10"/>
+                                        </p:tgtEl>
+                                        <p:attrNameLst>
+                                          <p:attrName>style.visibility</p:attrName>
+                                        </p:attrNameLst>
+                                      </p:cBhvr>
+                                      <p:to>
+                                        <p:strVal val="hidden"/>
+                                      </p:to>
+                                    </p:set>
+                                  </p:childTnLst>
+                                </p:cTn>
+                              </p:par>
+                              <p:par>
+                                <p:cTn id="27" presetID="22" presetClass="exit" presetSubtype="1" fill="hold" nodeType="withEffect">
+                                  <p:stCondLst>
+                                    <p:cond delay="0"/>
+                                  </p:stCondLst>
+                                  <p:childTnLst>
+                                    <p:animEffect transition="out" filter="wipe(up)">
+                                      <p:cBhvr>
+                                        <p:cTn id="28" dur="500"/>
+                                        <p:tgtEl>
+                                          <p:spTgt spid="11"/>
+                                        </p:tgtEl>
+                                      </p:cBhvr>
+                                    </p:animEffect>
+                                    <p:set>
+                                      <p:cBhvr>
+                                        <p:cTn id="29" dur="1" fill="hold">
+                                          <p:stCondLst>
+                                            <p:cond delay="499"/>
+                                          </p:stCondLst>
+                                        </p:cTn>
+                                        <p:tgtEl>
+                                          <p:spTgt spid="11"/>
+                                        </p:tgtEl>
+                                        <p:attrNameLst>
+                                          <p:attrName>style.visibility</p:attrName>
+                                        </p:attrNameLst>
+                                      </p:cBhvr>
+                                      <p:to>
+                                        <p:strVal val="hidden"/>
+                                      </p:to>
+                                    </p:set>
+                                  </p:childTnLst>
+                                </p:cTn>
+                              </p:par>
+                              <p:par>
+                                <p:cTn id="30" presetID="22" presetClass="exit" presetSubtype="1" fill="hold" nodeType="withEffect">
+                                  <p:stCondLst>
+                                    <p:cond delay="0"/>
+                                  </p:stCondLst>
+                                  <p:childTnLst>
+                                    <p:animEffect transition="out" filter="wipe(up)">
+                                      <p:cBhvr>
+                                        <p:cTn id="31" dur="500"/>
+                                        <p:tgtEl>
+                                          <p:spTgt spid="13"/>
+                                        </p:tgtEl>
+                                      </p:cBhvr>
+                                    </p:animEffect>
+                                    <p:set>
+                                      <p:cBhvr>
+                                        <p:cTn id="32" dur="1" fill="hold">
+                                          <p:stCondLst>
+                                            <p:cond delay="499"/>
+                                          </p:stCondLst>
+                                        </p:cTn>
+                                        <p:tgtEl>
+                                          <p:spTgt spid="13"/>
+                                        </p:tgtEl>
+                                        <p:attrNameLst>
+                                          <p:attrName>style.visibility</p:attrName>
+                                        </p:attrNameLst>
+                                      </p:cBhvr>
+                                      <p:to>
+                                        <p:strVal val="hidden"/>
+                                      </p:to>
+                                    </p:set>
+                                  </p:childTnLst>
+                                </p:cTn>
+                              </p:par>
+                            </p:childTnLst>
+                          </p:cTn>
+                        </p:par>
+                        <p:par>
+                          <p:cTn id="33" fill="hold">
+                            <p:stCondLst>
+                              <p:cond delay="500"/>
+                            </p:stCondLst>
+                            <p:childTnLst>
+                              <p:par>
+                                <p:cTn id="34" presetID="44" presetClass="path" presetSubtype="0" accel="50000" decel="50000" fill="hold" nodeType="afterEffect">
+                                  <p:stCondLst>
+                                    <p:cond delay="500"/>
+                                  </p:stCondLst>
+                                  <p:childTnLst>
+                                    <p:animMotion origin="layout" path="M 2.29167E-6 0 L 0.16315 -0.31829 C 0.19713 -0.38958 0.24817 -0.42778 0.30182 -0.42778 C 0.36276 -0.42778 0.41159 -0.38958 0.44557 -0.31829 L 0.60924 0 " pathEditMode="relative" rAng="0" ptsTypes="AAAAA">
+                                      <p:cBhvr>
+                                        <p:cTn id="35" dur="4000" fill="hold"/>
+                                        <p:tgtEl>
+                                          <p:spTgt spid="12"/>
+                                        </p:tgtEl>
+                                        <p:attrNameLst>
+                                          <p:attrName>ppt_x</p:attrName>
+                                          <p:attrName>ppt_y</p:attrName>
+                                        </p:attrNameLst>
+                                      </p:cBhvr>
+                                      <p:rCtr x="30456" y="-21389"/>
+                                    </p:animMotion>
+                                  </p:childTnLst>
+                                </p:cTn>
+                              </p:par>
+                            </p:childTnLst>
+                          </p:cTn>
+                        </p:par>
+                      </p:childTnLst>
+                    </p:cTn>
+                  </p:par>
+                  <p:par>
+                    <p:cTn id="36" fill="hold">
+                      <p:stCondLst>
+                        <p:cond delay="indefinite"/>
+                      </p:stCondLst>
+                      <p:childTnLst>
+                        <p:par>
+                          <p:cTn id="37" fill="hold">
+                            <p:stCondLst>
+                              <p:cond delay="0"/>
+                            </p:stCondLst>
+                            <p:childTnLst>
+                              <p:par>
+                                <p:cTn id="38" presetID="14" presetClass="entr" presetSubtype="10" fill="hold" nodeType="clickEffect">
+                                  <p:stCondLst>
+                                    <p:cond delay="0"/>
+                                  </p:stCondLst>
+                                  <p:childTnLst>
+                                    <p:set>
+                                      <p:cBhvr>
+                                        <p:cTn id="39" dur="1" fill="hold">
+                                          <p:stCondLst>
+                                            <p:cond delay="0"/>
+                                          </p:stCondLst>
+                                        </p:cTn>
+                                        <p:tgtEl>
+                                          <p:spTgt spid="15"/>
+                                        </p:tgtEl>
+                                        <p:attrNameLst>
+                                          <p:attrName>style.visibility</p:attrName>
+                                        </p:attrNameLst>
+                                      </p:cBhvr>
+                                      <p:to>
+                                        <p:strVal val="visible"/>
+                                      </p:to>
+                                    </p:set>
+                                    <p:animEffect transition="in" filter="randombar(horizontal)">
+                                      <p:cBhvr>
+                                        <p:cTn id="40" dur="500"/>
+                                        <p:tgtEl>
+                                          <p:spTgt spid="15"/>
+                                        </p:tgtEl>
+                                      </p:cBhvr>
+                                    </p:animEffect>
+                                  </p:childTnLst>
+                                </p:cTn>
+                              </p:par>
+                            </p:childTnLst>
+                          </p:cTn>
+                        </p:par>
+                      </p:childTnLst>
+                    </p:cTn>
+                  </p:par>
+                  <p:par>
+                    <p:cTn id="41" fill="hold">
+                      <p:stCondLst>
+                        <p:cond delay="indefinite"/>
+                      </p:stCondLst>
+                      <p:childTnLst>
+                        <p:par>
+                          <p:cTn id="42" fill="hold">
+                            <p:stCondLst>
+                              <p:cond delay="0"/>
+                            </p:stCondLst>
+                            <p:childTnLst>
+                              <p:par>
+                                <p:cTn id="43" presetID="10" presetClass="entr" presetSubtype="0" fill="hold" nodeType="clickEffect">
+                                  <p:stCondLst>
+                                    <p:cond delay="0"/>
+                                  </p:stCondLst>
+                                  <p:childTnLst>
+                                    <p:set>
+                                      <p:cBhvr>
+                                        <p:cTn id="44" dur="1" fill="hold">
+                                          <p:stCondLst>
+                                            <p:cond delay="0"/>
+                                          </p:stCondLst>
+                                        </p:cTn>
+                                        <p:tgtEl>
+                                          <p:spTgt spid="16"/>
+                                        </p:tgtEl>
+                                        <p:attrNameLst>
+                                          <p:attrName>style.visibility</p:attrName>
+                                        </p:attrNameLst>
+                                      </p:cBhvr>
+                                      <p:to>
+                                        <p:strVal val="visible"/>
+                                      </p:to>
+                                    </p:set>
+                                    <p:animEffect transition="in" filter="fade">
+                                      <p:cBhvr>
+                                        <p:cTn id="45" dur="500"/>
+                                        <p:tgtEl>
+                                          <p:spTgt spid="16"/>
+                                        </p:tgtEl>
+                                      </p:cBhvr>
+                                    </p:animEffect>
+                                  </p:childTnLst>
+                                </p:cTn>
+                              </p:par>
+                            </p:childTnLst>
+                          </p:cTn>
+                        </p:par>
+                        <p:par>
+                          <p:cTn id="46" fill="hold">
+                            <p:stCondLst>
+                              <p:cond delay="500"/>
+                            </p:stCondLst>
+                            <p:childTnLst>
+                              <p:par>
+                                <p:cTn id="47" presetID="42" presetClass="path" presetSubtype="0" accel="50000" decel="50000" fill="hold" nodeType="afterEffect">
+                                  <p:stCondLst>
+                                    <p:cond delay="200"/>
+                                  </p:stCondLst>
+                                  <p:childTnLst>
+                                    <p:animMotion origin="layout" path="M 2.70833E-6 -4.07407E-6 L 0.12695 0.01968 " pathEditMode="relative" rAng="0" ptsTypes="AA">
+                                      <p:cBhvr>
+                                        <p:cTn id="48" dur="1000" fill="hold"/>
+                                        <p:tgtEl>
+                                          <p:spTgt spid="16"/>
+                                        </p:tgtEl>
+                                        <p:attrNameLst>
+                                          <p:attrName>ppt_x</p:attrName>
+                                          <p:attrName>ppt_y</p:attrName>
+                                        </p:attrNameLst>
+                                      </p:cBhvr>
+                                      <p:rCtr x="6341" y="972"/>
+                                    </p:animMotion>
+                                  </p:childTnLst>
+                                </p:cTn>
+                              </p:par>
+                              <p:par>
+                                <p:cTn id="49" presetID="22" presetClass="entr" presetSubtype="8" fill="hold" nodeType="withEffect">
+                                  <p:stCondLst>
+                                    <p:cond delay="0"/>
+                                  </p:stCondLst>
+                                  <p:childTnLst>
+                                    <p:set>
+                                      <p:cBhvr>
+                                        <p:cTn id="50" dur="1" fill="hold">
+                                          <p:stCondLst>
+                                            <p:cond delay="0"/>
+                                          </p:stCondLst>
+                                        </p:cTn>
+                                        <p:tgtEl>
+                                          <p:spTgt spid="17"/>
+                                        </p:tgtEl>
+                                        <p:attrNameLst>
+                                          <p:attrName>style.visibility</p:attrName>
+                                        </p:attrNameLst>
+                                      </p:cBhvr>
+                                      <p:to>
+                                        <p:strVal val="visible"/>
+                                      </p:to>
+                                    </p:set>
+                                    <p:animEffect transition="in" filter="wipe(left)">
+                                      <p:cBhvr>
+                                        <p:cTn id="51" dur="1000"/>
+                                        <p:tgtEl>
+                                          <p:spTgt spid="17"/>
+                                        </p:tgtEl>
+                                      </p:cBhvr>
+                                    </p:animEffect>
+                                  </p:childTnLst>
+                                </p:cTn>
+                              </p:par>
+                            </p:childTnLst>
+                          </p:cTn>
+                        </p:par>
+                      </p:childTnLst>
+                    </p:cTn>
+                  </p:par>
+                  <p:par>
+                    <p:cTn id="52" fill="hold">
+                      <p:stCondLst>
+                        <p:cond delay="indefinite"/>
+                      </p:stCondLst>
+                      <p:childTnLst>
+                        <p:par>
+                          <p:cTn id="53" fill="hold">
+                            <p:stCondLst>
+                              <p:cond delay="0"/>
+                            </p:stCondLst>
+                            <p:childTnLst>
+                              <p:par>
+                                <p:cTn id="54" presetID="14" presetClass="exit" presetSubtype="10" fill="hold" nodeType="clickEffect">
+                                  <p:stCondLst>
+                                    <p:cond delay="0"/>
+                                  </p:stCondLst>
+                                  <p:childTnLst>
+                                    <p:animEffect transition="out" filter="randombar(horizontal)">
+                                      <p:cBhvr>
+                                        <p:cTn id="55" dur="500"/>
+                                        <p:tgtEl>
+                                          <p:spTgt spid="15"/>
+                                        </p:tgtEl>
+                                      </p:cBhvr>
+                                    </p:animEffect>
+                                    <p:set>
+                                      <p:cBhvr>
+                                        <p:cTn id="56" dur="1" fill="hold">
+                                          <p:stCondLst>
+                                            <p:cond delay="499"/>
+                                          </p:stCondLst>
+                                        </p:cTn>
+                                        <p:tgtEl>
+                                          <p:spTgt spid="15"/>
+                                        </p:tgtEl>
+                                        <p:attrNameLst>
+                                          <p:attrName>style.visibility</p:attrName>
+                                        </p:attrNameLst>
+                                      </p:cBhvr>
+                                      <p:to>
+                                        <p:strVal val="hidden"/>
+                                      </p:to>
+                                    </p:set>
+                                  </p:childTnLst>
+                                </p:cTn>
+                              </p:par>
+                              <p:par>
+                                <p:cTn id="57" presetID="14" presetClass="entr" presetSubtype="10" fill="hold" nodeType="withEffect">
+                                  <p:stCondLst>
+                                    <p:cond delay="0"/>
+                                  </p:stCondLst>
+                                  <p:childTnLst>
+                                    <p:set>
+                                      <p:cBhvr>
+                                        <p:cTn id="58" dur="1" fill="hold">
+                                          <p:stCondLst>
+                                            <p:cond delay="0"/>
+                                          </p:stCondLst>
+                                        </p:cTn>
+                                        <p:tgtEl>
+                                          <p:spTgt spid="19"/>
+                                        </p:tgtEl>
+                                        <p:attrNameLst>
+                                          <p:attrName>style.visibility</p:attrName>
+                                        </p:attrNameLst>
+                                      </p:cBhvr>
+                                      <p:to>
+                                        <p:strVal val="visible"/>
+                                      </p:to>
+                                    </p:set>
+                                    <p:animEffect transition="in" filter="randombar(horizontal)">
+                                      <p:cBhvr>
+                                        <p:cTn id="59" dur="500"/>
+                                        <p:tgtEl>
+                                          <p:spTgt spid="19"/>
+                                        </p:tgtEl>
+                                      </p:cBhvr>
+                                    </p:animEffect>
+                                  </p:childTnLst>
+                                </p:cTn>
+                              </p:par>
+                            </p:childTnLst>
+                          </p:cTn>
+                        </p:par>
+                        <p:par>
+                          <p:cTn id="60" fill="hold">
+                            <p:stCondLst>
+                              <p:cond delay="500"/>
+                            </p:stCondLst>
+                            <p:childTnLst>
+                              <p:par>
+                                <p:cTn id="61" presetID="10" presetClass="exit" presetSubtype="0" fill="hold" nodeType="afterEffect">
+                                  <p:stCondLst>
+                                    <p:cond delay="0"/>
+                                  </p:stCondLst>
+                                  <p:childTnLst>
+                                    <p:animEffect transition="out" filter="fade">
+                                      <p:cBhvr>
+                                        <p:cTn id="62" dur="500"/>
+                                        <p:tgtEl>
+                                          <p:spTgt spid="16"/>
+                                        </p:tgtEl>
+                                      </p:cBhvr>
+                                    </p:animEffect>
+                                    <p:set>
+                                      <p:cBhvr>
+                                        <p:cTn id="63" dur="1" fill="hold">
+                                          <p:stCondLst>
+                                            <p:cond delay="499"/>
+                                          </p:stCondLst>
+                                        </p:cTn>
+                                        <p:tgtEl>
+                                          <p:spTgt spid="16"/>
+                                        </p:tgtEl>
+                                        <p:attrNameLst>
+                                          <p:attrName>style.visibility</p:attrName>
+                                        </p:attrNameLst>
+                                      </p:cBhvr>
+                                      <p:to>
+                                        <p:strVal val="hidden"/>
+                                      </p:to>
+                                    </p:set>
+                                  </p:childTnLst>
+                                </p:cTn>
+                              </p:par>
+                              <p:par>
+                                <p:cTn id="64" presetID="10" presetClass="exit" presetSubtype="0" fill="hold" nodeType="withEffect">
+                                  <p:stCondLst>
+                                    <p:cond delay="0"/>
+                                  </p:stCondLst>
+                                  <p:childTnLst>
+                                    <p:animEffect transition="out" filter="fade">
+                                      <p:cBhvr>
+                                        <p:cTn id="65" dur="500"/>
+                                        <p:tgtEl>
+                                          <p:spTgt spid="17"/>
+                                        </p:tgtEl>
+                                      </p:cBhvr>
+                                    </p:animEffect>
+                                    <p:set>
+                                      <p:cBhvr>
+                                        <p:cTn id="66" dur="1" fill="hold">
+                                          <p:stCondLst>
+                                            <p:cond delay="499"/>
+                                          </p:stCondLst>
+                                        </p:cTn>
+                                        <p:tgtEl>
+                                          <p:spTgt spid="17"/>
+                                        </p:tgtEl>
+                                        <p:attrNameLst>
+                                          <p:attrName>style.visibility</p:attrName>
+                                        </p:attrNameLst>
+                                      </p:cBhvr>
+                                      <p:to>
+                                        <p:strVal val="hidden"/>
+                                      </p:to>
+                                    </p:set>
+                                  </p:childTnLst>
+                                </p:cTn>
+                              </p:par>
+                              <p:par>
+                                <p:cTn id="67" presetID="22" presetClass="entr" presetSubtype="4" fill="hold" nodeType="withEffect">
+                                  <p:stCondLst>
+                                    <p:cond delay="0"/>
+                                  </p:stCondLst>
+                                  <p:childTnLst>
+                                    <p:set>
+                                      <p:cBhvr>
+                                        <p:cTn id="68" dur="1" fill="hold">
+                                          <p:stCondLst>
+                                            <p:cond delay="0"/>
+                                          </p:stCondLst>
+                                        </p:cTn>
+                                        <p:tgtEl>
+                                          <p:spTgt spid="23"/>
+                                        </p:tgtEl>
+                                        <p:attrNameLst>
+                                          <p:attrName>style.visibility</p:attrName>
+                                        </p:attrNameLst>
+                                      </p:cBhvr>
+                                      <p:to>
+                                        <p:strVal val="visible"/>
+                                      </p:to>
+                                    </p:set>
+                                    <p:animEffect transition="in" filter="wipe(down)">
+                                      <p:cBhvr>
+                                        <p:cTn id="69" dur="500"/>
+                                        <p:tgtEl>
+                                          <p:spTgt spid="23"/>
+                                        </p:tgtEl>
+                                      </p:cBhvr>
+                                    </p:animEffect>
+                                  </p:childTnLst>
+                                </p:cTn>
+                              </p:par>
+                            </p:childTnLst>
+                          </p:cTn>
+                        </p:par>
+                      </p:childTnLst>
+                    </p:cTn>
+                  </p:par>
+                  <p:par>
+                    <p:cTn id="70" fill="hold">
+                      <p:stCondLst>
+                        <p:cond delay="indefinite"/>
+                      </p:stCondLst>
+                      <p:childTnLst>
+                        <p:par>
+                          <p:cTn id="71" fill="hold">
+                            <p:stCondLst>
+                              <p:cond delay="0"/>
+                            </p:stCondLst>
+                            <p:childTnLst>
+                              <p:par>
+                                <p:cTn id="72" presetID="42" presetClass="path" presetSubtype="0" accel="50000" decel="50000" fill="hold" nodeType="clickEffect">
+                                  <p:stCondLst>
+                                    <p:cond delay="0"/>
+                                  </p:stCondLst>
+                                  <p:childTnLst>
+                                    <p:animMotion origin="layout" path="M -4.375E-6 -1.85185E-6 L -4.375E-6 0.19977 " pathEditMode="relative" rAng="0" ptsTypes="AA">
+                                      <p:cBhvr>
+                                        <p:cTn id="73" dur="2000" fill="hold"/>
+                                        <p:tgtEl>
+                                          <p:spTgt spid="19"/>
+                                        </p:tgtEl>
+                                        <p:attrNameLst>
+                                          <p:attrName>ppt_x</p:attrName>
+                                          <p:attrName>ppt_y</p:attrName>
+                                        </p:attrNameLst>
+                                      </p:cBhvr>
+                                      <p:rCtr x="0" y="9977"/>
+                                    </p:animMotion>
+                                  </p:childTnLst>
+                                </p:cTn>
+                              </p:par>
+                            </p:childTnLst>
+                          </p:cTn>
+                        </p:par>
+                      </p:childTnLst>
+                    </p:cTn>
+                  </p:par>
+                  <p:par>
+                    <p:cTn id="74" fill="hold">
+                      <p:stCondLst>
+                        <p:cond delay="indefinite"/>
+                      </p:stCondLst>
+                      <p:childTnLst>
+                        <p:par>
+                          <p:cTn id="75" fill="hold">
+                            <p:stCondLst>
+                              <p:cond delay="0"/>
+                            </p:stCondLst>
+                            <p:childTnLst>
+                              <p:par>
+                                <p:cTn id="76" presetID="21" presetClass="exit" presetSubtype="1" fill="hold" nodeType="clickEffect">
+                                  <p:stCondLst>
+                                    <p:cond delay="0"/>
+                                  </p:stCondLst>
+                                  <p:childTnLst>
+                                    <p:animEffect transition="out" filter="wheel(1)">
+                                      <p:cBhvr>
+                                        <p:cTn id="77" dur="500"/>
+                                        <p:tgtEl>
+                                          <p:spTgt spid="19"/>
+                                        </p:tgtEl>
+                                      </p:cBhvr>
+                                    </p:animEffect>
+                                    <p:set>
+                                      <p:cBhvr>
+                                        <p:cTn id="78" dur="1" fill="hold">
+                                          <p:stCondLst>
+                                            <p:cond delay="499"/>
+                                          </p:stCondLst>
+                                        </p:cTn>
+                                        <p:tgtEl>
+                                          <p:spTgt spid="19"/>
+                                        </p:tgtEl>
+                                        <p:attrNameLst>
+                                          <p:attrName>style.visibility</p:attrName>
+                                        </p:attrNameLst>
+                                      </p:cBhvr>
+                                      <p:to>
+                                        <p:strVal val="hidden"/>
+                                      </p:to>
+                                    </p:set>
+                                  </p:childTnLst>
+                                </p:cTn>
+                              </p:par>
+                              <p:par>
+                                <p:cTn id="79" presetID="21" presetClass="exit" presetSubtype="1" fill="hold" nodeType="withEffect">
+                                  <p:stCondLst>
+                                    <p:cond delay="0"/>
+                                  </p:stCondLst>
+                                  <p:childTnLst>
+                                    <p:animEffect transition="out" filter="wheel(1)">
+                                      <p:cBhvr>
+                                        <p:cTn id="80" dur="500"/>
+                                        <p:tgtEl>
+                                          <p:spTgt spid="23"/>
+                                        </p:tgtEl>
+                                      </p:cBhvr>
+                                    </p:animEffect>
+                                    <p:set>
+                                      <p:cBhvr>
+                                        <p:cTn id="81" dur="1" fill="hold">
+                                          <p:stCondLst>
+                                            <p:cond delay="499"/>
+                                          </p:stCondLst>
+                                        </p:cTn>
+                                        <p:tgtEl>
+                                          <p:spTgt spid="23"/>
+                                        </p:tgtEl>
+                                        <p:attrNameLst>
+                                          <p:attrName>style.visibility</p:attrName>
+                                        </p:attrNameLst>
+                                      </p:cBhvr>
+                                      <p:to>
+                                        <p:strVal val="hidden"/>
+                                      </p:to>
+                                    </p:set>
+                                  </p:childTnLst>
+                                </p:cTn>
+                              </p:par>
+                            </p:childTnLst>
+                          </p:cTn>
+                        </p:par>
+                        <p:par>
+                          <p:cTn id="82" fill="hold">
+                            <p:stCondLst>
+                              <p:cond delay="500"/>
+                            </p:stCondLst>
+                            <p:childTnLst>
+                              <p:par>
+                                <p:cTn id="83" presetID="21" presetClass="entr" presetSubtype="1" fill="hold" nodeType="afterEffect">
+                                  <p:stCondLst>
+                                    <p:cond delay="0"/>
+                                  </p:stCondLst>
+                                  <p:childTnLst>
+                                    <p:set>
+                                      <p:cBhvr>
+                                        <p:cTn id="84" dur="1" fill="hold">
+                                          <p:stCondLst>
+                                            <p:cond delay="0"/>
+                                          </p:stCondLst>
+                                        </p:cTn>
+                                        <p:tgtEl>
+                                          <p:spTgt spid="15"/>
+                                        </p:tgtEl>
+                                        <p:attrNameLst>
+                                          <p:attrName>style.visibility</p:attrName>
+                                        </p:attrNameLst>
+                                      </p:cBhvr>
+                                      <p:to>
+                                        <p:strVal val="visible"/>
+                                      </p:to>
+                                    </p:set>
+                                    <p:animEffect transition="in" filter="wheel(1)">
+                                      <p:cBhvr>
+                                        <p:cTn id="85" dur="500"/>
+                                        <p:tgtEl>
+                                          <p:spTgt spid="15"/>
+                                        </p:tgtEl>
+                                      </p:cBhvr>
+                                    </p:animEffect>
+                                  </p:childTnLst>
+                                </p:cTn>
+                              </p:par>
+                            </p:childTnLst>
+                          </p:cTn>
+                        </p:par>
+                      </p:childTnLst>
+                    </p:cTn>
+                  </p:par>
+                  <p:par>
+                    <p:cTn id="86" fill="hold">
+                      <p:stCondLst>
+                        <p:cond delay="indefinite"/>
+                      </p:stCondLst>
+                      <p:childTnLst>
+                        <p:par>
+                          <p:cTn id="87" fill="hold">
+                            <p:stCondLst>
+                              <p:cond delay="0"/>
+                            </p:stCondLst>
+                            <p:childTnLst>
+                              <p:par>
+                                <p:cTn id="88" presetID="10" presetClass="entr" presetSubtype="0" fill="hold" nodeType="clickEffect">
+                                  <p:stCondLst>
+                                    <p:cond delay="0"/>
+                                  </p:stCondLst>
+                                  <p:childTnLst>
+                                    <p:set>
+                                      <p:cBhvr>
+                                        <p:cTn id="89" dur="1" fill="hold">
+                                          <p:stCondLst>
+                                            <p:cond delay="0"/>
+                                          </p:stCondLst>
+                                        </p:cTn>
+                                        <p:tgtEl>
+                                          <p:spTgt spid="24"/>
+                                        </p:tgtEl>
+                                        <p:attrNameLst>
+                                          <p:attrName>style.visibility</p:attrName>
+                                        </p:attrNameLst>
+                                      </p:cBhvr>
+                                      <p:to>
+                                        <p:strVal val="visible"/>
+                                      </p:to>
+                                    </p:set>
+                                    <p:animEffect transition="in" filter="fade">
+                                      <p:cBhvr>
+                                        <p:cTn id="90" dur="500"/>
+                                        <p:tgtEl>
+                                          <p:spTgt spid="24"/>
+                                        </p:tgtEl>
+                                      </p:cBhvr>
+                                    </p:animEffect>
+                                  </p:childTnLst>
+                                </p:cTn>
+                              </p:par>
+                            </p:childTnLst>
+                          </p:cTn>
+                        </p:par>
+                        <p:par>
+                          <p:cTn id="91" fill="hold">
+                            <p:stCondLst>
+                              <p:cond delay="500"/>
+                            </p:stCondLst>
+                            <p:childTnLst>
+                              <p:par>
+                                <p:cTn id="92" presetID="42" presetClass="path" presetSubtype="0" accel="50000" decel="50000" fill="hold" nodeType="afterEffect">
+                                  <p:stCondLst>
+                                    <p:cond delay="200"/>
+                                  </p:stCondLst>
+                                  <p:childTnLst>
+                                    <p:animMotion origin="layout" path="M -4.58333E-6 -1.48148E-6 L 0.07461 0.25741 " pathEditMode="relative" rAng="0" ptsTypes="AA">
+                                      <p:cBhvr>
+                                        <p:cTn id="93" dur="1000" fill="hold"/>
+                                        <p:tgtEl>
+                                          <p:spTgt spid="24"/>
+                                        </p:tgtEl>
+                                        <p:attrNameLst>
+                                          <p:attrName>ppt_x</p:attrName>
+                                          <p:attrName>ppt_y</p:attrName>
+                                        </p:attrNameLst>
+                                      </p:cBhvr>
+                                      <p:rCtr x="3724" y="12870"/>
+                                    </p:animMotion>
+                                  </p:childTnLst>
+                                </p:cTn>
+                              </p:par>
+                              <p:par>
+                                <p:cTn id="94" presetID="22" presetClass="entr" presetSubtype="8" fill="hold" nodeType="withEffect">
+                                  <p:stCondLst>
+                                    <p:cond delay="0"/>
+                                  </p:stCondLst>
+                                  <p:childTnLst>
+                                    <p:set>
+                                      <p:cBhvr>
+                                        <p:cTn id="95" dur="1" fill="hold">
+                                          <p:stCondLst>
+                                            <p:cond delay="0"/>
+                                          </p:stCondLst>
+                                        </p:cTn>
+                                        <p:tgtEl>
+                                          <p:spTgt spid="25"/>
+                                        </p:tgtEl>
+                                        <p:attrNameLst>
+                                          <p:attrName>style.visibility</p:attrName>
+                                        </p:attrNameLst>
+                                      </p:cBhvr>
+                                      <p:to>
+                                        <p:strVal val="visible"/>
+                                      </p:to>
+                                    </p:set>
+                                    <p:animEffect transition="in" filter="wipe(left)">
+                                      <p:cBhvr>
+                                        <p:cTn id="96" dur="1000"/>
+                                        <p:tgtEl>
+                                          <p:spTgt spid="25"/>
+                                        </p:tgtEl>
+                                      </p:cBhvr>
+                                    </p:animEffect>
+                                  </p:childTnLst>
+                                </p:cTn>
+                              </p:par>
+                            </p:childTnLst>
+                          </p:cTn>
+                        </p:par>
+                        <p:par>
+                          <p:cTn id="97" fill="hold">
+                            <p:stCondLst>
+                              <p:cond delay="1700"/>
+                            </p:stCondLst>
+                            <p:childTnLst>
+                              <p:par>
+                                <p:cTn id="98" presetID="10" presetClass="exit" presetSubtype="0" fill="hold" nodeType="afterEffect">
+                                  <p:stCondLst>
+                                    <p:cond delay="0"/>
+                                  </p:stCondLst>
+                                  <p:childTnLst>
+                                    <p:animEffect transition="out" filter="fade">
+                                      <p:cBhvr>
+                                        <p:cTn id="99" dur="500"/>
+                                        <p:tgtEl>
+                                          <p:spTgt spid="24"/>
+                                        </p:tgtEl>
+                                      </p:cBhvr>
+                                    </p:animEffect>
+                                    <p:set>
+                                      <p:cBhvr>
+                                        <p:cTn id="100" dur="1" fill="hold">
+                                          <p:stCondLst>
+                                            <p:cond delay="499"/>
+                                          </p:stCondLst>
+                                        </p:cTn>
+                                        <p:tgtEl>
+                                          <p:spTgt spid="24"/>
+                                        </p:tgtEl>
+                                        <p:attrNameLst>
+                                          <p:attrName>style.visibility</p:attrName>
+                                        </p:attrNameLst>
+                                      </p:cBhvr>
+                                      <p:to>
+                                        <p:strVal val="hidden"/>
+                                      </p:to>
+                                    </p:set>
+                                  </p:childTnLst>
+                                </p:cTn>
+                              </p:par>
+                              <p:par>
+                                <p:cTn id="101" presetID="10" presetClass="exit" presetSubtype="0" fill="hold" nodeType="withEffect">
+                                  <p:stCondLst>
+                                    <p:cond delay="0"/>
+                                  </p:stCondLst>
+                                  <p:childTnLst>
+                                    <p:animEffect transition="out" filter="fade">
+                                      <p:cBhvr>
+                                        <p:cTn id="102" dur="500"/>
+                                        <p:tgtEl>
+                                          <p:spTgt spid="25"/>
+                                        </p:tgtEl>
+                                      </p:cBhvr>
+                                    </p:animEffect>
+                                    <p:set>
+                                      <p:cBhvr>
+                                        <p:cTn id="103" dur="1" fill="hold">
+                                          <p:stCondLst>
+                                            <p:cond delay="499"/>
+                                          </p:stCondLst>
+                                        </p:cTn>
+                                        <p:tgtEl>
+                                          <p:spTgt spid="25"/>
+                                        </p:tgtEl>
+                                        <p:attrNameLst>
+                                          <p:attrName>style.visibility</p:attrName>
+                                        </p:attrNameLst>
+                                      </p:cBhvr>
+                                      <p:to>
+                                        <p:strVal val="hidden"/>
+                                      </p:to>
+                                    </p:set>
+                                  </p:childTnLst>
+                                </p:cTn>
+                              </p:par>
+                            </p:childTnLst>
+                          </p:cTn>
+                        </p:par>
+                        <p:par>
+                          <p:cTn id="104" fill="hold">
+                            <p:stCondLst>
+                              <p:cond delay="2200"/>
+                            </p:stCondLst>
+                            <p:childTnLst>
+                              <p:par>
+                                <p:cTn id="105" presetID="10" presetClass="exit" presetSubtype="0" fill="hold" nodeType="afterEffect">
+                                  <p:stCondLst>
+                                    <p:cond delay="0"/>
+                                  </p:stCondLst>
+                                  <p:childTnLst>
+                                    <p:animEffect transition="out" filter="fade">
+                                      <p:cBhvr>
+                                        <p:cTn id="106" dur="10"/>
+                                        <p:tgtEl>
+                                          <p:spTgt spid="15"/>
+                                        </p:tgtEl>
+                                      </p:cBhvr>
+                                    </p:animEffect>
+                                    <p:set>
+                                      <p:cBhvr>
+                                        <p:cTn id="107" dur="1" fill="hold">
+                                          <p:stCondLst>
+                                            <p:cond delay="9"/>
+                                          </p:stCondLst>
+                                        </p:cTn>
+                                        <p:tgtEl>
+                                          <p:spTgt spid="15"/>
+                                        </p:tgtEl>
+                                        <p:attrNameLst>
+                                          <p:attrName>style.visibility</p:attrName>
+                                        </p:attrNameLst>
+                                      </p:cBhvr>
+                                      <p:to>
+                                        <p:strVal val="hidden"/>
+                                      </p:to>
+                                    </p:set>
+                                  </p:childTnLst>
+                                </p:cTn>
+                              </p:par>
+                              <p:par>
+                                <p:cTn id="108" presetID="10" presetClass="entr" presetSubtype="0" fill="hold" nodeType="withEffect">
+                                  <p:stCondLst>
+                                    <p:cond delay="0"/>
+                                  </p:stCondLst>
+                                  <p:childTnLst>
+                                    <p:set>
+                                      <p:cBhvr>
+                                        <p:cTn id="109" dur="1" fill="hold">
+                                          <p:stCondLst>
+                                            <p:cond delay="0"/>
+                                          </p:stCondLst>
+                                        </p:cTn>
+                                        <p:tgtEl>
+                                          <p:spTgt spid="29"/>
+                                        </p:tgtEl>
+                                        <p:attrNameLst>
+                                          <p:attrName>style.visibility</p:attrName>
+                                        </p:attrNameLst>
+                                      </p:cBhvr>
+                                      <p:to>
+                                        <p:strVal val="visible"/>
+                                      </p:to>
+                                    </p:set>
+                                    <p:animEffect transition="in" filter="fade">
+                                      <p:cBhvr>
+                                        <p:cTn id="110" dur="10"/>
+                                        <p:tgtEl>
+                                          <p:spTgt spid="29"/>
+                                        </p:tgtEl>
+                                      </p:cBhvr>
+                                    </p:animEffect>
+                                  </p:childTnLst>
+                                </p:cTn>
+                              </p:par>
+                              <p:par>
+                                <p:cTn id="111" presetID="10" presetClass="entr" presetSubtype="0" fill="hold" nodeType="withEffect">
+                                  <p:stCondLst>
+                                    <p:cond delay="0"/>
+                                  </p:stCondLst>
+                                  <p:childTnLst>
+                                    <p:set>
+                                      <p:cBhvr>
+                                        <p:cTn id="112" dur="1" fill="hold">
+                                          <p:stCondLst>
+                                            <p:cond delay="0"/>
+                                          </p:stCondLst>
+                                        </p:cTn>
+                                        <p:tgtEl>
+                                          <p:spTgt spid="30"/>
+                                        </p:tgtEl>
+                                        <p:attrNameLst>
+                                          <p:attrName>style.visibility</p:attrName>
+                                        </p:attrNameLst>
+                                      </p:cBhvr>
+                                      <p:to>
+                                        <p:strVal val="visible"/>
+                                      </p:to>
+                                    </p:set>
+                                    <p:animEffect transition="in" filter="fade">
+                                      <p:cBhvr>
+                                        <p:cTn id="113" dur="10"/>
+                                        <p:tgtEl>
+                                          <p:spTgt spid="30"/>
+                                        </p:tgtEl>
+                                      </p:cBhvr>
+                                    </p:animEffect>
+                                  </p:childTnLst>
+                                </p:cTn>
+                              </p:par>
+                              <p:par>
+                                <p:cTn id="114" presetID="0" presetClass="path" presetSubtype="0" accel="50000" decel="50000" fill="hold" nodeType="withEffect">
+                                  <p:stCondLst>
+                                    <p:cond delay="0"/>
+                                  </p:stCondLst>
+                                  <p:childTnLst>
+                                    <p:animMotion origin="layout" path="M 2.08333E-7 -1.11111E-6 C 0.06706 0.04398 0.13424 0.08796 0.17695 0.23588 C 0.21966 0.3838 0.24349 0.78056 0.25638 0.88796 C 0.2694 0.99514 0.26224 0.9375 0.25495 0.87986 " pathEditMode="relative" rAng="0" ptsTypes="AAAA">
+                                      <p:cBhvr>
+                                        <p:cTn id="115" dur="2000" fill="hold"/>
+                                        <p:tgtEl>
+                                          <p:spTgt spid="29"/>
+                                        </p:tgtEl>
+                                        <p:attrNameLst>
+                                          <p:attrName>ppt_x</p:attrName>
+                                          <p:attrName>ppt_y</p:attrName>
+                                        </p:attrNameLst>
+                                      </p:cBhvr>
+                                      <p:rCtr x="13177" y="47384"/>
+                                    </p:animMotion>
+                                  </p:childTnLst>
+                                </p:cTn>
+                              </p:par>
+                              <p:par>
+                                <p:cTn id="116" presetID="0" presetClass="path" presetSubtype="0" accel="50000" decel="50000" fill="hold" nodeType="withEffect">
+                                  <p:stCondLst>
+                                    <p:cond delay="0"/>
+                                  </p:stCondLst>
+                                  <p:childTnLst>
+                                    <p:animMotion origin="layout" path="M -0.00065 0.00023 C -0.05312 0.05347 -0.1056 0.10671 -0.1418 0.22014 C -0.17786 0.33357 -0.21745 0.68033 -0.21745 0.68056 L -0.21745 0.68033 L -0.21745 0.68056 L -0.21745 0.68033 " pathEditMode="relative" rAng="0" ptsTypes="AAAAAA">
+                                      <p:cBhvr>
+                                        <p:cTn id="117" dur="2000" fill="hold"/>
+                                        <p:tgtEl>
+                                          <p:spTgt spid="30"/>
+                                        </p:tgtEl>
+                                        <p:attrNameLst>
+                                          <p:attrName>ppt_x</p:attrName>
+                                          <p:attrName>ppt_y</p:attrName>
+                                        </p:attrNameLst>
+                                      </p:cBhvr>
+                                      <p:rCtr x="-10846" y="34005"/>
+                                    </p:animMotion>
+                                  </p:childTnLst>
+                                </p:cTn>
+                              </p:par>
+                              <p:par>
+                                <p:cTn id="118" presetID="8" presetClass="emph" presetSubtype="0" fill="hold" nodeType="withEffect">
+                                  <p:stCondLst>
+                                    <p:cond delay="0"/>
+                                  </p:stCondLst>
+                                  <p:childTnLst>
+                                    <p:animRot by="43200000">
+                                      <p:cBhvr>
+                                        <p:cTn id="119" dur="2000" fill="hold"/>
+                                        <p:tgtEl>
+                                          <p:spTgt spid="29"/>
+                                        </p:tgtEl>
+                                        <p:attrNameLst>
+                                          <p:attrName>r</p:attrName>
+                                        </p:attrNameLst>
+                                      </p:cBhvr>
+                                    </p:animRot>
+                                  </p:childTnLst>
+                                </p:cTn>
+                              </p:par>
+                              <p:par>
+                                <p:cTn id="120" presetID="8" presetClass="emph" presetSubtype="0" fill="hold" nodeType="withEffect">
+                                  <p:stCondLst>
+                                    <p:cond delay="0"/>
+                                  </p:stCondLst>
+                                  <p:childTnLst>
+                                    <p:animRot by="43200000">
+                                      <p:cBhvr>
+                                        <p:cTn id="121" dur="2000" fill="hold"/>
+                                        <p:tgtEl>
+                                          <p:spTgt spid="30"/>
+                                        </p:tgtEl>
+                                        <p:attrNameLst>
+                                          <p:attrName>r</p:attrName>
+                                        </p:attrNameLst>
+                                      </p:cBhvr>
+                                    </p:animRot>
+                                  </p:childTnLst>
+                                </p:cTn>
+                              </p:par>
+                            </p:childTnLst>
+                          </p:cTn>
+                        </p:par>
+                      </p:childTnLst>
+                    </p:cTn>
+                  </p:par>
+                </p:childTnLst>
+              </p:cTn>
+              <p:prevCondLst>
+                <p:cond evt="onPrev" delay="0">
+                  <p:tgtEl>
+                    <p:sldTgt/>
+                  </p:tgtEl>
+                </p:cond>
+              </p:prevCondLst>
+              <p:nextCondLst>
+                <p:cond evt="onNext" delay="0">
+                  <p:tgtEl>
+                    <p:sldTgt/>
+                  </p:tgtEl>
+                </p:cond>
+              </p:nextCondLst>
+            </p:seq>
+          </p:childTnLst>
+        </p:cTn>
+      </p:par>
+    </p:tnLst>
+  </p:timing>
+</p:sld>
+</file>
+
+<file path=ppt/slides/slide5.xml><?xml version="1.0" encoding="utf-8"?>
+<p:sld xmlns:a="http://schemas.openxmlformats.org/drawingml/2006/main" xmlns:r="http://schemas.openxmlformats.org/officeDocument/2006/relationships" xmlns:p="http://schemas.openxmlformats.org/presentationml/2006/main">
+  <p:cSld>
+    <p:spTree>
+      <p:nvGrpSpPr>
+        <p:cNvPr id="1" name=""/>
+        <p:cNvGrpSpPr/>
+        <p:nvPr/>
+      </p:nvGrpSpPr>
+      <p:grpSpPr>
+        <a:xfrm>
+          <a:off x="0" y="0"/>
+          <a:ext cx="0" cy="0"/>
+          <a:chOff x="0" y="0"/>
+          <a:chExt cx="0" cy="0"/>
+        </a:xfrm>
+      </p:grpSpPr>
+      <p:sp>
+        <p:nvSpPr>
+          <p:cNvPr id="2" name="タイトル 1"/>
+          <p:cNvSpPr>
+            <a:spLocks noGrp="1"/>
+          </p:cNvSpPr>
+          <p:nvPr>
+            <p:ph type="title"/>
+          </p:nvPr>
+        </p:nvSpPr>
+        <p:spPr/>
+        <p:txBody>
+          <a:bodyPr/>
+          <a:lstStyle/>
+          <a:p>
+            <a:r>
+              <a:rPr lang="ja-JP" altLang="en-US" sz="6600" dirty="0"/>
+              <a:t>刀</a:t>
+            </a:r>
+            <a:r>
+              <a:rPr lang="ja-JP" altLang="en-US" sz="3600" dirty="0" smtClean="0"/>
+              <a:t>で</a:t>
+            </a:r>
+            <a:r>
+              <a:rPr lang="ja-JP" altLang="en-US" sz="6600" dirty="0" smtClean="0"/>
+              <a:t>すし</a:t>
+            </a:r>
+            <a:endParaRPr kumimoji="1" lang="ja-JP" altLang="en-US" sz="6600" dirty="0"/>
+          </a:p>
+        </p:txBody>
+      </p:sp>
+      <p:pic>
+        <p:nvPicPr>
+          <p:cNvPr id="4" name="図 3"/>
+          <p:cNvPicPr>
+            <a:picLocks noChangeAspect="1"/>
+          </p:cNvPicPr>
+          <p:nvPr/>
+        </p:nvPicPr>
+        <p:blipFill>
+          <a:blip r:embed="rId2" cstate="print">
+            <a:extLst>
+              <a:ext uri="{28A0092B-C50C-407E-A947-70E740481C1C}">
+                <a14:useLocalDpi xmlns:a14="http://schemas.microsoft.com/office/drawing/2010/main" val="0"/>
+              </a:ext>
+            </a:extLst>
+          </a:blip>
+          <a:stretch>
+            <a:fillRect/>
+          </a:stretch>
+        </p:blipFill>
+        <p:spPr>
+          <a:xfrm>
+            <a:off x="5300752" y="2903587"/>
+            <a:ext cx="1219202" cy="1219202"/>
+          </a:xfrm>
+          <a:prstGeom prst="rect">
+            <a:avLst/>
+          </a:prstGeom>
+        </p:spPr>
+      </p:pic>
+      <p:pic>
+        <p:nvPicPr>
+          <p:cNvPr id="7" name="図 6"/>
+          <p:cNvPicPr>
+            <a:picLocks noChangeAspect="1"/>
+          </p:cNvPicPr>
+          <p:nvPr/>
+        </p:nvPicPr>
+        <p:blipFill>
+          <a:blip r:embed="rId3" cstate="print">
+            <a:extLst>
+              <a:ext uri="{28A0092B-C50C-407E-A947-70E740481C1C}">
+                <a14:useLocalDpi xmlns:a14="http://schemas.microsoft.com/office/drawing/2010/main" val="0"/>
+              </a:ext>
+            </a:extLst>
+          </a:blip>
+          <a:stretch>
+            <a:fillRect/>
+          </a:stretch>
+        </p:blipFill>
+        <p:spPr>
+          <a:xfrm>
+            <a:off x="5388002" y="5637017"/>
+            <a:ext cx="1044703" cy="863125"/>
+          </a:xfrm>
+          <a:prstGeom prst="rect">
+            <a:avLst/>
+          </a:prstGeom>
+        </p:spPr>
+      </p:pic>
+      <p:pic>
+        <p:nvPicPr>
+          <p:cNvPr id="5" name="図 4"/>
+          <p:cNvPicPr>
+            <a:picLocks noChangeAspect="1"/>
+          </p:cNvPicPr>
+          <p:nvPr/>
+        </p:nvPicPr>
+        <p:blipFill>
+          <a:blip r:embed="rId4" cstate="print">
+            <a:extLst>
+              <a:ext uri="{28A0092B-C50C-407E-A947-70E740481C1C}">
+                <a14:useLocalDpi xmlns:a14="http://schemas.microsoft.com/office/drawing/2010/main" val="0"/>
+              </a:ext>
+            </a:extLst>
+          </a:blip>
+          <a:stretch>
+            <a:fillRect/>
+          </a:stretch>
+        </p:blipFill>
+        <p:spPr>
+          <a:xfrm>
+            <a:off x="5547450" y="4524004"/>
+            <a:ext cx="725806" cy="725806"/>
+          </a:xfrm>
+          <a:prstGeom prst="rect">
+            <a:avLst/>
+          </a:prstGeom>
+        </p:spPr>
+      </p:pic>
+      <p:pic>
+        <p:nvPicPr>
+          <p:cNvPr id="6" name="図 5"/>
+          <p:cNvPicPr>
+            <a:picLocks noChangeAspect="1"/>
+          </p:cNvPicPr>
+          <p:nvPr/>
+        </p:nvPicPr>
+        <p:blipFill>
+          <a:blip r:embed="rId5" cstate="print">
+            <a:extLst>
+              <a:ext uri="{28A0092B-C50C-407E-A947-70E740481C1C}">
+                <a14:useLocalDpi xmlns:a14="http://schemas.microsoft.com/office/drawing/2010/main" val="0"/>
+              </a:ext>
+            </a:extLst>
+          </a:blip>
+          <a:stretch>
+            <a:fillRect/>
+          </a:stretch>
+        </p:blipFill>
+        <p:spPr>
+          <a:xfrm>
+            <a:off x="5524115" y="5556785"/>
+            <a:ext cx="772478" cy="772478"/>
+          </a:xfrm>
+          <a:prstGeom prst="rect">
+            <a:avLst/>
+          </a:prstGeom>
+        </p:spPr>
+      </p:pic>
+      <p:sp>
+        <p:nvSpPr>
+          <p:cNvPr id="9" name="下矢印 8"/>
+          <p:cNvSpPr/>
+          <p:nvPr/>
+        </p:nvSpPr>
+        <p:spPr>
+          <a:xfrm>
+            <a:off x="5820029" y="5220945"/>
+            <a:ext cx="180648" cy="364705"/>
+          </a:xfrm>
+          <a:prstGeom prst="downArrow">
+            <a:avLst/>
+          </a:prstGeom>
+        </p:spPr>
+        <p:style>
+          <a:lnRef idx="2">
+            <a:schemeClr val="accent6">
+              <a:shade val="50000"/>
+            </a:schemeClr>
+          </a:lnRef>
+          <a:fillRef idx="1">
+            <a:schemeClr val="accent6"/>
+          </a:fillRef>
+          <a:effectRef idx="0">
+            <a:schemeClr val="accent6"/>
+          </a:effectRef>
+          <a:fontRef idx="minor">
+            <a:schemeClr val="lt1"/>
+          </a:fontRef>
+        </p:style>
+        <p:txBody>
+          <a:bodyPr rtlCol="0" anchor="ctr"/>
+          <a:lstStyle/>
+          <a:p>
+            <a:pPr algn="ctr"/>
+            <a:endParaRPr kumimoji="1" lang="ja-JP" altLang="en-US"/>
+          </a:p>
+        </p:txBody>
+      </p:sp>
+      <p:grpSp>
+        <p:nvGrpSpPr>
+          <p:cNvPr id="14" name="グループ化 13"/>
+          <p:cNvGrpSpPr/>
+          <p:nvPr/>
+        </p:nvGrpSpPr>
+        <p:grpSpPr>
+          <a:xfrm>
+            <a:off x="7915064" y="4190636"/>
+            <a:ext cx="2004058" cy="1369559"/>
+            <a:chOff x="7364448" y="3557927"/>
+            <a:chExt cx="2004058" cy="1369559"/>
+          </a:xfrm>
+        </p:grpSpPr>
+        <p:pic>
+          <p:nvPicPr>
+            <p:cNvPr id="10" name="図 9"/>
+            <p:cNvPicPr>
+              <a:picLocks noChangeAspect="1"/>
+            </p:cNvPicPr>
+            <p:nvPr/>
+          </p:nvPicPr>
+          <p:blipFill>
+            <a:blip r:embed="rId6" cstate="print">
+              <a:extLst>
+                <a:ext uri="{28A0092B-C50C-407E-A947-70E740481C1C}">
+                  <a14:useLocalDpi xmlns:a14="http://schemas.microsoft.com/office/drawing/2010/main" val="0"/>
+                </a:ext>
+              </a:extLst>
+            </a:blip>
+            <a:stretch>
+              <a:fillRect/>
+            </a:stretch>
+          </p:blipFill>
+          <p:spPr>
+            <a:xfrm rot="1800000">
+              <a:off x="8031169" y="3557927"/>
+              <a:ext cx="1337337" cy="1337337"/>
+            </a:xfrm>
+            <a:prstGeom prst="rect">
+              <a:avLst/>
+            </a:prstGeom>
+          </p:spPr>
+        </p:pic>
+        <p:pic>
+          <p:nvPicPr>
+            <p:cNvPr id="11" name="図 10"/>
+            <p:cNvPicPr>
+              <a:picLocks noChangeAspect="1"/>
+            </p:cNvPicPr>
+            <p:nvPr/>
+          </p:nvPicPr>
+          <p:blipFill>
+            <a:blip r:embed="rId7" cstate="print">
+              <a:extLst>
+                <a:ext uri="{28A0092B-C50C-407E-A947-70E740481C1C}">
+                  <a14:useLocalDpi xmlns:a14="http://schemas.microsoft.com/office/drawing/2010/main" val="0"/>
+                </a:ext>
+              </a:extLst>
+            </a:blip>
+            <a:stretch>
+              <a:fillRect/>
+            </a:stretch>
+          </p:blipFill>
+          <p:spPr>
+            <a:xfrm rot="18900000">
+              <a:off x="7364448" y="3590149"/>
+              <a:ext cx="1337337" cy="1337337"/>
+            </a:xfrm>
+            <a:prstGeom prst="rect">
+              <a:avLst/>
+            </a:prstGeom>
+          </p:spPr>
+        </p:pic>
+      </p:grpSp>
+      <p:pic>
+        <p:nvPicPr>
+          <p:cNvPr id="12" name="図 11"/>
+          <p:cNvPicPr>
+            <a:picLocks noChangeAspect="1"/>
+          </p:cNvPicPr>
+          <p:nvPr/>
+        </p:nvPicPr>
+        <p:blipFill>
+          <a:blip r:embed="rId2" cstate="print">
+            <a:extLst>
+              <a:ext uri="{28A0092B-C50C-407E-A947-70E740481C1C}">
+                <a14:useLocalDpi xmlns:a14="http://schemas.microsoft.com/office/drawing/2010/main" val="0"/>
+              </a:ext>
+            </a:extLst>
+          </a:blip>
+          <a:stretch>
+            <a:fillRect/>
+          </a:stretch>
+        </p:blipFill>
+        <p:spPr>
+          <a:xfrm>
+            <a:off x="8307492" y="2924703"/>
+            <a:ext cx="1219202" cy="1219202"/>
+          </a:xfrm>
+          <a:prstGeom prst="rect">
+            <a:avLst/>
+          </a:prstGeom>
+        </p:spPr>
+      </p:pic>
+      <p:sp>
+        <p:nvSpPr>
+          <p:cNvPr id="15" name="下矢印 14"/>
+          <p:cNvSpPr/>
+          <p:nvPr/>
+        </p:nvSpPr>
+        <p:spPr>
+          <a:xfrm>
+            <a:off x="8826769" y="4180415"/>
+            <a:ext cx="180648" cy="364705"/>
+          </a:xfrm>
+          <a:prstGeom prst="downArrow">
+            <a:avLst/>
+          </a:prstGeom>
+        </p:spPr>
+        <p:style>
+          <a:lnRef idx="2">
+            <a:schemeClr val="accent6">
+              <a:shade val="50000"/>
+            </a:schemeClr>
+          </a:lnRef>
+          <a:fillRef idx="1">
+            <a:schemeClr val="accent6"/>
+          </a:fillRef>
+          <a:effectRef idx="0">
+            <a:schemeClr val="accent6"/>
+          </a:effectRef>
+          <a:fontRef idx="minor">
+            <a:schemeClr val="lt1"/>
+          </a:fontRef>
+        </p:style>
+        <p:txBody>
+          <a:bodyPr rtlCol="0" anchor="ctr"/>
+          <a:lstStyle/>
+          <a:p>
+            <a:pPr algn="ctr"/>
+            <a:endParaRPr kumimoji="1" lang="ja-JP" altLang="en-US"/>
+          </a:p>
+        </p:txBody>
+      </p:sp>
+      <p:sp>
+        <p:nvSpPr>
+          <p:cNvPr id="16" name="下矢印 15"/>
+          <p:cNvSpPr/>
+          <p:nvPr/>
+        </p:nvSpPr>
+        <p:spPr>
+          <a:xfrm>
+            <a:off x="5820029" y="4174156"/>
+            <a:ext cx="180648" cy="364705"/>
+          </a:xfrm>
+          <a:prstGeom prst="downArrow">
+            <a:avLst/>
+          </a:prstGeom>
+        </p:spPr>
+        <p:style>
+          <a:lnRef idx="2">
+            <a:schemeClr val="accent6">
+              <a:shade val="50000"/>
+            </a:schemeClr>
+          </a:lnRef>
+          <a:fillRef idx="1">
+            <a:schemeClr val="accent6"/>
+          </a:fillRef>
+          <a:effectRef idx="0">
+            <a:schemeClr val="accent6"/>
+          </a:effectRef>
+          <a:fontRef idx="minor">
+            <a:schemeClr val="lt1"/>
+          </a:fontRef>
+        </p:style>
+        <p:txBody>
+          <a:bodyPr rtlCol="0" anchor="ctr"/>
+          <a:lstStyle/>
+          <a:p>
+            <a:pPr algn="ctr"/>
+            <a:endParaRPr kumimoji="1" lang="ja-JP" altLang="en-US"/>
+          </a:p>
+        </p:txBody>
+      </p:sp>
+      <p:pic>
+        <p:nvPicPr>
+          <p:cNvPr id="8" name="図 7"/>
+          <p:cNvPicPr>
+            <a:picLocks noChangeAspect="1"/>
+          </p:cNvPicPr>
+          <p:nvPr/>
+        </p:nvPicPr>
+        <p:blipFill>
+          <a:blip r:embed="rId8" cstate="print">
+            <a:extLst>
+              <a:ext uri="{28A0092B-C50C-407E-A947-70E740481C1C}">
+                <a14:useLocalDpi xmlns:a14="http://schemas.microsoft.com/office/drawing/2010/main" val="0"/>
+              </a:ext>
+            </a:extLst>
+          </a:blip>
+          <a:stretch>
+            <a:fillRect/>
+          </a:stretch>
+        </p:blipFill>
+        <p:spPr>
+          <a:xfrm rot="19659741" flipH="1">
+            <a:off x="2389023" y="3737670"/>
+            <a:ext cx="1249483" cy="1454467"/>
+          </a:xfrm>
+          <a:prstGeom prst="rect">
+            <a:avLst/>
+          </a:prstGeom>
+        </p:spPr>
+      </p:pic>
+      <p:pic>
+        <p:nvPicPr>
+          <p:cNvPr id="13" name="図 12"/>
+          <p:cNvPicPr>
+            <a:picLocks noChangeAspect="1"/>
+          </p:cNvPicPr>
+          <p:nvPr/>
+        </p:nvPicPr>
+        <p:blipFill>
+          <a:blip r:embed="rId9" cstate="print">
+            <a:extLst>
+              <a:ext uri="{28A0092B-C50C-407E-A947-70E740481C1C}">
+                <a14:useLocalDpi xmlns:a14="http://schemas.microsoft.com/office/drawing/2010/main" val="0"/>
+              </a:ext>
+            </a:extLst>
+          </a:blip>
+          <a:stretch>
+            <a:fillRect/>
+          </a:stretch>
+        </p:blipFill>
+        <p:spPr>
+          <a:xfrm>
+            <a:off x="3085605" y="3478622"/>
+            <a:ext cx="428538" cy="665283"/>
+          </a:xfrm>
+          <a:prstGeom prst="rect">
+            <a:avLst/>
+          </a:prstGeom>
+        </p:spPr>
+      </p:pic>
+      <p:cxnSp>
+        <p:nvCxnSpPr>
+          <p:cNvPr id="18" name="直線コネクタ 17"/>
+          <p:cNvCxnSpPr/>
+          <p:nvPr/>
+        </p:nvCxnSpPr>
+        <p:spPr>
+          <a:xfrm>
+            <a:off x="4882916" y="3407884"/>
+            <a:ext cx="2098524" cy="297523"/>
+          </a:xfrm>
+          <a:prstGeom prst="line">
+            <a:avLst/>
+          </a:prstGeom>
+          <a:ln w="57150">
+            <a:solidFill>
+              <a:srgbClr val="FF0000"/>
+            </a:solidFill>
+          </a:ln>
+        </p:spPr>
+        <p:style>
+          <a:lnRef idx="1">
+            <a:schemeClr val="accent1"/>
+          </a:lnRef>
+          <a:fillRef idx="0">
+            <a:schemeClr val="accent1"/>
+          </a:fillRef>
+          <a:effectRef idx="0">
+            <a:schemeClr val="accent1"/>
+          </a:effectRef>
+          <a:fontRef idx="minor">
+            <a:schemeClr val="tx1"/>
+          </a:fontRef>
+        </p:style>
+      </p:cxnSp>
+      <p:cxnSp>
+        <p:nvCxnSpPr>
+          <p:cNvPr id="22" name="直線コネクタ 21"/>
+          <p:cNvCxnSpPr/>
+          <p:nvPr/>
+        </p:nvCxnSpPr>
+        <p:spPr>
+          <a:xfrm flipH="1">
+            <a:off x="8099578" y="2924703"/>
+            <a:ext cx="1574380" cy="1255712"/>
+          </a:xfrm>
+          <a:prstGeom prst="line">
+            <a:avLst/>
+          </a:prstGeom>
+          <a:ln w="57150">
+            <a:solidFill>
+              <a:srgbClr val="FF0000"/>
+            </a:solidFill>
+          </a:ln>
+        </p:spPr>
+        <p:style>
+          <a:lnRef idx="1">
+            <a:schemeClr val="accent1"/>
+          </a:lnRef>
+          <a:fillRef idx="0">
+            <a:schemeClr val="accent1"/>
+          </a:fillRef>
+          <a:effectRef idx="0">
+            <a:schemeClr val="accent1"/>
+          </a:effectRef>
+          <a:fontRef idx="minor">
+            <a:schemeClr val="tx1"/>
+          </a:fontRef>
+        </p:style>
+      </p:cxnSp>
+      <p:cxnSp>
+        <p:nvCxnSpPr>
+          <p:cNvPr id="25" name="直線コネクタ 24"/>
+          <p:cNvCxnSpPr/>
+          <p:nvPr/>
+        </p:nvCxnSpPr>
+        <p:spPr>
+          <a:xfrm flipV="1">
+            <a:off x="1427652" y="3513188"/>
+            <a:ext cx="1797311" cy="41269"/>
+          </a:xfrm>
+          <a:prstGeom prst="line">
+            <a:avLst/>
+          </a:prstGeom>
+          <a:ln w="57150">
+            <a:solidFill>
+              <a:srgbClr val="FF0000"/>
+            </a:solidFill>
+          </a:ln>
+        </p:spPr>
+        <p:style>
+          <a:lnRef idx="1">
+            <a:schemeClr val="accent1"/>
+          </a:lnRef>
+          <a:fillRef idx="0">
+            <a:schemeClr val="accent1"/>
+          </a:fillRef>
+          <a:effectRef idx="0">
+            <a:schemeClr val="accent1"/>
+          </a:effectRef>
+          <a:fontRef idx="minor">
+            <a:schemeClr val="tx1"/>
+          </a:fontRef>
+        </p:style>
+      </p:cxnSp>
+      <p:sp>
+        <p:nvSpPr>
+          <p:cNvPr id="32" name="乗算 31"/>
+          <p:cNvSpPr/>
+          <p:nvPr/>
+        </p:nvSpPr>
+        <p:spPr>
+          <a:xfrm>
+            <a:off x="9250453" y="3732795"/>
+            <a:ext cx="1021124" cy="1021124"/>
+          </a:xfrm>
+          <a:prstGeom prst="mathMultiply">
+            <a:avLst>
+              <a:gd name="adj1" fmla="val 13552"/>
+            </a:avLst>
+          </a:prstGeom>
+          <a:solidFill>
+            <a:srgbClr val="FF0000"/>
+          </a:solidFill>
+          <a:ln>
+            <a:solidFill>
+              <a:schemeClr val="tx1">
+                <a:lumMod val="95000"/>
+                <a:lumOff val="5000"/>
+              </a:schemeClr>
+            </a:solidFill>
+          </a:ln>
+        </p:spPr>
+        <p:style>
+          <a:lnRef idx="2">
+            <a:schemeClr val="accent1">
+              <a:shade val="50000"/>
+            </a:schemeClr>
+          </a:lnRef>
+          <a:fillRef idx="1">
+            <a:schemeClr val="accent1"/>
+          </a:fillRef>
+          <a:effectRef idx="0">
+            <a:schemeClr val="accent1"/>
+          </a:effectRef>
+          <a:fontRef idx="minor">
+            <a:schemeClr val="lt1"/>
+          </a:fontRef>
+        </p:style>
+        <p:txBody>
+          <a:bodyPr rtlCol="0" anchor="ctr"/>
+          <a:lstStyle/>
+          <a:p>
+            <a:pPr algn="ctr"/>
+            <a:endParaRPr kumimoji="1" lang="ja-JP" altLang="en-US"/>
+          </a:p>
+        </p:txBody>
+      </p:sp>
+    </p:spTree>
+    <p:extLst>
+      <p:ext uri="{BB962C8B-B14F-4D97-AF65-F5344CB8AC3E}">
+        <p14:creationId xmlns:p14="http://schemas.microsoft.com/office/powerpoint/2010/main" val="2436297975"/>
+      </p:ext>
+    </p:extLst>
+  </p:cSld>
+  <p:clrMapOvr>
+    <a:masterClrMapping/>
+  </p:clrMapOvr>
+  <p:transition spd="slow">
+    <p:randomBar dir="vert"/>
+  </p:transition>
+  <p:timing>
+    <p:tnLst>
+      <p:par>
+        <p:cTn id="1" dur="indefinite" restart="never" nodeType="tmRoot"/>
+      </p:par>
+    </p:tnLst>
+  </p:timing>
+</p:sld>
+</file>
+
+<file path=ppt/slides/slide6.xml><?xml version="1.0" encoding="utf-8"?>
+<p:sld xmlns:a="http://schemas.openxmlformats.org/drawingml/2006/main" xmlns:r="http://schemas.openxmlformats.org/officeDocument/2006/relationships" xmlns:p="http://schemas.openxmlformats.org/presentationml/2006/main">
+  <p:cSld>
+    <p:spTree>
+      <p:nvGrpSpPr>
+        <p:cNvPr id="1" name=""/>
+        <p:cNvGrpSpPr/>
+        <p:nvPr/>
+      </p:nvGrpSpPr>
+      <p:grpSpPr>
+        <a:xfrm>
+          <a:off x="0" y="0"/>
+          <a:ext cx="0" cy="0"/>
+          <a:chOff x="0" y="0"/>
+          <a:chExt cx="0" cy="0"/>
+        </a:xfrm>
+      </p:grpSpPr>
+      <p:sp>
+        <p:nvSpPr>
+          <p:cNvPr id="2" name="タイトル 1"/>
+          <p:cNvSpPr>
+            <a:spLocks noGrp="1"/>
+          </p:cNvSpPr>
+          <p:nvPr>
+            <p:ph type="title"/>
+          </p:nvPr>
+        </p:nvSpPr>
+        <p:spPr/>
+        <p:txBody>
+          <a:bodyPr/>
+          <a:lstStyle/>
+          <a:p>
+            <a:r>
+              <a:rPr kumimoji="1" lang="ja-JP" altLang="en-US" dirty="0" smtClean="0"/>
+              <a:t>様々な魚</a:t>
+            </a:r>
+            <a:endParaRPr kumimoji="1" lang="ja-JP" altLang="en-US" dirty="0"/>
+          </a:p>
+        </p:txBody>
+      </p:sp>
+      <p:pic>
+        <p:nvPicPr>
+          <p:cNvPr id="5" name="コンテンツ プレースホルダー 4"/>
+          <p:cNvPicPr>
+            <a:picLocks noGrp="1" noChangeAspect="1"/>
+          </p:cNvPicPr>
+          <p:nvPr>
+            <p:ph sz="half" idx="1"/>
+          </p:nvPr>
+        </p:nvPicPr>
+        <p:blipFill>
+          <a:blip r:embed="rId2" cstate="print">
+            <a:extLst>
+              <a:ext uri="{28A0092B-C50C-407E-A947-70E740481C1C}">
+                <a14:useLocalDpi xmlns:a14="http://schemas.microsoft.com/office/drawing/2010/main" val="0"/>
+              </a:ext>
+            </a:extLst>
+          </a:blip>
+          <a:stretch>
+            <a:fillRect/>
+          </a:stretch>
+        </p:blipFill>
+        <p:spPr>
+          <a:xfrm>
+            <a:off x="2051271" y="2963860"/>
+            <a:ext cx="1219202" cy="1219202"/>
+          </a:xfrm>
+        </p:spPr>
+      </p:pic>
+      <p:pic>
+        <p:nvPicPr>
+          <p:cNvPr id="6" name="コンテンツ プレースホルダー 5"/>
+          <p:cNvPicPr>
+            <a:picLocks noGrp="1" noChangeAspect="1"/>
+          </p:cNvPicPr>
+          <p:nvPr>
+            <p:ph sz="half" idx="2"/>
+          </p:nvPr>
+        </p:nvPicPr>
+        <p:blipFill>
+          <a:blip r:embed="rId3" cstate="print">
+            <a:extLst>
+              <a:ext uri="{28A0092B-C50C-407E-A947-70E740481C1C}">
+                <a14:useLocalDpi xmlns:a14="http://schemas.microsoft.com/office/drawing/2010/main" val="0"/>
+              </a:ext>
+            </a:extLst>
+          </a:blip>
+          <a:stretch>
+            <a:fillRect/>
+          </a:stretch>
+        </p:blipFill>
+        <p:spPr>
+          <a:xfrm>
+            <a:off x="8214264" y="2963860"/>
+            <a:ext cx="1219202" cy="1219202"/>
+          </a:xfrm>
+        </p:spPr>
+      </p:pic>
+      <p:pic>
+        <p:nvPicPr>
+          <p:cNvPr id="7" name="図 6"/>
+          <p:cNvPicPr>
+            <a:picLocks noChangeAspect="1"/>
+          </p:cNvPicPr>
+          <p:nvPr/>
+        </p:nvPicPr>
+        <p:blipFill>
+          <a:blip r:embed="rId4" cstate="print">
+            <a:extLst>
+              <a:ext uri="{28A0092B-C50C-407E-A947-70E740481C1C}">
+                <a14:useLocalDpi xmlns:a14="http://schemas.microsoft.com/office/drawing/2010/main" val="0"/>
+              </a:ext>
+            </a:extLst>
+          </a:blip>
+          <a:stretch>
+            <a:fillRect/>
+          </a:stretch>
+        </p:blipFill>
+        <p:spPr>
+          <a:xfrm>
+            <a:off x="5132767" y="2963860"/>
+            <a:ext cx="1219202" cy="1219202"/>
+          </a:xfrm>
+          <a:prstGeom prst="rect">
+            <a:avLst/>
+          </a:prstGeom>
+        </p:spPr>
+      </p:pic>
+      <p:sp>
+        <p:nvSpPr>
+          <p:cNvPr id="8" name="楕円 7"/>
+          <p:cNvSpPr/>
+          <p:nvPr/>
+        </p:nvSpPr>
+        <p:spPr>
+          <a:xfrm rot="2571641">
+            <a:off x="8548714" y="3142271"/>
+            <a:ext cx="925592" cy="455788"/>
+          </a:xfrm>
+          <a:prstGeom prst="ellipse">
+            <a:avLst/>
+          </a:prstGeom>
+          <a:noFill/>
+          <a:ln w="38100">
+            <a:solidFill>
+              <a:srgbClr val="0070C0"/>
+            </a:solidFill>
+          </a:ln>
+        </p:spPr>
+        <p:style>
+          <a:lnRef idx="2">
+            <a:schemeClr val="accent1">
+              <a:shade val="50000"/>
+            </a:schemeClr>
+          </a:lnRef>
+          <a:fillRef idx="1">
+            <a:schemeClr val="accent1"/>
+          </a:fillRef>
+          <a:effectRef idx="0">
+            <a:schemeClr val="accent1"/>
+          </a:effectRef>
+          <a:fontRef idx="minor">
+            <a:schemeClr val="lt1"/>
+          </a:fontRef>
+        </p:style>
+        <p:txBody>
+          <a:bodyPr rtlCol="0" anchor="ctr"/>
+          <a:lstStyle/>
+          <a:p>
+            <a:pPr algn="ctr"/>
+            <a:endParaRPr kumimoji="1" lang="ja-JP" altLang="en-US"/>
+          </a:p>
+        </p:txBody>
+      </p:sp>
+      <p:sp>
+        <p:nvSpPr>
+          <p:cNvPr id="9" name="楕円 8"/>
+          <p:cNvSpPr/>
+          <p:nvPr/>
+        </p:nvSpPr>
+        <p:spPr>
+          <a:xfrm>
+            <a:off x="5660136" y="2944490"/>
+            <a:ext cx="585216" cy="575950"/>
+          </a:xfrm>
+          <a:prstGeom prst="ellipse">
+            <a:avLst/>
+          </a:prstGeom>
+          <a:noFill/>
+          <a:ln w="38100">
+            <a:solidFill>
+              <a:srgbClr val="0070C0"/>
+            </a:solidFill>
+          </a:ln>
+        </p:spPr>
+        <p:style>
+          <a:lnRef idx="2">
+            <a:schemeClr val="accent1">
+              <a:shade val="50000"/>
+            </a:schemeClr>
+          </a:lnRef>
+          <a:fillRef idx="1">
+            <a:schemeClr val="accent1"/>
+          </a:fillRef>
+          <a:effectRef idx="0">
+            <a:schemeClr val="accent1"/>
+          </a:effectRef>
+          <a:fontRef idx="minor">
+            <a:schemeClr val="lt1"/>
+          </a:fontRef>
+        </p:style>
+        <p:txBody>
+          <a:bodyPr rtlCol="0" anchor="ctr"/>
+          <a:lstStyle/>
+          <a:p>
+            <a:pPr algn="ctr"/>
+            <a:endParaRPr kumimoji="1" lang="ja-JP" altLang="en-US"/>
+          </a:p>
+        </p:txBody>
+      </p:sp>
+      <p:sp>
+        <p:nvSpPr>
+          <p:cNvPr id="11" name="正方形/長方形 10"/>
+          <p:cNvSpPr/>
+          <p:nvPr/>
+        </p:nvSpPr>
+        <p:spPr>
+          <a:xfrm>
+            <a:off x="2051271" y="3123339"/>
+            <a:ext cx="1121633" cy="218252"/>
+          </a:xfrm>
+          <a:prstGeom prst="rect">
+            <a:avLst/>
+          </a:prstGeom>
+          <a:noFill/>
+          <a:ln w="38100">
+            <a:solidFill>
+              <a:srgbClr val="0070C0"/>
+            </a:solidFill>
+          </a:ln>
+        </p:spPr>
+        <p:style>
+          <a:lnRef idx="2">
+            <a:schemeClr val="accent1">
+              <a:shade val="50000"/>
+            </a:schemeClr>
+          </a:lnRef>
+          <a:fillRef idx="1">
+            <a:schemeClr val="accent1"/>
+          </a:fillRef>
+          <a:effectRef idx="0">
+            <a:schemeClr val="accent1"/>
+          </a:effectRef>
+          <a:fontRef idx="minor">
+            <a:schemeClr val="lt1"/>
+          </a:fontRef>
+        </p:style>
+        <p:txBody>
+          <a:bodyPr rtlCol="0" anchor="ctr"/>
+          <a:lstStyle/>
+          <a:p>
+            <a:pPr algn="ctr"/>
+            <a:endParaRPr kumimoji="1" lang="ja-JP" altLang="en-US"/>
+          </a:p>
+        </p:txBody>
+      </p:sp>
+      <p:sp>
+        <p:nvSpPr>
+          <p:cNvPr id="12" name="正方形/長方形 11"/>
+          <p:cNvSpPr/>
+          <p:nvPr/>
+        </p:nvSpPr>
+        <p:spPr>
+          <a:xfrm>
+            <a:off x="2063946" y="3837342"/>
+            <a:ext cx="1121633" cy="218252"/>
+          </a:xfrm>
+          <a:prstGeom prst="rect">
+            <a:avLst/>
+          </a:prstGeom>
+          <a:noFill/>
+          <a:ln w="38100">
+            <a:solidFill>
+              <a:srgbClr val="0070C0"/>
+            </a:solidFill>
+          </a:ln>
+        </p:spPr>
+        <p:style>
+          <a:lnRef idx="2">
+            <a:schemeClr val="accent1">
+              <a:shade val="50000"/>
+            </a:schemeClr>
+          </a:lnRef>
+          <a:fillRef idx="1">
+            <a:schemeClr val="accent1"/>
+          </a:fillRef>
+          <a:effectRef idx="0">
+            <a:schemeClr val="accent1"/>
+          </a:effectRef>
+          <a:fontRef idx="minor">
+            <a:schemeClr val="lt1"/>
+          </a:fontRef>
+        </p:style>
+        <p:txBody>
+          <a:bodyPr rtlCol="0" anchor="ctr"/>
+          <a:lstStyle/>
+          <a:p>
+            <a:pPr algn="ctr"/>
+            <a:endParaRPr kumimoji="1" lang="ja-JP" altLang="en-US"/>
+          </a:p>
+        </p:txBody>
+      </p:sp>
+      <p:sp>
+        <p:nvSpPr>
+          <p:cNvPr id="13" name="楕円 12"/>
+          <p:cNvSpPr/>
+          <p:nvPr/>
+        </p:nvSpPr>
+        <p:spPr>
+          <a:xfrm>
+            <a:off x="5132767" y="3675888"/>
+            <a:ext cx="1039433" cy="507174"/>
+          </a:xfrm>
+          <a:prstGeom prst="ellipse">
+            <a:avLst/>
+          </a:prstGeom>
+          <a:noFill/>
+          <a:ln w="38100">
+            <a:solidFill>
+              <a:srgbClr val="0070C0"/>
+            </a:solidFill>
+          </a:ln>
+        </p:spPr>
+        <p:style>
+          <a:lnRef idx="2">
+            <a:schemeClr val="accent1">
+              <a:shade val="50000"/>
+            </a:schemeClr>
+          </a:lnRef>
+          <a:fillRef idx="1">
+            <a:schemeClr val="accent1"/>
+          </a:fillRef>
+          <a:effectRef idx="0">
+            <a:schemeClr val="accent1"/>
+          </a:effectRef>
+          <a:fontRef idx="minor">
+            <a:schemeClr val="lt1"/>
+          </a:fontRef>
+        </p:style>
+        <p:txBody>
+          <a:bodyPr rtlCol="0" anchor="ctr"/>
+          <a:lstStyle/>
+          <a:p>
+            <a:pPr algn="ctr"/>
+            <a:endParaRPr kumimoji="1" lang="ja-JP" altLang="en-US"/>
+          </a:p>
+        </p:txBody>
+      </p:sp>
+      <p:cxnSp>
+        <p:nvCxnSpPr>
+          <p:cNvPr id="14" name="直線コネクタ 13"/>
+          <p:cNvCxnSpPr/>
+          <p:nvPr/>
+        </p:nvCxnSpPr>
+        <p:spPr>
+          <a:xfrm>
+            <a:off x="1721297" y="3520440"/>
+            <a:ext cx="1806933" cy="155448"/>
+          </a:xfrm>
+          <a:prstGeom prst="line">
+            <a:avLst/>
+          </a:prstGeom>
+          <a:ln w="57150">
+            <a:solidFill>
+              <a:schemeClr val="accent2">
+                <a:lumMod val="75000"/>
+              </a:schemeClr>
+            </a:solidFill>
+          </a:ln>
+        </p:spPr>
+        <p:style>
+          <a:lnRef idx="1">
+            <a:schemeClr val="accent1"/>
+          </a:lnRef>
+          <a:fillRef idx="0">
+            <a:schemeClr val="accent1"/>
+          </a:fillRef>
+          <a:effectRef idx="0">
+            <a:schemeClr val="accent1"/>
+          </a:effectRef>
+          <a:fontRef idx="minor">
+            <a:schemeClr val="tx1"/>
+          </a:fontRef>
+        </p:style>
+      </p:cxnSp>
+      <p:cxnSp>
+        <p:nvCxnSpPr>
+          <p:cNvPr id="15" name="直線コネクタ 14"/>
+          <p:cNvCxnSpPr/>
+          <p:nvPr/>
+        </p:nvCxnSpPr>
+        <p:spPr>
+          <a:xfrm>
+            <a:off x="4896669" y="3495737"/>
+            <a:ext cx="1806933" cy="155448"/>
+          </a:xfrm>
+          <a:prstGeom prst="line">
+            <a:avLst/>
+          </a:prstGeom>
+          <a:ln w="57150">
+            <a:solidFill>
+              <a:schemeClr val="accent2">
+                <a:lumMod val="75000"/>
+              </a:schemeClr>
+            </a:solidFill>
+          </a:ln>
+        </p:spPr>
+        <p:style>
+          <a:lnRef idx="1">
+            <a:schemeClr val="accent1"/>
+          </a:lnRef>
+          <a:fillRef idx="0">
+            <a:schemeClr val="accent1"/>
+          </a:fillRef>
+          <a:effectRef idx="0">
+            <a:schemeClr val="accent1"/>
+          </a:effectRef>
+          <a:fontRef idx="minor">
+            <a:schemeClr val="tx1"/>
+          </a:fontRef>
+        </p:style>
+      </p:cxnSp>
+      <p:cxnSp>
+        <p:nvCxnSpPr>
+          <p:cNvPr id="16" name="直線コネクタ 15"/>
+          <p:cNvCxnSpPr/>
+          <p:nvPr/>
+        </p:nvCxnSpPr>
+        <p:spPr>
+          <a:xfrm>
+            <a:off x="7776737" y="3370165"/>
+            <a:ext cx="2016487" cy="812897"/>
+          </a:xfrm>
+          <a:prstGeom prst="line">
+            <a:avLst/>
+          </a:prstGeom>
+          <a:ln w="57150">
+            <a:solidFill>
+              <a:schemeClr val="accent2">
+                <a:lumMod val="75000"/>
+              </a:schemeClr>
+            </a:solidFill>
+          </a:ln>
+        </p:spPr>
+        <p:style>
+          <a:lnRef idx="1">
+            <a:schemeClr val="accent1"/>
+          </a:lnRef>
+          <a:fillRef idx="0">
+            <a:schemeClr val="accent1"/>
+          </a:fillRef>
+          <a:effectRef idx="0">
+            <a:schemeClr val="accent1"/>
+          </a:effectRef>
+          <a:fontRef idx="minor">
+            <a:schemeClr val="tx1"/>
+          </a:fontRef>
+        </p:style>
+      </p:cxnSp>
+    </p:spTree>
+    <p:extLst>
+      <p:ext uri="{BB962C8B-B14F-4D97-AF65-F5344CB8AC3E}">
+        <p14:creationId xmlns:p14="http://schemas.microsoft.com/office/powerpoint/2010/main" val="3761124011"/>
+      </p:ext>
+    </p:extLst>
+  </p:cSld>
+  <p:clrMapOvr>
+    <a:masterClrMapping/>
+  </p:clrMapOvr>
+  <p:timing>
+    <p:tnLst>
+      <p:par>
+        <p:cTn id="1" dur="indefinite" restart="never" nodeType="tmRoot"/>
+      </p:par>
+    </p:tnLst>
+  </p:timing>
+</p:sld>
+</file>
+
+<file path=ppt/slides/slide7.xml><?xml version="1.0" encoding="utf-8"?>
 <p:sld xmlns:a="http://schemas.openxmlformats.org/drawingml/2006/main" xmlns:r="http://schemas.openxmlformats.org/officeDocument/2006/relationships" xmlns:p="http://schemas.openxmlformats.org/presentationml/2006/main">
   <p:cSld>
     <p:spTree>
@@ -5480,7 +9944,7 @@
         </p:nvGrpSpPr>
         <p:grpSpPr>
           <a:xfrm>
-            <a:off x="3479882" y="3534702"/>
+            <a:off x="3270379" y="3536967"/>
             <a:ext cx="823653" cy="948144"/>
             <a:chOff x="3428307" y="4492536"/>
             <a:chExt cx="823653" cy="948144"/>
@@ -5793,214 +10257,229 @@
       </p:grpSp>
       <p:grpSp>
         <p:nvGrpSpPr>
-          <p:cNvPr id="36" name="グループ化 35"/>
+          <p:cNvPr id="9" name="グループ化 8"/>
           <p:cNvGrpSpPr/>
           <p:nvPr/>
         </p:nvGrpSpPr>
         <p:grpSpPr>
           <a:xfrm>
-            <a:off x="8770274" y="3524774"/>
-            <a:ext cx="823653" cy="948144"/>
-            <a:chOff x="3428307" y="4492536"/>
-            <a:chExt cx="823653" cy="948144"/>
+            <a:off x="8543017" y="3524774"/>
+            <a:ext cx="1050910" cy="1172009"/>
+            <a:chOff x="8543017" y="3524774"/>
+            <a:chExt cx="1050910" cy="1172009"/>
           </a:xfrm>
         </p:grpSpPr>
-        <p:pic>
-          <p:nvPicPr>
-            <p:cNvPr id="37" name="図 36"/>
-            <p:cNvPicPr>
-              <a:picLocks noChangeAspect="1"/>
-            </p:cNvPicPr>
+        <p:grpSp>
+          <p:nvGrpSpPr>
+            <p:cNvPr id="36" name="グループ化 35"/>
+            <p:cNvGrpSpPr/>
             <p:nvPr/>
-          </p:nvPicPr>
-          <p:blipFill rotWithShape="1">
-            <a:blip r:embed="rId6" cstate="print">
-              <a:extLst>
-                <a:ext uri="{28A0092B-C50C-407E-A947-70E740481C1C}">
-                  <a14:useLocalDpi xmlns:a14="http://schemas.microsoft.com/office/drawing/2010/main" val="0"/>
-                </a:ext>
-              </a:extLst>
-            </a:blip>
-            <a:srcRect l="-1" r="-133464" b="16283"/>
-            <a:stretch/>
-          </p:blipFill>
-          <p:spPr>
+          </p:nvGrpSpPr>
+          <p:grpSpPr>
             <a:xfrm>
-              <a:off x="3428307" y="4492536"/>
+              <a:off x="8770274" y="3524774"/>
               <a:ext cx="823653" cy="948144"/>
+              <a:chOff x="3428307" y="4492536"/>
+              <a:chExt cx="823653" cy="948144"/>
             </a:xfrm>
-            <a:prstGeom prst="rect">
-              <a:avLst/>
-            </a:prstGeom>
-          </p:spPr>
-        </p:pic>
-        <p:pic>
-          <p:nvPicPr>
-            <p:cNvPr id="38" name="図 37"/>
-            <p:cNvPicPr>
-              <a:picLocks noChangeAspect="1"/>
-            </p:cNvPicPr>
+          </p:grpSpPr>
+          <p:pic>
+            <p:nvPicPr>
+              <p:cNvPr id="37" name="図 36"/>
+              <p:cNvPicPr>
+                <a:picLocks noChangeAspect="1"/>
+              </p:cNvPicPr>
+              <p:nvPr/>
+            </p:nvPicPr>
+            <p:blipFill rotWithShape="1">
+              <a:blip r:embed="rId6" cstate="print">
+                <a:extLst>
+                  <a:ext uri="{28A0092B-C50C-407E-A947-70E740481C1C}">
+                    <a14:useLocalDpi xmlns:a14="http://schemas.microsoft.com/office/drawing/2010/main" val="0"/>
+                  </a:ext>
+                </a:extLst>
+              </a:blip>
+              <a:srcRect l="-1" r="-133464" b="16283"/>
+              <a:stretch/>
+            </p:blipFill>
+            <p:spPr>
+              <a:xfrm>
+                <a:off x="3428307" y="4492536"/>
+                <a:ext cx="823653" cy="948144"/>
+              </a:xfrm>
+              <a:prstGeom prst="rect">
+                <a:avLst/>
+              </a:prstGeom>
+            </p:spPr>
+          </p:pic>
+          <p:pic>
+            <p:nvPicPr>
+              <p:cNvPr id="38" name="図 37"/>
+              <p:cNvPicPr>
+                <a:picLocks noChangeAspect="1"/>
+              </p:cNvPicPr>
+              <p:nvPr/>
+            </p:nvPicPr>
+            <p:blipFill rotWithShape="1">
+              <a:blip r:embed="rId6" cstate="print">
+                <a:extLst>
+                  <a:ext uri="{28A0092B-C50C-407E-A947-70E740481C1C}">
+                    <a14:useLocalDpi xmlns:a14="http://schemas.microsoft.com/office/drawing/2010/main" val="0"/>
+                  </a:ext>
+                </a:extLst>
+              </a:blip>
+              <a:srcRect l="-10605" r="-13973" b="21665"/>
+              <a:stretch/>
+            </p:blipFill>
+            <p:spPr>
+              <a:xfrm>
+                <a:off x="3463290" y="4553498"/>
+                <a:ext cx="439501" cy="887182"/>
+              </a:xfrm>
+              <a:prstGeom prst="rect">
+                <a:avLst/>
+              </a:prstGeom>
+            </p:spPr>
+          </p:pic>
+          <p:pic>
+            <p:nvPicPr>
+              <p:cNvPr id="39" name="図 38"/>
+              <p:cNvPicPr>
+                <a:picLocks noChangeAspect="1"/>
+              </p:cNvPicPr>
+              <p:nvPr/>
+            </p:nvPicPr>
+            <p:blipFill rotWithShape="1">
+              <a:blip r:embed="rId6" cstate="print">
+                <a:extLst>
+                  <a:ext uri="{28A0092B-C50C-407E-A947-70E740481C1C}">
+                    <a14:useLocalDpi xmlns:a14="http://schemas.microsoft.com/office/drawing/2010/main" val="0"/>
+                  </a:ext>
+                </a:extLst>
+              </a:blip>
+              <a:srcRect l="1" r="-8192" b="26038"/>
+              <a:stretch/>
+            </p:blipFill>
+            <p:spPr>
+              <a:xfrm>
+                <a:off x="3573089" y="4603030"/>
+                <a:ext cx="381691" cy="837650"/>
+              </a:xfrm>
+              <a:prstGeom prst="rect">
+                <a:avLst/>
+              </a:prstGeom>
+            </p:spPr>
+          </p:pic>
+          <p:pic>
+            <p:nvPicPr>
+              <p:cNvPr id="40" name="図 39"/>
+              <p:cNvPicPr>
+                <a:picLocks noChangeAspect="1"/>
+              </p:cNvPicPr>
+              <p:nvPr/>
+            </p:nvPicPr>
+            <p:blipFill rotWithShape="1">
+              <a:blip r:embed="rId6" cstate="print">
+                <a:extLst>
+                  <a:ext uri="{28A0092B-C50C-407E-A947-70E740481C1C}">
+                    <a14:useLocalDpi xmlns:a14="http://schemas.microsoft.com/office/drawing/2010/main" val="0"/>
+                  </a:ext>
+                </a:extLst>
+              </a:blip>
+              <a:srcRect l="1" t="-1" r="-65266" b="31417"/>
+              <a:stretch/>
+            </p:blipFill>
+            <p:spPr>
+              <a:xfrm>
+                <a:off x="3644195" y="4661452"/>
+                <a:ext cx="584906" cy="779228"/>
+              </a:xfrm>
+              <a:prstGeom prst="rect">
+                <a:avLst/>
+              </a:prstGeom>
+            </p:spPr>
+          </p:pic>
+        </p:grpSp>
+        <p:grpSp>
+          <p:nvGrpSpPr>
+            <p:cNvPr id="45" name="グループ化 44"/>
+            <p:cNvGrpSpPr/>
             <p:nvPr/>
-          </p:nvPicPr>
-          <p:blipFill rotWithShape="1">
-            <a:blip r:embed="rId6" cstate="print">
-              <a:extLst>
-                <a:ext uri="{28A0092B-C50C-407E-A947-70E740481C1C}">
-                  <a14:useLocalDpi xmlns:a14="http://schemas.microsoft.com/office/drawing/2010/main" val="0"/>
-                </a:ext>
-              </a:extLst>
-            </a:blip>
-            <a:srcRect l="-10605" r="-13973" b="21665"/>
-            <a:stretch/>
-          </p:blipFill>
-          <p:spPr>
+          </p:nvGrpSpPr>
+          <p:grpSpPr>
             <a:xfrm>
-              <a:off x="3463290" y="4553498"/>
-              <a:ext cx="439501" cy="887182"/>
+              <a:off x="8543017" y="3859375"/>
+              <a:ext cx="1028051" cy="837408"/>
+              <a:chOff x="7841468" y="6020592"/>
+              <a:chExt cx="1028051" cy="837408"/>
             </a:xfrm>
-            <a:prstGeom prst="rect">
-              <a:avLst/>
-            </a:prstGeom>
-          </p:spPr>
-        </p:pic>
-        <p:pic>
-          <p:nvPicPr>
-            <p:cNvPr id="39" name="図 38"/>
-            <p:cNvPicPr>
-              <a:picLocks noChangeAspect="1"/>
-            </p:cNvPicPr>
-            <p:nvPr/>
-          </p:nvPicPr>
-          <p:blipFill rotWithShape="1">
-            <a:blip r:embed="rId6" cstate="print">
-              <a:extLst>
-                <a:ext uri="{28A0092B-C50C-407E-A947-70E740481C1C}">
-                  <a14:useLocalDpi xmlns:a14="http://schemas.microsoft.com/office/drawing/2010/main" val="0"/>
-                </a:ext>
-              </a:extLst>
-            </a:blip>
-            <a:srcRect l="1" r="-8192" b="26038"/>
-            <a:stretch/>
-          </p:blipFill>
-          <p:spPr>
-            <a:xfrm>
-              <a:off x="3573089" y="4603030"/>
-              <a:ext cx="381691" cy="837650"/>
-            </a:xfrm>
-            <a:prstGeom prst="rect">
-              <a:avLst/>
-            </a:prstGeom>
-          </p:spPr>
-        </p:pic>
-        <p:pic>
-          <p:nvPicPr>
-            <p:cNvPr id="40" name="図 39"/>
-            <p:cNvPicPr>
-              <a:picLocks noChangeAspect="1"/>
-            </p:cNvPicPr>
-            <p:nvPr/>
-          </p:nvPicPr>
-          <p:blipFill rotWithShape="1">
-            <a:blip r:embed="rId6" cstate="print">
-              <a:extLst>
-                <a:ext uri="{28A0092B-C50C-407E-A947-70E740481C1C}">
-                  <a14:useLocalDpi xmlns:a14="http://schemas.microsoft.com/office/drawing/2010/main" val="0"/>
-                </a:ext>
-              </a:extLst>
-            </a:blip>
-            <a:srcRect l="1" t="-1" r="-65266" b="31417"/>
-            <a:stretch/>
-          </p:blipFill>
-          <p:spPr>
-            <a:xfrm>
-              <a:off x="3644195" y="4661452"/>
-              <a:ext cx="584906" cy="779228"/>
-            </a:xfrm>
-            <a:prstGeom prst="rect">
-              <a:avLst/>
-            </a:prstGeom>
-          </p:spPr>
-        </p:pic>
-      </p:grpSp>
-      <p:grpSp>
-        <p:nvGrpSpPr>
-          <p:cNvPr id="45" name="グループ化 44"/>
-          <p:cNvGrpSpPr/>
-          <p:nvPr/>
-        </p:nvGrpSpPr>
-        <p:grpSpPr>
-          <a:xfrm>
-            <a:off x="8543017" y="3859375"/>
-            <a:ext cx="1028051" cy="837408"/>
-            <a:chOff x="7841468" y="6020592"/>
-            <a:chExt cx="1028051" cy="837408"/>
-          </a:xfrm>
-        </p:grpSpPr>
-        <p:cxnSp>
-          <p:nvCxnSpPr>
-            <p:cNvPr id="43" name="直線コネクタ 42"/>
-            <p:cNvCxnSpPr/>
-            <p:nvPr/>
-          </p:nvCxnSpPr>
-          <p:spPr>
-            <a:xfrm>
-              <a:off x="7841468" y="6020592"/>
-              <a:ext cx="1018686" cy="91441"/>
-            </a:xfrm>
-            <a:prstGeom prst="line">
-              <a:avLst/>
-            </a:prstGeom>
-            <a:ln w="38100">
-              <a:solidFill>
-                <a:srgbClr val="FF0000"/>
-              </a:solidFill>
-            </a:ln>
-          </p:spPr>
-          <p:style>
-            <a:lnRef idx="1">
-              <a:schemeClr val="accent1"/>
-            </a:lnRef>
-            <a:fillRef idx="0">
-              <a:schemeClr val="accent1"/>
-            </a:fillRef>
-            <a:effectRef idx="0">
-              <a:schemeClr val="accent1"/>
-            </a:effectRef>
-            <a:fontRef idx="minor">
-              <a:schemeClr val="tx1"/>
-            </a:fontRef>
-          </p:style>
-        </p:cxnSp>
-        <p:pic>
-          <p:nvPicPr>
-            <p:cNvPr id="44" name="図 43"/>
-            <p:cNvPicPr>
-              <a:picLocks noChangeAspect="1"/>
-            </p:cNvPicPr>
-            <p:nvPr/>
-          </p:nvPicPr>
-          <p:blipFill>
-            <a:blip r:embed="rId5" cstate="print">
-              <a:extLst>
-                <a:ext uri="{28A0092B-C50C-407E-A947-70E740481C1C}">
-                  <a14:useLocalDpi xmlns:a14="http://schemas.microsoft.com/office/drawing/2010/main" val="0"/>
-                </a:ext>
-              </a:extLst>
-            </a:blip>
-            <a:stretch>
-              <a:fillRect/>
-            </a:stretch>
-          </p:blipFill>
-          <p:spPr>
-            <a:xfrm rot="21422781" flipH="1">
-              <a:off x="8242153" y="6127711"/>
-              <a:ext cx="627366" cy="730289"/>
-            </a:xfrm>
-            <a:prstGeom prst="rect">
-              <a:avLst/>
-            </a:prstGeom>
-          </p:spPr>
-        </p:pic>
+          </p:grpSpPr>
+          <p:cxnSp>
+            <p:nvCxnSpPr>
+              <p:cNvPr id="43" name="直線コネクタ 42"/>
+              <p:cNvCxnSpPr/>
+              <p:nvPr/>
+            </p:nvCxnSpPr>
+            <p:spPr>
+              <a:xfrm>
+                <a:off x="7841468" y="6020592"/>
+                <a:ext cx="1018686" cy="91441"/>
+              </a:xfrm>
+              <a:prstGeom prst="line">
+                <a:avLst/>
+              </a:prstGeom>
+              <a:ln w="38100">
+                <a:solidFill>
+                  <a:srgbClr val="FF0000"/>
+                </a:solidFill>
+              </a:ln>
+            </p:spPr>
+            <p:style>
+              <a:lnRef idx="1">
+                <a:schemeClr val="accent1"/>
+              </a:lnRef>
+              <a:fillRef idx="0">
+                <a:schemeClr val="accent1"/>
+              </a:fillRef>
+              <a:effectRef idx="0">
+                <a:schemeClr val="accent1"/>
+              </a:effectRef>
+              <a:fontRef idx="minor">
+                <a:schemeClr val="tx1"/>
+              </a:fontRef>
+            </p:style>
+          </p:cxnSp>
+          <p:pic>
+            <p:nvPicPr>
+              <p:cNvPr id="44" name="図 43"/>
+              <p:cNvPicPr>
+                <a:picLocks noChangeAspect="1"/>
+              </p:cNvPicPr>
+              <p:nvPr/>
+            </p:nvPicPr>
+            <p:blipFill>
+              <a:blip r:embed="rId5" cstate="print">
+                <a:extLst>
+                  <a:ext uri="{28A0092B-C50C-407E-A947-70E740481C1C}">
+                    <a14:useLocalDpi xmlns:a14="http://schemas.microsoft.com/office/drawing/2010/main" val="0"/>
+                  </a:ext>
+                </a:extLst>
+              </a:blip>
+              <a:stretch>
+                <a:fillRect/>
+              </a:stretch>
+            </p:blipFill>
+            <p:spPr>
+              <a:xfrm rot="21422781" flipH="1">
+                <a:off x="8242153" y="6127711"/>
+                <a:ext cx="627366" cy="730289"/>
+              </a:xfrm>
+              <a:prstGeom prst="rect">
+                <a:avLst/>
+              </a:prstGeom>
+            </p:spPr>
+          </p:pic>
+        </p:grpSp>
       </p:grpSp>
       <p:pic>
         <p:nvPicPr>
@@ -6160,7 +10639,7 @@
         </p:nvGrpSpPr>
         <p:grpSpPr>
           <a:xfrm>
-            <a:off x="3482263" y="4397935"/>
+            <a:off x="3154664" y="4390924"/>
             <a:ext cx="400306" cy="361472"/>
             <a:chOff x="4505610" y="5577901"/>
             <a:chExt cx="1044703" cy="943357"/>
@@ -6499,7 +10978,11 @@
           <a:p>
             <a:r>
               <a:rPr lang="ja-JP" altLang="en-US" sz="1800" dirty="0" smtClean="0"/>
-              <a:t>上手くすしを作っていれば、店の人気が上がり、たくさんのお客様が来る</a:t>
+              <a:t>上手くすしを作っていれば、店の人気が上がり、たくさんのお客様</a:t>
+            </a:r>
+            <a:r>
+              <a:rPr lang="ja-JP" altLang="en-US" sz="1800" dirty="0" smtClean="0"/>
+              <a:t>が並んで来る</a:t>
             </a:r>
             <a:endParaRPr lang="en-US" altLang="ja-JP" sz="1800" dirty="0" smtClean="0"/>
           </a:p>
@@ -6841,6 +11324,50 @@
           </a:p>
         </p:txBody>
       </p:sp>
+      <p:sp>
+        <p:nvSpPr>
+          <p:cNvPr id="8" name="楕円 7"/>
+          <p:cNvSpPr/>
+          <p:nvPr/>
+        </p:nvSpPr>
+        <p:spPr>
+          <a:xfrm>
+            <a:off x="4762046" y="3352134"/>
+            <a:ext cx="664676" cy="1512049"/>
+          </a:xfrm>
+          <a:prstGeom prst="ellipse">
+            <a:avLst/>
+          </a:prstGeom>
+          <a:noFill/>
+          <a:ln w="38100">
+            <a:solidFill>
+              <a:srgbClr val="FF0000"/>
+            </a:solidFill>
+          </a:ln>
+        </p:spPr>
+        <p:style>
+          <a:lnRef idx="2">
+            <a:schemeClr val="accent1"/>
+          </a:lnRef>
+          <a:fillRef idx="1">
+            <a:schemeClr val="lt1"/>
+          </a:fillRef>
+          <a:effectRef idx="0">
+            <a:schemeClr val="accent1"/>
+          </a:effectRef>
+          <a:fontRef idx="minor">
+            <a:schemeClr val="dk1"/>
+          </a:fontRef>
+        </p:style>
+        <p:txBody>
+          <a:bodyPr rtlCol="0" anchor="ctr"/>
+          <a:lstStyle/>
+          <a:p>
+            <a:pPr algn="ctr"/>
+            <a:endParaRPr kumimoji="1" lang="ja-JP" altLang="en-US"/>
+          </a:p>
+        </p:txBody>
+      </p:sp>
     </p:spTree>
     <p:extLst>
       <p:ext uri="{BB962C8B-B14F-4D97-AF65-F5344CB8AC3E}">
@@ -6854,14 +11381,702 @@
   <p:timing>
     <p:tnLst>
       <p:par>
-        <p:cTn id="1" dur="indefinite" restart="never" nodeType="tmRoot"/>
+        <p:cTn id="1" dur="indefinite" restart="never" nodeType="tmRoot">
+          <p:childTnLst>
+            <p:seq concurrent="1" nextAc="seek">
+              <p:cTn id="2" dur="indefinite" nodeType="mainSeq">
+                <p:childTnLst>
+                  <p:par>
+                    <p:cTn id="3" fill="hold">
+                      <p:stCondLst>
+                        <p:cond delay="indefinite"/>
+                      </p:stCondLst>
+                      <p:childTnLst>
+                        <p:par>
+                          <p:cTn id="4" fill="hold">
+                            <p:stCondLst>
+                              <p:cond delay="0"/>
+                            </p:stCondLst>
+                            <p:childTnLst>
+                              <p:par>
+                                <p:cTn id="5" presetID="10" presetClass="entr" presetSubtype="0" fill="hold" grpId="0" nodeType="clickEffect">
+                                  <p:stCondLst>
+                                    <p:cond delay="0"/>
+                                  </p:stCondLst>
+                                  <p:childTnLst>
+                                    <p:set>
+                                      <p:cBhvr>
+                                        <p:cTn id="6" dur="1" fill="hold">
+                                          <p:stCondLst>
+                                            <p:cond delay="0"/>
+                                          </p:stCondLst>
+                                        </p:cTn>
+                                        <p:tgtEl>
+                                          <p:spTgt spid="8"/>
+                                        </p:tgtEl>
+                                        <p:attrNameLst>
+                                          <p:attrName>style.visibility</p:attrName>
+                                        </p:attrNameLst>
+                                      </p:cBhvr>
+                                      <p:to>
+                                        <p:strVal val="visible"/>
+                                      </p:to>
+                                    </p:set>
+                                    <p:animEffect transition="in" filter="fade">
+                                      <p:cBhvr>
+                                        <p:cTn id="7" dur="500"/>
+                                        <p:tgtEl>
+                                          <p:spTgt spid="8"/>
+                                        </p:tgtEl>
+                                      </p:cBhvr>
+                                    </p:animEffect>
+                                  </p:childTnLst>
+                                </p:cTn>
+                              </p:par>
+                            </p:childTnLst>
+                          </p:cTn>
+                        </p:par>
+                      </p:childTnLst>
+                    </p:cTn>
+                  </p:par>
+                  <p:par>
+                    <p:cTn id="8" fill="hold">
+                      <p:stCondLst>
+                        <p:cond delay="indefinite"/>
+                      </p:stCondLst>
+                      <p:childTnLst>
+                        <p:par>
+                          <p:cTn id="9" fill="hold">
+                            <p:stCondLst>
+                              <p:cond delay="0"/>
+                            </p:stCondLst>
+                            <p:childTnLst>
+                              <p:par>
+                                <p:cTn id="10" presetID="10" presetClass="exit" presetSubtype="0" fill="hold" grpId="1" nodeType="clickEffect">
+                                  <p:stCondLst>
+                                    <p:cond delay="0"/>
+                                  </p:stCondLst>
+                                  <p:childTnLst>
+                                    <p:animEffect transition="out" filter="fade">
+                                      <p:cBhvr>
+                                        <p:cTn id="11" dur="500"/>
+                                        <p:tgtEl>
+                                          <p:spTgt spid="8"/>
+                                        </p:tgtEl>
+                                      </p:cBhvr>
+                                    </p:animEffect>
+                                    <p:set>
+                                      <p:cBhvr>
+                                        <p:cTn id="12" dur="1" fill="hold">
+                                          <p:stCondLst>
+                                            <p:cond delay="499"/>
+                                          </p:stCondLst>
+                                        </p:cTn>
+                                        <p:tgtEl>
+                                          <p:spTgt spid="8"/>
+                                        </p:tgtEl>
+                                        <p:attrNameLst>
+                                          <p:attrName>style.visibility</p:attrName>
+                                        </p:attrNameLst>
+                                      </p:cBhvr>
+                                      <p:to>
+                                        <p:strVal val="hidden"/>
+                                      </p:to>
+                                    </p:set>
+                                  </p:childTnLst>
+                                </p:cTn>
+                              </p:par>
+                            </p:childTnLst>
+                          </p:cTn>
+                        </p:par>
+                      </p:childTnLst>
+                    </p:cTn>
+                  </p:par>
+                  <p:par>
+                    <p:cTn id="13" fill="hold">
+                      <p:stCondLst>
+                        <p:cond delay="indefinite"/>
+                      </p:stCondLst>
+                      <p:childTnLst>
+                        <p:par>
+                          <p:cTn id="14" fill="hold">
+                            <p:stCondLst>
+                              <p:cond delay="0"/>
+                            </p:stCondLst>
+                            <p:childTnLst>
+                              <p:par>
+                                <p:cTn id="15" presetID="22" presetClass="entr" presetSubtype="1" fill="hold" grpId="0" nodeType="clickEffect">
+                                  <p:stCondLst>
+                                    <p:cond delay="0"/>
+                                  </p:stCondLst>
+                                  <p:childTnLst>
+                                    <p:set>
+                                      <p:cBhvr>
+                                        <p:cTn id="16" dur="1" fill="hold">
+                                          <p:stCondLst>
+                                            <p:cond delay="0"/>
+                                          </p:stCondLst>
+                                        </p:cTn>
+                                        <p:tgtEl>
+                                          <p:spTgt spid="52"/>
+                                        </p:tgtEl>
+                                        <p:attrNameLst>
+                                          <p:attrName>style.visibility</p:attrName>
+                                        </p:attrNameLst>
+                                      </p:cBhvr>
+                                      <p:to>
+                                        <p:strVal val="visible"/>
+                                      </p:to>
+                                    </p:set>
+                                    <p:animEffect transition="in" filter="wipe(up)">
+                                      <p:cBhvr>
+                                        <p:cTn id="17" dur="500"/>
+                                        <p:tgtEl>
+                                          <p:spTgt spid="52"/>
+                                        </p:tgtEl>
+                                      </p:cBhvr>
+                                    </p:animEffect>
+                                  </p:childTnLst>
+                                </p:cTn>
+                              </p:par>
+                            </p:childTnLst>
+                          </p:cTn>
+                        </p:par>
+                      </p:childTnLst>
+                    </p:cTn>
+                  </p:par>
+                  <p:par>
+                    <p:cTn id="18" fill="hold">
+                      <p:stCondLst>
+                        <p:cond delay="indefinite"/>
+                      </p:stCondLst>
+                      <p:childTnLst>
+                        <p:par>
+                          <p:cTn id="19" fill="hold">
+                            <p:stCondLst>
+                              <p:cond delay="0"/>
+                            </p:stCondLst>
+                            <p:childTnLst>
+                              <p:par>
+                                <p:cTn id="20" presetID="10" presetClass="entr" presetSubtype="0" fill="hold" nodeType="clickEffect">
+                                  <p:stCondLst>
+                                    <p:cond delay="0"/>
+                                  </p:stCondLst>
+                                  <p:childTnLst>
+                                    <p:set>
+                                      <p:cBhvr>
+                                        <p:cTn id="21" dur="1" fill="hold">
+                                          <p:stCondLst>
+                                            <p:cond delay="0"/>
+                                          </p:stCondLst>
+                                        </p:cTn>
+                                        <p:tgtEl>
+                                          <p:spTgt spid="22"/>
+                                        </p:tgtEl>
+                                        <p:attrNameLst>
+                                          <p:attrName>style.visibility</p:attrName>
+                                        </p:attrNameLst>
+                                      </p:cBhvr>
+                                      <p:to>
+                                        <p:strVal val="visible"/>
+                                      </p:to>
+                                    </p:set>
+                                    <p:animEffect transition="in" filter="fade">
+                                      <p:cBhvr>
+                                        <p:cTn id="22" dur="500"/>
+                                        <p:tgtEl>
+                                          <p:spTgt spid="22"/>
+                                        </p:tgtEl>
+                                      </p:cBhvr>
+                                    </p:animEffect>
+                                  </p:childTnLst>
+                                </p:cTn>
+                              </p:par>
+                            </p:childTnLst>
+                          </p:cTn>
+                        </p:par>
+                        <p:par>
+                          <p:cTn id="23" fill="hold">
+                            <p:stCondLst>
+                              <p:cond delay="500"/>
+                            </p:stCondLst>
+                            <p:childTnLst>
+                              <p:par>
+                                <p:cTn id="24" presetID="14" presetClass="entr" presetSubtype="10" fill="hold" nodeType="afterEffect">
+                                  <p:stCondLst>
+                                    <p:cond delay="200"/>
+                                  </p:stCondLst>
+                                  <p:childTnLst>
+                                    <p:set>
+                                      <p:cBhvr>
+                                        <p:cTn id="25" dur="1" fill="hold">
+                                          <p:stCondLst>
+                                            <p:cond delay="0"/>
+                                          </p:stCondLst>
+                                        </p:cTn>
+                                        <p:tgtEl>
+                                          <p:spTgt spid="51"/>
+                                        </p:tgtEl>
+                                        <p:attrNameLst>
+                                          <p:attrName>style.visibility</p:attrName>
+                                        </p:attrNameLst>
+                                      </p:cBhvr>
+                                      <p:to>
+                                        <p:strVal val="visible"/>
+                                      </p:to>
+                                    </p:set>
+                                    <p:animEffect transition="in" filter="randombar(horizontal)">
+                                      <p:cBhvr>
+                                        <p:cTn id="26" dur="500"/>
+                                        <p:tgtEl>
+                                          <p:spTgt spid="51"/>
+                                        </p:tgtEl>
+                                      </p:cBhvr>
+                                    </p:animEffect>
+                                  </p:childTnLst>
+                                </p:cTn>
+                              </p:par>
+                            </p:childTnLst>
+                          </p:cTn>
+                        </p:par>
+                        <p:par>
+                          <p:cTn id="27" fill="hold">
+                            <p:stCondLst>
+                              <p:cond delay="1200"/>
+                            </p:stCondLst>
+                            <p:childTnLst>
+                              <p:par>
+                                <p:cTn id="28" presetID="22" presetClass="entr" presetSubtype="4" fill="hold" grpId="0" nodeType="afterEffect">
+                                  <p:stCondLst>
+                                    <p:cond delay="0"/>
+                                  </p:stCondLst>
+                                  <p:childTnLst>
+                                    <p:set>
+                                      <p:cBhvr>
+                                        <p:cTn id="29" dur="1" fill="hold">
+                                          <p:stCondLst>
+                                            <p:cond delay="0"/>
+                                          </p:stCondLst>
+                                        </p:cTn>
+                                        <p:tgtEl>
+                                          <p:spTgt spid="23"/>
+                                        </p:tgtEl>
+                                        <p:attrNameLst>
+                                          <p:attrName>style.visibility</p:attrName>
+                                        </p:attrNameLst>
+                                      </p:cBhvr>
+                                      <p:to>
+                                        <p:strVal val="visible"/>
+                                      </p:to>
+                                    </p:set>
+                                    <p:animEffect transition="in" filter="wipe(down)">
+                                      <p:cBhvr>
+                                        <p:cTn id="30" dur="500"/>
+                                        <p:tgtEl>
+                                          <p:spTgt spid="23"/>
+                                        </p:tgtEl>
+                                      </p:cBhvr>
+                                    </p:animEffect>
+                                  </p:childTnLst>
+                                </p:cTn>
+                              </p:par>
+                            </p:childTnLst>
+                          </p:cTn>
+                        </p:par>
+                        <p:par>
+                          <p:cTn id="31" fill="hold">
+                            <p:stCondLst>
+                              <p:cond delay="1700"/>
+                            </p:stCondLst>
+                            <p:childTnLst>
+                              <p:par>
+                                <p:cTn id="32" presetID="26" presetClass="emph" presetSubtype="0" fill="hold" grpId="1" nodeType="afterEffect">
+                                  <p:stCondLst>
+                                    <p:cond delay="0"/>
+                                  </p:stCondLst>
+                                  <p:childTnLst>
+                                    <p:animEffect transition="out" filter="fade">
+                                      <p:cBhvr>
+                                        <p:cTn id="33" dur="500" tmFilter="0, 0; .2, .5; .8, .5; 1, 0"/>
+                                        <p:tgtEl>
+                                          <p:spTgt spid="23"/>
+                                        </p:tgtEl>
+                                      </p:cBhvr>
+                                    </p:animEffect>
+                                    <p:animScale>
+                                      <p:cBhvr>
+                                        <p:cTn id="34" dur="250" autoRev="1" fill="hold"/>
+                                        <p:tgtEl>
+                                          <p:spTgt spid="23"/>
+                                        </p:tgtEl>
+                                      </p:cBhvr>
+                                      <p:by x="105000" y="105000"/>
+                                    </p:animScale>
+                                  </p:childTnLst>
+                                </p:cTn>
+                              </p:par>
+                            </p:childTnLst>
+                          </p:cTn>
+                        </p:par>
+                        <p:par>
+                          <p:cTn id="35" fill="hold">
+                            <p:stCondLst>
+                              <p:cond delay="2200"/>
+                            </p:stCondLst>
+                            <p:childTnLst>
+                              <p:par>
+                                <p:cTn id="36" presetID="14" presetClass="entr" presetSubtype="10" fill="hold" nodeType="afterEffect">
+                                  <p:stCondLst>
+                                    <p:cond delay="500"/>
+                                  </p:stCondLst>
+                                  <p:childTnLst>
+                                    <p:set>
+                                      <p:cBhvr>
+                                        <p:cTn id="37" dur="1" fill="hold">
+                                          <p:stCondLst>
+                                            <p:cond delay="0"/>
+                                          </p:stCondLst>
+                                        </p:cTn>
+                                        <p:tgtEl>
+                                          <p:spTgt spid="30"/>
+                                        </p:tgtEl>
+                                        <p:attrNameLst>
+                                          <p:attrName>style.visibility</p:attrName>
+                                        </p:attrNameLst>
+                                      </p:cBhvr>
+                                      <p:to>
+                                        <p:strVal val="visible"/>
+                                      </p:to>
+                                    </p:set>
+                                    <p:animEffect transition="in" filter="randombar(horizontal)">
+                                      <p:cBhvr>
+                                        <p:cTn id="38" dur="500"/>
+                                        <p:tgtEl>
+                                          <p:spTgt spid="30"/>
+                                        </p:tgtEl>
+                                      </p:cBhvr>
+                                    </p:animEffect>
+                                  </p:childTnLst>
+                                </p:cTn>
+                              </p:par>
+                            </p:childTnLst>
+                          </p:cTn>
+                        </p:par>
+                      </p:childTnLst>
+                    </p:cTn>
+                  </p:par>
+                  <p:par>
+                    <p:cTn id="39" fill="hold">
+                      <p:stCondLst>
+                        <p:cond delay="indefinite"/>
+                      </p:stCondLst>
+                      <p:childTnLst>
+                        <p:par>
+                          <p:cTn id="40" fill="hold">
+                            <p:stCondLst>
+                              <p:cond delay="0"/>
+                            </p:stCondLst>
+                            <p:childTnLst>
+                              <p:par>
+                                <p:cTn id="41" presetID="22" presetClass="entr" presetSubtype="1" fill="hold" grpId="0" nodeType="clickEffect">
+                                  <p:stCondLst>
+                                    <p:cond delay="0"/>
+                                  </p:stCondLst>
+                                  <p:childTnLst>
+                                    <p:set>
+                                      <p:cBhvr>
+                                        <p:cTn id="42" dur="1" fill="hold">
+                                          <p:stCondLst>
+                                            <p:cond delay="0"/>
+                                          </p:stCondLst>
+                                        </p:cTn>
+                                        <p:tgtEl>
+                                          <p:spTgt spid="53"/>
+                                        </p:tgtEl>
+                                        <p:attrNameLst>
+                                          <p:attrName>style.visibility</p:attrName>
+                                        </p:attrNameLst>
+                                      </p:cBhvr>
+                                      <p:to>
+                                        <p:strVal val="visible"/>
+                                      </p:to>
+                                    </p:set>
+                                    <p:animEffect transition="in" filter="wipe(up)">
+                                      <p:cBhvr>
+                                        <p:cTn id="43" dur="500"/>
+                                        <p:tgtEl>
+                                          <p:spTgt spid="53"/>
+                                        </p:tgtEl>
+                                      </p:cBhvr>
+                                    </p:animEffect>
+                                  </p:childTnLst>
+                                </p:cTn>
+                              </p:par>
+                            </p:childTnLst>
+                          </p:cTn>
+                        </p:par>
+                      </p:childTnLst>
+                    </p:cTn>
+                  </p:par>
+                  <p:par>
+                    <p:cTn id="44" fill="hold">
+                      <p:stCondLst>
+                        <p:cond delay="indefinite"/>
+                      </p:stCondLst>
+                      <p:childTnLst>
+                        <p:par>
+                          <p:cTn id="45" fill="hold">
+                            <p:stCondLst>
+                              <p:cond delay="0"/>
+                            </p:stCondLst>
+                            <p:childTnLst>
+                              <p:par>
+                                <p:cTn id="46" presetID="21" presetClass="entr" presetSubtype="1" fill="hold" nodeType="clickEffect">
+                                  <p:stCondLst>
+                                    <p:cond delay="0"/>
+                                  </p:stCondLst>
+                                  <p:childTnLst>
+                                    <p:set>
+                                      <p:cBhvr>
+                                        <p:cTn id="47" dur="1" fill="hold">
+                                          <p:stCondLst>
+                                            <p:cond delay="0"/>
+                                          </p:stCondLst>
+                                        </p:cTn>
+                                        <p:tgtEl>
+                                          <p:spTgt spid="9"/>
+                                        </p:tgtEl>
+                                        <p:attrNameLst>
+                                          <p:attrName>style.visibility</p:attrName>
+                                        </p:attrNameLst>
+                                      </p:cBhvr>
+                                      <p:to>
+                                        <p:strVal val="visible"/>
+                                      </p:to>
+                                    </p:set>
+                                    <p:animEffect transition="in" filter="wheel(1)">
+                                      <p:cBhvr>
+                                        <p:cTn id="48" dur="700"/>
+                                        <p:tgtEl>
+                                          <p:spTgt spid="9"/>
+                                        </p:tgtEl>
+                                      </p:cBhvr>
+                                    </p:animEffect>
+                                  </p:childTnLst>
+                                </p:cTn>
+                              </p:par>
+                            </p:childTnLst>
+                          </p:cTn>
+                        </p:par>
+                        <p:par>
+                          <p:cTn id="49" fill="hold">
+                            <p:stCondLst>
+                              <p:cond delay="700"/>
+                            </p:stCondLst>
+                            <p:childTnLst>
+                              <p:par>
+                                <p:cTn id="50" presetID="10" presetClass="entr" presetSubtype="0" fill="hold" grpId="0" nodeType="afterEffect">
+                                  <p:stCondLst>
+                                    <p:cond delay="0"/>
+                                  </p:stCondLst>
+                                  <p:childTnLst>
+                                    <p:set>
+                                      <p:cBhvr>
+                                        <p:cTn id="51" dur="1" fill="hold">
+                                          <p:stCondLst>
+                                            <p:cond delay="0"/>
+                                          </p:stCondLst>
+                                        </p:cTn>
+                                        <p:tgtEl>
+                                          <p:spTgt spid="47"/>
+                                        </p:tgtEl>
+                                        <p:attrNameLst>
+                                          <p:attrName>style.visibility</p:attrName>
+                                        </p:attrNameLst>
+                                      </p:cBhvr>
+                                      <p:to>
+                                        <p:strVal val="visible"/>
+                                      </p:to>
+                                    </p:set>
+                                    <p:animEffect transition="in" filter="fade">
+                                      <p:cBhvr>
+                                        <p:cTn id="52" dur="500"/>
+                                        <p:tgtEl>
+                                          <p:spTgt spid="47"/>
+                                        </p:tgtEl>
+                                      </p:cBhvr>
+                                    </p:animEffect>
+                                  </p:childTnLst>
+                                </p:cTn>
+                              </p:par>
+                            </p:childTnLst>
+                          </p:cTn>
+                        </p:par>
+                        <p:par>
+                          <p:cTn id="53" fill="hold">
+                            <p:stCondLst>
+                              <p:cond delay="1200"/>
+                            </p:stCondLst>
+                            <p:childTnLst>
+                              <p:par>
+                                <p:cTn id="54" presetID="26" presetClass="emph" presetSubtype="0" fill="hold" grpId="1" nodeType="afterEffect">
+                                  <p:stCondLst>
+                                    <p:cond delay="0"/>
+                                  </p:stCondLst>
+                                  <p:childTnLst>
+                                    <p:animEffect transition="out" filter="fade">
+                                      <p:cBhvr>
+                                        <p:cTn id="55" dur="500" tmFilter="0, 0; .2, .5; .8, .5; 1, 0"/>
+                                        <p:tgtEl>
+                                          <p:spTgt spid="47"/>
+                                        </p:tgtEl>
+                                      </p:cBhvr>
+                                    </p:animEffect>
+                                    <p:animScale>
+                                      <p:cBhvr>
+                                        <p:cTn id="56" dur="250" autoRev="1" fill="hold"/>
+                                        <p:tgtEl>
+                                          <p:spTgt spid="47"/>
+                                        </p:tgtEl>
+                                      </p:cBhvr>
+                                      <p:by x="105000" y="105000"/>
+                                    </p:animScale>
+                                  </p:childTnLst>
+                                </p:cTn>
+                              </p:par>
+                            </p:childTnLst>
+                          </p:cTn>
+                        </p:par>
+                        <p:par>
+                          <p:cTn id="57" fill="hold">
+                            <p:stCondLst>
+                              <p:cond delay="1700"/>
+                            </p:stCondLst>
+                            <p:childTnLst>
+                              <p:par>
+                                <p:cTn id="58" presetID="53" presetClass="entr" presetSubtype="16" fill="hold" grpId="0" nodeType="afterEffect">
+                                  <p:stCondLst>
+                                    <p:cond delay="0"/>
+                                  </p:stCondLst>
+                                  <p:childTnLst>
+                                    <p:set>
+                                      <p:cBhvr>
+                                        <p:cTn id="59" dur="1" fill="hold">
+                                          <p:stCondLst>
+                                            <p:cond delay="0"/>
+                                          </p:stCondLst>
+                                        </p:cTn>
+                                        <p:tgtEl>
+                                          <p:spTgt spid="48"/>
+                                        </p:tgtEl>
+                                        <p:attrNameLst>
+                                          <p:attrName>style.visibility</p:attrName>
+                                        </p:attrNameLst>
+                                      </p:cBhvr>
+                                      <p:to>
+                                        <p:strVal val="visible"/>
+                                      </p:to>
+                                    </p:set>
+                                    <p:anim calcmode="lin" valueType="num">
+                                      <p:cBhvr>
+                                        <p:cTn id="60" dur="600" fill="hold"/>
+                                        <p:tgtEl>
+                                          <p:spTgt spid="48"/>
+                                        </p:tgtEl>
+                                        <p:attrNameLst>
+                                          <p:attrName>ppt_w</p:attrName>
+                                        </p:attrNameLst>
+                                      </p:cBhvr>
+                                      <p:tavLst>
+                                        <p:tav tm="0">
+                                          <p:val>
+                                            <p:fltVal val="0"/>
+                                          </p:val>
+                                        </p:tav>
+                                        <p:tav tm="100000">
+                                          <p:val>
+                                            <p:strVal val="#ppt_w"/>
+                                          </p:val>
+                                        </p:tav>
+                                      </p:tavLst>
+                                    </p:anim>
+                                    <p:anim calcmode="lin" valueType="num">
+                                      <p:cBhvr>
+                                        <p:cTn id="61" dur="600" fill="hold"/>
+                                        <p:tgtEl>
+                                          <p:spTgt spid="48"/>
+                                        </p:tgtEl>
+                                        <p:attrNameLst>
+                                          <p:attrName>ppt_h</p:attrName>
+                                        </p:attrNameLst>
+                                      </p:cBhvr>
+                                      <p:tavLst>
+                                        <p:tav tm="0">
+                                          <p:val>
+                                            <p:fltVal val="0"/>
+                                          </p:val>
+                                        </p:tav>
+                                        <p:tav tm="100000">
+                                          <p:val>
+                                            <p:strVal val="#ppt_h"/>
+                                          </p:val>
+                                        </p:tav>
+                                      </p:tavLst>
+                                    </p:anim>
+                                    <p:animEffect transition="in" filter="fade">
+                                      <p:cBhvr>
+                                        <p:cTn id="62" dur="600"/>
+                                        <p:tgtEl>
+                                          <p:spTgt spid="48"/>
+                                        </p:tgtEl>
+                                      </p:cBhvr>
+                                    </p:animEffect>
+                                  </p:childTnLst>
+                                </p:cTn>
+                              </p:par>
+                            </p:childTnLst>
+                          </p:cTn>
+                        </p:par>
+                      </p:childTnLst>
+                    </p:cTn>
+                  </p:par>
+                </p:childTnLst>
+              </p:cTn>
+              <p:prevCondLst>
+                <p:cond evt="onPrev" delay="0">
+                  <p:tgtEl>
+                    <p:sldTgt/>
+                  </p:tgtEl>
+                </p:cond>
+              </p:prevCondLst>
+              <p:nextCondLst>
+                <p:cond evt="onNext" delay="0">
+                  <p:tgtEl>
+                    <p:sldTgt/>
+                  </p:tgtEl>
+                </p:cond>
+              </p:nextCondLst>
+            </p:seq>
+          </p:childTnLst>
+        </p:cTn>
       </p:par>
     </p:tnLst>
+    <p:bldLst>
+      <p:bldP spid="23" grpId="0" animBg="1"/>
+      <p:bldP spid="23" grpId="1" animBg="1"/>
+      <p:bldP spid="47" grpId="0" animBg="1"/>
+      <p:bldP spid="47" grpId="1" animBg="1"/>
+      <p:bldP spid="48" grpId="0" animBg="1"/>
+      <p:bldP spid="52" grpId="0" animBg="1"/>
+      <p:bldP spid="53" grpId="0" animBg="1"/>
+      <p:bldP spid="8" grpId="0" animBg="1"/>
+      <p:bldP spid="8" grpId="1" animBg="1"/>
+    </p:bldLst>
   </p:timing>
 </p:sld>
 </file>
 
-<file path=ppt/slides/slide11.xml><?xml version="1.0" encoding="utf-8"?>
+<file path=ppt/slides/slide8.xml><?xml version="1.0" encoding="utf-8"?>
 <p:sld xmlns:a="http://schemas.openxmlformats.org/drawingml/2006/main" xmlns:r="http://schemas.openxmlformats.org/officeDocument/2006/relationships" xmlns:p="http://schemas.openxmlformats.org/presentationml/2006/main">
   <p:cSld>
     <p:spTree>
@@ -6895,142 +12110,6 @@
           <a:p>
             <a:r>
               <a:rPr kumimoji="1" lang="ja-JP" altLang="en-US" dirty="0" smtClean="0"/>
-              <a:t>忍び</a:t>
-            </a:r>
-            <a:endParaRPr kumimoji="1" lang="ja-JP" altLang="en-US" dirty="0"/>
-          </a:p>
-        </p:txBody>
-      </p:sp>
-      <p:sp>
-        <p:nvSpPr>
-          <p:cNvPr id="3" name="テキスト プレースホルダー 2"/>
-          <p:cNvSpPr>
-            <a:spLocks noGrp="1"/>
-          </p:cNvSpPr>
-          <p:nvPr>
-            <p:ph type="body" idx="1"/>
-          </p:nvPr>
-        </p:nvSpPr>
-        <p:spPr/>
-        <p:txBody>
-          <a:bodyPr/>
-          <a:lstStyle/>
-          <a:p>
-            <a:endParaRPr kumimoji="1" lang="ja-JP" altLang="en-US"/>
-          </a:p>
-        </p:txBody>
-      </p:sp>
-      <p:sp>
-        <p:nvSpPr>
-          <p:cNvPr id="4" name="コンテンツ プレースホルダー 3"/>
-          <p:cNvSpPr>
-            <a:spLocks noGrp="1"/>
-          </p:cNvSpPr>
-          <p:nvPr>
-            <p:ph sz="half" idx="2"/>
-          </p:nvPr>
-        </p:nvSpPr>
-        <p:spPr/>
-        <p:txBody>
-          <a:bodyPr/>
-          <a:lstStyle/>
-          <a:p>
-            <a:endParaRPr kumimoji="1" lang="ja-JP" altLang="en-US"/>
-          </a:p>
-        </p:txBody>
-      </p:sp>
-      <p:sp>
-        <p:nvSpPr>
-          <p:cNvPr id="5" name="テキスト プレースホルダー 4"/>
-          <p:cNvSpPr>
-            <a:spLocks noGrp="1"/>
-          </p:cNvSpPr>
-          <p:nvPr>
-            <p:ph type="body" sz="quarter" idx="3"/>
-          </p:nvPr>
-        </p:nvSpPr>
-        <p:spPr/>
-        <p:txBody>
-          <a:bodyPr/>
-          <a:lstStyle/>
-          <a:p>
-            <a:endParaRPr kumimoji="1" lang="ja-JP" altLang="en-US"/>
-          </a:p>
-        </p:txBody>
-      </p:sp>
-      <p:sp>
-        <p:nvSpPr>
-          <p:cNvPr id="6" name="コンテンツ プレースホルダー 5"/>
-          <p:cNvSpPr>
-            <a:spLocks noGrp="1"/>
-          </p:cNvSpPr>
-          <p:nvPr>
-            <p:ph sz="quarter" idx="4"/>
-          </p:nvPr>
-        </p:nvSpPr>
-        <p:spPr/>
-        <p:txBody>
-          <a:bodyPr/>
-          <a:lstStyle/>
-          <a:p>
-            <a:endParaRPr kumimoji="1" lang="ja-JP" altLang="en-US"/>
-          </a:p>
-        </p:txBody>
-      </p:sp>
-    </p:spTree>
-    <p:extLst>
-      <p:ext uri="{BB962C8B-B14F-4D97-AF65-F5344CB8AC3E}">
-        <p14:creationId xmlns:p14="http://schemas.microsoft.com/office/powerpoint/2010/main" val="2343495230"/>
-      </p:ext>
-    </p:extLst>
-  </p:cSld>
-  <p:clrMapOvr>
-    <a:masterClrMapping/>
-  </p:clrMapOvr>
-  <p:timing>
-    <p:tnLst>
-      <p:par>
-        <p:cTn id="1" dur="indefinite" restart="never" nodeType="tmRoot"/>
-      </p:par>
-    </p:tnLst>
-  </p:timing>
-</p:sld>
-</file>
-
-<file path=ppt/slides/slide12.xml><?xml version="1.0" encoding="utf-8"?>
-<p:sld xmlns:a="http://schemas.openxmlformats.org/drawingml/2006/main" xmlns:r="http://schemas.openxmlformats.org/officeDocument/2006/relationships" xmlns:p="http://schemas.openxmlformats.org/presentationml/2006/main">
-  <p:cSld>
-    <p:spTree>
-      <p:nvGrpSpPr>
-        <p:cNvPr id="1" name=""/>
-        <p:cNvGrpSpPr/>
-        <p:nvPr/>
-      </p:nvGrpSpPr>
-      <p:grpSpPr>
-        <a:xfrm>
-          <a:off x="0" y="0"/>
-          <a:ext cx="0" cy="0"/>
-          <a:chOff x="0" y="0"/>
-          <a:chExt cx="0" cy="0"/>
-        </a:xfrm>
-      </p:grpSpPr>
-      <p:sp>
-        <p:nvSpPr>
-          <p:cNvPr id="2" name="タイトル 1"/>
-          <p:cNvSpPr>
-            <a:spLocks noGrp="1"/>
-          </p:cNvSpPr>
-          <p:nvPr>
-            <p:ph type="title"/>
-          </p:nvPr>
-        </p:nvSpPr>
-        <p:spPr/>
-        <p:txBody>
-          <a:bodyPr/>
-          <a:lstStyle/>
-          <a:p>
-            <a:r>
-              <a:rPr kumimoji="1" lang="ja-JP" altLang="en-US" dirty="0" smtClean="0"/>
               <a:t>忍者襲来！</a:t>
             </a:r>
             <a:endParaRPr kumimoji="1" lang="ja-JP" altLang="en-US" dirty="0"/>
@@ -7046,7 +12125,7 @@
           <p:nvPr/>
         </p:nvPicPr>
         <p:blipFill rotWithShape="1">
-          <a:blip r:embed="rId2" cstate="print">
+          <a:blip r:embed="rId3" cstate="print">
             <a:extLst>
               <a:ext uri="{28A0092B-C50C-407E-A947-70E740481C1C}">
                 <a14:useLocalDpi xmlns:a14="http://schemas.microsoft.com/office/drawing/2010/main" val="0"/>
@@ -7075,7 +12154,7 @@
           <p:nvPr/>
         </p:nvPicPr>
         <p:blipFill rotWithShape="1">
-          <a:blip r:embed="rId3" cstate="print">
+          <a:blip r:embed="rId4" cstate="print">
             <a:extLst>
               <a:ext uri="{28A0092B-C50C-407E-A947-70E740481C1C}">
                 <a14:useLocalDpi xmlns:a14="http://schemas.microsoft.com/office/drawing/2010/main" val="0"/>
@@ -7104,7 +12183,7 @@
           <p:nvPr/>
         </p:nvPicPr>
         <p:blipFill rotWithShape="1">
-          <a:blip r:embed="rId4">
+          <a:blip r:embed="rId5">
             <a:extLst>
               <a:ext uri="{28A0092B-C50C-407E-A947-70E740481C1C}">
                 <a14:useLocalDpi xmlns:a14="http://schemas.microsoft.com/office/drawing/2010/main" val="0"/>
@@ -7133,7 +12212,7 @@
           <p:nvPr/>
         </p:nvPicPr>
         <p:blipFill>
-          <a:blip r:embed="rId5" cstate="print">
+          <a:blip r:embed="rId6" cstate="print">
             <a:extLst>
               <a:ext uri="{28A0092B-C50C-407E-A947-70E740481C1C}">
                 <a14:useLocalDpi xmlns:a14="http://schemas.microsoft.com/office/drawing/2010/main" val="0"/>
@@ -7163,7 +12242,7 @@
           <p:nvPr/>
         </p:nvPicPr>
         <p:blipFill rotWithShape="1">
-          <a:blip r:embed="rId4">
+          <a:blip r:embed="rId5">
             <a:extLst>
               <a:ext uri="{28A0092B-C50C-407E-A947-70E740481C1C}">
                 <a14:useLocalDpi xmlns:a14="http://schemas.microsoft.com/office/drawing/2010/main" val="0"/>
@@ -7192,7 +12271,7 @@
           <p:nvPr/>
         </p:nvPicPr>
         <p:blipFill rotWithShape="1">
-          <a:blip r:embed="rId3" cstate="print">
+          <a:blip r:embed="rId4" cstate="print">
             <a:extLst>
               <a:ext uri="{28A0092B-C50C-407E-A947-70E740481C1C}">
                 <a14:useLocalDpi xmlns:a14="http://schemas.microsoft.com/office/drawing/2010/main" val="0"/>
@@ -7221,7 +12300,7 @@
           <p:nvPr/>
         </p:nvPicPr>
         <p:blipFill rotWithShape="1">
-          <a:blip r:embed="rId6" cstate="print">
+          <a:blip r:embed="rId7" cstate="print">
             <a:extLst>
               <a:ext uri="{28A0092B-C50C-407E-A947-70E740481C1C}">
                 <a14:useLocalDpi xmlns:a14="http://schemas.microsoft.com/office/drawing/2010/main" val="0"/>
@@ -7456,1959 +12535,6 @@
 </p:sld>
 </file>
 
-<file path=ppt/slides/slide13.xml><?xml version="1.0" encoding="utf-8"?>
-<p:sld xmlns:a="http://schemas.openxmlformats.org/drawingml/2006/main" xmlns:r="http://schemas.openxmlformats.org/officeDocument/2006/relationships" xmlns:p="http://schemas.openxmlformats.org/presentationml/2006/main">
-  <p:cSld>
-    <p:spTree>
-      <p:nvGrpSpPr>
-        <p:cNvPr id="1" name=""/>
-        <p:cNvGrpSpPr/>
-        <p:nvPr/>
-      </p:nvGrpSpPr>
-      <p:grpSpPr>
-        <a:xfrm>
-          <a:off x="0" y="0"/>
-          <a:ext cx="0" cy="0"/>
-          <a:chOff x="0" y="0"/>
-          <a:chExt cx="0" cy="0"/>
-        </a:xfrm>
-      </p:grpSpPr>
-      <p:sp>
-        <p:nvSpPr>
-          <p:cNvPr id="2" name="タイトル 1"/>
-          <p:cNvSpPr>
-            <a:spLocks noGrp="1"/>
-          </p:cNvSpPr>
-          <p:nvPr>
-            <p:ph type="title"/>
-          </p:nvPr>
-        </p:nvSpPr>
-        <p:spPr/>
-        <p:txBody>
-          <a:bodyPr/>
-          <a:lstStyle/>
-          <a:p>
-            <a:r>
-              <a:rPr kumimoji="1" lang="ja-JP" altLang="en-US" dirty="0" smtClean="0"/>
-              <a:t>忍びの退治</a:t>
-            </a:r>
-            <a:endParaRPr kumimoji="1" lang="ja-JP" altLang="en-US" dirty="0"/>
-          </a:p>
-        </p:txBody>
-      </p:sp>
-      <p:sp>
-        <p:nvSpPr>
-          <p:cNvPr id="3" name="テキスト プレースホルダー 2"/>
-          <p:cNvSpPr>
-            <a:spLocks noGrp="1"/>
-          </p:cNvSpPr>
-          <p:nvPr>
-            <p:ph type="body" idx="1"/>
-          </p:nvPr>
-        </p:nvSpPr>
-        <p:spPr/>
-        <p:txBody>
-          <a:bodyPr/>
-          <a:lstStyle/>
-          <a:p>
-            <a:endParaRPr kumimoji="1" lang="ja-JP" altLang="en-US"/>
-          </a:p>
-        </p:txBody>
-      </p:sp>
-      <p:sp>
-        <p:nvSpPr>
-          <p:cNvPr id="4" name="コンテンツ プレースホルダー 3"/>
-          <p:cNvSpPr>
-            <a:spLocks noGrp="1"/>
-          </p:cNvSpPr>
-          <p:nvPr>
-            <p:ph sz="half" idx="2"/>
-          </p:nvPr>
-        </p:nvSpPr>
-        <p:spPr/>
-        <p:txBody>
-          <a:bodyPr/>
-          <a:lstStyle/>
-          <a:p>
-            <a:endParaRPr kumimoji="1" lang="ja-JP" altLang="en-US"/>
-          </a:p>
-        </p:txBody>
-      </p:sp>
-      <p:sp>
-        <p:nvSpPr>
-          <p:cNvPr id="5" name="テキスト プレースホルダー 4"/>
-          <p:cNvSpPr>
-            <a:spLocks noGrp="1"/>
-          </p:cNvSpPr>
-          <p:nvPr>
-            <p:ph type="body" sz="quarter" idx="3"/>
-          </p:nvPr>
-        </p:nvSpPr>
-        <p:spPr/>
-        <p:txBody>
-          <a:bodyPr/>
-          <a:lstStyle/>
-          <a:p>
-            <a:endParaRPr kumimoji="1" lang="ja-JP" altLang="en-US"/>
-          </a:p>
-        </p:txBody>
-      </p:sp>
-      <p:sp>
-        <p:nvSpPr>
-          <p:cNvPr id="6" name="コンテンツ プレースホルダー 5"/>
-          <p:cNvSpPr>
-            <a:spLocks noGrp="1"/>
-          </p:cNvSpPr>
-          <p:nvPr>
-            <p:ph sz="quarter" idx="4"/>
-          </p:nvPr>
-        </p:nvSpPr>
-        <p:spPr/>
-        <p:txBody>
-          <a:bodyPr/>
-          <a:lstStyle/>
-          <a:p>
-            <a:endParaRPr kumimoji="1" lang="ja-JP" altLang="en-US"/>
-          </a:p>
-        </p:txBody>
-      </p:sp>
-    </p:spTree>
-    <p:extLst>
-      <p:ext uri="{BB962C8B-B14F-4D97-AF65-F5344CB8AC3E}">
-        <p14:creationId xmlns:p14="http://schemas.microsoft.com/office/powerpoint/2010/main" val="1664855649"/>
-      </p:ext>
-    </p:extLst>
-  </p:cSld>
-  <p:clrMapOvr>
-    <a:masterClrMapping/>
-  </p:clrMapOvr>
-  <p:timing>
-    <p:tnLst>
-      <p:par>
-        <p:cTn id="1" dur="indefinite" restart="never" nodeType="tmRoot"/>
-      </p:par>
-    </p:tnLst>
-  </p:timing>
-</p:sld>
-</file>
-
-<file path=ppt/slides/slide14.xml><?xml version="1.0" encoding="utf-8"?>
-<p:sld xmlns:a="http://schemas.openxmlformats.org/drawingml/2006/main" xmlns:r="http://schemas.openxmlformats.org/officeDocument/2006/relationships" xmlns:p="http://schemas.openxmlformats.org/presentationml/2006/main">
-  <p:cSld>
-    <p:spTree>
-      <p:nvGrpSpPr>
-        <p:cNvPr id="1" name=""/>
-        <p:cNvGrpSpPr/>
-        <p:nvPr/>
-      </p:nvGrpSpPr>
-      <p:grpSpPr>
-        <a:xfrm>
-          <a:off x="0" y="0"/>
-          <a:ext cx="0" cy="0"/>
-          <a:chOff x="0" y="0"/>
-          <a:chExt cx="0" cy="0"/>
-        </a:xfrm>
-      </p:grpSpPr>
-      <p:sp>
-        <p:nvSpPr>
-          <p:cNvPr id="2" name="タイトル 1"/>
-          <p:cNvSpPr>
-            <a:spLocks noGrp="1"/>
-          </p:cNvSpPr>
-          <p:nvPr>
-            <p:ph type="title"/>
-          </p:nvPr>
-        </p:nvSpPr>
-        <p:spPr/>
-        <p:txBody>
-          <a:bodyPr/>
-          <a:lstStyle/>
-          <a:p>
-            <a:r>
-              <a:rPr kumimoji="1" lang="ja-JP" altLang="en-US" dirty="0" smtClean="0"/>
-              <a:t>他</a:t>
-            </a:r>
-            <a:endParaRPr kumimoji="1" lang="ja-JP" altLang="en-US" dirty="0"/>
-          </a:p>
-        </p:txBody>
-      </p:sp>
-      <p:sp>
-        <p:nvSpPr>
-          <p:cNvPr id="3" name="テキスト プレースホルダー 2"/>
-          <p:cNvSpPr>
-            <a:spLocks noGrp="1"/>
-          </p:cNvSpPr>
-          <p:nvPr>
-            <p:ph type="body" idx="1"/>
-          </p:nvPr>
-        </p:nvSpPr>
-        <p:spPr/>
-        <p:txBody>
-          <a:bodyPr/>
-          <a:lstStyle/>
-          <a:p>
-            <a:endParaRPr kumimoji="1" lang="ja-JP" altLang="en-US"/>
-          </a:p>
-        </p:txBody>
-      </p:sp>
-      <p:sp>
-        <p:nvSpPr>
-          <p:cNvPr id="4" name="コンテンツ プレースホルダー 3"/>
-          <p:cNvSpPr>
-            <a:spLocks noGrp="1"/>
-          </p:cNvSpPr>
-          <p:nvPr>
-            <p:ph sz="half" idx="2"/>
-          </p:nvPr>
-        </p:nvSpPr>
-        <p:spPr/>
-        <p:txBody>
-          <a:bodyPr/>
-          <a:lstStyle/>
-          <a:p>
-            <a:endParaRPr kumimoji="1" lang="ja-JP" altLang="en-US"/>
-          </a:p>
-        </p:txBody>
-      </p:sp>
-      <p:sp>
-        <p:nvSpPr>
-          <p:cNvPr id="5" name="テキスト プレースホルダー 4"/>
-          <p:cNvSpPr>
-            <a:spLocks noGrp="1"/>
-          </p:cNvSpPr>
-          <p:nvPr>
-            <p:ph type="body" sz="quarter" idx="3"/>
-          </p:nvPr>
-        </p:nvSpPr>
-        <p:spPr/>
-        <p:txBody>
-          <a:bodyPr/>
-          <a:lstStyle/>
-          <a:p>
-            <a:endParaRPr kumimoji="1" lang="ja-JP" altLang="en-US"/>
-          </a:p>
-        </p:txBody>
-      </p:sp>
-      <p:sp>
-        <p:nvSpPr>
-          <p:cNvPr id="6" name="コンテンツ プレースホルダー 5"/>
-          <p:cNvSpPr>
-            <a:spLocks noGrp="1"/>
-          </p:cNvSpPr>
-          <p:nvPr>
-            <p:ph sz="quarter" idx="4"/>
-          </p:nvPr>
-        </p:nvSpPr>
-        <p:spPr/>
-        <p:txBody>
-          <a:bodyPr/>
-          <a:lstStyle/>
-          <a:p>
-            <a:endParaRPr kumimoji="1" lang="ja-JP" altLang="en-US"/>
-          </a:p>
-        </p:txBody>
-      </p:sp>
-    </p:spTree>
-    <p:extLst>
-      <p:ext uri="{BB962C8B-B14F-4D97-AF65-F5344CB8AC3E}">
-        <p14:creationId xmlns:p14="http://schemas.microsoft.com/office/powerpoint/2010/main" val="1282148534"/>
-      </p:ext>
-    </p:extLst>
-  </p:cSld>
-  <p:clrMapOvr>
-    <a:masterClrMapping/>
-  </p:clrMapOvr>
-  <p:timing>
-    <p:tnLst>
-      <p:par>
-        <p:cTn id="1" dur="indefinite" restart="never" nodeType="tmRoot"/>
-      </p:par>
-    </p:tnLst>
-  </p:timing>
-</p:sld>
-</file>
-
-<file path=ppt/slides/slide2.xml><?xml version="1.0" encoding="utf-8"?>
-<p:sld xmlns:a="http://schemas.openxmlformats.org/drawingml/2006/main" xmlns:r="http://schemas.openxmlformats.org/officeDocument/2006/relationships" xmlns:p="http://schemas.openxmlformats.org/presentationml/2006/main">
-  <p:cSld>
-    <p:spTree>
-      <p:nvGrpSpPr>
-        <p:cNvPr id="1" name=""/>
-        <p:cNvGrpSpPr/>
-        <p:nvPr/>
-      </p:nvGrpSpPr>
-      <p:grpSpPr>
-        <a:xfrm>
-          <a:off x="0" y="0"/>
-          <a:ext cx="0" cy="0"/>
-          <a:chOff x="0" y="0"/>
-          <a:chExt cx="0" cy="0"/>
-        </a:xfrm>
-      </p:grpSpPr>
-      <p:sp>
-        <p:nvSpPr>
-          <p:cNvPr id="2" name="タイトル 1"/>
-          <p:cNvSpPr>
-            <a:spLocks noGrp="1"/>
-          </p:cNvSpPr>
-          <p:nvPr>
-            <p:ph type="title"/>
-          </p:nvPr>
-        </p:nvSpPr>
-        <p:spPr/>
-        <p:txBody>
-          <a:bodyPr>
-            <a:normAutofit/>
-          </a:bodyPr>
-          <a:lstStyle/>
-          <a:p>
-            <a:endParaRPr kumimoji="1" lang="ja-JP" altLang="en-US" dirty="0"/>
-          </a:p>
-        </p:txBody>
-      </p:sp>
-      <p:sp>
-        <p:nvSpPr>
-          <p:cNvPr id="3" name="コンテンツ プレースホルダー 2"/>
-          <p:cNvSpPr>
-            <a:spLocks noGrp="1"/>
-          </p:cNvSpPr>
-          <p:nvPr>
-            <p:ph idx="1"/>
-          </p:nvPr>
-        </p:nvSpPr>
-        <p:spPr/>
-        <p:txBody>
-          <a:bodyPr>
-            <a:normAutofit/>
-          </a:bodyPr>
-          <a:lstStyle/>
-          <a:p>
-            <a:r>
-              <a:rPr kumimoji="1" lang="ja-JP" altLang="en-US" sz="2400" dirty="0" smtClean="0"/>
-              <a:t>ジャンル：刀アクション、エンドレスゲーム</a:t>
-            </a:r>
-            <a:endParaRPr kumimoji="1" lang="en-US" altLang="ja-JP" sz="2400" dirty="0" smtClean="0"/>
-          </a:p>
-          <a:p>
-            <a:r>
-              <a:rPr lang="ja-JP" altLang="en-US" sz="2400" dirty="0" smtClean="0"/>
-              <a:t>プラットフォーム：</a:t>
-            </a:r>
-            <a:r>
-              <a:rPr lang="en-US" altLang="ja-JP" sz="2400" dirty="0" smtClean="0"/>
-              <a:t>android</a:t>
-            </a:r>
-          </a:p>
-          <a:p>
-            <a:r>
-              <a:rPr kumimoji="1" lang="ja-JP" altLang="en-US" sz="2400" dirty="0"/>
-              <a:t>プレイ</a:t>
-            </a:r>
-            <a:r>
-              <a:rPr kumimoji="1" lang="ja-JP" altLang="en-US" sz="2400" dirty="0" smtClean="0"/>
-              <a:t>人数：</a:t>
-            </a:r>
-            <a:r>
-              <a:rPr kumimoji="1" lang="en-US" altLang="ja-JP" sz="2400" dirty="0"/>
-              <a:t>1</a:t>
-            </a:r>
-            <a:r>
-              <a:rPr kumimoji="1" lang="ja-JP" altLang="en-US" sz="2400" dirty="0" smtClean="0"/>
-              <a:t>人</a:t>
-            </a:r>
-            <a:endParaRPr kumimoji="1" lang="en-US" altLang="ja-JP" sz="2400" dirty="0" smtClean="0"/>
-          </a:p>
-          <a:p>
-            <a:endParaRPr kumimoji="1" lang="en-US" altLang="ja-JP" sz="2400" dirty="0" smtClean="0"/>
-          </a:p>
-          <a:p>
-            <a:endParaRPr kumimoji="1" lang="ja-JP" altLang="en-US" sz="2400" dirty="0"/>
-          </a:p>
-        </p:txBody>
-      </p:sp>
-    </p:spTree>
-    <p:extLst>
-      <p:ext uri="{BB962C8B-B14F-4D97-AF65-F5344CB8AC3E}">
-        <p14:creationId xmlns:p14="http://schemas.microsoft.com/office/powerpoint/2010/main" val="1808138019"/>
-      </p:ext>
-    </p:extLst>
-  </p:cSld>
-  <p:clrMapOvr>
-    <a:masterClrMapping/>
-  </p:clrMapOvr>
-  <p:timing>
-    <p:tnLst>
-      <p:par>
-        <p:cTn id="1" dur="indefinite" restart="never" nodeType="tmRoot"/>
-      </p:par>
-    </p:tnLst>
-  </p:timing>
-</p:sld>
-</file>
-
-<file path=ppt/slides/slide3.xml><?xml version="1.0" encoding="utf-8"?>
-<p:sld xmlns:a="http://schemas.openxmlformats.org/drawingml/2006/main" xmlns:r="http://schemas.openxmlformats.org/officeDocument/2006/relationships" xmlns:p="http://schemas.openxmlformats.org/presentationml/2006/main">
-  <p:cSld>
-    <p:spTree>
-      <p:nvGrpSpPr>
-        <p:cNvPr id="1" name=""/>
-        <p:cNvGrpSpPr/>
-        <p:nvPr/>
-      </p:nvGrpSpPr>
-      <p:grpSpPr>
-        <a:xfrm>
-          <a:off x="0" y="0"/>
-          <a:ext cx="0" cy="0"/>
-          <a:chOff x="0" y="0"/>
-          <a:chExt cx="0" cy="0"/>
-        </a:xfrm>
-      </p:grpSpPr>
-      <p:sp>
-        <p:nvSpPr>
-          <p:cNvPr id="2" name="タイトル 1"/>
-          <p:cNvSpPr>
-            <a:spLocks noGrp="1"/>
-          </p:cNvSpPr>
-          <p:nvPr>
-            <p:ph type="title"/>
-          </p:nvPr>
-        </p:nvSpPr>
-        <p:spPr/>
-        <p:txBody>
-          <a:bodyPr/>
-          <a:lstStyle/>
-          <a:p>
-            <a:r>
-              <a:rPr kumimoji="1" lang="ja-JP" altLang="en-US" sz="6600" dirty="0" smtClean="0"/>
-              <a:t>侍</a:t>
-            </a:r>
-            <a:r>
-              <a:rPr kumimoji="1" lang="ja-JP" altLang="en-US" sz="3600" dirty="0" smtClean="0"/>
-              <a:t>と</a:t>
-            </a:r>
-            <a:r>
-              <a:rPr kumimoji="1" lang="ja-JP" altLang="en-US" sz="6600" dirty="0" smtClean="0"/>
-              <a:t>すし</a:t>
-            </a:r>
-            <a:endParaRPr kumimoji="1" lang="ja-JP" altLang="en-US" sz="6600" dirty="0"/>
-          </a:p>
-        </p:txBody>
-      </p:sp>
-      <p:sp>
-        <p:nvSpPr>
-          <p:cNvPr id="3" name="コンテンツ プレースホルダー 2"/>
-          <p:cNvSpPr>
-            <a:spLocks noGrp="1"/>
-          </p:cNvSpPr>
-          <p:nvPr>
-            <p:ph idx="1"/>
-          </p:nvPr>
-        </p:nvSpPr>
-        <p:spPr/>
-        <p:txBody>
-          <a:bodyPr>
-            <a:normAutofit/>
-          </a:bodyPr>
-          <a:lstStyle/>
-          <a:p>
-            <a:pPr marL="0" indent="0">
-              <a:buNone/>
-            </a:pPr>
-            <a:r>
-              <a:rPr kumimoji="1" lang="ja-JP" altLang="en-US" sz="2400" dirty="0" smtClean="0"/>
-              <a:t>時は江戸、剣術を極めた</a:t>
-            </a:r>
-            <a:r>
-              <a:rPr kumimoji="1" lang="ja-JP" altLang="en-US" sz="3200" dirty="0" smtClean="0"/>
-              <a:t>侍</a:t>
-            </a:r>
-            <a:r>
-              <a:rPr kumimoji="1" lang="ja-JP" altLang="en-US" sz="2400" dirty="0" smtClean="0"/>
-              <a:t>がいた。</a:t>
-            </a:r>
-            <a:endParaRPr kumimoji="1" lang="en-US" altLang="ja-JP" sz="2400" dirty="0" smtClean="0"/>
-          </a:p>
-          <a:p>
-            <a:pPr marL="0" indent="0">
-              <a:buNone/>
-            </a:pPr>
-            <a:r>
-              <a:rPr kumimoji="1" lang="ja-JP" altLang="en-US" sz="2400" dirty="0" smtClean="0"/>
-              <a:t>その侍は自分の剣術で</a:t>
-            </a:r>
-            <a:r>
-              <a:rPr lang="ja-JP" altLang="en-US" sz="2400" dirty="0" smtClean="0">
-                <a:solidFill>
-                  <a:srgbClr val="FF0000"/>
-                </a:solidFill>
-              </a:rPr>
-              <a:t>何かをやる</a:t>
-            </a:r>
-            <a:r>
-              <a:rPr lang="ja-JP" altLang="en-US" sz="2400" dirty="0" smtClean="0"/>
-              <a:t>と思って</a:t>
-            </a:r>
-            <a:r>
-              <a:rPr lang="en-US" altLang="ja-JP" sz="2400" dirty="0" smtClean="0"/>
-              <a:t>……</a:t>
-            </a:r>
-          </a:p>
-          <a:p>
-            <a:pPr marL="0" indent="0">
-              <a:buNone/>
-            </a:pPr>
-            <a:r>
-              <a:rPr kumimoji="1" lang="ja-JP" altLang="en-US" sz="3200" dirty="0" smtClean="0"/>
-              <a:t>すし</a:t>
-            </a:r>
-            <a:r>
-              <a:rPr kumimoji="1" lang="ja-JP" altLang="en-US" sz="3200" dirty="0"/>
-              <a:t>屋</a:t>
-            </a:r>
-            <a:r>
-              <a:rPr kumimoji="1" lang="ja-JP" altLang="en-US" sz="2400" dirty="0" smtClean="0"/>
-              <a:t>を開いた</a:t>
-            </a:r>
-            <a:endParaRPr kumimoji="1" lang="en-US" altLang="ja-JP" sz="2400" dirty="0" smtClean="0"/>
-          </a:p>
-          <a:p>
-            <a:pPr marL="0" indent="0">
-              <a:buNone/>
-            </a:pPr>
-            <a:r>
-              <a:rPr lang="ja-JP" altLang="en-US" sz="2400" dirty="0" smtClean="0"/>
-              <a:t>それはなんと、</a:t>
-            </a:r>
-            <a:endParaRPr lang="en-US" altLang="ja-JP" sz="2400" dirty="0" smtClean="0"/>
-          </a:p>
-          <a:p>
-            <a:pPr marL="0" indent="0">
-              <a:buNone/>
-            </a:pPr>
-            <a:r>
-              <a:rPr kumimoji="1" lang="ja-JP" altLang="en-US" sz="3200" dirty="0"/>
-              <a:t>刀</a:t>
-            </a:r>
-            <a:r>
-              <a:rPr kumimoji="1" lang="ja-JP" altLang="en-US" sz="2400" dirty="0" smtClean="0"/>
-              <a:t>で</a:t>
-            </a:r>
-            <a:r>
-              <a:rPr kumimoji="1" lang="ja-JP" altLang="en-US" sz="2400" dirty="0"/>
-              <a:t>すし</a:t>
-            </a:r>
-            <a:r>
-              <a:rPr kumimoji="1" lang="ja-JP" altLang="en-US" sz="2400" dirty="0" smtClean="0"/>
-              <a:t>を作ることだと</a:t>
-            </a:r>
-            <a:endParaRPr kumimoji="1" lang="en-US" altLang="ja-JP" sz="2400" dirty="0" smtClean="0"/>
-          </a:p>
-        </p:txBody>
-      </p:sp>
-      <p:grpSp>
-        <p:nvGrpSpPr>
-          <p:cNvPr id="8" name="グループ化 7"/>
-          <p:cNvGrpSpPr/>
-          <p:nvPr/>
-        </p:nvGrpSpPr>
-        <p:grpSpPr>
-          <a:xfrm>
-            <a:off x="7647813" y="1188856"/>
-            <a:ext cx="3438525" cy="4190102"/>
-            <a:chOff x="7647813" y="1188856"/>
-            <a:chExt cx="3438525" cy="4190102"/>
-          </a:xfrm>
-        </p:grpSpPr>
-        <p:pic>
-          <p:nvPicPr>
-            <p:cNvPr id="4" name="図 3"/>
-            <p:cNvPicPr>
-              <a:picLocks noChangeAspect="1"/>
-            </p:cNvPicPr>
-            <p:nvPr/>
-          </p:nvPicPr>
-          <p:blipFill>
-            <a:blip r:embed="rId2">
-              <a:extLst>
-                <a:ext uri="{28A0092B-C50C-407E-A947-70E740481C1C}">
-                  <a14:useLocalDpi xmlns:a14="http://schemas.microsoft.com/office/drawing/2010/main" val="0"/>
-                </a:ext>
-              </a:extLst>
-            </a:blip>
-            <a:stretch>
-              <a:fillRect/>
-            </a:stretch>
-          </p:blipFill>
-          <p:spPr>
-            <a:xfrm>
-              <a:off x="7647813" y="2121408"/>
-              <a:ext cx="3438525" cy="3257550"/>
-            </a:xfrm>
-            <a:prstGeom prst="rect">
-              <a:avLst/>
-            </a:prstGeom>
-          </p:spPr>
-        </p:pic>
-        <p:pic>
-          <p:nvPicPr>
-            <p:cNvPr id="6" name="図 5"/>
-            <p:cNvPicPr>
-              <a:picLocks noChangeAspect="1"/>
-            </p:cNvPicPr>
-            <p:nvPr/>
-          </p:nvPicPr>
-          <p:blipFill>
-            <a:blip r:embed="rId3" cstate="print">
-              <a:extLst>
-                <a:ext uri="{28A0092B-C50C-407E-A947-70E740481C1C}">
-                  <a14:useLocalDpi xmlns:a14="http://schemas.microsoft.com/office/drawing/2010/main" val="0"/>
-                </a:ext>
-              </a:extLst>
-            </a:blip>
-            <a:stretch>
-              <a:fillRect/>
-            </a:stretch>
-          </p:blipFill>
-          <p:spPr>
-            <a:xfrm rot="18599931">
-              <a:off x="8099043" y="1188856"/>
-              <a:ext cx="1337337" cy="1337337"/>
-            </a:xfrm>
-            <a:prstGeom prst="rect">
-              <a:avLst/>
-            </a:prstGeom>
-          </p:spPr>
-        </p:pic>
-        <p:pic>
-          <p:nvPicPr>
-            <p:cNvPr id="7" name="図 6"/>
-            <p:cNvPicPr>
-              <a:picLocks noChangeAspect="1"/>
-            </p:cNvPicPr>
-            <p:nvPr/>
-          </p:nvPicPr>
-          <p:blipFill>
-            <a:blip r:embed="rId4" cstate="print">
-              <a:extLst>
-                <a:ext uri="{28A0092B-C50C-407E-A947-70E740481C1C}">
-                  <a14:useLocalDpi xmlns:a14="http://schemas.microsoft.com/office/drawing/2010/main" val="0"/>
-                </a:ext>
-              </a:extLst>
-            </a:blip>
-            <a:stretch>
-              <a:fillRect/>
-            </a:stretch>
-          </p:blipFill>
-          <p:spPr>
-            <a:xfrm rot="16817351">
-              <a:off x="7756496" y="1865892"/>
-              <a:ext cx="1337337" cy="1337337"/>
-            </a:xfrm>
-            <a:prstGeom prst="rect">
-              <a:avLst/>
-            </a:prstGeom>
-          </p:spPr>
-        </p:pic>
-      </p:grpSp>
-    </p:spTree>
-    <p:extLst>
-      <p:ext uri="{BB962C8B-B14F-4D97-AF65-F5344CB8AC3E}">
-        <p14:creationId xmlns:p14="http://schemas.microsoft.com/office/powerpoint/2010/main" val="527194644"/>
-      </p:ext>
-    </p:extLst>
-  </p:cSld>
-  <p:clrMapOvr>
-    <a:masterClrMapping/>
-  </p:clrMapOvr>
-  <p:timing>
-    <p:tnLst>
-      <p:par>
-        <p:cTn id="1" dur="indefinite" restart="never" nodeType="tmRoot"/>
-      </p:par>
-    </p:tnLst>
-  </p:timing>
-</p:sld>
-</file>
-
-<file path=ppt/slides/slide4.xml><?xml version="1.0" encoding="utf-8"?>
-<p:sld xmlns:a="http://schemas.openxmlformats.org/drawingml/2006/main" xmlns:r="http://schemas.openxmlformats.org/officeDocument/2006/relationships" xmlns:p="http://schemas.openxmlformats.org/presentationml/2006/main">
-  <p:cSld>
-    <p:spTree>
-      <p:nvGrpSpPr>
-        <p:cNvPr id="1" name=""/>
-        <p:cNvGrpSpPr/>
-        <p:nvPr/>
-      </p:nvGrpSpPr>
-      <p:grpSpPr>
-        <a:xfrm>
-          <a:off x="0" y="0"/>
-          <a:ext cx="0" cy="0"/>
-          <a:chOff x="0" y="0"/>
-          <a:chExt cx="0" cy="0"/>
-        </a:xfrm>
-      </p:grpSpPr>
-      <p:sp>
-        <p:nvSpPr>
-          <p:cNvPr id="2" name="タイトル 1"/>
-          <p:cNvSpPr>
-            <a:spLocks noGrp="1"/>
-          </p:cNvSpPr>
-          <p:nvPr>
-            <p:ph type="title"/>
-          </p:nvPr>
-        </p:nvSpPr>
-        <p:spPr/>
-        <p:txBody>
-          <a:bodyPr/>
-          <a:lstStyle/>
-          <a:p>
-            <a:r>
-              <a:rPr kumimoji="1" lang="ja-JP" altLang="en-US" dirty="0" smtClean="0"/>
-              <a:t>魚の切り方</a:t>
-            </a:r>
-            <a:endParaRPr kumimoji="1" lang="ja-JP" altLang="en-US" dirty="0"/>
-          </a:p>
-        </p:txBody>
-      </p:sp>
-      <p:sp>
-        <p:nvSpPr>
-          <p:cNvPr id="3" name="テキスト プレースホルダー 2"/>
-          <p:cNvSpPr>
-            <a:spLocks noGrp="1"/>
-          </p:cNvSpPr>
-          <p:nvPr>
-            <p:ph type="body" idx="1"/>
-          </p:nvPr>
-        </p:nvSpPr>
-        <p:spPr/>
-        <p:txBody>
-          <a:bodyPr/>
-          <a:lstStyle/>
-          <a:p>
-            <a:endParaRPr kumimoji="1" lang="ja-JP" altLang="en-US"/>
-          </a:p>
-        </p:txBody>
-      </p:sp>
-      <p:sp>
-        <p:nvSpPr>
-          <p:cNvPr id="4" name="コンテンツ プレースホルダー 3"/>
-          <p:cNvSpPr>
-            <a:spLocks noGrp="1"/>
-          </p:cNvSpPr>
-          <p:nvPr>
-            <p:ph sz="half" idx="2"/>
-          </p:nvPr>
-        </p:nvSpPr>
-        <p:spPr/>
-        <p:txBody>
-          <a:bodyPr/>
-          <a:lstStyle/>
-          <a:p>
-            <a:endParaRPr kumimoji="1" lang="ja-JP" altLang="en-US"/>
-          </a:p>
-        </p:txBody>
-      </p:sp>
-      <p:sp>
-        <p:nvSpPr>
-          <p:cNvPr id="5" name="テキスト プレースホルダー 4"/>
-          <p:cNvSpPr>
-            <a:spLocks noGrp="1"/>
-          </p:cNvSpPr>
-          <p:nvPr>
-            <p:ph type="body" sz="quarter" idx="3"/>
-          </p:nvPr>
-        </p:nvSpPr>
-        <p:spPr/>
-        <p:txBody>
-          <a:bodyPr/>
-          <a:lstStyle/>
-          <a:p>
-            <a:endParaRPr kumimoji="1" lang="ja-JP" altLang="en-US"/>
-          </a:p>
-        </p:txBody>
-      </p:sp>
-      <p:sp>
-        <p:nvSpPr>
-          <p:cNvPr id="6" name="コンテンツ プレースホルダー 5"/>
-          <p:cNvSpPr>
-            <a:spLocks noGrp="1"/>
-          </p:cNvSpPr>
-          <p:nvPr>
-            <p:ph sz="quarter" idx="4"/>
-          </p:nvPr>
-        </p:nvSpPr>
-        <p:spPr/>
-        <p:txBody>
-          <a:bodyPr/>
-          <a:lstStyle/>
-          <a:p>
-            <a:endParaRPr kumimoji="1" lang="ja-JP" altLang="en-US"/>
-          </a:p>
-        </p:txBody>
-      </p:sp>
-    </p:spTree>
-    <p:extLst>
-      <p:ext uri="{BB962C8B-B14F-4D97-AF65-F5344CB8AC3E}">
-        <p14:creationId xmlns:p14="http://schemas.microsoft.com/office/powerpoint/2010/main" val="4178173582"/>
-      </p:ext>
-    </p:extLst>
-  </p:cSld>
-  <p:clrMapOvr>
-    <a:masterClrMapping/>
-  </p:clrMapOvr>
-  <p:timing>
-    <p:tnLst>
-      <p:par>
-        <p:cTn id="1" dur="indefinite" restart="never" nodeType="tmRoot"/>
-      </p:par>
-    </p:tnLst>
-  </p:timing>
-</p:sld>
-</file>
-
-<file path=ppt/slides/slide5.xml><?xml version="1.0" encoding="utf-8"?>
-<p:sld xmlns:a="http://schemas.openxmlformats.org/drawingml/2006/main" xmlns:r="http://schemas.openxmlformats.org/officeDocument/2006/relationships" xmlns:p="http://schemas.openxmlformats.org/presentationml/2006/main">
-  <p:cSld>
-    <p:spTree>
-      <p:nvGrpSpPr>
-        <p:cNvPr id="1" name=""/>
-        <p:cNvGrpSpPr/>
-        <p:nvPr/>
-      </p:nvGrpSpPr>
-      <p:grpSpPr>
-        <a:xfrm>
-          <a:off x="0" y="0"/>
-          <a:ext cx="0" cy="0"/>
-          <a:chOff x="0" y="0"/>
-          <a:chExt cx="0" cy="0"/>
-        </a:xfrm>
-      </p:grpSpPr>
-      <p:sp>
-        <p:nvSpPr>
-          <p:cNvPr id="2" name="タイトル 1"/>
-          <p:cNvSpPr>
-            <a:spLocks noGrp="1"/>
-          </p:cNvSpPr>
-          <p:nvPr>
-            <p:ph type="title"/>
-          </p:nvPr>
-        </p:nvSpPr>
-        <p:spPr/>
-        <p:txBody>
-          <a:bodyPr/>
-          <a:lstStyle/>
-          <a:p>
-            <a:r>
-              <a:rPr lang="ja-JP" altLang="en-US" sz="6600" dirty="0"/>
-              <a:t>刀</a:t>
-            </a:r>
-            <a:r>
-              <a:rPr lang="ja-JP" altLang="en-US" sz="4400" dirty="0" smtClean="0"/>
-              <a:t>で</a:t>
-            </a:r>
-            <a:r>
-              <a:rPr lang="ja-JP" altLang="en-US" sz="6600" dirty="0" smtClean="0"/>
-              <a:t>すし</a:t>
-            </a:r>
-            <a:endParaRPr kumimoji="1" lang="ja-JP" altLang="en-US" sz="6600" dirty="0"/>
-          </a:p>
-        </p:txBody>
-      </p:sp>
-      <p:pic>
-        <p:nvPicPr>
-          <p:cNvPr id="3" name="図 2"/>
-          <p:cNvPicPr>
-            <a:picLocks noChangeAspect="1"/>
-          </p:cNvPicPr>
-          <p:nvPr/>
-        </p:nvPicPr>
-        <p:blipFill>
-          <a:blip r:embed="rId2" cstate="print">
-            <a:extLst>
-              <a:ext uri="{28A0092B-C50C-407E-A947-70E740481C1C}">
-                <a14:useLocalDpi xmlns:a14="http://schemas.microsoft.com/office/drawing/2010/main" val="0"/>
-              </a:ext>
-            </a:extLst>
-          </a:blip>
-          <a:stretch>
-            <a:fillRect/>
-          </a:stretch>
-        </p:blipFill>
-        <p:spPr>
-          <a:xfrm>
-            <a:off x="1069848" y="3739363"/>
-            <a:ext cx="1219202" cy="1219202"/>
-          </a:xfrm>
-          <a:prstGeom prst="rect">
-            <a:avLst/>
-          </a:prstGeom>
-        </p:spPr>
-      </p:pic>
-      <p:pic>
-        <p:nvPicPr>
-          <p:cNvPr id="4" name="図 3"/>
-          <p:cNvPicPr>
-            <a:picLocks noChangeAspect="1"/>
-          </p:cNvPicPr>
-          <p:nvPr/>
-        </p:nvPicPr>
-        <p:blipFill>
-          <a:blip r:embed="rId2" cstate="print">
-            <a:extLst>
-              <a:ext uri="{28A0092B-C50C-407E-A947-70E740481C1C}">
-                <a14:useLocalDpi xmlns:a14="http://schemas.microsoft.com/office/drawing/2010/main" val="0"/>
-              </a:ext>
-            </a:extLst>
-          </a:blip>
-          <a:stretch>
-            <a:fillRect/>
-          </a:stretch>
-        </p:blipFill>
-        <p:spPr>
-          <a:xfrm>
-            <a:off x="4418360" y="2924703"/>
-            <a:ext cx="1219202" cy="1219202"/>
-          </a:xfrm>
-          <a:prstGeom prst="rect">
-            <a:avLst/>
-          </a:prstGeom>
-        </p:spPr>
-      </p:pic>
-      <p:pic>
-        <p:nvPicPr>
-          <p:cNvPr id="7" name="図 6"/>
-          <p:cNvPicPr>
-            <a:picLocks noChangeAspect="1"/>
-          </p:cNvPicPr>
-          <p:nvPr/>
-        </p:nvPicPr>
-        <p:blipFill>
-          <a:blip r:embed="rId3" cstate="print">
-            <a:extLst>
-              <a:ext uri="{28A0092B-C50C-407E-A947-70E740481C1C}">
-                <a14:useLocalDpi xmlns:a14="http://schemas.microsoft.com/office/drawing/2010/main" val="0"/>
-              </a:ext>
-            </a:extLst>
-          </a:blip>
-          <a:stretch>
-            <a:fillRect/>
-          </a:stretch>
-        </p:blipFill>
-        <p:spPr>
-          <a:xfrm>
-            <a:off x="4505610" y="5658133"/>
-            <a:ext cx="1044703" cy="863125"/>
-          </a:xfrm>
-          <a:prstGeom prst="rect">
-            <a:avLst/>
-          </a:prstGeom>
-        </p:spPr>
-      </p:pic>
-      <p:pic>
-        <p:nvPicPr>
-          <p:cNvPr id="5" name="図 4"/>
-          <p:cNvPicPr>
-            <a:picLocks noChangeAspect="1"/>
-          </p:cNvPicPr>
-          <p:nvPr/>
-        </p:nvPicPr>
-        <p:blipFill>
-          <a:blip r:embed="rId4" cstate="print">
-            <a:extLst>
-              <a:ext uri="{28A0092B-C50C-407E-A947-70E740481C1C}">
-                <a14:useLocalDpi xmlns:a14="http://schemas.microsoft.com/office/drawing/2010/main" val="0"/>
-              </a:ext>
-            </a:extLst>
-          </a:blip>
-          <a:stretch>
-            <a:fillRect/>
-          </a:stretch>
-        </p:blipFill>
-        <p:spPr>
-          <a:xfrm>
-            <a:off x="4665058" y="4545120"/>
-            <a:ext cx="725806" cy="725806"/>
-          </a:xfrm>
-          <a:prstGeom prst="rect">
-            <a:avLst/>
-          </a:prstGeom>
-        </p:spPr>
-      </p:pic>
-      <p:pic>
-        <p:nvPicPr>
-          <p:cNvPr id="6" name="図 5"/>
-          <p:cNvPicPr>
-            <a:picLocks noChangeAspect="1"/>
-          </p:cNvPicPr>
-          <p:nvPr/>
-        </p:nvPicPr>
-        <p:blipFill>
-          <a:blip r:embed="rId5" cstate="print">
-            <a:extLst>
-              <a:ext uri="{28A0092B-C50C-407E-A947-70E740481C1C}">
-                <a14:useLocalDpi xmlns:a14="http://schemas.microsoft.com/office/drawing/2010/main" val="0"/>
-              </a:ext>
-            </a:extLst>
-          </a:blip>
-          <a:stretch>
-            <a:fillRect/>
-          </a:stretch>
-        </p:blipFill>
-        <p:spPr>
-          <a:xfrm>
-            <a:off x="4641723" y="5577901"/>
-            <a:ext cx="772478" cy="772478"/>
-          </a:xfrm>
-          <a:prstGeom prst="rect">
-            <a:avLst/>
-          </a:prstGeom>
-        </p:spPr>
-      </p:pic>
-      <p:sp>
-        <p:nvSpPr>
-          <p:cNvPr id="9" name="下矢印 8"/>
-          <p:cNvSpPr/>
-          <p:nvPr/>
-        </p:nvSpPr>
-        <p:spPr>
-          <a:xfrm>
-            <a:off x="4937637" y="5242061"/>
-            <a:ext cx="180648" cy="364705"/>
-          </a:xfrm>
-          <a:prstGeom prst="downArrow">
-            <a:avLst/>
-          </a:prstGeom>
-        </p:spPr>
-        <p:style>
-          <a:lnRef idx="2">
-            <a:schemeClr val="accent6">
-              <a:shade val="50000"/>
-            </a:schemeClr>
-          </a:lnRef>
-          <a:fillRef idx="1">
-            <a:schemeClr val="accent6"/>
-          </a:fillRef>
-          <a:effectRef idx="0">
-            <a:schemeClr val="accent6"/>
-          </a:effectRef>
-          <a:fontRef idx="minor">
-            <a:schemeClr val="lt1"/>
-          </a:fontRef>
-        </p:style>
-        <p:txBody>
-          <a:bodyPr rtlCol="0" anchor="ctr"/>
-          <a:lstStyle/>
-          <a:p>
-            <a:pPr algn="ctr"/>
-            <a:endParaRPr kumimoji="1" lang="ja-JP" altLang="en-US"/>
-          </a:p>
-        </p:txBody>
-      </p:sp>
-      <p:grpSp>
-        <p:nvGrpSpPr>
-          <p:cNvPr id="14" name="グループ化 13"/>
-          <p:cNvGrpSpPr/>
-          <p:nvPr/>
-        </p:nvGrpSpPr>
-        <p:grpSpPr>
-          <a:xfrm>
-            <a:off x="7467402" y="4190636"/>
-            <a:ext cx="2004058" cy="1369559"/>
-            <a:chOff x="7364448" y="3557927"/>
-            <a:chExt cx="2004058" cy="1369559"/>
-          </a:xfrm>
-        </p:grpSpPr>
-        <p:pic>
-          <p:nvPicPr>
-            <p:cNvPr id="10" name="図 9"/>
-            <p:cNvPicPr>
-              <a:picLocks noChangeAspect="1"/>
-            </p:cNvPicPr>
-            <p:nvPr/>
-          </p:nvPicPr>
-          <p:blipFill>
-            <a:blip r:embed="rId6" cstate="print">
-              <a:extLst>
-                <a:ext uri="{28A0092B-C50C-407E-A947-70E740481C1C}">
-                  <a14:useLocalDpi xmlns:a14="http://schemas.microsoft.com/office/drawing/2010/main" val="0"/>
-                </a:ext>
-              </a:extLst>
-            </a:blip>
-            <a:stretch>
-              <a:fillRect/>
-            </a:stretch>
-          </p:blipFill>
-          <p:spPr>
-            <a:xfrm rot="1800000">
-              <a:off x="8031169" y="3557927"/>
-              <a:ext cx="1337337" cy="1337337"/>
-            </a:xfrm>
-            <a:prstGeom prst="rect">
-              <a:avLst/>
-            </a:prstGeom>
-          </p:spPr>
-        </p:pic>
-        <p:pic>
-          <p:nvPicPr>
-            <p:cNvPr id="11" name="図 10"/>
-            <p:cNvPicPr>
-              <a:picLocks noChangeAspect="1"/>
-            </p:cNvPicPr>
-            <p:nvPr/>
-          </p:nvPicPr>
-          <p:blipFill>
-            <a:blip r:embed="rId7" cstate="print">
-              <a:extLst>
-                <a:ext uri="{28A0092B-C50C-407E-A947-70E740481C1C}">
-                  <a14:useLocalDpi xmlns:a14="http://schemas.microsoft.com/office/drawing/2010/main" val="0"/>
-                </a:ext>
-              </a:extLst>
-            </a:blip>
-            <a:stretch>
-              <a:fillRect/>
-            </a:stretch>
-          </p:blipFill>
-          <p:spPr>
-            <a:xfrm rot="18900000">
-              <a:off x="7364448" y="3590149"/>
-              <a:ext cx="1337337" cy="1337337"/>
-            </a:xfrm>
-            <a:prstGeom prst="rect">
-              <a:avLst/>
-            </a:prstGeom>
-          </p:spPr>
-        </p:pic>
-      </p:grpSp>
-      <p:pic>
-        <p:nvPicPr>
-          <p:cNvPr id="12" name="図 11"/>
-          <p:cNvPicPr>
-            <a:picLocks noChangeAspect="1"/>
-          </p:cNvPicPr>
-          <p:nvPr/>
-        </p:nvPicPr>
-        <p:blipFill>
-          <a:blip r:embed="rId2" cstate="print">
-            <a:extLst>
-              <a:ext uri="{28A0092B-C50C-407E-A947-70E740481C1C}">
-                <a14:useLocalDpi xmlns:a14="http://schemas.microsoft.com/office/drawing/2010/main" val="0"/>
-              </a:ext>
-            </a:extLst>
-          </a:blip>
-          <a:stretch>
-            <a:fillRect/>
-          </a:stretch>
-        </p:blipFill>
-        <p:spPr>
-          <a:xfrm>
-            <a:off x="7859830" y="2924703"/>
-            <a:ext cx="1219202" cy="1219202"/>
-          </a:xfrm>
-          <a:prstGeom prst="rect">
-            <a:avLst/>
-          </a:prstGeom>
-        </p:spPr>
-      </p:pic>
-      <p:sp>
-        <p:nvSpPr>
-          <p:cNvPr id="15" name="下矢印 14"/>
-          <p:cNvSpPr/>
-          <p:nvPr/>
-        </p:nvSpPr>
-        <p:spPr>
-          <a:xfrm>
-            <a:off x="8379107" y="4180415"/>
-            <a:ext cx="180648" cy="364705"/>
-          </a:xfrm>
-          <a:prstGeom prst="downArrow">
-            <a:avLst/>
-          </a:prstGeom>
-        </p:spPr>
-        <p:style>
-          <a:lnRef idx="2">
-            <a:schemeClr val="accent6">
-              <a:shade val="50000"/>
-            </a:schemeClr>
-          </a:lnRef>
-          <a:fillRef idx="1">
-            <a:schemeClr val="accent6"/>
-          </a:fillRef>
-          <a:effectRef idx="0">
-            <a:schemeClr val="accent6"/>
-          </a:effectRef>
-          <a:fontRef idx="minor">
-            <a:schemeClr val="lt1"/>
-          </a:fontRef>
-        </p:style>
-        <p:txBody>
-          <a:bodyPr rtlCol="0" anchor="ctr"/>
-          <a:lstStyle/>
-          <a:p>
-            <a:pPr algn="ctr"/>
-            <a:endParaRPr kumimoji="1" lang="ja-JP" altLang="en-US"/>
-          </a:p>
-        </p:txBody>
-      </p:sp>
-      <p:sp>
-        <p:nvSpPr>
-          <p:cNvPr id="16" name="下矢印 15"/>
-          <p:cNvSpPr/>
-          <p:nvPr/>
-        </p:nvSpPr>
-        <p:spPr>
-          <a:xfrm>
-            <a:off x="4937637" y="4195272"/>
-            <a:ext cx="180648" cy="364705"/>
-          </a:xfrm>
-          <a:prstGeom prst="downArrow">
-            <a:avLst/>
-          </a:prstGeom>
-        </p:spPr>
-        <p:style>
-          <a:lnRef idx="2">
-            <a:schemeClr val="accent6">
-              <a:shade val="50000"/>
-            </a:schemeClr>
-          </a:lnRef>
-          <a:fillRef idx="1">
-            <a:schemeClr val="accent6"/>
-          </a:fillRef>
-          <a:effectRef idx="0">
-            <a:schemeClr val="accent6"/>
-          </a:effectRef>
-          <a:fontRef idx="minor">
-            <a:schemeClr val="lt1"/>
-          </a:fontRef>
-        </p:style>
-        <p:txBody>
-          <a:bodyPr rtlCol="0" anchor="ctr"/>
-          <a:lstStyle/>
-          <a:p>
-            <a:pPr algn="ctr"/>
-            <a:endParaRPr kumimoji="1" lang="ja-JP" altLang="en-US"/>
-          </a:p>
-        </p:txBody>
-      </p:sp>
-      <p:pic>
-        <p:nvPicPr>
-          <p:cNvPr id="8" name="図 7"/>
-          <p:cNvPicPr>
-            <a:picLocks noChangeAspect="1"/>
-          </p:cNvPicPr>
-          <p:nvPr/>
-        </p:nvPicPr>
-        <p:blipFill>
-          <a:blip r:embed="rId8" cstate="print">
-            <a:extLst>
-              <a:ext uri="{28A0092B-C50C-407E-A947-70E740481C1C}">
-                <a14:useLocalDpi xmlns:a14="http://schemas.microsoft.com/office/drawing/2010/main" val="0"/>
-              </a:ext>
-            </a:extLst>
-          </a:blip>
-          <a:stretch>
-            <a:fillRect/>
-          </a:stretch>
-        </p:blipFill>
-        <p:spPr>
-          <a:xfrm rot="19659741" flipH="1">
-            <a:off x="8533260" y="1276953"/>
-            <a:ext cx="1249483" cy="1454467"/>
-          </a:xfrm>
-          <a:prstGeom prst="rect">
-            <a:avLst/>
-          </a:prstGeom>
-        </p:spPr>
-      </p:pic>
-      <p:pic>
-        <p:nvPicPr>
-          <p:cNvPr id="13" name="図 12"/>
-          <p:cNvPicPr>
-            <a:picLocks noChangeAspect="1"/>
-          </p:cNvPicPr>
-          <p:nvPr/>
-        </p:nvPicPr>
-        <p:blipFill>
-          <a:blip r:embed="rId9" cstate="print">
-            <a:extLst>
-              <a:ext uri="{28A0092B-C50C-407E-A947-70E740481C1C}">
-                <a14:useLocalDpi xmlns:a14="http://schemas.microsoft.com/office/drawing/2010/main" val="0"/>
-              </a:ext>
-            </a:extLst>
-          </a:blip>
-          <a:stretch>
-            <a:fillRect/>
-          </a:stretch>
-        </p:blipFill>
-        <p:spPr>
-          <a:xfrm>
-            <a:off x="9501941" y="1128274"/>
-            <a:ext cx="428538" cy="665283"/>
-          </a:xfrm>
-          <a:prstGeom prst="rect">
-            <a:avLst/>
-          </a:prstGeom>
-        </p:spPr>
-      </p:pic>
-      <p:cxnSp>
-        <p:nvCxnSpPr>
-          <p:cNvPr id="18" name="直線コネクタ 17"/>
-          <p:cNvCxnSpPr/>
-          <p:nvPr/>
-        </p:nvCxnSpPr>
-        <p:spPr>
-          <a:xfrm>
-            <a:off x="3931920" y="3513188"/>
-            <a:ext cx="2410261" cy="207184"/>
-          </a:xfrm>
-          <a:prstGeom prst="line">
-            <a:avLst/>
-          </a:prstGeom>
-          <a:ln w="57150">
-            <a:solidFill>
-              <a:srgbClr val="FF0000"/>
-            </a:solidFill>
-          </a:ln>
-        </p:spPr>
-        <p:style>
-          <a:lnRef idx="1">
-            <a:schemeClr val="accent1"/>
-          </a:lnRef>
-          <a:fillRef idx="0">
-            <a:schemeClr val="accent1"/>
-          </a:fillRef>
-          <a:effectRef idx="0">
-            <a:schemeClr val="accent1"/>
-          </a:effectRef>
-          <a:fontRef idx="minor">
-            <a:schemeClr val="tx1"/>
-          </a:fontRef>
-        </p:style>
-      </p:cxnSp>
-      <p:cxnSp>
-        <p:nvCxnSpPr>
-          <p:cNvPr id="22" name="直線コネクタ 21"/>
-          <p:cNvCxnSpPr/>
-          <p:nvPr/>
-        </p:nvCxnSpPr>
-        <p:spPr>
-          <a:xfrm flipH="1">
-            <a:off x="7397496" y="3044952"/>
-            <a:ext cx="1801368" cy="1150320"/>
-          </a:xfrm>
-          <a:prstGeom prst="line">
-            <a:avLst/>
-          </a:prstGeom>
-          <a:ln w="57150">
-            <a:solidFill>
-              <a:srgbClr val="FF0000"/>
-            </a:solidFill>
-          </a:ln>
-        </p:spPr>
-        <p:style>
-          <a:lnRef idx="1">
-            <a:schemeClr val="accent1"/>
-          </a:lnRef>
-          <a:fillRef idx="0">
-            <a:schemeClr val="accent1"/>
-          </a:fillRef>
-          <a:effectRef idx="0">
-            <a:schemeClr val="accent1"/>
-          </a:effectRef>
-          <a:fontRef idx="minor">
-            <a:schemeClr val="tx1"/>
-          </a:fontRef>
-        </p:style>
-      </p:cxnSp>
-    </p:spTree>
-    <p:extLst>
-      <p:ext uri="{BB962C8B-B14F-4D97-AF65-F5344CB8AC3E}">
-        <p14:creationId xmlns:p14="http://schemas.microsoft.com/office/powerpoint/2010/main" val="2436297975"/>
-      </p:ext>
-    </p:extLst>
-  </p:cSld>
-  <p:clrMapOvr>
-    <a:masterClrMapping/>
-  </p:clrMapOvr>
-  <p:timing>
-    <p:tnLst>
-      <p:par>
-        <p:cTn id="1" dur="indefinite" restart="never" nodeType="tmRoot"/>
-      </p:par>
-    </p:tnLst>
-  </p:timing>
-</p:sld>
-</file>
-
-<file path=ppt/slides/slide6.xml><?xml version="1.0" encoding="utf-8"?>
-<p:sld xmlns:a="http://schemas.openxmlformats.org/drawingml/2006/main" xmlns:r="http://schemas.openxmlformats.org/officeDocument/2006/relationships" xmlns:p="http://schemas.openxmlformats.org/presentationml/2006/main">
-  <p:cSld>
-    <p:spTree>
-      <p:nvGrpSpPr>
-        <p:cNvPr id="1" name=""/>
-        <p:cNvGrpSpPr/>
-        <p:nvPr/>
-      </p:nvGrpSpPr>
-      <p:grpSpPr>
-        <a:xfrm>
-          <a:off x="0" y="0"/>
-          <a:ext cx="0" cy="0"/>
-          <a:chOff x="0" y="0"/>
-          <a:chExt cx="0" cy="0"/>
-        </a:xfrm>
-      </p:grpSpPr>
-      <p:sp>
-        <p:nvSpPr>
-          <p:cNvPr id="2" name="タイトル 1"/>
-          <p:cNvSpPr>
-            <a:spLocks noGrp="1"/>
-          </p:cNvSpPr>
-          <p:nvPr>
-            <p:ph type="title"/>
-          </p:nvPr>
-        </p:nvSpPr>
-        <p:spPr/>
-        <p:txBody>
-          <a:bodyPr/>
-          <a:lstStyle/>
-          <a:p>
-            <a:endParaRPr kumimoji="1" lang="ja-JP" altLang="en-US"/>
-          </a:p>
-        </p:txBody>
-      </p:sp>
-    </p:spTree>
-    <p:extLst>
-      <p:ext uri="{BB962C8B-B14F-4D97-AF65-F5344CB8AC3E}">
-        <p14:creationId xmlns:p14="http://schemas.microsoft.com/office/powerpoint/2010/main" val="3695160474"/>
-      </p:ext>
-    </p:extLst>
-  </p:cSld>
-  <p:clrMapOvr>
-    <a:masterClrMapping/>
-  </p:clrMapOvr>
-  <p:timing>
-    <p:tnLst>
-      <p:par>
-        <p:cTn id="1" dur="indefinite" restart="never" nodeType="tmRoot"/>
-      </p:par>
-    </p:tnLst>
-  </p:timing>
-</p:sld>
-</file>
-
-<file path=ppt/slides/slide7.xml><?xml version="1.0" encoding="utf-8"?>
-<p:sld xmlns:a="http://schemas.openxmlformats.org/drawingml/2006/main" xmlns:r="http://schemas.openxmlformats.org/officeDocument/2006/relationships" xmlns:p="http://schemas.openxmlformats.org/presentationml/2006/main">
-  <p:cSld>
-    <p:spTree>
-      <p:nvGrpSpPr>
-        <p:cNvPr id="1" name=""/>
-        <p:cNvGrpSpPr/>
-        <p:nvPr/>
-      </p:nvGrpSpPr>
-      <p:grpSpPr>
-        <a:xfrm>
-          <a:off x="0" y="0"/>
-          <a:ext cx="0" cy="0"/>
-          <a:chOff x="0" y="0"/>
-          <a:chExt cx="0" cy="0"/>
-        </a:xfrm>
-      </p:grpSpPr>
-      <p:sp>
-        <p:nvSpPr>
-          <p:cNvPr id="2" name="タイトル 1"/>
-          <p:cNvSpPr>
-            <a:spLocks noGrp="1"/>
-          </p:cNvSpPr>
-          <p:nvPr>
-            <p:ph type="title"/>
-          </p:nvPr>
-        </p:nvSpPr>
-        <p:spPr/>
-        <p:txBody>
-          <a:bodyPr/>
-          <a:lstStyle/>
-          <a:p>
-            <a:r>
-              <a:rPr kumimoji="1" lang="ja-JP" altLang="en-US" dirty="0" smtClean="0"/>
-              <a:t>様々な魚</a:t>
-            </a:r>
-            <a:endParaRPr kumimoji="1" lang="ja-JP" altLang="en-US" dirty="0"/>
-          </a:p>
-        </p:txBody>
-      </p:sp>
-      <p:pic>
-        <p:nvPicPr>
-          <p:cNvPr id="5" name="コンテンツ プレースホルダー 4"/>
-          <p:cNvPicPr>
-            <a:picLocks noGrp="1" noChangeAspect="1"/>
-          </p:cNvPicPr>
-          <p:nvPr>
-            <p:ph sz="half" idx="1"/>
-          </p:nvPr>
-        </p:nvPicPr>
-        <p:blipFill>
-          <a:blip r:embed="rId2" cstate="print">
-            <a:extLst>
-              <a:ext uri="{28A0092B-C50C-407E-A947-70E740481C1C}">
-                <a14:useLocalDpi xmlns:a14="http://schemas.microsoft.com/office/drawing/2010/main" val="0"/>
-              </a:ext>
-            </a:extLst>
-          </a:blip>
-          <a:stretch>
-            <a:fillRect/>
-          </a:stretch>
-        </p:blipFill>
-        <p:spPr>
-          <a:xfrm>
-            <a:off x="2051271" y="2963860"/>
-            <a:ext cx="1219202" cy="1219202"/>
-          </a:xfrm>
-        </p:spPr>
-      </p:pic>
-      <p:pic>
-        <p:nvPicPr>
-          <p:cNvPr id="6" name="コンテンツ プレースホルダー 5"/>
-          <p:cNvPicPr>
-            <a:picLocks noGrp="1" noChangeAspect="1"/>
-          </p:cNvPicPr>
-          <p:nvPr>
-            <p:ph sz="half" idx="2"/>
-          </p:nvPr>
-        </p:nvPicPr>
-        <p:blipFill>
-          <a:blip r:embed="rId3" cstate="print">
-            <a:extLst>
-              <a:ext uri="{28A0092B-C50C-407E-A947-70E740481C1C}">
-                <a14:useLocalDpi xmlns:a14="http://schemas.microsoft.com/office/drawing/2010/main" val="0"/>
-              </a:ext>
-            </a:extLst>
-          </a:blip>
-          <a:stretch>
-            <a:fillRect/>
-          </a:stretch>
-        </p:blipFill>
-        <p:spPr>
-          <a:xfrm>
-            <a:off x="8214264" y="2963860"/>
-            <a:ext cx="1219202" cy="1219202"/>
-          </a:xfrm>
-        </p:spPr>
-      </p:pic>
-      <p:pic>
-        <p:nvPicPr>
-          <p:cNvPr id="7" name="図 6"/>
-          <p:cNvPicPr>
-            <a:picLocks noChangeAspect="1"/>
-          </p:cNvPicPr>
-          <p:nvPr/>
-        </p:nvPicPr>
-        <p:blipFill>
-          <a:blip r:embed="rId4" cstate="print">
-            <a:extLst>
-              <a:ext uri="{28A0092B-C50C-407E-A947-70E740481C1C}">
-                <a14:useLocalDpi xmlns:a14="http://schemas.microsoft.com/office/drawing/2010/main" val="0"/>
-              </a:ext>
-            </a:extLst>
-          </a:blip>
-          <a:stretch>
-            <a:fillRect/>
-          </a:stretch>
-        </p:blipFill>
-        <p:spPr>
-          <a:xfrm>
-            <a:off x="5132767" y="2963860"/>
-            <a:ext cx="1219202" cy="1219202"/>
-          </a:xfrm>
-          <a:prstGeom prst="rect">
-            <a:avLst/>
-          </a:prstGeom>
-        </p:spPr>
-      </p:pic>
-      <p:sp>
-        <p:nvSpPr>
-          <p:cNvPr id="8" name="楕円 7"/>
-          <p:cNvSpPr/>
-          <p:nvPr/>
-        </p:nvSpPr>
-        <p:spPr>
-          <a:xfrm rot="2571641">
-            <a:off x="8548714" y="3142271"/>
-            <a:ext cx="925592" cy="455788"/>
-          </a:xfrm>
-          <a:prstGeom prst="ellipse">
-            <a:avLst/>
-          </a:prstGeom>
-          <a:noFill/>
-          <a:ln w="38100">
-            <a:solidFill>
-              <a:schemeClr val="accent2"/>
-            </a:solidFill>
-          </a:ln>
-        </p:spPr>
-        <p:style>
-          <a:lnRef idx="2">
-            <a:schemeClr val="accent1">
-              <a:shade val="50000"/>
-            </a:schemeClr>
-          </a:lnRef>
-          <a:fillRef idx="1">
-            <a:schemeClr val="accent1"/>
-          </a:fillRef>
-          <a:effectRef idx="0">
-            <a:schemeClr val="accent1"/>
-          </a:effectRef>
-          <a:fontRef idx="minor">
-            <a:schemeClr val="lt1"/>
-          </a:fontRef>
-        </p:style>
-        <p:txBody>
-          <a:bodyPr rtlCol="0" anchor="ctr"/>
-          <a:lstStyle/>
-          <a:p>
-            <a:pPr algn="ctr"/>
-            <a:endParaRPr kumimoji="1" lang="ja-JP" altLang="en-US"/>
-          </a:p>
-        </p:txBody>
-      </p:sp>
-      <p:sp>
-        <p:nvSpPr>
-          <p:cNvPr id="9" name="楕円 8"/>
-          <p:cNvSpPr/>
-          <p:nvPr/>
-        </p:nvSpPr>
-        <p:spPr>
-          <a:xfrm>
-            <a:off x="5660136" y="2944490"/>
-            <a:ext cx="585216" cy="629732"/>
-          </a:xfrm>
-          <a:prstGeom prst="ellipse">
-            <a:avLst/>
-          </a:prstGeom>
-          <a:noFill/>
-          <a:ln w="38100">
-            <a:solidFill>
-              <a:schemeClr val="accent2"/>
-            </a:solidFill>
-          </a:ln>
-        </p:spPr>
-        <p:style>
-          <a:lnRef idx="2">
-            <a:schemeClr val="accent1">
-              <a:shade val="50000"/>
-            </a:schemeClr>
-          </a:lnRef>
-          <a:fillRef idx="1">
-            <a:schemeClr val="accent1"/>
-          </a:fillRef>
-          <a:effectRef idx="0">
-            <a:schemeClr val="accent1"/>
-          </a:effectRef>
-          <a:fontRef idx="minor">
-            <a:schemeClr val="lt1"/>
-          </a:fontRef>
-        </p:style>
-        <p:txBody>
-          <a:bodyPr rtlCol="0" anchor="ctr"/>
-          <a:lstStyle/>
-          <a:p>
-            <a:pPr algn="ctr"/>
-            <a:endParaRPr kumimoji="1" lang="ja-JP" altLang="en-US"/>
-          </a:p>
-        </p:txBody>
-      </p:sp>
-      <p:sp>
-        <p:nvSpPr>
-          <p:cNvPr id="11" name="正方形/長方形 10"/>
-          <p:cNvSpPr/>
-          <p:nvPr/>
-        </p:nvSpPr>
-        <p:spPr>
-          <a:xfrm>
-            <a:off x="2051271" y="3060474"/>
-            <a:ext cx="1121633" cy="218252"/>
-          </a:xfrm>
-          <a:prstGeom prst="rect">
-            <a:avLst/>
-          </a:prstGeom>
-          <a:noFill/>
-          <a:ln w="38100">
-            <a:solidFill>
-              <a:schemeClr val="accent2"/>
-            </a:solidFill>
-          </a:ln>
-        </p:spPr>
-        <p:style>
-          <a:lnRef idx="2">
-            <a:schemeClr val="accent1">
-              <a:shade val="50000"/>
-            </a:schemeClr>
-          </a:lnRef>
-          <a:fillRef idx="1">
-            <a:schemeClr val="accent1"/>
-          </a:fillRef>
-          <a:effectRef idx="0">
-            <a:schemeClr val="accent1"/>
-          </a:effectRef>
-          <a:fontRef idx="minor">
-            <a:schemeClr val="lt1"/>
-          </a:fontRef>
-        </p:style>
-        <p:txBody>
-          <a:bodyPr rtlCol="0" anchor="ctr"/>
-          <a:lstStyle/>
-          <a:p>
-            <a:pPr algn="ctr"/>
-            <a:endParaRPr kumimoji="1" lang="ja-JP" altLang="en-US"/>
-          </a:p>
-        </p:txBody>
-      </p:sp>
-      <p:sp>
-        <p:nvSpPr>
-          <p:cNvPr id="12" name="正方形/長方形 11"/>
-          <p:cNvSpPr/>
-          <p:nvPr/>
-        </p:nvSpPr>
-        <p:spPr>
-          <a:xfrm>
-            <a:off x="2051271" y="3903193"/>
-            <a:ext cx="1121633" cy="218252"/>
-          </a:xfrm>
-          <a:prstGeom prst="rect">
-            <a:avLst/>
-          </a:prstGeom>
-          <a:noFill/>
-          <a:ln w="38100">
-            <a:solidFill>
-              <a:schemeClr val="accent2"/>
-            </a:solidFill>
-          </a:ln>
-        </p:spPr>
-        <p:style>
-          <a:lnRef idx="2">
-            <a:schemeClr val="accent1">
-              <a:shade val="50000"/>
-            </a:schemeClr>
-          </a:lnRef>
-          <a:fillRef idx="1">
-            <a:schemeClr val="accent1"/>
-          </a:fillRef>
-          <a:effectRef idx="0">
-            <a:schemeClr val="accent1"/>
-          </a:effectRef>
-          <a:fontRef idx="minor">
-            <a:schemeClr val="lt1"/>
-          </a:fontRef>
-        </p:style>
-        <p:txBody>
-          <a:bodyPr rtlCol="0" anchor="ctr"/>
-          <a:lstStyle/>
-          <a:p>
-            <a:pPr algn="ctr"/>
-            <a:endParaRPr kumimoji="1" lang="ja-JP" altLang="en-US"/>
-          </a:p>
-        </p:txBody>
-      </p:sp>
-      <p:sp>
-        <p:nvSpPr>
-          <p:cNvPr id="13" name="楕円 12"/>
-          <p:cNvSpPr/>
-          <p:nvPr/>
-        </p:nvSpPr>
-        <p:spPr>
-          <a:xfrm>
-            <a:off x="5132767" y="3694176"/>
-            <a:ext cx="1099354" cy="488886"/>
-          </a:xfrm>
-          <a:prstGeom prst="ellipse">
-            <a:avLst/>
-          </a:prstGeom>
-          <a:noFill/>
-          <a:ln w="38100">
-            <a:solidFill>
-              <a:schemeClr val="accent2"/>
-            </a:solidFill>
-          </a:ln>
-        </p:spPr>
-        <p:style>
-          <a:lnRef idx="2">
-            <a:schemeClr val="accent1">
-              <a:shade val="50000"/>
-            </a:schemeClr>
-          </a:lnRef>
-          <a:fillRef idx="1">
-            <a:schemeClr val="accent1"/>
-          </a:fillRef>
-          <a:effectRef idx="0">
-            <a:schemeClr val="accent1"/>
-          </a:effectRef>
-          <a:fontRef idx="minor">
-            <a:schemeClr val="lt1"/>
-          </a:fontRef>
-        </p:style>
-        <p:txBody>
-          <a:bodyPr rtlCol="0" anchor="ctr"/>
-          <a:lstStyle/>
-          <a:p>
-            <a:pPr algn="ctr"/>
-            <a:endParaRPr kumimoji="1" lang="ja-JP" altLang="en-US"/>
-          </a:p>
-        </p:txBody>
-      </p:sp>
-    </p:spTree>
-    <p:extLst>
-      <p:ext uri="{BB962C8B-B14F-4D97-AF65-F5344CB8AC3E}">
-        <p14:creationId xmlns:p14="http://schemas.microsoft.com/office/powerpoint/2010/main" val="3761124011"/>
-      </p:ext>
-    </p:extLst>
-  </p:cSld>
-  <p:clrMapOvr>
-    <a:masterClrMapping/>
-  </p:clrMapOvr>
-  <p:timing>
-    <p:tnLst>
-      <p:par>
-        <p:cTn id="1" dur="indefinite" restart="never" nodeType="tmRoot"/>
-      </p:par>
-    </p:tnLst>
-  </p:timing>
-</p:sld>
-</file>
-
-<file path=ppt/slides/slide8.xml><?xml version="1.0" encoding="utf-8"?>
-<p:sld xmlns:a="http://schemas.openxmlformats.org/drawingml/2006/main" xmlns:r="http://schemas.openxmlformats.org/officeDocument/2006/relationships" xmlns:p="http://schemas.openxmlformats.org/presentationml/2006/main">
-  <p:cSld>
-    <p:spTree>
-      <p:nvGrpSpPr>
-        <p:cNvPr id="1" name=""/>
-        <p:cNvGrpSpPr/>
-        <p:nvPr/>
-      </p:nvGrpSpPr>
-      <p:grpSpPr>
-        <a:xfrm>
-          <a:off x="0" y="0"/>
-          <a:ext cx="0" cy="0"/>
-          <a:chOff x="0" y="0"/>
-          <a:chExt cx="0" cy="0"/>
-        </a:xfrm>
-      </p:grpSpPr>
-      <p:sp>
-        <p:nvSpPr>
-          <p:cNvPr id="2" name="タイトル 1"/>
-          <p:cNvSpPr>
-            <a:spLocks noGrp="1"/>
-          </p:cNvSpPr>
-          <p:nvPr>
-            <p:ph type="title"/>
-          </p:nvPr>
-        </p:nvSpPr>
-        <p:spPr/>
-        <p:txBody>
-          <a:bodyPr/>
-          <a:lstStyle/>
-          <a:p>
-            <a:r>
-              <a:rPr kumimoji="1" lang="ja-JP" altLang="en-US" dirty="0" smtClean="0"/>
-              <a:t>町人</a:t>
-            </a:r>
-            <a:endParaRPr kumimoji="1" lang="ja-JP" altLang="en-US" dirty="0"/>
-          </a:p>
-        </p:txBody>
-      </p:sp>
-      <p:sp>
-        <p:nvSpPr>
-          <p:cNvPr id="3" name="テキスト プレースホルダー 2"/>
-          <p:cNvSpPr>
-            <a:spLocks noGrp="1"/>
-          </p:cNvSpPr>
-          <p:nvPr>
-            <p:ph type="body" idx="1"/>
-          </p:nvPr>
-        </p:nvSpPr>
-        <p:spPr/>
-        <p:txBody>
-          <a:bodyPr/>
-          <a:lstStyle/>
-          <a:p>
-            <a:endParaRPr kumimoji="1" lang="ja-JP" altLang="en-US"/>
-          </a:p>
-        </p:txBody>
-      </p:sp>
-      <p:sp>
-        <p:nvSpPr>
-          <p:cNvPr id="4" name="コンテンツ プレースホルダー 3"/>
-          <p:cNvSpPr>
-            <a:spLocks noGrp="1"/>
-          </p:cNvSpPr>
-          <p:nvPr>
-            <p:ph sz="half" idx="2"/>
-          </p:nvPr>
-        </p:nvSpPr>
-        <p:spPr/>
-        <p:txBody>
-          <a:bodyPr/>
-          <a:lstStyle/>
-          <a:p>
-            <a:endParaRPr kumimoji="1" lang="ja-JP" altLang="en-US"/>
-          </a:p>
-        </p:txBody>
-      </p:sp>
-      <p:sp>
-        <p:nvSpPr>
-          <p:cNvPr id="5" name="テキスト プレースホルダー 4"/>
-          <p:cNvSpPr>
-            <a:spLocks noGrp="1"/>
-          </p:cNvSpPr>
-          <p:nvPr>
-            <p:ph type="body" sz="quarter" idx="3"/>
-          </p:nvPr>
-        </p:nvSpPr>
-        <p:spPr/>
-        <p:txBody>
-          <a:bodyPr/>
-          <a:lstStyle/>
-          <a:p>
-            <a:endParaRPr kumimoji="1" lang="ja-JP" altLang="en-US"/>
-          </a:p>
-        </p:txBody>
-      </p:sp>
-      <p:sp>
-        <p:nvSpPr>
-          <p:cNvPr id="6" name="コンテンツ プレースホルダー 5"/>
-          <p:cNvSpPr>
-            <a:spLocks noGrp="1"/>
-          </p:cNvSpPr>
-          <p:nvPr>
-            <p:ph sz="quarter" idx="4"/>
-          </p:nvPr>
-        </p:nvSpPr>
-        <p:spPr/>
-        <p:txBody>
-          <a:bodyPr/>
-          <a:lstStyle/>
-          <a:p>
-            <a:endParaRPr kumimoji="1" lang="ja-JP" altLang="en-US"/>
-          </a:p>
-        </p:txBody>
-      </p:sp>
-    </p:spTree>
-    <p:extLst>
-      <p:ext uri="{BB962C8B-B14F-4D97-AF65-F5344CB8AC3E}">
-        <p14:creationId xmlns:p14="http://schemas.microsoft.com/office/powerpoint/2010/main" val="3471384957"/>
-      </p:ext>
-    </p:extLst>
-  </p:cSld>
-  <p:clrMapOvr>
-    <a:masterClrMapping/>
-  </p:clrMapOvr>
-  <p:timing>
-    <p:tnLst>
-      <p:par>
-        <p:cTn id="1" dur="indefinite" restart="never" nodeType="tmRoot"/>
-      </p:par>
-    </p:tnLst>
-  </p:timing>
-</p:sld>
-</file>
-
 <file path=ppt/slides/slide9.xml><?xml version="1.0" encoding="utf-8"?>
 <p:sld xmlns:a="http://schemas.openxmlformats.org/drawingml/2006/main" xmlns:r="http://schemas.openxmlformats.org/officeDocument/2006/relationships" xmlns:p="http://schemas.openxmlformats.org/presentationml/2006/main">
   <p:cSld>
@@ -9443,7 +12569,7 @@
           <a:p>
             <a:r>
               <a:rPr kumimoji="1" lang="ja-JP" altLang="en-US" dirty="0" smtClean="0"/>
-              <a:t>人気を集め、商売を盛り上げろ</a:t>
+              <a:t>他</a:t>
             </a:r>
             <a:endParaRPr kumimoji="1" lang="ja-JP" altLang="en-US" dirty="0"/>
           </a:p>
@@ -9464,11 +12590,7 @@
           <a:bodyPr/>
           <a:lstStyle/>
           <a:p>
-            <a:r>
-              <a:rPr kumimoji="1" lang="ja-JP" altLang="en-US" dirty="0" smtClean="0"/>
-              <a:t>人気は商売のイノチ</a:t>
-            </a:r>
-            <a:endParaRPr kumimoji="1" lang="ja-JP" altLang="en-US" dirty="0"/>
+            <a:endParaRPr kumimoji="1" lang="ja-JP" altLang="en-US"/>
           </a:p>
         </p:txBody>
       </p:sp>
@@ -9487,18 +12609,7 @@
           <a:bodyPr/>
           <a:lstStyle/>
           <a:p>
-            <a:r>
-              <a:rPr kumimoji="1" lang="ja-JP" altLang="en-US" dirty="0" smtClean="0"/>
-              <a:t>上手くすしを作っていれば、店の人気が上がり、たくさんのお客様が来る</a:t>
-            </a:r>
-            <a:endParaRPr kumimoji="1" lang="en-US" altLang="ja-JP" dirty="0" smtClean="0"/>
-          </a:p>
-          <a:p>
-            <a:r>
-              <a:rPr kumimoji="1" lang="ja-JP" altLang="en-US" dirty="0" smtClean="0"/>
-              <a:t>寿司を食べてもらえば、お金がもらえる</a:t>
-            </a:r>
-            <a:endParaRPr kumimoji="1" lang="ja-JP" altLang="en-US" dirty="0"/>
+            <a:endParaRPr kumimoji="1" lang="ja-JP" altLang="en-US"/>
           </a:p>
         </p:txBody>
       </p:sp>
@@ -9517,11 +12628,7 @@
           <a:bodyPr/>
           <a:lstStyle/>
           <a:p>
-            <a:r>
-              <a:rPr kumimoji="1" lang="ja-JP" altLang="en-US" dirty="0" smtClean="0"/>
-              <a:t>だから客を大切に</a:t>
-            </a:r>
-            <a:endParaRPr kumimoji="1" lang="ja-JP" altLang="en-US" dirty="0"/>
+            <a:endParaRPr kumimoji="1" lang="ja-JP" altLang="en-US"/>
           </a:p>
         </p:txBody>
       </p:sp>
@@ -9540,33 +12647,14 @@
           <a:bodyPr/>
           <a:lstStyle/>
           <a:p>
-            <a:r>
-              <a:rPr kumimoji="1" lang="ja-JP" altLang="en-US" dirty="0" smtClean="0"/>
-              <a:t>すしを切るときは、お客様を切らないように要注意</a:t>
-            </a:r>
-            <a:endParaRPr kumimoji="1" lang="en-US" altLang="ja-JP" dirty="0" smtClean="0"/>
-          </a:p>
-          <a:p>
-            <a:r>
-              <a:rPr lang="ja-JP" altLang="en-US" dirty="0"/>
-              <a:t>人気</a:t>
-            </a:r>
-            <a:r>
-              <a:rPr lang="ja-JP" altLang="en-US" dirty="0" smtClean="0"/>
-              <a:t>がなくなるとゲーム</a:t>
-            </a:r>
-            <a:r>
-              <a:rPr lang="ja-JP" altLang="en-US" dirty="0"/>
-              <a:t>オーバー</a:t>
-            </a:r>
-            <a:endParaRPr kumimoji="1" lang="ja-JP" altLang="en-US" dirty="0"/>
+            <a:endParaRPr kumimoji="1" lang="ja-JP" altLang="en-US"/>
           </a:p>
         </p:txBody>
       </p:sp>
     </p:spTree>
     <p:extLst>
       <p:ext uri="{BB962C8B-B14F-4D97-AF65-F5344CB8AC3E}">
-        <p14:creationId xmlns:p14="http://schemas.microsoft.com/office/powerpoint/2010/main" val="2823977695"/>
+        <p14:creationId xmlns:p14="http://schemas.microsoft.com/office/powerpoint/2010/main" val="1282148534"/>
       </p:ext>
     </p:extLst>
   </p:cSld>
@@ -9810,4 +12898,265 @@
     </a:ext>
   </a:extLst>
 </a:theme>
+</file>
+
+<file path=ppt/theme/theme2.xml><?xml version="1.0" encoding="utf-8"?>
+<a:theme xmlns:a="http://schemas.openxmlformats.org/drawingml/2006/main" name="Office テーマ">
+  <a:themeElements>
+    <a:clrScheme name="Office">
+      <a:dk1>
+        <a:sysClr val="windowText" lastClr="000000"/>
+      </a:dk1>
+      <a:lt1>
+        <a:sysClr val="window" lastClr="FFFFFF"/>
+      </a:lt1>
+      <a:dk2>
+        <a:srgbClr val="44546A"/>
+      </a:dk2>
+      <a:lt2>
+        <a:srgbClr val="E7E6E6"/>
+      </a:lt2>
+      <a:accent1>
+        <a:srgbClr val="5B9BD5"/>
+      </a:accent1>
+      <a:accent2>
+        <a:srgbClr val="ED7D31"/>
+      </a:accent2>
+      <a:accent3>
+        <a:srgbClr val="A5A5A5"/>
+      </a:accent3>
+      <a:accent4>
+        <a:srgbClr val="FFC000"/>
+      </a:accent4>
+      <a:accent5>
+        <a:srgbClr val="4472C4"/>
+      </a:accent5>
+      <a:accent6>
+        <a:srgbClr val="70AD47"/>
+      </a:accent6>
+      <a:hlink>
+        <a:srgbClr val="0563C1"/>
+      </a:hlink>
+      <a:folHlink>
+        <a:srgbClr val="954F72"/>
+      </a:folHlink>
+    </a:clrScheme>
+    <a:fontScheme name="Office">
+      <a:majorFont>
+        <a:latin typeface="游ゴシック Light" panose="020F0302020204030204"/>
+        <a:ea typeface=""/>
+        <a:cs typeface=""/>
+        <a:font script="Jpan" typeface="游ゴシック Light"/>
+        <a:font script="Hang" typeface="맑은 고딕"/>
+        <a:font script="Hans" typeface="等线 Light"/>
+        <a:font script="Hant" typeface="新細明體"/>
+        <a:font script="Arab" typeface="Times New Roman"/>
+        <a:font script="Hebr" typeface="Times New Roman"/>
+        <a:font script="Thai" typeface="Angsana New"/>
+        <a:font script="Ethi" typeface="Nyala"/>
+        <a:font script="Beng" typeface="Vrinda"/>
+        <a:font script="Gujr" typeface="Shruti"/>
+        <a:font script="Khmr" typeface="MoolBoran"/>
+        <a:font script="Knda" typeface="Tunga"/>
+        <a:font script="Guru" typeface="Raavi"/>
+        <a:font script="Cans" typeface="Euphemia"/>
+        <a:font script="Cher" typeface="Plantagenet Cherokee"/>
+        <a:font script="Yiii" typeface="Microsoft Yi Baiti"/>
+        <a:font script="Tibt" typeface="Microsoft Himalaya"/>
+        <a:font script="Thaa" typeface="MV Boli"/>
+        <a:font script="Deva" typeface="Mangal"/>
+        <a:font script="Telu" typeface="Gautami"/>
+        <a:font script="Taml" typeface="Latha"/>
+        <a:font script="Syrc" typeface="Estrangelo Edessa"/>
+        <a:font script="Orya" typeface="Kalinga"/>
+        <a:font script="Mlym" typeface="Kartika"/>
+        <a:font script="Laoo" typeface="DokChampa"/>
+        <a:font script="Sinh" typeface="Iskoola Pota"/>
+        <a:font script="Mong" typeface="Mongolian Baiti"/>
+        <a:font script="Viet" typeface="Times New Roman"/>
+        <a:font script="Uigh" typeface="Microsoft Uighur"/>
+        <a:font script="Geor" typeface="Sylfaen"/>
+      </a:majorFont>
+      <a:minorFont>
+        <a:latin typeface="游ゴシック" panose="020F0502020204030204"/>
+        <a:ea typeface=""/>
+        <a:cs typeface=""/>
+        <a:font script="Jpan" typeface="游ゴシック"/>
+        <a:font script="Hang" typeface="맑은 고딕"/>
+        <a:font script="Hans" typeface="等线"/>
+        <a:font script="Hant" typeface="新細明體"/>
+        <a:font script="Arab" typeface="Arial"/>
+        <a:font script="Hebr" typeface="Arial"/>
+        <a:font script="Thai" typeface="Cordia New"/>
+        <a:font script="Ethi" typeface="Nyala"/>
+        <a:font script="Beng" typeface="Vrinda"/>
+        <a:font script="Gujr" typeface="Shruti"/>
+        <a:font script="Khmr" typeface="DaunPenh"/>
+        <a:font script="Knda" typeface="Tunga"/>
+        <a:font script="Guru" typeface="Raavi"/>
+        <a:font script="Cans" typeface="Euphemia"/>
+        <a:font script="Cher" typeface="Plantagenet Cherokee"/>
+        <a:font script="Yiii" typeface="Microsoft Yi Baiti"/>
+        <a:font script="Tibt" typeface="Microsoft Himalaya"/>
+        <a:font script="Thaa" typeface="MV Boli"/>
+        <a:font script="Deva" typeface="Mangal"/>
+        <a:font script="Telu" typeface="Gautami"/>
+        <a:font script="Taml" typeface="Latha"/>
+        <a:font script="Syrc" typeface="Estrangelo Edessa"/>
+        <a:font script="Orya" typeface="Kalinga"/>
+        <a:font script="Mlym" typeface="Kartika"/>
+        <a:font script="Laoo" typeface="DokChampa"/>
+        <a:font script="Sinh" typeface="Iskoola Pota"/>
+        <a:font script="Mong" typeface="Mongolian Baiti"/>
+        <a:font script="Viet" typeface="Arial"/>
+        <a:font script="Uigh" typeface="Microsoft Uighur"/>
+        <a:font script="Geor" typeface="Sylfaen"/>
+      </a:minorFont>
+    </a:fontScheme>
+    <a:fmtScheme name="Office">
+      <a:fillStyleLst>
+        <a:solidFill>
+          <a:schemeClr val="phClr"/>
+        </a:solidFill>
+        <a:gradFill rotWithShape="1">
+          <a:gsLst>
+            <a:gs pos="0">
+              <a:schemeClr val="phClr">
+                <a:lumMod val="110000"/>
+                <a:satMod val="105000"/>
+                <a:tint val="67000"/>
+              </a:schemeClr>
+            </a:gs>
+            <a:gs pos="50000">
+              <a:schemeClr val="phClr">
+                <a:lumMod val="105000"/>
+                <a:satMod val="103000"/>
+                <a:tint val="73000"/>
+              </a:schemeClr>
+            </a:gs>
+            <a:gs pos="100000">
+              <a:schemeClr val="phClr">
+                <a:lumMod val="105000"/>
+                <a:satMod val="109000"/>
+                <a:tint val="81000"/>
+              </a:schemeClr>
+            </a:gs>
+          </a:gsLst>
+          <a:lin ang="5400000" scaled="0"/>
+        </a:gradFill>
+        <a:gradFill rotWithShape="1">
+          <a:gsLst>
+            <a:gs pos="0">
+              <a:schemeClr val="phClr">
+                <a:satMod val="103000"/>
+                <a:lumMod val="102000"/>
+                <a:tint val="94000"/>
+              </a:schemeClr>
+            </a:gs>
+            <a:gs pos="50000">
+              <a:schemeClr val="phClr">
+                <a:satMod val="110000"/>
+                <a:lumMod val="100000"/>
+                <a:shade val="100000"/>
+              </a:schemeClr>
+            </a:gs>
+            <a:gs pos="100000">
+              <a:schemeClr val="phClr">
+                <a:lumMod val="99000"/>
+                <a:satMod val="120000"/>
+                <a:shade val="78000"/>
+              </a:schemeClr>
+            </a:gs>
+          </a:gsLst>
+          <a:lin ang="5400000" scaled="0"/>
+        </a:gradFill>
+      </a:fillStyleLst>
+      <a:lnStyleLst>
+        <a:ln w="6350" cap="flat" cmpd="sng" algn="ctr">
+          <a:solidFill>
+            <a:schemeClr val="phClr"/>
+          </a:solidFill>
+          <a:prstDash val="solid"/>
+          <a:miter lim="800000"/>
+        </a:ln>
+        <a:ln w="12700" cap="flat" cmpd="sng" algn="ctr">
+          <a:solidFill>
+            <a:schemeClr val="phClr"/>
+          </a:solidFill>
+          <a:prstDash val="solid"/>
+          <a:miter lim="800000"/>
+        </a:ln>
+        <a:ln w="19050" cap="flat" cmpd="sng" algn="ctr">
+          <a:solidFill>
+            <a:schemeClr val="phClr"/>
+          </a:solidFill>
+          <a:prstDash val="solid"/>
+          <a:miter lim="800000"/>
+        </a:ln>
+      </a:lnStyleLst>
+      <a:effectStyleLst>
+        <a:effectStyle>
+          <a:effectLst/>
+        </a:effectStyle>
+        <a:effectStyle>
+          <a:effectLst/>
+        </a:effectStyle>
+        <a:effectStyle>
+          <a:effectLst>
+            <a:outerShdw blurRad="57150" dist="19050" dir="5400000" algn="ctr" rotWithShape="0">
+              <a:srgbClr val="000000">
+                <a:alpha val="63000"/>
+              </a:srgbClr>
+            </a:outerShdw>
+          </a:effectLst>
+        </a:effectStyle>
+      </a:effectStyleLst>
+      <a:bgFillStyleLst>
+        <a:solidFill>
+          <a:schemeClr val="phClr"/>
+        </a:solidFill>
+        <a:solidFill>
+          <a:schemeClr val="phClr">
+            <a:tint val="95000"/>
+            <a:satMod val="170000"/>
+          </a:schemeClr>
+        </a:solidFill>
+        <a:gradFill rotWithShape="1">
+          <a:gsLst>
+            <a:gs pos="0">
+              <a:schemeClr val="phClr">
+                <a:tint val="93000"/>
+                <a:satMod val="150000"/>
+                <a:shade val="98000"/>
+                <a:lumMod val="102000"/>
+              </a:schemeClr>
+            </a:gs>
+            <a:gs pos="50000">
+              <a:schemeClr val="phClr">
+                <a:tint val="98000"/>
+                <a:satMod val="130000"/>
+                <a:shade val="90000"/>
+                <a:lumMod val="103000"/>
+              </a:schemeClr>
+            </a:gs>
+            <a:gs pos="100000">
+              <a:schemeClr val="phClr">
+                <a:shade val="63000"/>
+                <a:satMod val="120000"/>
+              </a:schemeClr>
+            </a:gs>
+          </a:gsLst>
+          <a:lin ang="5400000" scaled="0"/>
+        </a:gradFill>
+      </a:bgFillStyleLst>
+    </a:fmtScheme>
+  </a:themeElements>
+  <a:objectDefaults/>
+  <a:extraClrSchemeLst/>
+  <a:extLst>
+    <a:ext uri="{05A4C25C-085E-4340-85A3-A5531E510DB2}">
+      <thm15:themeFamily xmlns:thm15="http://schemas.microsoft.com/office/thememl/2012/main" name="Office Theme" id="{62F939B6-93AF-4DB8-9C6B-D6C7DFDC589F}" vid="{4A3C46E8-61CC-4603-A589-7422A47A8E4A}"/>
+    </a:ext>
+  </a:extLst>
+</a:theme>
 </file>
--- a/侍寿司屋_企画仕様書.pptx
+++ b/侍寿司屋_企画仕様書.pptx
@@ -590,14 +590,22 @@
           <a:p>
             <a:r>
               <a:rPr kumimoji="1" lang="ja-JP" altLang="en-US" dirty="0" smtClean="0"/>
-              <a:t>そして、ゲームが進むとともに、忍者が襲ってくる。</a:t>
+              <a:t>そして</a:t>
+            </a:r>
+            <a:r>
+              <a:rPr kumimoji="1" lang="ja-JP" altLang="en-US" dirty="0" smtClean="0"/>
+              <a:t>、この侍が有名になったとともに、大名が忍者を</a:t>
             </a:r>
             <a:endParaRPr kumimoji="1" lang="en-US" altLang="ja-JP" dirty="0" smtClean="0"/>
           </a:p>
           <a:p>
             <a:r>
               <a:rPr lang="ja-JP" altLang="en-US" dirty="0" smtClean="0"/>
-              <a:t>いろんなところから</a:t>
+              <a:t>いろんな</a:t>
+            </a:r>
+            <a:r>
+              <a:rPr lang="ja-JP" altLang="en-US" dirty="0" smtClean="0"/>
+              <a:t>ところから</a:t>
             </a:r>
             <a:r>
               <a:rPr lang="ja-JP" altLang="en-US" dirty="0"/>
@@ -5517,7 +5525,35 @@
           </a:bodyPr>
           <a:lstStyle/>
           <a:p>
-            <a:endParaRPr kumimoji="1" lang="ja-JP" altLang="en-US" dirty="0"/>
+            <a:r>
+              <a:rPr kumimoji="1" lang="ja-JP" altLang="en-US" sz="6600" dirty="0" smtClean="0"/>
+              <a:t>侍</a:t>
+            </a:r>
+            <a:r>
+              <a:rPr kumimoji="1" lang="ja-JP" altLang="en-US" sz="4000" dirty="0" smtClean="0"/>
+              <a:t>と</a:t>
+            </a:r>
+            <a:r>
+              <a:rPr kumimoji="1" lang="ja-JP" altLang="en-US" sz="6600" dirty="0" smtClean="0"/>
+              <a:t>すし</a:t>
+            </a:r>
+            <a:r>
+              <a:rPr kumimoji="1" lang="ja-JP" altLang="en-US" sz="4000" dirty="0" smtClean="0"/>
+              <a:t>の</a:t>
+            </a:r>
+            <a:r>
+              <a:rPr kumimoji="1" lang="ja-JP" altLang="en-US" sz="6600" dirty="0" smtClean="0"/>
+              <a:t>出会</a:t>
+            </a:r>
+            <a:r>
+              <a:rPr kumimoji="1" lang="ja-JP" altLang="en-US" sz="4000" dirty="0" smtClean="0"/>
+              <a:t>いは</a:t>
+            </a:r>
+            <a:r>
+              <a:rPr kumimoji="1" lang="en-US" altLang="ja-JP" sz="4000" dirty="0" smtClean="0"/>
+              <a:t>……</a:t>
+            </a:r>
+            <a:endParaRPr kumimoji="1" lang="ja-JP" altLang="en-US" sz="6600" dirty="0"/>
           </a:p>
         </p:txBody>
       </p:sp>
@@ -5556,7 +5592,22 @@
           </a:p>
           <a:p>
             <a:r>
-              <a:rPr kumimoji="1" lang="ja-JP" altLang="en-US" sz="2400" dirty="0"/>
+              <a:rPr lang="ja-JP" altLang="en-US" sz="2400" dirty="0" smtClean="0"/>
+              <a:t>ターゲット：フィクションにリアリティを求め</a:t>
+            </a:r>
+            <a:r>
+              <a:rPr lang="ja-JP" altLang="en-US" sz="2800" dirty="0" smtClean="0"/>
+              <a:t>ない</a:t>
+            </a:r>
+            <a:r>
+              <a:rPr lang="ja-JP" altLang="en-US" sz="2400" dirty="0" smtClean="0"/>
+              <a:t>人</a:t>
+            </a:r>
+            <a:endParaRPr lang="en-US" altLang="ja-JP" sz="2400" dirty="0" smtClean="0"/>
+          </a:p>
+          <a:p>
+            <a:r>
+              <a:rPr kumimoji="1" lang="ja-JP" altLang="en-US" sz="2400" dirty="0" smtClean="0"/>
               <a:t>プレイ</a:t>
             </a:r>
             <a:r>
@@ -5634,18 +5685,18 @@
           <a:lstStyle/>
           <a:p>
             <a:r>
+              <a:rPr kumimoji="1" lang="ja-JP" altLang="en-US" sz="4400" dirty="0" smtClean="0"/>
+              <a:t>こんな</a:t>
+            </a:r>
+            <a:r>
               <a:rPr kumimoji="1" lang="ja-JP" altLang="en-US" sz="6600" dirty="0" smtClean="0"/>
-              <a:t>侍</a:t>
-            </a:r>
-            <a:r>
-              <a:rPr kumimoji="1" lang="ja-JP" altLang="en-US" sz="3600" dirty="0" smtClean="0"/>
-              <a:t>と</a:t>
-            </a:r>
-            <a:r>
-              <a:rPr kumimoji="1" lang="ja-JP" altLang="en-US" sz="6600" dirty="0" smtClean="0"/>
-              <a:t>すし</a:t>
-            </a:r>
-            <a:endParaRPr kumimoji="1" lang="ja-JP" altLang="en-US" sz="6600" dirty="0"/>
+              <a:t>物語</a:t>
+            </a:r>
+            <a:r>
+              <a:rPr kumimoji="1" lang="ja-JP" altLang="en-US" sz="4400" dirty="0" smtClean="0"/>
+              <a:t>だった</a:t>
+            </a:r>
+            <a:endParaRPr kumimoji="1" lang="ja-JP" altLang="en-US" sz="4400" dirty="0"/>
           </a:p>
         </p:txBody>
       </p:sp>
@@ -5679,7 +5730,29 @@
             </a:r>
             <a:r>
               <a:rPr kumimoji="1" lang="ja-JP" altLang="en-US" sz="2400" dirty="0" smtClean="0"/>
-              <a:t>がいた。</a:t>
+              <a:t>がいた</a:t>
+            </a:r>
+            <a:r>
+              <a:rPr kumimoji="1" lang="ja-JP" altLang="en-US" sz="2400" dirty="0" smtClean="0"/>
+              <a:t>。</a:t>
+            </a:r>
+            <a:endParaRPr kumimoji="1" lang="en-US" altLang="ja-JP" sz="2400" dirty="0" smtClean="0"/>
+          </a:p>
+          <a:p>
+            <a:pPr marL="0" indent="0">
+              <a:buNone/>
+            </a:pPr>
+            <a:r>
+              <a:rPr lang="ja-JP" altLang="en-US" sz="2400" dirty="0" smtClean="0"/>
+              <a:t>されど</a:t>
+            </a:r>
+            <a:r>
+              <a:rPr lang="ja-JP" altLang="en-US" sz="2400" dirty="0"/>
+              <a:t>大名</a:t>
+            </a:r>
+            <a:r>
+              <a:rPr lang="ja-JP" altLang="en-US" sz="2400" dirty="0" smtClean="0"/>
+              <a:t>はこの侍の才能を嫉妬し、彼を追放した</a:t>
             </a:r>
             <a:endParaRPr kumimoji="1" lang="en-US" altLang="ja-JP" sz="2400" dirty="0" smtClean="0"/>
           </a:p>
@@ -5760,7 +5833,7 @@
         </p:nvGrpSpPr>
         <p:grpSpPr>
           <a:xfrm>
-            <a:off x="7647813" y="1188856"/>
+            <a:off x="7689723" y="1074556"/>
             <a:ext cx="3438525" cy="4190102"/>
             <a:chOff x="7647813" y="1188856"/>
             <a:chExt cx="3438525" cy="4190102"/>
@@ -6177,21 +6250,82 @@
                             </p:childTnLst>
                           </p:cTn>
                         </p:par>
+                      </p:childTnLst>
+                    </p:cTn>
+                  </p:par>
+                  <p:par>
+                    <p:cTn id="28" fill="hold">
+                      <p:stCondLst>
+                        <p:cond delay="indefinite"/>
+                      </p:stCondLst>
+                      <p:childTnLst>
                         <p:par>
-                          <p:cTn id="28" fill="hold">
+                          <p:cTn id="29" fill="hold">
+                            <p:stCondLst>
+                              <p:cond delay="0"/>
+                            </p:stCondLst>
+                            <p:childTnLst>
+                              <p:par>
+                                <p:cTn id="30" presetID="14" presetClass="entr" presetSubtype="10" fill="hold" grpId="0" nodeType="clickEffect">
+                                  <p:stCondLst>
+                                    <p:cond delay="0"/>
+                                  </p:stCondLst>
+                                  <p:childTnLst>
+                                    <p:set>
+                                      <p:cBhvr>
+                                        <p:cTn id="31" dur="1" fill="hold">
+                                          <p:stCondLst>
+                                            <p:cond delay="0"/>
+                                          </p:stCondLst>
+                                        </p:cTn>
+                                        <p:tgtEl>
+                                          <p:spTgt spid="3">
+                                            <p:txEl>
+                                              <p:pRg st="5" end="5"/>
+                                            </p:txEl>
+                                          </p:spTgt>
+                                        </p:tgtEl>
+                                        <p:attrNameLst>
+                                          <p:attrName>style.visibility</p:attrName>
+                                        </p:attrNameLst>
+                                      </p:cBhvr>
+                                      <p:to>
+                                        <p:strVal val="visible"/>
+                                      </p:to>
+                                    </p:set>
+                                    <p:animEffect transition="in" filter="randombar(horizontal)">
+                                      <p:cBhvr>
+                                        <p:cTn id="32" dur="500"/>
+                                        <p:tgtEl>
+                                          <p:spTgt spid="3">
+                                            <p:txEl>
+                                              <p:pRg st="5" end="5"/>
+                                            </p:txEl>
+                                          </p:spTgt>
+                                        </p:tgtEl>
+                                      </p:cBhvr>
+                                    </p:animEffect>
+                                  </p:childTnLst>
+                                </p:cTn>
+                              </p:par>
+                            </p:childTnLst>
+                          </p:cTn>
+                        </p:par>
+                        <p:par>
+                          <p:cTn id="33" fill="hold">
                             <p:stCondLst>
                               <p:cond delay="500"/>
                             </p:stCondLst>
                             <p:childTnLst>
                               <p:par>
-                                <p:cTn id="29" presetID="14" presetClass="entr" presetSubtype="10" fill="hold" nodeType="afterEffect">
+                                <p:cTn id="34" presetID="14" presetClass="entr" presetSubtype="10" fill="hold" nodeType="afterEffect">
                                   <p:stCondLst>
                                     <p:cond delay="0"/>
                                   </p:stCondLst>
                                   <p:childTnLst>
                                     <p:set>
                                       <p:cBhvr>
-                                        <p:cTn id="30" dur="1" fill="hold">
+                                        <p:cTn id="35" dur="1" fill="hold">
                                           <p:stCondLst>
                                             <p:cond delay="0"/>
                                           </p:stCondLst>
@@ -6209,7 +6343,7 @@
                                     </p:set>
                                     <p:animEffect transition="in" filter="randombar(horizontal)">
                                       <p:cBhvr>
-                                        <p:cTn id="31" dur="500"/>
+                                        <p:cTn id="36" dur="500"/>
                                         <p:tgtEl>
                                           <p:spTgt spid="8"/>
                                         </p:tgtEl>
@@ -7714,30 +7848,21 @@
                             </p:childTnLst>
                           </p:cTn>
                         </p:par>
-                      </p:childTnLst>
-                    </p:cTn>
-                  </p:par>
-                  <p:par>
-                    <p:cTn id="70" fill="hold">
-                      <p:stCondLst>
-                        <p:cond delay="indefinite"/>
-                      </p:stCondLst>
-                      <p:childTnLst>
                         <p:par>
-                          <p:cTn id="71" fill="hold">
+                          <p:cTn id="70" fill="hold">
                             <p:stCondLst>
-                              <p:cond delay="0"/>
+                              <p:cond delay="1000"/>
                             </p:stCondLst>
                             <p:childTnLst>
                               <p:par>
-                                <p:cTn id="72" presetID="42" presetClass="path" presetSubtype="0" accel="50000" decel="50000" fill="hold" nodeType="clickEffect">
+                                <p:cTn id="71" presetID="42" presetClass="path" presetSubtype="0" accel="50000" decel="50000" fill="hold" nodeType="afterEffect">
                                   <p:stCondLst>
-                                    <p:cond delay="0"/>
+                                    <p:cond delay="500"/>
                                   </p:stCondLst>
                                   <p:childTnLst>
                                     <p:animMotion origin="layout" path="M -4.375E-6 -1.85185E-6 L -4.375E-6 0.19977 " pathEditMode="relative" rAng="0" ptsTypes="AA">
                                       <p:cBhvr>
-                                        <p:cTn id="73" dur="2000" fill="hold"/>
+                                        <p:cTn id="72" dur="2000" fill="hold"/>
                                         <p:tgtEl>
                                           <p:spTgt spid="19"/>
                                         </p:tgtEl>
@@ -7758,26 +7883,26 @@
                     </p:cTn>
                   </p:par>
                   <p:par>
-                    <p:cTn id="74" fill="hold">
+                    <p:cTn id="73" fill="hold">
                       <p:stCondLst>
                         <p:cond delay="indefinite"/>
                       </p:stCondLst>
                       <p:childTnLst>
                         <p:par>
-                          <p:cTn id="75" fill="hold">
+                          <p:cTn id="74" fill="hold">
                             <p:stCondLst>
                               <p:cond delay="0"/>
                             </p:stCondLst>
                             <p:childTnLst>
                               <p:par>
-                                <p:cTn id="76" presetID="21" presetClass="exit" presetSubtype="1" fill="hold" nodeType="clickEffect">
+                                <p:cTn id="75" presetID="21" presetClass="exit" presetSubtype="1" fill="hold" nodeType="clickEffect">
                                   <p:stCondLst>
                                     <p:cond delay="0"/>
                                   </p:stCondLst>
                                   <p:childTnLst>
                                     <p:animEffect transition="out" filter="wheel(1)">
                                       <p:cBhvr>
-                                        <p:cTn id="77" dur="500"/>
+                                        <p:cTn id="76" dur="500"/>
                                         <p:tgtEl>
                                           <p:spTgt spid="19"/>
                                         </p:tgtEl>
@@ -7785,7 +7910,7 @@
                                     </p:animEffect>
                                     <p:set>
                                       <p:cBhvr>
-                                        <p:cTn id="78" dur="1" fill="hold">
+                                        <p:cTn id="77" dur="1" fill="hold">
                                           <p:stCondLst>
                                             <p:cond delay="499"/>
                                           </p:stCondLst>
@@ -7805,14 +7930,14 @@
                                 </p:cTn>
                               </p:par>
                               <p:par>
-                                <p:cTn id="79" presetID="21" presetClass="exit" presetSubtype="1" fill="hold" nodeType="withEffect">
+                                <p:cTn id="78" presetID="21" presetClass="exit" presetSubtype="1" fill="hold" nodeType="withEffect">
                                   <p:stCondLst>
                                     <p:cond delay="0"/>
                                   </p:stCondLst>
                                   <p:childTnLst>
                                     <p:animEffect transition="out" filter="wheel(1)">
                                       <p:cBhvr>
-                                        <p:cTn id="80" dur="500"/>
+                                        <p:cTn id="79" dur="500"/>
                                         <p:tgtEl>
                                           <p:spTgt spid="23"/>
                                         </p:tgtEl>
@@ -7820,7 +7945,7 @@
                                     </p:animEffect>
                                     <p:set>
                                       <p:cBhvr>
-                                        <p:cTn id="81" dur="1" fill="hold">
+                                        <p:cTn id="80" dur="1" fill="hold">
                                           <p:stCondLst>
                                             <p:cond delay="499"/>
                                           </p:stCondLst>
@@ -7843,20 +7968,20 @@
                           </p:cTn>
                         </p:par>
                         <p:par>
-                          <p:cTn id="82" fill="hold">
+                          <p:cTn id="81" fill="hold">
                             <p:stCondLst>
                               <p:cond delay="500"/>
                             </p:stCondLst>
                             <p:childTnLst>
                               <p:par>
-                                <p:cTn id="83" presetID="21" presetClass="entr" presetSubtype="1" fill="hold" nodeType="afterEffect">
+                                <p:cTn id="82" presetID="21" presetClass="entr" presetSubtype="1" fill="hold" nodeType="afterEffect">
                                   <p:stCondLst>
                                     <p:cond delay="0"/>
                                   </p:stCondLst>
                                   <p:childTnLst>
                                     <p:set>
                                       <p:cBhvr>
-                                        <p:cTn id="84" dur="1" fill="hold">
+                                        <p:cTn id="83" dur="1" fill="hold">
                                           <p:stCondLst>
                                             <p:cond delay="0"/>
                                           </p:stCondLst>
@@ -7874,7 +7999,7 @@
                                     </p:set>
                                     <p:animEffect transition="in" filter="wheel(1)">
                                       <p:cBhvr>
-                                        <p:cTn id="85" dur="500"/>
+                                        <p:cTn id="84" dur="500"/>
                                         <p:tgtEl>
                                           <p:spTgt spid="15"/>
                                         </p:tgtEl>
@@ -7890,26 +8015,26 @@
                     </p:cTn>
                   </p:par>
                   <p:par>
-                    <p:cTn id="86" fill="hold">
+                    <p:cTn id="85" fill="hold">
                       <p:stCondLst>
                         <p:cond delay="indefinite"/>
                       </p:stCondLst>
                       <p:childTnLst>
                         <p:par>
-                          <p:cTn id="87" fill="hold">
+                          <p:cTn id="86" fill="hold">
                             <p:stCondLst>
                               <p:cond delay="0"/>
                             </p:stCondLst>
                             <p:childTnLst>
                               <p:par>
-                                <p:cTn id="88" presetID="10" presetClass="entr" presetSubtype="0" fill="hold" nodeType="clickEffect">
+                                <p:cTn id="87" presetID="10" presetClass="entr" presetSubtype="0" fill="hold" nodeType="clickEffect">
                                   <p:stCondLst>
                                     <p:cond delay="0"/>
                                   </p:stCondLst>
                                   <p:childTnLst>
                                     <p:set>
                                       <p:cBhvr>
-                                        <p:cTn id="89" dur="1" fill="hold">
+                                        <p:cTn id="88" dur="1" fill="hold">
                                           <p:stCondLst>
                                             <p:cond delay="0"/>
                                           </p:stCondLst>
@@ -7927,7 +8052,7 @@
                                     </p:set>
                                     <p:animEffect transition="in" filter="fade">
                                       <p:cBhvr>
-                                        <p:cTn id="90" dur="500"/>
+                                        <p:cTn id="89" dur="500"/>
                                         <p:tgtEl>
                                           <p:spTgt spid="24"/>
                                         </p:tgtEl>
@@ -7940,20 +8065,20 @@
                           </p:cTn>
                         </p:par>
                         <p:par>
-                          <p:cTn id="91" fill="hold">
+                          <p:cTn id="90" fill="hold">
                             <p:stCondLst>
                               <p:cond delay="500"/>
                             </p:stCondLst>
                             <p:childTnLst>
                               <p:par>
-                                <p:cTn id="92" presetID="42" presetClass="path" presetSubtype="0" accel="50000" decel="50000" fill="hold" nodeType="afterEffect">
+                                <p:cTn id="91" presetID="42" presetClass="path" presetSubtype="0" accel="50000" decel="50000" fill="hold" nodeType="afterEffect">
                                   <p:stCondLst>
                                     <p:cond delay="200"/>
                                   </p:stCondLst>
                                   <p:childTnLst>
                                     <p:animMotion origin="layout" path="M -4.58333E-6 -1.48148E-6 L 0.07461 0.25741 " pathEditMode="relative" rAng="0" ptsTypes="AA">
                                       <p:cBhvr>
-                                        <p:cTn id="93" dur="1000" fill="hold"/>
+                                        <p:cTn id="92" dur="1000" fill="hold"/>
                                         <p:tgtEl>
                                           <p:spTgt spid="24"/>
                                         </p:tgtEl>
@@ -7968,14 +8093,14 @@
                                 </p:cTn>
                               </p:par>
                               <p:par>
-                                <p:cTn id="94" presetID="22" presetClass="entr" presetSubtype="8" fill="hold" nodeType="withEffect">
+                                <p:cTn id="93" presetID="22" presetClass="entr" presetSubtype="8" fill="hold" nodeType="withEffect">
                                   <p:stCondLst>
                                     <p:cond delay="0"/>
                                   </p:stCondLst>
                                   <p:childTnLst>
                                     <p:set>
                                       <p:cBhvr>
-                                        <p:cTn id="95" dur="1" fill="hold">
+                                        <p:cTn id="94" dur="1" fill="hold">
                                           <p:stCondLst>
                                             <p:cond delay="0"/>
                                           </p:stCondLst>
@@ -7993,7 +8118,7 @@
                                     </p:set>
                                     <p:animEffect transition="in" filter="wipe(left)">
                                       <p:cBhvr>
-                                        <p:cTn id="96" dur="1000"/>
+                                        <p:cTn id="95" dur="1000"/>
                                         <p:tgtEl>
                                           <p:spTgt spid="25"/>
                                         </p:tgtEl>
@@ -8006,20 +8131,20 @@
                           </p:cTn>
                         </p:par>
                         <p:par>
-                          <p:cTn id="97" fill="hold">
+                          <p:cTn id="96" fill="hold">
                             <p:stCondLst>
                               <p:cond delay="1700"/>
                             </p:stCondLst>
                             <p:childTnLst>
                               <p:par>
-                                <p:cTn id="98" presetID="10" presetClass="exit" presetSubtype="0" fill="hold" nodeType="afterEffect">
+                                <p:cTn id="97" presetID="10" presetClass="exit" presetSubtype="0" fill="hold" nodeType="afterEffect">
                                   <p:stCondLst>
                                     <p:cond delay="0"/>
                                   </p:stCondLst>
                                   <p:childTnLst>
                                     <p:animEffect transition="out" filter="fade">
                                       <p:cBhvr>
-                                        <p:cTn id="99" dur="500"/>
+                                        <p:cTn id="98" dur="500"/>
                                         <p:tgtEl>
                                           <p:spTgt spid="24"/>
                                         </p:tgtEl>
@@ -8027,7 +8152,7 @@
                                     </p:animEffect>
                                     <p:set>
                                       <p:cBhvr>
-                                        <p:cTn id="100" dur="1" fill="hold">
+                                        <p:cTn id="99" dur="1" fill="hold">
                                           <p:stCondLst>
                                             <p:cond delay="499"/>
                                           </p:stCondLst>
@@ -8047,14 +8172,14 @@
                                 </p:cTn>
                               </p:par>
                               <p:par>
-                                <p:cTn id="101" presetID="10" presetClass="exit" presetSubtype="0" fill="hold" nodeType="withEffect">
+                                <p:cTn id="100" presetID="10" presetClass="exit" presetSubtype="0" fill="hold" nodeType="withEffect">
                                   <p:stCondLst>
                                     <p:cond delay="0"/>
                                   </p:stCondLst>
                                   <p:childTnLst>
                                     <p:animEffect transition="out" filter="fade">
                                       <p:cBhvr>
-                                        <p:cTn id="102" dur="500"/>
+                                        <p:cTn id="101" dur="500"/>
                                         <p:tgtEl>
                                           <p:spTgt spid="25"/>
                                         </p:tgtEl>
@@ -8062,7 +8187,7 @@
                                     </p:animEffect>
                                     <p:set>
                                       <p:cBhvr>
-                                        <p:cTn id="103" dur="1" fill="hold">
+                                        <p:cTn id="102" dur="1" fill="hold">
                                           <p:stCondLst>
                                             <p:cond delay="499"/>
                                           </p:stCondLst>
@@ -8085,20 +8210,20 @@
                           </p:cTn>
                         </p:par>
                         <p:par>
-                          <p:cTn id="104" fill="hold">
+                          <p:cTn id="103" fill="hold">
                             <p:stCondLst>
                               <p:cond delay="2200"/>
                             </p:stCondLst>
                             <p:childTnLst>
                               <p:par>
-                                <p:cTn id="105" presetID="10" presetClass="exit" presetSubtype="0" fill="hold" nodeType="afterEffect">
+                                <p:cTn id="104" presetID="10" presetClass="exit" presetSubtype="0" fill="hold" nodeType="afterEffect">
                                   <p:stCondLst>
                                     <p:cond delay="0"/>
                                   </p:stCondLst>
                                   <p:childTnLst>
                                     <p:animEffect transition="out" filter="fade">
                                       <p:cBhvr>
-                                        <p:cTn id="106" dur="10"/>
+                                        <p:cTn id="105" dur="10"/>
                                         <p:tgtEl>
                                           <p:spTgt spid="15"/>
                                         </p:tgtEl>
@@ -8106,7 +8231,7 @@
                                     </p:animEffect>
                                     <p:set>
                                       <p:cBhvr>
-                                        <p:cTn id="107" dur="1" fill="hold">
+                                        <p:cTn id="106" dur="1" fill="hold">
                                           <p:stCondLst>
                                             <p:cond delay="9"/>
                                           </p:stCondLst>
@@ -8126,14 +8251,14 @@
                                 </p:cTn>
                               </p:par>
                               <p:par>
-                                <p:cTn id="108" presetID="10" presetClass="entr" presetSubtype="0" fill="hold" nodeType="withEffect">
+                                <p:cTn id="107" presetID="10" presetClass="entr" presetSubtype="0" fill="hold" nodeType="withEffect">
                                   <p:stCondLst>
                                     <p:cond delay="0"/>
                                   </p:stCondLst>
                                   <p:childTnLst>
                                     <p:set>
                                       <p:cBhvr>
-                                        <p:cTn id="109" dur="1" fill="hold">
+                                        <p:cTn id="108" dur="1" fill="hold">
                                           <p:stCondLst>
                                             <p:cond delay="0"/>
                                           </p:stCondLst>
@@ -8151,7 +8276,7 @@
                                     </p:set>
                                     <p:animEffect transition="in" filter="fade">
                                       <p:cBhvr>
-                                        <p:cTn id="110" dur="10"/>
+                                        <p:cTn id="109" dur="10"/>
                                         <p:tgtEl>
                                           <p:spTgt spid="29"/>
                                         </p:tgtEl>
@@ -8161,14 +8286,14 @@
                                 </p:cTn>
                               </p:par>
                               <p:par>
-                                <p:cTn id="111" presetID="10" presetClass="entr" presetSubtype="0" fill="hold" nodeType="withEffect">
+                                <p:cTn id="110" presetID="10" presetClass="entr" presetSubtype="0" fill="hold" nodeType="withEffect">
                                   <p:stCondLst>
                                     <p:cond delay="0"/>
                                   </p:stCondLst>
                                   <p:childTnLst>
                                     <p:set>
                                       <p:cBhvr>
-                                        <p:cTn id="112" dur="1" fill="hold">
+                                        <p:cTn id="111" dur="1" fill="hold">
                                           <p:stCondLst>
                                             <p:cond delay="0"/>
                                           </p:stCondLst>
@@ -8186,7 +8311,7 @@
                                     </p:set>
                                     <p:animEffect transition="in" filter="fade">
                                       <p:cBhvr>
-                                        <p:cTn id="113" dur="10"/>
+                                        <p:cTn id="112" dur="10"/>
                                         <p:tgtEl>
                                           <p:spTgt spid="30"/>
                                         </p:tgtEl>
@@ -8196,14 +8321,14 @@
                                 </p:cTn>
                               </p:par>
                               <p:par>
-                                <p:cTn id="114" presetID="0" presetClass="path" presetSubtype="0" accel="50000" decel="50000" fill="hold" nodeType="withEffect">
+                                <p:cTn id="113" presetID="0" presetClass="path" presetSubtype="0" accel="50000" decel="50000" fill="hold" nodeType="withEffect">
                                   <p:stCondLst>
                                     <p:cond delay="0"/>
                                   </p:stCondLst>
                                   <p:childTnLst>
                                     <p:animMotion origin="layout" path="M 2.08333E-7 -1.11111E-6 C 0.06706 0.04398 0.13424 0.08796 0.17695 0.23588 C 0.21966 0.3838 0.24349 0.78056 0.25638 0.88796 C 0.2694 0.99514 0.26224 0.9375 0.25495 0.87986 " pathEditMode="relative" rAng="0" ptsTypes="AAAA">
                                       <p:cBhvr>
-                                        <p:cTn id="115" dur="2000" fill="hold"/>
+                                        <p:cTn id="114" dur="2000" fill="hold"/>
                                         <p:tgtEl>
                                           <p:spTgt spid="29"/>
                                         </p:tgtEl>
@@ -8218,14 +8343,14 @@
                                 </p:cTn>
                               </p:par>
                               <p:par>
-                                <p:cTn id="116" presetID="0" presetClass="path" presetSubtype="0" accel="50000" decel="50000" fill="hold" nodeType="withEffect">
+                                <p:cTn id="115" presetID="0" presetClass="path" presetSubtype="0" accel="50000" decel="50000" fill="hold" nodeType="withEffect">
                                   <p:stCondLst>
                                     <p:cond delay="0"/>
                                   </p:stCondLst>
                                   <p:childTnLst>
                                     <p:animMotion origin="layout" path="M -0.00065 0.00023 C -0.05312 0.05347 -0.1056 0.10671 -0.1418 0.22014 C -0.17786 0.33357 -0.21745 0.68033 -0.21745 0.68056 L -0.21745 0.68033 L -0.21745 0.68056 L -0.21745 0.68033 " pathEditMode="relative" rAng="0" ptsTypes="AAAAAA">
                                       <p:cBhvr>
-                                        <p:cTn id="117" dur="2000" fill="hold"/>
+                                        <p:cTn id="116" dur="2000" fill="hold"/>
                                         <p:tgtEl>
                                           <p:spTgt spid="30"/>
                                         </p:tgtEl>
@@ -8240,14 +8365,14 @@
                                 </p:cTn>
                               </p:par>
                               <p:par>
-                                <p:cTn id="118" presetID="8" presetClass="emph" presetSubtype="0" fill="hold" nodeType="withEffect">
+                                <p:cTn id="117" presetID="8" presetClass="emph" presetSubtype="0" fill="hold" nodeType="withEffect">
                                   <p:stCondLst>
                                     <p:cond delay="0"/>
                                   </p:stCondLst>
                                   <p:childTnLst>
                                     <p:animRot by="43200000">
                                       <p:cBhvr>
-                                        <p:cTn id="119" dur="2000" fill="hold"/>
+                                        <p:cTn id="118" dur="2000" fill="hold"/>
                                         <p:tgtEl>
                                           <p:spTgt spid="29"/>
                                         </p:tgtEl>
@@ -8260,14 +8385,14 @@
                                 </p:cTn>
                               </p:par>
                               <p:par>
-                                <p:cTn id="120" presetID="8" presetClass="emph" presetSubtype="0" fill="hold" nodeType="withEffect">
+                                <p:cTn id="119" presetID="8" presetClass="emph" presetSubtype="0" fill="hold" nodeType="withEffect">
                                   <p:stCondLst>
                                     <p:cond delay="0"/>
                                   </p:stCondLst>
                                   <p:childTnLst>
                                     <p:animRot by="43200000">
                                       <p:cBhvr>
-                                        <p:cTn id="121" dur="2000" fill="hold"/>
+                                        <p:cTn id="120" dur="2000" fill="hold"/>
                                         <p:tgtEl>
                                           <p:spTgt spid="30"/>
                                         </p:tgtEl>
@@ -8977,8 +9102,16 @@
           <a:lstStyle/>
           <a:p>
             <a:r>
-              <a:rPr kumimoji="1" lang="ja-JP" altLang="en-US" dirty="0" smtClean="0"/>
-              <a:t>様々な魚</a:t>
+              <a:rPr kumimoji="1" lang="ja-JP" altLang="en-US" sz="6600" dirty="0" smtClean="0"/>
+              <a:t>様々</a:t>
+            </a:r>
+            <a:r>
+              <a:rPr kumimoji="1" lang="ja-JP" altLang="en-US" sz="4000" dirty="0" smtClean="0"/>
+              <a:t>な</a:t>
+            </a:r>
+            <a:r>
+              <a:rPr kumimoji="1" lang="ja-JP" altLang="en-US" sz="6600" dirty="0" smtClean="0"/>
+              <a:t>魚</a:t>
             </a:r>
             <a:endParaRPr kumimoji="1" lang="ja-JP" altLang="en-US" dirty="0"/>
           </a:p>
@@ -9008,8 +9141,8 @@
         </p:blipFill>
         <p:spPr>
           <a:xfrm>
-            <a:off x="2051271" y="2963860"/>
-            <a:ext cx="1219202" cy="1219202"/>
+            <a:off x="1658078" y="2741325"/>
+            <a:ext cx="2200689" cy="2200689"/>
           </a:xfrm>
         </p:spPr>
       </p:pic>
@@ -9037,8 +9170,8 @@
         </p:blipFill>
         <p:spPr>
           <a:xfrm>
-            <a:off x="8214264" y="2963860"/>
-            <a:ext cx="1219202" cy="1219202"/>
+            <a:off x="7915857" y="2917126"/>
+            <a:ext cx="2200689" cy="2200689"/>
           </a:xfrm>
         </p:spPr>
       </p:pic>
@@ -9064,8 +9197,8 @@
         </p:blipFill>
         <p:spPr>
           <a:xfrm>
-            <a:off x="5132767" y="2963860"/>
-            <a:ext cx="1219202" cy="1219202"/>
+            <a:off x="4739574" y="2741325"/>
+            <a:ext cx="2200689" cy="2200689"/>
           </a:xfrm>
           <a:prstGeom prst="rect">
             <a:avLst/>
@@ -9080,8 +9213,8 @@
         </p:nvSpPr>
         <p:spPr>
           <a:xfrm rot="2571641">
-            <a:off x="8548714" y="3142271"/>
-            <a:ext cx="925592" cy="455788"/>
+            <a:off x="8389052" y="3254459"/>
+            <a:ext cx="1670716" cy="822708"/>
           </a:xfrm>
           <a:prstGeom prst="ellipse">
             <a:avLst/>
@@ -9126,8 +9259,8 @@
         </p:nvSpPr>
         <p:spPr>
           <a:xfrm>
-            <a:off x="5660136" y="2944490"/>
-            <a:ext cx="585216" cy="575950"/>
+            <a:off x="5686072" y="2750069"/>
+            <a:ext cx="1056329" cy="1039604"/>
           </a:xfrm>
           <a:prstGeom prst="ellipse">
             <a:avLst/>
@@ -9172,8 +9305,8 @@
         </p:nvSpPr>
         <p:spPr>
           <a:xfrm>
-            <a:off x="2051271" y="3123339"/>
-            <a:ext cx="1121633" cy="218252"/>
+            <a:off x="1638180" y="2992982"/>
+            <a:ext cx="2024575" cy="393950"/>
           </a:xfrm>
           <a:prstGeom prst="rect">
             <a:avLst/>
@@ -9218,8 +9351,8 @@
         </p:nvSpPr>
         <p:spPr>
           <a:xfrm>
-            <a:off x="2063946" y="3837342"/>
-            <a:ext cx="1121633" cy="218252"/>
+            <a:off x="1670754" y="4420596"/>
+            <a:ext cx="2024575" cy="393950"/>
           </a:xfrm>
           <a:prstGeom prst="rect">
             <a:avLst/>
@@ -9264,8 +9397,8 @@
         </p:nvSpPr>
         <p:spPr>
           <a:xfrm>
-            <a:off x="5132767" y="3675888"/>
-            <a:ext cx="1039433" cy="507174"/>
+            <a:off x="4739575" y="4026553"/>
+            <a:ext cx="1876202" cy="915461"/>
           </a:xfrm>
           <a:prstGeom prst="ellipse">
             <a:avLst/>
@@ -9310,8 +9443,8 @@
         </p:nvCxnSpPr>
         <p:spPr>
           <a:xfrm>
-            <a:off x="1721297" y="3520440"/>
-            <a:ext cx="1806933" cy="155448"/>
+            <a:off x="1275031" y="3878833"/>
+            <a:ext cx="2886730" cy="140365"/>
           </a:xfrm>
           <a:prstGeom prst="line">
             <a:avLst/>
@@ -9347,8 +9480,8 @@
         </p:nvCxnSpPr>
         <p:spPr>
           <a:xfrm>
-            <a:off x="4896669" y="3495737"/>
-            <a:ext cx="1806933" cy="155448"/>
+            <a:off x="4724124" y="3789673"/>
+            <a:ext cx="2344978" cy="236880"/>
           </a:xfrm>
           <a:prstGeom prst="line">
             <a:avLst/>
@@ -9384,8 +9517,8 @@
         </p:nvCxnSpPr>
         <p:spPr>
           <a:xfrm>
-            <a:off x="7776737" y="3370165"/>
-            <a:ext cx="2016487" cy="812897"/>
+            <a:off x="7802377" y="3490012"/>
+            <a:ext cx="2427647" cy="1452002"/>
           </a:xfrm>
           <a:prstGeom prst="line">
             <a:avLst/>
@@ -9413,6 +9546,156 @@
           </a:fontRef>
         </p:style>
       </p:cxnSp>
+      <p:pic>
+        <p:nvPicPr>
+          <p:cNvPr id="26" name="図 25"/>
+          <p:cNvPicPr>
+            <a:picLocks noChangeAspect="1"/>
+          </p:cNvPicPr>
+          <p:nvPr/>
+        </p:nvPicPr>
+        <p:blipFill>
+          <a:blip r:embed="rId5" cstate="print">
+            <a:extLst>
+              <a:ext uri="{28A0092B-C50C-407E-A947-70E740481C1C}">
+                <a14:useLocalDpi xmlns:a14="http://schemas.microsoft.com/office/drawing/2010/main" val="0"/>
+              </a:ext>
+            </a:extLst>
+          </a:blip>
+          <a:stretch>
+            <a:fillRect/>
+          </a:stretch>
+        </p:blipFill>
+        <p:spPr>
+          <a:xfrm>
+            <a:off x="1544609" y="2632594"/>
+            <a:ext cx="2314158" cy="2314158"/>
+          </a:xfrm>
+          <a:prstGeom prst="rect">
+            <a:avLst/>
+          </a:prstGeom>
+        </p:spPr>
+      </p:pic>
+      <p:pic>
+        <p:nvPicPr>
+          <p:cNvPr id="27" name="図 26"/>
+          <p:cNvPicPr>
+            <a:picLocks noChangeAspect="1"/>
+          </p:cNvPicPr>
+          <p:nvPr/>
+        </p:nvPicPr>
+        <p:blipFill>
+          <a:blip r:embed="rId6">
+            <a:extLst>
+              <a:ext uri="{28A0092B-C50C-407E-A947-70E740481C1C}">
+                <a14:useLocalDpi xmlns:a14="http://schemas.microsoft.com/office/drawing/2010/main" val="0"/>
+              </a:ext>
+            </a:extLst>
+          </a:blip>
+          <a:stretch>
+            <a:fillRect/>
+          </a:stretch>
+        </p:blipFill>
+        <p:spPr>
+          <a:xfrm>
+            <a:off x="7873498" y="2663457"/>
+            <a:ext cx="2218788" cy="2218788"/>
+          </a:xfrm>
+          <a:prstGeom prst="rect">
+            <a:avLst/>
+          </a:prstGeom>
+        </p:spPr>
+      </p:pic>
+      <p:pic>
+        <p:nvPicPr>
+          <p:cNvPr id="28" name="図 27"/>
+          <p:cNvPicPr>
+            <a:picLocks noChangeAspect="1"/>
+          </p:cNvPicPr>
+          <p:nvPr/>
+        </p:nvPicPr>
+        <p:blipFill>
+          <a:blip r:embed="rId7" cstate="print">
+            <a:extLst>
+              <a:ext uri="{28A0092B-C50C-407E-A947-70E740481C1C}">
+                <a14:useLocalDpi xmlns:a14="http://schemas.microsoft.com/office/drawing/2010/main" val="0"/>
+              </a:ext>
+            </a:extLst>
+          </a:blip>
+          <a:stretch>
+            <a:fillRect/>
+          </a:stretch>
+        </p:blipFill>
+        <p:spPr>
+          <a:xfrm>
+            <a:off x="4733142" y="2655684"/>
+            <a:ext cx="2234335" cy="2234335"/>
+          </a:xfrm>
+          <a:prstGeom prst="rect">
+            <a:avLst/>
+          </a:prstGeom>
+        </p:spPr>
+      </p:pic>
+      <p:pic>
+        <p:nvPicPr>
+          <p:cNvPr id="25" name="図 24"/>
+          <p:cNvPicPr>
+            <a:picLocks noChangeAspect="1"/>
+          </p:cNvPicPr>
+          <p:nvPr/>
+        </p:nvPicPr>
+        <p:blipFill>
+          <a:blip r:embed="rId8">
+            <a:extLst>
+              <a:ext uri="{28A0092B-C50C-407E-A947-70E740481C1C}">
+                <a14:useLocalDpi xmlns:a14="http://schemas.microsoft.com/office/drawing/2010/main" val="0"/>
+              </a:ext>
+            </a:extLst>
+          </a:blip>
+          <a:stretch>
+            <a:fillRect/>
+          </a:stretch>
+        </p:blipFill>
+        <p:spPr>
+          <a:xfrm>
+            <a:off x="7865274" y="2992982"/>
+            <a:ext cx="2235236" cy="2235236"/>
+          </a:xfrm>
+          <a:prstGeom prst="rect">
+            <a:avLst/>
+          </a:prstGeom>
+        </p:spPr>
+      </p:pic>
+      <p:pic>
+        <p:nvPicPr>
+          <p:cNvPr id="24" name="図 23"/>
+          <p:cNvPicPr>
+            <a:picLocks noChangeAspect="1"/>
+          </p:cNvPicPr>
+          <p:nvPr/>
+        </p:nvPicPr>
+        <p:blipFill>
+          <a:blip r:embed="rId9">
+            <a:extLst>
+              <a:ext uri="{28A0092B-C50C-407E-A947-70E740481C1C}">
+                <a14:useLocalDpi xmlns:a14="http://schemas.microsoft.com/office/drawing/2010/main" val="0"/>
+              </a:ext>
+            </a:extLst>
+          </a:blip>
+          <a:stretch>
+            <a:fillRect/>
+          </a:stretch>
+        </p:blipFill>
+        <p:spPr>
+          <a:xfrm>
+            <a:off x="3504307" y="1997449"/>
+            <a:ext cx="5419858" cy="3584448"/>
+          </a:xfrm>
+          <a:prstGeom prst="rect">
+            <a:avLst/>
+          </a:prstGeom>
+        </p:spPr>
+      </p:pic>
     </p:spTree>
     <p:extLst>
       <p:ext uri="{BB962C8B-B14F-4D97-AF65-F5344CB8AC3E}">
@@ -9423,12 +9706,758 @@
   <p:clrMapOvr>
     <a:masterClrMapping/>
   </p:clrMapOvr>
+  <mc:AlternateContent xmlns:mc="http://schemas.openxmlformats.org/markup-compatibility/2006">
+    <mc:Choice xmlns:p14="http://schemas.microsoft.com/office/powerpoint/2010/main" Requires="p14">
+      <p:transition spd="slow">
+        <p14:reveal/>
+      </p:transition>
+    </mc:Choice>
+    <mc:Fallback>
+      <p:transition spd="slow">
+        <p:fade/>
+      </p:transition>
+    </mc:Fallback>
+  </mc:AlternateContent>
   <p:timing>
     <p:tnLst>
       <p:par>
-        <p:cTn id="1" dur="indefinite" restart="never" nodeType="tmRoot"/>
+        <p:cTn id="1" dur="indefinite" restart="never" nodeType="tmRoot">
+          <p:childTnLst>
+            <p:seq concurrent="1" nextAc="seek">
+              <p:cTn id="2" dur="indefinite" nodeType="mainSeq">
+                <p:childTnLst>
+                  <p:par>
+                    <p:cTn id="3" fill="hold">
+                      <p:stCondLst>
+                        <p:cond delay="indefinite"/>
+                      </p:stCondLst>
+                      <p:childTnLst>
+                        <p:par>
+                          <p:cTn id="4" fill="hold">
+                            <p:stCondLst>
+                              <p:cond delay="0"/>
+                            </p:stCondLst>
+                            <p:childTnLst>
+                              <p:par>
+                                <p:cTn id="5" presetID="14" presetClass="exit" presetSubtype="10" fill="hold" nodeType="clickEffect">
+                                  <p:stCondLst>
+                                    <p:cond delay="0"/>
+                                  </p:stCondLst>
+                                  <p:childTnLst>
+                                    <p:animEffect transition="out" filter="randombar(horizontal)">
+                                      <p:cBhvr>
+                                        <p:cTn id="6" dur="500"/>
+                                        <p:tgtEl>
+                                          <p:spTgt spid="5"/>
+                                        </p:tgtEl>
+                                      </p:cBhvr>
+                                    </p:animEffect>
+                                    <p:set>
+                                      <p:cBhvr>
+                                        <p:cTn id="7" dur="1" fill="hold">
+                                          <p:stCondLst>
+                                            <p:cond delay="499"/>
+                                          </p:stCondLst>
+                                        </p:cTn>
+                                        <p:tgtEl>
+                                          <p:spTgt spid="5"/>
+                                        </p:tgtEl>
+                                        <p:attrNameLst>
+                                          <p:attrName>style.visibility</p:attrName>
+                                        </p:attrNameLst>
+                                      </p:cBhvr>
+                                      <p:to>
+                                        <p:strVal val="hidden"/>
+                                      </p:to>
+                                    </p:set>
+                                  </p:childTnLst>
+                                </p:cTn>
+                              </p:par>
+                              <p:par>
+                                <p:cTn id="8" presetID="14" presetClass="exit" presetSubtype="10" fill="hold" nodeType="withEffect">
+                                  <p:stCondLst>
+                                    <p:cond delay="0"/>
+                                  </p:stCondLst>
+                                  <p:childTnLst>
+                                    <p:animEffect transition="out" filter="randombar(horizontal)">
+                                      <p:cBhvr>
+                                        <p:cTn id="9" dur="500"/>
+                                        <p:tgtEl>
+                                          <p:spTgt spid="6"/>
+                                        </p:tgtEl>
+                                      </p:cBhvr>
+                                    </p:animEffect>
+                                    <p:set>
+                                      <p:cBhvr>
+                                        <p:cTn id="10" dur="1" fill="hold">
+                                          <p:stCondLst>
+                                            <p:cond delay="499"/>
+                                          </p:stCondLst>
+                                        </p:cTn>
+                                        <p:tgtEl>
+                                          <p:spTgt spid="6"/>
+                                        </p:tgtEl>
+                                        <p:attrNameLst>
+                                          <p:attrName>style.visibility</p:attrName>
+                                        </p:attrNameLst>
+                                      </p:cBhvr>
+                                      <p:to>
+                                        <p:strVal val="hidden"/>
+                                      </p:to>
+                                    </p:set>
+                                  </p:childTnLst>
+                                </p:cTn>
+                              </p:par>
+                              <p:par>
+                                <p:cTn id="11" presetID="14" presetClass="exit" presetSubtype="10" fill="hold" nodeType="withEffect">
+                                  <p:stCondLst>
+                                    <p:cond delay="0"/>
+                                  </p:stCondLst>
+                                  <p:childTnLst>
+                                    <p:animEffect transition="out" filter="randombar(horizontal)">
+                                      <p:cBhvr>
+                                        <p:cTn id="12" dur="500"/>
+                                        <p:tgtEl>
+                                          <p:spTgt spid="7"/>
+                                        </p:tgtEl>
+                                      </p:cBhvr>
+                                    </p:animEffect>
+                                    <p:set>
+                                      <p:cBhvr>
+                                        <p:cTn id="13" dur="1" fill="hold">
+                                          <p:stCondLst>
+                                            <p:cond delay="499"/>
+                                          </p:stCondLst>
+                                        </p:cTn>
+                                        <p:tgtEl>
+                                          <p:spTgt spid="7"/>
+                                        </p:tgtEl>
+                                        <p:attrNameLst>
+                                          <p:attrName>style.visibility</p:attrName>
+                                        </p:attrNameLst>
+                                      </p:cBhvr>
+                                      <p:to>
+                                        <p:strVal val="hidden"/>
+                                      </p:to>
+                                    </p:set>
+                                  </p:childTnLst>
+                                </p:cTn>
+                              </p:par>
+                              <p:par>
+                                <p:cTn id="14" presetID="14" presetClass="exit" presetSubtype="10" fill="hold" grpId="0" nodeType="withEffect">
+                                  <p:stCondLst>
+                                    <p:cond delay="0"/>
+                                  </p:stCondLst>
+                                  <p:childTnLst>
+                                    <p:animEffect transition="out" filter="randombar(horizontal)">
+                                      <p:cBhvr>
+                                        <p:cTn id="15" dur="500"/>
+                                        <p:tgtEl>
+                                          <p:spTgt spid="8"/>
+                                        </p:tgtEl>
+                                      </p:cBhvr>
+                                    </p:animEffect>
+                                    <p:set>
+                                      <p:cBhvr>
+                                        <p:cTn id="16" dur="1" fill="hold">
+                                          <p:stCondLst>
+                                            <p:cond delay="499"/>
+                                          </p:stCondLst>
+                                        </p:cTn>
+                                        <p:tgtEl>
+                                          <p:spTgt spid="8"/>
+                                        </p:tgtEl>
+                                        <p:attrNameLst>
+                                          <p:attrName>style.visibility</p:attrName>
+                                        </p:attrNameLst>
+                                      </p:cBhvr>
+                                      <p:to>
+                                        <p:strVal val="hidden"/>
+                                      </p:to>
+                                    </p:set>
+                                  </p:childTnLst>
+                                </p:cTn>
+                              </p:par>
+                              <p:par>
+                                <p:cTn id="17" presetID="14" presetClass="exit" presetSubtype="10" fill="hold" grpId="0" nodeType="withEffect">
+                                  <p:stCondLst>
+                                    <p:cond delay="0"/>
+                                  </p:stCondLst>
+                                  <p:childTnLst>
+                                    <p:animEffect transition="out" filter="randombar(horizontal)">
+                                      <p:cBhvr>
+                                        <p:cTn id="18" dur="500"/>
+                                        <p:tgtEl>
+                                          <p:spTgt spid="9"/>
+                                        </p:tgtEl>
+                                      </p:cBhvr>
+                                    </p:animEffect>
+                                    <p:set>
+                                      <p:cBhvr>
+                                        <p:cTn id="19" dur="1" fill="hold">
+                                          <p:stCondLst>
+                                            <p:cond delay="499"/>
+                                          </p:stCondLst>
+                                        </p:cTn>
+                                        <p:tgtEl>
+                                          <p:spTgt spid="9"/>
+                                        </p:tgtEl>
+                                        <p:attrNameLst>
+                                          <p:attrName>style.visibility</p:attrName>
+                                        </p:attrNameLst>
+                                      </p:cBhvr>
+                                      <p:to>
+                                        <p:strVal val="hidden"/>
+                                      </p:to>
+                                    </p:set>
+                                  </p:childTnLst>
+                                </p:cTn>
+                              </p:par>
+                              <p:par>
+                                <p:cTn id="20" presetID="14" presetClass="exit" presetSubtype="10" fill="hold" grpId="0" nodeType="withEffect">
+                                  <p:stCondLst>
+                                    <p:cond delay="0"/>
+                                  </p:stCondLst>
+                                  <p:childTnLst>
+                                    <p:animEffect transition="out" filter="randombar(horizontal)">
+                                      <p:cBhvr>
+                                        <p:cTn id="21" dur="500"/>
+                                        <p:tgtEl>
+                                          <p:spTgt spid="11"/>
+                                        </p:tgtEl>
+                                      </p:cBhvr>
+                                    </p:animEffect>
+                                    <p:set>
+                                      <p:cBhvr>
+                                        <p:cTn id="22" dur="1" fill="hold">
+                                          <p:stCondLst>
+                                            <p:cond delay="499"/>
+                                          </p:stCondLst>
+                                        </p:cTn>
+                                        <p:tgtEl>
+                                          <p:spTgt spid="11"/>
+                                        </p:tgtEl>
+                                        <p:attrNameLst>
+                                          <p:attrName>style.visibility</p:attrName>
+                                        </p:attrNameLst>
+                                      </p:cBhvr>
+                                      <p:to>
+                                        <p:strVal val="hidden"/>
+                                      </p:to>
+                                    </p:set>
+                                  </p:childTnLst>
+                                </p:cTn>
+                              </p:par>
+                              <p:par>
+                                <p:cTn id="23" presetID="14" presetClass="exit" presetSubtype="10" fill="hold" grpId="0" nodeType="withEffect">
+                                  <p:stCondLst>
+                                    <p:cond delay="0"/>
+                                  </p:stCondLst>
+                                  <p:childTnLst>
+                                    <p:animEffect transition="out" filter="randombar(horizontal)">
+                                      <p:cBhvr>
+                                        <p:cTn id="24" dur="500"/>
+                                        <p:tgtEl>
+                                          <p:spTgt spid="12"/>
+                                        </p:tgtEl>
+                                      </p:cBhvr>
+                                    </p:animEffect>
+                                    <p:set>
+                                      <p:cBhvr>
+                                        <p:cTn id="25" dur="1" fill="hold">
+                                          <p:stCondLst>
+                                            <p:cond delay="499"/>
+                                          </p:stCondLst>
+                                        </p:cTn>
+                                        <p:tgtEl>
+                                          <p:spTgt spid="12"/>
+                                        </p:tgtEl>
+                                        <p:attrNameLst>
+                                          <p:attrName>style.visibility</p:attrName>
+                                        </p:attrNameLst>
+                                      </p:cBhvr>
+                                      <p:to>
+                                        <p:strVal val="hidden"/>
+                                      </p:to>
+                                    </p:set>
+                                  </p:childTnLst>
+                                </p:cTn>
+                              </p:par>
+                              <p:par>
+                                <p:cTn id="26" presetID="14" presetClass="exit" presetSubtype="10" fill="hold" grpId="0" nodeType="withEffect">
+                                  <p:stCondLst>
+                                    <p:cond delay="0"/>
+                                  </p:stCondLst>
+                                  <p:childTnLst>
+                                    <p:animEffect transition="out" filter="randombar(horizontal)">
+                                      <p:cBhvr>
+                                        <p:cTn id="27" dur="500"/>
+                                        <p:tgtEl>
+                                          <p:spTgt spid="13"/>
+                                        </p:tgtEl>
+                                      </p:cBhvr>
+                                    </p:animEffect>
+                                    <p:set>
+                                      <p:cBhvr>
+                                        <p:cTn id="28" dur="1" fill="hold">
+                                          <p:stCondLst>
+                                            <p:cond delay="499"/>
+                                          </p:stCondLst>
+                                        </p:cTn>
+                                        <p:tgtEl>
+                                          <p:spTgt spid="13"/>
+                                        </p:tgtEl>
+                                        <p:attrNameLst>
+                                          <p:attrName>style.visibility</p:attrName>
+                                        </p:attrNameLst>
+                                      </p:cBhvr>
+                                      <p:to>
+                                        <p:strVal val="hidden"/>
+                                      </p:to>
+                                    </p:set>
+                                  </p:childTnLst>
+                                </p:cTn>
+                              </p:par>
+                              <p:par>
+                                <p:cTn id="29" presetID="14" presetClass="exit" presetSubtype="10" fill="hold" nodeType="withEffect">
+                                  <p:stCondLst>
+                                    <p:cond delay="0"/>
+                                  </p:stCondLst>
+                                  <p:childTnLst>
+                                    <p:animEffect transition="out" filter="randombar(horizontal)">
+                                      <p:cBhvr>
+                                        <p:cTn id="30" dur="500"/>
+                                        <p:tgtEl>
+                                          <p:spTgt spid="14"/>
+                                        </p:tgtEl>
+                                      </p:cBhvr>
+                                    </p:animEffect>
+                                    <p:set>
+                                      <p:cBhvr>
+                                        <p:cTn id="31" dur="1" fill="hold">
+                                          <p:stCondLst>
+                                            <p:cond delay="499"/>
+                                          </p:stCondLst>
+                                        </p:cTn>
+                                        <p:tgtEl>
+                                          <p:spTgt spid="14"/>
+                                        </p:tgtEl>
+                                        <p:attrNameLst>
+                                          <p:attrName>style.visibility</p:attrName>
+                                        </p:attrNameLst>
+                                      </p:cBhvr>
+                                      <p:to>
+                                        <p:strVal val="hidden"/>
+                                      </p:to>
+                                    </p:set>
+                                  </p:childTnLst>
+                                </p:cTn>
+                              </p:par>
+                              <p:par>
+                                <p:cTn id="32" presetID="14" presetClass="exit" presetSubtype="10" fill="hold" nodeType="withEffect">
+                                  <p:stCondLst>
+                                    <p:cond delay="0"/>
+                                  </p:stCondLst>
+                                  <p:childTnLst>
+                                    <p:animEffect transition="out" filter="randombar(horizontal)">
+                                      <p:cBhvr>
+                                        <p:cTn id="33" dur="500"/>
+                                        <p:tgtEl>
+                                          <p:spTgt spid="15"/>
+                                        </p:tgtEl>
+                                      </p:cBhvr>
+                                    </p:animEffect>
+                                    <p:set>
+                                      <p:cBhvr>
+                                        <p:cTn id="34" dur="1" fill="hold">
+                                          <p:stCondLst>
+                                            <p:cond delay="499"/>
+                                          </p:stCondLst>
+                                        </p:cTn>
+                                        <p:tgtEl>
+                                          <p:spTgt spid="15"/>
+                                        </p:tgtEl>
+                                        <p:attrNameLst>
+                                          <p:attrName>style.visibility</p:attrName>
+                                        </p:attrNameLst>
+                                      </p:cBhvr>
+                                      <p:to>
+                                        <p:strVal val="hidden"/>
+                                      </p:to>
+                                    </p:set>
+                                  </p:childTnLst>
+                                </p:cTn>
+                              </p:par>
+                              <p:par>
+                                <p:cTn id="35" presetID="14" presetClass="exit" presetSubtype="10" fill="hold" nodeType="withEffect">
+                                  <p:stCondLst>
+                                    <p:cond delay="0"/>
+                                  </p:stCondLst>
+                                  <p:childTnLst>
+                                    <p:animEffect transition="out" filter="randombar(horizontal)">
+                                      <p:cBhvr>
+                                        <p:cTn id="36" dur="500"/>
+                                        <p:tgtEl>
+                                          <p:spTgt spid="16"/>
+                                        </p:tgtEl>
+                                      </p:cBhvr>
+                                    </p:animEffect>
+                                    <p:set>
+                                      <p:cBhvr>
+                                        <p:cTn id="37" dur="1" fill="hold">
+                                          <p:stCondLst>
+                                            <p:cond delay="499"/>
+                                          </p:stCondLst>
+                                        </p:cTn>
+                                        <p:tgtEl>
+                                          <p:spTgt spid="16"/>
+                                        </p:tgtEl>
+                                        <p:attrNameLst>
+                                          <p:attrName>style.visibility</p:attrName>
+                                        </p:attrNameLst>
+                                      </p:cBhvr>
+                                      <p:to>
+                                        <p:strVal val="hidden"/>
+                                      </p:to>
+                                    </p:set>
+                                  </p:childTnLst>
+                                </p:cTn>
+                              </p:par>
+                            </p:childTnLst>
+                          </p:cTn>
+                        </p:par>
+                        <p:par>
+                          <p:cTn id="38" fill="hold">
+                            <p:stCondLst>
+                              <p:cond delay="500"/>
+                            </p:stCondLst>
+                            <p:childTnLst>
+                              <p:par>
+                                <p:cTn id="39" presetID="14" presetClass="entr" presetSubtype="10" fill="hold" nodeType="afterEffect">
+                                  <p:stCondLst>
+                                    <p:cond delay="0"/>
+                                  </p:stCondLst>
+                                  <p:childTnLst>
+                                    <p:set>
+                                      <p:cBhvr>
+                                        <p:cTn id="40" dur="1" fill="hold">
+                                          <p:stCondLst>
+                                            <p:cond delay="0"/>
+                                          </p:stCondLst>
+                                        </p:cTn>
+                                        <p:tgtEl>
+                                          <p:spTgt spid="27"/>
+                                        </p:tgtEl>
+                                        <p:attrNameLst>
+                                          <p:attrName>style.visibility</p:attrName>
+                                        </p:attrNameLst>
+                                      </p:cBhvr>
+                                      <p:to>
+                                        <p:strVal val="visible"/>
+                                      </p:to>
+                                    </p:set>
+                                    <p:animEffect transition="in" filter="randombar(horizontal)">
+                                      <p:cBhvr>
+                                        <p:cTn id="41" dur="500"/>
+                                        <p:tgtEl>
+                                          <p:spTgt spid="27"/>
+                                        </p:tgtEl>
+                                      </p:cBhvr>
+                                    </p:animEffect>
+                                  </p:childTnLst>
+                                </p:cTn>
+                              </p:par>
+                              <p:par>
+                                <p:cTn id="42" presetID="14" presetClass="entr" presetSubtype="10" fill="hold" nodeType="withEffect">
+                                  <p:stCondLst>
+                                    <p:cond delay="0"/>
+                                  </p:stCondLst>
+                                  <p:childTnLst>
+                                    <p:set>
+                                      <p:cBhvr>
+                                        <p:cTn id="43" dur="1" fill="hold">
+                                          <p:stCondLst>
+                                            <p:cond delay="0"/>
+                                          </p:stCondLst>
+                                        </p:cTn>
+                                        <p:tgtEl>
+                                          <p:spTgt spid="28"/>
+                                        </p:tgtEl>
+                                        <p:attrNameLst>
+                                          <p:attrName>style.visibility</p:attrName>
+                                        </p:attrNameLst>
+                                      </p:cBhvr>
+                                      <p:to>
+                                        <p:strVal val="visible"/>
+                                      </p:to>
+                                    </p:set>
+                                    <p:animEffect transition="in" filter="randombar(horizontal)">
+                                      <p:cBhvr>
+                                        <p:cTn id="44" dur="500"/>
+                                        <p:tgtEl>
+                                          <p:spTgt spid="28"/>
+                                        </p:tgtEl>
+                                      </p:cBhvr>
+                                    </p:animEffect>
+                                  </p:childTnLst>
+                                </p:cTn>
+                              </p:par>
+                              <p:par>
+                                <p:cTn id="45" presetID="14" presetClass="entr" presetSubtype="10" fill="hold" nodeType="withEffect">
+                                  <p:stCondLst>
+                                    <p:cond delay="0"/>
+                                  </p:stCondLst>
+                                  <p:childTnLst>
+                                    <p:set>
+                                      <p:cBhvr>
+                                        <p:cTn id="46" dur="1" fill="hold">
+                                          <p:stCondLst>
+                                            <p:cond delay="0"/>
+                                          </p:stCondLst>
+                                        </p:cTn>
+                                        <p:tgtEl>
+                                          <p:spTgt spid="26"/>
+                                        </p:tgtEl>
+                                        <p:attrNameLst>
+                                          <p:attrName>style.visibility</p:attrName>
+                                        </p:attrNameLst>
+                                      </p:cBhvr>
+                                      <p:to>
+                                        <p:strVal val="visible"/>
+                                      </p:to>
+                                    </p:set>
+                                    <p:animEffect transition="in" filter="randombar(horizontal)">
+                                      <p:cBhvr>
+                                        <p:cTn id="47" dur="500"/>
+                                        <p:tgtEl>
+                                          <p:spTgt spid="26"/>
+                                        </p:tgtEl>
+                                      </p:cBhvr>
+                                    </p:animEffect>
+                                  </p:childTnLst>
+                                </p:cTn>
+                              </p:par>
+                            </p:childTnLst>
+                          </p:cTn>
+                        </p:par>
+                      </p:childTnLst>
+                    </p:cTn>
+                  </p:par>
+                  <p:par>
+                    <p:cTn id="48" fill="hold">
+                      <p:stCondLst>
+                        <p:cond delay="indefinite"/>
+                      </p:stCondLst>
+                      <p:childTnLst>
+                        <p:par>
+                          <p:cTn id="49" fill="hold">
+                            <p:stCondLst>
+                              <p:cond delay="0"/>
+                            </p:stCondLst>
+                            <p:childTnLst>
+                              <p:par>
+                                <p:cTn id="50" presetID="53" presetClass="entr" presetSubtype="16" fill="hold" nodeType="clickEffect">
+                                  <p:stCondLst>
+                                    <p:cond delay="0"/>
+                                  </p:stCondLst>
+                                  <p:childTnLst>
+                                    <p:set>
+                                      <p:cBhvr>
+                                        <p:cTn id="51" dur="1" fill="hold">
+                                          <p:stCondLst>
+                                            <p:cond delay="0"/>
+                                          </p:stCondLst>
+                                        </p:cTn>
+                                        <p:tgtEl>
+                                          <p:spTgt spid="24"/>
+                                        </p:tgtEl>
+                                        <p:attrNameLst>
+                                          <p:attrName>style.visibility</p:attrName>
+                                        </p:attrNameLst>
+                                      </p:cBhvr>
+                                      <p:to>
+                                        <p:strVal val="visible"/>
+                                      </p:to>
+                                    </p:set>
+                                    <p:anim calcmode="lin" valueType="num">
+                                      <p:cBhvr>
+                                        <p:cTn id="52" dur="500" fill="hold"/>
+                                        <p:tgtEl>
+                                          <p:spTgt spid="24"/>
+                                        </p:tgtEl>
+                                        <p:attrNameLst>
+                                          <p:attrName>ppt_w</p:attrName>
+                                        </p:attrNameLst>
+                                      </p:cBhvr>
+                                      <p:tavLst>
+                                        <p:tav tm="0">
+                                          <p:val>
+                                            <p:fltVal val="0"/>
+                                          </p:val>
+                                        </p:tav>
+                                        <p:tav tm="100000">
+                                          <p:val>
+                                            <p:strVal val="#ppt_w"/>
+                                          </p:val>
+                                        </p:tav>
+                                      </p:tavLst>
+                                    </p:anim>
+                                    <p:anim calcmode="lin" valueType="num">
+                                      <p:cBhvr>
+                                        <p:cTn id="53" dur="500" fill="hold"/>
+                                        <p:tgtEl>
+                                          <p:spTgt spid="24"/>
+                                        </p:tgtEl>
+                                        <p:attrNameLst>
+                                          <p:attrName>ppt_h</p:attrName>
+                                        </p:attrNameLst>
+                                      </p:cBhvr>
+                                      <p:tavLst>
+                                        <p:tav tm="0">
+                                          <p:val>
+                                            <p:fltVal val="0"/>
+                                          </p:val>
+                                        </p:tav>
+                                        <p:tav tm="100000">
+                                          <p:val>
+                                            <p:strVal val="#ppt_h"/>
+                                          </p:val>
+                                        </p:tav>
+                                      </p:tavLst>
+                                    </p:anim>
+                                    <p:animEffect transition="in" filter="fade">
+                                      <p:cBhvr>
+                                        <p:cTn id="54" dur="500"/>
+                                        <p:tgtEl>
+                                          <p:spTgt spid="24"/>
+                                        </p:tgtEl>
+                                      </p:cBhvr>
+                                    </p:animEffect>
+                                  </p:childTnLst>
+                                </p:cTn>
+                              </p:par>
+                            </p:childTnLst>
+                          </p:cTn>
+                        </p:par>
+                      </p:childTnLst>
+                    </p:cTn>
+                  </p:par>
+                  <p:par>
+                    <p:cTn id="55" fill="hold">
+                      <p:stCondLst>
+                        <p:cond delay="indefinite"/>
+                      </p:stCondLst>
+                      <p:childTnLst>
+                        <p:par>
+                          <p:cTn id="56" fill="hold">
+                            <p:stCondLst>
+                              <p:cond delay="0"/>
+                            </p:stCondLst>
+                            <p:childTnLst>
+                              <p:par>
+                                <p:cTn id="57" presetID="14" presetClass="exit" presetSubtype="10" fill="hold" nodeType="clickEffect">
+                                  <p:stCondLst>
+                                    <p:cond delay="0"/>
+                                  </p:stCondLst>
+                                  <p:childTnLst>
+                                    <p:animEffect transition="out" filter="randombar(horizontal)">
+                                      <p:cBhvr>
+                                        <p:cTn id="58" dur="500"/>
+                                        <p:tgtEl>
+                                          <p:spTgt spid="27"/>
+                                        </p:tgtEl>
+                                      </p:cBhvr>
+                                    </p:animEffect>
+                                    <p:set>
+                                      <p:cBhvr>
+                                        <p:cTn id="59" dur="1" fill="hold">
+                                          <p:stCondLst>
+                                            <p:cond delay="499"/>
+                                          </p:stCondLst>
+                                        </p:cTn>
+                                        <p:tgtEl>
+                                          <p:spTgt spid="27"/>
+                                        </p:tgtEl>
+                                        <p:attrNameLst>
+                                          <p:attrName>style.visibility</p:attrName>
+                                        </p:attrNameLst>
+                                      </p:cBhvr>
+                                      <p:to>
+                                        <p:strVal val="hidden"/>
+                                      </p:to>
+                                    </p:set>
+                                  </p:childTnLst>
+                                </p:cTn>
+                              </p:par>
+                              <p:par>
+                                <p:cTn id="60" presetID="14" presetClass="entr" presetSubtype="10" fill="hold" nodeType="withEffect">
+                                  <p:stCondLst>
+                                    <p:cond delay="0"/>
+                                  </p:stCondLst>
+                                  <p:childTnLst>
+                                    <p:set>
+                                      <p:cBhvr>
+                                        <p:cTn id="61" dur="1" fill="hold">
+                                          <p:stCondLst>
+                                            <p:cond delay="0"/>
+                                          </p:stCondLst>
+                                        </p:cTn>
+                                        <p:tgtEl>
+                                          <p:spTgt spid="25"/>
+                                        </p:tgtEl>
+                                        <p:attrNameLst>
+                                          <p:attrName>style.visibility</p:attrName>
+                                        </p:attrNameLst>
+                                      </p:cBhvr>
+                                      <p:to>
+                                        <p:strVal val="visible"/>
+                                      </p:to>
+                                    </p:set>
+                                    <p:animEffect transition="in" filter="randombar(horizontal)">
+                                      <p:cBhvr>
+                                        <p:cTn id="62" dur="500"/>
+                                        <p:tgtEl>
+                                          <p:spTgt spid="25"/>
+                                        </p:tgtEl>
+                                      </p:cBhvr>
+                                    </p:animEffect>
+                                  </p:childTnLst>
+                                </p:cTn>
+                              </p:par>
+                            </p:childTnLst>
+                          </p:cTn>
+                        </p:par>
+                      </p:childTnLst>
+                    </p:cTn>
+                  </p:par>
+                </p:childTnLst>
+              </p:cTn>
+              <p:prevCondLst>
+                <p:cond evt="onPrev" delay="0">
+                  <p:tgtEl>
+                    <p:sldTgt/>
+                  </p:tgtEl>
+                </p:cond>
+              </p:prevCondLst>
+              <p:nextCondLst>
+                <p:cond evt="onNext" delay="0">
+                  <p:tgtEl>
+                    <p:sldTgt/>
+                  </p:tgtEl>
+                </p:cond>
+              </p:nextCondLst>
+            </p:seq>
+          </p:childTnLst>
+        </p:cTn>
       </p:par>
     </p:tnLst>
+    <p:bldLst>
+      <p:bldP spid="8" grpId="0" animBg="1"/>
+      <p:bldP spid="9" grpId="0" animBg="1"/>
+      <p:bldP spid="11" grpId="0" animBg="1"/>
+      <p:bldP spid="12" grpId="0" animBg="1"/>
+      <p:bldP spid="13" grpId="0" animBg="1"/>
+    </p:bldLst>
   </p:timing>
 </p:sld>
 </file>
@@ -9462,14 +10491,52 @@
         </p:nvSpPr>
         <p:spPr/>
         <p:txBody>
-          <a:bodyPr/>
+          <a:bodyPr>
+            <a:noAutofit/>
+          </a:bodyPr>
           <a:lstStyle/>
           <a:p>
             <a:r>
+              <a:rPr lang="ja-JP" altLang="en-US" sz="6000" dirty="0"/>
+              <a:t>人気</a:t>
+            </a:r>
+            <a:r>
+              <a:rPr lang="ja-JP" altLang="en-US" sz="3600" dirty="0"/>
+              <a:t>を</a:t>
+            </a:r>
+            <a:r>
+              <a:rPr lang="ja-JP" altLang="en-US" sz="6000" dirty="0"/>
+              <a:t>集</a:t>
+            </a:r>
+            <a:r>
               <a:rPr lang="ja-JP" altLang="en-US" dirty="0"/>
-              <a:t>人気を集め、商売を盛り上げろ</a:t>
-            </a:r>
-            <a:endParaRPr kumimoji="1" lang="ja-JP" altLang="en-US" dirty="0"/>
+              <a:t>め</a:t>
+            </a:r>
+            <a:r>
+              <a:rPr lang="ja-JP" altLang="en-US" sz="6000" dirty="0"/>
+              <a:t>、商売</a:t>
+            </a:r>
+            <a:r>
+              <a:rPr lang="ja-JP" altLang="en-US" sz="3600" dirty="0"/>
+              <a:t>を</a:t>
+            </a:r>
+            <a:r>
+              <a:rPr lang="ja-JP" altLang="en-US" sz="6000" dirty="0"/>
+              <a:t>盛</a:t>
+            </a:r>
+            <a:r>
+              <a:rPr lang="ja-JP" altLang="en-US" dirty="0"/>
+              <a:t>り</a:t>
+            </a:r>
+            <a:r>
+              <a:rPr lang="ja-JP" altLang="en-US" sz="6000" dirty="0"/>
+              <a:t>上</a:t>
+            </a:r>
+            <a:r>
+              <a:rPr lang="ja-JP" altLang="en-US" dirty="0"/>
+              <a:t>げろ</a:t>
+            </a:r>
+            <a:endParaRPr kumimoji="1" lang="ja-JP" altLang="en-US" sz="4800" dirty="0"/>
           </a:p>
         </p:txBody>
       </p:sp>
@@ -10978,11 +12045,7 @@
           <a:p>
             <a:r>
               <a:rPr lang="ja-JP" altLang="en-US" sz="1800" dirty="0" smtClean="0"/>
-              <a:t>上手くすしを作っていれば、店の人気が上がり、たくさんのお客様</a:t>
-            </a:r>
-            <a:r>
-              <a:rPr lang="ja-JP" altLang="en-US" sz="1800" dirty="0" smtClean="0"/>
-              <a:t>が並んで来る</a:t>
+              <a:t>上手くすしを作っていれば、店の人気が上がり、たくさんのお客様が並んで来る</a:t>
             </a:r>
             <a:endParaRPr lang="en-US" altLang="ja-JP" sz="1800" dirty="0" smtClean="0"/>
           </a:p>
@@ -12330,6 +13393,18 @@
   <p:clrMapOvr>
     <a:masterClrMapping/>
   </p:clrMapOvr>
+  <mc:AlternateContent xmlns:mc="http://schemas.openxmlformats.org/markup-compatibility/2006">
+    <mc:Choice xmlns:p15="http://schemas.microsoft.com/office/powerpoint/2012/main" Requires="p15">
+      <p:transition xmlns:p14="http://schemas.microsoft.com/office/powerpoint/2010/main" spd="slow" p14:dur="2000">
+        <p15:prstTrans prst="drape"/>
+      </p:transition>
+    </mc:Choice>
+    <mc:Fallback>
+      <p:transition spd="slow">
+        <p:fade/>
+      </p:transition>
+    </mc:Fallback>
+  </mc:AlternateContent>
   <p:timing>
     <p:tnLst>
       <p:par>
@@ -12562,92 +13637,31 @@
             <p:ph type="title"/>
           </p:nvPr>
         </p:nvSpPr>
-        <p:spPr/>
+        <p:spPr>
+          <a:xfrm>
+            <a:off x="1335024" y="1819656"/>
+            <a:ext cx="10058400" cy="1609344"/>
+          </a:xfrm>
+        </p:spPr>
         <p:txBody>
-          <a:bodyPr/>
+          <a:bodyPr>
+            <a:noAutofit/>
+          </a:bodyPr>
           <a:lstStyle/>
           <a:p>
             <a:r>
-              <a:rPr kumimoji="1" lang="ja-JP" altLang="en-US" dirty="0" smtClean="0"/>
-              <a:t>他</a:t>
-            </a:r>
-            <a:endParaRPr kumimoji="1" lang="ja-JP" altLang="en-US" dirty="0"/>
-          </a:p>
-        </p:txBody>
-      </p:sp>
-      <p:sp>
-        <p:nvSpPr>
-          <p:cNvPr id="3" name="テキスト プレースホルダー 2"/>
-          <p:cNvSpPr>
-            <a:spLocks noGrp="1"/>
-          </p:cNvSpPr>
-          <p:nvPr>
-            <p:ph type="body" idx="1"/>
-          </p:nvPr>
-        </p:nvSpPr>
-        <p:spPr/>
-        <p:txBody>
-          <a:bodyPr/>
-          <a:lstStyle/>
-          <a:p>
-            <a:endParaRPr kumimoji="1" lang="ja-JP" altLang="en-US"/>
-          </a:p>
-        </p:txBody>
-      </p:sp>
-      <p:sp>
-        <p:nvSpPr>
-          <p:cNvPr id="4" name="コンテンツ プレースホルダー 3"/>
-          <p:cNvSpPr>
-            <a:spLocks noGrp="1"/>
-          </p:cNvSpPr>
-          <p:nvPr>
-            <p:ph sz="half" idx="2"/>
-          </p:nvPr>
-        </p:nvSpPr>
-        <p:spPr/>
-        <p:txBody>
-          <a:bodyPr/>
-          <a:lstStyle/>
-          <a:p>
-            <a:endParaRPr kumimoji="1" lang="ja-JP" altLang="en-US"/>
-          </a:p>
-        </p:txBody>
-      </p:sp>
-      <p:sp>
-        <p:nvSpPr>
-          <p:cNvPr id="5" name="テキスト プレースホルダー 4"/>
-          <p:cNvSpPr>
-            <a:spLocks noGrp="1"/>
-          </p:cNvSpPr>
-          <p:nvPr>
-            <p:ph type="body" sz="quarter" idx="3"/>
-          </p:nvPr>
-        </p:nvSpPr>
-        <p:spPr/>
-        <p:txBody>
-          <a:bodyPr/>
-          <a:lstStyle/>
-          <a:p>
-            <a:endParaRPr kumimoji="1" lang="ja-JP" altLang="en-US"/>
-          </a:p>
-        </p:txBody>
-      </p:sp>
-      <p:sp>
-        <p:nvSpPr>
-          <p:cNvPr id="6" name="コンテンツ プレースホルダー 5"/>
-          <p:cNvSpPr>
-            <a:spLocks noGrp="1"/>
-          </p:cNvSpPr>
-          <p:nvPr>
-            <p:ph sz="quarter" idx="4"/>
-          </p:nvPr>
-        </p:nvSpPr>
-        <p:spPr/>
-        <p:txBody>
-          <a:bodyPr/>
-          <a:lstStyle/>
-          <a:p>
-            <a:endParaRPr kumimoji="1" lang="ja-JP" altLang="en-US"/>
+              <a:rPr kumimoji="1" lang="ja-JP" altLang="en-US" sz="4800" dirty="0" smtClean="0"/>
+              <a:t>ご</a:t>
+            </a:r>
+            <a:r>
+              <a:rPr kumimoji="1" lang="ja-JP" altLang="en-US" sz="6600" dirty="0" smtClean="0"/>
+              <a:t>清聴</a:t>
+            </a:r>
+            <a:r>
+              <a:rPr kumimoji="1" lang="ja-JP" altLang="en-US" sz="4800" dirty="0" smtClean="0"/>
+              <a:t>ありがとうございました</a:t>
+            </a:r>
+            <a:endParaRPr kumimoji="1" lang="ja-JP" altLang="en-US" sz="4800" dirty="0"/>
           </a:p>
         </p:txBody>
       </p:sp>

--- a/侍寿司屋_企画仕様書.pptx
+++ b/侍寿司屋_企画仕様書.pptx
@@ -244,7 +244,7 @@
           <a:p>
             <a:fld id="{6896BA61-AA4F-4A10-AC93-1A065B56C411}" type="datetimeFigureOut">
               <a:rPr kumimoji="1" lang="ja-JP" altLang="en-US" smtClean="0"/>
-              <a:t>2018/3/20</a:t>
+              <a:t>2018/3/27</a:t>
             </a:fld>
             <a:endParaRPr kumimoji="1" lang="ja-JP" altLang="en-US"/>
           </a:p>
@@ -590,11 +590,21 @@
           <a:p>
             <a:r>
               <a:rPr kumimoji="1" lang="ja-JP" altLang="en-US" dirty="0" smtClean="0"/>
-              <a:t>そして</a:t>
-            </a:r>
+              <a:t>されど、大名がこの侍が活躍していることを知って、</a:t>
+            </a:r>
+            <a:endParaRPr kumimoji="1" lang="en-US" altLang="ja-JP" dirty="0" smtClean="0"/>
+          </a:p>
+          <a:p>
             <a:r>
               <a:rPr kumimoji="1" lang="ja-JP" altLang="en-US" dirty="0" smtClean="0"/>
-              <a:t>、この侍が有名になったとともに、大名が忍者を</a:t>
+              <a:t>忍者が襲ってくる</a:t>
+            </a:r>
+            <a:endParaRPr kumimoji="1" lang="en-US" altLang="ja-JP" dirty="0" smtClean="0"/>
+          </a:p>
+          <a:p>
+            <a:r>
+              <a:rPr kumimoji="1" lang="ja-JP" altLang="en-US" dirty="0" smtClean="0"/>
+              <a:t>それに飛んだり、壁に隠れたり</a:t>
             </a:r>
             <a:endParaRPr kumimoji="1" lang="en-US" altLang="ja-JP" dirty="0" smtClean="0"/>
           </a:p>
@@ -1076,7 +1086,7 @@
           <a:p>
             <a:fld id="{EA09839B-FDFC-49F9-B956-C85EFC887E6D}" type="datetimeFigureOut">
               <a:rPr kumimoji="1" lang="ja-JP" altLang="en-US" smtClean="0"/>
-              <a:t>2018/3/20</a:t>
+              <a:t>2018/3/27</a:t>
             </a:fld>
             <a:endParaRPr kumimoji="1" lang="ja-JP" altLang="en-US"/>
           </a:p>
@@ -1421,7 +1431,7 @@
           <a:p>
             <a:fld id="{EA09839B-FDFC-49F9-B956-C85EFC887E6D}" type="datetimeFigureOut">
               <a:rPr kumimoji="1" lang="ja-JP" altLang="en-US" smtClean="0"/>
-              <a:t>2018/3/20</a:t>
+              <a:t>2018/3/27</a:t>
             </a:fld>
             <a:endParaRPr kumimoji="1" lang="ja-JP" altLang="en-US"/>
           </a:p>
@@ -1693,7 +1703,7 @@
           <a:p>
             <a:fld id="{EA09839B-FDFC-49F9-B956-C85EFC887E6D}" type="datetimeFigureOut">
               <a:rPr kumimoji="1" lang="ja-JP" altLang="en-US" smtClean="0"/>
-              <a:t>2018/3/20</a:t>
+              <a:t>2018/3/27</a:t>
             </a:fld>
             <a:endParaRPr kumimoji="1" lang="ja-JP" altLang="en-US"/>
           </a:p>
@@ -1905,7 +1915,7 @@
           <a:p>
             <a:fld id="{EA09839B-FDFC-49F9-B956-C85EFC887E6D}" type="datetimeFigureOut">
               <a:rPr kumimoji="1" lang="ja-JP" altLang="en-US" smtClean="0"/>
-              <a:t>2018/3/20</a:t>
+              <a:t>2018/3/27</a:t>
             </a:fld>
             <a:endParaRPr kumimoji="1" lang="ja-JP" altLang="en-US"/>
           </a:p>
@@ -2211,7 +2221,7 @@
           <a:p>
             <a:fld id="{EA09839B-FDFC-49F9-B956-C85EFC887E6D}" type="datetimeFigureOut">
               <a:rPr kumimoji="1" lang="ja-JP" altLang="en-US" smtClean="0"/>
-              <a:t>2018/3/20</a:t>
+              <a:t>2018/3/27</a:t>
             </a:fld>
             <a:endParaRPr kumimoji="1" lang="ja-JP" altLang="en-US"/>
           </a:p>
@@ -2524,7 +2534,7 @@
           <a:p>
             <a:fld id="{EA09839B-FDFC-49F9-B956-C85EFC887E6D}" type="datetimeFigureOut">
               <a:rPr kumimoji="1" lang="ja-JP" altLang="en-US" smtClean="0"/>
-              <a:t>2018/3/20</a:t>
+              <a:t>2018/3/27</a:t>
             </a:fld>
             <a:endParaRPr kumimoji="1" lang="ja-JP" altLang="en-US"/>
           </a:p>
@@ -2974,7 +2984,7 @@
           <a:p>
             <a:fld id="{EA09839B-FDFC-49F9-B956-C85EFC887E6D}" type="datetimeFigureOut">
               <a:rPr kumimoji="1" lang="ja-JP" altLang="en-US" smtClean="0"/>
-              <a:t>2018/3/20</a:t>
+              <a:t>2018/3/27</a:t>
             </a:fld>
             <a:endParaRPr kumimoji="1" lang="ja-JP" altLang="en-US"/>
           </a:p>
@@ -3561,7 +3571,7 @@
           <a:p>
             <a:fld id="{EA09839B-FDFC-49F9-B956-C85EFC887E6D}" type="datetimeFigureOut">
               <a:rPr kumimoji="1" lang="ja-JP" altLang="en-US" smtClean="0"/>
-              <a:t>2018/3/20</a:t>
+              <a:t>2018/3/27</a:t>
             </a:fld>
             <a:endParaRPr kumimoji="1" lang="ja-JP" altLang="en-US"/>
           </a:p>
@@ -3841,7 +3851,7 @@
           <a:p>
             <a:fld id="{EA09839B-FDFC-49F9-B956-C85EFC887E6D}" type="datetimeFigureOut">
               <a:rPr kumimoji="1" lang="ja-JP" altLang="en-US" smtClean="0"/>
-              <a:t>2018/3/20</a:t>
+              <a:t>2018/3/27</a:t>
             </a:fld>
             <a:endParaRPr kumimoji="1" lang="ja-JP" altLang="en-US"/>
           </a:p>
@@ -3975,7 +3985,7 @@
           <a:p>
             <a:fld id="{EA09839B-FDFC-49F9-B956-C85EFC887E6D}" type="datetimeFigureOut">
               <a:rPr kumimoji="1" lang="ja-JP" altLang="en-US" smtClean="0"/>
-              <a:t>2018/3/20</a:t>
+              <a:t>2018/3/27</a:t>
             </a:fld>
             <a:endParaRPr kumimoji="1" lang="ja-JP" altLang="en-US"/>
           </a:p>
@@ -4100,7 +4110,7 @@
           <a:p>
             <a:fld id="{EA09839B-FDFC-49F9-B956-C85EFC887E6D}" type="datetimeFigureOut">
               <a:rPr kumimoji="1" lang="ja-JP" altLang="en-US" smtClean="0"/>
-              <a:t>2018/3/20</a:t>
+              <a:t>2018/3/27</a:t>
             </a:fld>
             <a:endParaRPr kumimoji="1" lang="ja-JP" altLang="en-US"/>
           </a:p>
@@ -4482,7 +4492,7 @@
           <a:p>
             <a:fld id="{EA09839B-FDFC-49F9-B956-C85EFC887E6D}" type="datetimeFigureOut">
               <a:rPr kumimoji="1" lang="ja-JP" altLang="en-US" smtClean="0"/>
-              <a:t>2018/3/20</a:t>
+              <a:t>2018/3/27</a:t>
             </a:fld>
             <a:endParaRPr kumimoji="1" lang="ja-JP" altLang="en-US"/>
           </a:p>
@@ -4824,7 +4834,7 @@
           <a:p>
             <a:fld id="{EA09839B-FDFC-49F9-B956-C85EFC887E6D}" type="datetimeFigureOut">
               <a:rPr kumimoji="1" lang="ja-JP" altLang="en-US" smtClean="0"/>
-              <a:t>2018/3/20</a:t>
+              <a:t>2018/3/27</a:t>
             </a:fld>
             <a:endParaRPr kumimoji="1" lang="ja-JP" altLang="en-US"/>
           </a:p>
@@ -5465,7 +5475,15 @@
           <a:p>
             <a:r>
               <a:rPr kumimoji="1" lang="ja-JP" altLang="en-US" dirty="0" smtClean="0"/>
-              <a:t>ゲーム企画・シナリオ専攻一年　タンカ</a:t>
+              <a:t>ゲーム企画・シナリオ</a:t>
+            </a:r>
+            <a:r>
+              <a:rPr kumimoji="1" lang="ja-JP" altLang="en-US" dirty="0" smtClean="0"/>
+              <a:t>専攻二年</a:t>
+            </a:r>
+            <a:r>
+              <a:rPr kumimoji="1" lang="ja-JP" altLang="en-US" dirty="0" smtClean="0"/>
+              <a:t>　タンカ</a:t>
             </a:r>
             <a:endParaRPr kumimoji="1" lang="ja-JP" altLang="en-US" dirty="0"/>
           </a:p>
@@ -5575,57 +5593,58 @@
           <a:lstStyle/>
           <a:p>
             <a:r>
-              <a:rPr kumimoji="1" lang="ja-JP" altLang="en-US" sz="2400" dirty="0" smtClean="0"/>
-              <a:t>ジャンル：刀アクション、エンドレスゲーム</a:t>
-            </a:r>
-            <a:endParaRPr kumimoji="1" lang="en-US" altLang="ja-JP" sz="2400" dirty="0" smtClean="0"/>
-          </a:p>
-          <a:p>
+              <a:rPr lang="ja-JP" altLang="en-US" sz="2400" dirty="0"/>
+              <a:t>ジャンル：２</a:t>
+            </a:r>
+            <a:r>
+              <a:rPr lang="en-US" altLang="ja-JP" sz="2400" dirty="0"/>
+              <a:t>D</a:t>
+            </a:r>
+            <a:r>
+              <a:rPr lang="ja-JP" altLang="en-US" sz="2400" dirty="0"/>
+              <a:t>刀アクション、エンドレスゲーム</a:t>
+            </a:r>
+            <a:endParaRPr lang="en-US" altLang="ja-JP" sz="2400" dirty="0"/>
+          </a:p>
+          <a:p>
+            <a:r>
+              <a:rPr lang="ja-JP" altLang="en-US" sz="2400" dirty="0"/>
+              <a:t>プラットフォーム：スマホ</a:t>
+            </a:r>
+            <a:endParaRPr lang="en-US" altLang="ja-JP" sz="2400" dirty="0"/>
+          </a:p>
+          <a:p>
+            <a:r>
+              <a:rPr lang="ja-JP" altLang="en-US" sz="2400" dirty="0"/>
+              <a:t>ターゲット</a:t>
+            </a:r>
             <a:r>
               <a:rPr lang="ja-JP" altLang="en-US" sz="2400" dirty="0" smtClean="0"/>
-              <a:t>プラットフォーム：</a:t>
-            </a:r>
-            <a:r>
-              <a:rPr lang="en-US" altLang="ja-JP" sz="2400" dirty="0" smtClean="0"/>
-              <a:t>android</a:t>
-            </a:r>
+              <a:t>：簡単操作アクションが好きな方</a:t>
+            </a:r>
+            <a:endParaRPr lang="en-US" altLang="ja-JP" sz="2400" dirty="0" smtClean="0"/>
           </a:p>
           <a:p>
             <a:r>
               <a:rPr lang="ja-JP" altLang="en-US" sz="2400" dirty="0" smtClean="0"/>
-              <a:t>ターゲット：フィクションにリアリティを求め</a:t>
-            </a:r>
-            <a:r>
-              <a:rPr lang="ja-JP" altLang="en-US" sz="2800" dirty="0" smtClean="0"/>
-              <a:t>ない</a:t>
-            </a:r>
-            <a:r>
-              <a:rPr lang="ja-JP" altLang="en-US" sz="2400" dirty="0" smtClean="0"/>
+              <a:t>プレイ</a:t>
+            </a:r>
+            <a:r>
+              <a:rPr lang="ja-JP" altLang="en-US" sz="2400" dirty="0"/>
+              <a:t>人数：</a:t>
+            </a:r>
+            <a:r>
+              <a:rPr lang="en-US" altLang="ja-JP" sz="2400" dirty="0"/>
+              <a:t>1</a:t>
+            </a:r>
+            <a:r>
+              <a:rPr lang="ja-JP" altLang="en-US" sz="2400" dirty="0"/>
               <a:t>人</a:t>
             </a:r>
-            <a:endParaRPr lang="en-US" altLang="ja-JP" sz="2400" dirty="0" smtClean="0"/>
-          </a:p>
-          <a:p>
-            <a:r>
-              <a:rPr kumimoji="1" lang="ja-JP" altLang="en-US" sz="2400" dirty="0" smtClean="0"/>
-              <a:t>プレイ</a:t>
-            </a:r>
-            <a:r>
-              <a:rPr kumimoji="1" lang="ja-JP" altLang="en-US" sz="2400" dirty="0" smtClean="0"/>
-              <a:t>人数：</a:t>
-            </a:r>
-            <a:r>
-              <a:rPr kumimoji="1" lang="en-US" altLang="ja-JP" sz="2400" dirty="0"/>
-              <a:t>1</a:t>
-            </a:r>
-            <a:r>
-              <a:rPr kumimoji="1" lang="ja-JP" altLang="en-US" sz="2400" dirty="0" smtClean="0"/>
-              <a:t>人</a:t>
-            </a:r>
-            <a:endParaRPr kumimoji="1" lang="en-US" altLang="ja-JP" sz="2400" dirty="0" smtClean="0"/>
-          </a:p>
-          <a:p>
-            <a:endParaRPr kumimoji="1" lang="en-US" altLang="ja-JP" sz="2400" dirty="0" smtClean="0"/>
+            <a:endParaRPr lang="en-US" altLang="ja-JP" sz="2400" dirty="0"/>
+          </a:p>
+          <a:p>
+            <a:endParaRPr lang="en-US" altLang="ja-JP" sz="2400" dirty="0"/>
           </a:p>
           <a:p>
             <a:endParaRPr kumimoji="1" lang="ja-JP" altLang="en-US" sz="2400" dirty="0"/>
@@ -5730,11 +5749,7 @@
             </a:r>
             <a:r>
               <a:rPr kumimoji="1" lang="ja-JP" altLang="en-US" sz="2400" dirty="0" smtClean="0"/>
-              <a:t>がいた</a:t>
-            </a:r>
-            <a:r>
-              <a:rPr kumimoji="1" lang="ja-JP" altLang="en-US" sz="2400" dirty="0" smtClean="0"/>
-              <a:t>。</a:t>
+              <a:t>がいた。</a:t>
             </a:r>
             <a:endParaRPr kumimoji="1" lang="en-US" altLang="ja-JP" sz="2400" dirty="0" smtClean="0"/>
           </a:p>
@@ -8436,7 +8451,7 @@
 </file>
 
 <file path=ppt/slides/slide5.xml><?xml version="1.0" encoding="utf-8"?>
-<p:sld xmlns:a="http://schemas.openxmlformats.org/drawingml/2006/main" xmlns:r="http://schemas.openxmlformats.org/officeDocument/2006/relationships" xmlns:p="http://schemas.openxmlformats.org/presentationml/2006/main">
+<p:sld xmlns:a="http://schemas.openxmlformats.org/drawingml/2006/main" xmlns:r="http://schemas.openxmlformats.org/officeDocument/2006/relationships" xmlns:p="http://schemas.openxmlformats.org/presentationml/2006/main" show="0">
   <p:cSld>
     <p:spTree>
       <p:nvGrpSpPr>
@@ -9706,13 +9721,13 @@
   <p:clrMapOvr>
     <a:masterClrMapping/>
   </p:clrMapOvr>
-  <mc:AlternateContent xmlns:mc="http://schemas.openxmlformats.org/markup-compatibility/2006">
-    <mc:Choice xmlns:p14="http://schemas.microsoft.com/office/powerpoint/2010/main" Requires="p14">
+  <mc:AlternateContent xmlns:mc="http://schemas.openxmlformats.org/markup-compatibility/2006" xmlns:p14="http://schemas.microsoft.com/office/powerpoint/2010/main">
+    <mc:Choice Requires="p14">
       <p:transition spd="slow">
         <p14:reveal/>
       </p:transition>
     </mc:Choice>
-    <mc:Fallback>
+    <mc:Fallback xmlns="">
       <p:transition spd="slow">
         <p:fade/>
       </p:transition>
@@ -13393,13 +13408,13 @@
   <p:clrMapOvr>
     <a:masterClrMapping/>
   </p:clrMapOvr>
-  <mc:AlternateContent xmlns:mc="http://schemas.openxmlformats.org/markup-compatibility/2006">
-    <mc:Choice xmlns:p15="http://schemas.microsoft.com/office/powerpoint/2012/main" Requires="p15">
+  <mc:AlternateContent xmlns:mc="http://schemas.openxmlformats.org/markup-compatibility/2006" xmlns:p15="http://schemas.microsoft.com/office/powerpoint/2012/main">
+    <mc:Choice Requires="p15">
       <p:transition xmlns:p14="http://schemas.microsoft.com/office/powerpoint/2010/main" spd="slow" p14:dur="2000">
         <p15:prstTrans prst="drape"/>
       </p:transition>
     </mc:Choice>
-    <mc:Fallback>
+    <mc:Fallback xmlns="">
       <p:transition spd="slow">
         <p:fade/>
       </p:transition>
